--- a/杨豪杰开题/论文答辩开题报告(杨豪杰).pptx
+++ b/杨豪杰开题/论文答辩开题报告(杨豪杰).pptx
@@ -1,30 +1,30 @@
 
 <file path=ppt/presentation.xml><?xml version="1.0" encoding="utf-8"?>
-<p:presentation xmlns:a="http://schemas.openxmlformats.org/drawingml/2006/main" xmlns:r="http://schemas.openxmlformats.org/officeDocument/2006/relationships" xmlns:p="http://schemas.openxmlformats.org/presentationml/2006/main" saveSubsetFonts="1">
+<p:presentation xmlns:a="http://schemas.openxmlformats.org/drawingml/2006/main" xmlns:r="http://schemas.openxmlformats.org/officeDocument/2006/relationships" xmlns:p="http://schemas.openxmlformats.org/presentationml/2006/main">
   <p:sldMasterIdLst>
     <p:sldMasterId id="2147483648" r:id="rId1"/>
   </p:sldMasterIdLst>
   <p:notesMasterIdLst>
-    <p:notesMasterId r:id="rId19"/>
+    <p:notesMasterId r:id="rId4"/>
   </p:notesMasterIdLst>
   <p:sldIdLst>
-    <p:sldId id="258" r:id="rId2"/>
-    <p:sldId id="299" r:id="rId3"/>
-    <p:sldId id="289" r:id="rId4"/>
-    <p:sldId id="267" r:id="rId5"/>
-    <p:sldId id="266" r:id="rId6"/>
-    <p:sldId id="269" r:id="rId7"/>
-    <p:sldId id="303" r:id="rId8"/>
-    <p:sldId id="268" r:id="rId9"/>
-    <p:sldId id="282" r:id="rId10"/>
-    <p:sldId id="305" r:id="rId11"/>
-    <p:sldId id="280" r:id="rId12"/>
-    <p:sldId id="281" r:id="rId13"/>
-    <p:sldId id="262" r:id="rId14"/>
-    <p:sldId id="261" r:id="rId15"/>
-    <p:sldId id="306" r:id="rId16"/>
-    <p:sldId id="307" r:id="rId17"/>
-    <p:sldId id="279" r:id="rId18"/>
+    <p:sldId id="258" r:id="rId3"/>
+    <p:sldId id="299" r:id="rId5"/>
+    <p:sldId id="289" r:id="rId6"/>
+    <p:sldId id="267" r:id="rId7"/>
+    <p:sldId id="266" r:id="rId8"/>
+    <p:sldId id="269" r:id="rId9"/>
+    <p:sldId id="303" r:id="rId10"/>
+    <p:sldId id="268" r:id="rId11"/>
+    <p:sldId id="282" r:id="rId12"/>
+    <p:sldId id="305" r:id="rId13"/>
+    <p:sldId id="280" r:id="rId14"/>
+    <p:sldId id="281" r:id="rId15"/>
+    <p:sldId id="262" r:id="rId16"/>
+    <p:sldId id="261" r:id="rId17"/>
+    <p:sldId id="306" r:id="rId18"/>
+    <p:sldId id="307" r:id="rId19"/>
+    <p:sldId id="279" r:id="rId20"/>
   </p:sldIdLst>
   <p:sldSz cx="12192000" cy="6858000"/>
   <p:notesSz cx="6858000" cy="9144000"/>
@@ -124,19 +124,8 @@
     </a:lvl9pPr>
   </p:defaultTextStyle>
   <p:extLst>
-    <p:ext uri="{EFAFB233-063F-42B5-8137-9DF3F51BA10A}">
-      <p15:sldGuideLst xmlns:p15="http://schemas.microsoft.com/office/powerpoint/2012/main">
-        <p15:guide id="1" orient="horz" pos="2160" userDrawn="1">
-          <p15:clr>
-            <a:srgbClr val="A4A3A4"/>
-          </p15:clr>
-        </p15:guide>
-        <p15:guide id="2" pos="3840" userDrawn="1">
-          <p15:clr>
-            <a:srgbClr val="A4A3A4"/>
-          </p15:clr>
-        </p15:guide>
-      </p15:sldGuideLst>
+    <p:ext uri="{505F2C04-C923-438B-8C0F-E0CD2BADF298}">
+      <wppc:fontMiss xmlns:wppc="http://www.wps.cn/officeDocument/PresentationCustomData" type="true"/>
     </p:ext>
   </p:extLst>
 </p:presentation>
@@ -224,7 +213,6 @@
           <a:p>
             <a:fld id="{A5051BC2-F25C-4BF7-95F7-A74904AC2CE4}" type="datetimeFigureOut">
               <a:rPr lang="zh-CN" altLang="en-US" smtClean="0"/>
-              <a:t>2020/12/2</a:t>
             </a:fld>
             <a:endParaRPr lang="zh-CN" altLang="en-US"/>
           </a:p>
@@ -291,6 +279,7 @@
               <a:rPr lang="zh-CN" altLang="en-US"/>
               <a:t>单击此处编辑母版文本样式</a:t>
             </a:r>
+            <a:endParaRPr lang="zh-CN" altLang="en-US"/>
           </a:p>
           <a:p>
             <a:pPr lvl="1"/>
@@ -298,6 +287,7 @@
               <a:rPr lang="zh-CN" altLang="en-US"/>
               <a:t>第二级</a:t>
             </a:r>
+            <a:endParaRPr lang="zh-CN" altLang="en-US"/>
           </a:p>
           <a:p>
             <a:pPr lvl="2"/>
@@ -305,6 +295,7 @@
               <a:rPr lang="zh-CN" altLang="en-US"/>
               <a:t>第三级</a:t>
             </a:r>
+            <a:endParaRPr lang="zh-CN" altLang="en-US"/>
           </a:p>
           <a:p>
             <a:pPr lvl="3"/>
@@ -312,6 +303,7 @@
               <a:rPr lang="zh-CN" altLang="en-US"/>
               <a:t>第四级</a:t>
             </a:r>
+            <a:endParaRPr lang="zh-CN" altLang="en-US"/>
           </a:p>
           <a:p>
             <a:pPr lvl="4"/>
@@ -319,6 +311,7 @@
               <a:rPr lang="zh-CN" altLang="en-US"/>
               <a:t>第五级</a:t>
             </a:r>
+            <a:endParaRPr lang="zh-CN" altLang="en-US"/>
           </a:p>
         </p:txBody>
       </p:sp>
@@ -382,18 +375,12 @@
           <a:p>
             <a:fld id="{95614C47-D2C0-448D-911B-1324277A7A0B}" type="slidenum">
               <a:rPr lang="zh-CN" altLang="en-US" smtClean="0"/>
-              <a:t>‹#›</a:t>
             </a:fld>
             <a:endParaRPr lang="zh-CN" altLang="en-US"/>
           </a:p>
         </p:txBody>
       </p:sp>
     </p:spTree>
-    <p:extLst>
-      <p:ext uri="{BB962C8B-B14F-4D97-AF65-F5344CB8AC3E}">
-        <p14:creationId xmlns:p14="http://schemas.microsoft.com/office/powerpoint/2010/main" val="1450175144"/>
-      </p:ext>
-    </p:extLst>
   </p:cSld>
   <p:clrMap bg1="lt1" tx1="dk1" bg2="lt2" tx2="dk2" accent1="accent1" accent2="accent2" accent3="accent3" accent4="accent4" accent5="accent5" accent6="accent6" hlink="hlink" folHlink="folHlink"/>
   <p:notesStyle>
@@ -500,74 +487,34 @@
         <p:cNvGrpSpPr/>
         <p:nvPr/>
       </p:nvGrpSpPr>
-      <p:grpSpPr>
-        <a:xfrm>
-          <a:off x="0" y="0"/>
-          <a:ext cx="0" cy="0"/>
-          <a:chOff x="0" y="0"/>
-          <a:chExt cx="0" cy="0"/>
-        </a:xfrm>
-      </p:grpSpPr>
+      <p:grpSpPr/>
       <p:sp>
         <p:nvSpPr>
           <p:cNvPr id="2" name="幻灯片图像占位符 1"/>
-          <p:cNvSpPr>
-            <a:spLocks noGrp="1" noRot="1" noChangeAspect="1"/>
-          </p:cNvSpPr>
+          <p:cNvSpPr/>
           <p:nvPr>
-            <p:ph type="sldImg"/>
+            <p:ph type="sldImg" idx="2"/>
           </p:nvPr>
         </p:nvSpPr>
         <p:spPr/>
       </p:sp>
       <p:sp>
         <p:nvSpPr>
-          <p:cNvPr id="3" name="备注占位符 2"/>
-          <p:cNvSpPr>
-            <a:spLocks noGrp="1"/>
-          </p:cNvSpPr>
+          <p:cNvPr id="3" name="文本占位符 2"/>
+          <p:cNvSpPr/>
           <p:nvPr>
-            <p:ph type="body" idx="1"/>
+            <p:ph type="body" idx="3"/>
           </p:nvPr>
         </p:nvSpPr>
         <p:spPr/>
         <p:txBody>
           <a:bodyPr/>
-          <a:lstStyle/>
           <a:p>
-            <a:endParaRPr lang="zh-CN" altLang="en-US" dirty="0"/>
-          </a:p>
-        </p:txBody>
-      </p:sp>
-      <p:sp>
-        <p:nvSpPr>
-          <p:cNvPr id="4" name="灯片编号占位符 3"/>
-          <p:cNvSpPr>
-            <a:spLocks noGrp="1"/>
-          </p:cNvSpPr>
-          <p:nvPr>
-            <p:ph type="sldNum" sz="quarter" idx="5"/>
-          </p:nvPr>
-        </p:nvSpPr>
-        <p:spPr/>
-        <p:txBody>
-          <a:bodyPr/>
-          <a:lstStyle/>
-          <a:p>
-            <a:fld id="{95614C47-D2C0-448D-911B-1324277A7A0B}" type="slidenum">
-              <a:rPr lang="zh-CN" altLang="en-US" smtClean="0"/>
-              <a:t>8</a:t>
-            </a:fld>
             <a:endParaRPr lang="zh-CN" altLang="en-US"/>
           </a:p>
         </p:txBody>
       </p:sp>
     </p:spTree>
-    <p:extLst>
-      <p:ext uri="{BB962C8B-B14F-4D97-AF65-F5344CB8AC3E}">
-        <p14:creationId xmlns:p14="http://schemas.microsoft.com/office/powerpoint/2010/main" val="662241721"/>
-      </p:ext>
-    </p:extLst>
   </p:cSld>
   <p:clrMapOvr>
     <a:masterClrMapping/>
@@ -640,18 +587,12 @@
           <a:p>
             <a:fld id="{95614C47-D2C0-448D-911B-1324277A7A0B}" type="slidenum">
               <a:rPr lang="zh-CN" altLang="en-US" smtClean="0"/>
-              <a:t>9</a:t>
             </a:fld>
             <a:endParaRPr lang="zh-CN" altLang="en-US"/>
           </a:p>
         </p:txBody>
       </p:sp>
     </p:spTree>
-    <p:extLst>
-      <p:ext uri="{BB962C8B-B14F-4D97-AF65-F5344CB8AC3E}">
-        <p14:creationId xmlns:p14="http://schemas.microsoft.com/office/powerpoint/2010/main" val="2117129267"/>
-      </p:ext>
-    </p:extLst>
   </p:cSld>
   <p:clrMapOvr>
     <a:masterClrMapping/>
@@ -724,18 +665,12 @@
           <a:p>
             <a:fld id="{95614C47-D2C0-448D-911B-1324277A7A0B}" type="slidenum">
               <a:rPr lang="zh-CN" altLang="en-US" smtClean="0"/>
-              <a:t>10</a:t>
             </a:fld>
             <a:endParaRPr lang="zh-CN" altLang="en-US"/>
           </a:p>
         </p:txBody>
       </p:sp>
     </p:spTree>
-    <p:extLst>
-      <p:ext uri="{BB962C8B-B14F-4D97-AF65-F5344CB8AC3E}">
-        <p14:creationId xmlns:p14="http://schemas.microsoft.com/office/powerpoint/2010/main" val="502786627"/>
-      </p:ext>
-    </p:extLst>
   </p:cSld>
   <p:clrMapOvr>
     <a:masterClrMapping/>
@@ -808,18 +743,12 @@
           <a:p>
             <a:fld id="{95614C47-D2C0-448D-911B-1324277A7A0B}" type="slidenum">
               <a:rPr lang="zh-CN" altLang="en-US" smtClean="0"/>
-              <a:t>11</a:t>
             </a:fld>
             <a:endParaRPr lang="zh-CN" altLang="en-US"/>
           </a:p>
         </p:txBody>
       </p:sp>
     </p:spTree>
-    <p:extLst>
-      <p:ext uri="{BB962C8B-B14F-4D97-AF65-F5344CB8AC3E}">
-        <p14:creationId xmlns:p14="http://schemas.microsoft.com/office/powerpoint/2010/main" val="2697761137"/>
-      </p:ext>
-    </p:extLst>
   </p:cSld>
   <p:clrMapOvr>
     <a:masterClrMapping/>
@@ -892,18 +821,12 @@
           <a:p>
             <a:fld id="{95614C47-D2C0-448D-911B-1324277A7A0B}" type="slidenum">
               <a:rPr lang="zh-CN" altLang="en-US" smtClean="0"/>
-              <a:t>12</a:t>
             </a:fld>
             <a:endParaRPr lang="zh-CN" altLang="en-US"/>
           </a:p>
         </p:txBody>
       </p:sp>
     </p:spTree>
-    <p:extLst>
-      <p:ext uri="{BB962C8B-B14F-4D97-AF65-F5344CB8AC3E}">
-        <p14:creationId xmlns:p14="http://schemas.microsoft.com/office/powerpoint/2010/main" val="4099111572"/>
-      </p:ext>
-    </p:extLst>
   </p:cSld>
   <p:clrMapOvr>
     <a:masterClrMapping/>
@@ -976,18 +899,90 @@
           <a:p>
             <a:fld id="{95614C47-D2C0-448D-911B-1324277A7A0B}" type="slidenum">
               <a:rPr lang="zh-CN" altLang="en-US" smtClean="0"/>
-              <a:t>13</a:t>
             </a:fld>
             <a:endParaRPr lang="zh-CN" altLang="en-US"/>
           </a:p>
         </p:txBody>
       </p:sp>
     </p:spTree>
-    <p:extLst>
-      <p:ext uri="{BB962C8B-B14F-4D97-AF65-F5344CB8AC3E}">
-        <p14:creationId xmlns:p14="http://schemas.microsoft.com/office/powerpoint/2010/main" val="3153994197"/>
-      </p:ext>
-    </p:extLst>
+  </p:cSld>
+  <p:clrMapOvr>
+    <a:masterClrMapping/>
+  </p:clrMapOvr>
+</p:notes>
+</file>
+
+<file path=ppt/notesSlides/notesSlide7.xml><?xml version="1.0" encoding="utf-8"?>
+<p:notes xmlns:a="http://schemas.openxmlformats.org/drawingml/2006/main" xmlns:r="http://schemas.openxmlformats.org/officeDocument/2006/relationships" xmlns:p="http://schemas.openxmlformats.org/presentationml/2006/main">
+  <p:cSld>
+    <p:spTree>
+      <p:nvGrpSpPr>
+        <p:cNvPr id="1" name=""/>
+        <p:cNvGrpSpPr/>
+        <p:nvPr/>
+      </p:nvGrpSpPr>
+      <p:grpSpPr>
+        <a:xfrm>
+          <a:off x="0" y="0"/>
+          <a:ext cx="0" cy="0"/>
+          <a:chOff x="0" y="0"/>
+          <a:chExt cx="0" cy="0"/>
+        </a:xfrm>
+      </p:grpSpPr>
+      <p:sp>
+        <p:nvSpPr>
+          <p:cNvPr id="2" name="幻灯片图像占位符 1"/>
+          <p:cNvSpPr>
+            <a:spLocks noGrp="1" noRot="1" noChangeAspect="1"/>
+          </p:cNvSpPr>
+          <p:nvPr>
+            <p:ph type="sldImg"/>
+          </p:nvPr>
+        </p:nvSpPr>
+        <p:spPr/>
+      </p:sp>
+      <p:sp>
+        <p:nvSpPr>
+          <p:cNvPr id="3" name="备注占位符 2"/>
+          <p:cNvSpPr>
+            <a:spLocks noGrp="1"/>
+          </p:cNvSpPr>
+          <p:nvPr>
+            <p:ph type="body" idx="1"/>
+          </p:nvPr>
+        </p:nvSpPr>
+        <p:spPr/>
+        <p:txBody>
+          <a:bodyPr/>
+          <a:lstStyle/>
+          <a:p>
+            <a:endParaRPr lang="zh-CN" altLang="en-US" dirty="0"/>
+          </a:p>
+        </p:txBody>
+      </p:sp>
+      <p:sp>
+        <p:nvSpPr>
+          <p:cNvPr id="4" name="灯片编号占位符 3"/>
+          <p:cNvSpPr>
+            <a:spLocks noGrp="1"/>
+          </p:cNvSpPr>
+          <p:nvPr>
+            <p:ph type="sldNum" sz="quarter" idx="5"/>
+          </p:nvPr>
+        </p:nvSpPr>
+        <p:spPr/>
+        <p:txBody>
+          <a:bodyPr/>
+          <a:lstStyle/>
+          <a:p>
+            <a:fld id="{95614C47-D2C0-448D-911B-1324277A7A0B}" type="slidenum">
+              <a:rPr lang="zh-CN" altLang="en-US" smtClean="0"/>
+            </a:fld>
+            <a:endParaRPr lang="zh-CN" altLang="en-US"/>
+          </a:p>
+        </p:txBody>
+      </p:sp>
+    </p:spTree>
   </p:cSld>
   <p:clrMapOvr>
     <a:masterClrMapping/>
@@ -1039,6 +1034,7 @@
               <a:rPr lang="zh-CN" altLang="en-US"/>
               <a:t>单击此处编辑母版标题样式</a:t>
             </a:r>
+            <a:endParaRPr lang="zh-CN" altLang="en-US"/>
           </a:p>
         </p:txBody>
       </p:sp>
@@ -1157,6 +1153,7 @@
               <a:rPr lang="zh-CN" altLang="en-US"/>
               <a:t>单击此处编辑母版副标题样式</a:t>
             </a:r>
+            <a:endParaRPr lang="zh-CN" altLang="en-US"/>
           </a:p>
         </p:txBody>
       </p:sp>
@@ -1212,6 +1209,7 @@
               <a:rPr lang="zh-CN" altLang="en-US"/>
               <a:t>单击此处编辑母版标题样式</a:t>
             </a:r>
+            <a:endParaRPr lang="zh-CN" altLang="en-US"/>
           </a:p>
         </p:txBody>
       </p:sp>
@@ -1235,6 +1233,7 @@
               <a:rPr lang="zh-CN" altLang="en-US"/>
               <a:t>单击此处编辑母版文本样式</a:t>
             </a:r>
+            <a:endParaRPr lang="zh-CN" altLang="en-US"/>
           </a:p>
           <a:p>
             <a:pPr lvl="1"/>
@@ -1242,6 +1241,7 @@
               <a:rPr lang="zh-CN" altLang="en-US"/>
               <a:t>第二级</a:t>
             </a:r>
+            <a:endParaRPr lang="zh-CN" altLang="en-US"/>
           </a:p>
           <a:p>
             <a:pPr lvl="2"/>
@@ -1249,6 +1249,7 @@
               <a:rPr lang="zh-CN" altLang="en-US"/>
               <a:t>第三级</a:t>
             </a:r>
+            <a:endParaRPr lang="zh-CN" altLang="en-US"/>
           </a:p>
           <a:p>
             <a:pPr lvl="3"/>
@@ -1256,6 +1257,7 @@
               <a:rPr lang="zh-CN" altLang="en-US"/>
               <a:t>第四级</a:t>
             </a:r>
+            <a:endParaRPr lang="zh-CN" altLang="en-US"/>
           </a:p>
           <a:p>
             <a:pPr lvl="4"/>
@@ -1263,6 +1265,7 @@
               <a:rPr lang="zh-CN" altLang="en-US"/>
               <a:t>第五级</a:t>
             </a:r>
+            <a:endParaRPr lang="zh-CN" altLang="en-US"/>
           </a:p>
         </p:txBody>
       </p:sp>
@@ -1291,7 +1294,6 @@
           <a:p>
             <a:fld id="{530820CF-B880-4189-942D-D702A7CBA730}" type="datetimeFigureOut">
               <a:rPr lang="zh-CN" altLang="en-US" smtClean="0"/>
-              <a:t>2020/12/2</a:t>
             </a:fld>
             <a:endParaRPr lang="zh-CN" altLang="en-US"/>
           </a:p>
@@ -1349,7 +1351,6 @@
           <a:p>
             <a:fld id="{0C913308-F349-4B6D-A68A-DD1791B4A57B}" type="slidenum">
               <a:rPr lang="zh-CN" altLang="en-US" smtClean="0"/>
-              <a:t>‹#›</a:t>
             </a:fld>
             <a:endParaRPr lang="zh-CN" altLang="en-US"/>
           </a:p>
@@ -1407,6 +1408,7 @@
               <a:rPr lang="zh-CN" altLang="en-US"/>
               <a:t>单击此处编辑母版标题样式</a:t>
             </a:r>
+            <a:endParaRPr lang="zh-CN" altLang="en-US"/>
           </a:p>
         </p:txBody>
       </p:sp>
@@ -1435,6 +1437,7 @@
               <a:rPr lang="zh-CN" altLang="en-US"/>
               <a:t>单击此处编辑母版文本样式</a:t>
             </a:r>
+            <a:endParaRPr lang="zh-CN" altLang="en-US"/>
           </a:p>
           <a:p>
             <a:pPr lvl="1"/>
@@ -1442,6 +1445,7 @@
               <a:rPr lang="zh-CN" altLang="en-US"/>
               <a:t>第二级</a:t>
             </a:r>
+            <a:endParaRPr lang="zh-CN" altLang="en-US"/>
           </a:p>
           <a:p>
             <a:pPr lvl="2"/>
@@ -1449,6 +1453,7 @@
               <a:rPr lang="zh-CN" altLang="en-US"/>
               <a:t>第三级</a:t>
             </a:r>
+            <a:endParaRPr lang="zh-CN" altLang="en-US"/>
           </a:p>
           <a:p>
             <a:pPr lvl="3"/>
@@ -1456,6 +1461,7 @@
               <a:rPr lang="zh-CN" altLang="en-US"/>
               <a:t>第四级</a:t>
             </a:r>
+            <a:endParaRPr lang="zh-CN" altLang="en-US"/>
           </a:p>
           <a:p>
             <a:pPr lvl="4"/>
@@ -1463,6 +1469,7 @@
               <a:rPr lang="zh-CN" altLang="en-US"/>
               <a:t>第五级</a:t>
             </a:r>
+            <a:endParaRPr lang="zh-CN" altLang="en-US"/>
           </a:p>
         </p:txBody>
       </p:sp>
@@ -1491,7 +1498,6 @@
           <a:p>
             <a:fld id="{530820CF-B880-4189-942D-D702A7CBA730}" type="datetimeFigureOut">
               <a:rPr lang="zh-CN" altLang="en-US" smtClean="0"/>
-              <a:t>2020/12/2</a:t>
             </a:fld>
             <a:endParaRPr lang="zh-CN" altLang="en-US"/>
           </a:p>
@@ -1549,7 +1555,6 @@
           <a:p>
             <a:fld id="{0C913308-F349-4B6D-A68A-DD1791B4A57B}" type="slidenum">
               <a:rPr lang="zh-CN" altLang="en-US" smtClean="0"/>
-              <a:t>‹#›</a:t>
             </a:fld>
             <a:endParaRPr lang="zh-CN" altLang="en-US"/>
           </a:p>
@@ -1607,6 +1612,7 @@
               <a:rPr lang="zh-CN" altLang="en-US"/>
               <a:t>单击此处编辑母版标题样式</a:t>
             </a:r>
+            <a:endParaRPr lang="zh-CN" altLang="en-US"/>
           </a:p>
         </p:txBody>
       </p:sp>
@@ -1630,6 +1636,7 @@
               <a:rPr lang="zh-CN" altLang="en-US"/>
               <a:t>单击此处编辑母版文本样式</a:t>
             </a:r>
+            <a:endParaRPr lang="zh-CN" altLang="en-US"/>
           </a:p>
           <a:p>
             <a:pPr lvl="1"/>
@@ -1637,6 +1644,7 @@
               <a:rPr lang="zh-CN" altLang="en-US"/>
               <a:t>第二级</a:t>
             </a:r>
+            <a:endParaRPr lang="zh-CN" altLang="en-US"/>
           </a:p>
           <a:p>
             <a:pPr lvl="2"/>
@@ -1644,6 +1652,7 @@
               <a:rPr lang="zh-CN" altLang="en-US"/>
               <a:t>第三级</a:t>
             </a:r>
+            <a:endParaRPr lang="zh-CN" altLang="en-US"/>
           </a:p>
           <a:p>
             <a:pPr lvl="3"/>
@@ -1651,6 +1660,7 @@
               <a:rPr lang="zh-CN" altLang="en-US"/>
               <a:t>第四级</a:t>
             </a:r>
+            <a:endParaRPr lang="zh-CN" altLang="en-US"/>
           </a:p>
           <a:p>
             <a:pPr lvl="4"/>
@@ -1658,6 +1668,7 @@
               <a:rPr lang="zh-CN" altLang="en-US"/>
               <a:t>第五级</a:t>
             </a:r>
+            <a:endParaRPr lang="zh-CN" altLang="en-US"/>
           </a:p>
         </p:txBody>
       </p:sp>
@@ -1686,7 +1697,6 @@
           <a:p>
             <a:fld id="{530820CF-B880-4189-942D-D702A7CBA730}" type="datetimeFigureOut">
               <a:rPr lang="zh-CN" altLang="en-US" smtClean="0"/>
-              <a:t>2020/12/2</a:t>
             </a:fld>
             <a:endParaRPr lang="zh-CN" altLang="en-US"/>
           </a:p>
@@ -1744,7 +1754,6 @@
           <a:p>
             <a:fld id="{0C913308-F349-4B6D-A68A-DD1791B4A57B}" type="slidenum">
               <a:rPr lang="zh-CN" altLang="en-US" smtClean="0"/>
-              <a:t>‹#›</a:t>
             </a:fld>
             <a:endParaRPr lang="zh-CN" altLang="en-US"/>
           </a:p>
@@ -1806,6 +1815,7 @@
               <a:rPr lang="zh-CN" altLang="en-US"/>
               <a:t>单击此处编辑母版标题样式</a:t>
             </a:r>
+            <a:endParaRPr lang="zh-CN" altLang="en-US"/>
           </a:p>
         </p:txBody>
       </p:sp>
@@ -1925,6 +1935,7 @@
               <a:rPr lang="zh-CN" altLang="en-US"/>
               <a:t>单击此处编辑母版文本样式</a:t>
             </a:r>
+            <a:endParaRPr lang="zh-CN" altLang="en-US"/>
           </a:p>
         </p:txBody>
       </p:sp>
@@ -1953,7 +1964,6 @@
           <a:p>
             <a:fld id="{530820CF-B880-4189-942D-D702A7CBA730}" type="datetimeFigureOut">
               <a:rPr lang="zh-CN" altLang="en-US" smtClean="0"/>
-              <a:t>2020/12/2</a:t>
             </a:fld>
             <a:endParaRPr lang="zh-CN" altLang="en-US"/>
           </a:p>
@@ -2011,7 +2021,6 @@
           <a:p>
             <a:fld id="{0C913308-F349-4B6D-A68A-DD1791B4A57B}" type="slidenum">
               <a:rPr lang="zh-CN" altLang="en-US" smtClean="0"/>
-              <a:t>‹#›</a:t>
             </a:fld>
             <a:endParaRPr lang="zh-CN" altLang="en-US"/>
           </a:p>
@@ -2069,6 +2078,7 @@
               <a:rPr lang="zh-CN" altLang="en-US"/>
               <a:t>单击此处编辑母版标题样式</a:t>
             </a:r>
+            <a:endParaRPr lang="zh-CN" altLang="en-US"/>
           </a:p>
         </p:txBody>
       </p:sp>
@@ -2125,6 +2135,7 @@
               <a:rPr lang="zh-CN" altLang="en-US"/>
               <a:t>单击此处编辑母版文本样式</a:t>
             </a:r>
+            <a:endParaRPr lang="zh-CN" altLang="en-US"/>
           </a:p>
           <a:p>
             <a:pPr lvl="1"/>
@@ -2132,6 +2143,7 @@
               <a:rPr lang="zh-CN" altLang="en-US"/>
               <a:t>第二级</a:t>
             </a:r>
+            <a:endParaRPr lang="zh-CN" altLang="en-US"/>
           </a:p>
           <a:p>
             <a:pPr lvl="2"/>
@@ -2139,6 +2151,7 @@
               <a:rPr lang="zh-CN" altLang="en-US"/>
               <a:t>第三级</a:t>
             </a:r>
+            <a:endParaRPr lang="zh-CN" altLang="en-US"/>
           </a:p>
           <a:p>
             <a:pPr lvl="3"/>
@@ -2146,6 +2159,7 @@
               <a:rPr lang="zh-CN" altLang="en-US"/>
               <a:t>第四级</a:t>
             </a:r>
+            <a:endParaRPr lang="zh-CN" altLang="en-US"/>
           </a:p>
           <a:p>
             <a:pPr lvl="4"/>
@@ -2153,6 +2167,7 @@
               <a:rPr lang="zh-CN" altLang="en-US"/>
               <a:t>第五级</a:t>
             </a:r>
+            <a:endParaRPr lang="zh-CN" altLang="en-US"/>
           </a:p>
         </p:txBody>
       </p:sp>
@@ -2209,6 +2224,7 @@
               <a:rPr lang="zh-CN" altLang="en-US"/>
               <a:t>单击此处编辑母版文本样式</a:t>
             </a:r>
+            <a:endParaRPr lang="zh-CN" altLang="en-US"/>
           </a:p>
           <a:p>
             <a:pPr lvl="1"/>
@@ -2216,6 +2232,7 @@
               <a:rPr lang="zh-CN" altLang="en-US"/>
               <a:t>第二级</a:t>
             </a:r>
+            <a:endParaRPr lang="zh-CN" altLang="en-US"/>
           </a:p>
           <a:p>
             <a:pPr lvl="2"/>
@@ -2223,6 +2240,7 @@
               <a:rPr lang="zh-CN" altLang="en-US"/>
               <a:t>第三级</a:t>
             </a:r>
+            <a:endParaRPr lang="zh-CN" altLang="en-US"/>
           </a:p>
           <a:p>
             <a:pPr lvl="3"/>
@@ -2230,6 +2248,7 @@
               <a:rPr lang="zh-CN" altLang="en-US"/>
               <a:t>第四级</a:t>
             </a:r>
+            <a:endParaRPr lang="zh-CN" altLang="en-US"/>
           </a:p>
           <a:p>
             <a:pPr lvl="4"/>
@@ -2237,6 +2256,7 @@
               <a:rPr lang="zh-CN" altLang="en-US"/>
               <a:t>第五级</a:t>
             </a:r>
+            <a:endParaRPr lang="zh-CN" altLang="en-US"/>
           </a:p>
         </p:txBody>
       </p:sp>
@@ -2265,7 +2285,6 @@
           <a:p>
             <a:fld id="{530820CF-B880-4189-942D-D702A7CBA730}" type="datetimeFigureOut">
               <a:rPr lang="zh-CN" altLang="en-US" smtClean="0"/>
-              <a:t>2020/12/2</a:t>
             </a:fld>
             <a:endParaRPr lang="zh-CN" altLang="en-US"/>
           </a:p>
@@ -2323,7 +2342,6 @@
           <a:p>
             <a:fld id="{0C913308-F349-4B6D-A68A-DD1791B4A57B}" type="slidenum">
               <a:rPr lang="zh-CN" altLang="en-US" smtClean="0"/>
-              <a:t>‹#›</a:t>
             </a:fld>
             <a:endParaRPr lang="zh-CN" altLang="en-US"/>
           </a:p>
@@ -2385,6 +2403,7 @@
               <a:rPr lang="zh-CN" altLang="en-US"/>
               <a:t>单击此处编辑母版标题样式</a:t>
             </a:r>
+            <a:endParaRPr lang="zh-CN" altLang="en-US"/>
           </a:p>
         </p:txBody>
       </p:sp>
@@ -2450,6 +2469,7 @@
               <a:rPr lang="zh-CN" altLang="en-US"/>
               <a:t>单击此处编辑母版文本样式</a:t>
             </a:r>
+            <a:endParaRPr lang="zh-CN" altLang="en-US"/>
           </a:p>
         </p:txBody>
       </p:sp>
@@ -2506,6 +2526,7 @@
               <a:rPr lang="zh-CN" altLang="en-US"/>
               <a:t>单击此处编辑母版文本样式</a:t>
             </a:r>
+            <a:endParaRPr lang="zh-CN" altLang="en-US"/>
           </a:p>
           <a:p>
             <a:pPr lvl="1"/>
@@ -2513,6 +2534,7 @@
               <a:rPr lang="zh-CN" altLang="en-US"/>
               <a:t>第二级</a:t>
             </a:r>
+            <a:endParaRPr lang="zh-CN" altLang="en-US"/>
           </a:p>
           <a:p>
             <a:pPr lvl="2"/>
@@ -2520,6 +2542,7 @@
               <a:rPr lang="zh-CN" altLang="en-US"/>
               <a:t>第三级</a:t>
             </a:r>
+            <a:endParaRPr lang="zh-CN" altLang="en-US"/>
           </a:p>
           <a:p>
             <a:pPr lvl="3"/>
@@ -2527,6 +2550,7 @@
               <a:rPr lang="zh-CN" altLang="en-US"/>
               <a:t>第四级</a:t>
             </a:r>
+            <a:endParaRPr lang="zh-CN" altLang="en-US"/>
           </a:p>
           <a:p>
             <a:pPr lvl="4"/>
@@ -2534,6 +2558,7 @@
               <a:rPr lang="zh-CN" altLang="en-US"/>
               <a:t>第五级</a:t>
             </a:r>
+            <a:endParaRPr lang="zh-CN" altLang="en-US"/>
           </a:p>
         </p:txBody>
       </p:sp>
@@ -2599,6 +2624,7 @@
               <a:rPr lang="zh-CN" altLang="en-US"/>
               <a:t>单击此处编辑母版文本样式</a:t>
             </a:r>
+            <a:endParaRPr lang="zh-CN" altLang="en-US"/>
           </a:p>
         </p:txBody>
       </p:sp>
@@ -2655,6 +2681,7 @@
               <a:rPr lang="zh-CN" altLang="en-US"/>
               <a:t>单击此处编辑母版文本样式</a:t>
             </a:r>
+            <a:endParaRPr lang="zh-CN" altLang="en-US"/>
           </a:p>
           <a:p>
             <a:pPr lvl="1"/>
@@ -2662,6 +2689,7 @@
               <a:rPr lang="zh-CN" altLang="en-US"/>
               <a:t>第二级</a:t>
             </a:r>
+            <a:endParaRPr lang="zh-CN" altLang="en-US"/>
           </a:p>
           <a:p>
             <a:pPr lvl="2"/>
@@ -2669,6 +2697,7 @@
               <a:rPr lang="zh-CN" altLang="en-US"/>
               <a:t>第三级</a:t>
             </a:r>
+            <a:endParaRPr lang="zh-CN" altLang="en-US"/>
           </a:p>
           <a:p>
             <a:pPr lvl="3"/>
@@ -2676,6 +2705,7 @@
               <a:rPr lang="zh-CN" altLang="en-US"/>
               <a:t>第四级</a:t>
             </a:r>
+            <a:endParaRPr lang="zh-CN" altLang="en-US"/>
           </a:p>
           <a:p>
             <a:pPr lvl="4"/>
@@ -2683,6 +2713,7 @@
               <a:rPr lang="zh-CN" altLang="en-US"/>
               <a:t>第五级</a:t>
             </a:r>
+            <a:endParaRPr lang="zh-CN" altLang="en-US"/>
           </a:p>
         </p:txBody>
       </p:sp>
@@ -2711,7 +2742,6 @@
           <a:p>
             <a:fld id="{530820CF-B880-4189-942D-D702A7CBA730}" type="datetimeFigureOut">
               <a:rPr lang="zh-CN" altLang="en-US" smtClean="0"/>
-              <a:t>2020/12/2</a:t>
             </a:fld>
             <a:endParaRPr lang="zh-CN" altLang="en-US"/>
           </a:p>
@@ -2769,7 +2799,6 @@
           <a:p>
             <a:fld id="{0C913308-F349-4B6D-A68A-DD1791B4A57B}" type="slidenum">
               <a:rPr lang="zh-CN" altLang="en-US" smtClean="0"/>
-              <a:t>‹#›</a:t>
             </a:fld>
             <a:endParaRPr lang="zh-CN" altLang="en-US"/>
           </a:p>
@@ -2827,6 +2856,7 @@
               <a:rPr lang="zh-CN" altLang="en-US"/>
               <a:t>单击此处编辑母版标题样式</a:t>
             </a:r>
+            <a:endParaRPr lang="zh-CN" altLang="en-US"/>
           </a:p>
         </p:txBody>
       </p:sp>
@@ -2855,7 +2885,6 @@
           <a:p>
             <a:fld id="{530820CF-B880-4189-942D-D702A7CBA730}" type="datetimeFigureOut">
               <a:rPr lang="zh-CN" altLang="en-US" smtClean="0"/>
-              <a:t>2020/12/2</a:t>
             </a:fld>
             <a:endParaRPr lang="zh-CN" altLang="en-US"/>
           </a:p>
@@ -2913,7 +2942,6 @@
           <a:p>
             <a:fld id="{0C913308-F349-4B6D-A68A-DD1791B4A57B}" type="slidenum">
               <a:rPr lang="zh-CN" altLang="en-US" smtClean="0"/>
-              <a:t>‹#›</a:t>
             </a:fld>
             <a:endParaRPr lang="zh-CN" altLang="en-US"/>
           </a:p>
@@ -3000,6 +3028,7 @@
               <a:rPr lang="zh-CN" altLang="en-US"/>
               <a:t>单击此处编辑母版标题样式</a:t>
             </a:r>
+            <a:endParaRPr lang="zh-CN" altLang="en-US"/>
           </a:p>
         </p:txBody>
       </p:sp>
@@ -3056,6 +3085,7 @@
               <a:rPr lang="zh-CN" altLang="en-US"/>
               <a:t>单击此处编辑母版文本样式</a:t>
             </a:r>
+            <a:endParaRPr lang="zh-CN" altLang="en-US"/>
           </a:p>
           <a:p>
             <a:pPr lvl="1"/>
@@ -3063,6 +3093,7 @@
               <a:rPr lang="zh-CN" altLang="en-US"/>
               <a:t>第二级</a:t>
             </a:r>
+            <a:endParaRPr lang="zh-CN" altLang="en-US"/>
           </a:p>
           <a:p>
             <a:pPr lvl="2"/>
@@ -3070,6 +3101,7 @@
               <a:rPr lang="zh-CN" altLang="en-US"/>
               <a:t>第三级</a:t>
             </a:r>
+            <a:endParaRPr lang="zh-CN" altLang="en-US"/>
           </a:p>
           <a:p>
             <a:pPr lvl="3"/>
@@ -3077,6 +3109,7 @@
               <a:rPr lang="zh-CN" altLang="en-US"/>
               <a:t>第四级</a:t>
             </a:r>
+            <a:endParaRPr lang="zh-CN" altLang="en-US"/>
           </a:p>
           <a:p>
             <a:pPr lvl="4"/>
@@ -3084,6 +3117,7 @@
               <a:rPr lang="zh-CN" altLang="en-US"/>
               <a:t>第五级</a:t>
             </a:r>
+            <a:endParaRPr lang="zh-CN" altLang="en-US"/>
           </a:p>
         </p:txBody>
       </p:sp>
@@ -3149,6 +3183,7 @@
               <a:rPr lang="zh-CN" altLang="en-US"/>
               <a:t>单击此处编辑母版文本样式</a:t>
             </a:r>
+            <a:endParaRPr lang="zh-CN" altLang="en-US"/>
           </a:p>
         </p:txBody>
       </p:sp>
@@ -3177,7 +3212,6 @@
           <a:p>
             <a:fld id="{530820CF-B880-4189-942D-D702A7CBA730}" type="datetimeFigureOut">
               <a:rPr lang="zh-CN" altLang="en-US" smtClean="0"/>
-              <a:t>2020/12/2</a:t>
             </a:fld>
             <a:endParaRPr lang="zh-CN" altLang="en-US"/>
           </a:p>
@@ -3235,7 +3269,6 @@
           <a:p>
             <a:fld id="{0C913308-F349-4B6D-A68A-DD1791B4A57B}" type="slidenum">
               <a:rPr lang="zh-CN" altLang="en-US" smtClean="0"/>
-              <a:t>‹#›</a:t>
             </a:fld>
             <a:endParaRPr lang="zh-CN" altLang="en-US"/>
           </a:p>
@@ -3297,6 +3330,7 @@
               <a:rPr lang="zh-CN" altLang="en-US"/>
               <a:t>单击此处编辑母版标题样式</a:t>
             </a:r>
+            <a:endParaRPr lang="zh-CN" altLang="en-US"/>
           </a:p>
         </p:txBody>
       </p:sp>
@@ -3423,6 +3457,7 @@
               <a:rPr lang="zh-CN" altLang="en-US"/>
               <a:t>单击此处编辑母版文本样式</a:t>
             </a:r>
+            <a:endParaRPr lang="zh-CN" altLang="en-US"/>
           </a:p>
         </p:txBody>
       </p:sp>
@@ -3451,7 +3486,6 @@
           <a:p>
             <a:fld id="{530820CF-B880-4189-942D-D702A7CBA730}" type="datetimeFigureOut">
               <a:rPr lang="zh-CN" altLang="en-US" smtClean="0"/>
-              <a:t>2020/12/2</a:t>
             </a:fld>
             <a:endParaRPr lang="zh-CN" altLang="en-US"/>
           </a:p>
@@ -3509,7 +3543,6 @@
           <a:p>
             <a:fld id="{0C913308-F349-4B6D-A68A-DD1791B4A57B}" type="slidenum">
               <a:rPr lang="zh-CN" altLang="en-US" smtClean="0"/>
-              <a:t>‹#›</a:t>
             </a:fld>
             <a:endParaRPr lang="zh-CN" altLang="en-US"/>
           </a:p>
@@ -3578,6 +3611,7 @@
               <a:rPr lang="zh-CN" altLang="en-US" dirty="0"/>
               <a:t>单击此处编辑母版文本样式</a:t>
             </a:r>
+            <a:endParaRPr lang="zh-CN" altLang="en-US" dirty="0"/>
           </a:p>
           <a:p>
             <a:pPr lvl="1"/>
@@ -3585,6 +3619,7 @@
               <a:rPr lang="zh-CN" altLang="en-US" dirty="0"/>
               <a:t>第二级</a:t>
             </a:r>
+            <a:endParaRPr lang="zh-CN" altLang="en-US" dirty="0"/>
           </a:p>
           <a:p>
             <a:pPr lvl="2"/>
@@ -3592,6 +3627,7 @@
               <a:rPr lang="zh-CN" altLang="en-US" dirty="0"/>
               <a:t>第三级</a:t>
             </a:r>
+            <a:endParaRPr lang="zh-CN" altLang="en-US" dirty="0"/>
           </a:p>
           <a:p>
             <a:pPr lvl="3"/>
@@ -3599,6 +3635,7 @@
               <a:rPr lang="zh-CN" altLang="en-US" dirty="0"/>
               <a:t>第四级</a:t>
             </a:r>
+            <a:endParaRPr lang="zh-CN" altLang="en-US" dirty="0"/>
           </a:p>
           <a:p>
             <a:pPr lvl="4"/>
@@ -3606,6 +3643,7 @@
               <a:rPr lang="zh-CN" altLang="en-US" dirty="0"/>
               <a:t>第五级</a:t>
             </a:r>
+            <a:endParaRPr lang="zh-CN" altLang="en-US" dirty="0"/>
           </a:p>
         </p:txBody>
       </p:sp>
@@ -3685,44 +3723,42 @@
             <a:pPr algn="ctr"/>
             <a:r>
               <a:rPr lang="zh-CN" altLang="en-US" sz="1600" dirty="0">
-                <a:latin typeface="微软雅黑" pitchFamily="34" charset="-122"/>
-                <a:ea typeface="微软雅黑" pitchFamily="34" charset="-122"/>
+                <a:latin typeface="微软雅黑" panose="020B0503020204020204" pitchFamily="34" charset="-122"/>
+                <a:ea typeface="微软雅黑" panose="020B0503020204020204" pitchFamily="34" charset="-122"/>
               </a:rPr>
               <a:t>杭州电子科技大学</a:t>
             </a:r>
             <a:r>
               <a:rPr lang="en-US" altLang="zh-CN" sz="1600" dirty="0">
-                <a:latin typeface="微软雅黑" pitchFamily="34" charset="-122"/>
-                <a:ea typeface="微软雅黑" pitchFamily="34" charset="-122"/>
+                <a:latin typeface="微软雅黑" panose="020B0503020204020204" pitchFamily="34" charset="-122"/>
+                <a:ea typeface="微软雅黑" panose="020B0503020204020204" pitchFamily="34" charset="-122"/>
               </a:rPr>
               <a:t>2020</a:t>
             </a:r>
             <a:r>
               <a:rPr lang="zh-CN" altLang="en-US" sz="1600" dirty="0">
-                <a:latin typeface="微软雅黑" pitchFamily="34" charset="-122"/>
-                <a:ea typeface="微软雅黑" pitchFamily="34" charset="-122"/>
+                <a:latin typeface="微软雅黑" panose="020B0503020204020204" pitchFamily="34" charset="-122"/>
+                <a:ea typeface="微软雅黑" panose="020B0503020204020204" pitchFamily="34" charset="-122"/>
               </a:rPr>
               <a:t>年毕业设计开题报告</a:t>
             </a:r>
+            <a:endParaRPr lang="zh-CN" altLang="en-US" sz="1600" dirty="0">
+              <a:latin typeface="微软雅黑" panose="020B0503020204020204" pitchFamily="34" charset="-122"/>
+              <a:ea typeface="微软雅黑" panose="020B0503020204020204" pitchFamily="34" charset="-122"/>
+            </a:endParaRPr>
           </a:p>
         </p:txBody>
       </p:sp>
       <p:pic>
         <p:nvPicPr>
-          <p:cNvPr id="7" name="Picture 2">
-            <a:extLst>
-              <a:ext uri="{FF2B5EF4-FFF2-40B4-BE49-F238E27FC236}">
-                <a16:creationId xmlns:a16="http://schemas.microsoft.com/office/drawing/2014/main" id="{5DCB9D62-4B15-4BBB-A85F-1FD1C0316CE5}"/>
-              </a:ext>
-            </a:extLst>
-          </p:cNvPr>
+          <p:cNvPr id="7" name="Picture 2"/>
           <p:cNvPicPr>
             <a:picLocks noChangeAspect="1" noChangeArrowheads="1"/>
           </p:cNvPicPr>
           <p:nvPr userDrawn="1"/>
         </p:nvPicPr>
         <p:blipFill>
-          <a:blip r:embed="rId13" cstate="print">
+          <a:blip r:embed="rId12" cstate="print">
             <a:clrChange>
               <a:clrFrom>
                 <a:srgbClr val="FFFFFF"/>
@@ -3810,7 +3846,7 @@
         <a:spcBef>
           <a:spcPct val="20000"/>
         </a:spcBef>
-        <a:buFont typeface="Arial" pitchFamily="34" charset="0"/>
+        <a:buFont typeface="Arial" panose="020B0604020202020204" pitchFamily="34" charset="0"/>
         <a:buChar char="•"/>
         <a:defRPr sz="3200" kern="1200">
           <a:solidFill>
@@ -3818,8 +3854,8 @@
               <a:lumMod val="75000"/>
             </a:schemeClr>
           </a:solidFill>
-          <a:latin typeface="微软雅黑" pitchFamily="34" charset="-122"/>
-          <a:ea typeface="微软雅黑" pitchFamily="34" charset="-122"/>
+          <a:latin typeface="微软雅黑" panose="020B0503020204020204" pitchFamily="34" charset="-122"/>
+          <a:ea typeface="微软雅黑" panose="020B0503020204020204" pitchFamily="34" charset="-122"/>
           <a:cs typeface="+mn-cs"/>
         </a:defRPr>
       </a:lvl1pPr>
@@ -3827,7 +3863,7 @@
         <a:spcBef>
           <a:spcPct val="20000"/>
         </a:spcBef>
-        <a:buFont typeface="Arial" pitchFamily="34" charset="0"/>
+        <a:buFont typeface="Arial" panose="020B0604020202020204" pitchFamily="34" charset="0"/>
         <a:buChar char="–"/>
         <a:defRPr sz="2800" kern="1200">
           <a:solidFill>
@@ -3835,8 +3871,8 @@
               <a:lumMod val="75000"/>
             </a:schemeClr>
           </a:solidFill>
-          <a:latin typeface="微软雅黑" pitchFamily="34" charset="-122"/>
-          <a:ea typeface="微软雅黑" pitchFamily="34" charset="-122"/>
+          <a:latin typeface="微软雅黑" panose="020B0503020204020204" pitchFamily="34" charset="-122"/>
+          <a:ea typeface="微软雅黑" panose="020B0503020204020204" pitchFamily="34" charset="-122"/>
           <a:cs typeface="+mn-cs"/>
         </a:defRPr>
       </a:lvl2pPr>
@@ -3844,7 +3880,7 @@
         <a:spcBef>
           <a:spcPct val="20000"/>
         </a:spcBef>
-        <a:buFont typeface="Arial" pitchFamily="34" charset="0"/>
+        <a:buFont typeface="Arial" panose="020B0604020202020204" pitchFamily="34" charset="0"/>
         <a:buChar char="•"/>
         <a:defRPr sz="2400" kern="1200">
           <a:solidFill>
@@ -3852,8 +3888,8 @@
               <a:lumMod val="75000"/>
             </a:schemeClr>
           </a:solidFill>
-          <a:latin typeface="微软雅黑" pitchFamily="34" charset="-122"/>
-          <a:ea typeface="微软雅黑" pitchFamily="34" charset="-122"/>
+          <a:latin typeface="微软雅黑" panose="020B0503020204020204" pitchFamily="34" charset="-122"/>
+          <a:ea typeface="微软雅黑" panose="020B0503020204020204" pitchFamily="34" charset="-122"/>
           <a:cs typeface="+mn-cs"/>
         </a:defRPr>
       </a:lvl3pPr>
@@ -3861,7 +3897,7 @@
         <a:spcBef>
           <a:spcPct val="20000"/>
         </a:spcBef>
-        <a:buFont typeface="Arial" pitchFamily="34" charset="0"/>
+        <a:buFont typeface="Arial" panose="020B0604020202020204" pitchFamily="34" charset="0"/>
         <a:buChar char="–"/>
         <a:defRPr sz="2000" kern="1200">
           <a:solidFill>
@@ -3869,8 +3905,8 @@
               <a:lumMod val="75000"/>
             </a:schemeClr>
           </a:solidFill>
-          <a:latin typeface="微软雅黑" pitchFamily="34" charset="-122"/>
-          <a:ea typeface="微软雅黑" pitchFamily="34" charset="-122"/>
+          <a:latin typeface="微软雅黑" panose="020B0503020204020204" pitchFamily="34" charset="-122"/>
+          <a:ea typeface="微软雅黑" panose="020B0503020204020204" pitchFamily="34" charset="-122"/>
           <a:cs typeface="+mn-cs"/>
         </a:defRPr>
       </a:lvl4pPr>
@@ -3878,7 +3914,7 @@
         <a:spcBef>
           <a:spcPct val="20000"/>
         </a:spcBef>
-        <a:buFont typeface="Arial" pitchFamily="34" charset="0"/>
+        <a:buFont typeface="Arial" panose="020B0604020202020204" pitchFamily="34" charset="0"/>
         <a:buChar char="»"/>
         <a:defRPr sz="2000" kern="1200">
           <a:solidFill>
@@ -3886,8 +3922,8 @@
               <a:lumMod val="75000"/>
             </a:schemeClr>
           </a:solidFill>
-          <a:latin typeface="微软雅黑" pitchFamily="34" charset="-122"/>
-          <a:ea typeface="微软雅黑" pitchFamily="34" charset="-122"/>
+          <a:latin typeface="微软雅黑" panose="020B0503020204020204" pitchFamily="34" charset="-122"/>
+          <a:ea typeface="微软雅黑" panose="020B0503020204020204" pitchFamily="34" charset="-122"/>
           <a:cs typeface="+mn-cs"/>
         </a:defRPr>
       </a:lvl5pPr>
@@ -3895,7 +3931,7 @@
         <a:spcBef>
           <a:spcPct val="20000"/>
         </a:spcBef>
-        <a:buFont typeface="Arial" pitchFamily="34" charset="0"/>
+        <a:buFont typeface="Arial" panose="020B0604020202020204" pitchFamily="34" charset="0"/>
         <a:buChar char="•"/>
         <a:defRPr sz="2000" kern="1200">
           <a:solidFill>
@@ -3910,7 +3946,7 @@
         <a:spcBef>
           <a:spcPct val="20000"/>
         </a:spcBef>
-        <a:buFont typeface="Arial" pitchFamily="34" charset="0"/>
+        <a:buFont typeface="Arial" panose="020B0604020202020204" pitchFamily="34" charset="0"/>
         <a:buChar char="•"/>
         <a:defRPr sz="2000" kern="1200">
           <a:solidFill>
@@ -3925,7 +3961,7 @@
         <a:spcBef>
           <a:spcPct val="20000"/>
         </a:spcBef>
-        <a:buFont typeface="Arial" pitchFamily="34" charset="0"/>
+        <a:buFont typeface="Arial" panose="020B0604020202020204" pitchFamily="34" charset="0"/>
         <a:buChar char="•"/>
         <a:defRPr sz="2000" kern="1200">
           <a:solidFill>
@@ -3940,7 +3976,7 @@
         <a:spcBef>
           <a:spcPct val="20000"/>
         </a:spcBef>
-        <a:buFont typeface="Arial" pitchFamily="34" charset="0"/>
+        <a:buFont typeface="Arial" panose="020B0604020202020204" pitchFamily="34" charset="0"/>
         <a:buChar char="•"/>
         <a:defRPr sz="2000" kern="1200">
           <a:solidFill>
@@ -4114,6 +4150,10 @@
               </a:rPr>
               <a:t>基于模型的点模式学习算法研究</a:t>
             </a:r>
+            <a:endParaRPr lang="zh-CN" altLang="en-US" sz="2800" b="1" dirty="0">
+              <a:latin typeface="华康俪金黑W8(P)" pitchFamily="34" charset="-122"/>
+              <a:ea typeface="华康俪金黑W8(P)" pitchFamily="34" charset="-122"/>
+            </a:endParaRPr>
           </a:p>
         </p:txBody>
       </p:sp>
@@ -4307,13 +4347,7 @@
           <p:cNvGraphicFramePr>
             <a:graphicFrameLocks noGrp="1"/>
           </p:cNvGraphicFramePr>
-          <p:nvPr>
-            <p:extLst>
-              <p:ext uri="{D42A27DB-BD31-4B8C-83A1-F6EECF244321}">
-                <p14:modId xmlns:p14="http://schemas.microsoft.com/office/powerpoint/2010/main" val="2279180269"/>
-              </p:ext>
-            </p:extLst>
-          </p:nvPr>
+          <p:nvPr/>
         </p:nvGraphicFramePr>
         <p:xfrm>
           <a:off x="3799756" y="3501009"/>
@@ -4326,20 +4360,8 @@
                 <a:tableStyleId>{5C22544A-7EE6-4342-B048-85BDC9FD1C3A}</a:tableStyleId>
               </a:tblPr>
               <a:tblGrid>
-                <a:gridCol w="1884334">
-                  <a:extLst>
-                    <a:ext uri="{9D8B030D-6E8A-4147-A177-3AD203B41FA5}">
-                      <a16:colId xmlns:a16="http://schemas.microsoft.com/office/drawing/2014/main" val="20000"/>
-                    </a:ext>
-                  </a:extLst>
-                </a:gridCol>
-                <a:gridCol w="2708154">
-                  <a:extLst>
-                    <a:ext uri="{9D8B030D-6E8A-4147-A177-3AD203B41FA5}">
-                      <a16:colId xmlns:a16="http://schemas.microsoft.com/office/drawing/2014/main" val="20001"/>
-                    </a:ext>
-                  </a:extLst>
-                </a:gridCol>
+                <a:gridCol w="1884334"/>
+                <a:gridCol w="2708154"/>
               </a:tblGrid>
               <a:tr h="340578">
                 <a:tc>
@@ -4350,11 +4372,15 @@
                       <a:pPr algn="ctr"/>
                       <a:r>
                         <a:rPr lang="zh-CN" altLang="en-US" dirty="0">
-                          <a:latin typeface="微软雅黑" pitchFamily="34" charset="-122"/>
-                          <a:ea typeface="微软雅黑" pitchFamily="34" charset="-122"/>
+                          <a:latin typeface="微软雅黑" panose="020B0503020204020204" pitchFamily="34" charset="-122"/>
+                          <a:ea typeface="微软雅黑" panose="020B0503020204020204" pitchFamily="34" charset="-122"/>
                         </a:rPr>
                         <a:t>学  院</a:t>
                       </a:r>
+                      <a:endParaRPr lang="zh-CN" altLang="en-US" dirty="0">
+                        <a:latin typeface="微软雅黑" panose="020B0503020204020204" pitchFamily="34" charset="-122"/>
+                        <a:ea typeface="微软雅黑" panose="020B0503020204020204" pitchFamily="34" charset="-122"/>
+                      </a:endParaRPr>
                     </a:p>
                   </a:txBody>
                   <a:tcPr/>
@@ -4407,11 +4433,6 @@
                     <a:noFill/>
                   </a:tcPr>
                 </a:tc>
-                <a:extLst>
-                  <a:ext uri="{0D108BD9-81ED-4DB2-BD59-A6C34878D82A}">
-                    <a16:rowId xmlns:a16="http://schemas.microsoft.com/office/drawing/2014/main" val="10000"/>
-                  </a:ext>
-                </a:extLst>
               </a:tr>
               <a:tr h="340578">
                 <a:tc gridSpan="2">
@@ -4428,20 +4449,8 @@
                   </a:tcPr>
                 </a:tc>
                 <a:tc hMerge="1">
-                  <a:txBody>
-                    <a:bodyPr/>
-                    <a:lstStyle/>
-                    <a:p>
-                      <a:endParaRPr lang="zh-CN" altLang="en-US"/>
-                    </a:p>
-                  </a:txBody>
                   <a:tcPr/>
                 </a:tc>
-                <a:extLst>
-                  <a:ext uri="{0D108BD9-81ED-4DB2-BD59-A6C34878D82A}">
-                    <a16:rowId xmlns:a16="http://schemas.microsoft.com/office/drawing/2014/main" val="10001"/>
-                  </a:ext>
-                </a:extLst>
               </a:tr>
               <a:tr h="340578">
                 <a:tc>
@@ -4455,12 +4464,20 @@
                           <a:solidFill>
                             <a:schemeClr val="lt1"/>
                           </a:solidFill>
-                          <a:latin typeface="微软雅黑" pitchFamily="34" charset="-122"/>
-                          <a:ea typeface="微软雅黑" pitchFamily="34" charset="-122"/>
+                          <a:latin typeface="微软雅黑" panose="020B0503020204020204" pitchFamily="34" charset="-122"/>
+                          <a:ea typeface="微软雅黑" panose="020B0503020204020204" pitchFamily="34" charset="-122"/>
                           <a:cs typeface="+mn-cs"/>
                         </a:rPr>
                         <a:t>专  业</a:t>
                       </a:r>
+                      <a:endParaRPr lang="zh-CN" altLang="en-US" sz="1800" b="1" kern="1200" dirty="0">
+                        <a:solidFill>
+                          <a:schemeClr val="lt1"/>
+                        </a:solidFill>
+                        <a:latin typeface="微软雅黑" panose="020B0503020204020204" pitchFamily="34" charset="-122"/>
+                        <a:ea typeface="微软雅黑" panose="020B0503020204020204" pitchFamily="34" charset="-122"/>
+                        <a:cs typeface="+mn-cs"/>
+                      </a:endParaRPr>
                     </a:p>
                   </a:txBody>
                   <a:tcPr>
@@ -4485,6 +4502,10 @@
                         </a:rPr>
                         <a:t>控制科学与工程</a:t>
                       </a:r>
+                      <a:endParaRPr lang="zh-CN" altLang="en-US" dirty="0">
+                        <a:latin typeface="微软雅黑" panose="020B0503020204020204" pitchFamily="34" charset="-122"/>
+                        <a:ea typeface="微软雅黑" panose="020B0503020204020204" pitchFamily="34" charset="-122"/>
+                      </a:endParaRPr>
                     </a:p>
                   </a:txBody>
                   <a:tcPr>
@@ -4513,11 +4534,6 @@
                     <a:noFill/>
                   </a:tcPr>
                 </a:tc>
-                <a:extLst>
-                  <a:ext uri="{0D108BD9-81ED-4DB2-BD59-A6C34878D82A}">
-                    <a16:rowId xmlns:a16="http://schemas.microsoft.com/office/drawing/2014/main" val="10002"/>
-                  </a:ext>
-                </a:extLst>
               </a:tr>
               <a:tr h="404805">
                 <a:tc gridSpan="2">
@@ -4534,20 +4550,8 @@
                   </a:tcPr>
                 </a:tc>
                 <a:tc hMerge="1">
-                  <a:txBody>
-                    <a:bodyPr/>
-                    <a:lstStyle/>
-                    <a:p>
-                      <a:endParaRPr lang="zh-CN" altLang="en-US"/>
-                    </a:p>
-                  </a:txBody>
                   <a:tcPr/>
                 </a:tc>
-                <a:extLst>
-                  <a:ext uri="{0D108BD9-81ED-4DB2-BD59-A6C34878D82A}">
-                    <a16:rowId xmlns:a16="http://schemas.microsoft.com/office/drawing/2014/main" val="10003"/>
-                  </a:ext>
-                </a:extLst>
               </a:tr>
               <a:tr h="340578">
                 <a:tc>
@@ -4561,11 +4565,18 @@
                           <a:solidFill>
                             <a:schemeClr val="bg1"/>
                           </a:solidFill>
-                          <a:latin typeface="微软雅黑" pitchFamily="34" charset="-122"/>
-                          <a:ea typeface="微软雅黑" pitchFamily="34" charset="-122"/>
+                          <a:latin typeface="微软雅黑" panose="020B0503020204020204" pitchFamily="34" charset="-122"/>
+                          <a:ea typeface="微软雅黑" panose="020B0503020204020204" pitchFamily="34" charset="-122"/>
                         </a:rPr>
                         <a:t>学生姓名</a:t>
                       </a:r>
+                      <a:endParaRPr lang="zh-CN" altLang="en-US" b="1" dirty="0">
+                        <a:solidFill>
+                          <a:schemeClr val="bg1"/>
+                        </a:solidFill>
+                        <a:latin typeface="微软雅黑" panose="020B0503020204020204" pitchFamily="34" charset="-122"/>
+                        <a:ea typeface="微软雅黑" panose="020B0503020204020204" pitchFamily="34" charset="-122"/>
+                      </a:endParaRPr>
                     </a:p>
                   </a:txBody>
                   <a:tcPr>
@@ -4590,6 +4601,10 @@
                         </a:rPr>
                         <a:t>杨豪杰</a:t>
                       </a:r>
+                      <a:endParaRPr lang="zh-CN" altLang="en-US" dirty="0">
+                        <a:latin typeface="微软雅黑" panose="020B0503020204020204" pitchFamily="34" charset="-122"/>
+                        <a:ea typeface="微软雅黑" panose="020B0503020204020204" pitchFamily="34" charset="-122"/>
+                      </a:endParaRPr>
                     </a:p>
                   </a:txBody>
                   <a:tcPr>
@@ -4616,11 +4631,6 @@
                     <a:noFill/>
                   </a:tcPr>
                 </a:tc>
-                <a:extLst>
-                  <a:ext uri="{0D108BD9-81ED-4DB2-BD59-A6C34878D82A}">
-                    <a16:rowId xmlns:a16="http://schemas.microsoft.com/office/drawing/2014/main" val="10004"/>
-                  </a:ext>
-                </a:extLst>
               </a:tr>
               <a:tr h="340578">
                 <a:tc>
@@ -4633,8 +4643,8 @@
                         <a:solidFill>
                           <a:schemeClr val="bg1"/>
                         </a:solidFill>
-                        <a:latin typeface="微软雅黑" pitchFamily="34" charset="-122"/>
-                        <a:ea typeface="微软雅黑" pitchFamily="34" charset="-122"/>
+                        <a:latin typeface="微软雅黑" panose="020B0503020204020204" pitchFamily="34" charset="-122"/>
+                        <a:ea typeface="微软雅黑" panose="020B0503020204020204" pitchFamily="34" charset="-122"/>
                       </a:endParaRPr>
                     </a:p>
                   </a:txBody>
@@ -4688,11 +4698,6 @@
                     <a:noFill/>
                   </a:tcPr>
                 </a:tc>
-                <a:extLst>
-                  <a:ext uri="{0D108BD9-81ED-4DB2-BD59-A6C34878D82A}">
-                    <a16:rowId xmlns:a16="http://schemas.microsoft.com/office/drawing/2014/main" val="3260362590"/>
-                  </a:ext>
-                </a:extLst>
               </a:tr>
               <a:tr h="340578">
                 <a:tc>
@@ -4706,11 +4711,18 @@
                           <a:solidFill>
                             <a:schemeClr val="bg1"/>
                           </a:solidFill>
-                          <a:latin typeface="微软雅黑" pitchFamily="34" charset="-122"/>
-                          <a:ea typeface="微软雅黑" pitchFamily="34" charset="-122"/>
+                          <a:latin typeface="微软雅黑" panose="020B0503020204020204" pitchFamily="34" charset="-122"/>
+                          <a:ea typeface="微软雅黑" panose="020B0503020204020204" pitchFamily="34" charset="-122"/>
                         </a:rPr>
                         <a:t>导师</a:t>
                       </a:r>
+                      <a:endParaRPr lang="zh-CN" altLang="en-US" b="1" dirty="0">
+                        <a:solidFill>
+                          <a:schemeClr val="bg1"/>
+                        </a:solidFill>
+                        <a:latin typeface="微软雅黑" panose="020B0503020204020204" pitchFamily="34" charset="-122"/>
+                        <a:ea typeface="微软雅黑" panose="020B0503020204020204" pitchFamily="34" charset="-122"/>
+                      </a:endParaRPr>
                     </a:p>
                   </a:txBody>
                   <a:tcPr>
@@ -4749,6 +4761,10 @@
                         </a:rPr>
                         <a:t>李建宁</a:t>
                       </a:r>
+                      <a:endParaRPr lang="zh-CN" altLang="en-US" dirty="0">
+                        <a:latin typeface="微软雅黑" panose="020B0503020204020204" pitchFamily="34" charset="-122"/>
+                        <a:ea typeface="微软雅黑" panose="020B0503020204020204" pitchFamily="34" charset="-122"/>
+                      </a:endParaRPr>
                     </a:p>
                   </a:txBody>
                   <a:tcPr>
@@ -4780,11 +4796,6 @@
                     <a:noFill/>
                   </a:tcPr>
                 </a:tc>
-                <a:extLst>
-                  <a:ext uri="{0D108BD9-81ED-4DB2-BD59-A6C34878D82A}">
-                    <a16:rowId xmlns:a16="http://schemas.microsoft.com/office/drawing/2014/main" val="3994991656"/>
-                  </a:ext>
-                </a:extLst>
               </a:tr>
             </a:tbl>
           </a:graphicData>
@@ -4799,7 +4810,7 @@
           <p:nvPr/>
         </p:nvPicPr>
         <p:blipFill>
-          <a:blip r:embed="rId2" cstate="print">
+          <a:blip r:embed="rId1" cstate="print">
             <a:extLst>
               <a:ext uri="{28A0092B-C50C-407E-A947-70E740481C1C}">
                 <a14:useLocalDpi xmlns:a14="http://schemas.microsoft.com/office/drawing/2010/main" val="0"/>
@@ -4828,11 +4839,6 @@
         </p:spPr>
       </p:pic>
     </p:spTree>
-    <p:extLst>
-      <p:ext uri="{BB962C8B-B14F-4D97-AF65-F5344CB8AC3E}">
-        <p14:creationId xmlns:p14="http://schemas.microsoft.com/office/powerpoint/2010/main" val="3717119144"/>
-      </p:ext>
-    </p:extLst>
   </p:cSld>
   <p:clrMapOvr>
     <a:masterClrMapping/>
@@ -4859,13 +4865,7 @@
       </p:grpSpPr>
       <p:sp>
         <p:nvSpPr>
-          <p:cNvPr id="3" name="矩形 2">
-            <a:extLst>
-              <a:ext uri="{FF2B5EF4-FFF2-40B4-BE49-F238E27FC236}">
-                <a16:creationId xmlns:a16="http://schemas.microsoft.com/office/drawing/2014/main" id="{C7318055-86B6-4E43-B3C2-20A2B1E76418}"/>
-              </a:ext>
-            </a:extLst>
-          </p:cNvPr>
+          <p:cNvPr id="3" name="矩形 2"/>
           <p:cNvSpPr/>
           <p:nvPr/>
         </p:nvSpPr>
@@ -4904,13 +4904,7 @@
       </p:sp>
       <p:sp>
         <p:nvSpPr>
-          <p:cNvPr id="24" name="文本框 23">
-            <a:extLst>
-              <a:ext uri="{FF2B5EF4-FFF2-40B4-BE49-F238E27FC236}">
-                <a16:creationId xmlns:a16="http://schemas.microsoft.com/office/drawing/2014/main" id="{D34917D8-C053-4203-BCAD-586CB10BC6AC}"/>
-              </a:ext>
-            </a:extLst>
-          </p:cNvPr>
+          <p:cNvPr id="24" name="文本框 23"/>
           <p:cNvSpPr txBox="1"/>
           <p:nvPr/>
         </p:nvSpPr>
@@ -4934,18 +4928,13 @@
               <a:rPr lang="zh-CN" altLang="en-US" sz="1400" dirty="0"/>
               <a:t>图一</a:t>
             </a:r>
+            <a:endParaRPr lang="zh-CN" altLang="en-US" sz="1400" dirty="0"/>
           </a:p>
         </p:txBody>
       </p:sp>
       <p:sp>
         <p:nvSpPr>
-          <p:cNvPr id="27" name="文本框 26">
-            <a:extLst>
-              <a:ext uri="{FF2B5EF4-FFF2-40B4-BE49-F238E27FC236}">
-                <a16:creationId xmlns:a16="http://schemas.microsoft.com/office/drawing/2014/main" id="{3288E6D6-5A98-407B-A910-3FD333F13C0D}"/>
-              </a:ext>
-            </a:extLst>
-          </p:cNvPr>
+          <p:cNvPr id="27" name="文本框 26"/>
           <p:cNvSpPr txBox="1"/>
           <p:nvPr/>
         </p:nvSpPr>
@@ -4969,18 +4958,13 @@
               <a:rPr lang="zh-CN" altLang="en-US" sz="1400" dirty="0"/>
               <a:t>图二</a:t>
             </a:r>
+            <a:endParaRPr lang="zh-CN" altLang="en-US" sz="1400" dirty="0"/>
           </a:p>
         </p:txBody>
       </p:sp>
       <p:sp>
         <p:nvSpPr>
-          <p:cNvPr id="28" name="文本框 27">
-            <a:extLst>
-              <a:ext uri="{FF2B5EF4-FFF2-40B4-BE49-F238E27FC236}">
-                <a16:creationId xmlns:a16="http://schemas.microsoft.com/office/drawing/2014/main" id="{B17AC3EC-3FF2-43E6-8255-F191E2654396}"/>
-              </a:ext>
-            </a:extLst>
-          </p:cNvPr>
+          <p:cNvPr id="28" name="文本框 27"/>
           <p:cNvSpPr txBox="1"/>
           <p:nvPr/>
         </p:nvSpPr>
@@ -5004,25 +4988,20 @@
               <a:rPr lang="zh-CN" altLang="en-US" sz="1400" dirty="0"/>
               <a:t>图三</a:t>
             </a:r>
+            <a:endParaRPr lang="zh-CN" altLang="en-US" sz="1400" dirty="0"/>
           </a:p>
         </p:txBody>
       </p:sp>
       <p:pic>
         <p:nvPicPr>
-          <p:cNvPr id="17" name="图片 16" descr="图表, 直方图&#10;&#10;描述已自动生成">
-            <a:extLst>
-              <a:ext uri="{FF2B5EF4-FFF2-40B4-BE49-F238E27FC236}">
-                <a16:creationId xmlns:a16="http://schemas.microsoft.com/office/drawing/2014/main" id="{D71F2AB5-8F38-4579-90EE-EDD70194CA59}"/>
-              </a:ext>
-            </a:extLst>
-          </p:cNvPr>
+          <p:cNvPr id="17" name="图片 16" descr="图表, 直方图&#10;&#10;描述已自动生成"/>
           <p:cNvPicPr>
             <a:picLocks noChangeAspect="1"/>
           </p:cNvPicPr>
           <p:nvPr/>
         </p:nvPicPr>
         <p:blipFill>
-          <a:blip r:embed="rId3" cstate="print">
+          <a:blip r:embed="rId1" cstate="print">
             <a:extLst>
               <a:ext uri="{28A0092B-C50C-407E-A947-70E740481C1C}">
                 <a14:useLocalDpi xmlns:a14="http://schemas.microsoft.com/office/drawing/2010/main" val="0"/>
@@ -5045,20 +5024,14 @@
       </p:pic>
       <p:pic>
         <p:nvPicPr>
-          <p:cNvPr id="21" name="图片 20" descr="图表, 散点图&#10;&#10;描述已自动生成">
-            <a:extLst>
-              <a:ext uri="{FF2B5EF4-FFF2-40B4-BE49-F238E27FC236}">
-                <a16:creationId xmlns:a16="http://schemas.microsoft.com/office/drawing/2014/main" id="{D6676917-4EB8-4FA2-9D64-66D9059C27B6}"/>
-              </a:ext>
-            </a:extLst>
-          </p:cNvPr>
+          <p:cNvPr id="21" name="图片 20" descr="图表, 散点图&#10;&#10;描述已自动生成"/>
           <p:cNvPicPr>
             <a:picLocks noChangeAspect="1"/>
           </p:cNvPicPr>
           <p:nvPr/>
         </p:nvPicPr>
         <p:blipFill>
-          <a:blip r:embed="rId4" cstate="print">
+          <a:blip r:embed="rId2" cstate="print">
             <a:extLst>
               <a:ext uri="{28A0092B-C50C-407E-A947-70E740481C1C}">
                 <a14:useLocalDpi xmlns:a14="http://schemas.microsoft.com/office/drawing/2010/main" val="0"/>
@@ -5081,20 +5054,14 @@
       </p:pic>
       <p:pic>
         <p:nvPicPr>
-          <p:cNvPr id="23" name="图片 22" descr="图表, 条形图&#10;&#10;描述已自动生成">
-            <a:extLst>
-              <a:ext uri="{FF2B5EF4-FFF2-40B4-BE49-F238E27FC236}">
-                <a16:creationId xmlns:a16="http://schemas.microsoft.com/office/drawing/2014/main" id="{C998E5C6-67BD-4F8C-90FD-29C978CF92C3}"/>
-              </a:ext>
-            </a:extLst>
-          </p:cNvPr>
+          <p:cNvPr id="23" name="图片 22" descr="图表, 条形图&#10;&#10;描述已自动生成"/>
           <p:cNvPicPr>
             <a:picLocks noChangeAspect="1"/>
           </p:cNvPicPr>
           <p:nvPr/>
         </p:nvPicPr>
         <p:blipFill>
-          <a:blip r:embed="rId5" cstate="print">
+          <a:blip r:embed="rId3" cstate="print">
             <a:extLst>
               <a:ext uri="{28A0092B-C50C-407E-A947-70E740481C1C}">
                 <a14:useLocalDpi xmlns:a14="http://schemas.microsoft.com/office/drawing/2010/main" val="0"/>
@@ -5117,23 +5084,11 @@
       </p:pic>
       <p:graphicFrame>
         <p:nvGraphicFramePr>
-          <p:cNvPr id="30" name="表格 29">
-            <a:extLst>
-              <a:ext uri="{FF2B5EF4-FFF2-40B4-BE49-F238E27FC236}">
-                <a16:creationId xmlns:a16="http://schemas.microsoft.com/office/drawing/2014/main" id="{06933354-1F2C-466A-8534-C17E6E57730A}"/>
-              </a:ext>
-            </a:extLst>
-          </p:cNvPr>
+          <p:cNvPr id="30" name="表格 29"/>
           <p:cNvGraphicFramePr>
             <a:graphicFrameLocks noGrp="1"/>
           </p:cNvGraphicFramePr>
-          <p:nvPr>
-            <p:extLst>
-              <p:ext uri="{D42A27DB-BD31-4B8C-83A1-F6EECF244321}">
-                <p14:modId xmlns:p14="http://schemas.microsoft.com/office/powerpoint/2010/main" val="2807852200"/>
-              </p:ext>
-            </p:extLst>
-          </p:nvPr>
+          <p:nvPr/>
         </p:nvGraphicFramePr>
         <p:xfrm>
           <a:off x="1847528" y="548680"/>
@@ -5146,34 +5101,10 @@
                 <a:tableStyleId>{5C22544A-7EE6-4342-B048-85BDC9FD1C3A}</a:tableStyleId>
               </a:tblPr>
               <a:tblGrid>
-                <a:gridCol w="2308543">
-                  <a:extLst>
-                    <a:ext uri="{9D8B030D-6E8A-4147-A177-3AD203B41FA5}">
-                      <a16:colId xmlns:a16="http://schemas.microsoft.com/office/drawing/2014/main" val="20001"/>
-                    </a:ext>
-                  </a:extLst>
-                </a:gridCol>
-                <a:gridCol w="1656000">
-                  <a:extLst>
-                    <a:ext uri="{9D8B030D-6E8A-4147-A177-3AD203B41FA5}">
-                      <a16:colId xmlns:a16="http://schemas.microsoft.com/office/drawing/2014/main" val="20002"/>
-                    </a:ext>
-                  </a:extLst>
-                </a:gridCol>
-                <a:gridCol w="1656000">
-                  <a:extLst>
-                    <a:ext uri="{9D8B030D-6E8A-4147-A177-3AD203B41FA5}">
-                      <a16:colId xmlns:a16="http://schemas.microsoft.com/office/drawing/2014/main" val="20003"/>
-                    </a:ext>
-                  </a:extLst>
-                </a:gridCol>
-                <a:gridCol w="1656000">
-                  <a:extLst>
-                    <a:ext uri="{9D8B030D-6E8A-4147-A177-3AD203B41FA5}">
-                      <a16:colId xmlns:a16="http://schemas.microsoft.com/office/drawing/2014/main" val="4231623938"/>
-                    </a:ext>
-                  </a:extLst>
-                </a:gridCol>
+                <a:gridCol w="2308543"/>
+                <a:gridCol w="1656000"/>
+                <a:gridCol w="1656000"/>
+                <a:gridCol w="1656000"/>
               </a:tblGrid>
               <a:tr h="497601">
                 <a:tc>
@@ -5189,11 +5120,20 @@
                               <a:lumMod val="75000"/>
                             </a:schemeClr>
                           </a:solidFill>
-                          <a:latin typeface="微软雅黑" pitchFamily="34" charset="-122"/>
-                          <a:ea typeface="微软雅黑" pitchFamily="34" charset="-122"/>
+                          <a:latin typeface="微软雅黑" panose="020B0503020204020204" pitchFamily="34" charset="-122"/>
+                          <a:ea typeface="微软雅黑" panose="020B0503020204020204" pitchFamily="34" charset="-122"/>
                         </a:rPr>
                         <a:t>背景介绍及研究意义</a:t>
                       </a:r>
+                      <a:endParaRPr lang="zh-CN" altLang="en-US" b="0" dirty="0">
+                        <a:solidFill>
+                          <a:schemeClr val="accent1">
+                            <a:lumMod val="75000"/>
+                          </a:schemeClr>
+                        </a:solidFill>
+                        <a:latin typeface="微软雅黑" panose="020B0503020204020204" pitchFamily="34" charset="-122"/>
+                        <a:ea typeface="微软雅黑" panose="020B0503020204020204" pitchFamily="34" charset="-122"/>
+                      </a:endParaRPr>
                     </a:p>
                   </a:txBody>
                   <a:tcPr anchor="b">
@@ -5263,7 +5203,6 @@
                         <a:buSzTx/>
                         <a:buFontTx/>
                         <a:buNone/>
-                        <a:tabLst/>
                         <a:defRPr/>
                       </a:pPr>
                       <a:r>
@@ -5271,11 +5210,18 @@
                           <a:solidFill>
                             <a:schemeClr val="bg1"/>
                           </a:solidFill>
-                          <a:latin typeface="微软雅黑" pitchFamily="34" charset="-122"/>
-                          <a:ea typeface="微软雅黑" pitchFamily="34" charset="-122"/>
+                          <a:latin typeface="微软雅黑" panose="020B0503020204020204" pitchFamily="34" charset="-122"/>
+                          <a:ea typeface="微软雅黑" panose="020B0503020204020204" pitchFamily="34" charset="-122"/>
                         </a:rPr>
                         <a:t>研究内容</a:t>
                       </a:r>
+                      <a:endParaRPr lang="zh-CN" altLang="en-US" b="1" dirty="0">
+                        <a:solidFill>
+                          <a:schemeClr val="bg1"/>
+                        </a:solidFill>
+                        <a:latin typeface="微软雅黑" panose="020B0503020204020204" pitchFamily="34" charset="-122"/>
+                        <a:ea typeface="微软雅黑" panose="020B0503020204020204" pitchFamily="34" charset="-122"/>
+                      </a:endParaRPr>
                     </a:p>
                   </a:txBody>
                   <a:tcPr anchor="ctr">
@@ -5347,7 +5293,6 @@
                         <a:buSzTx/>
                         <a:buFontTx/>
                         <a:buNone/>
-                        <a:tabLst/>
                         <a:defRPr/>
                       </a:pPr>
                       <a:r>
@@ -5357,11 +5302,20 @@
                               <a:lumMod val="75000"/>
                             </a:schemeClr>
                           </a:solidFill>
-                          <a:latin typeface="微软雅黑" pitchFamily="34" charset="-122"/>
-                          <a:ea typeface="微软雅黑" pitchFamily="34" charset="-122"/>
+                          <a:latin typeface="微软雅黑" panose="020B0503020204020204" pitchFamily="34" charset="-122"/>
+                          <a:ea typeface="微软雅黑" panose="020B0503020204020204" pitchFamily="34" charset="-122"/>
                         </a:rPr>
                         <a:t>研究计划</a:t>
                       </a:r>
+                      <a:endParaRPr lang="zh-CN" altLang="en-US" b="0" dirty="0">
+                        <a:solidFill>
+                          <a:schemeClr val="accent1">
+                            <a:lumMod val="75000"/>
+                          </a:schemeClr>
+                        </a:solidFill>
+                        <a:latin typeface="微软雅黑" panose="020B0503020204020204" pitchFamily="34" charset="-122"/>
+                        <a:ea typeface="微软雅黑" panose="020B0503020204020204" pitchFamily="34" charset="-122"/>
+                      </a:endParaRPr>
                     </a:p>
                   </a:txBody>
                   <a:tcPr anchor="b">
@@ -5431,7 +5385,6 @@
                         <a:buSzTx/>
                         <a:buFontTx/>
                         <a:buNone/>
-                        <a:tabLst/>
                         <a:defRPr/>
                       </a:pPr>
                       <a:r>
@@ -5441,11 +5394,20 @@
                               <a:lumMod val="75000"/>
                             </a:schemeClr>
                           </a:solidFill>
-                          <a:latin typeface="微软雅黑" pitchFamily="34" charset="-122"/>
-                          <a:ea typeface="微软雅黑" pitchFamily="34" charset="-122"/>
+                          <a:latin typeface="微软雅黑" panose="020B0503020204020204" pitchFamily="34" charset="-122"/>
+                          <a:ea typeface="微软雅黑" panose="020B0503020204020204" pitchFamily="34" charset="-122"/>
                         </a:rPr>
                         <a:t>研究进展</a:t>
                       </a:r>
+                      <a:endParaRPr lang="zh-CN" altLang="en-US" b="0" dirty="0">
+                        <a:solidFill>
+                          <a:schemeClr val="accent1">
+                            <a:lumMod val="75000"/>
+                          </a:schemeClr>
+                        </a:solidFill>
+                        <a:latin typeface="微软雅黑" panose="020B0503020204020204" pitchFamily="34" charset="-122"/>
+                        <a:ea typeface="微软雅黑" panose="020B0503020204020204" pitchFamily="34" charset="-122"/>
+                      </a:endParaRPr>
                     </a:p>
                   </a:txBody>
                   <a:tcPr anchor="b">
@@ -5496,11 +5458,6 @@
                     <a:noFill/>
                   </a:tcPr>
                 </a:tc>
-                <a:extLst>
-                  <a:ext uri="{0D108BD9-81ED-4DB2-BD59-A6C34878D82A}">
-                    <a16:rowId xmlns:a16="http://schemas.microsoft.com/office/drawing/2014/main" val="10000"/>
-                  </a:ext>
-                </a:extLst>
               </a:tr>
               <a:tr h="164799">
                 <a:tc>
@@ -5515,8 +5472,8 @@
                             <a:lumMod val="75000"/>
                           </a:schemeClr>
                         </a:solidFill>
-                        <a:latin typeface="微软雅黑" pitchFamily="34" charset="-122"/>
-                        <a:ea typeface="微软雅黑" pitchFamily="34" charset="-122"/>
+                        <a:latin typeface="微软雅黑" panose="020B0503020204020204" pitchFamily="34" charset="-122"/>
+                        <a:ea typeface="微软雅黑" panose="020B0503020204020204" pitchFamily="34" charset="-122"/>
                       </a:endParaRPr>
                     </a:p>
                   </a:txBody>
@@ -5571,22 +5528,6 @@
                   </a:tcPr>
                 </a:tc>
                 <a:tc vMerge="1">
-                  <a:txBody>
-                    <a:bodyPr/>
-                    <a:lstStyle/>
-                    <a:p>
-                      <a:pPr algn="ctr"/>
-                      <a:endParaRPr lang="zh-CN" altLang="en-US" sz="100" b="0" dirty="0">
-                        <a:solidFill>
-                          <a:schemeClr val="accent1">
-                            <a:lumMod val="75000"/>
-                          </a:schemeClr>
-                        </a:solidFill>
-                        <a:latin typeface="微软雅黑" pitchFamily="34" charset="-122"/>
-                        <a:ea typeface="微软雅黑" pitchFamily="34" charset="-122"/>
-                      </a:endParaRPr>
-                    </a:p>
-                  </a:txBody>
                   <a:tcPr anchor="ctr">
                     <a:lnL w="57150" cap="flat" cmpd="sng" algn="ctr">
                       <a:solidFill>
@@ -5649,8 +5590,8 @@
                             <a:lumMod val="75000"/>
                           </a:schemeClr>
                         </a:solidFill>
-                        <a:latin typeface="微软雅黑" pitchFamily="34" charset="-122"/>
-                        <a:ea typeface="微软雅黑" pitchFamily="34" charset="-122"/>
+                        <a:latin typeface="微软雅黑" panose="020B0503020204020204" pitchFamily="34" charset="-122"/>
+                        <a:ea typeface="微软雅黑" panose="020B0503020204020204" pitchFamily="34" charset="-122"/>
                       </a:endParaRPr>
                     </a:p>
                   </a:txBody>
@@ -5716,8 +5657,8 @@
                             <a:lumMod val="75000"/>
                           </a:schemeClr>
                         </a:solidFill>
-                        <a:latin typeface="微软雅黑" pitchFamily="34" charset="-122"/>
-                        <a:ea typeface="微软雅黑" pitchFamily="34" charset="-122"/>
+                        <a:latin typeface="微软雅黑" panose="020B0503020204020204" pitchFamily="34" charset="-122"/>
+                        <a:ea typeface="微软雅黑" panose="020B0503020204020204" pitchFamily="34" charset="-122"/>
                       </a:endParaRPr>
                     </a:p>
                   </a:txBody>
@@ -5771,22 +5712,12 @@
                     </a:solidFill>
                   </a:tcPr>
                 </a:tc>
-                <a:extLst>
-                  <a:ext uri="{0D108BD9-81ED-4DB2-BD59-A6C34878D82A}">
-                    <a16:rowId xmlns:a16="http://schemas.microsoft.com/office/drawing/2014/main" val="10001"/>
-                  </a:ext>
-                </a:extLst>
               </a:tr>
             </a:tbl>
           </a:graphicData>
         </a:graphic>
       </p:graphicFrame>
     </p:spTree>
-    <p:extLst>
-      <p:ext uri="{BB962C8B-B14F-4D97-AF65-F5344CB8AC3E}">
-        <p14:creationId xmlns:p14="http://schemas.microsoft.com/office/powerpoint/2010/main" val="1552664374"/>
-      </p:ext>
-    </p:extLst>
   </p:cSld>
   <p:clrMapOvr>
     <a:masterClrMapping/>
@@ -5811,14 +5742,14 @@
           <a:chExt cx="0" cy="0"/>
         </a:xfrm>
       </p:grpSpPr>
-      <mc:AlternateContent xmlns:mc="http://schemas.openxmlformats.org/markup-compatibility/2006" xmlns:a14="http://schemas.microsoft.com/office/drawing/2010/main">
-        <mc:Choice Requires="a14">
+      <mc:AlternateContent xmlns:mc="http://schemas.openxmlformats.org/markup-compatibility/2006">
+        <mc:Choice xmlns:a14="http://schemas.microsoft.com/office/drawing/2010/main" Requires="a14">
           <p:sp>
             <p:nvSpPr>
               <p:cNvPr id="3" name="矩形 2">
                 <a:extLst>
                   <a:ext uri="{FF2B5EF4-FFF2-40B4-BE49-F238E27FC236}">
-                    <a16:creationId xmlns:a16="http://schemas.microsoft.com/office/drawing/2014/main" id="{C7318055-86B6-4E43-B3C2-20A2B1E76418}"/>
+                    <ele attr="{C7318055-86B6-4E43-B3C2-20A2B1E76418}"/>
                   </a:ext>
                 </a:extLst>
               </p:cNvPr>
@@ -6524,16 +6455,10 @@
             </p:txBody>
           </p:sp>
         </mc:Choice>
-        <mc:Fallback xmlns="">
+        <mc:Fallback>
           <p:sp>
             <p:nvSpPr>
-              <p:cNvPr id="3" name="矩形 2">
-                <a:extLst>
-                  <a:ext uri="{FF2B5EF4-FFF2-40B4-BE49-F238E27FC236}">
-                    <a16:creationId xmlns:a16="http://schemas.microsoft.com/office/drawing/2014/main" id="{C7318055-86B6-4E43-B3C2-20A2B1E76418}"/>
-                  </a:ext>
-                </a:extLst>
-              </p:cNvPr>
+              <p:cNvPr id="3" name="矩形 2"/>
               <p:cNvSpPr>
                 <a:spLocks noRot="1" noChangeAspect="1" noMove="1" noResize="1" noEditPoints="1" noAdjustHandles="1" noChangeArrowheads="1" noChangeShapeType="1" noTextEdit="1"/>
               </p:cNvSpPr>
@@ -6547,8 +6472,8 @@
               <a:prstGeom prst="rect">
                 <a:avLst/>
               </a:prstGeom>
-              <a:blipFill>
-                <a:blip r:embed="rId3"/>
+              <a:blipFill rotWithShape="1">
+                <a:blip r:embed="rId1"/>
                 <a:stretch>
                   <a:fillRect l="-1210" t="-2058" r="-951" b="-2230"/>
                 </a:stretch>
@@ -6564,6 +6489,9 @@
                   </a:rPr>
                   <a:t> </a:t>
                 </a:r>
+                <a:endParaRPr lang="zh-CN" altLang="en-US">
+                  <a:noFill/>
+                </a:endParaRPr>
               </a:p>
             </p:txBody>
           </p:sp>
@@ -6571,23 +6499,11 @@
       </mc:AlternateContent>
       <p:graphicFrame>
         <p:nvGraphicFramePr>
-          <p:cNvPr id="6" name="表格 5">
-            <a:extLst>
-              <a:ext uri="{FF2B5EF4-FFF2-40B4-BE49-F238E27FC236}">
-                <a16:creationId xmlns:a16="http://schemas.microsoft.com/office/drawing/2014/main" id="{66A08F9B-4FBF-4C08-BA7E-2755D03E6704}"/>
-              </a:ext>
-            </a:extLst>
-          </p:cNvPr>
+          <p:cNvPr id="6" name="表格 5"/>
           <p:cNvGraphicFramePr>
             <a:graphicFrameLocks noGrp="1"/>
           </p:cNvGraphicFramePr>
-          <p:nvPr>
-            <p:extLst>
-              <p:ext uri="{D42A27DB-BD31-4B8C-83A1-F6EECF244321}">
-                <p14:modId xmlns:p14="http://schemas.microsoft.com/office/powerpoint/2010/main" val="2807852200"/>
-              </p:ext>
-            </p:extLst>
-          </p:nvPr>
+          <p:nvPr/>
         </p:nvGraphicFramePr>
         <p:xfrm>
           <a:off x="1847528" y="548680"/>
@@ -6600,34 +6516,10 @@
                 <a:tableStyleId>{5C22544A-7EE6-4342-B048-85BDC9FD1C3A}</a:tableStyleId>
               </a:tblPr>
               <a:tblGrid>
-                <a:gridCol w="2308543">
-                  <a:extLst>
-                    <a:ext uri="{9D8B030D-6E8A-4147-A177-3AD203B41FA5}">
-                      <a16:colId xmlns:a16="http://schemas.microsoft.com/office/drawing/2014/main" val="20001"/>
-                    </a:ext>
-                  </a:extLst>
-                </a:gridCol>
-                <a:gridCol w="1656000">
-                  <a:extLst>
-                    <a:ext uri="{9D8B030D-6E8A-4147-A177-3AD203B41FA5}">
-                      <a16:colId xmlns:a16="http://schemas.microsoft.com/office/drawing/2014/main" val="20002"/>
-                    </a:ext>
-                  </a:extLst>
-                </a:gridCol>
-                <a:gridCol w="1656000">
-                  <a:extLst>
-                    <a:ext uri="{9D8B030D-6E8A-4147-A177-3AD203B41FA5}">
-                      <a16:colId xmlns:a16="http://schemas.microsoft.com/office/drawing/2014/main" val="20003"/>
-                    </a:ext>
-                  </a:extLst>
-                </a:gridCol>
-                <a:gridCol w="1656000">
-                  <a:extLst>
-                    <a:ext uri="{9D8B030D-6E8A-4147-A177-3AD203B41FA5}">
-                      <a16:colId xmlns:a16="http://schemas.microsoft.com/office/drawing/2014/main" val="4231623938"/>
-                    </a:ext>
-                  </a:extLst>
-                </a:gridCol>
+                <a:gridCol w="2308543"/>
+                <a:gridCol w="1656000"/>
+                <a:gridCol w="1656000"/>
+                <a:gridCol w="1656000"/>
               </a:tblGrid>
               <a:tr h="497601">
                 <a:tc>
@@ -6643,11 +6535,20 @@
                               <a:lumMod val="75000"/>
                             </a:schemeClr>
                           </a:solidFill>
-                          <a:latin typeface="微软雅黑" pitchFamily="34" charset="-122"/>
-                          <a:ea typeface="微软雅黑" pitchFamily="34" charset="-122"/>
+                          <a:latin typeface="微软雅黑" panose="020B0503020204020204" pitchFamily="34" charset="-122"/>
+                          <a:ea typeface="微软雅黑" panose="020B0503020204020204" pitchFamily="34" charset="-122"/>
                         </a:rPr>
                         <a:t>背景介绍及研究意义</a:t>
                       </a:r>
+                      <a:endParaRPr lang="zh-CN" altLang="en-US" b="0" dirty="0">
+                        <a:solidFill>
+                          <a:schemeClr val="accent1">
+                            <a:lumMod val="75000"/>
+                          </a:schemeClr>
+                        </a:solidFill>
+                        <a:latin typeface="微软雅黑" panose="020B0503020204020204" pitchFamily="34" charset="-122"/>
+                        <a:ea typeface="微软雅黑" panose="020B0503020204020204" pitchFamily="34" charset="-122"/>
+                      </a:endParaRPr>
                     </a:p>
                   </a:txBody>
                   <a:tcPr anchor="b">
@@ -6717,7 +6618,6 @@
                         <a:buSzTx/>
                         <a:buFontTx/>
                         <a:buNone/>
-                        <a:tabLst/>
                         <a:defRPr/>
                       </a:pPr>
                       <a:r>
@@ -6725,11 +6625,18 @@
                           <a:solidFill>
                             <a:schemeClr val="bg1"/>
                           </a:solidFill>
-                          <a:latin typeface="微软雅黑" pitchFamily="34" charset="-122"/>
-                          <a:ea typeface="微软雅黑" pitchFamily="34" charset="-122"/>
+                          <a:latin typeface="微软雅黑" panose="020B0503020204020204" pitchFamily="34" charset="-122"/>
+                          <a:ea typeface="微软雅黑" panose="020B0503020204020204" pitchFamily="34" charset="-122"/>
                         </a:rPr>
                         <a:t>研究内容</a:t>
                       </a:r>
+                      <a:endParaRPr lang="zh-CN" altLang="en-US" b="1" dirty="0">
+                        <a:solidFill>
+                          <a:schemeClr val="bg1"/>
+                        </a:solidFill>
+                        <a:latin typeface="微软雅黑" panose="020B0503020204020204" pitchFamily="34" charset="-122"/>
+                        <a:ea typeface="微软雅黑" panose="020B0503020204020204" pitchFamily="34" charset="-122"/>
+                      </a:endParaRPr>
                     </a:p>
                   </a:txBody>
                   <a:tcPr anchor="ctr">
@@ -6801,7 +6708,6 @@
                         <a:buSzTx/>
                         <a:buFontTx/>
                         <a:buNone/>
-                        <a:tabLst/>
                         <a:defRPr/>
                       </a:pPr>
                       <a:r>
@@ -6811,11 +6717,20 @@
                               <a:lumMod val="75000"/>
                             </a:schemeClr>
                           </a:solidFill>
-                          <a:latin typeface="微软雅黑" pitchFamily="34" charset="-122"/>
-                          <a:ea typeface="微软雅黑" pitchFamily="34" charset="-122"/>
+                          <a:latin typeface="微软雅黑" panose="020B0503020204020204" pitchFamily="34" charset="-122"/>
+                          <a:ea typeface="微软雅黑" panose="020B0503020204020204" pitchFamily="34" charset="-122"/>
                         </a:rPr>
                         <a:t>研究计划</a:t>
                       </a:r>
+                      <a:endParaRPr lang="zh-CN" altLang="en-US" b="0" dirty="0">
+                        <a:solidFill>
+                          <a:schemeClr val="accent1">
+                            <a:lumMod val="75000"/>
+                          </a:schemeClr>
+                        </a:solidFill>
+                        <a:latin typeface="微软雅黑" panose="020B0503020204020204" pitchFamily="34" charset="-122"/>
+                        <a:ea typeface="微软雅黑" panose="020B0503020204020204" pitchFamily="34" charset="-122"/>
+                      </a:endParaRPr>
                     </a:p>
                   </a:txBody>
                   <a:tcPr anchor="b">
@@ -6885,7 +6800,6 @@
                         <a:buSzTx/>
                         <a:buFontTx/>
                         <a:buNone/>
-                        <a:tabLst/>
                         <a:defRPr/>
                       </a:pPr>
                       <a:r>
@@ -6895,11 +6809,20 @@
                               <a:lumMod val="75000"/>
                             </a:schemeClr>
                           </a:solidFill>
-                          <a:latin typeface="微软雅黑" pitchFamily="34" charset="-122"/>
-                          <a:ea typeface="微软雅黑" pitchFamily="34" charset="-122"/>
+                          <a:latin typeface="微软雅黑" panose="020B0503020204020204" pitchFamily="34" charset="-122"/>
+                          <a:ea typeface="微软雅黑" panose="020B0503020204020204" pitchFamily="34" charset="-122"/>
                         </a:rPr>
                         <a:t>研究进展</a:t>
                       </a:r>
+                      <a:endParaRPr lang="zh-CN" altLang="en-US" b="0" dirty="0">
+                        <a:solidFill>
+                          <a:schemeClr val="accent1">
+                            <a:lumMod val="75000"/>
+                          </a:schemeClr>
+                        </a:solidFill>
+                        <a:latin typeface="微软雅黑" panose="020B0503020204020204" pitchFamily="34" charset="-122"/>
+                        <a:ea typeface="微软雅黑" panose="020B0503020204020204" pitchFamily="34" charset="-122"/>
+                      </a:endParaRPr>
                     </a:p>
                   </a:txBody>
                   <a:tcPr anchor="b">
@@ -6950,11 +6873,6 @@
                     <a:noFill/>
                   </a:tcPr>
                 </a:tc>
-                <a:extLst>
-                  <a:ext uri="{0D108BD9-81ED-4DB2-BD59-A6C34878D82A}">
-                    <a16:rowId xmlns:a16="http://schemas.microsoft.com/office/drawing/2014/main" val="10000"/>
-                  </a:ext>
-                </a:extLst>
               </a:tr>
               <a:tr h="164799">
                 <a:tc>
@@ -6969,8 +6887,8 @@
                             <a:lumMod val="75000"/>
                           </a:schemeClr>
                         </a:solidFill>
-                        <a:latin typeface="微软雅黑" pitchFamily="34" charset="-122"/>
-                        <a:ea typeface="微软雅黑" pitchFamily="34" charset="-122"/>
+                        <a:latin typeface="微软雅黑" panose="020B0503020204020204" pitchFamily="34" charset="-122"/>
+                        <a:ea typeface="微软雅黑" panose="020B0503020204020204" pitchFamily="34" charset="-122"/>
                       </a:endParaRPr>
                     </a:p>
                   </a:txBody>
@@ -7025,22 +6943,6 @@
                   </a:tcPr>
                 </a:tc>
                 <a:tc vMerge="1">
-                  <a:txBody>
-                    <a:bodyPr/>
-                    <a:lstStyle/>
-                    <a:p>
-                      <a:pPr algn="ctr"/>
-                      <a:endParaRPr lang="zh-CN" altLang="en-US" sz="100" b="0" dirty="0">
-                        <a:solidFill>
-                          <a:schemeClr val="accent1">
-                            <a:lumMod val="75000"/>
-                          </a:schemeClr>
-                        </a:solidFill>
-                        <a:latin typeface="微软雅黑" pitchFamily="34" charset="-122"/>
-                        <a:ea typeface="微软雅黑" pitchFamily="34" charset="-122"/>
-                      </a:endParaRPr>
-                    </a:p>
-                  </a:txBody>
                   <a:tcPr anchor="ctr">
                     <a:lnL w="57150" cap="flat" cmpd="sng" algn="ctr">
                       <a:solidFill>
@@ -7103,8 +7005,8 @@
                             <a:lumMod val="75000"/>
                           </a:schemeClr>
                         </a:solidFill>
-                        <a:latin typeface="微软雅黑" pitchFamily="34" charset="-122"/>
-                        <a:ea typeface="微软雅黑" pitchFamily="34" charset="-122"/>
+                        <a:latin typeface="微软雅黑" panose="020B0503020204020204" pitchFamily="34" charset="-122"/>
+                        <a:ea typeface="微软雅黑" panose="020B0503020204020204" pitchFamily="34" charset="-122"/>
                       </a:endParaRPr>
                     </a:p>
                   </a:txBody>
@@ -7170,8 +7072,8 @@
                             <a:lumMod val="75000"/>
                           </a:schemeClr>
                         </a:solidFill>
-                        <a:latin typeface="微软雅黑" pitchFamily="34" charset="-122"/>
-                        <a:ea typeface="微软雅黑" pitchFamily="34" charset="-122"/>
+                        <a:latin typeface="微软雅黑" panose="020B0503020204020204" pitchFamily="34" charset="-122"/>
+                        <a:ea typeface="微软雅黑" panose="020B0503020204020204" pitchFamily="34" charset="-122"/>
                       </a:endParaRPr>
                     </a:p>
                   </a:txBody>
@@ -7225,11 +7127,6 @@
                     </a:solidFill>
                   </a:tcPr>
                 </a:tc>
-                <a:extLst>
-                  <a:ext uri="{0D108BD9-81ED-4DB2-BD59-A6C34878D82A}">
-                    <a16:rowId xmlns:a16="http://schemas.microsoft.com/office/drawing/2014/main" val="10001"/>
-                  </a:ext>
-                </a:extLst>
               </a:tr>
             </a:tbl>
           </a:graphicData>
@@ -7237,13 +7134,7 @@
       </p:graphicFrame>
       <p:sp>
         <p:nvSpPr>
-          <p:cNvPr id="7" name="TextBox 9">
-            <a:extLst>
-              <a:ext uri="{FF2B5EF4-FFF2-40B4-BE49-F238E27FC236}">
-                <a16:creationId xmlns:a16="http://schemas.microsoft.com/office/drawing/2014/main" id="{E62151C8-ED25-4687-9F2C-B5C8CDD970B4}"/>
-              </a:ext>
-            </a:extLst>
-          </p:cNvPr>
+          <p:cNvPr id="7" name="TextBox 9"/>
           <p:cNvSpPr txBox="1"/>
           <p:nvPr/>
         </p:nvSpPr>
@@ -7313,11 +7204,6 @@
         </p:txBody>
       </p:sp>
     </p:spTree>
-    <p:extLst>
-      <p:ext uri="{BB962C8B-B14F-4D97-AF65-F5344CB8AC3E}">
-        <p14:creationId xmlns:p14="http://schemas.microsoft.com/office/powerpoint/2010/main" val="3717339531"/>
-      </p:ext>
-    </p:extLst>
   </p:cSld>
   <p:clrMapOvr>
     <a:masterClrMapping/>
@@ -7344,13 +7230,7 @@
       </p:grpSpPr>
       <p:sp>
         <p:nvSpPr>
-          <p:cNvPr id="3" name="矩形 2">
-            <a:extLst>
-              <a:ext uri="{FF2B5EF4-FFF2-40B4-BE49-F238E27FC236}">
-                <a16:creationId xmlns:a16="http://schemas.microsoft.com/office/drawing/2014/main" id="{C7318055-86B6-4E43-B3C2-20A2B1E76418}"/>
-              </a:ext>
-            </a:extLst>
-          </p:cNvPr>
+          <p:cNvPr id="3" name="矩形 2"/>
           <p:cNvSpPr/>
           <p:nvPr/>
         </p:nvSpPr>
@@ -7432,23 +7312,11 @@
       </p:sp>
       <p:graphicFrame>
         <p:nvGraphicFramePr>
-          <p:cNvPr id="6" name="表格 5">
-            <a:extLst>
-              <a:ext uri="{FF2B5EF4-FFF2-40B4-BE49-F238E27FC236}">
-                <a16:creationId xmlns:a16="http://schemas.microsoft.com/office/drawing/2014/main" id="{8039302B-A0D7-42D6-ACE6-73AD9AC0611E}"/>
-              </a:ext>
-            </a:extLst>
-          </p:cNvPr>
+          <p:cNvPr id="6" name="表格 5"/>
           <p:cNvGraphicFramePr>
             <a:graphicFrameLocks noGrp="1"/>
           </p:cNvGraphicFramePr>
-          <p:nvPr>
-            <p:extLst>
-              <p:ext uri="{D42A27DB-BD31-4B8C-83A1-F6EECF244321}">
-                <p14:modId xmlns:p14="http://schemas.microsoft.com/office/powerpoint/2010/main" val="2807852200"/>
-              </p:ext>
-            </p:extLst>
-          </p:nvPr>
+          <p:nvPr/>
         </p:nvGraphicFramePr>
         <p:xfrm>
           <a:off x="1847528" y="548680"/>
@@ -7461,34 +7329,10 @@
                 <a:tableStyleId>{5C22544A-7EE6-4342-B048-85BDC9FD1C3A}</a:tableStyleId>
               </a:tblPr>
               <a:tblGrid>
-                <a:gridCol w="2308543">
-                  <a:extLst>
-                    <a:ext uri="{9D8B030D-6E8A-4147-A177-3AD203B41FA5}">
-                      <a16:colId xmlns:a16="http://schemas.microsoft.com/office/drawing/2014/main" val="20001"/>
-                    </a:ext>
-                  </a:extLst>
-                </a:gridCol>
-                <a:gridCol w="1656000">
-                  <a:extLst>
-                    <a:ext uri="{9D8B030D-6E8A-4147-A177-3AD203B41FA5}">
-                      <a16:colId xmlns:a16="http://schemas.microsoft.com/office/drawing/2014/main" val="20002"/>
-                    </a:ext>
-                  </a:extLst>
-                </a:gridCol>
-                <a:gridCol w="1656000">
-                  <a:extLst>
-                    <a:ext uri="{9D8B030D-6E8A-4147-A177-3AD203B41FA5}">
-                      <a16:colId xmlns:a16="http://schemas.microsoft.com/office/drawing/2014/main" val="20003"/>
-                    </a:ext>
-                  </a:extLst>
-                </a:gridCol>
-                <a:gridCol w="1656000">
-                  <a:extLst>
-                    <a:ext uri="{9D8B030D-6E8A-4147-A177-3AD203B41FA5}">
-                      <a16:colId xmlns:a16="http://schemas.microsoft.com/office/drawing/2014/main" val="4231623938"/>
-                    </a:ext>
-                  </a:extLst>
-                </a:gridCol>
+                <a:gridCol w="2308543"/>
+                <a:gridCol w="1656000"/>
+                <a:gridCol w="1656000"/>
+                <a:gridCol w="1656000"/>
               </a:tblGrid>
               <a:tr h="497601">
                 <a:tc>
@@ -7504,11 +7348,20 @@
                               <a:lumMod val="75000"/>
                             </a:schemeClr>
                           </a:solidFill>
-                          <a:latin typeface="微软雅黑" pitchFamily="34" charset="-122"/>
-                          <a:ea typeface="微软雅黑" pitchFamily="34" charset="-122"/>
+                          <a:latin typeface="微软雅黑" panose="020B0503020204020204" pitchFamily="34" charset="-122"/>
+                          <a:ea typeface="微软雅黑" panose="020B0503020204020204" pitchFamily="34" charset="-122"/>
                         </a:rPr>
                         <a:t>背景介绍及研究意义</a:t>
                       </a:r>
+                      <a:endParaRPr lang="zh-CN" altLang="en-US" b="0" dirty="0">
+                        <a:solidFill>
+                          <a:schemeClr val="accent1">
+                            <a:lumMod val="75000"/>
+                          </a:schemeClr>
+                        </a:solidFill>
+                        <a:latin typeface="微软雅黑" panose="020B0503020204020204" pitchFamily="34" charset="-122"/>
+                        <a:ea typeface="微软雅黑" panose="020B0503020204020204" pitchFamily="34" charset="-122"/>
+                      </a:endParaRPr>
                     </a:p>
                   </a:txBody>
                   <a:tcPr anchor="b">
@@ -7578,7 +7431,6 @@
                         <a:buSzTx/>
                         <a:buFontTx/>
                         <a:buNone/>
-                        <a:tabLst/>
                         <a:defRPr/>
                       </a:pPr>
                       <a:r>
@@ -7586,11 +7438,18 @@
                           <a:solidFill>
                             <a:schemeClr val="bg1"/>
                           </a:solidFill>
-                          <a:latin typeface="微软雅黑" pitchFamily="34" charset="-122"/>
-                          <a:ea typeface="微软雅黑" pitchFamily="34" charset="-122"/>
+                          <a:latin typeface="微软雅黑" panose="020B0503020204020204" pitchFamily="34" charset="-122"/>
+                          <a:ea typeface="微软雅黑" panose="020B0503020204020204" pitchFamily="34" charset="-122"/>
                         </a:rPr>
                         <a:t>研究内容</a:t>
                       </a:r>
+                      <a:endParaRPr lang="zh-CN" altLang="en-US" b="1" dirty="0">
+                        <a:solidFill>
+                          <a:schemeClr val="bg1"/>
+                        </a:solidFill>
+                        <a:latin typeface="微软雅黑" panose="020B0503020204020204" pitchFamily="34" charset="-122"/>
+                        <a:ea typeface="微软雅黑" panose="020B0503020204020204" pitchFamily="34" charset="-122"/>
+                      </a:endParaRPr>
                     </a:p>
                   </a:txBody>
                   <a:tcPr anchor="ctr">
@@ -7662,7 +7521,6 @@
                         <a:buSzTx/>
                         <a:buFontTx/>
                         <a:buNone/>
-                        <a:tabLst/>
                         <a:defRPr/>
                       </a:pPr>
                       <a:r>
@@ -7672,11 +7530,20 @@
                               <a:lumMod val="75000"/>
                             </a:schemeClr>
                           </a:solidFill>
-                          <a:latin typeface="微软雅黑" pitchFamily="34" charset="-122"/>
-                          <a:ea typeface="微软雅黑" pitchFamily="34" charset="-122"/>
+                          <a:latin typeface="微软雅黑" panose="020B0503020204020204" pitchFamily="34" charset="-122"/>
+                          <a:ea typeface="微软雅黑" panose="020B0503020204020204" pitchFamily="34" charset="-122"/>
                         </a:rPr>
                         <a:t>研究计划</a:t>
                       </a:r>
+                      <a:endParaRPr lang="zh-CN" altLang="en-US" b="0" dirty="0">
+                        <a:solidFill>
+                          <a:schemeClr val="accent1">
+                            <a:lumMod val="75000"/>
+                          </a:schemeClr>
+                        </a:solidFill>
+                        <a:latin typeface="微软雅黑" panose="020B0503020204020204" pitchFamily="34" charset="-122"/>
+                        <a:ea typeface="微软雅黑" panose="020B0503020204020204" pitchFamily="34" charset="-122"/>
+                      </a:endParaRPr>
                     </a:p>
                   </a:txBody>
                   <a:tcPr anchor="b">
@@ -7746,7 +7613,6 @@
                         <a:buSzTx/>
                         <a:buFontTx/>
                         <a:buNone/>
-                        <a:tabLst/>
                         <a:defRPr/>
                       </a:pPr>
                       <a:r>
@@ -7756,11 +7622,20 @@
                               <a:lumMod val="75000"/>
                             </a:schemeClr>
                           </a:solidFill>
-                          <a:latin typeface="微软雅黑" pitchFamily="34" charset="-122"/>
-                          <a:ea typeface="微软雅黑" pitchFamily="34" charset="-122"/>
+                          <a:latin typeface="微软雅黑" panose="020B0503020204020204" pitchFamily="34" charset="-122"/>
+                          <a:ea typeface="微软雅黑" panose="020B0503020204020204" pitchFamily="34" charset="-122"/>
                         </a:rPr>
                         <a:t>研究进展</a:t>
                       </a:r>
+                      <a:endParaRPr lang="zh-CN" altLang="en-US" b="0" dirty="0">
+                        <a:solidFill>
+                          <a:schemeClr val="accent1">
+                            <a:lumMod val="75000"/>
+                          </a:schemeClr>
+                        </a:solidFill>
+                        <a:latin typeface="微软雅黑" panose="020B0503020204020204" pitchFamily="34" charset="-122"/>
+                        <a:ea typeface="微软雅黑" panose="020B0503020204020204" pitchFamily="34" charset="-122"/>
+                      </a:endParaRPr>
                     </a:p>
                   </a:txBody>
                   <a:tcPr anchor="b">
@@ -7811,11 +7686,6 @@
                     <a:noFill/>
                   </a:tcPr>
                 </a:tc>
-                <a:extLst>
-                  <a:ext uri="{0D108BD9-81ED-4DB2-BD59-A6C34878D82A}">
-                    <a16:rowId xmlns:a16="http://schemas.microsoft.com/office/drawing/2014/main" val="10000"/>
-                  </a:ext>
-                </a:extLst>
               </a:tr>
               <a:tr h="164799">
                 <a:tc>
@@ -7830,8 +7700,8 @@
                             <a:lumMod val="75000"/>
                           </a:schemeClr>
                         </a:solidFill>
-                        <a:latin typeface="微软雅黑" pitchFamily="34" charset="-122"/>
-                        <a:ea typeface="微软雅黑" pitchFamily="34" charset="-122"/>
+                        <a:latin typeface="微软雅黑" panose="020B0503020204020204" pitchFamily="34" charset="-122"/>
+                        <a:ea typeface="微软雅黑" panose="020B0503020204020204" pitchFamily="34" charset="-122"/>
                       </a:endParaRPr>
                     </a:p>
                   </a:txBody>
@@ -7886,22 +7756,6 @@
                   </a:tcPr>
                 </a:tc>
                 <a:tc vMerge="1">
-                  <a:txBody>
-                    <a:bodyPr/>
-                    <a:lstStyle/>
-                    <a:p>
-                      <a:pPr algn="ctr"/>
-                      <a:endParaRPr lang="zh-CN" altLang="en-US" sz="100" b="0" dirty="0">
-                        <a:solidFill>
-                          <a:schemeClr val="accent1">
-                            <a:lumMod val="75000"/>
-                          </a:schemeClr>
-                        </a:solidFill>
-                        <a:latin typeface="微软雅黑" pitchFamily="34" charset="-122"/>
-                        <a:ea typeface="微软雅黑" pitchFamily="34" charset="-122"/>
-                      </a:endParaRPr>
-                    </a:p>
-                  </a:txBody>
                   <a:tcPr anchor="ctr">
                     <a:lnL w="57150" cap="flat" cmpd="sng" algn="ctr">
                       <a:solidFill>
@@ -7964,8 +7818,8 @@
                             <a:lumMod val="75000"/>
                           </a:schemeClr>
                         </a:solidFill>
-                        <a:latin typeface="微软雅黑" pitchFamily="34" charset="-122"/>
-                        <a:ea typeface="微软雅黑" pitchFamily="34" charset="-122"/>
+                        <a:latin typeface="微软雅黑" panose="020B0503020204020204" pitchFamily="34" charset="-122"/>
+                        <a:ea typeface="微软雅黑" panose="020B0503020204020204" pitchFamily="34" charset="-122"/>
                       </a:endParaRPr>
                     </a:p>
                   </a:txBody>
@@ -8031,8 +7885,8 @@
                             <a:lumMod val="75000"/>
                           </a:schemeClr>
                         </a:solidFill>
-                        <a:latin typeface="微软雅黑" pitchFamily="34" charset="-122"/>
-                        <a:ea typeface="微软雅黑" pitchFamily="34" charset="-122"/>
+                        <a:latin typeface="微软雅黑" panose="020B0503020204020204" pitchFamily="34" charset="-122"/>
+                        <a:ea typeface="微软雅黑" panose="020B0503020204020204" pitchFamily="34" charset="-122"/>
                       </a:endParaRPr>
                     </a:p>
                   </a:txBody>
@@ -8086,11 +7940,6 @@
                     </a:solidFill>
                   </a:tcPr>
                 </a:tc>
-                <a:extLst>
-                  <a:ext uri="{0D108BD9-81ED-4DB2-BD59-A6C34878D82A}">
-                    <a16:rowId xmlns:a16="http://schemas.microsoft.com/office/drawing/2014/main" val="10001"/>
-                  </a:ext>
-                </a:extLst>
               </a:tr>
             </a:tbl>
           </a:graphicData>
@@ -8098,13 +7947,7 @@
       </p:graphicFrame>
       <p:sp>
         <p:nvSpPr>
-          <p:cNvPr id="7" name="TextBox 9">
-            <a:extLst>
-              <a:ext uri="{FF2B5EF4-FFF2-40B4-BE49-F238E27FC236}">
-                <a16:creationId xmlns:a16="http://schemas.microsoft.com/office/drawing/2014/main" id="{F77C7220-D776-423E-9C1B-021A71DE3A1C}"/>
-              </a:ext>
-            </a:extLst>
-          </p:cNvPr>
+          <p:cNvPr id="7" name="TextBox 9"/>
           <p:cNvSpPr txBox="1"/>
           <p:nvPr/>
         </p:nvSpPr>
@@ -8175,20 +8018,14 @@
       </p:sp>
       <p:pic>
         <p:nvPicPr>
-          <p:cNvPr id="2" name="图片 1">
-            <a:extLst>
-              <a:ext uri="{FF2B5EF4-FFF2-40B4-BE49-F238E27FC236}">
-                <a16:creationId xmlns:a16="http://schemas.microsoft.com/office/drawing/2014/main" id="{8835FB38-81CE-418D-BB7F-F0142B165BA4}"/>
-              </a:ext>
-            </a:extLst>
-          </p:cNvPr>
+          <p:cNvPr id="2" name="图片 1"/>
           <p:cNvPicPr>
             <a:picLocks noChangeAspect="1"/>
           </p:cNvPicPr>
           <p:nvPr/>
         </p:nvPicPr>
         <p:blipFill>
-          <a:blip r:embed="rId3"/>
+          <a:blip r:embed="rId1"/>
           <a:stretch>
             <a:fillRect/>
           </a:stretch>
@@ -8205,20 +8042,14 @@
       </p:pic>
       <p:pic>
         <p:nvPicPr>
-          <p:cNvPr id="4" name="图片 3">
-            <a:extLst>
-              <a:ext uri="{FF2B5EF4-FFF2-40B4-BE49-F238E27FC236}">
-                <a16:creationId xmlns:a16="http://schemas.microsoft.com/office/drawing/2014/main" id="{4979E26E-4572-4885-81CF-1357C46EFA9C}"/>
-              </a:ext>
-            </a:extLst>
-          </p:cNvPr>
+          <p:cNvPr id="4" name="图片 3"/>
           <p:cNvPicPr>
             <a:picLocks noChangeAspect="1"/>
           </p:cNvPicPr>
           <p:nvPr/>
         </p:nvPicPr>
         <p:blipFill>
-          <a:blip r:embed="rId4"/>
+          <a:blip r:embed="rId2"/>
           <a:stretch>
             <a:fillRect/>
           </a:stretch>
@@ -8234,11 +8065,6 @@
         </p:spPr>
       </p:pic>
     </p:spTree>
-    <p:extLst>
-      <p:ext uri="{BB962C8B-B14F-4D97-AF65-F5344CB8AC3E}">
-        <p14:creationId xmlns:p14="http://schemas.microsoft.com/office/powerpoint/2010/main" val="337310148"/>
-      </p:ext>
-    </p:extLst>
   </p:cSld>
   <p:clrMapOvr>
     <a:masterClrMapping/>
@@ -8269,13 +8095,7 @@
           <p:cNvGraphicFramePr>
             <a:graphicFrameLocks noGrp="1"/>
           </p:cNvGraphicFramePr>
-          <p:nvPr>
-            <p:extLst>
-              <p:ext uri="{D42A27DB-BD31-4B8C-83A1-F6EECF244321}">
-                <p14:modId xmlns:p14="http://schemas.microsoft.com/office/powerpoint/2010/main" val="3940118174"/>
-              </p:ext>
-            </p:extLst>
-          </p:nvPr>
+          <p:nvPr/>
         </p:nvGraphicFramePr>
         <p:xfrm>
           <a:off x="1847528" y="548680"/>
@@ -8288,34 +8108,10 @@
                 <a:tableStyleId>{5C22544A-7EE6-4342-B048-85BDC9FD1C3A}</a:tableStyleId>
               </a:tblPr>
               <a:tblGrid>
-                <a:gridCol w="2441580">
-                  <a:extLst>
-                    <a:ext uri="{9D8B030D-6E8A-4147-A177-3AD203B41FA5}">
-                      <a16:colId xmlns:a16="http://schemas.microsoft.com/office/drawing/2014/main" val="1550869986"/>
-                    </a:ext>
-                  </a:extLst>
-                </a:gridCol>
-                <a:gridCol w="1181007">
-                  <a:extLst>
-                    <a:ext uri="{9D8B030D-6E8A-4147-A177-3AD203B41FA5}">
-                      <a16:colId xmlns:a16="http://schemas.microsoft.com/office/drawing/2014/main" val="20001"/>
-                    </a:ext>
-                  </a:extLst>
-                </a:gridCol>
-                <a:gridCol w="1811294">
-                  <a:extLst>
-                    <a:ext uri="{9D8B030D-6E8A-4147-A177-3AD203B41FA5}">
-                      <a16:colId xmlns:a16="http://schemas.microsoft.com/office/drawing/2014/main" val="20002"/>
-                    </a:ext>
-                  </a:extLst>
-                </a:gridCol>
-                <a:gridCol w="1811294">
-                  <a:extLst>
-                    <a:ext uri="{9D8B030D-6E8A-4147-A177-3AD203B41FA5}">
-                      <a16:colId xmlns:a16="http://schemas.microsoft.com/office/drawing/2014/main" val="20003"/>
-                    </a:ext>
-                  </a:extLst>
-                </a:gridCol>
+                <a:gridCol w="2441580"/>
+                <a:gridCol w="1181007"/>
+                <a:gridCol w="1811294"/>
+                <a:gridCol w="1811294"/>
               </a:tblGrid>
               <a:tr h="497601">
                 <a:tc>
@@ -8337,7 +8133,6 @@
                         <a:buSzTx/>
                         <a:buFontTx/>
                         <a:buNone/>
-                        <a:tabLst/>
                         <a:defRPr/>
                       </a:pPr>
                       <a:r>
@@ -8347,11 +8142,20 @@
                               <a:lumMod val="75000"/>
                             </a:schemeClr>
                           </a:solidFill>
-                          <a:latin typeface="微软雅黑" pitchFamily="34" charset="-122"/>
-                          <a:ea typeface="微软雅黑" pitchFamily="34" charset="-122"/>
+                          <a:latin typeface="微软雅黑" panose="020B0503020204020204" pitchFamily="34" charset="-122"/>
+                          <a:ea typeface="微软雅黑" panose="020B0503020204020204" pitchFamily="34" charset="-122"/>
                         </a:rPr>
                         <a:t>背景介绍及研究意义</a:t>
                       </a:r>
+                      <a:endParaRPr lang="zh-CN" altLang="en-US" b="0" dirty="0">
+                        <a:solidFill>
+                          <a:schemeClr val="accent1">
+                            <a:lumMod val="75000"/>
+                          </a:schemeClr>
+                        </a:solidFill>
+                        <a:latin typeface="微软雅黑" panose="020B0503020204020204" pitchFamily="34" charset="-122"/>
+                        <a:ea typeface="微软雅黑" panose="020B0503020204020204" pitchFamily="34" charset="-122"/>
+                      </a:endParaRPr>
                     </a:p>
                   </a:txBody>
                   <a:tcPr anchor="b">
@@ -8415,11 +8219,20 @@
                               <a:lumMod val="75000"/>
                             </a:schemeClr>
                           </a:solidFill>
-                          <a:latin typeface="微软雅黑" pitchFamily="34" charset="-122"/>
-                          <a:ea typeface="微软雅黑" pitchFamily="34" charset="-122"/>
+                          <a:latin typeface="微软雅黑" panose="020B0503020204020204" pitchFamily="34" charset="-122"/>
+                          <a:ea typeface="微软雅黑" panose="020B0503020204020204" pitchFamily="34" charset="-122"/>
                         </a:rPr>
                         <a:t>研究方法</a:t>
                       </a:r>
+                      <a:endParaRPr lang="zh-CN" altLang="en-US" b="0" dirty="0">
+                        <a:solidFill>
+                          <a:schemeClr val="accent1">
+                            <a:lumMod val="75000"/>
+                          </a:schemeClr>
+                        </a:solidFill>
+                        <a:latin typeface="微软雅黑" panose="020B0503020204020204" pitchFamily="34" charset="-122"/>
+                        <a:ea typeface="微软雅黑" panose="020B0503020204020204" pitchFamily="34" charset="-122"/>
+                      </a:endParaRPr>
                     </a:p>
                   </a:txBody>
                   <a:tcPr anchor="b">
@@ -8489,7 +8302,6 @@
                         <a:buSzTx/>
                         <a:buFontTx/>
                         <a:buNone/>
-                        <a:tabLst/>
                         <a:defRPr/>
                       </a:pPr>
                       <a:r>
@@ -8497,11 +8309,18 @@
                           <a:solidFill>
                             <a:schemeClr val="bg1"/>
                           </a:solidFill>
-                          <a:latin typeface="微软雅黑" pitchFamily="34" charset="-122"/>
-                          <a:ea typeface="微软雅黑" pitchFamily="34" charset="-122"/>
+                          <a:latin typeface="微软雅黑" panose="020B0503020204020204" pitchFamily="34" charset="-122"/>
+                          <a:ea typeface="微软雅黑" panose="020B0503020204020204" pitchFamily="34" charset="-122"/>
                         </a:rPr>
                         <a:t>研究计划</a:t>
                       </a:r>
+                      <a:endParaRPr lang="zh-CN" altLang="en-US" b="1" dirty="0">
+                        <a:solidFill>
+                          <a:schemeClr val="bg1"/>
+                        </a:solidFill>
+                        <a:latin typeface="微软雅黑" panose="020B0503020204020204" pitchFamily="34" charset="-122"/>
+                        <a:ea typeface="微软雅黑" panose="020B0503020204020204" pitchFamily="34" charset="-122"/>
+                      </a:endParaRPr>
                     </a:p>
                   </a:txBody>
                   <a:tcPr anchor="ctr">
@@ -8573,7 +8392,6 @@
                         <a:buSzTx/>
                         <a:buFontTx/>
                         <a:buNone/>
-                        <a:tabLst/>
                         <a:defRPr/>
                       </a:pPr>
                       <a:r>
@@ -8583,11 +8401,20 @@
                               <a:lumMod val="75000"/>
                             </a:schemeClr>
                           </a:solidFill>
-                          <a:latin typeface="微软雅黑" pitchFamily="34" charset="-122"/>
-                          <a:ea typeface="微软雅黑" pitchFamily="34" charset="-122"/>
+                          <a:latin typeface="微软雅黑" panose="020B0503020204020204" pitchFamily="34" charset="-122"/>
+                          <a:ea typeface="微软雅黑" panose="020B0503020204020204" pitchFamily="34" charset="-122"/>
                         </a:rPr>
                         <a:t>研究进展</a:t>
                       </a:r>
+                      <a:endParaRPr lang="zh-CN" altLang="en-US" b="0" dirty="0">
+                        <a:solidFill>
+                          <a:schemeClr val="accent1">
+                            <a:lumMod val="75000"/>
+                          </a:schemeClr>
+                        </a:solidFill>
+                        <a:latin typeface="微软雅黑" panose="020B0503020204020204" pitchFamily="34" charset="-122"/>
+                        <a:ea typeface="微软雅黑" panose="020B0503020204020204" pitchFamily="34" charset="-122"/>
+                      </a:endParaRPr>
                     </a:p>
                   </a:txBody>
                   <a:tcPr anchor="b">
@@ -8638,11 +8465,6 @@
                     <a:noFill/>
                   </a:tcPr>
                 </a:tc>
-                <a:extLst>
-                  <a:ext uri="{0D108BD9-81ED-4DB2-BD59-A6C34878D82A}">
-                    <a16:rowId xmlns:a16="http://schemas.microsoft.com/office/drawing/2014/main" val="10000"/>
-                  </a:ext>
-                </a:extLst>
               </a:tr>
               <a:tr h="164799">
                 <a:tc>
@@ -8657,8 +8479,8 @@
                             <a:lumMod val="75000"/>
                           </a:schemeClr>
                         </a:solidFill>
-                        <a:latin typeface="微软雅黑" pitchFamily="34" charset="-122"/>
-                        <a:ea typeface="微软雅黑" pitchFamily="34" charset="-122"/>
+                        <a:latin typeface="微软雅黑" panose="020B0503020204020204" pitchFamily="34" charset="-122"/>
+                        <a:ea typeface="微软雅黑" panose="020B0503020204020204" pitchFamily="34" charset="-122"/>
                       </a:endParaRPr>
                     </a:p>
                   </a:txBody>
@@ -8724,8 +8546,8 @@
                             <a:lumMod val="75000"/>
                           </a:schemeClr>
                         </a:solidFill>
-                        <a:latin typeface="微软雅黑" pitchFamily="34" charset="-122"/>
-                        <a:ea typeface="微软雅黑" pitchFamily="34" charset="-122"/>
+                        <a:latin typeface="微软雅黑" panose="020B0503020204020204" pitchFamily="34" charset="-122"/>
+                        <a:ea typeface="微软雅黑" panose="020B0503020204020204" pitchFamily="34" charset="-122"/>
                       </a:endParaRPr>
                     </a:p>
                   </a:txBody>
@@ -8780,22 +8602,6 @@
                   </a:tcPr>
                 </a:tc>
                 <a:tc vMerge="1">
-                  <a:txBody>
-                    <a:bodyPr/>
-                    <a:lstStyle/>
-                    <a:p>
-                      <a:pPr algn="ctr"/>
-                      <a:endParaRPr lang="zh-CN" altLang="en-US" sz="100" b="0" dirty="0">
-                        <a:solidFill>
-                          <a:schemeClr val="accent1">
-                            <a:lumMod val="75000"/>
-                          </a:schemeClr>
-                        </a:solidFill>
-                        <a:latin typeface="微软雅黑" pitchFamily="34" charset="-122"/>
-                        <a:ea typeface="微软雅黑" pitchFamily="34" charset="-122"/>
-                      </a:endParaRPr>
-                    </a:p>
-                  </a:txBody>
                   <a:tcPr anchor="ctr">
                     <a:lnL w="57150" cap="flat" cmpd="sng" algn="ctr">
                       <a:solidFill>
@@ -8858,8 +8664,8 @@
                             <a:lumMod val="75000"/>
                           </a:schemeClr>
                         </a:solidFill>
-                        <a:latin typeface="微软雅黑" pitchFamily="34" charset="-122"/>
-                        <a:ea typeface="微软雅黑" pitchFamily="34" charset="-122"/>
+                        <a:latin typeface="微软雅黑" panose="020B0503020204020204" pitchFamily="34" charset="-122"/>
+                        <a:ea typeface="微软雅黑" panose="020B0503020204020204" pitchFamily="34" charset="-122"/>
                       </a:endParaRPr>
                     </a:p>
                   </a:txBody>
@@ -8913,11 +8719,6 @@
                     </a:solidFill>
                   </a:tcPr>
                 </a:tc>
-                <a:extLst>
-                  <a:ext uri="{0D108BD9-81ED-4DB2-BD59-A6C34878D82A}">
-                    <a16:rowId xmlns:a16="http://schemas.microsoft.com/office/drawing/2014/main" val="10001"/>
-                  </a:ext>
-                </a:extLst>
               </a:tr>
             </a:tbl>
           </a:graphicData>
@@ -8959,11 +8760,27 @@
                     </a:srgbClr>
                   </a:outerShdw>
                 </a:effectLst>
-                <a:latin typeface="微软雅黑" pitchFamily="34" charset="-122"/>
-                <a:ea typeface="微软雅黑" pitchFamily="34" charset="-122"/>
+                <a:latin typeface="微软雅黑" panose="020B0503020204020204" pitchFamily="34" charset="-122"/>
+                <a:ea typeface="微软雅黑" panose="020B0503020204020204" pitchFamily="34" charset="-122"/>
               </a:rPr>
               <a:t>时间阶段：</a:t>
             </a:r>
+            <a:endParaRPr lang="zh-CN" altLang="en-US" sz="2000" b="1" dirty="0">
+              <a:solidFill>
+                <a:schemeClr val="accent1">
+                  <a:lumMod val="75000"/>
+                </a:schemeClr>
+              </a:solidFill>
+              <a:effectLst>
+                <a:outerShdw blurRad="38100" dist="38100" dir="2700000" algn="tl">
+                  <a:srgbClr val="000000">
+                    <a:alpha val="43137"/>
+                  </a:srgbClr>
+                </a:outerShdw>
+              </a:effectLst>
+              <a:latin typeface="微软雅黑" panose="020B0503020204020204" pitchFamily="34" charset="-122"/>
+              <a:ea typeface="微软雅黑" panose="020B0503020204020204" pitchFamily="34" charset="-122"/>
+            </a:endParaRPr>
           </a:p>
         </p:txBody>
       </p:sp>
@@ -9209,8 +9026,8 @@
                       <a:lumMod val="75000"/>
                     </a:schemeClr>
                   </a:solidFill>
-                  <a:latin typeface="Arial" pitchFamily="34" charset="0"/>
-                  <a:cs typeface="Arial" pitchFamily="34" charset="0"/>
+                  <a:latin typeface="Arial" panose="020B0604020202020204" pitchFamily="34" charset="0"/>
+                  <a:cs typeface="Arial" panose="020B0604020202020204" pitchFamily="34" charset="0"/>
                 </a:rPr>
                 <a:t>1</a:t>
               </a:r>
@@ -9220,8 +9037,8 @@
                     <a:lumMod val="75000"/>
                   </a:schemeClr>
                 </a:solidFill>
-                <a:latin typeface="Arial" pitchFamily="34" charset="0"/>
-                <a:cs typeface="Arial" pitchFamily="34" charset="0"/>
+                <a:latin typeface="Arial" panose="020B0604020202020204" pitchFamily="34" charset="0"/>
+                <a:cs typeface="Arial" panose="020B0604020202020204" pitchFamily="34" charset="0"/>
               </a:endParaRPr>
             </a:p>
           </p:txBody>
@@ -9421,8 +9238,8 @@
                       <a:lumMod val="75000"/>
                     </a:schemeClr>
                   </a:solidFill>
-                  <a:latin typeface="Arial" pitchFamily="34" charset="0"/>
-                  <a:cs typeface="Arial" pitchFamily="34" charset="0"/>
+                  <a:latin typeface="Arial" panose="020B0604020202020204" pitchFamily="34" charset="0"/>
+                  <a:cs typeface="Arial" panose="020B0604020202020204" pitchFamily="34" charset="0"/>
                 </a:rPr>
                 <a:t>2</a:t>
               </a:r>
@@ -9432,8 +9249,8 @@
                     <a:lumMod val="75000"/>
                   </a:schemeClr>
                 </a:solidFill>
-                <a:latin typeface="Arial" pitchFamily="34" charset="0"/>
-                <a:cs typeface="Arial" pitchFamily="34" charset="0"/>
+                <a:latin typeface="Arial" panose="020B0604020202020204" pitchFamily="34" charset="0"/>
+                <a:cs typeface="Arial" panose="020B0604020202020204" pitchFamily="34" charset="0"/>
               </a:endParaRPr>
             </a:p>
           </p:txBody>
@@ -9633,8 +9450,8 @@
                       <a:lumMod val="75000"/>
                     </a:schemeClr>
                   </a:solidFill>
-                  <a:latin typeface="Arial" pitchFamily="34" charset="0"/>
-                  <a:cs typeface="Arial" pitchFamily="34" charset="0"/>
+                  <a:latin typeface="Arial" panose="020B0604020202020204" pitchFamily="34" charset="0"/>
+                  <a:cs typeface="Arial" panose="020B0604020202020204" pitchFamily="34" charset="0"/>
                 </a:rPr>
                 <a:t>3</a:t>
               </a:r>
@@ -9644,8 +9461,8 @@
                     <a:lumMod val="75000"/>
                   </a:schemeClr>
                 </a:solidFill>
-                <a:latin typeface="Arial" pitchFamily="34" charset="0"/>
-                <a:cs typeface="Arial" pitchFamily="34" charset="0"/>
+                <a:latin typeface="Arial" panose="020B0604020202020204" pitchFamily="34" charset="0"/>
+                <a:cs typeface="Arial" panose="020B0604020202020204" pitchFamily="34" charset="0"/>
               </a:endParaRPr>
             </a:p>
           </p:txBody>
@@ -9845,8 +9662,8 @@
                       <a:lumMod val="75000"/>
                     </a:schemeClr>
                   </a:solidFill>
-                  <a:latin typeface="Arial" pitchFamily="34" charset="0"/>
-                  <a:cs typeface="Arial" pitchFamily="34" charset="0"/>
+                  <a:latin typeface="Arial" panose="020B0604020202020204" pitchFamily="34" charset="0"/>
+                  <a:cs typeface="Arial" panose="020B0604020202020204" pitchFamily="34" charset="0"/>
                 </a:rPr>
                 <a:t>4</a:t>
               </a:r>
@@ -9856,8 +9673,8 @@
                     <a:lumMod val="75000"/>
                   </a:schemeClr>
                 </a:solidFill>
-                <a:latin typeface="Arial" pitchFamily="34" charset="0"/>
-                <a:cs typeface="Arial" pitchFamily="34" charset="0"/>
+                <a:latin typeface="Arial" panose="020B0604020202020204" pitchFamily="34" charset="0"/>
+                <a:cs typeface="Arial" panose="020B0604020202020204" pitchFamily="34" charset="0"/>
               </a:endParaRPr>
             </a:p>
           </p:txBody>
@@ -9924,6 +9741,13 @@
               </a:rPr>
               <a:t>进行前期的预研工作</a:t>
             </a:r>
+            <a:endParaRPr lang="zh-CN" altLang="en-US" sz="1600" dirty="0">
+              <a:solidFill>
+                <a:srgbClr val="000000"/>
+              </a:solidFill>
+              <a:latin typeface="华文新魏" pitchFamily="2" charset="-122"/>
+              <a:ea typeface="华文新魏" pitchFamily="2" charset="-122"/>
+            </a:endParaRPr>
           </a:p>
         </p:txBody>
       </p:sp>
@@ -9956,8 +9780,8 @@
                     <a:lumMod val="75000"/>
                   </a:schemeClr>
                 </a:solidFill>
-                <a:latin typeface="微软雅黑" pitchFamily="34" charset="-122"/>
-                <a:ea typeface="微软雅黑" pitchFamily="34" charset="-122"/>
+                <a:latin typeface="微软雅黑" panose="020B0503020204020204" pitchFamily="34" charset="-122"/>
+                <a:ea typeface="微软雅黑" panose="020B0503020204020204" pitchFamily="34" charset="-122"/>
               </a:rPr>
               <a:t>2020</a:t>
             </a:r>
@@ -9968,8 +9792,8 @@
                     <a:lumMod val="75000"/>
                   </a:schemeClr>
                 </a:solidFill>
-                <a:latin typeface="微软雅黑" pitchFamily="34" charset="-122"/>
-                <a:ea typeface="微软雅黑" pitchFamily="34" charset="-122"/>
+                <a:latin typeface="微软雅黑" panose="020B0503020204020204" pitchFamily="34" charset="-122"/>
+                <a:ea typeface="微软雅黑" panose="020B0503020204020204" pitchFamily="34" charset="-122"/>
               </a:rPr>
               <a:t>年 </a:t>
             </a:r>
@@ -9980,8 +9804,8 @@
                     <a:lumMod val="75000"/>
                   </a:schemeClr>
                 </a:solidFill>
-                <a:latin typeface="微软雅黑" pitchFamily="34" charset="-122"/>
-                <a:ea typeface="微软雅黑" pitchFamily="34" charset="-122"/>
+                <a:latin typeface="微软雅黑" panose="020B0503020204020204" pitchFamily="34" charset="-122"/>
+                <a:ea typeface="微软雅黑" panose="020B0503020204020204" pitchFamily="34" charset="-122"/>
               </a:rPr>
               <a:t>03</a:t>
             </a:r>
@@ -9992,8 +9816,8 @@
                     <a:lumMod val="75000"/>
                   </a:schemeClr>
                 </a:solidFill>
-                <a:latin typeface="微软雅黑" pitchFamily="34" charset="-122"/>
-                <a:ea typeface="微软雅黑" pitchFamily="34" charset="-122"/>
+                <a:latin typeface="微软雅黑" panose="020B0503020204020204" pitchFamily="34" charset="-122"/>
+                <a:ea typeface="微软雅黑" panose="020B0503020204020204" pitchFamily="34" charset="-122"/>
               </a:rPr>
               <a:t>月</a:t>
             </a:r>
@@ -10004,11 +9828,20 @@
                     <a:lumMod val="75000"/>
                   </a:schemeClr>
                 </a:solidFill>
-                <a:latin typeface="微软雅黑" pitchFamily="34" charset="-122"/>
-                <a:ea typeface="微软雅黑" pitchFamily="34" charset="-122"/>
+                <a:latin typeface="微软雅黑" panose="020B0503020204020204" pitchFamily="34" charset="-122"/>
+                <a:ea typeface="微软雅黑" panose="020B0503020204020204" pitchFamily="34" charset="-122"/>
               </a:rPr>
               <a:t>-</a:t>
             </a:r>
+            <a:endParaRPr lang="en-US" altLang="zh-CN" b="1" dirty="0">
+              <a:solidFill>
+                <a:schemeClr val="accent1">
+                  <a:lumMod val="75000"/>
+                </a:schemeClr>
+              </a:solidFill>
+              <a:latin typeface="微软雅黑" panose="020B0503020204020204" pitchFamily="34" charset="-122"/>
+              <a:ea typeface="微软雅黑" panose="020B0503020204020204" pitchFamily="34" charset="-122"/>
+            </a:endParaRPr>
           </a:p>
           <a:p>
             <a:r>
@@ -10018,8 +9851,8 @@
                     <a:lumMod val="75000"/>
                   </a:schemeClr>
                 </a:solidFill>
-                <a:latin typeface="微软雅黑" pitchFamily="34" charset="-122"/>
-                <a:ea typeface="微软雅黑" pitchFamily="34" charset="-122"/>
+                <a:latin typeface="微软雅黑" panose="020B0503020204020204" pitchFamily="34" charset="-122"/>
+                <a:ea typeface="微软雅黑" panose="020B0503020204020204" pitchFamily="34" charset="-122"/>
               </a:rPr>
               <a:t>2020</a:t>
             </a:r>
@@ -10030,8 +9863,8 @@
                     <a:lumMod val="75000"/>
                   </a:schemeClr>
                 </a:solidFill>
-                <a:latin typeface="微软雅黑" pitchFamily="34" charset="-122"/>
-                <a:ea typeface="微软雅黑" pitchFamily="34" charset="-122"/>
+                <a:latin typeface="微软雅黑" panose="020B0503020204020204" pitchFamily="34" charset="-122"/>
+                <a:ea typeface="微软雅黑" panose="020B0503020204020204" pitchFamily="34" charset="-122"/>
               </a:rPr>
               <a:t>年</a:t>
             </a:r>
@@ -10042,8 +9875,8 @@
                     <a:lumMod val="75000"/>
                   </a:schemeClr>
                 </a:solidFill>
-                <a:latin typeface="微软雅黑" pitchFamily="34" charset="-122"/>
-                <a:ea typeface="微软雅黑" pitchFamily="34" charset="-122"/>
+                <a:latin typeface="微软雅黑" panose="020B0503020204020204" pitchFamily="34" charset="-122"/>
+                <a:ea typeface="微软雅黑" panose="020B0503020204020204" pitchFamily="34" charset="-122"/>
               </a:rPr>
               <a:t>09</a:t>
             </a:r>
@@ -10054,11 +9887,20 @@
                     <a:lumMod val="75000"/>
                   </a:schemeClr>
                 </a:solidFill>
-                <a:latin typeface="微软雅黑" pitchFamily="34" charset="-122"/>
-                <a:ea typeface="微软雅黑" pitchFamily="34" charset="-122"/>
+                <a:latin typeface="微软雅黑" panose="020B0503020204020204" pitchFamily="34" charset="-122"/>
+                <a:ea typeface="微软雅黑" panose="020B0503020204020204" pitchFamily="34" charset="-122"/>
               </a:rPr>
               <a:t>月</a:t>
             </a:r>
+            <a:endParaRPr lang="zh-CN" altLang="en-US" b="1" dirty="0">
+              <a:solidFill>
+                <a:schemeClr val="accent1">
+                  <a:lumMod val="75000"/>
+                </a:schemeClr>
+              </a:solidFill>
+              <a:latin typeface="微软雅黑" panose="020B0503020204020204" pitchFamily="34" charset="-122"/>
+              <a:ea typeface="微软雅黑" panose="020B0503020204020204" pitchFamily="34" charset="-122"/>
+            </a:endParaRPr>
           </a:p>
         </p:txBody>
       </p:sp>
@@ -10155,8 +9997,8 @@
                     <a:lumMod val="75000"/>
                   </a:schemeClr>
                 </a:solidFill>
-                <a:latin typeface="微软雅黑" pitchFamily="34" charset="-122"/>
-                <a:ea typeface="微软雅黑" pitchFamily="34" charset="-122"/>
+                <a:latin typeface="微软雅黑" panose="020B0503020204020204" pitchFamily="34" charset="-122"/>
+                <a:ea typeface="微软雅黑" panose="020B0503020204020204" pitchFamily="34" charset="-122"/>
               </a:rPr>
               <a:t>2020</a:t>
             </a:r>
@@ -10167,8 +10009,8 @@
                     <a:lumMod val="75000"/>
                   </a:schemeClr>
                 </a:solidFill>
-                <a:latin typeface="微软雅黑" pitchFamily="34" charset="-122"/>
-                <a:ea typeface="微软雅黑" pitchFamily="34" charset="-122"/>
+                <a:latin typeface="微软雅黑" panose="020B0503020204020204" pitchFamily="34" charset="-122"/>
+                <a:ea typeface="微软雅黑" panose="020B0503020204020204" pitchFamily="34" charset="-122"/>
               </a:rPr>
               <a:t>年 </a:t>
             </a:r>
@@ -10179,8 +10021,8 @@
                     <a:lumMod val="75000"/>
                   </a:schemeClr>
                 </a:solidFill>
-                <a:latin typeface="微软雅黑" pitchFamily="34" charset="-122"/>
-                <a:ea typeface="微软雅黑" pitchFamily="34" charset="-122"/>
+                <a:latin typeface="微软雅黑" panose="020B0503020204020204" pitchFamily="34" charset="-122"/>
+                <a:ea typeface="微软雅黑" panose="020B0503020204020204" pitchFamily="34" charset="-122"/>
               </a:rPr>
               <a:t>09</a:t>
             </a:r>
@@ -10191,8 +10033,8 @@
                     <a:lumMod val="75000"/>
                   </a:schemeClr>
                 </a:solidFill>
-                <a:latin typeface="微软雅黑" pitchFamily="34" charset="-122"/>
-                <a:ea typeface="微软雅黑" pitchFamily="34" charset="-122"/>
+                <a:latin typeface="微软雅黑" panose="020B0503020204020204" pitchFamily="34" charset="-122"/>
+                <a:ea typeface="微软雅黑" panose="020B0503020204020204" pitchFamily="34" charset="-122"/>
               </a:rPr>
               <a:t>月</a:t>
             </a:r>
@@ -10203,11 +10045,20 @@
                     <a:lumMod val="75000"/>
                   </a:schemeClr>
                 </a:solidFill>
-                <a:latin typeface="微软雅黑" pitchFamily="34" charset="-122"/>
-                <a:ea typeface="微软雅黑" pitchFamily="34" charset="-122"/>
+                <a:latin typeface="微软雅黑" panose="020B0503020204020204" pitchFamily="34" charset="-122"/>
+                <a:ea typeface="微软雅黑" panose="020B0503020204020204" pitchFamily="34" charset="-122"/>
               </a:rPr>
               <a:t>-</a:t>
             </a:r>
+            <a:endParaRPr lang="en-US" altLang="zh-CN" b="1" dirty="0">
+              <a:solidFill>
+                <a:schemeClr val="accent1">
+                  <a:lumMod val="75000"/>
+                </a:schemeClr>
+              </a:solidFill>
+              <a:latin typeface="微软雅黑" panose="020B0503020204020204" pitchFamily="34" charset="-122"/>
+              <a:ea typeface="微软雅黑" panose="020B0503020204020204" pitchFamily="34" charset="-122"/>
+            </a:endParaRPr>
           </a:p>
           <a:p>
             <a:r>
@@ -10217,8 +10068,8 @@
                     <a:lumMod val="75000"/>
                   </a:schemeClr>
                 </a:solidFill>
-                <a:latin typeface="微软雅黑" pitchFamily="34" charset="-122"/>
-                <a:ea typeface="微软雅黑" pitchFamily="34" charset="-122"/>
+                <a:latin typeface="微软雅黑" panose="020B0503020204020204" pitchFamily="34" charset="-122"/>
+                <a:ea typeface="微软雅黑" panose="020B0503020204020204" pitchFamily="34" charset="-122"/>
               </a:rPr>
               <a:t>2021</a:t>
             </a:r>
@@ -10229,8 +10080,8 @@
                     <a:lumMod val="75000"/>
                   </a:schemeClr>
                 </a:solidFill>
-                <a:latin typeface="微软雅黑" pitchFamily="34" charset="-122"/>
-                <a:ea typeface="微软雅黑" pitchFamily="34" charset="-122"/>
+                <a:latin typeface="微软雅黑" panose="020B0503020204020204" pitchFamily="34" charset="-122"/>
+                <a:ea typeface="微软雅黑" panose="020B0503020204020204" pitchFamily="34" charset="-122"/>
               </a:rPr>
               <a:t>年</a:t>
             </a:r>
@@ -10241,8 +10092,8 @@
                     <a:lumMod val="75000"/>
                   </a:schemeClr>
                 </a:solidFill>
-                <a:latin typeface="微软雅黑" pitchFamily="34" charset="-122"/>
-                <a:ea typeface="微软雅黑" pitchFamily="34" charset="-122"/>
+                <a:latin typeface="微软雅黑" panose="020B0503020204020204" pitchFamily="34" charset="-122"/>
+                <a:ea typeface="微软雅黑" panose="020B0503020204020204" pitchFamily="34" charset="-122"/>
               </a:rPr>
               <a:t>01</a:t>
             </a:r>
@@ -10253,11 +10104,20 @@
                     <a:lumMod val="75000"/>
                   </a:schemeClr>
                 </a:solidFill>
-                <a:latin typeface="微软雅黑" pitchFamily="34" charset="-122"/>
-                <a:ea typeface="微软雅黑" pitchFamily="34" charset="-122"/>
+                <a:latin typeface="微软雅黑" panose="020B0503020204020204" pitchFamily="34" charset="-122"/>
+                <a:ea typeface="微软雅黑" panose="020B0503020204020204" pitchFamily="34" charset="-122"/>
               </a:rPr>
               <a:t>月</a:t>
             </a:r>
+            <a:endParaRPr lang="zh-CN" altLang="en-US" b="1" dirty="0">
+              <a:solidFill>
+                <a:schemeClr val="accent1">
+                  <a:lumMod val="75000"/>
+                </a:schemeClr>
+              </a:solidFill>
+              <a:latin typeface="微软雅黑" panose="020B0503020204020204" pitchFamily="34" charset="-122"/>
+              <a:ea typeface="微软雅黑" panose="020B0503020204020204" pitchFamily="34" charset="-122"/>
+            </a:endParaRPr>
           </a:p>
         </p:txBody>
       </p:sp>
@@ -10318,6 +10178,13 @@
               </a:rPr>
               <a:t>部分</a:t>
             </a:r>
+            <a:endParaRPr lang="zh-CN" altLang="en-US" sz="1600" dirty="0">
+              <a:solidFill>
+                <a:srgbClr val="000000"/>
+              </a:solidFill>
+              <a:latin typeface="华文新魏" pitchFamily="2" charset="-122"/>
+              <a:ea typeface="华文新魏" pitchFamily="2" charset="-122"/>
+            </a:endParaRPr>
           </a:p>
         </p:txBody>
       </p:sp>
@@ -10350,8 +10217,8 @@
                     <a:lumMod val="75000"/>
                   </a:schemeClr>
                 </a:solidFill>
-                <a:latin typeface="微软雅黑" pitchFamily="34" charset="-122"/>
-                <a:ea typeface="微软雅黑" pitchFamily="34" charset="-122"/>
+                <a:latin typeface="微软雅黑" panose="020B0503020204020204" pitchFamily="34" charset="-122"/>
+                <a:ea typeface="微软雅黑" panose="020B0503020204020204" pitchFamily="34" charset="-122"/>
               </a:rPr>
               <a:t>2021</a:t>
             </a:r>
@@ -10362,8 +10229,8 @@
                     <a:lumMod val="75000"/>
                   </a:schemeClr>
                 </a:solidFill>
-                <a:latin typeface="微软雅黑" pitchFamily="34" charset="-122"/>
-                <a:ea typeface="微软雅黑" pitchFamily="34" charset="-122"/>
+                <a:latin typeface="微软雅黑" panose="020B0503020204020204" pitchFamily="34" charset="-122"/>
+                <a:ea typeface="微软雅黑" panose="020B0503020204020204" pitchFamily="34" charset="-122"/>
               </a:rPr>
               <a:t>年 </a:t>
             </a:r>
@@ -10374,8 +10241,8 @@
                     <a:lumMod val="75000"/>
                   </a:schemeClr>
                 </a:solidFill>
-                <a:latin typeface="微软雅黑" pitchFamily="34" charset="-122"/>
-                <a:ea typeface="微软雅黑" pitchFamily="34" charset="-122"/>
+                <a:latin typeface="微软雅黑" panose="020B0503020204020204" pitchFamily="34" charset="-122"/>
+                <a:ea typeface="微软雅黑" panose="020B0503020204020204" pitchFamily="34" charset="-122"/>
               </a:rPr>
               <a:t>01</a:t>
             </a:r>
@@ -10386,8 +10253,8 @@
                     <a:lumMod val="75000"/>
                   </a:schemeClr>
                 </a:solidFill>
-                <a:latin typeface="微软雅黑" pitchFamily="34" charset="-122"/>
-                <a:ea typeface="微软雅黑" pitchFamily="34" charset="-122"/>
+                <a:latin typeface="微软雅黑" panose="020B0503020204020204" pitchFamily="34" charset="-122"/>
+                <a:ea typeface="微软雅黑" panose="020B0503020204020204" pitchFamily="34" charset="-122"/>
               </a:rPr>
               <a:t>月</a:t>
             </a:r>
@@ -10398,11 +10265,20 @@
                     <a:lumMod val="75000"/>
                   </a:schemeClr>
                 </a:solidFill>
-                <a:latin typeface="微软雅黑" pitchFamily="34" charset="-122"/>
-                <a:ea typeface="微软雅黑" pitchFamily="34" charset="-122"/>
+                <a:latin typeface="微软雅黑" panose="020B0503020204020204" pitchFamily="34" charset="-122"/>
+                <a:ea typeface="微软雅黑" panose="020B0503020204020204" pitchFamily="34" charset="-122"/>
               </a:rPr>
               <a:t>-</a:t>
             </a:r>
+            <a:endParaRPr lang="en-US" altLang="zh-CN" b="1" dirty="0">
+              <a:solidFill>
+                <a:schemeClr val="accent1">
+                  <a:lumMod val="75000"/>
+                </a:schemeClr>
+              </a:solidFill>
+              <a:latin typeface="微软雅黑" panose="020B0503020204020204" pitchFamily="34" charset="-122"/>
+              <a:ea typeface="微软雅黑" panose="020B0503020204020204" pitchFamily="34" charset="-122"/>
+            </a:endParaRPr>
           </a:p>
           <a:p>
             <a:r>
@@ -10412,8 +10288,8 @@
                     <a:lumMod val="75000"/>
                   </a:schemeClr>
                 </a:solidFill>
-                <a:latin typeface="微软雅黑" pitchFamily="34" charset="-122"/>
-                <a:ea typeface="微软雅黑" pitchFamily="34" charset="-122"/>
+                <a:latin typeface="微软雅黑" panose="020B0503020204020204" pitchFamily="34" charset="-122"/>
+                <a:ea typeface="微软雅黑" panose="020B0503020204020204" pitchFamily="34" charset="-122"/>
               </a:rPr>
               <a:t>2021</a:t>
             </a:r>
@@ -10424,8 +10300,8 @@
                     <a:lumMod val="75000"/>
                   </a:schemeClr>
                 </a:solidFill>
-                <a:latin typeface="微软雅黑" pitchFamily="34" charset="-122"/>
-                <a:ea typeface="微软雅黑" pitchFamily="34" charset="-122"/>
+                <a:latin typeface="微软雅黑" panose="020B0503020204020204" pitchFamily="34" charset="-122"/>
+                <a:ea typeface="微软雅黑" panose="020B0503020204020204" pitchFamily="34" charset="-122"/>
               </a:rPr>
               <a:t>年</a:t>
             </a:r>
@@ -10436,8 +10312,8 @@
                     <a:lumMod val="75000"/>
                   </a:schemeClr>
                 </a:solidFill>
-                <a:latin typeface="微软雅黑" pitchFamily="34" charset="-122"/>
-                <a:ea typeface="微软雅黑" pitchFamily="34" charset="-122"/>
+                <a:latin typeface="微软雅黑" panose="020B0503020204020204" pitchFamily="34" charset="-122"/>
+                <a:ea typeface="微软雅黑" panose="020B0503020204020204" pitchFamily="34" charset="-122"/>
               </a:rPr>
               <a:t>04</a:t>
             </a:r>
@@ -10448,11 +10324,20 @@
                     <a:lumMod val="75000"/>
                   </a:schemeClr>
                 </a:solidFill>
-                <a:latin typeface="微软雅黑" pitchFamily="34" charset="-122"/>
-                <a:ea typeface="微软雅黑" pitchFamily="34" charset="-122"/>
+                <a:latin typeface="微软雅黑" panose="020B0503020204020204" pitchFamily="34" charset="-122"/>
+                <a:ea typeface="微软雅黑" panose="020B0503020204020204" pitchFamily="34" charset="-122"/>
               </a:rPr>
               <a:t>月</a:t>
             </a:r>
+            <a:endParaRPr lang="zh-CN" altLang="en-US" b="1" dirty="0">
+              <a:solidFill>
+                <a:schemeClr val="accent1">
+                  <a:lumMod val="75000"/>
+                </a:schemeClr>
+              </a:solidFill>
+              <a:latin typeface="微软雅黑" panose="020B0503020204020204" pitchFamily="34" charset="-122"/>
+              <a:ea typeface="微软雅黑" panose="020B0503020204020204" pitchFamily="34" charset="-122"/>
+            </a:endParaRPr>
           </a:p>
         </p:txBody>
       </p:sp>
@@ -10514,6 +10399,13 @@
               </a:rPr>
               <a:t>部分</a:t>
             </a:r>
+            <a:endParaRPr lang="zh-CN" altLang="en-US" sz="1600" dirty="0">
+              <a:solidFill>
+                <a:srgbClr val="000000"/>
+              </a:solidFill>
+              <a:latin typeface="华文新魏" pitchFamily="2" charset="-122"/>
+              <a:ea typeface="华文新魏" pitchFamily="2" charset="-122"/>
+            </a:endParaRPr>
           </a:p>
         </p:txBody>
       </p:sp>
@@ -10546,8 +10438,8 @@
                     <a:lumMod val="75000"/>
                   </a:schemeClr>
                 </a:solidFill>
-                <a:latin typeface="微软雅黑" pitchFamily="34" charset="-122"/>
-                <a:ea typeface="微软雅黑" pitchFamily="34" charset="-122"/>
+                <a:latin typeface="微软雅黑" panose="020B0503020204020204" pitchFamily="34" charset="-122"/>
+                <a:ea typeface="微软雅黑" panose="020B0503020204020204" pitchFamily="34" charset="-122"/>
               </a:rPr>
               <a:t>2021</a:t>
             </a:r>
@@ -10558,8 +10450,8 @@
                     <a:lumMod val="75000"/>
                   </a:schemeClr>
                 </a:solidFill>
-                <a:latin typeface="微软雅黑" pitchFamily="34" charset="-122"/>
-                <a:ea typeface="微软雅黑" pitchFamily="34" charset="-122"/>
+                <a:latin typeface="微软雅黑" panose="020B0503020204020204" pitchFamily="34" charset="-122"/>
+                <a:ea typeface="微软雅黑" panose="020B0503020204020204" pitchFamily="34" charset="-122"/>
               </a:rPr>
               <a:t>年</a:t>
             </a:r>
@@ -10570,8 +10462,8 @@
                     <a:lumMod val="75000"/>
                   </a:schemeClr>
                 </a:solidFill>
-                <a:latin typeface="微软雅黑" pitchFamily="34" charset="-122"/>
-                <a:ea typeface="微软雅黑" pitchFamily="34" charset="-122"/>
+                <a:latin typeface="微软雅黑" panose="020B0503020204020204" pitchFamily="34" charset="-122"/>
+                <a:ea typeface="微软雅黑" panose="020B0503020204020204" pitchFamily="34" charset="-122"/>
               </a:rPr>
               <a:t>04</a:t>
             </a:r>
@@ -10582,8 +10474,8 @@
                     <a:lumMod val="75000"/>
                   </a:schemeClr>
                 </a:solidFill>
-                <a:latin typeface="微软雅黑" pitchFamily="34" charset="-122"/>
-                <a:ea typeface="微软雅黑" pitchFamily="34" charset="-122"/>
+                <a:latin typeface="微软雅黑" panose="020B0503020204020204" pitchFamily="34" charset="-122"/>
+                <a:ea typeface="微软雅黑" panose="020B0503020204020204" pitchFamily="34" charset="-122"/>
               </a:rPr>
               <a:t>月</a:t>
             </a:r>
@@ -10594,11 +10486,20 @@
                     <a:lumMod val="75000"/>
                   </a:schemeClr>
                 </a:solidFill>
-                <a:latin typeface="微软雅黑" pitchFamily="34" charset="-122"/>
-                <a:ea typeface="微软雅黑" pitchFamily="34" charset="-122"/>
+                <a:latin typeface="微软雅黑" panose="020B0503020204020204" pitchFamily="34" charset="-122"/>
+                <a:ea typeface="微软雅黑" panose="020B0503020204020204" pitchFamily="34" charset="-122"/>
               </a:rPr>
               <a:t>-</a:t>
             </a:r>
+            <a:endParaRPr lang="en-US" altLang="zh-CN" b="1" dirty="0">
+              <a:solidFill>
+                <a:schemeClr val="accent1">
+                  <a:lumMod val="75000"/>
+                </a:schemeClr>
+              </a:solidFill>
+              <a:latin typeface="微软雅黑" panose="020B0503020204020204" pitchFamily="34" charset="-122"/>
+              <a:ea typeface="微软雅黑" panose="020B0503020204020204" pitchFamily="34" charset="-122"/>
+            </a:endParaRPr>
           </a:p>
           <a:p>
             <a:r>
@@ -10608,8 +10509,8 @@
                     <a:lumMod val="75000"/>
                   </a:schemeClr>
                 </a:solidFill>
-                <a:latin typeface="微软雅黑" pitchFamily="34" charset="-122"/>
-                <a:ea typeface="微软雅黑" pitchFamily="34" charset="-122"/>
+                <a:latin typeface="微软雅黑" panose="020B0503020204020204" pitchFamily="34" charset="-122"/>
+                <a:ea typeface="微软雅黑" panose="020B0503020204020204" pitchFamily="34" charset="-122"/>
               </a:rPr>
               <a:t>2021</a:t>
             </a:r>
@@ -10620,8 +10521,8 @@
                     <a:lumMod val="75000"/>
                   </a:schemeClr>
                 </a:solidFill>
-                <a:latin typeface="微软雅黑" pitchFamily="34" charset="-122"/>
-                <a:ea typeface="微软雅黑" pitchFamily="34" charset="-122"/>
+                <a:latin typeface="微软雅黑" panose="020B0503020204020204" pitchFamily="34" charset="-122"/>
+                <a:ea typeface="微软雅黑" panose="020B0503020204020204" pitchFamily="34" charset="-122"/>
               </a:rPr>
               <a:t>年</a:t>
             </a:r>
@@ -10632,8 +10533,8 @@
                     <a:lumMod val="75000"/>
                   </a:schemeClr>
                 </a:solidFill>
-                <a:latin typeface="微软雅黑" pitchFamily="34" charset="-122"/>
-                <a:ea typeface="微软雅黑" pitchFamily="34" charset="-122"/>
+                <a:latin typeface="微软雅黑" panose="020B0503020204020204" pitchFamily="34" charset="-122"/>
+                <a:ea typeface="微软雅黑" panose="020B0503020204020204" pitchFamily="34" charset="-122"/>
               </a:rPr>
               <a:t>07</a:t>
             </a:r>
@@ -10644,23 +10545,26 @@
                     <a:lumMod val="75000"/>
                   </a:schemeClr>
                 </a:solidFill>
-                <a:latin typeface="微软雅黑" pitchFamily="34" charset="-122"/>
-                <a:ea typeface="微软雅黑" pitchFamily="34" charset="-122"/>
+                <a:latin typeface="微软雅黑" panose="020B0503020204020204" pitchFamily="34" charset="-122"/>
+                <a:ea typeface="微软雅黑" panose="020B0503020204020204" pitchFamily="34" charset="-122"/>
               </a:rPr>
               <a:t>月</a:t>
             </a:r>
+            <a:endParaRPr lang="zh-CN" altLang="en-US" b="1" dirty="0">
+              <a:solidFill>
+                <a:schemeClr val="accent1">
+                  <a:lumMod val="75000"/>
+                </a:schemeClr>
+              </a:solidFill>
+              <a:latin typeface="微软雅黑" panose="020B0503020204020204" pitchFamily="34" charset="-122"/>
+              <a:ea typeface="微软雅黑" panose="020B0503020204020204" pitchFamily="34" charset="-122"/>
+            </a:endParaRPr>
           </a:p>
         </p:txBody>
       </p:sp>
       <p:grpSp>
         <p:nvGrpSpPr>
-          <p:cNvPr id="35" name="组合 34">
-            <a:extLst>
-              <a:ext uri="{FF2B5EF4-FFF2-40B4-BE49-F238E27FC236}">
-                <a16:creationId xmlns:a16="http://schemas.microsoft.com/office/drawing/2014/main" id="{4F9D04AD-C09E-409A-9FB5-A994D466A274}"/>
-              </a:ext>
-            </a:extLst>
-          </p:cNvPr>
+          <p:cNvPr id="35" name="组合 34"/>
           <p:cNvGrpSpPr/>
           <p:nvPr/>
         </p:nvGrpSpPr>
@@ -10674,13 +10578,7 @@
         </p:grpSpPr>
         <p:sp>
           <p:nvSpPr>
-            <p:cNvPr id="36" name="矩形 35">
-              <a:extLst>
-                <a:ext uri="{FF2B5EF4-FFF2-40B4-BE49-F238E27FC236}">
-                  <a16:creationId xmlns:a16="http://schemas.microsoft.com/office/drawing/2014/main" id="{3BE5726B-6CD1-460C-BFA5-25E64C3917D3}"/>
-                </a:ext>
-              </a:extLst>
-            </p:cNvPr>
+            <p:cNvPr id="36" name="矩形 35"/>
             <p:cNvSpPr/>
             <p:nvPr/>
           </p:nvSpPr>
@@ -10723,13 +10621,7 @@
         </p:sp>
         <p:sp>
           <p:nvSpPr>
-            <p:cNvPr id="37" name="椭圆 36">
-              <a:extLst>
-                <a:ext uri="{FF2B5EF4-FFF2-40B4-BE49-F238E27FC236}">
-                  <a16:creationId xmlns:a16="http://schemas.microsoft.com/office/drawing/2014/main" id="{2A96F69C-8D30-465A-ABA5-AF99A74EADE3}"/>
-                </a:ext>
-              </a:extLst>
-            </p:cNvPr>
+            <p:cNvPr id="37" name="椭圆 36"/>
             <p:cNvSpPr/>
             <p:nvPr/>
           </p:nvSpPr>
@@ -10772,13 +10664,7 @@
         </p:sp>
         <p:sp>
           <p:nvSpPr>
-            <p:cNvPr id="38" name="平行四边形 37">
-              <a:extLst>
-                <a:ext uri="{FF2B5EF4-FFF2-40B4-BE49-F238E27FC236}">
-                  <a16:creationId xmlns:a16="http://schemas.microsoft.com/office/drawing/2014/main" id="{54527427-E623-4DD0-834A-A9000AAAC4B0}"/>
-                </a:ext>
-              </a:extLst>
-            </p:cNvPr>
+            <p:cNvPr id="38" name="平行四边形 37"/>
             <p:cNvSpPr/>
             <p:nvPr/>
           </p:nvSpPr>
@@ -10823,13 +10709,7 @@
         </p:sp>
         <p:sp>
           <p:nvSpPr>
-            <p:cNvPr id="39" name="椭圆 38">
-              <a:extLst>
-                <a:ext uri="{FF2B5EF4-FFF2-40B4-BE49-F238E27FC236}">
-                  <a16:creationId xmlns:a16="http://schemas.microsoft.com/office/drawing/2014/main" id="{35222599-0439-4008-8316-B2ED2F19BE3C}"/>
-                </a:ext>
-              </a:extLst>
-            </p:cNvPr>
+            <p:cNvPr id="39" name="椭圆 38"/>
             <p:cNvSpPr/>
             <p:nvPr/>
           </p:nvSpPr>
@@ -10876,8 +10756,8 @@
                       <a:lumMod val="75000"/>
                     </a:schemeClr>
                   </a:solidFill>
-                  <a:latin typeface="Arial" pitchFamily="34" charset="0"/>
-                  <a:cs typeface="Arial" pitchFamily="34" charset="0"/>
+                  <a:latin typeface="Arial" panose="020B0604020202020204" pitchFamily="34" charset="0"/>
+                  <a:cs typeface="Arial" panose="020B0604020202020204" pitchFamily="34" charset="0"/>
                 </a:rPr>
                 <a:t>5</a:t>
               </a:r>
@@ -10887,8 +10767,8 @@
                     <a:lumMod val="75000"/>
                   </a:schemeClr>
                 </a:solidFill>
-                <a:latin typeface="Arial" pitchFamily="34" charset="0"/>
-                <a:cs typeface="Arial" pitchFamily="34" charset="0"/>
+                <a:latin typeface="Arial" panose="020B0604020202020204" pitchFamily="34" charset="0"/>
+                <a:cs typeface="Arial" panose="020B0604020202020204" pitchFamily="34" charset="0"/>
               </a:endParaRPr>
             </a:p>
           </p:txBody>
@@ -10896,13 +10776,7 @@
       </p:grpSp>
       <p:sp>
         <p:nvSpPr>
-          <p:cNvPr id="40" name="TextBox 33">
-            <a:extLst>
-              <a:ext uri="{FF2B5EF4-FFF2-40B4-BE49-F238E27FC236}">
-                <a16:creationId xmlns:a16="http://schemas.microsoft.com/office/drawing/2014/main" id="{F5249088-544E-454E-BC03-3673277D0680}"/>
-              </a:ext>
-            </a:extLst>
-          </p:cNvPr>
+          <p:cNvPr id="40" name="TextBox 33"/>
           <p:cNvSpPr txBox="1"/>
           <p:nvPr/>
         </p:nvSpPr>
@@ -10929,8 +10803,8 @@
                     <a:lumMod val="75000"/>
                   </a:schemeClr>
                 </a:solidFill>
-                <a:latin typeface="微软雅黑" pitchFamily="34" charset="-122"/>
-                <a:ea typeface="微软雅黑" pitchFamily="34" charset="-122"/>
+                <a:latin typeface="微软雅黑" panose="020B0503020204020204" pitchFamily="34" charset="-122"/>
+                <a:ea typeface="微软雅黑" panose="020B0503020204020204" pitchFamily="34" charset="-122"/>
               </a:rPr>
               <a:t>2021</a:t>
             </a:r>
@@ -10941,8 +10815,8 @@
                     <a:lumMod val="75000"/>
                   </a:schemeClr>
                 </a:solidFill>
-                <a:latin typeface="微软雅黑" pitchFamily="34" charset="-122"/>
-                <a:ea typeface="微软雅黑" pitchFamily="34" charset="-122"/>
+                <a:latin typeface="微软雅黑" panose="020B0503020204020204" pitchFamily="34" charset="-122"/>
+                <a:ea typeface="微软雅黑" panose="020B0503020204020204" pitchFamily="34" charset="-122"/>
               </a:rPr>
               <a:t>年 </a:t>
             </a:r>
@@ -10953,8 +10827,8 @@
                     <a:lumMod val="75000"/>
                   </a:schemeClr>
                 </a:solidFill>
-                <a:latin typeface="微软雅黑" pitchFamily="34" charset="-122"/>
-                <a:ea typeface="微软雅黑" pitchFamily="34" charset="-122"/>
+                <a:latin typeface="微软雅黑" panose="020B0503020204020204" pitchFamily="34" charset="-122"/>
+                <a:ea typeface="微软雅黑" panose="020B0503020204020204" pitchFamily="34" charset="-122"/>
               </a:rPr>
               <a:t>08</a:t>
             </a:r>
@@ -10965,8 +10839,8 @@
                     <a:lumMod val="75000"/>
                   </a:schemeClr>
                 </a:solidFill>
-                <a:latin typeface="微软雅黑" pitchFamily="34" charset="-122"/>
-                <a:ea typeface="微软雅黑" pitchFamily="34" charset="-122"/>
+                <a:latin typeface="微软雅黑" panose="020B0503020204020204" pitchFamily="34" charset="-122"/>
+                <a:ea typeface="微软雅黑" panose="020B0503020204020204" pitchFamily="34" charset="-122"/>
               </a:rPr>
               <a:t>月</a:t>
             </a:r>
@@ -10977,11 +10851,20 @@
                     <a:lumMod val="75000"/>
                   </a:schemeClr>
                 </a:solidFill>
-                <a:latin typeface="微软雅黑" pitchFamily="34" charset="-122"/>
-                <a:ea typeface="微软雅黑" pitchFamily="34" charset="-122"/>
+                <a:latin typeface="微软雅黑" panose="020B0503020204020204" pitchFamily="34" charset="-122"/>
+                <a:ea typeface="微软雅黑" panose="020B0503020204020204" pitchFamily="34" charset="-122"/>
               </a:rPr>
               <a:t>-</a:t>
             </a:r>
+            <a:endParaRPr lang="en-US" altLang="zh-CN" b="1" dirty="0">
+              <a:solidFill>
+                <a:schemeClr val="accent1">
+                  <a:lumMod val="75000"/>
+                </a:schemeClr>
+              </a:solidFill>
+              <a:latin typeface="微软雅黑" panose="020B0503020204020204" pitchFamily="34" charset="-122"/>
+              <a:ea typeface="微软雅黑" panose="020B0503020204020204" pitchFamily="34" charset="-122"/>
+            </a:endParaRPr>
           </a:p>
           <a:p>
             <a:r>
@@ -10991,8 +10874,8 @@
                     <a:lumMod val="75000"/>
                   </a:schemeClr>
                 </a:solidFill>
-                <a:latin typeface="微软雅黑" pitchFamily="34" charset="-122"/>
-                <a:ea typeface="微软雅黑" pitchFamily="34" charset="-122"/>
+                <a:latin typeface="微软雅黑" panose="020B0503020204020204" pitchFamily="34" charset="-122"/>
+                <a:ea typeface="微软雅黑" panose="020B0503020204020204" pitchFamily="34" charset="-122"/>
               </a:rPr>
               <a:t>2021</a:t>
             </a:r>
@@ -11003,8 +10886,8 @@
                     <a:lumMod val="75000"/>
                   </a:schemeClr>
                 </a:solidFill>
-                <a:latin typeface="微软雅黑" pitchFamily="34" charset="-122"/>
-                <a:ea typeface="微软雅黑" pitchFamily="34" charset="-122"/>
+                <a:latin typeface="微软雅黑" panose="020B0503020204020204" pitchFamily="34" charset="-122"/>
+                <a:ea typeface="微软雅黑" panose="020B0503020204020204" pitchFamily="34" charset="-122"/>
               </a:rPr>
               <a:t>年</a:t>
             </a:r>
@@ -11015,8 +10898,8 @@
                     <a:lumMod val="75000"/>
                   </a:schemeClr>
                 </a:solidFill>
-                <a:latin typeface="微软雅黑" pitchFamily="34" charset="-122"/>
-                <a:ea typeface="微软雅黑" pitchFamily="34" charset="-122"/>
+                <a:latin typeface="微软雅黑" panose="020B0503020204020204" pitchFamily="34" charset="-122"/>
+                <a:ea typeface="微软雅黑" panose="020B0503020204020204" pitchFamily="34" charset="-122"/>
               </a:rPr>
               <a:t>12</a:t>
             </a:r>
@@ -11027,23 +10910,26 @@
                     <a:lumMod val="75000"/>
                   </a:schemeClr>
                 </a:solidFill>
-                <a:latin typeface="微软雅黑" pitchFamily="34" charset="-122"/>
-                <a:ea typeface="微软雅黑" pitchFamily="34" charset="-122"/>
+                <a:latin typeface="微软雅黑" panose="020B0503020204020204" pitchFamily="34" charset="-122"/>
+                <a:ea typeface="微软雅黑" panose="020B0503020204020204" pitchFamily="34" charset="-122"/>
               </a:rPr>
               <a:t>月</a:t>
             </a:r>
+            <a:endParaRPr lang="zh-CN" altLang="en-US" b="1" dirty="0">
+              <a:solidFill>
+                <a:schemeClr val="accent1">
+                  <a:lumMod val="75000"/>
+                </a:schemeClr>
+              </a:solidFill>
+              <a:latin typeface="微软雅黑" panose="020B0503020204020204" pitchFamily="34" charset="-122"/>
+              <a:ea typeface="微软雅黑" panose="020B0503020204020204" pitchFamily="34" charset="-122"/>
+            </a:endParaRPr>
           </a:p>
         </p:txBody>
       </p:sp>
       <p:sp>
         <p:nvSpPr>
-          <p:cNvPr id="42" name="TextBox 32">
-            <a:extLst>
-              <a:ext uri="{FF2B5EF4-FFF2-40B4-BE49-F238E27FC236}">
-                <a16:creationId xmlns:a16="http://schemas.microsoft.com/office/drawing/2014/main" id="{30C1A03E-750F-4AF3-848F-F5778C802729}"/>
-              </a:ext>
-            </a:extLst>
-          </p:cNvPr>
+          <p:cNvPr id="42" name="TextBox 32"/>
           <p:cNvSpPr txBox="1"/>
           <p:nvPr/>
         </p:nvSpPr>
@@ -11079,15 +10965,17 @@
               </a:rPr>
               <a:t>撰写硕士毕业论文</a:t>
             </a:r>
+            <a:endParaRPr lang="zh-CN" altLang="en-US" sz="1600" dirty="0">
+              <a:solidFill>
+                <a:srgbClr val="000000"/>
+              </a:solidFill>
+              <a:latin typeface="华文新魏" pitchFamily="2" charset="-122"/>
+              <a:ea typeface="华文新魏" pitchFamily="2" charset="-122"/>
+            </a:endParaRPr>
           </a:p>
         </p:txBody>
       </p:sp>
     </p:spTree>
-    <p:extLst>
-      <p:ext uri="{BB962C8B-B14F-4D97-AF65-F5344CB8AC3E}">
-        <p14:creationId xmlns:p14="http://schemas.microsoft.com/office/powerpoint/2010/main" val="4249489680"/>
-      </p:ext>
-    </p:extLst>
   </p:cSld>
   <p:clrMapOvr>
     <a:masterClrMapping/>
@@ -11114,23 +11002,11 @@
       </p:grpSpPr>
       <p:graphicFrame>
         <p:nvGraphicFramePr>
-          <p:cNvPr id="5" name="表格 4">
-            <a:extLst>
-              <a:ext uri="{FF2B5EF4-FFF2-40B4-BE49-F238E27FC236}">
-                <a16:creationId xmlns:a16="http://schemas.microsoft.com/office/drawing/2014/main" id="{36B2B994-3656-4C70-BA16-F95D402BC9DA}"/>
-              </a:ext>
-            </a:extLst>
-          </p:cNvPr>
+          <p:cNvPr id="5" name="表格 4"/>
           <p:cNvGraphicFramePr>
             <a:graphicFrameLocks noGrp="1"/>
           </p:cNvGraphicFramePr>
-          <p:nvPr>
-            <p:extLst>
-              <p:ext uri="{D42A27DB-BD31-4B8C-83A1-F6EECF244321}">
-                <p14:modId xmlns:p14="http://schemas.microsoft.com/office/powerpoint/2010/main" val="2616143621"/>
-              </p:ext>
-            </p:extLst>
-          </p:nvPr>
+          <p:nvPr/>
         </p:nvGraphicFramePr>
         <p:xfrm>
           <a:off x="1559496" y="692696"/>
@@ -11143,34 +11019,10 @@
                 <a:tableStyleId>{5C22544A-7EE6-4342-B048-85BDC9FD1C3A}</a:tableStyleId>
               </a:tblPr>
               <a:tblGrid>
-                <a:gridCol w="2376264">
-                  <a:extLst>
-                    <a:ext uri="{9D8B030D-6E8A-4147-A177-3AD203B41FA5}">
-                      <a16:colId xmlns:a16="http://schemas.microsoft.com/office/drawing/2014/main" val="20001"/>
-                    </a:ext>
-                  </a:extLst>
-                </a:gridCol>
-                <a:gridCol w="1656184">
-                  <a:extLst>
-                    <a:ext uri="{9D8B030D-6E8A-4147-A177-3AD203B41FA5}">
-                      <a16:colId xmlns:a16="http://schemas.microsoft.com/office/drawing/2014/main" val="20002"/>
-                    </a:ext>
-                  </a:extLst>
-                </a:gridCol>
-                <a:gridCol w="1692188">
-                  <a:extLst>
-                    <a:ext uri="{9D8B030D-6E8A-4147-A177-3AD203B41FA5}">
-                      <a16:colId xmlns:a16="http://schemas.microsoft.com/office/drawing/2014/main" val="20003"/>
-                    </a:ext>
-                  </a:extLst>
-                </a:gridCol>
-                <a:gridCol w="1908212">
-                  <a:extLst>
-                    <a:ext uri="{9D8B030D-6E8A-4147-A177-3AD203B41FA5}">
-                      <a16:colId xmlns:a16="http://schemas.microsoft.com/office/drawing/2014/main" val="710149983"/>
-                    </a:ext>
-                  </a:extLst>
-                </a:gridCol>
+                <a:gridCol w="2376264"/>
+                <a:gridCol w="1656184"/>
+                <a:gridCol w="1692188"/>
+                <a:gridCol w="1908212"/>
               </a:tblGrid>
               <a:tr h="497601">
                 <a:tc>
@@ -11186,11 +11038,20 @@
                               <a:lumMod val="75000"/>
                             </a:schemeClr>
                           </a:solidFill>
-                          <a:latin typeface="微软雅黑" pitchFamily="34" charset="-122"/>
-                          <a:ea typeface="微软雅黑" pitchFamily="34" charset="-122"/>
+                          <a:latin typeface="微软雅黑" panose="020B0503020204020204" pitchFamily="34" charset="-122"/>
+                          <a:ea typeface="微软雅黑" panose="020B0503020204020204" pitchFamily="34" charset="-122"/>
                         </a:rPr>
                         <a:t>背景介绍及研究意义</a:t>
                       </a:r>
+                      <a:endParaRPr lang="zh-CN" altLang="en-US" b="0" dirty="0">
+                        <a:solidFill>
+                          <a:schemeClr val="accent1">
+                            <a:lumMod val="75000"/>
+                          </a:schemeClr>
+                        </a:solidFill>
+                        <a:latin typeface="微软雅黑" panose="020B0503020204020204" pitchFamily="34" charset="-122"/>
+                        <a:ea typeface="微软雅黑" panose="020B0503020204020204" pitchFamily="34" charset="-122"/>
+                      </a:endParaRPr>
                     </a:p>
                   </a:txBody>
                   <a:tcPr anchor="b">
@@ -11260,7 +11121,6 @@
                         <a:buSzTx/>
                         <a:buFontTx/>
                         <a:buNone/>
-                        <a:tabLst/>
                         <a:defRPr/>
                       </a:pPr>
                       <a:r>
@@ -11270,11 +11130,20 @@
                               <a:lumMod val="75000"/>
                             </a:schemeClr>
                           </a:solidFill>
-                          <a:latin typeface="微软雅黑" pitchFamily="34" charset="-122"/>
-                          <a:ea typeface="微软雅黑" pitchFamily="34" charset="-122"/>
+                          <a:latin typeface="微软雅黑" panose="020B0503020204020204" pitchFamily="34" charset="-122"/>
+                          <a:ea typeface="微软雅黑" panose="020B0503020204020204" pitchFamily="34" charset="-122"/>
                         </a:rPr>
                         <a:t>研究计划</a:t>
                       </a:r>
+                      <a:endParaRPr lang="zh-CN" altLang="en-US" b="0" dirty="0">
+                        <a:solidFill>
+                          <a:schemeClr val="accent1">
+                            <a:lumMod val="75000"/>
+                          </a:schemeClr>
+                        </a:solidFill>
+                        <a:latin typeface="微软雅黑" panose="020B0503020204020204" pitchFamily="34" charset="-122"/>
+                        <a:ea typeface="微软雅黑" panose="020B0503020204020204" pitchFamily="34" charset="-122"/>
+                      </a:endParaRPr>
                     </a:p>
                   </a:txBody>
                   <a:tcPr anchor="b">
@@ -11344,7 +11213,6 @@
                         <a:buSzTx/>
                         <a:buFontTx/>
                         <a:buNone/>
-                        <a:tabLst/>
                         <a:defRPr/>
                       </a:pPr>
                       <a:r>
@@ -11354,11 +11222,20 @@
                               <a:lumMod val="75000"/>
                             </a:schemeClr>
                           </a:solidFill>
-                          <a:latin typeface="微软雅黑" pitchFamily="34" charset="-122"/>
-                          <a:ea typeface="微软雅黑" pitchFamily="34" charset="-122"/>
+                          <a:latin typeface="微软雅黑" panose="020B0503020204020204" pitchFamily="34" charset="-122"/>
+                          <a:ea typeface="微软雅黑" panose="020B0503020204020204" pitchFamily="34" charset="-122"/>
                         </a:rPr>
                         <a:t>论文计划</a:t>
                       </a:r>
+                      <a:endParaRPr lang="zh-CN" altLang="en-US" b="0" dirty="0">
+                        <a:solidFill>
+                          <a:schemeClr val="accent1">
+                            <a:lumMod val="75000"/>
+                          </a:schemeClr>
+                        </a:solidFill>
+                        <a:latin typeface="微软雅黑" panose="020B0503020204020204" pitchFamily="34" charset="-122"/>
+                        <a:ea typeface="微软雅黑" panose="020B0503020204020204" pitchFamily="34" charset="-122"/>
+                      </a:endParaRPr>
                     </a:p>
                   </a:txBody>
                   <a:tcPr anchor="b">
@@ -11428,7 +11305,6 @@
                         <a:buSzTx/>
                         <a:buFontTx/>
                         <a:buNone/>
-                        <a:tabLst/>
                         <a:defRPr/>
                       </a:pPr>
                       <a:r>
@@ -11436,11 +11312,18 @@
                           <a:solidFill>
                             <a:schemeClr val="bg1"/>
                           </a:solidFill>
-                          <a:latin typeface="微软雅黑" pitchFamily="34" charset="-122"/>
-                          <a:ea typeface="微软雅黑" pitchFamily="34" charset="-122"/>
+                          <a:latin typeface="微软雅黑" panose="020B0503020204020204" pitchFamily="34" charset="-122"/>
+                          <a:ea typeface="微软雅黑" panose="020B0503020204020204" pitchFamily="34" charset="-122"/>
                         </a:rPr>
                         <a:t>研究进展</a:t>
                       </a:r>
+                      <a:endParaRPr lang="zh-CN" altLang="en-US" b="0" dirty="0">
+                        <a:solidFill>
+                          <a:schemeClr val="bg1"/>
+                        </a:solidFill>
+                        <a:latin typeface="微软雅黑" panose="020B0503020204020204" pitchFamily="34" charset="-122"/>
+                        <a:ea typeface="微软雅黑" panose="020B0503020204020204" pitchFamily="34" charset="-122"/>
+                      </a:endParaRPr>
                     </a:p>
                   </a:txBody>
                   <a:tcPr anchor="ctr">
@@ -11493,11 +11376,6 @@
                     </a:solidFill>
                   </a:tcPr>
                 </a:tc>
-                <a:extLst>
-                  <a:ext uri="{0D108BD9-81ED-4DB2-BD59-A6C34878D82A}">
-                    <a16:rowId xmlns:a16="http://schemas.microsoft.com/office/drawing/2014/main" val="10000"/>
-                  </a:ext>
-                </a:extLst>
               </a:tr>
               <a:tr h="164799">
                 <a:tc>
@@ -11512,8 +11390,8 @@
                             <a:lumMod val="75000"/>
                           </a:schemeClr>
                         </a:solidFill>
-                        <a:latin typeface="微软雅黑" pitchFamily="34" charset="-122"/>
-                        <a:ea typeface="微软雅黑" pitchFamily="34" charset="-122"/>
+                        <a:latin typeface="微软雅黑" panose="020B0503020204020204" pitchFamily="34" charset="-122"/>
+                        <a:ea typeface="微软雅黑" panose="020B0503020204020204" pitchFamily="34" charset="-122"/>
                       </a:endParaRPr>
                     </a:p>
                   </a:txBody>
@@ -11579,8 +11457,8 @@
                             <a:lumMod val="75000"/>
                           </a:schemeClr>
                         </a:solidFill>
-                        <a:latin typeface="微软雅黑" pitchFamily="34" charset="-122"/>
-                        <a:ea typeface="微软雅黑" pitchFamily="34" charset="-122"/>
+                        <a:latin typeface="微软雅黑" panose="020B0503020204020204" pitchFamily="34" charset="-122"/>
+                        <a:ea typeface="微软雅黑" panose="020B0503020204020204" pitchFamily="34" charset="-122"/>
                       </a:endParaRPr>
                     </a:p>
                   </a:txBody>
@@ -11646,8 +11524,8 @@
                             <a:lumMod val="75000"/>
                           </a:schemeClr>
                         </a:solidFill>
-                        <a:latin typeface="微软雅黑" pitchFamily="34" charset="-122"/>
-                        <a:ea typeface="微软雅黑" pitchFamily="34" charset="-122"/>
+                        <a:latin typeface="微软雅黑" panose="020B0503020204020204" pitchFamily="34" charset="-122"/>
+                        <a:ea typeface="微软雅黑" panose="020B0503020204020204" pitchFamily="34" charset="-122"/>
                       </a:endParaRPr>
                     </a:p>
                   </a:txBody>
@@ -11702,22 +11580,6 @@
                   </a:tcPr>
                 </a:tc>
                 <a:tc vMerge="1">
-                  <a:txBody>
-                    <a:bodyPr/>
-                    <a:lstStyle/>
-                    <a:p>
-                      <a:pPr algn="ctr"/>
-                      <a:endParaRPr lang="zh-CN" altLang="en-US" sz="100" b="0" dirty="0">
-                        <a:solidFill>
-                          <a:schemeClr val="accent1">
-                            <a:lumMod val="75000"/>
-                          </a:schemeClr>
-                        </a:solidFill>
-                        <a:latin typeface="微软雅黑" pitchFamily="34" charset="-122"/>
-                        <a:ea typeface="微软雅黑" pitchFamily="34" charset="-122"/>
-                      </a:endParaRPr>
-                    </a:p>
-                  </a:txBody>
                   <a:tcPr anchor="ctr">
                     <a:lnL w="57150" cap="flat" cmpd="sng" algn="ctr">
                       <a:solidFill>
@@ -11768,11 +11630,6 @@
                     </a:solidFill>
                   </a:tcPr>
                 </a:tc>
-                <a:extLst>
-                  <a:ext uri="{0D108BD9-81ED-4DB2-BD59-A6C34878D82A}">
-                    <a16:rowId xmlns:a16="http://schemas.microsoft.com/office/drawing/2014/main" val="10001"/>
-                  </a:ext>
-                </a:extLst>
               </a:tr>
             </a:tbl>
           </a:graphicData>
@@ -11780,13 +11637,7 @@
       </p:graphicFrame>
       <p:sp>
         <p:nvSpPr>
-          <p:cNvPr id="8" name="文本框 7">
-            <a:extLst>
-              <a:ext uri="{FF2B5EF4-FFF2-40B4-BE49-F238E27FC236}">
-                <a16:creationId xmlns:a16="http://schemas.microsoft.com/office/drawing/2014/main" id="{05470D76-5FA8-4B34-BFB1-74BE42556464}"/>
-              </a:ext>
-            </a:extLst>
-          </p:cNvPr>
+          <p:cNvPr id="8" name="文本框 7"/>
           <p:cNvSpPr txBox="1"/>
           <p:nvPr/>
         </p:nvSpPr>
@@ -11983,11 +11834,6 @@
         </p:txBody>
       </p:sp>
     </p:spTree>
-    <p:extLst>
-      <p:ext uri="{BB962C8B-B14F-4D97-AF65-F5344CB8AC3E}">
-        <p14:creationId xmlns:p14="http://schemas.microsoft.com/office/powerpoint/2010/main" val="875391551"/>
-      </p:ext>
-    </p:extLst>
   </p:cSld>
   <p:clrMapOvr>
     <a:masterClrMapping/>
@@ -12014,13 +11860,7 @@
       </p:grpSpPr>
       <p:graphicFrame>
         <p:nvGraphicFramePr>
-          <p:cNvPr id="5" name="表格 4">
-            <a:extLst>
-              <a:ext uri="{FF2B5EF4-FFF2-40B4-BE49-F238E27FC236}">
-                <a16:creationId xmlns:a16="http://schemas.microsoft.com/office/drawing/2014/main" id="{36B2B994-3656-4C70-BA16-F95D402BC9DA}"/>
-              </a:ext>
-            </a:extLst>
-          </p:cNvPr>
+          <p:cNvPr id="5" name="表格 4"/>
           <p:cNvGraphicFramePr>
             <a:graphicFrameLocks noGrp="1"/>
           </p:cNvGraphicFramePr>
@@ -12037,34 +11877,10 @@
                 <a:tableStyleId>{5C22544A-7EE6-4342-B048-85BDC9FD1C3A}</a:tableStyleId>
               </a:tblPr>
               <a:tblGrid>
-                <a:gridCol w="2376264">
-                  <a:extLst>
-                    <a:ext uri="{9D8B030D-6E8A-4147-A177-3AD203B41FA5}">
-                      <a16:colId xmlns:a16="http://schemas.microsoft.com/office/drawing/2014/main" val="20001"/>
-                    </a:ext>
-                  </a:extLst>
-                </a:gridCol>
-                <a:gridCol w="1656184">
-                  <a:extLst>
-                    <a:ext uri="{9D8B030D-6E8A-4147-A177-3AD203B41FA5}">
-                      <a16:colId xmlns:a16="http://schemas.microsoft.com/office/drawing/2014/main" val="20002"/>
-                    </a:ext>
-                  </a:extLst>
-                </a:gridCol>
-                <a:gridCol w="1692188">
-                  <a:extLst>
-                    <a:ext uri="{9D8B030D-6E8A-4147-A177-3AD203B41FA5}">
-                      <a16:colId xmlns:a16="http://schemas.microsoft.com/office/drawing/2014/main" val="20003"/>
-                    </a:ext>
-                  </a:extLst>
-                </a:gridCol>
-                <a:gridCol w="1908212">
-                  <a:extLst>
-                    <a:ext uri="{9D8B030D-6E8A-4147-A177-3AD203B41FA5}">
-                      <a16:colId xmlns:a16="http://schemas.microsoft.com/office/drawing/2014/main" val="710149983"/>
-                    </a:ext>
-                  </a:extLst>
-                </a:gridCol>
+                <a:gridCol w="2376264"/>
+                <a:gridCol w="1656184"/>
+                <a:gridCol w="1692188"/>
+                <a:gridCol w="1908212"/>
               </a:tblGrid>
               <a:tr h="497601">
                 <a:tc>
@@ -12080,11 +11896,20 @@
                               <a:lumMod val="75000"/>
                             </a:schemeClr>
                           </a:solidFill>
-                          <a:latin typeface="微软雅黑" pitchFamily="34" charset="-122"/>
-                          <a:ea typeface="微软雅黑" pitchFamily="34" charset="-122"/>
+                          <a:latin typeface="微软雅黑" panose="020B0503020204020204" pitchFamily="34" charset="-122"/>
+                          <a:ea typeface="微软雅黑" panose="020B0503020204020204" pitchFamily="34" charset="-122"/>
                         </a:rPr>
                         <a:t>背景介绍及研究意义</a:t>
                       </a:r>
+                      <a:endParaRPr lang="zh-CN" altLang="en-US" b="0" dirty="0">
+                        <a:solidFill>
+                          <a:schemeClr val="accent1">
+                            <a:lumMod val="75000"/>
+                          </a:schemeClr>
+                        </a:solidFill>
+                        <a:latin typeface="微软雅黑" panose="020B0503020204020204" pitchFamily="34" charset="-122"/>
+                        <a:ea typeface="微软雅黑" panose="020B0503020204020204" pitchFamily="34" charset="-122"/>
+                      </a:endParaRPr>
                     </a:p>
                   </a:txBody>
                   <a:tcPr anchor="b">
@@ -12154,7 +11979,6 @@
                         <a:buSzTx/>
                         <a:buFontTx/>
                         <a:buNone/>
-                        <a:tabLst/>
                         <a:defRPr/>
                       </a:pPr>
                       <a:r>
@@ -12164,11 +11988,20 @@
                               <a:lumMod val="75000"/>
                             </a:schemeClr>
                           </a:solidFill>
-                          <a:latin typeface="微软雅黑" pitchFamily="34" charset="-122"/>
-                          <a:ea typeface="微软雅黑" pitchFamily="34" charset="-122"/>
+                          <a:latin typeface="微软雅黑" panose="020B0503020204020204" pitchFamily="34" charset="-122"/>
+                          <a:ea typeface="微软雅黑" panose="020B0503020204020204" pitchFamily="34" charset="-122"/>
                         </a:rPr>
                         <a:t>研究计划</a:t>
                       </a:r>
+                      <a:endParaRPr lang="zh-CN" altLang="en-US" b="0" dirty="0">
+                        <a:solidFill>
+                          <a:schemeClr val="accent1">
+                            <a:lumMod val="75000"/>
+                          </a:schemeClr>
+                        </a:solidFill>
+                        <a:latin typeface="微软雅黑" panose="020B0503020204020204" pitchFamily="34" charset="-122"/>
+                        <a:ea typeface="微软雅黑" panose="020B0503020204020204" pitchFamily="34" charset="-122"/>
+                      </a:endParaRPr>
                     </a:p>
                   </a:txBody>
                   <a:tcPr anchor="b">
@@ -12238,7 +12071,6 @@
                         <a:buSzTx/>
                         <a:buFontTx/>
                         <a:buNone/>
-                        <a:tabLst/>
                         <a:defRPr/>
                       </a:pPr>
                       <a:r>
@@ -12248,11 +12080,20 @@
                               <a:lumMod val="75000"/>
                             </a:schemeClr>
                           </a:solidFill>
-                          <a:latin typeface="微软雅黑" pitchFamily="34" charset="-122"/>
-                          <a:ea typeface="微软雅黑" pitchFamily="34" charset="-122"/>
+                          <a:latin typeface="微软雅黑" panose="020B0503020204020204" pitchFamily="34" charset="-122"/>
+                          <a:ea typeface="微软雅黑" panose="020B0503020204020204" pitchFamily="34" charset="-122"/>
                         </a:rPr>
                         <a:t>论文计划</a:t>
                       </a:r>
+                      <a:endParaRPr lang="zh-CN" altLang="en-US" b="0" dirty="0">
+                        <a:solidFill>
+                          <a:schemeClr val="accent1">
+                            <a:lumMod val="75000"/>
+                          </a:schemeClr>
+                        </a:solidFill>
+                        <a:latin typeface="微软雅黑" panose="020B0503020204020204" pitchFamily="34" charset="-122"/>
+                        <a:ea typeface="微软雅黑" panose="020B0503020204020204" pitchFamily="34" charset="-122"/>
+                      </a:endParaRPr>
                     </a:p>
                   </a:txBody>
                   <a:tcPr anchor="b">
@@ -12322,7 +12163,6 @@
                         <a:buSzTx/>
                         <a:buFontTx/>
                         <a:buNone/>
-                        <a:tabLst/>
                         <a:defRPr/>
                       </a:pPr>
                       <a:r>
@@ -12330,11 +12170,18 @@
                           <a:solidFill>
                             <a:schemeClr val="bg1"/>
                           </a:solidFill>
-                          <a:latin typeface="微软雅黑" pitchFamily="34" charset="-122"/>
-                          <a:ea typeface="微软雅黑" pitchFamily="34" charset="-122"/>
+                          <a:latin typeface="微软雅黑" panose="020B0503020204020204" pitchFamily="34" charset="-122"/>
+                          <a:ea typeface="微软雅黑" panose="020B0503020204020204" pitchFamily="34" charset="-122"/>
                         </a:rPr>
                         <a:t>研究进展</a:t>
                       </a:r>
+                      <a:endParaRPr lang="zh-CN" altLang="en-US" b="0" dirty="0">
+                        <a:solidFill>
+                          <a:schemeClr val="bg1"/>
+                        </a:solidFill>
+                        <a:latin typeface="微软雅黑" panose="020B0503020204020204" pitchFamily="34" charset="-122"/>
+                        <a:ea typeface="微软雅黑" panose="020B0503020204020204" pitchFamily="34" charset="-122"/>
+                      </a:endParaRPr>
                     </a:p>
                   </a:txBody>
                   <a:tcPr anchor="ctr">
@@ -12387,11 +12234,6 @@
                     </a:solidFill>
                   </a:tcPr>
                 </a:tc>
-                <a:extLst>
-                  <a:ext uri="{0D108BD9-81ED-4DB2-BD59-A6C34878D82A}">
-                    <a16:rowId xmlns:a16="http://schemas.microsoft.com/office/drawing/2014/main" val="10000"/>
-                  </a:ext>
-                </a:extLst>
               </a:tr>
               <a:tr h="164799">
                 <a:tc>
@@ -12406,8 +12248,8 @@
                             <a:lumMod val="75000"/>
                           </a:schemeClr>
                         </a:solidFill>
-                        <a:latin typeface="微软雅黑" pitchFamily="34" charset="-122"/>
-                        <a:ea typeface="微软雅黑" pitchFamily="34" charset="-122"/>
+                        <a:latin typeface="微软雅黑" panose="020B0503020204020204" pitchFamily="34" charset="-122"/>
+                        <a:ea typeface="微软雅黑" panose="020B0503020204020204" pitchFamily="34" charset="-122"/>
                       </a:endParaRPr>
                     </a:p>
                   </a:txBody>
@@ -12473,8 +12315,8 @@
                             <a:lumMod val="75000"/>
                           </a:schemeClr>
                         </a:solidFill>
-                        <a:latin typeface="微软雅黑" pitchFamily="34" charset="-122"/>
-                        <a:ea typeface="微软雅黑" pitchFamily="34" charset="-122"/>
+                        <a:latin typeface="微软雅黑" panose="020B0503020204020204" pitchFamily="34" charset="-122"/>
+                        <a:ea typeface="微软雅黑" panose="020B0503020204020204" pitchFamily="34" charset="-122"/>
                       </a:endParaRPr>
                     </a:p>
                   </a:txBody>
@@ -12540,8 +12382,8 @@
                             <a:lumMod val="75000"/>
                           </a:schemeClr>
                         </a:solidFill>
-                        <a:latin typeface="微软雅黑" pitchFamily="34" charset="-122"/>
-                        <a:ea typeface="微软雅黑" pitchFamily="34" charset="-122"/>
+                        <a:latin typeface="微软雅黑" panose="020B0503020204020204" pitchFamily="34" charset="-122"/>
+                        <a:ea typeface="微软雅黑" panose="020B0503020204020204" pitchFamily="34" charset="-122"/>
                       </a:endParaRPr>
                     </a:p>
                   </a:txBody>
@@ -12596,22 +12438,6 @@
                   </a:tcPr>
                 </a:tc>
                 <a:tc vMerge="1">
-                  <a:txBody>
-                    <a:bodyPr/>
-                    <a:lstStyle/>
-                    <a:p>
-                      <a:pPr algn="ctr"/>
-                      <a:endParaRPr lang="zh-CN" altLang="en-US" sz="100" b="0" dirty="0">
-                        <a:solidFill>
-                          <a:schemeClr val="accent1">
-                            <a:lumMod val="75000"/>
-                          </a:schemeClr>
-                        </a:solidFill>
-                        <a:latin typeface="微软雅黑" pitchFamily="34" charset="-122"/>
-                        <a:ea typeface="微软雅黑" pitchFamily="34" charset="-122"/>
-                      </a:endParaRPr>
-                    </a:p>
-                  </a:txBody>
                   <a:tcPr anchor="ctr">
                     <a:lnL w="57150" cap="flat" cmpd="sng" algn="ctr">
                       <a:solidFill>
@@ -12662,11 +12488,6 @@
                     </a:solidFill>
                   </a:tcPr>
                 </a:tc>
-                <a:extLst>
-                  <a:ext uri="{0D108BD9-81ED-4DB2-BD59-A6C34878D82A}">
-                    <a16:rowId xmlns:a16="http://schemas.microsoft.com/office/drawing/2014/main" val="10001"/>
-                  </a:ext>
-                </a:extLst>
               </a:tr>
             </a:tbl>
           </a:graphicData>
@@ -12674,13 +12495,7 @@
       </p:graphicFrame>
       <p:sp>
         <p:nvSpPr>
-          <p:cNvPr id="2" name="文本框 1">
-            <a:extLst>
-              <a:ext uri="{FF2B5EF4-FFF2-40B4-BE49-F238E27FC236}">
-                <a16:creationId xmlns:a16="http://schemas.microsoft.com/office/drawing/2014/main" id="{9A88AF5F-E92D-47AE-A7D6-AFED1166ED1B}"/>
-              </a:ext>
-            </a:extLst>
-          </p:cNvPr>
+          <p:cNvPr id="2" name="文本框 1"/>
           <p:cNvSpPr txBox="1"/>
           <p:nvPr/>
         </p:nvSpPr>
@@ -13017,11 +12832,6 @@
         </p:txBody>
       </p:sp>
     </p:spTree>
-    <p:extLst>
-      <p:ext uri="{BB962C8B-B14F-4D97-AF65-F5344CB8AC3E}">
-        <p14:creationId xmlns:p14="http://schemas.microsoft.com/office/powerpoint/2010/main" val="1483298676"/>
-      </p:ext>
-    </p:extLst>
   </p:cSld>
   <p:clrMapOvr>
     <a:masterClrMapping/>
@@ -13048,13 +12858,7 @@
       </p:grpSpPr>
       <p:graphicFrame>
         <p:nvGraphicFramePr>
-          <p:cNvPr id="5" name="表格 4">
-            <a:extLst>
-              <a:ext uri="{FF2B5EF4-FFF2-40B4-BE49-F238E27FC236}">
-                <a16:creationId xmlns:a16="http://schemas.microsoft.com/office/drawing/2014/main" id="{36B2B994-3656-4C70-BA16-F95D402BC9DA}"/>
-              </a:ext>
-            </a:extLst>
-          </p:cNvPr>
+          <p:cNvPr id="5" name="表格 4"/>
           <p:cNvGraphicFramePr>
             <a:graphicFrameLocks noGrp="1"/>
           </p:cNvGraphicFramePr>
@@ -13071,34 +12875,10 @@
                 <a:tableStyleId>{5C22544A-7EE6-4342-B048-85BDC9FD1C3A}</a:tableStyleId>
               </a:tblPr>
               <a:tblGrid>
-                <a:gridCol w="2376264">
-                  <a:extLst>
-                    <a:ext uri="{9D8B030D-6E8A-4147-A177-3AD203B41FA5}">
-                      <a16:colId xmlns:a16="http://schemas.microsoft.com/office/drawing/2014/main" val="20001"/>
-                    </a:ext>
-                  </a:extLst>
-                </a:gridCol>
-                <a:gridCol w="1656184">
-                  <a:extLst>
-                    <a:ext uri="{9D8B030D-6E8A-4147-A177-3AD203B41FA5}">
-                      <a16:colId xmlns:a16="http://schemas.microsoft.com/office/drawing/2014/main" val="20002"/>
-                    </a:ext>
-                  </a:extLst>
-                </a:gridCol>
-                <a:gridCol w="1692188">
-                  <a:extLst>
-                    <a:ext uri="{9D8B030D-6E8A-4147-A177-3AD203B41FA5}">
-                      <a16:colId xmlns:a16="http://schemas.microsoft.com/office/drawing/2014/main" val="20003"/>
-                    </a:ext>
-                  </a:extLst>
-                </a:gridCol>
-                <a:gridCol w="1908212">
-                  <a:extLst>
-                    <a:ext uri="{9D8B030D-6E8A-4147-A177-3AD203B41FA5}">
-                      <a16:colId xmlns:a16="http://schemas.microsoft.com/office/drawing/2014/main" val="710149983"/>
-                    </a:ext>
-                  </a:extLst>
-                </a:gridCol>
+                <a:gridCol w="2376264"/>
+                <a:gridCol w="1656184"/>
+                <a:gridCol w="1692188"/>
+                <a:gridCol w="1908212"/>
               </a:tblGrid>
               <a:tr h="497601">
                 <a:tc>
@@ -13114,11 +12894,20 @@
                               <a:lumMod val="75000"/>
                             </a:schemeClr>
                           </a:solidFill>
-                          <a:latin typeface="微软雅黑" pitchFamily="34" charset="-122"/>
-                          <a:ea typeface="微软雅黑" pitchFamily="34" charset="-122"/>
+                          <a:latin typeface="微软雅黑" panose="020B0503020204020204" pitchFamily="34" charset="-122"/>
+                          <a:ea typeface="微软雅黑" panose="020B0503020204020204" pitchFamily="34" charset="-122"/>
                         </a:rPr>
                         <a:t>背景介绍及研究意义</a:t>
                       </a:r>
+                      <a:endParaRPr lang="zh-CN" altLang="en-US" b="0" dirty="0">
+                        <a:solidFill>
+                          <a:schemeClr val="accent1">
+                            <a:lumMod val="75000"/>
+                          </a:schemeClr>
+                        </a:solidFill>
+                        <a:latin typeface="微软雅黑" panose="020B0503020204020204" pitchFamily="34" charset="-122"/>
+                        <a:ea typeface="微软雅黑" panose="020B0503020204020204" pitchFamily="34" charset="-122"/>
+                      </a:endParaRPr>
                     </a:p>
                   </a:txBody>
                   <a:tcPr anchor="b">
@@ -13188,7 +12977,6 @@
                         <a:buSzTx/>
                         <a:buFontTx/>
                         <a:buNone/>
-                        <a:tabLst/>
                         <a:defRPr/>
                       </a:pPr>
                       <a:r>
@@ -13198,11 +12986,20 @@
                               <a:lumMod val="75000"/>
                             </a:schemeClr>
                           </a:solidFill>
-                          <a:latin typeface="微软雅黑" pitchFamily="34" charset="-122"/>
-                          <a:ea typeface="微软雅黑" pitchFamily="34" charset="-122"/>
+                          <a:latin typeface="微软雅黑" panose="020B0503020204020204" pitchFamily="34" charset="-122"/>
+                          <a:ea typeface="微软雅黑" panose="020B0503020204020204" pitchFamily="34" charset="-122"/>
                         </a:rPr>
                         <a:t>研究计划</a:t>
                       </a:r>
+                      <a:endParaRPr lang="zh-CN" altLang="en-US" b="0" dirty="0">
+                        <a:solidFill>
+                          <a:schemeClr val="accent1">
+                            <a:lumMod val="75000"/>
+                          </a:schemeClr>
+                        </a:solidFill>
+                        <a:latin typeface="微软雅黑" panose="020B0503020204020204" pitchFamily="34" charset="-122"/>
+                        <a:ea typeface="微软雅黑" panose="020B0503020204020204" pitchFamily="34" charset="-122"/>
+                      </a:endParaRPr>
                     </a:p>
                   </a:txBody>
                   <a:tcPr anchor="b">
@@ -13272,7 +13069,6 @@
                         <a:buSzTx/>
                         <a:buFontTx/>
                         <a:buNone/>
-                        <a:tabLst/>
                         <a:defRPr/>
                       </a:pPr>
                       <a:r>
@@ -13282,11 +13078,20 @@
                               <a:lumMod val="75000"/>
                             </a:schemeClr>
                           </a:solidFill>
-                          <a:latin typeface="微软雅黑" pitchFamily="34" charset="-122"/>
-                          <a:ea typeface="微软雅黑" pitchFamily="34" charset="-122"/>
+                          <a:latin typeface="微软雅黑" panose="020B0503020204020204" pitchFamily="34" charset="-122"/>
+                          <a:ea typeface="微软雅黑" panose="020B0503020204020204" pitchFamily="34" charset="-122"/>
                         </a:rPr>
                         <a:t>论文计划</a:t>
                       </a:r>
+                      <a:endParaRPr lang="zh-CN" altLang="en-US" b="0" dirty="0">
+                        <a:solidFill>
+                          <a:schemeClr val="accent1">
+                            <a:lumMod val="75000"/>
+                          </a:schemeClr>
+                        </a:solidFill>
+                        <a:latin typeface="微软雅黑" panose="020B0503020204020204" pitchFamily="34" charset="-122"/>
+                        <a:ea typeface="微软雅黑" panose="020B0503020204020204" pitchFamily="34" charset="-122"/>
+                      </a:endParaRPr>
                     </a:p>
                   </a:txBody>
                   <a:tcPr anchor="b">
@@ -13356,7 +13161,6 @@
                         <a:buSzTx/>
                         <a:buFontTx/>
                         <a:buNone/>
-                        <a:tabLst/>
                         <a:defRPr/>
                       </a:pPr>
                       <a:r>
@@ -13364,11 +13168,18 @@
                           <a:solidFill>
                             <a:schemeClr val="bg1"/>
                           </a:solidFill>
-                          <a:latin typeface="微软雅黑" pitchFamily="34" charset="-122"/>
-                          <a:ea typeface="微软雅黑" pitchFamily="34" charset="-122"/>
+                          <a:latin typeface="微软雅黑" panose="020B0503020204020204" pitchFamily="34" charset="-122"/>
+                          <a:ea typeface="微软雅黑" panose="020B0503020204020204" pitchFamily="34" charset="-122"/>
                         </a:rPr>
                         <a:t>研究进展</a:t>
                       </a:r>
+                      <a:endParaRPr lang="zh-CN" altLang="en-US" b="0" dirty="0">
+                        <a:solidFill>
+                          <a:schemeClr val="bg1"/>
+                        </a:solidFill>
+                        <a:latin typeface="微软雅黑" panose="020B0503020204020204" pitchFamily="34" charset="-122"/>
+                        <a:ea typeface="微软雅黑" panose="020B0503020204020204" pitchFamily="34" charset="-122"/>
+                      </a:endParaRPr>
                     </a:p>
                   </a:txBody>
                   <a:tcPr anchor="ctr">
@@ -13421,11 +13232,6 @@
                     </a:solidFill>
                   </a:tcPr>
                 </a:tc>
-                <a:extLst>
-                  <a:ext uri="{0D108BD9-81ED-4DB2-BD59-A6C34878D82A}">
-                    <a16:rowId xmlns:a16="http://schemas.microsoft.com/office/drawing/2014/main" val="10000"/>
-                  </a:ext>
-                </a:extLst>
               </a:tr>
               <a:tr h="164799">
                 <a:tc>
@@ -13440,8 +13246,8 @@
                             <a:lumMod val="75000"/>
                           </a:schemeClr>
                         </a:solidFill>
-                        <a:latin typeface="微软雅黑" pitchFamily="34" charset="-122"/>
-                        <a:ea typeface="微软雅黑" pitchFamily="34" charset="-122"/>
+                        <a:latin typeface="微软雅黑" panose="020B0503020204020204" pitchFamily="34" charset="-122"/>
+                        <a:ea typeface="微软雅黑" panose="020B0503020204020204" pitchFamily="34" charset="-122"/>
                       </a:endParaRPr>
                     </a:p>
                   </a:txBody>
@@ -13507,8 +13313,8 @@
                             <a:lumMod val="75000"/>
                           </a:schemeClr>
                         </a:solidFill>
-                        <a:latin typeface="微软雅黑" pitchFamily="34" charset="-122"/>
-                        <a:ea typeface="微软雅黑" pitchFamily="34" charset="-122"/>
+                        <a:latin typeface="微软雅黑" panose="020B0503020204020204" pitchFamily="34" charset="-122"/>
+                        <a:ea typeface="微软雅黑" panose="020B0503020204020204" pitchFamily="34" charset="-122"/>
                       </a:endParaRPr>
                     </a:p>
                   </a:txBody>
@@ -13574,8 +13380,8 @@
                             <a:lumMod val="75000"/>
                           </a:schemeClr>
                         </a:solidFill>
-                        <a:latin typeface="微软雅黑" pitchFamily="34" charset="-122"/>
-                        <a:ea typeface="微软雅黑" pitchFamily="34" charset="-122"/>
+                        <a:latin typeface="微软雅黑" panose="020B0503020204020204" pitchFamily="34" charset="-122"/>
+                        <a:ea typeface="微软雅黑" panose="020B0503020204020204" pitchFamily="34" charset="-122"/>
                       </a:endParaRPr>
                     </a:p>
                   </a:txBody>
@@ -13630,22 +13436,6 @@
                   </a:tcPr>
                 </a:tc>
                 <a:tc vMerge="1">
-                  <a:txBody>
-                    <a:bodyPr/>
-                    <a:lstStyle/>
-                    <a:p>
-                      <a:pPr algn="ctr"/>
-                      <a:endParaRPr lang="zh-CN" altLang="en-US" sz="100" b="0" dirty="0">
-                        <a:solidFill>
-                          <a:schemeClr val="accent1">
-                            <a:lumMod val="75000"/>
-                          </a:schemeClr>
-                        </a:solidFill>
-                        <a:latin typeface="微软雅黑" pitchFamily="34" charset="-122"/>
-                        <a:ea typeface="微软雅黑" pitchFamily="34" charset="-122"/>
-                      </a:endParaRPr>
-                    </a:p>
-                  </a:txBody>
                   <a:tcPr anchor="ctr">
                     <a:lnL w="57150" cap="flat" cmpd="sng" algn="ctr">
                       <a:solidFill>
@@ -13696,11 +13486,6 @@
                     </a:solidFill>
                   </a:tcPr>
                 </a:tc>
-                <a:extLst>
-                  <a:ext uri="{0D108BD9-81ED-4DB2-BD59-A6C34878D82A}">
-                    <a16:rowId xmlns:a16="http://schemas.microsoft.com/office/drawing/2014/main" val="10001"/>
-                  </a:ext>
-                </a:extLst>
               </a:tr>
             </a:tbl>
           </a:graphicData>
@@ -13708,13 +13493,7 @@
       </p:graphicFrame>
       <p:sp>
         <p:nvSpPr>
-          <p:cNvPr id="11" name="文本框 10">
-            <a:extLst>
-              <a:ext uri="{FF2B5EF4-FFF2-40B4-BE49-F238E27FC236}">
-                <a16:creationId xmlns:a16="http://schemas.microsoft.com/office/drawing/2014/main" id="{C746BCC9-A4FA-4E90-894E-AE727CEF5BB1}"/>
-              </a:ext>
-            </a:extLst>
-          </p:cNvPr>
+          <p:cNvPr id="11" name="文本框 10"/>
           <p:cNvSpPr txBox="1"/>
           <p:nvPr/>
         </p:nvSpPr>
@@ -14060,11 +13839,6 @@
         </p:txBody>
       </p:sp>
     </p:spTree>
-    <p:extLst>
-      <p:ext uri="{BB962C8B-B14F-4D97-AF65-F5344CB8AC3E}">
-        <p14:creationId xmlns:p14="http://schemas.microsoft.com/office/powerpoint/2010/main" val="2949335177"/>
-      </p:ext>
-    </p:extLst>
   </p:cSld>
   <p:clrMapOvr>
     <a:masterClrMapping/>
@@ -14091,13 +13865,7 @@
       </p:grpSpPr>
       <p:sp>
         <p:nvSpPr>
-          <p:cNvPr id="4" name="矩形 3">
-            <a:extLst>
-              <a:ext uri="{FF2B5EF4-FFF2-40B4-BE49-F238E27FC236}">
-                <a16:creationId xmlns:a16="http://schemas.microsoft.com/office/drawing/2014/main" id="{EC96D0A2-FA00-4DDD-9960-33509152DFC1}"/>
-              </a:ext>
-            </a:extLst>
-          </p:cNvPr>
+          <p:cNvPr id="4" name="矩形 3"/>
           <p:cNvSpPr/>
           <p:nvPr/>
         </p:nvSpPr>
@@ -14207,11 +13975,6 @@
         </p:txBody>
       </p:sp>
     </p:spTree>
-    <p:extLst>
-      <p:ext uri="{BB962C8B-B14F-4D97-AF65-F5344CB8AC3E}">
-        <p14:creationId xmlns:p14="http://schemas.microsoft.com/office/powerpoint/2010/main" val="2371240409"/>
-      </p:ext>
-    </p:extLst>
   </p:cSld>
   <p:clrMapOvr>
     <a:masterClrMapping/>
@@ -14238,13 +14001,7 @@
       </p:grpSpPr>
       <p:sp>
         <p:nvSpPr>
-          <p:cNvPr id="4" name="文本框 3">
-            <a:extLst>
-              <a:ext uri="{FF2B5EF4-FFF2-40B4-BE49-F238E27FC236}">
-                <a16:creationId xmlns:a16="http://schemas.microsoft.com/office/drawing/2014/main" id="{D036B5A6-669B-487F-88FC-EACBDD19AC58}"/>
-              </a:ext>
-            </a:extLst>
-          </p:cNvPr>
+          <p:cNvPr id="4" name="文本框 3"/>
           <p:cNvSpPr txBox="1"/>
           <p:nvPr/>
         </p:nvSpPr>
@@ -14274,7 +14031,7 @@
               <a:buSzPct val="130000"/>
               <a:buFont typeface="Wingdings" panose="05000000000000000000" pitchFamily="2" charset="2"/>
               <a:buBlip>
-                <a:blip r:embed="rId2"/>
+                <a:blip r:embed="rId1"/>
               </a:buBlip>
               <a:tabLst>
                 <a:tab pos="5137150" algn="l"/>
@@ -14346,20 +14103,14 @@
       </p:sp>
       <p:sp>
         <p:nvSpPr>
-          <p:cNvPr id="5" name="文本框 4">
-            <a:extLst>
-              <a:ext uri="{FF2B5EF4-FFF2-40B4-BE49-F238E27FC236}">
-                <a16:creationId xmlns:a16="http://schemas.microsoft.com/office/drawing/2014/main" id="{380DFB42-C716-4DBE-8122-E8E5792D62E8}"/>
-              </a:ext>
-            </a:extLst>
-          </p:cNvPr>
+          <p:cNvPr id="5" name="文本框 4"/>
           <p:cNvSpPr txBox="1"/>
           <p:nvPr/>
         </p:nvSpPr>
         <p:spPr>
           <a:xfrm>
             <a:off x="2207568" y="1952321"/>
-            <a:ext cx="7560839" cy="1477328"/>
+            <a:ext cx="7560839" cy="1476375"/>
           </a:xfrm>
           <a:prstGeom prst="rect">
             <a:avLst/>
@@ -14469,7 +14220,7 @@
                 <a:ea typeface="微软雅黑" panose="020B0503020204020204" pitchFamily="34" charset="-122"/>
                 <a:sym typeface="+mn-ea"/>
               </a:rPr>
-              <a:t>城市地理布图</a:t>
+              <a:t>城市的地理布图</a:t>
             </a:r>
             <a:r>
               <a:rPr lang="zh-CN" altLang="zh-CN" dirty="0">
@@ -14585,20 +14336,14 @@
       </p:sp>
       <p:pic>
         <p:nvPicPr>
-          <p:cNvPr id="6" name="Picture 30">
-            <a:extLst>
-              <a:ext uri="{FF2B5EF4-FFF2-40B4-BE49-F238E27FC236}">
-                <a16:creationId xmlns:a16="http://schemas.microsoft.com/office/drawing/2014/main" id="{091AE840-D94D-4656-B3A0-C75D60F94DE6}"/>
-              </a:ext>
-            </a:extLst>
-          </p:cNvPr>
+          <p:cNvPr id="6" name="Picture 30"/>
           <p:cNvPicPr>
             <a:picLocks noChangeAspect="1"/>
           </p:cNvPicPr>
           <p:nvPr/>
         </p:nvPicPr>
         <p:blipFill rotWithShape="1">
-          <a:blip r:embed="rId3"/>
+          <a:blip r:embed="rId2"/>
           <a:srcRect l="1027" t="1313" r="1314" b="1342"/>
           <a:stretch>
             <a:fillRect/>
@@ -14616,20 +14361,14 @@
       </p:pic>
       <p:pic>
         <p:nvPicPr>
-          <p:cNvPr id="7" name="Picture 36">
-            <a:extLst>
-              <a:ext uri="{FF2B5EF4-FFF2-40B4-BE49-F238E27FC236}">
-                <a16:creationId xmlns:a16="http://schemas.microsoft.com/office/drawing/2014/main" id="{DF079A0D-9DB3-4C99-9A3C-9DD333E9B24E}"/>
-              </a:ext>
-            </a:extLst>
-          </p:cNvPr>
+          <p:cNvPr id="7" name="Picture 36"/>
           <p:cNvPicPr>
             <a:picLocks noChangeAspect="1"/>
           </p:cNvPicPr>
           <p:nvPr/>
         </p:nvPicPr>
         <p:blipFill rotWithShape="1">
-          <a:blip r:embed="rId4"/>
+          <a:blip r:embed="rId3"/>
           <a:srcRect l="930" t="1627" r="1173" b="3043"/>
           <a:stretch>
             <a:fillRect/>
@@ -14647,20 +14386,14 @@
       </p:pic>
       <p:pic>
         <p:nvPicPr>
-          <p:cNvPr id="8" name="Picture 45">
-            <a:extLst>
-              <a:ext uri="{FF2B5EF4-FFF2-40B4-BE49-F238E27FC236}">
-                <a16:creationId xmlns:a16="http://schemas.microsoft.com/office/drawing/2014/main" id="{EBD99397-3405-4550-A411-06E7841C5627}"/>
-              </a:ext>
-            </a:extLst>
-          </p:cNvPr>
+          <p:cNvPr id="8" name="Picture 45"/>
           <p:cNvPicPr>
             <a:picLocks noChangeAspect="1"/>
           </p:cNvPicPr>
           <p:nvPr/>
         </p:nvPicPr>
         <p:blipFill rotWithShape="1">
-          <a:blip r:embed="rId5"/>
+          <a:blip r:embed="rId4"/>
           <a:srcRect r="2841" b="5161"/>
           <a:stretch>
             <a:fillRect/>
@@ -14678,13 +14411,7 @@
       </p:pic>
       <p:sp>
         <p:nvSpPr>
-          <p:cNvPr id="11" name="文本框 10">
-            <a:extLst>
-              <a:ext uri="{FF2B5EF4-FFF2-40B4-BE49-F238E27FC236}">
-                <a16:creationId xmlns:a16="http://schemas.microsoft.com/office/drawing/2014/main" id="{C3D27EA7-5FB7-4CC6-9420-F8DE00212868}"/>
-              </a:ext>
-            </a:extLst>
-          </p:cNvPr>
+          <p:cNvPr id="11" name="文本框 10"/>
           <p:cNvSpPr txBox="1"/>
           <p:nvPr/>
         </p:nvSpPr>
@@ -14734,13 +14461,7 @@
       </p:sp>
       <p:sp>
         <p:nvSpPr>
-          <p:cNvPr id="12" name="文本框 11">
-            <a:extLst>
-              <a:ext uri="{FF2B5EF4-FFF2-40B4-BE49-F238E27FC236}">
-                <a16:creationId xmlns:a16="http://schemas.microsoft.com/office/drawing/2014/main" id="{E7574E83-A725-4C22-918B-773F1510FE53}"/>
-              </a:ext>
-            </a:extLst>
-          </p:cNvPr>
+          <p:cNvPr id="12" name="文本框 11"/>
           <p:cNvSpPr txBox="1"/>
           <p:nvPr/>
         </p:nvSpPr>
@@ -14779,18 +14500,18 @@
               </a:rPr>
               <a:t>Bag of words</a:t>
             </a:r>
+            <a:endParaRPr lang="en-AU" altLang="zh-CN" sz="1800" dirty="0">
+              <a:solidFill>
+                <a:schemeClr val="accent2"/>
+              </a:solidFill>
+              <a:latin typeface="+mn-lt"/>
+            </a:endParaRPr>
           </a:p>
         </p:txBody>
       </p:sp>
       <p:sp>
         <p:nvSpPr>
-          <p:cNvPr id="13" name="文本框 12">
-            <a:extLst>
-              <a:ext uri="{FF2B5EF4-FFF2-40B4-BE49-F238E27FC236}">
-                <a16:creationId xmlns:a16="http://schemas.microsoft.com/office/drawing/2014/main" id="{412805A2-7CE4-431D-890A-8907993CCCA9}"/>
-              </a:ext>
-            </a:extLst>
-          </p:cNvPr>
+          <p:cNvPr id="13" name="文本框 12"/>
           <p:cNvSpPr txBox="1"/>
           <p:nvPr/>
         </p:nvSpPr>
@@ -14829,28 +14550,22 @@
               </a:rPr>
               <a:t>Sparse data</a:t>
             </a:r>
+            <a:endParaRPr lang="en-AU" altLang="zh-CN" sz="1800" dirty="0">
+              <a:solidFill>
+                <a:schemeClr val="accent2"/>
+              </a:solidFill>
+              <a:latin typeface="+mn-lt"/>
+            </a:endParaRPr>
           </a:p>
         </p:txBody>
       </p:sp>
       <p:graphicFrame>
         <p:nvGraphicFramePr>
-          <p:cNvPr id="14" name="表格 13">
-            <a:extLst>
-              <a:ext uri="{FF2B5EF4-FFF2-40B4-BE49-F238E27FC236}">
-                <a16:creationId xmlns:a16="http://schemas.microsoft.com/office/drawing/2014/main" id="{1D9938E2-A3E3-47A9-94ED-07D9B78118D1}"/>
-              </a:ext>
-            </a:extLst>
-          </p:cNvPr>
+          <p:cNvPr id="14" name="表格 13"/>
           <p:cNvGraphicFramePr>
             <a:graphicFrameLocks noGrp="1"/>
           </p:cNvGraphicFramePr>
-          <p:nvPr>
-            <p:extLst>
-              <p:ext uri="{D42A27DB-BD31-4B8C-83A1-F6EECF244321}">
-                <p14:modId xmlns:p14="http://schemas.microsoft.com/office/powerpoint/2010/main" val="3220220666"/>
-              </p:ext>
-            </p:extLst>
-          </p:nvPr>
+          <p:nvPr/>
         </p:nvGraphicFramePr>
         <p:xfrm>
           <a:off x="1847528" y="548680"/>
@@ -14863,34 +14578,10 @@
                 <a:tableStyleId>{5C22544A-7EE6-4342-B048-85BDC9FD1C3A}</a:tableStyleId>
               </a:tblPr>
               <a:tblGrid>
-                <a:gridCol w="2448272">
-                  <a:extLst>
-                    <a:ext uri="{9D8B030D-6E8A-4147-A177-3AD203B41FA5}">
-                      <a16:colId xmlns:a16="http://schemas.microsoft.com/office/drawing/2014/main" val="20000"/>
-                    </a:ext>
-                  </a:extLst>
-                </a:gridCol>
-                <a:gridCol w="1656184">
-                  <a:extLst>
-                    <a:ext uri="{9D8B030D-6E8A-4147-A177-3AD203B41FA5}">
-                      <a16:colId xmlns:a16="http://schemas.microsoft.com/office/drawing/2014/main" val="20001"/>
-                    </a:ext>
-                  </a:extLst>
-                </a:gridCol>
-                <a:gridCol w="1800200">
-                  <a:extLst>
-                    <a:ext uri="{9D8B030D-6E8A-4147-A177-3AD203B41FA5}">
-                      <a16:colId xmlns:a16="http://schemas.microsoft.com/office/drawing/2014/main" val="20002"/>
-                    </a:ext>
-                  </a:extLst>
-                </a:gridCol>
-                <a:gridCol w="1656184">
-                  <a:extLst>
-                    <a:ext uri="{9D8B030D-6E8A-4147-A177-3AD203B41FA5}">
-                      <a16:colId xmlns:a16="http://schemas.microsoft.com/office/drawing/2014/main" val="20003"/>
-                    </a:ext>
-                  </a:extLst>
-                </a:gridCol>
+                <a:gridCol w="2448272"/>
+                <a:gridCol w="1656184"/>
+                <a:gridCol w="1800200"/>
+                <a:gridCol w="1656184"/>
               </a:tblGrid>
               <a:tr h="504055">
                 <a:tc rowSpan="2">
@@ -14901,14 +14592,14 @@
                       <a:pPr algn="ctr"/>
                       <a:r>
                         <a:rPr lang="zh-CN" altLang="en-US" sz="1800" b="1" dirty="0">
-                          <a:latin typeface="微软雅黑" pitchFamily="34" charset="-122"/>
-                          <a:ea typeface="微软雅黑" pitchFamily="34" charset="-122"/>
+                          <a:latin typeface="微软雅黑" panose="020B0503020204020204" pitchFamily="34" charset="-122"/>
+                          <a:ea typeface="微软雅黑" panose="020B0503020204020204" pitchFamily="34" charset="-122"/>
                         </a:rPr>
                         <a:t>背景介绍及研究意义</a:t>
                       </a:r>
                       <a:endParaRPr lang="zh-CN" altLang="en-US" sz="1400" b="1" dirty="0">
-                        <a:latin typeface="微软雅黑" pitchFamily="34" charset="-122"/>
-                        <a:ea typeface="微软雅黑" pitchFamily="34" charset="-122"/>
+                        <a:latin typeface="微软雅黑" panose="020B0503020204020204" pitchFamily="34" charset="-122"/>
+                        <a:ea typeface="微软雅黑" panose="020B0503020204020204" pitchFamily="34" charset="-122"/>
                       </a:endParaRPr>
                     </a:p>
                   </a:txBody>
@@ -14972,11 +14663,20 @@
                               <a:lumMod val="75000"/>
                             </a:schemeClr>
                           </a:solidFill>
-                          <a:latin typeface="微软雅黑" pitchFamily="34" charset="-122"/>
-                          <a:ea typeface="微软雅黑" pitchFamily="34" charset="-122"/>
+                          <a:latin typeface="微软雅黑" panose="020B0503020204020204" pitchFamily="34" charset="-122"/>
+                          <a:ea typeface="微软雅黑" panose="020B0503020204020204" pitchFamily="34" charset="-122"/>
                         </a:rPr>
                         <a:t>研究内容</a:t>
                       </a:r>
+                      <a:endParaRPr lang="zh-CN" altLang="en-US" b="1" dirty="0">
+                        <a:solidFill>
+                          <a:schemeClr val="accent1">
+                            <a:lumMod val="75000"/>
+                          </a:schemeClr>
+                        </a:solidFill>
+                        <a:latin typeface="微软雅黑" panose="020B0503020204020204" pitchFamily="34" charset="-122"/>
+                        <a:ea typeface="微软雅黑" panose="020B0503020204020204" pitchFamily="34" charset="-122"/>
+                      </a:endParaRPr>
                     </a:p>
                   </a:txBody>
                   <a:tcPr anchor="b">
@@ -15046,7 +14746,6 @@
                         <a:buSzTx/>
                         <a:buFontTx/>
                         <a:buNone/>
-                        <a:tabLst/>
                         <a:defRPr/>
                       </a:pPr>
                       <a:r>
@@ -15056,11 +14755,20 @@
                               <a:lumMod val="75000"/>
                             </a:schemeClr>
                           </a:solidFill>
-                          <a:latin typeface="微软雅黑" pitchFamily="34" charset="-122"/>
-                          <a:ea typeface="微软雅黑" pitchFamily="34" charset="-122"/>
+                          <a:latin typeface="微软雅黑" panose="020B0503020204020204" pitchFamily="34" charset="-122"/>
+                          <a:ea typeface="微软雅黑" panose="020B0503020204020204" pitchFamily="34" charset="-122"/>
                         </a:rPr>
                         <a:t>研究计划</a:t>
                       </a:r>
+                      <a:endParaRPr lang="zh-CN" altLang="en-US" b="1" dirty="0">
+                        <a:solidFill>
+                          <a:schemeClr val="accent1">
+                            <a:lumMod val="75000"/>
+                          </a:schemeClr>
+                        </a:solidFill>
+                        <a:latin typeface="微软雅黑" panose="020B0503020204020204" pitchFamily="34" charset="-122"/>
+                        <a:ea typeface="微软雅黑" panose="020B0503020204020204" pitchFamily="34" charset="-122"/>
+                      </a:endParaRPr>
                     </a:p>
                   </a:txBody>
                   <a:tcPr anchor="b">
@@ -15130,7 +14838,6 @@
                         <a:buSzTx/>
                         <a:buFontTx/>
                         <a:buNone/>
-                        <a:tabLst/>
                         <a:defRPr/>
                       </a:pPr>
                       <a:r>
@@ -15140,11 +14847,20 @@
                               <a:lumMod val="75000"/>
                             </a:schemeClr>
                           </a:solidFill>
-                          <a:latin typeface="微软雅黑" pitchFamily="34" charset="-122"/>
-                          <a:ea typeface="微软雅黑" pitchFamily="34" charset="-122"/>
+                          <a:latin typeface="微软雅黑" panose="020B0503020204020204" pitchFamily="34" charset="-122"/>
+                          <a:ea typeface="微软雅黑" panose="020B0503020204020204" pitchFamily="34" charset="-122"/>
                         </a:rPr>
                         <a:t>研究进展</a:t>
                       </a:r>
+                      <a:endParaRPr lang="zh-CN" altLang="en-US" b="1" dirty="0">
+                        <a:solidFill>
+                          <a:schemeClr val="accent1">
+                            <a:lumMod val="75000"/>
+                          </a:schemeClr>
+                        </a:solidFill>
+                        <a:latin typeface="微软雅黑" panose="020B0503020204020204" pitchFamily="34" charset="-122"/>
+                        <a:ea typeface="微软雅黑" panose="020B0503020204020204" pitchFamily="34" charset="-122"/>
+                      </a:endParaRPr>
                     </a:p>
                   </a:txBody>
                   <a:tcPr anchor="b">
@@ -15195,25 +14911,9 @@
                     <a:noFill/>
                   </a:tcPr>
                 </a:tc>
-                <a:extLst>
-                  <a:ext uri="{0D108BD9-81ED-4DB2-BD59-A6C34878D82A}">
-                    <a16:rowId xmlns:a16="http://schemas.microsoft.com/office/drawing/2014/main" val="10000"/>
-                  </a:ext>
-                </a:extLst>
               </a:tr>
               <a:tr h="166937">
                 <a:tc vMerge="1">
-                  <a:txBody>
-                    <a:bodyPr/>
-                    <a:lstStyle/>
-                    <a:p>
-                      <a:pPr algn="ctr"/>
-                      <a:endParaRPr lang="zh-CN" altLang="en-US" sz="1600" b="0" dirty="0">
-                        <a:latin typeface="微软雅黑" pitchFamily="34" charset="-122"/>
-                        <a:ea typeface="微软雅黑" pitchFamily="34" charset="-122"/>
-                      </a:endParaRPr>
-                    </a:p>
-                  </a:txBody>
                   <a:tcPr anchor="ctr">
                     <a:lnT w="38100" cap="flat" cmpd="sng" algn="ctr">
                       <a:solidFill>
@@ -15240,8 +14940,8 @@
                             <a:lumMod val="75000"/>
                           </a:schemeClr>
                         </a:solidFill>
-                        <a:latin typeface="微软雅黑" pitchFamily="34" charset="-122"/>
-                        <a:ea typeface="微软雅黑" pitchFamily="34" charset="-122"/>
+                        <a:latin typeface="微软雅黑" panose="020B0503020204020204" pitchFamily="34" charset="-122"/>
+                        <a:ea typeface="微软雅黑" panose="020B0503020204020204" pitchFamily="34" charset="-122"/>
                       </a:endParaRPr>
                     </a:p>
                   </a:txBody>
@@ -15307,8 +15007,8 @@
                             <a:lumMod val="75000"/>
                           </a:schemeClr>
                         </a:solidFill>
-                        <a:latin typeface="微软雅黑" pitchFamily="34" charset="-122"/>
-                        <a:ea typeface="微软雅黑" pitchFamily="34" charset="-122"/>
+                        <a:latin typeface="微软雅黑" panose="020B0503020204020204" pitchFamily="34" charset="-122"/>
+                        <a:ea typeface="微软雅黑" panose="020B0503020204020204" pitchFamily="34" charset="-122"/>
                       </a:endParaRPr>
                     </a:p>
                   </a:txBody>
@@ -15374,8 +15074,8 @@
                             <a:lumMod val="75000"/>
                           </a:schemeClr>
                         </a:solidFill>
-                        <a:latin typeface="微软雅黑" pitchFamily="34" charset="-122"/>
-                        <a:ea typeface="微软雅黑" pitchFamily="34" charset="-122"/>
+                        <a:latin typeface="微软雅黑" panose="020B0503020204020204" pitchFamily="34" charset="-122"/>
+                        <a:ea typeface="微软雅黑" panose="020B0503020204020204" pitchFamily="34" charset="-122"/>
                       </a:endParaRPr>
                     </a:p>
                   </a:txBody>
@@ -15429,22 +15129,12 @@
                     </a:solidFill>
                   </a:tcPr>
                 </a:tc>
-                <a:extLst>
-                  <a:ext uri="{0D108BD9-81ED-4DB2-BD59-A6C34878D82A}">
-                    <a16:rowId xmlns:a16="http://schemas.microsoft.com/office/drawing/2014/main" val="10001"/>
-                  </a:ext>
-                </a:extLst>
               </a:tr>
             </a:tbl>
           </a:graphicData>
         </a:graphic>
       </p:graphicFrame>
     </p:spTree>
-    <p:extLst>
-      <p:ext uri="{BB962C8B-B14F-4D97-AF65-F5344CB8AC3E}">
-        <p14:creationId xmlns:p14="http://schemas.microsoft.com/office/powerpoint/2010/main" val="4286245903"/>
-      </p:ext>
-    </p:extLst>
   </p:cSld>
   <p:clrMapOvr>
     <a:masterClrMapping/>
@@ -15478,7 +15168,7 @@
         <p:spPr>
           <a:xfrm>
             <a:off x="1847528" y="1412776"/>
-            <a:ext cx="8140104" cy="4511620"/>
+            <a:ext cx="8140104" cy="4584700"/>
           </a:xfrm>
           <a:prstGeom prst="rect">
             <a:avLst/>
@@ -15613,7 +15303,7 @@
                 <a:ea typeface="微软雅黑" panose="020B0503020204020204" pitchFamily="34" charset="-122"/>
                 <a:cs typeface="Times New Roman" panose="02020603050405020304" pitchFamily="18" charset="0"/>
               </a:rPr>
-              <a:t>之后，</a:t>
+              <a:t>，后续的</a:t>
             </a:r>
             <a:r>
               <a:rPr lang="zh-CN" altLang="zh-CN" sz="1800" kern="100" dirty="0">
@@ -15740,8 +15430,8 @@
               <a:t>的点模式（多示例）学习算法并未受到足够的关注。</a:t>
             </a:r>
             <a:endParaRPr lang="en-US" altLang="zh-CN" sz="1600" dirty="0">
-              <a:latin typeface="微软雅黑" pitchFamily="34" charset="-122"/>
-              <a:ea typeface="微软雅黑" pitchFamily="34" charset="-122"/>
+              <a:latin typeface="微软雅黑" panose="020B0503020204020204" pitchFamily="34" charset="-122"/>
+              <a:ea typeface="微软雅黑" panose="020B0503020204020204" pitchFamily="34" charset="-122"/>
             </a:endParaRPr>
           </a:p>
           <a:p>
@@ -15751,8 +15441,8 @@
               </a:lnSpc>
             </a:pPr>
             <a:endParaRPr lang="en-US" altLang="zh-CN" sz="1600" dirty="0">
-              <a:latin typeface="微软雅黑" pitchFamily="34" charset="-122"/>
-              <a:ea typeface="微软雅黑" pitchFamily="34" charset="-122"/>
+              <a:latin typeface="微软雅黑" panose="020B0503020204020204" pitchFamily="34" charset="-122"/>
+              <a:ea typeface="微软雅黑" panose="020B0503020204020204" pitchFamily="34" charset="-122"/>
             </a:endParaRPr>
           </a:p>
           <a:p>
@@ -15762,31 +15452,19 @@
               </a:lnSpc>
             </a:pPr>
             <a:endParaRPr lang="zh-CN" altLang="en-US" sz="1600" dirty="0">
-              <a:latin typeface="微软雅黑" pitchFamily="34" charset="-122"/>
-              <a:ea typeface="微软雅黑" pitchFamily="34" charset="-122"/>
+              <a:latin typeface="微软雅黑" panose="020B0503020204020204" pitchFamily="34" charset="-122"/>
+              <a:ea typeface="微软雅黑" panose="020B0503020204020204" pitchFamily="34" charset="-122"/>
             </a:endParaRPr>
           </a:p>
         </p:txBody>
       </p:sp>
       <p:graphicFrame>
         <p:nvGraphicFramePr>
-          <p:cNvPr id="9" name="表格 8">
-            <a:extLst>
-              <a:ext uri="{FF2B5EF4-FFF2-40B4-BE49-F238E27FC236}">
-                <a16:creationId xmlns:a16="http://schemas.microsoft.com/office/drawing/2014/main" id="{C27BF0F8-1B4D-4EF8-B707-A1CC33F07F9A}"/>
-              </a:ext>
-            </a:extLst>
-          </p:cNvPr>
+          <p:cNvPr id="9" name="表格 8"/>
           <p:cNvGraphicFramePr>
             <a:graphicFrameLocks noGrp="1"/>
           </p:cNvGraphicFramePr>
-          <p:nvPr>
-            <p:extLst>
-              <p:ext uri="{D42A27DB-BD31-4B8C-83A1-F6EECF244321}">
-                <p14:modId xmlns:p14="http://schemas.microsoft.com/office/powerpoint/2010/main" val="3579926124"/>
-              </p:ext>
-            </p:extLst>
-          </p:nvPr>
+          <p:nvPr/>
         </p:nvGraphicFramePr>
         <p:xfrm>
           <a:off x="1847528" y="548680"/>
@@ -15799,34 +15477,10 @@
                 <a:tableStyleId>{5C22544A-7EE6-4342-B048-85BDC9FD1C3A}</a:tableStyleId>
               </a:tblPr>
               <a:tblGrid>
-                <a:gridCol w="2448272">
-                  <a:extLst>
-                    <a:ext uri="{9D8B030D-6E8A-4147-A177-3AD203B41FA5}">
-                      <a16:colId xmlns:a16="http://schemas.microsoft.com/office/drawing/2014/main" val="20000"/>
-                    </a:ext>
-                  </a:extLst>
-                </a:gridCol>
-                <a:gridCol w="1656184">
-                  <a:extLst>
-                    <a:ext uri="{9D8B030D-6E8A-4147-A177-3AD203B41FA5}">
-                      <a16:colId xmlns:a16="http://schemas.microsoft.com/office/drawing/2014/main" val="20001"/>
-                    </a:ext>
-                  </a:extLst>
-                </a:gridCol>
-                <a:gridCol w="1800200">
-                  <a:extLst>
-                    <a:ext uri="{9D8B030D-6E8A-4147-A177-3AD203B41FA5}">
-                      <a16:colId xmlns:a16="http://schemas.microsoft.com/office/drawing/2014/main" val="20002"/>
-                    </a:ext>
-                  </a:extLst>
-                </a:gridCol>
-                <a:gridCol w="1656184">
-                  <a:extLst>
-                    <a:ext uri="{9D8B030D-6E8A-4147-A177-3AD203B41FA5}">
-                      <a16:colId xmlns:a16="http://schemas.microsoft.com/office/drawing/2014/main" val="20003"/>
-                    </a:ext>
-                  </a:extLst>
-                </a:gridCol>
+                <a:gridCol w="2448272"/>
+                <a:gridCol w="1656184"/>
+                <a:gridCol w="1800200"/>
+                <a:gridCol w="1656184"/>
               </a:tblGrid>
               <a:tr h="504055">
                 <a:tc rowSpan="2">
@@ -15837,14 +15491,14 @@
                       <a:pPr algn="ctr"/>
                       <a:r>
                         <a:rPr lang="zh-CN" altLang="en-US" sz="1800" b="1" dirty="0">
-                          <a:latin typeface="微软雅黑" pitchFamily="34" charset="-122"/>
-                          <a:ea typeface="微软雅黑" pitchFamily="34" charset="-122"/>
+                          <a:latin typeface="微软雅黑" panose="020B0503020204020204" pitchFamily="34" charset="-122"/>
+                          <a:ea typeface="微软雅黑" panose="020B0503020204020204" pitchFamily="34" charset="-122"/>
                         </a:rPr>
                         <a:t>背景介绍及研究意义</a:t>
                       </a:r>
                       <a:endParaRPr lang="zh-CN" altLang="en-US" sz="1400" b="1" dirty="0">
-                        <a:latin typeface="微软雅黑" pitchFamily="34" charset="-122"/>
-                        <a:ea typeface="微软雅黑" pitchFamily="34" charset="-122"/>
+                        <a:latin typeface="微软雅黑" panose="020B0503020204020204" pitchFamily="34" charset="-122"/>
+                        <a:ea typeface="微软雅黑" panose="020B0503020204020204" pitchFamily="34" charset="-122"/>
                       </a:endParaRPr>
                     </a:p>
                   </a:txBody>
@@ -15908,11 +15562,20 @@
                               <a:lumMod val="75000"/>
                             </a:schemeClr>
                           </a:solidFill>
-                          <a:latin typeface="微软雅黑" pitchFamily="34" charset="-122"/>
-                          <a:ea typeface="微软雅黑" pitchFamily="34" charset="-122"/>
+                          <a:latin typeface="微软雅黑" panose="020B0503020204020204" pitchFamily="34" charset="-122"/>
+                          <a:ea typeface="微软雅黑" panose="020B0503020204020204" pitchFamily="34" charset="-122"/>
                         </a:rPr>
                         <a:t>研究内容</a:t>
                       </a:r>
+                      <a:endParaRPr lang="zh-CN" altLang="en-US" b="1" dirty="0">
+                        <a:solidFill>
+                          <a:schemeClr val="accent1">
+                            <a:lumMod val="75000"/>
+                          </a:schemeClr>
+                        </a:solidFill>
+                        <a:latin typeface="微软雅黑" panose="020B0503020204020204" pitchFamily="34" charset="-122"/>
+                        <a:ea typeface="微软雅黑" panose="020B0503020204020204" pitchFamily="34" charset="-122"/>
+                      </a:endParaRPr>
                     </a:p>
                   </a:txBody>
                   <a:tcPr anchor="b">
@@ -15982,7 +15645,6 @@
                         <a:buSzTx/>
                         <a:buFontTx/>
                         <a:buNone/>
-                        <a:tabLst/>
                         <a:defRPr/>
                       </a:pPr>
                       <a:r>
@@ -15992,11 +15654,20 @@
                               <a:lumMod val="75000"/>
                             </a:schemeClr>
                           </a:solidFill>
-                          <a:latin typeface="微软雅黑" pitchFamily="34" charset="-122"/>
-                          <a:ea typeface="微软雅黑" pitchFamily="34" charset="-122"/>
+                          <a:latin typeface="微软雅黑" panose="020B0503020204020204" pitchFamily="34" charset="-122"/>
+                          <a:ea typeface="微软雅黑" panose="020B0503020204020204" pitchFamily="34" charset="-122"/>
                         </a:rPr>
                         <a:t>研究计划</a:t>
                       </a:r>
+                      <a:endParaRPr lang="zh-CN" altLang="en-US" b="1" dirty="0">
+                        <a:solidFill>
+                          <a:schemeClr val="accent1">
+                            <a:lumMod val="75000"/>
+                          </a:schemeClr>
+                        </a:solidFill>
+                        <a:latin typeface="微软雅黑" panose="020B0503020204020204" pitchFamily="34" charset="-122"/>
+                        <a:ea typeface="微软雅黑" panose="020B0503020204020204" pitchFamily="34" charset="-122"/>
+                      </a:endParaRPr>
                     </a:p>
                   </a:txBody>
                   <a:tcPr anchor="b">
@@ -16066,7 +15737,6 @@
                         <a:buSzTx/>
                         <a:buFontTx/>
                         <a:buNone/>
-                        <a:tabLst/>
                         <a:defRPr/>
                       </a:pPr>
                       <a:r>
@@ -16076,11 +15746,20 @@
                               <a:lumMod val="75000"/>
                             </a:schemeClr>
                           </a:solidFill>
-                          <a:latin typeface="微软雅黑" pitchFamily="34" charset="-122"/>
-                          <a:ea typeface="微软雅黑" pitchFamily="34" charset="-122"/>
+                          <a:latin typeface="微软雅黑" panose="020B0503020204020204" pitchFamily="34" charset="-122"/>
+                          <a:ea typeface="微软雅黑" panose="020B0503020204020204" pitchFamily="34" charset="-122"/>
                         </a:rPr>
                         <a:t>研究进展</a:t>
                       </a:r>
+                      <a:endParaRPr lang="zh-CN" altLang="en-US" b="1" dirty="0">
+                        <a:solidFill>
+                          <a:schemeClr val="accent1">
+                            <a:lumMod val="75000"/>
+                          </a:schemeClr>
+                        </a:solidFill>
+                        <a:latin typeface="微软雅黑" panose="020B0503020204020204" pitchFamily="34" charset="-122"/>
+                        <a:ea typeface="微软雅黑" panose="020B0503020204020204" pitchFamily="34" charset="-122"/>
+                      </a:endParaRPr>
                     </a:p>
                   </a:txBody>
                   <a:tcPr anchor="b">
@@ -16131,25 +15810,9 @@
                     <a:noFill/>
                   </a:tcPr>
                 </a:tc>
-                <a:extLst>
-                  <a:ext uri="{0D108BD9-81ED-4DB2-BD59-A6C34878D82A}">
-                    <a16:rowId xmlns:a16="http://schemas.microsoft.com/office/drawing/2014/main" val="10000"/>
-                  </a:ext>
-                </a:extLst>
               </a:tr>
               <a:tr h="166937">
                 <a:tc vMerge="1">
-                  <a:txBody>
-                    <a:bodyPr/>
-                    <a:lstStyle/>
-                    <a:p>
-                      <a:pPr algn="ctr"/>
-                      <a:endParaRPr lang="zh-CN" altLang="en-US" sz="1600" b="0" dirty="0">
-                        <a:latin typeface="微软雅黑" pitchFamily="34" charset="-122"/>
-                        <a:ea typeface="微软雅黑" pitchFamily="34" charset="-122"/>
-                      </a:endParaRPr>
-                    </a:p>
-                  </a:txBody>
                   <a:tcPr anchor="ctr">
                     <a:lnT w="38100" cap="flat" cmpd="sng" algn="ctr">
                       <a:solidFill>
@@ -16176,8 +15839,8 @@
                             <a:lumMod val="75000"/>
                           </a:schemeClr>
                         </a:solidFill>
-                        <a:latin typeface="微软雅黑" pitchFamily="34" charset="-122"/>
-                        <a:ea typeface="微软雅黑" pitchFamily="34" charset="-122"/>
+                        <a:latin typeface="微软雅黑" panose="020B0503020204020204" pitchFamily="34" charset="-122"/>
+                        <a:ea typeface="微软雅黑" panose="020B0503020204020204" pitchFamily="34" charset="-122"/>
                       </a:endParaRPr>
                     </a:p>
                   </a:txBody>
@@ -16243,8 +15906,8 @@
                             <a:lumMod val="75000"/>
                           </a:schemeClr>
                         </a:solidFill>
-                        <a:latin typeface="微软雅黑" pitchFamily="34" charset="-122"/>
-                        <a:ea typeface="微软雅黑" pitchFamily="34" charset="-122"/>
+                        <a:latin typeface="微软雅黑" panose="020B0503020204020204" pitchFamily="34" charset="-122"/>
+                        <a:ea typeface="微软雅黑" panose="020B0503020204020204" pitchFamily="34" charset="-122"/>
                       </a:endParaRPr>
                     </a:p>
                   </a:txBody>
@@ -16310,8 +15973,8 @@
                             <a:lumMod val="75000"/>
                           </a:schemeClr>
                         </a:solidFill>
-                        <a:latin typeface="微软雅黑" pitchFamily="34" charset="-122"/>
-                        <a:ea typeface="微软雅黑" pitchFamily="34" charset="-122"/>
+                        <a:latin typeface="微软雅黑" panose="020B0503020204020204" pitchFamily="34" charset="-122"/>
+                        <a:ea typeface="微软雅黑" panose="020B0503020204020204" pitchFamily="34" charset="-122"/>
                       </a:endParaRPr>
                     </a:p>
                   </a:txBody>
@@ -16365,22 +16028,12 @@
                     </a:solidFill>
                   </a:tcPr>
                 </a:tc>
-                <a:extLst>
-                  <a:ext uri="{0D108BD9-81ED-4DB2-BD59-A6C34878D82A}">
-                    <a16:rowId xmlns:a16="http://schemas.microsoft.com/office/drawing/2014/main" val="10001"/>
-                  </a:ext>
-                </a:extLst>
               </a:tr>
             </a:tbl>
           </a:graphicData>
         </a:graphic>
       </p:graphicFrame>
     </p:spTree>
-    <p:extLst>
-      <p:ext uri="{BB962C8B-B14F-4D97-AF65-F5344CB8AC3E}">
-        <p14:creationId xmlns:p14="http://schemas.microsoft.com/office/powerpoint/2010/main" val="380073878"/>
-      </p:ext>
-    </p:extLst>
   </p:cSld>
   <p:clrMapOvr>
     <a:masterClrMapping/>
@@ -16407,13 +16060,7 @@
       </p:grpSpPr>
       <p:sp>
         <p:nvSpPr>
-          <p:cNvPr id="11" name="矩形 10">
-            <a:extLst>
-              <a:ext uri="{FF2B5EF4-FFF2-40B4-BE49-F238E27FC236}">
-                <a16:creationId xmlns:a16="http://schemas.microsoft.com/office/drawing/2014/main" id="{5549D3B3-639F-4DB4-B296-26E571C5E8B9}"/>
-              </a:ext>
-            </a:extLst>
-          </p:cNvPr>
+          <p:cNvPr id="11" name="矩形 10"/>
           <p:cNvSpPr/>
           <p:nvPr/>
         </p:nvSpPr>
@@ -16504,34 +16151,6 @@
               </a:rPr>
               <a:t>    </a:t>
             </a:r>
-          </a:p>
-          <a:p>
-            <a:pPr>
-              <a:lnSpc>
-                <a:spcPct val="150000"/>
-              </a:lnSpc>
-            </a:pPr>
-            <a:r>
-              <a:rPr lang="zh-CN" altLang="en-US" sz="2400" dirty="0">
-                <a:latin typeface="微软雅黑" panose="020B0503020204020204" pitchFamily="34" charset="-122"/>
-                <a:ea typeface="微软雅黑" panose="020B0503020204020204" pitchFamily="34" charset="-122"/>
-              </a:rPr>
-              <a:t>研究内容</a:t>
-            </a:r>
-            <a:r>
-              <a:rPr lang="en-US" altLang="zh-CN" sz="2400" dirty="0">
-                <a:latin typeface="微软雅黑" panose="020B0503020204020204" pitchFamily="34" charset="-122"/>
-                <a:ea typeface="微软雅黑" panose="020B0503020204020204" pitchFamily="34" charset="-122"/>
-              </a:rPr>
-              <a:t>2</a:t>
-            </a:r>
-            <a:r>
-              <a:rPr lang="zh-CN" altLang="en-US" sz="2400" dirty="0">
-                <a:latin typeface="微软雅黑" panose="020B0503020204020204" pitchFamily="34" charset="-122"/>
-                <a:ea typeface="微软雅黑" panose="020B0503020204020204" pitchFamily="34" charset="-122"/>
-              </a:rPr>
-              <a:t>：基于点模式混合模型的无监督学习算法</a:t>
-            </a:r>
             <a:endParaRPr lang="en-US" altLang="zh-CN" sz="2400" dirty="0">
               <a:latin typeface="微软雅黑" panose="020B0503020204020204" pitchFamily="34" charset="-122"/>
               <a:ea typeface="微软雅黑" panose="020B0503020204020204" pitchFamily="34" charset="-122"/>
@@ -16544,12 +16163,48 @@
               </a:lnSpc>
             </a:pPr>
             <a:r>
+              <a:rPr lang="zh-CN" altLang="en-US" sz="2400" dirty="0">
+                <a:latin typeface="微软雅黑" panose="020B0503020204020204" pitchFamily="34" charset="-122"/>
+                <a:ea typeface="微软雅黑" panose="020B0503020204020204" pitchFamily="34" charset="-122"/>
+              </a:rPr>
+              <a:t>研究内容</a:t>
+            </a:r>
+            <a:r>
+              <a:rPr lang="en-US" altLang="zh-CN" sz="2400" dirty="0">
+                <a:latin typeface="微软雅黑" panose="020B0503020204020204" pitchFamily="34" charset="-122"/>
+                <a:ea typeface="微软雅黑" panose="020B0503020204020204" pitchFamily="34" charset="-122"/>
+              </a:rPr>
+              <a:t>2</a:t>
+            </a:r>
+            <a:r>
+              <a:rPr lang="zh-CN" altLang="en-US" sz="2400" dirty="0">
+                <a:latin typeface="微软雅黑" panose="020B0503020204020204" pitchFamily="34" charset="-122"/>
+                <a:ea typeface="微软雅黑" panose="020B0503020204020204" pitchFamily="34" charset="-122"/>
+              </a:rPr>
+              <a:t>：基于点模式混合模型的无监督学习算法</a:t>
+            </a:r>
+            <a:endParaRPr lang="en-US" altLang="zh-CN" sz="2400" dirty="0">
+              <a:latin typeface="微软雅黑" panose="020B0503020204020204" pitchFamily="34" charset="-122"/>
+              <a:ea typeface="微软雅黑" panose="020B0503020204020204" pitchFamily="34" charset="-122"/>
+            </a:endParaRPr>
+          </a:p>
+          <a:p>
+            <a:pPr>
+              <a:lnSpc>
+                <a:spcPct val="150000"/>
+              </a:lnSpc>
+            </a:pPr>
+            <a:r>
               <a:rPr lang="en-US" altLang="zh-CN" sz="2400" dirty="0">
                 <a:latin typeface="微软雅黑" panose="020B0503020204020204" pitchFamily="34" charset="-122"/>
                 <a:ea typeface="微软雅黑" panose="020B0503020204020204" pitchFamily="34" charset="-122"/>
               </a:rPr>
               <a:t>    </a:t>
             </a:r>
+            <a:endParaRPr lang="en-US" altLang="zh-CN" sz="2400" dirty="0">
+              <a:latin typeface="微软雅黑" panose="020B0503020204020204" pitchFamily="34" charset="-122"/>
+              <a:ea typeface="微软雅黑" panose="020B0503020204020204" pitchFamily="34" charset="-122"/>
+            </a:endParaRPr>
           </a:p>
           <a:p>
             <a:pPr>
@@ -16603,6 +16258,10 @@
               </a:rPr>
               <a:t>    </a:t>
             </a:r>
+            <a:endParaRPr lang="en-US" altLang="zh-CN" sz="2400" dirty="0">
+              <a:latin typeface="微软雅黑" panose="020B0503020204020204" pitchFamily="34" charset="-122"/>
+              <a:ea typeface="微软雅黑" panose="020B0503020204020204" pitchFamily="34" charset="-122"/>
+            </a:endParaRPr>
           </a:p>
           <a:p>
             <a:pPr>
@@ -16616,13 +16275,7 @@
       </p:sp>
       <p:sp>
         <p:nvSpPr>
-          <p:cNvPr id="5" name="TextBox 9">
-            <a:extLst>
-              <a:ext uri="{FF2B5EF4-FFF2-40B4-BE49-F238E27FC236}">
-                <a16:creationId xmlns:a16="http://schemas.microsoft.com/office/drawing/2014/main" id="{A4E9D41F-65EC-47CE-89B5-8B5805863862}"/>
-              </a:ext>
-            </a:extLst>
-          </p:cNvPr>
+          <p:cNvPr id="5" name="TextBox 9"/>
           <p:cNvSpPr txBox="1"/>
           <p:nvPr/>
         </p:nvSpPr>
@@ -16665,23 +16318,11 @@
       </p:sp>
       <p:graphicFrame>
         <p:nvGraphicFramePr>
-          <p:cNvPr id="6" name="表格 5">
-            <a:extLst>
-              <a:ext uri="{FF2B5EF4-FFF2-40B4-BE49-F238E27FC236}">
-                <a16:creationId xmlns:a16="http://schemas.microsoft.com/office/drawing/2014/main" id="{F648031A-D53F-4359-8D1B-63ED88FBEC91}"/>
-              </a:ext>
-            </a:extLst>
-          </p:cNvPr>
+          <p:cNvPr id="6" name="表格 5"/>
           <p:cNvGraphicFramePr>
             <a:graphicFrameLocks noGrp="1"/>
           </p:cNvGraphicFramePr>
-          <p:nvPr>
-            <p:extLst>
-              <p:ext uri="{D42A27DB-BD31-4B8C-83A1-F6EECF244321}">
-                <p14:modId xmlns:p14="http://schemas.microsoft.com/office/powerpoint/2010/main" val="2807852200"/>
-              </p:ext>
-            </p:extLst>
-          </p:nvPr>
+          <p:nvPr/>
         </p:nvGraphicFramePr>
         <p:xfrm>
           <a:off x="1847528" y="548680"/>
@@ -16694,34 +16335,10 @@
                 <a:tableStyleId>{5C22544A-7EE6-4342-B048-85BDC9FD1C3A}</a:tableStyleId>
               </a:tblPr>
               <a:tblGrid>
-                <a:gridCol w="2308543">
-                  <a:extLst>
-                    <a:ext uri="{9D8B030D-6E8A-4147-A177-3AD203B41FA5}">
-                      <a16:colId xmlns:a16="http://schemas.microsoft.com/office/drawing/2014/main" val="20001"/>
-                    </a:ext>
-                  </a:extLst>
-                </a:gridCol>
-                <a:gridCol w="1656000">
-                  <a:extLst>
-                    <a:ext uri="{9D8B030D-6E8A-4147-A177-3AD203B41FA5}">
-                      <a16:colId xmlns:a16="http://schemas.microsoft.com/office/drawing/2014/main" val="20002"/>
-                    </a:ext>
-                  </a:extLst>
-                </a:gridCol>
-                <a:gridCol w="1656000">
-                  <a:extLst>
-                    <a:ext uri="{9D8B030D-6E8A-4147-A177-3AD203B41FA5}">
-                      <a16:colId xmlns:a16="http://schemas.microsoft.com/office/drawing/2014/main" val="20003"/>
-                    </a:ext>
-                  </a:extLst>
-                </a:gridCol>
-                <a:gridCol w="1656000">
-                  <a:extLst>
-                    <a:ext uri="{9D8B030D-6E8A-4147-A177-3AD203B41FA5}">
-                      <a16:colId xmlns:a16="http://schemas.microsoft.com/office/drawing/2014/main" val="4231623938"/>
-                    </a:ext>
-                  </a:extLst>
-                </a:gridCol>
+                <a:gridCol w="2308543"/>
+                <a:gridCol w="1656000"/>
+                <a:gridCol w="1656000"/>
+                <a:gridCol w="1656000"/>
               </a:tblGrid>
               <a:tr h="497601">
                 <a:tc>
@@ -16737,11 +16354,20 @@
                               <a:lumMod val="75000"/>
                             </a:schemeClr>
                           </a:solidFill>
-                          <a:latin typeface="微软雅黑" pitchFamily="34" charset="-122"/>
-                          <a:ea typeface="微软雅黑" pitchFamily="34" charset="-122"/>
+                          <a:latin typeface="微软雅黑" panose="020B0503020204020204" pitchFamily="34" charset="-122"/>
+                          <a:ea typeface="微软雅黑" panose="020B0503020204020204" pitchFamily="34" charset="-122"/>
                         </a:rPr>
                         <a:t>背景介绍及研究意义</a:t>
                       </a:r>
+                      <a:endParaRPr lang="zh-CN" altLang="en-US" b="0" dirty="0">
+                        <a:solidFill>
+                          <a:schemeClr val="accent1">
+                            <a:lumMod val="75000"/>
+                          </a:schemeClr>
+                        </a:solidFill>
+                        <a:latin typeface="微软雅黑" panose="020B0503020204020204" pitchFamily="34" charset="-122"/>
+                        <a:ea typeface="微软雅黑" panose="020B0503020204020204" pitchFamily="34" charset="-122"/>
+                      </a:endParaRPr>
                     </a:p>
                   </a:txBody>
                   <a:tcPr anchor="b">
@@ -16811,7 +16437,6 @@
                         <a:buSzTx/>
                         <a:buFontTx/>
                         <a:buNone/>
-                        <a:tabLst/>
                         <a:defRPr/>
                       </a:pPr>
                       <a:r>
@@ -16819,11 +16444,18 @@
                           <a:solidFill>
                             <a:schemeClr val="bg1"/>
                           </a:solidFill>
-                          <a:latin typeface="微软雅黑" pitchFamily="34" charset="-122"/>
-                          <a:ea typeface="微软雅黑" pitchFamily="34" charset="-122"/>
+                          <a:latin typeface="微软雅黑" panose="020B0503020204020204" pitchFamily="34" charset="-122"/>
+                          <a:ea typeface="微软雅黑" panose="020B0503020204020204" pitchFamily="34" charset="-122"/>
                         </a:rPr>
                         <a:t>研究内容</a:t>
                       </a:r>
+                      <a:endParaRPr lang="zh-CN" altLang="en-US" b="1" dirty="0">
+                        <a:solidFill>
+                          <a:schemeClr val="bg1"/>
+                        </a:solidFill>
+                        <a:latin typeface="微软雅黑" panose="020B0503020204020204" pitchFamily="34" charset="-122"/>
+                        <a:ea typeface="微软雅黑" panose="020B0503020204020204" pitchFamily="34" charset="-122"/>
+                      </a:endParaRPr>
                     </a:p>
                   </a:txBody>
                   <a:tcPr anchor="ctr">
@@ -16895,7 +16527,6 @@
                         <a:buSzTx/>
                         <a:buFontTx/>
                         <a:buNone/>
-                        <a:tabLst/>
                         <a:defRPr/>
                       </a:pPr>
                       <a:r>
@@ -16905,11 +16536,20 @@
                               <a:lumMod val="75000"/>
                             </a:schemeClr>
                           </a:solidFill>
-                          <a:latin typeface="微软雅黑" pitchFamily="34" charset="-122"/>
-                          <a:ea typeface="微软雅黑" pitchFamily="34" charset="-122"/>
+                          <a:latin typeface="微软雅黑" panose="020B0503020204020204" pitchFamily="34" charset="-122"/>
+                          <a:ea typeface="微软雅黑" panose="020B0503020204020204" pitchFamily="34" charset="-122"/>
                         </a:rPr>
                         <a:t>研究计划</a:t>
                       </a:r>
+                      <a:endParaRPr lang="zh-CN" altLang="en-US" b="0" dirty="0">
+                        <a:solidFill>
+                          <a:schemeClr val="accent1">
+                            <a:lumMod val="75000"/>
+                          </a:schemeClr>
+                        </a:solidFill>
+                        <a:latin typeface="微软雅黑" panose="020B0503020204020204" pitchFamily="34" charset="-122"/>
+                        <a:ea typeface="微软雅黑" panose="020B0503020204020204" pitchFamily="34" charset="-122"/>
+                      </a:endParaRPr>
                     </a:p>
                   </a:txBody>
                   <a:tcPr anchor="b">
@@ -16979,7 +16619,6 @@
                         <a:buSzTx/>
                         <a:buFontTx/>
                         <a:buNone/>
-                        <a:tabLst/>
                         <a:defRPr/>
                       </a:pPr>
                       <a:r>
@@ -16989,11 +16628,20 @@
                               <a:lumMod val="75000"/>
                             </a:schemeClr>
                           </a:solidFill>
-                          <a:latin typeface="微软雅黑" pitchFamily="34" charset="-122"/>
-                          <a:ea typeface="微软雅黑" pitchFamily="34" charset="-122"/>
+                          <a:latin typeface="微软雅黑" panose="020B0503020204020204" pitchFamily="34" charset="-122"/>
+                          <a:ea typeface="微软雅黑" panose="020B0503020204020204" pitchFamily="34" charset="-122"/>
                         </a:rPr>
                         <a:t>研究进展</a:t>
                       </a:r>
+                      <a:endParaRPr lang="zh-CN" altLang="en-US" b="0" dirty="0">
+                        <a:solidFill>
+                          <a:schemeClr val="accent1">
+                            <a:lumMod val="75000"/>
+                          </a:schemeClr>
+                        </a:solidFill>
+                        <a:latin typeface="微软雅黑" panose="020B0503020204020204" pitchFamily="34" charset="-122"/>
+                        <a:ea typeface="微软雅黑" panose="020B0503020204020204" pitchFamily="34" charset="-122"/>
+                      </a:endParaRPr>
                     </a:p>
                   </a:txBody>
                   <a:tcPr anchor="b">
@@ -17044,11 +16692,6 @@
                     <a:noFill/>
                   </a:tcPr>
                 </a:tc>
-                <a:extLst>
-                  <a:ext uri="{0D108BD9-81ED-4DB2-BD59-A6C34878D82A}">
-                    <a16:rowId xmlns:a16="http://schemas.microsoft.com/office/drawing/2014/main" val="10000"/>
-                  </a:ext>
-                </a:extLst>
               </a:tr>
               <a:tr h="164799">
                 <a:tc>
@@ -17063,8 +16706,8 @@
                             <a:lumMod val="75000"/>
                           </a:schemeClr>
                         </a:solidFill>
-                        <a:latin typeface="微软雅黑" pitchFamily="34" charset="-122"/>
-                        <a:ea typeface="微软雅黑" pitchFamily="34" charset="-122"/>
+                        <a:latin typeface="微软雅黑" panose="020B0503020204020204" pitchFamily="34" charset="-122"/>
+                        <a:ea typeface="微软雅黑" panose="020B0503020204020204" pitchFamily="34" charset="-122"/>
                       </a:endParaRPr>
                     </a:p>
                   </a:txBody>
@@ -17119,22 +16762,6 @@
                   </a:tcPr>
                 </a:tc>
                 <a:tc vMerge="1">
-                  <a:txBody>
-                    <a:bodyPr/>
-                    <a:lstStyle/>
-                    <a:p>
-                      <a:pPr algn="ctr"/>
-                      <a:endParaRPr lang="zh-CN" altLang="en-US" sz="100" b="0" dirty="0">
-                        <a:solidFill>
-                          <a:schemeClr val="accent1">
-                            <a:lumMod val="75000"/>
-                          </a:schemeClr>
-                        </a:solidFill>
-                        <a:latin typeface="微软雅黑" pitchFamily="34" charset="-122"/>
-                        <a:ea typeface="微软雅黑" pitchFamily="34" charset="-122"/>
-                      </a:endParaRPr>
-                    </a:p>
-                  </a:txBody>
                   <a:tcPr anchor="ctr">
                     <a:lnL w="57150" cap="flat" cmpd="sng" algn="ctr">
                       <a:solidFill>
@@ -17197,8 +16824,8 @@
                             <a:lumMod val="75000"/>
                           </a:schemeClr>
                         </a:solidFill>
-                        <a:latin typeface="微软雅黑" pitchFamily="34" charset="-122"/>
-                        <a:ea typeface="微软雅黑" pitchFamily="34" charset="-122"/>
+                        <a:latin typeface="微软雅黑" panose="020B0503020204020204" pitchFamily="34" charset="-122"/>
+                        <a:ea typeface="微软雅黑" panose="020B0503020204020204" pitchFamily="34" charset="-122"/>
                       </a:endParaRPr>
                     </a:p>
                   </a:txBody>
@@ -17264,8 +16891,8 @@
                             <a:lumMod val="75000"/>
                           </a:schemeClr>
                         </a:solidFill>
-                        <a:latin typeface="微软雅黑" pitchFamily="34" charset="-122"/>
-                        <a:ea typeface="微软雅黑" pitchFamily="34" charset="-122"/>
+                        <a:latin typeface="微软雅黑" panose="020B0503020204020204" pitchFamily="34" charset="-122"/>
+                        <a:ea typeface="微软雅黑" panose="020B0503020204020204" pitchFamily="34" charset="-122"/>
                       </a:endParaRPr>
                     </a:p>
                   </a:txBody>
@@ -17319,22 +16946,12 @@
                     </a:solidFill>
                   </a:tcPr>
                 </a:tc>
-                <a:extLst>
-                  <a:ext uri="{0D108BD9-81ED-4DB2-BD59-A6C34878D82A}">
-                    <a16:rowId xmlns:a16="http://schemas.microsoft.com/office/drawing/2014/main" val="10001"/>
-                  </a:ext>
-                </a:extLst>
               </a:tr>
             </a:tbl>
           </a:graphicData>
         </a:graphic>
       </p:graphicFrame>
     </p:spTree>
-    <p:extLst>
-      <p:ext uri="{BB962C8B-B14F-4D97-AF65-F5344CB8AC3E}">
-        <p14:creationId xmlns:p14="http://schemas.microsoft.com/office/powerpoint/2010/main" val="2194693636"/>
-      </p:ext>
-    </p:extLst>
   </p:cSld>
   <p:clrMapOvr>
     <a:masterClrMapping/>
@@ -17359,14 +16976,14 @@
           <a:chExt cx="0" cy="0"/>
         </a:xfrm>
       </p:grpSpPr>
-      <mc:AlternateContent xmlns:mc="http://schemas.openxmlformats.org/markup-compatibility/2006" xmlns:a14="http://schemas.microsoft.com/office/drawing/2010/main">
-        <mc:Choice Requires="a14">
+      <mc:AlternateContent xmlns:mc="http://schemas.openxmlformats.org/markup-compatibility/2006">
+        <mc:Choice xmlns:a14="http://schemas.microsoft.com/office/drawing/2010/main" Requires="a14">
           <p:sp>
             <p:nvSpPr>
               <p:cNvPr id="6" name="文本框 5">
                 <a:extLst>
                   <a:ext uri="{FF2B5EF4-FFF2-40B4-BE49-F238E27FC236}">
-                    <a16:creationId xmlns:a16="http://schemas.microsoft.com/office/drawing/2014/main" id="{9F510D29-D5BE-49C6-AEA4-93C587F703D3}"/>
+                    <ele attr="{9F510D29-D5BE-49C6-AEA4-93C587F703D3}"/>
                   </a:ext>
                 </a:extLst>
               </p:cNvPr>
@@ -18168,16 +17785,10 @@
             </p:txBody>
           </p:sp>
         </mc:Choice>
-        <mc:Fallback xmlns="">
+        <mc:Fallback>
           <p:sp>
             <p:nvSpPr>
-              <p:cNvPr id="6" name="文本框 5">
-                <a:extLst>
-                  <a:ext uri="{FF2B5EF4-FFF2-40B4-BE49-F238E27FC236}">
-                    <a16:creationId xmlns:a16="http://schemas.microsoft.com/office/drawing/2014/main" id="{9F510D29-D5BE-49C6-AEA4-93C587F703D3}"/>
-                  </a:ext>
-                </a:extLst>
-              </p:cNvPr>
+              <p:cNvPr id="6" name="文本框 5"/>
               <p:cNvSpPr txBox="1">
                 <a:spLocks noRot="1" noChangeAspect="1" noMove="1" noResize="1" noEditPoints="1" noAdjustHandles="1" noChangeArrowheads="1" noChangeShapeType="1" noTextEdit="1"/>
               </p:cNvSpPr>
@@ -18191,8 +17802,8 @@
               <a:prstGeom prst="rect">
                 <a:avLst/>
               </a:prstGeom>
-              <a:blipFill>
-                <a:blip r:embed="rId2"/>
+              <a:blipFill rotWithShape="1">
+                <a:blip r:embed="rId1"/>
                 <a:stretch>
                   <a:fillRect l="-863" t="-984"/>
                 </a:stretch>
@@ -18208,6 +17819,9 @@
                   </a:rPr>
                   <a:t> </a:t>
                 </a:r>
+                <a:endParaRPr lang="zh-CN" altLang="en-US">
+                  <a:noFill/>
+                </a:endParaRPr>
               </a:p>
             </p:txBody>
           </p:sp>
@@ -18215,23 +17829,11 @@
       </mc:AlternateContent>
       <p:graphicFrame>
         <p:nvGraphicFramePr>
-          <p:cNvPr id="7" name="表格 6">
-            <a:extLst>
-              <a:ext uri="{FF2B5EF4-FFF2-40B4-BE49-F238E27FC236}">
-                <a16:creationId xmlns:a16="http://schemas.microsoft.com/office/drawing/2014/main" id="{745591CB-8D9F-401C-93EC-CE35E745A735}"/>
-              </a:ext>
-            </a:extLst>
-          </p:cNvPr>
+          <p:cNvPr id="7" name="表格 6"/>
           <p:cNvGraphicFramePr>
             <a:graphicFrameLocks noGrp="1"/>
           </p:cNvGraphicFramePr>
-          <p:nvPr>
-            <p:extLst>
-              <p:ext uri="{D42A27DB-BD31-4B8C-83A1-F6EECF244321}">
-                <p14:modId xmlns:p14="http://schemas.microsoft.com/office/powerpoint/2010/main" val="2807852200"/>
-              </p:ext>
-            </p:extLst>
-          </p:nvPr>
+          <p:nvPr/>
         </p:nvGraphicFramePr>
         <p:xfrm>
           <a:off x="1847528" y="548680"/>
@@ -18244,34 +17846,10 @@
                 <a:tableStyleId>{5C22544A-7EE6-4342-B048-85BDC9FD1C3A}</a:tableStyleId>
               </a:tblPr>
               <a:tblGrid>
-                <a:gridCol w="2308543">
-                  <a:extLst>
-                    <a:ext uri="{9D8B030D-6E8A-4147-A177-3AD203B41FA5}">
-                      <a16:colId xmlns:a16="http://schemas.microsoft.com/office/drawing/2014/main" val="20001"/>
-                    </a:ext>
-                  </a:extLst>
-                </a:gridCol>
-                <a:gridCol w="1656000">
-                  <a:extLst>
-                    <a:ext uri="{9D8B030D-6E8A-4147-A177-3AD203B41FA5}">
-                      <a16:colId xmlns:a16="http://schemas.microsoft.com/office/drawing/2014/main" val="20002"/>
-                    </a:ext>
-                  </a:extLst>
-                </a:gridCol>
-                <a:gridCol w="1656000">
-                  <a:extLst>
-                    <a:ext uri="{9D8B030D-6E8A-4147-A177-3AD203B41FA5}">
-                      <a16:colId xmlns:a16="http://schemas.microsoft.com/office/drawing/2014/main" val="20003"/>
-                    </a:ext>
-                  </a:extLst>
-                </a:gridCol>
-                <a:gridCol w="1656000">
-                  <a:extLst>
-                    <a:ext uri="{9D8B030D-6E8A-4147-A177-3AD203B41FA5}">
-                      <a16:colId xmlns:a16="http://schemas.microsoft.com/office/drawing/2014/main" val="4231623938"/>
-                    </a:ext>
-                  </a:extLst>
-                </a:gridCol>
+                <a:gridCol w="2308543"/>
+                <a:gridCol w="1656000"/>
+                <a:gridCol w="1656000"/>
+                <a:gridCol w="1656000"/>
               </a:tblGrid>
               <a:tr h="497601">
                 <a:tc>
@@ -18287,11 +17865,20 @@
                               <a:lumMod val="75000"/>
                             </a:schemeClr>
                           </a:solidFill>
-                          <a:latin typeface="微软雅黑" pitchFamily="34" charset="-122"/>
-                          <a:ea typeface="微软雅黑" pitchFamily="34" charset="-122"/>
+                          <a:latin typeface="微软雅黑" panose="020B0503020204020204" pitchFamily="34" charset="-122"/>
+                          <a:ea typeface="微软雅黑" panose="020B0503020204020204" pitchFamily="34" charset="-122"/>
                         </a:rPr>
                         <a:t>背景介绍及研究意义</a:t>
                       </a:r>
+                      <a:endParaRPr lang="zh-CN" altLang="en-US" b="0" dirty="0">
+                        <a:solidFill>
+                          <a:schemeClr val="accent1">
+                            <a:lumMod val="75000"/>
+                          </a:schemeClr>
+                        </a:solidFill>
+                        <a:latin typeface="微软雅黑" panose="020B0503020204020204" pitchFamily="34" charset="-122"/>
+                        <a:ea typeface="微软雅黑" panose="020B0503020204020204" pitchFamily="34" charset="-122"/>
+                      </a:endParaRPr>
                     </a:p>
                   </a:txBody>
                   <a:tcPr anchor="b">
@@ -18361,7 +17948,6 @@
                         <a:buSzTx/>
                         <a:buFontTx/>
                         <a:buNone/>
-                        <a:tabLst/>
                         <a:defRPr/>
                       </a:pPr>
                       <a:r>
@@ -18369,11 +17955,18 @@
                           <a:solidFill>
                             <a:schemeClr val="bg1"/>
                           </a:solidFill>
-                          <a:latin typeface="微软雅黑" pitchFamily="34" charset="-122"/>
-                          <a:ea typeface="微软雅黑" pitchFamily="34" charset="-122"/>
+                          <a:latin typeface="微软雅黑" panose="020B0503020204020204" pitchFamily="34" charset="-122"/>
+                          <a:ea typeface="微软雅黑" panose="020B0503020204020204" pitchFamily="34" charset="-122"/>
                         </a:rPr>
                         <a:t>研究内容</a:t>
                       </a:r>
+                      <a:endParaRPr lang="zh-CN" altLang="en-US" b="1" dirty="0">
+                        <a:solidFill>
+                          <a:schemeClr val="bg1"/>
+                        </a:solidFill>
+                        <a:latin typeface="微软雅黑" panose="020B0503020204020204" pitchFamily="34" charset="-122"/>
+                        <a:ea typeface="微软雅黑" panose="020B0503020204020204" pitchFamily="34" charset="-122"/>
+                      </a:endParaRPr>
                     </a:p>
                   </a:txBody>
                   <a:tcPr anchor="ctr">
@@ -18445,7 +18038,6 @@
                         <a:buSzTx/>
                         <a:buFontTx/>
                         <a:buNone/>
-                        <a:tabLst/>
                         <a:defRPr/>
                       </a:pPr>
                       <a:r>
@@ -18455,11 +18047,20 @@
                               <a:lumMod val="75000"/>
                             </a:schemeClr>
                           </a:solidFill>
-                          <a:latin typeface="微软雅黑" pitchFamily="34" charset="-122"/>
-                          <a:ea typeface="微软雅黑" pitchFamily="34" charset="-122"/>
+                          <a:latin typeface="微软雅黑" panose="020B0503020204020204" pitchFamily="34" charset="-122"/>
+                          <a:ea typeface="微软雅黑" panose="020B0503020204020204" pitchFamily="34" charset="-122"/>
                         </a:rPr>
                         <a:t>研究计划</a:t>
                       </a:r>
+                      <a:endParaRPr lang="zh-CN" altLang="en-US" b="0" dirty="0">
+                        <a:solidFill>
+                          <a:schemeClr val="accent1">
+                            <a:lumMod val="75000"/>
+                          </a:schemeClr>
+                        </a:solidFill>
+                        <a:latin typeface="微软雅黑" panose="020B0503020204020204" pitchFamily="34" charset="-122"/>
+                        <a:ea typeface="微软雅黑" panose="020B0503020204020204" pitchFamily="34" charset="-122"/>
+                      </a:endParaRPr>
                     </a:p>
                   </a:txBody>
                   <a:tcPr anchor="b">
@@ -18529,7 +18130,6 @@
                         <a:buSzTx/>
                         <a:buFontTx/>
                         <a:buNone/>
-                        <a:tabLst/>
                         <a:defRPr/>
                       </a:pPr>
                       <a:r>
@@ -18539,11 +18139,20 @@
                               <a:lumMod val="75000"/>
                             </a:schemeClr>
                           </a:solidFill>
-                          <a:latin typeface="微软雅黑" pitchFamily="34" charset="-122"/>
-                          <a:ea typeface="微软雅黑" pitchFamily="34" charset="-122"/>
+                          <a:latin typeface="微软雅黑" panose="020B0503020204020204" pitchFamily="34" charset="-122"/>
+                          <a:ea typeface="微软雅黑" panose="020B0503020204020204" pitchFamily="34" charset="-122"/>
                         </a:rPr>
                         <a:t>研究进展</a:t>
                       </a:r>
+                      <a:endParaRPr lang="zh-CN" altLang="en-US" b="0" dirty="0">
+                        <a:solidFill>
+                          <a:schemeClr val="accent1">
+                            <a:lumMod val="75000"/>
+                          </a:schemeClr>
+                        </a:solidFill>
+                        <a:latin typeface="微软雅黑" panose="020B0503020204020204" pitchFamily="34" charset="-122"/>
+                        <a:ea typeface="微软雅黑" panose="020B0503020204020204" pitchFamily="34" charset="-122"/>
+                      </a:endParaRPr>
                     </a:p>
                   </a:txBody>
                   <a:tcPr anchor="b">
@@ -18594,11 +18203,6 @@
                     <a:noFill/>
                   </a:tcPr>
                 </a:tc>
-                <a:extLst>
-                  <a:ext uri="{0D108BD9-81ED-4DB2-BD59-A6C34878D82A}">
-                    <a16:rowId xmlns:a16="http://schemas.microsoft.com/office/drawing/2014/main" val="10000"/>
-                  </a:ext>
-                </a:extLst>
               </a:tr>
               <a:tr h="164799">
                 <a:tc>
@@ -18613,8 +18217,8 @@
                             <a:lumMod val="75000"/>
                           </a:schemeClr>
                         </a:solidFill>
-                        <a:latin typeface="微软雅黑" pitchFamily="34" charset="-122"/>
-                        <a:ea typeface="微软雅黑" pitchFamily="34" charset="-122"/>
+                        <a:latin typeface="微软雅黑" panose="020B0503020204020204" pitchFamily="34" charset="-122"/>
+                        <a:ea typeface="微软雅黑" panose="020B0503020204020204" pitchFamily="34" charset="-122"/>
                       </a:endParaRPr>
                     </a:p>
                   </a:txBody>
@@ -18669,22 +18273,6 @@
                   </a:tcPr>
                 </a:tc>
                 <a:tc vMerge="1">
-                  <a:txBody>
-                    <a:bodyPr/>
-                    <a:lstStyle/>
-                    <a:p>
-                      <a:pPr algn="ctr"/>
-                      <a:endParaRPr lang="zh-CN" altLang="en-US" sz="100" b="0" dirty="0">
-                        <a:solidFill>
-                          <a:schemeClr val="accent1">
-                            <a:lumMod val="75000"/>
-                          </a:schemeClr>
-                        </a:solidFill>
-                        <a:latin typeface="微软雅黑" pitchFamily="34" charset="-122"/>
-                        <a:ea typeface="微软雅黑" pitchFamily="34" charset="-122"/>
-                      </a:endParaRPr>
-                    </a:p>
-                  </a:txBody>
                   <a:tcPr anchor="ctr">
                     <a:lnL w="57150" cap="flat" cmpd="sng" algn="ctr">
                       <a:solidFill>
@@ -18747,8 +18335,8 @@
                             <a:lumMod val="75000"/>
                           </a:schemeClr>
                         </a:solidFill>
-                        <a:latin typeface="微软雅黑" pitchFamily="34" charset="-122"/>
-                        <a:ea typeface="微软雅黑" pitchFamily="34" charset="-122"/>
+                        <a:latin typeface="微软雅黑" panose="020B0503020204020204" pitchFamily="34" charset="-122"/>
+                        <a:ea typeface="微软雅黑" panose="020B0503020204020204" pitchFamily="34" charset="-122"/>
                       </a:endParaRPr>
                     </a:p>
                   </a:txBody>
@@ -18814,8 +18402,8 @@
                             <a:lumMod val="75000"/>
                           </a:schemeClr>
                         </a:solidFill>
-                        <a:latin typeface="微软雅黑" pitchFamily="34" charset="-122"/>
-                        <a:ea typeface="微软雅黑" pitchFamily="34" charset="-122"/>
+                        <a:latin typeface="微软雅黑" panose="020B0503020204020204" pitchFamily="34" charset="-122"/>
+                        <a:ea typeface="微软雅黑" panose="020B0503020204020204" pitchFamily="34" charset="-122"/>
                       </a:endParaRPr>
                     </a:p>
                   </a:txBody>
@@ -18869,11 +18457,6 @@
                     </a:solidFill>
                   </a:tcPr>
                 </a:tc>
-                <a:extLst>
-                  <a:ext uri="{0D108BD9-81ED-4DB2-BD59-A6C34878D82A}">
-                    <a16:rowId xmlns:a16="http://schemas.microsoft.com/office/drawing/2014/main" val="10001"/>
-                  </a:ext>
-                </a:extLst>
               </a:tr>
             </a:tbl>
           </a:graphicData>
@@ -18881,13 +18464,7 @@
       </p:graphicFrame>
       <p:sp>
         <p:nvSpPr>
-          <p:cNvPr id="8" name="TextBox 9">
-            <a:extLst>
-              <a:ext uri="{FF2B5EF4-FFF2-40B4-BE49-F238E27FC236}">
-                <a16:creationId xmlns:a16="http://schemas.microsoft.com/office/drawing/2014/main" id="{3C409107-808B-4568-9013-300EE17E59A3}"/>
-              </a:ext>
-            </a:extLst>
-          </p:cNvPr>
+          <p:cNvPr id="8" name="TextBox 9"/>
           <p:cNvSpPr txBox="1"/>
           <p:nvPr/>
         </p:nvSpPr>
@@ -18924,11 +18501,6 @@
         </p:txBody>
       </p:sp>
     </p:spTree>
-    <p:extLst>
-      <p:ext uri="{BB962C8B-B14F-4D97-AF65-F5344CB8AC3E}">
-        <p14:creationId xmlns:p14="http://schemas.microsoft.com/office/powerpoint/2010/main" val="26505997"/>
-      </p:ext>
-    </p:extLst>
   </p:cSld>
   <p:clrMapOvr>
     <a:masterClrMapping/>
@@ -18955,13 +18527,7 @@
       </p:grpSpPr>
       <p:sp>
         <p:nvSpPr>
-          <p:cNvPr id="6" name="TextBox 9">
-            <a:extLst>
-              <a:ext uri="{FF2B5EF4-FFF2-40B4-BE49-F238E27FC236}">
-                <a16:creationId xmlns:a16="http://schemas.microsoft.com/office/drawing/2014/main" id="{D241429A-114B-4A9E-A70C-1279E9FA1796}"/>
-              </a:ext>
-            </a:extLst>
-          </p:cNvPr>
+          <p:cNvPr id="6" name="TextBox 9"/>
           <p:cNvSpPr txBox="1"/>
           <p:nvPr/>
         </p:nvSpPr>
@@ -18999,13 +18565,7 @@
       </p:sp>
       <p:sp>
         <p:nvSpPr>
-          <p:cNvPr id="3" name="文本框 2">
-            <a:extLst>
-              <a:ext uri="{FF2B5EF4-FFF2-40B4-BE49-F238E27FC236}">
-                <a16:creationId xmlns:a16="http://schemas.microsoft.com/office/drawing/2014/main" id="{393E2C8B-94B6-45A2-BC76-11D5DD94C0A9}"/>
-              </a:ext>
-            </a:extLst>
-          </p:cNvPr>
+          <p:cNvPr id="3" name="文本框 2"/>
           <p:cNvSpPr txBox="1"/>
           <p:nvPr/>
         </p:nvSpPr>
@@ -19075,28 +18635,20 @@
               </a:rPr>
               <a:t>的方法，逐步收敛于混合模型的参数后验分布，当有限混合模型为高斯混合模型时，算法流程如下：</a:t>
             </a:r>
+            <a:endParaRPr lang="zh-CN" altLang="en-US" dirty="0">
+              <a:latin typeface="微软雅黑" panose="020B0503020204020204" pitchFamily="34" charset="-122"/>
+              <a:ea typeface="微软雅黑" panose="020B0503020204020204" pitchFamily="34" charset="-122"/>
+            </a:endParaRPr>
           </a:p>
         </p:txBody>
       </p:sp>
       <p:graphicFrame>
         <p:nvGraphicFramePr>
-          <p:cNvPr id="18" name="对象 17">
-            <a:extLst>
-              <a:ext uri="{FF2B5EF4-FFF2-40B4-BE49-F238E27FC236}">
-                <a16:creationId xmlns:a16="http://schemas.microsoft.com/office/drawing/2014/main" id="{12F4BC47-58F7-4941-9BC1-16232DB1D263}"/>
-              </a:ext>
-            </a:extLst>
-          </p:cNvPr>
+          <p:cNvPr id="18" name="对象 17"/>
           <p:cNvGraphicFramePr>
             <a:graphicFrameLocks noChangeAspect="1"/>
           </p:cNvGraphicFramePr>
-          <p:nvPr>
-            <p:extLst>
-              <p:ext uri="{D42A27DB-BD31-4B8C-83A1-F6EECF244321}">
-                <p14:modId xmlns:p14="http://schemas.microsoft.com/office/powerpoint/2010/main" val="2332218561"/>
-              </p:ext>
-            </p:extLst>
-          </p:nvPr>
+          <p:nvPr/>
         </p:nvGraphicFramePr>
         <p:xfrm>
           <a:off x="5862638" y="3289300"/>
@@ -19106,21 +18658,21 @@
           <a:graphicData uri="http://schemas.openxmlformats.org/presentationml/2006/ole">
             <mc:AlternateContent xmlns:mc="http://schemas.openxmlformats.org/markup-compatibility/2006">
               <mc:Choice xmlns:v="urn:schemas-microsoft-com:vml" Requires="v">
-                <p:oleObj spid="_x0000_s3553" name="Equation" r:id="rId3" imgW="466360" imgH="276110" progId="Equation.DSMT4">
+                <p:oleObj spid="_x0000_s3553" name="Equation" r:id="rId1" imgW="467360" imgH="276860" progId="Equation.DSMT4">
                   <p:embed/>
                 </p:oleObj>
               </mc:Choice>
               <mc:Fallback>
-                <p:oleObj name="Equation" r:id="rId3" imgW="466360" imgH="276110" progId="Equation.DSMT4">
+                <p:oleObj name="Equation" r:id="rId1" imgW="467360" imgH="276860" progId="Equation.DSMT4">
                   <p:embed/>
                   <p:pic>
                     <p:nvPicPr>
-                      <p:cNvPr id="0" name=""/>
+                      <p:cNvPr id="0" name="图片 3552"/>
                       <p:cNvPicPr/>
                       <p:nvPr/>
                     </p:nvPicPr>
                     <p:blipFill>
-                      <a:blip r:embed="rId4"/>
+                      <a:blip r:embed="rId2"/>
                       <a:stretch>
                         <a:fillRect/>
                       </a:stretch>
@@ -19143,23 +18695,11 @@
       </p:graphicFrame>
       <p:graphicFrame>
         <p:nvGraphicFramePr>
-          <p:cNvPr id="19" name="对象 18">
-            <a:extLst>
-              <a:ext uri="{FF2B5EF4-FFF2-40B4-BE49-F238E27FC236}">
-                <a16:creationId xmlns:a16="http://schemas.microsoft.com/office/drawing/2014/main" id="{1981F790-3143-4063-8037-4459B1AAB815}"/>
-              </a:ext>
-            </a:extLst>
-          </p:cNvPr>
+          <p:cNvPr id="19" name="对象 18"/>
           <p:cNvGraphicFramePr>
             <a:graphicFrameLocks noChangeAspect="1"/>
           </p:cNvGraphicFramePr>
-          <p:nvPr>
-            <p:extLst>
-              <p:ext uri="{D42A27DB-BD31-4B8C-83A1-F6EECF244321}">
-                <p14:modId xmlns:p14="http://schemas.microsoft.com/office/powerpoint/2010/main" val="2426888336"/>
-              </p:ext>
-            </p:extLst>
-          </p:nvPr>
+          <p:nvPr/>
         </p:nvGraphicFramePr>
         <p:xfrm>
           <a:off x="5862638" y="3289300"/>
@@ -19169,21 +18709,21 @@
           <a:graphicData uri="http://schemas.openxmlformats.org/presentationml/2006/ole">
             <mc:AlternateContent xmlns:mc="http://schemas.openxmlformats.org/markup-compatibility/2006">
               <mc:Choice xmlns:v="urn:schemas-microsoft-com:vml" Requires="v">
-                <p:oleObj spid="_x0000_s3554" name="Equation" r:id="rId5" imgW="466360" imgH="276110" progId="Equation.DSMT4">
+                <p:oleObj spid="_x0000_s3554" name="Equation" r:id="rId3" imgW="467360" imgH="276860" progId="Equation.DSMT4">
                   <p:embed/>
                 </p:oleObj>
               </mc:Choice>
               <mc:Fallback>
-                <p:oleObj name="Equation" r:id="rId5" imgW="466360" imgH="276110" progId="Equation.DSMT4">
+                <p:oleObj name="Equation" r:id="rId3" imgW="467360" imgH="276860" progId="Equation.DSMT4">
                   <p:embed/>
                   <p:pic>
                     <p:nvPicPr>
-                      <p:cNvPr id="0" name=""/>
+                      <p:cNvPr id="0" name="图片 3553"/>
                       <p:cNvPicPr/>
                       <p:nvPr/>
                     </p:nvPicPr>
                     <p:blipFill>
-                      <a:blip r:embed="rId4"/>
+                      <a:blip r:embed="rId2"/>
                       <a:stretch>
                         <a:fillRect/>
                       </a:stretch>
@@ -19206,23 +18746,11 @@
       </p:graphicFrame>
       <p:graphicFrame>
         <p:nvGraphicFramePr>
-          <p:cNvPr id="20" name="对象 19">
-            <a:extLst>
-              <a:ext uri="{FF2B5EF4-FFF2-40B4-BE49-F238E27FC236}">
-                <a16:creationId xmlns:a16="http://schemas.microsoft.com/office/drawing/2014/main" id="{9F30D573-19B3-49B8-B402-7916E68A855D}"/>
-              </a:ext>
-            </a:extLst>
-          </p:cNvPr>
+          <p:cNvPr id="20" name="对象 19"/>
           <p:cNvGraphicFramePr>
             <a:graphicFrameLocks noChangeAspect="1"/>
           </p:cNvGraphicFramePr>
-          <p:nvPr>
-            <p:extLst>
-              <p:ext uri="{D42A27DB-BD31-4B8C-83A1-F6EECF244321}">
-                <p14:modId xmlns:p14="http://schemas.microsoft.com/office/powerpoint/2010/main" val="1387717474"/>
-              </p:ext>
-            </p:extLst>
-          </p:nvPr>
+          <p:nvPr/>
         </p:nvGraphicFramePr>
         <p:xfrm>
           <a:off x="5862638" y="3289300"/>
@@ -19232,21 +18760,21 @@
           <a:graphicData uri="http://schemas.openxmlformats.org/presentationml/2006/ole">
             <mc:AlternateContent xmlns:mc="http://schemas.openxmlformats.org/markup-compatibility/2006">
               <mc:Choice xmlns:v="urn:schemas-microsoft-com:vml" Requires="v">
-                <p:oleObj spid="_x0000_s3555" name="Equation" r:id="rId6" imgW="466360" imgH="276110" progId="Equation.DSMT4">
+                <p:oleObj spid="_x0000_s3555" name="Equation" r:id="rId4" imgW="467360" imgH="276860" progId="Equation.DSMT4">
                   <p:embed/>
                 </p:oleObj>
               </mc:Choice>
               <mc:Fallback>
-                <p:oleObj name="Equation" r:id="rId6" imgW="466360" imgH="276110" progId="Equation.DSMT4">
+                <p:oleObj name="Equation" r:id="rId4" imgW="467360" imgH="276860" progId="Equation.DSMT4">
                   <p:embed/>
                   <p:pic>
                     <p:nvPicPr>
-                      <p:cNvPr id="0" name=""/>
+                      <p:cNvPr id="0" name="图片 3554"/>
                       <p:cNvPicPr/>
                       <p:nvPr/>
                     </p:nvPicPr>
                     <p:blipFill>
-                      <a:blip r:embed="rId7"/>
+                      <a:blip r:embed="rId5"/>
                       <a:stretch>
                         <a:fillRect/>
                       </a:stretch>
@@ -19269,23 +18797,11 @@
       </p:graphicFrame>
       <p:graphicFrame>
         <p:nvGraphicFramePr>
-          <p:cNvPr id="21" name="对象 20">
-            <a:extLst>
-              <a:ext uri="{FF2B5EF4-FFF2-40B4-BE49-F238E27FC236}">
-                <a16:creationId xmlns:a16="http://schemas.microsoft.com/office/drawing/2014/main" id="{9636EAA0-D6F9-4170-9D41-D9282EA9FAC3}"/>
-              </a:ext>
-            </a:extLst>
-          </p:cNvPr>
+          <p:cNvPr id="21" name="对象 20"/>
           <p:cNvGraphicFramePr>
             <a:graphicFrameLocks noChangeAspect="1"/>
           </p:cNvGraphicFramePr>
-          <p:nvPr>
-            <p:extLst>
-              <p:ext uri="{D42A27DB-BD31-4B8C-83A1-F6EECF244321}">
-                <p14:modId xmlns:p14="http://schemas.microsoft.com/office/powerpoint/2010/main" val="696535444"/>
-              </p:ext>
-            </p:extLst>
-          </p:nvPr>
+          <p:nvPr/>
         </p:nvGraphicFramePr>
         <p:xfrm>
           <a:off x="5862638" y="3289300"/>
@@ -19295,21 +18811,21 @@
           <a:graphicData uri="http://schemas.openxmlformats.org/presentationml/2006/ole">
             <mc:AlternateContent xmlns:mc="http://schemas.openxmlformats.org/markup-compatibility/2006">
               <mc:Choice xmlns:v="urn:schemas-microsoft-com:vml" Requires="v">
-                <p:oleObj spid="_x0000_s3556" name="Equation" r:id="rId8" imgW="466360" imgH="276110" progId="Equation.DSMT4">
+                <p:oleObj spid="_x0000_s3556" name="Equation" r:id="rId6" imgW="467360" imgH="276860" progId="Equation.DSMT4">
                   <p:embed/>
                 </p:oleObj>
               </mc:Choice>
               <mc:Fallback>
-                <p:oleObj name="Equation" r:id="rId8" imgW="466360" imgH="276110" progId="Equation.DSMT4">
+                <p:oleObj name="Equation" r:id="rId6" imgW="467360" imgH="276860" progId="Equation.DSMT4">
                   <p:embed/>
                   <p:pic>
                     <p:nvPicPr>
-                      <p:cNvPr id="0" name=""/>
+                      <p:cNvPr id="0" name="图片 3555"/>
                       <p:cNvPicPr/>
                       <p:nvPr/>
                     </p:nvPicPr>
                     <p:blipFill>
-                      <a:blip r:embed="rId7"/>
+                      <a:blip r:embed="rId5"/>
                       <a:stretch>
                         <a:fillRect/>
                       </a:stretch>
@@ -19332,23 +18848,11 @@
       </p:graphicFrame>
       <p:graphicFrame>
         <p:nvGraphicFramePr>
-          <p:cNvPr id="22" name="对象 21">
-            <a:extLst>
-              <a:ext uri="{FF2B5EF4-FFF2-40B4-BE49-F238E27FC236}">
-                <a16:creationId xmlns:a16="http://schemas.microsoft.com/office/drawing/2014/main" id="{129D2792-9B1B-4FEE-BF87-3F0CF2432010}"/>
-              </a:ext>
-            </a:extLst>
-          </p:cNvPr>
+          <p:cNvPr id="22" name="对象 21"/>
           <p:cNvGraphicFramePr>
             <a:graphicFrameLocks noChangeAspect="1"/>
           </p:cNvGraphicFramePr>
-          <p:nvPr>
-            <p:extLst>
-              <p:ext uri="{D42A27DB-BD31-4B8C-83A1-F6EECF244321}">
-                <p14:modId xmlns:p14="http://schemas.microsoft.com/office/powerpoint/2010/main" val="2285121241"/>
-              </p:ext>
-            </p:extLst>
-          </p:nvPr>
+          <p:nvPr/>
         </p:nvGraphicFramePr>
         <p:xfrm>
           <a:off x="5824538" y="3194050"/>
@@ -19358,21 +18862,21 @@
           <a:graphicData uri="http://schemas.openxmlformats.org/presentationml/2006/ole">
             <mc:AlternateContent xmlns:mc="http://schemas.openxmlformats.org/markup-compatibility/2006">
               <mc:Choice xmlns:v="urn:schemas-microsoft-com:vml" Requires="v">
-                <p:oleObj spid="_x0000_s3557" name="Equation" r:id="rId9" imgW="542647" imgH="466544" progId="Equation.DSMT4">
+                <p:oleObj spid="_x0000_s3557" name="Equation" r:id="rId7" imgW="543560" imgH="467360" progId="Equation.DSMT4">
                   <p:embed/>
                 </p:oleObj>
               </mc:Choice>
               <mc:Fallback>
-                <p:oleObj name="Equation" r:id="rId9" imgW="542647" imgH="466544" progId="Equation.DSMT4">
+                <p:oleObj name="Equation" r:id="rId7" imgW="543560" imgH="467360" progId="Equation.DSMT4">
                   <p:embed/>
                   <p:pic>
                     <p:nvPicPr>
-                      <p:cNvPr id="0" name=""/>
+                      <p:cNvPr id="0" name="图片 3556"/>
                       <p:cNvPicPr/>
                       <p:nvPr/>
                     </p:nvPicPr>
                     <p:blipFill>
-                      <a:blip r:embed="rId10"/>
+                      <a:blip r:embed="rId8"/>
                       <a:stretch>
                         <a:fillRect/>
                       </a:stretch>
@@ -19395,23 +18899,11 @@
       </p:graphicFrame>
       <p:graphicFrame>
         <p:nvGraphicFramePr>
-          <p:cNvPr id="26" name="对象 25">
-            <a:extLst>
-              <a:ext uri="{FF2B5EF4-FFF2-40B4-BE49-F238E27FC236}">
-                <a16:creationId xmlns:a16="http://schemas.microsoft.com/office/drawing/2014/main" id="{3F1A5F50-954C-44B7-8E4C-13CB82820F96}"/>
-              </a:ext>
-            </a:extLst>
-          </p:cNvPr>
+          <p:cNvPr id="26" name="对象 25"/>
           <p:cNvGraphicFramePr>
             <a:graphicFrameLocks noChangeAspect="1"/>
           </p:cNvGraphicFramePr>
-          <p:nvPr>
-            <p:extLst>
-              <p:ext uri="{D42A27DB-BD31-4B8C-83A1-F6EECF244321}">
-                <p14:modId xmlns:p14="http://schemas.microsoft.com/office/powerpoint/2010/main" val="499769996"/>
-              </p:ext>
-            </p:extLst>
-          </p:nvPr>
+          <p:nvPr/>
         </p:nvGraphicFramePr>
         <p:xfrm>
           <a:off x="4538663" y="3194050"/>
@@ -19421,21 +18913,21 @@
           <a:graphicData uri="http://schemas.openxmlformats.org/presentationml/2006/ole">
             <mc:AlternateContent xmlns:mc="http://schemas.openxmlformats.org/markup-compatibility/2006">
               <mc:Choice xmlns:v="urn:schemas-microsoft-com:vml" Requires="v">
-                <p:oleObj spid="_x0000_s3558" name="Equation" r:id="rId11" imgW="3113383" imgH="466544" progId="Equation.DSMT4">
+                <p:oleObj spid="_x0000_s3558" name="Equation" r:id="rId9" imgW="3116580" imgH="467360" progId="Equation.DSMT4">
                   <p:embed/>
                 </p:oleObj>
               </mc:Choice>
               <mc:Fallback>
-                <p:oleObj name="Equation" r:id="rId11" imgW="3113383" imgH="466544" progId="Equation.DSMT4">
+                <p:oleObj name="Equation" r:id="rId9" imgW="3116580" imgH="467360" progId="Equation.DSMT4">
                   <p:embed/>
                   <p:pic>
                     <p:nvPicPr>
-                      <p:cNvPr id="0" name=""/>
+                      <p:cNvPr id="0" name="图片 3557"/>
                       <p:cNvPicPr/>
                       <p:nvPr/>
                     </p:nvPicPr>
                     <p:blipFill>
-                      <a:blip r:embed="rId12"/>
+                      <a:blip r:embed="rId10"/>
                       <a:stretch>
                         <a:fillRect/>
                       </a:stretch>
@@ -19458,23 +18950,11 @@
       </p:graphicFrame>
       <p:graphicFrame>
         <p:nvGraphicFramePr>
-          <p:cNvPr id="27" name="对象 26">
-            <a:extLst>
-              <a:ext uri="{FF2B5EF4-FFF2-40B4-BE49-F238E27FC236}">
-                <a16:creationId xmlns:a16="http://schemas.microsoft.com/office/drawing/2014/main" id="{1F0FE6F3-6FAC-4BA6-AA86-8959F5E126A8}"/>
-              </a:ext>
-            </a:extLst>
-          </p:cNvPr>
+          <p:cNvPr id="27" name="对象 26"/>
           <p:cNvGraphicFramePr>
             <a:graphicFrameLocks noChangeAspect="1"/>
           </p:cNvGraphicFramePr>
-          <p:nvPr>
-            <p:extLst>
-              <p:ext uri="{D42A27DB-BD31-4B8C-83A1-F6EECF244321}">
-                <p14:modId xmlns:p14="http://schemas.microsoft.com/office/powerpoint/2010/main" val="2782972834"/>
-              </p:ext>
-            </p:extLst>
-          </p:nvPr>
+          <p:nvPr/>
         </p:nvGraphicFramePr>
         <p:xfrm>
           <a:off x="4538663" y="3194050"/>
@@ -19484,21 +18964,21 @@
           <a:graphicData uri="http://schemas.openxmlformats.org/presentationml/2006/ole">
             <mc:AlternateContent xmlns:mc="http://schemas.openxmlformats.org/markup-compatibility/2006">
               <mc:Choice xmlns:v="urn:schemas-microsoft-com:vml" Requires="v">
-                <p:oleObj spid="_x0000_s3559" name="Equation" r:id="rId13" imgW="3113383" imgH="466544" progId="Equation.DSMT4">
+                <p:oleObj spid="_x0000_s3559" name="Equation" r:id="rId11" imgW="3116580" imgH="467360" progId="Equation.DSMT4">
                   <p:embed/>
                 </p:oleObj>
               </mc:Choice>
               <mc:Fallback>
-                <p:oleObj name="Equation" r:id="rId13" imgW="3113383" imgH="466544" progId="Equation.DSMT4">
+                <p:oleObj name="Equation" r:id="rId11" imgW="3116580" imgH="467360" progId="Equation.DSMT4">
                   <p:embed/>
                   <p:pic>
                     <p:nvPicPr>
-                      <p:cNvPr id="0" name=""/>
+                      <p:cNvPr id="0" name="图片 3558"/>
                       <p:cNvPicPr/>
                       <p:nvPr/>
                     </p:nvPicPr>
                     <p:blipFill>
-                      <a:blip r:embed="rId12"/>
+                      <a:blip r:embed="rId10"/>
                       <a:stretch>
                         <a:fillRect/>
                       </a:stretch>
@@ -19521,23 +19001,11 @@
       </p:graphicFrame>
       <p:graphicFrame>
         <p:nvGraphicFramePr>
-          <p:cNvPr id="24" name="表格 23">
-            <a:extLst>
-              <a:ext uri="{FF2B5EF4-FFF2-40B4-BE49-F238E27FC236}">
-                <a16:creationId xmlns:a16="http://schemas.microsoft.com/office/drawing/2014/main" id="{F3A5256E-B154-4E39-9EBF-B421A7676232}"/>
-              </a:ext>
-            </a:extLst>
-          </p:cNvPr>
+          <p:cNvPr id="24" name="表格 23"/>
           <p:cNvGraphicFramePr>
             <a:graphicFrameLocks noGrp="1"/>
           </p:cNvGraphicFramePr>
-          <p:nvPr>
-            <p:extLst>
-              <p:ext uri="{D42A27DB-BD31-4B8C-83A1-F6EECF244321}">
-                <p14:modId xmlns:p14="http://schemas.microsoft.com/office/powerpoint/2010/main" val="2807852200"/>
-              </p:ext>
-            </p:extLst>
-          </p:nvPr>
+          <p:nvPr/>
         </p:nvGraphicFramePr>
         <p:xfrm>
           <a:off x="1847528" y="548680"/>
@@ -19550,34 +19018,10 @@
                 <a:tableStyleId>{5C22544A-7EE6-4342-B048-85BDC9FD1C3A}</a:tableStyleId>
               </a:tblPr>
               <a:tblGrid>
-                <a:gridCol w="2308543">
-                  <a:extLst>
-                    <a:ext uri="{9D8B030D-6E8A-4147-A177-3AD203B41FA5}">
-                      <a16:colId xmlns:a16="http://schemas.microsoft.com/office/drawing/2014/main" val="20001"/>
-                    </a:ext>
-                  </a:extLst>
-                </a:gridCol>
-                <a:gridCol w="1656000">
-                  <a:extLst>
-                    <a:ext uri="{9D8B030D-6E8A-4147-A177-3AD203B41FA5}">
-                      <a16:colId xmlns:a16="http://schemas.microsoft.com/office/drawing/2014/main" val="20002"/>
-                    </a:ext>
-                  </a:extLst>
-                </a:gridCol>
-                <a:gridCol w="1656000">
-                  <a:extLst>
-                    <a:ext uri="{9D8B030D-6E8A-4147-A177-3AD203B41FA5}">
-                      <a16:colId xmlns:a16="http://schemas.microsoft.com/office/drawing/2014/main" val="20003"/>
-                    </a:ext>
-                  </a:extLst>
-                </a:gridCol>
-                <a:gridCol w="1656000">
-                  <a:extLst>
-                    <a:ext uri="{9D8B030D-6E8A-4147-A177-3AD203B41FA5}">
-                      <a16:colId xmlns:a16="http://schemas.microsoft.com/office/drawing/2014/main" val="4231623938"/>
-                    </a:ext>
-                  </a:extLst>
-                </a:gridCol>
+                <a:gridCol w="2308543"/>
+                <a:gridCol w="1656000"/>
+                <a:gridCol w="1656000"/>
+                <a:gridCol w="1656000"/>
               </a:tblGrid>
               <a:tr h="497601">
                 <a:tc>
@@ -19593,11 +19037,20 @@
                               <a:lumMod val="75000"/>
                             </a:schemeClr>
                           </a:solidFill>
-                          <a:latin typeface="微软雅黑" pitchFamily="34" charset="-122"/>
-                          <a:ea typeface="微软雅黑" pitchFamily="34" charset="-122"/>
+                          <a:latin typeface="微软雅黑" panose="020B0503020204020204" pitchFamily="34" charset="-122"/>
+                          <a:ea typeface="微软雅黑" panose="020B0503020204020204" pitchFamily="34" charset="-122"/>
                         </a:rPr>
                         <a:t>背景介绍及研究意义</a:t>
                       </a:r>
+                      <a:endParaRPr lang="zh-CN" altLang="en-US" b="0" dirty="0">
+                        <a:solidFill>
+                          <a:schemeClr val="accent1">
+                            <a:lumMod val="75000"/>
+                          </a:schemeClr>
+                        </a:solidFill>
+                        <a:latin typeface="微软雅黑" panose="020B0503020204020204" pitchFamily="34" charset="-122"/>
+                        <a:ea typeface="微软雅黑" panose="020B0503020204020204" pitchFamily="34" charset="-122"/>
+                      </a:endParaRPr>
                     </a:p>
                   </a:txBody>
                   <a:tcPr anchor="b">
@@ -19667,7 +19120,6 @@
                         <a:buSzTx/>
                         <a:buFontTx/>
                         <a:buNone/>
-                        <a:tabLst/>
                         <a:defRPr/>
                       </a:pPr>
                       <a:r>
@@ -19675,11 +19127,18 @@
                           <a:solidFill>
                             <a:schemeClr val="bg1"/>
                           </a:solidFill>
-                          <a:latin typeface="微软雅黑" pitchFamily="34" charset="-122"/>
-                          <a:ea typeface="微软雅黑" pitchFamily="34" charset="-122"/>
+                          <a:latin typeface="微软雅黑" panose="020B0503020204020204" pitchFamily="34" charset="-122"/>
+                          <a:ea typeface="微软雅黑" panose="020B0503020204020204" pitchFamily="34" charset="-122"/>
                         </a:rPr>
                         <a:t>研究内容</a:t>
                       </a:r>
+                      <a:endParaRPr lang="zh-CN" altLang="en-US" b="1" dirty="0">
+                        <a:solidFill>
+                          <a:schemeClr val="bg1"/>
+                        </a:solidFill>
+                        <a:latin typeface="微软雅黑" panose="020B0503020204020204" pitchFamily="34" charset="-122"/>
+                        <a:ea typeface="微软雅黑" panose="020B0503020204020204" pitchFamily="34" charset="-122"/>
+                      </a:endParaRPr>
                     </a:p>
                   </a:txBody>
                   <a:tcPr anchor="ctr">
@@ -19751,7 +19210,6 @@
                         <a:buSzTx/>
                         <a:buFontTx/>
                         <a:buNone/>
-                        <a:tabLst/>
                         <a:defRPr/>
                       </a:pPr>
                       <a:r>
@@ -19761,11 +19219,20 @@
                               <a:lumMod val="75000"/>
                             </a:schemeClr>
                           </a:solidFill>
-                          <a:latin typeface="微软雅黑" pitchFamily="34" charset="-122"/>
-                          <a:ea typeface="微软雅黑" pitchFamily="34" charset="-122"/>
+                          <a:latin typeface="微软雅黑" panose="020B0503020204020204" pitchFamily="34" charset="-122"/>
+                          <a:ea typeface="微软雅黑" panose="020B0503020204020204" pitchFamily="34" charset="-122"/>
                         </a:rPr>
                         <a:t>研究计划</a:t>
                       </a:r>
+                      <a:endParaRPr lang="zh-CN" altLang="en-US" b="0" dirty="0">
+                        <a:solidFill>
+                          <a:schemeClr val="accent1">
+                            <a:lumMod val="75000"/>
+                          </a:schemeClr>
+                        </a:solidFill>
+                        <a:latin typeface="微软雅黑" panose="020B0503020204020204" pitchFamily="34" charset="-122"/>
+                        <a:ea typeface="微软雅黑" panose="020B0503020204020204" pitchFamily="34" charset="-122"/>
+                      </a:endParaRPr>
                     </a:p>
                   </a:txBody>
                   <a:tcPr anchor="b">
@@ -19835,7 +19302,6 @@
                         <a:buSzTx/>
                         <a:buFontTx/>
                         <a:buNone/>
-                        <a:tabLst/>
                         <a:defRPr/>
                       </a:pPr>
                       <a:r>
@@ -19845,11 +19311,20 @@
                               <a:lumMod val="75000"/>
                             </a:schemeClr>
                           </a:solidFill>
-                          <a:latin typeface="微软雅黑" pitchFamily="34" charset="-122"/>
-                          <a:ea typeface="微软雅黑" pitchFamily="34" charset="-122"/>
+                          <a:latin typeface="微软雅黑" panose="020B0503020204020204" pitchFamily="34" charset="-122"/>
+                          <a:ea typeface="微软雅黑" panose="020B0503020204020204" pitchFamily="34" charset="-122"/>
                         </a:rPr>
                         <a:t>研究进展</a:t>
                       </a:r>
+                      <a:endParaRPr lang="zh-CN" altLang="en-US" b="0" dirty="0">
+                        <a:solidFill>
+                          <a:schemeClr val="accent1">
+                            <a:lumMod val="75000"/>
+                          </a:schemeClr>
+                        </a:solidFill>
+                        <a:latin typeface="微软雅黑" panose="020B0503020204020204" pitchFamily="34" charset="-122"/>
+                        <a:ea typeface="微软雅黑" panose="020B0503020204020204" pitchFamily="34" charset="-122"/>
+                      </a:endParaRPr>
                     </a:p>
                   </a:txBody>
                   <a:tcPr anchor="b">
@@ -19900,11 +19375,6 @@
                     <a:noFill/>
                   </a:tcPr>
                 </a:tc>
-                <a:extLst>
-                  <a:ext uri="{0D108BD9-81ED-4DB2-BD59-A6C34878D82A}">
-                    <a16:rowId xmlns:a16="http://schemas.microsoft.com/office/drawing/2014/main" val="10000"/>
-                  </a:ext>
-                </a:extLst>
               </a:tr>
               <a:tr h="164799">
                 <a:tc>
@@ -19919,8 +19389,8 @@
                             <a:lumMod val="75000"/>
                           </a:schemeClr>
                         </a:solidFill>
-                        <a:latin typeface="微软雅黑" pitchFamily="34" charset="-122"/>
-                        <a:ea typeface="微软雅黑" pitchFamily="34" charset="-122"/>
+                        <a:latin typeface="微软雅黑" panose="020B0503020204020204" pitchFamily="34" charset="-122"/>
+                        <a:ea typeface="微软雅黑" panose="020B0503020204020204" pitchFamily="34" charset="-122"/>
                       </a:endParaRPr>
                     </a:p>
                   </a:txBody>
@@ -19975,22 +19445,6 @@
                   </a:tcPr>
                 </a:tc>
                 <a:tc vMerge="1">
-                  <a:txBody>
-                    <a:bodyPr/>
-                    <a:lstStyle/>
-                    <a:p>
-                      <a:pPr algn="ctr"/>
-                      <a:endParaRPr lang="zh-CN" altLang="en-US" sz="100" b="0" dirty="0">
-                        <a:solidFill>
-                          <a:schemeClr val="accent1">
-                            <a:lumMod val="75000"/>
-                          </a:schemeClr>
-                        </a:solidFill>
-                        <a:latin typeface="微软雅黑" pitchFamily="34" charset="-122"/>
-                        <a:ea typeface="微软雅黑" pitchFamily="34" charset="-122"/>
-                      </a:endParaRPr>
-                    </a:p>
-                  </a:txBody>
                   <a:tcPr anchor="ctr">
                     <a:lnL w="57150" cap="flat" cmpd="sng" algn="ctr">
                       <a:solidFill>
@@ -20053,8 +19507,8 @@
                             <a:lumMod val="75000"/>
                           </a:schemeClr>
                         </a:solidFill>
-                        <a:latin typeface="微软雅黑" pitchFamily="34" charset="-122"/>
-                        <a:ea typeface="微软雅黑" pitchFamily="34" charset="-122"/>
+                        <a:latin typeface="微软雅黑" panose="020B0503020204020204" pitchFamily="34" charset="-122"/>
+                        <a:ea typeface="微软雅黑" panose="020B0503020204020204" pitchFamily="34" charset="-122"/>
                       </a:endParaRPr>
                     </a:p>
                   </a:txBody>
@@ -20120,8 +19574,8 @@
                             <a:lumMod val="75000"/>
                           </a:schemeClr>
                         </a:solidFill>
-                        <a:latin typeface="微软雅黑" pitchFamily="34" charset="-122"/>
-                        <a:ea typeface="微软雅黑" pitchFamily="34" charset="-122"/>
+                        <a:latin typeface="微软雅黑" panose="020B0503020204020204" pitchFamily="34" charset="-122"/>
+                        <a:ea typeface="微软雅黑" panose="020B0503020204020204" pitchFamily="34" charset="-122"/>
                       </a:endParaRPr>
                     </a:p>
                   </a:txBody>
@@ -20175,11 +19629,6 @@
                     </a:solidFill>
                   </a:tcPr>
                 </a:tc>
-                <a:extLst>
-                  <a:ext uri="{0D108BD9-81ED-4DB2-BD59-A6C34878D82A}">
-                    <a16:rowId xmlns:a16="http://schemas.microsoft.com/office/drawing/2014/main" val="10001"/>
-                  </a:ext>
-                </a:extLst>
               </a:tr>
             </a:tbl>
           </a:graphicData>
@@ -20187,23 +19636,11 @@
       </p:graphicFrame>
       <p:graphicFrame>
         <p:nvGraphicFramePr>
-          <p:cNvPr id="2" name="对象 1">
-            <a:extLst>
-              <a:ext uri="{FF2B5EF4-FFF2-40B4-BE49-F238E27FC236}">
-                <a16:creationId xmlns:a16="http://schemas.microsoft.com/office/drawing/2014/main" id="{6F4B00F4-8581-4C65-A300-B0B4971FD997}"/>
-              </a:ext>
-            </a:extLst>
-          </p:cNvPr>
+          <p:cNvPr id="2" name="对象 1"/>
           <p:cNvGraphicFramePr>
             <a:graphicFrameLocks noChangeAspect="1"/>
           </p:cNvGraphicFramePr>
-          <p:nvPr>
-            <p:extLst>
-              <p:ext uri="{D42A27DB-BD31-4B8C-83A1-F6EECF244321}">
-                <p14:modId xmlns:p14="http://schemas.microsoft.com/office/powerpoint/2010/main" val="2563828319"/>
-              </p:ext>
-            </p:extLst>
-          </p:nvPr>
+          <p:nvPr/>
         </p:nvGraphicFramePr>
         <p:xfrm>
           <a:off x="2268538" y="2954338"/>
@@ -20213,21 +19650,21 @@
           <a:graphicData uri="http://schemas.openxmlformats.org/presentationml/2006/ole">
             <mc:AlternateContent xmlns:mc="http://schemas.openxmlformats.org/markup-compatibility/2006">
               <mc:Choice xmlns:v="urn:schemas-microsoft-com:vml" Requires="v">
-                <p:oleObj spid="_x0000_s3560" name="Equation" r:id="rId14" imgW="4569101" imgH="3011508" progId="Equation.DSMT4">
+                <p:oleObj spid="_x0000_s3560" name="Equation" r:id="rId12" imgW="4570730" imgH="3013075" progId="Equation.DSMT4">
                   <p:embed/>
                 </p:oleObj>
               </mc:Choice>
               <mc:Fallback>
-                <p:oleObj name="Equation" r:id="rId14" imgW="4569101" imgH="3011508" progId="Equation.DSMT4">
+                <p:oleObj name="Equation" r:id="rId12" imgW="4570730" imgH="3013075" progId="Equation.DSMT4">
                   <p:embed/>
                   <p:pic>
                     <p:nvPicPr>
-                      <p:cNvPr id="0" name=""/>
+                      <p:cNvPr id="0" name="图片 3559"/>
                       <p:cNvPicPr/>
                       <p:nvPr/>
                     </p:nvPicPr>
                     <p:blipFill>
-                      <a:blip r:embed="rId15"/>
+                      <a:blip r:embed="rId13"/>
                       <a:stretch>
                         <a:fillRect/>
                       </a:stretch>
@@ -20250,23 +19687,11 @@
       </p:graphicFrame>
       <p:graphicFrame>
         <p:nvGraphicFramePr>
-          <p:cNvPr id="5" name="对象 4">
-            <a:extLst>
-              <a:ext uri="{FF2B5EF4-FFF2-40B4-BE49-F238E27FC236}">
-                <a16:creationId xmlns:a16="http://schemas.microsoft.com/office/drawing/2014/main" id="{B6D68142-383D-4371-99A1-35AD4868D338}"/>
-              </a:ext>
-            </a:extLst>
-          </p:cNvPr>
+          <p:cNvPr id="5" name="对象 4"/>
           <p:cNvGraphicFramePr>
             <a:graphicFrameLocks noChangeAspect="1"/>
           </p:cNvGraphicFramePr>
-          <p:nvPr>
-            <p:extLst>
-              <p:ext uri="{D42A27DB-BD31-4B8C-83A1-F6EECF244321}">
-                <p14:modId xmlns:p14="http://schemas.microsoft.com/office/powerpoint/2010/main" val="202430542"/>
-              </p:ext>
-            </p:extLst>
-          </p:nvPr>
+          <p:nvPr/>
         </p:nvGraphicFramePr>
         <p:xfrm>
           <a:off x="7023849" y="2860884"/>
@@ -20276,21 +19701,21 @@
           <a:graphicData uri="http://schemas.openxmlformats.org/presentationml/2006/ole">
             <mc:AlternateContent xmlns:mc="http://schemas.openxmlformats.org/markup-compatibility/2006">
               <mc:Choice xmlns:v="urn:schemas-microsoft-com:vml" Requires="v">
-                <p:oleObj spid="_x0000_s3561" name="Equation" r:id="rId16" imgW="3683795" imgH="3012948" progId="Equation.DSMT4">
+                <p:oleObj spid="_x0000_s3561" name="Equation" r:id="rId14" imgW="3684905" imgH="3014345" progId="Equation.DSMT4">
                   <p:embed/>
                 </p:oleObj>
               </mc:Choice>
               <mc:Fallback>
-                <p:oleObj name="Equation" r:id="rId16" imgW="3683795" imgH="3012948" progId="Equation.DSMT4">
+                <p:oleObj name="Equation" r:id="rId14" imgW="3684905" imgH="3014345" progId="Equation.DSMT4">
                   <p:embed/>
                   <p:pic>
                     <p:nvPicPr>
-                      <p:cNvPr id="0" name=""/>
+                      <p:cNvPr id="0" name="图片 3560"/>
                       <p:cNvPicPr/>
                       <p:nvPr/>
                     </p:nvPicPr>
                     <p:blipFill>
-                      <a:blip r:embed="rId17"/>
+                      <a:blip r:embed="rId15"/>
                       <a:stretch>
                         <a:fillRect/>
                       </a:stretch>
@@ -20312,11 +19737,6 @@
         </a:graphic>
       </p:graphicFrame>
     </p:spTree>
-    <p:extLst>
-      <p:ext uri="{BB962C8B-B14F-4D97-AF65-F5344CB8AC3E}">
-        <p14:creationId xmlns:p14="http://schemas.microsoft.com/office/powerpoint/2010/main" val="4113616604"/>
-      </p:ext>
-    </p:extLst>
   </p:cSld>
   <p:clrMapOvr>
     <a:masterClrMapping/>
@@ -20343,13 +19763,7 @@
       </p:grpSpPr>
       <p:sp>
         <p:nvSpPr>
-          <p:cNvPr id="4" name="文本框 3">
-            <a:extLst>
-              <a:ext uri="{FF2B5EF4-FFF2-40B4-BE49-F238E27FC236}">
-                <a16:creationId xmlns:a16="http://schemas.microsoft.com/office/drawing/2014/main" id="{D3DD126F-C5E8-451B-89B2-479A40AF2FE0}"/>
-              </a:ext>
-            </a:extLst>
-          </p:cNvPr>
+          <p:cNvPr id="4" name="文本框 3"/>
           <p:cNvSpPr txBox="1"/>
           <p:nvPr/>
         </p:nvSpPr>
@@ -20376,28 +19790,20 @@
               </a:rPr>
               <a:t>贝叶斯信息准则：</a:t>
             </a:r>
+            <a:endParaRPr lang="zh-CN" altLang="en-US" dirty="0">
+              <a:latin typeface="微软雅黑" panose="020B0503020204020204" pitchFamily="34" charset="-122"/>
+              <a:ea typeface="微软雅黑" panose="020B0503020204020204" pitchFamily="34" charset="-122"/>
+            </a:endParaRPr>
           </a:p>
         </p:txBody>
       </p:sp>
       <p:graphicFrame>
         <p:nvGraphicFramePr>
-          <p:cNvPr id="5" name="对象 4">
-            <a:extLst>
-              <a:ext uri="{FF2B5EF4-FFF2-40B4-BE49-F238E27FC236}">
-                <a16:creationId xmlns:a16="http://schemas.microsoft.com/office/drawing/2014/main" id="{7B7C0138-D47E-4893-AFA5-793F1E3728AE}"/>
-              </a:ext>
-            </a:extLst>
-          </p:cNvPr>
+          <p:cNvPr id="5" name="对象 4"/>
           <p:cNvGraphicFramePr>
             <a:graphicFrameLocks noChangeAspect="1"/>
           </p:cNvGraphicFramePr>
-          <p:nvPr>
-            <p:extLst>
-              <p:ext uri="{D42A27DB-BD31-4B8C-83A1-F6EECF244321}">
-                <p14:modId xmlns:p14="http://schemas.microsoft.com/office/powerpoint/2010/main" val="4219283589"/>
-              </p:ext>
-            </p:extLst>
-          </p:nvPr>
+          <p:nvPr/>
         </p:nvGraphicFramePr>
         <p:xfrm>
           <a:off x="5087888" y="2411380"/>
@@ -20407,21 +19813,21 @@
           <a:graphicData uri="http://schemas.openxmlformats.org/presentationml/2006/ole">
             <mc:AlternateContent xmlns:mc="http://schemas.openxmlformats.org/markup-compatibility/2006">
               <mc:Choice xmlns:v="urn:schemas-microsoft-com:vml" Requires="v">
-                <p:oleObj spid="_x0000_s7218" name="Equation" r:id="rId3" imgW="1473120" imgH="253800" progId="Equation.DSMT4">
+                <p:oleObj spid="_x0000_s7218" name="Equation" r:id="rId1" imgW="35356800" imgH="6096000" progId="Equation.DSMT4">
                   <p:embed/>
                 </p:oleObj>
               </mc:Choice>
               <mc:Fallback>
-                <p:oleObj name="Equation" r:id="rId3" imgW="1473120" imgH="253800" progId="Equation.DSMT4">
+                <p:oleObj name="Equation" r:id="rId1" imgW="35356800" imgH="6096000" progId="Equation.DSMT4">
                   <p:embed/>
                   <p:pic>
                     <p:nvPicPr>
-                      <p:cNvPr id="0" name=""/>
+                      <p:cNvPr id="0" name="图片 7217"/>
                       <p:cNvPicPr/>
                       <p:nvPr/>
                     </p:nvPicPr>
                     <p:blipFill>
-                      <a:blip r:embed="rId4"/>
+                      <a:blip r:embed="rId2"/>
                       <a:stretch>
                         <a:fillRect/>
                       </a:stretch>
@@ -20442,14 +19848,14 @@
           </a:graphicData>
         </a:graphic>
       </p:graphicFrame>
-      <mc:AlternateContent xmlns:mc="http://schemas.openxmlformats.org/markup-compatibility/2006" xmlns:a14="http://schemas.microsoft.com/office/drawing/2010/main">
-        <mc:Choice Requires="a14">
+      <mc:AlternateContent xmlns:mc="http://schemas.openxmlformats.org/markup-compatibility/2006">
+        <mc:Choice xmlns:a14="http://schemas.microsoft.com/office/drawing/2010/main" Requires="a14">
           <p:sp>
             <p:nvSpPr>
               <p:cNvPr id="6" name="文本框 5">
                 <a:extLst>
                   <a:ext uri="{FF2B5EF4-FFF2-40B4-BE49-F238E27FC236}">
-                    <a16:creationId xmlns:a16="http://schemas.microsoft.com/office/drawing/2014/main" id="{3DBBD2F8-8C88-449A-83EC-67D35C4206B3}"/>
+                    <ele attr="{3DBBD2F8-8C88-449A-83EC-67D35C4206B3}"/>
                   </a:ext>
                 </a:extLst>
               </p:cNvPr>
@@ -20604,16 +20010,10 @@
             </p:txBody>
           </p:sp>
         </mc:Choice>
-        <mc:Fallback xmlns="">
+        <mc:Fallback>
           <p:sp>
             <p:nvSpPr>
-              <p:cNvPr id="6" name="文本框 5">
-                <a:extLst>
-                  <a:ext uri="{FF2B5EF4-FFF2-40B4-BE49-F238E27FC236}">
-                    <a16:creationId xmlns:a16="http://schemas.microsoft.com/office/drawing/2014/main" id="{3DBBD2F8-8C88-449A-83EC-67D35C4206B3}"/>
-                  </a:ext>
-                </a:extLst>
-              </p:cNvPr>
+              <p:cNvPr id="6" name="文本框 5"/>
               <p:cNvSpPr txBox="1">
                 <a:spLocks noRot="1" noChangeAspect="1" noMove="1" noResize="1" noEditPoints="1" noAdjustHandles="1" noChangeArrowheads="1" noChangeShapeType="1" noTextEdit="1"/>
               </p:cNvSpPr>
@@ -20627,8 +20027,8 @@
               <a:prstGeom prst="rect">
                 <a:avLst/>
               </a:prstGeom>
-              <a:blipFill>
-                <a:blip r:embed="rId5"/>
+              <a:blipFill rotWithShape="1">
+                <a:blip r:embed="rId3"/>
                 <a:stretch>
                   <a:fillRect l="-698" t="-1415" b="-2830"/>
                 </a:stretch>
@@ -20644,6 +20044,9 @@
                   </a:rPr>
                   <a:t> </a:t>
                 </a:r>
+                <a:endParaRPr lang="zh-CN" altLang="en-US">
+                  <a:noFill/>
+                </a:endParaRPr>
               </a:p>
             </p:txBody>
           </p:sp>
@@ -20651,23 +20054,11 @@
       </mc:AlternateContent>
       <p:graphicFrame>
         <p:nvGraphicFramePr>
-          <p:cNvPr id="7" name="表格 6">
-            <a:extLst>
-              <a:ext uri="{FF2B5EF4-FFF2-40B4-BE49-F238E27FC236}">
-                <a16:creationId xmlns:a16="http://schemas.microsoft.com/office/drawing/2014/main" id="{19CBA96C-13EC-44A1-84D6-B9B4017ADD10}"/>
-              </a:ext>
-            </a:extLst>
-          </p:cNvPr>
+          <p:cNvPr id="7" name="表格 6"/>
           <p:cNvGraphicFramePr>
             <a:graphicFrameLocks noGrp="1"/>
           </p:cNvGraphicFramePr>
-          <p:nvPr>
-            <p:extLst>
-              <p:ext uri="{D42A27DB-BD31-4B8C-83A1-F6EECF244321}">
-                <p14:modId xmlns:p14="http://schemas.microsoft.com/office/powerpoint/2010/main" val="2807852200"/>
-              </p:ext>
-            </p:extLst>
-          </p:nvPr>
+          <p:nvPr/>
         </p:nvGraphicFramePr>
         <p:xfrm>
           <a:off x="1847528" y="548680"/>
@@ -20680,34 +20071,10 @@
                 <a:tableStyleId>{5C22544A-7EE6-4342-B048-85BDC9FD1C3A}</a:tableStyleId>
               </a:tblPr>
               <a:tblGrid>
-                <a:gridCol w="2308543">
-                  <a:extLst>
-                    <a:ext uri="{9D8B030D-6E8A-4147-A177-3AD203B41FA5}">
-                      <a16:colId xmlns:a16="http://schemas.microsoft.com/office/drawing/2014/main" val="20001"/>
-                    </a:ext>
-                  </a:extLst>
-                </a:gridCol>
-                <a:gridCol w="1656000">
-                  <a:extLst>
-                    <a:ext uri="{9D8B030D-6E8A-4147-A177-3AD203B41FA5}">
-                      <a16:colId xmlns:a16="http://schemas.microsoft.com/office/drawing/2014/main" val="20002"/>
-                    </a:ext>
-                  </a:extLst>
-                </a:gridCol>
-                <a:gridCol w="1656000">
-                  <a:extLst>
-                    <a:ext uri="{9D8B030D-6E8A-4147-A177-3AD203B41FA5}">
-                      <a16:colId xmlns:a16="http://schemas.microsoft.com/office/drawing/2014/main" val="20003"/>
-                    </a:ext>
-                  </a:extLst>
-                </a:gridCol>
-                <a:gridCol w="1656000">
-                  <a:extLst>
-                    <a:ext uri="{9D8B030D-6E8A-4147-A177-3AD203B41FA5}">
-                      <a16:colId xmlns:a16="http://schemas.microsoft.com/office/drawing/2014/main" val="4231623938"/>
-                    </a:ext>
-                  </a:extLst>
-                </a:gridCol>
+                <a:gridCol w="2308543"/>
+                <a:gridCol w="1656000"/>
+                <a:gridCol w="1656000"/>
+                <a:gridCol w="1656000"/>
               </a:tblGrid>
               <a:tr h="497601">
                 <a:tc>
@@ -20723,11 +20090,20 @@
                               <a:lumMod val="75000"/>
                             </a:schemeClr>
                           </a:solidFill>
-                          <a:latin typeface="微软雅黑" pitchFamily="34" charset="-122"/>
-                          <a:ea typeface="微软雅黑" pitchFamily="34" charset="-122"/>
+                          <a:latin typeface="微软雅黑" panose="020B0503020204020204" pitchFamily="34" charset="-122"/>
+                          <a:ea typeface="微软雅黑" panose="020B0503020204020204" pitchFamily="34" charset="-122"/>
                         </a:rPr>
                         <a:t>背景介绍及研究意义</a:t>
                       </a:r>
+                      <a:endParaRPr lang="zh-CN" altLang="en-US" b="0" dirty="0">
+                        <a:solidFill>
+                          <a:schemeClr val="accent1">
+                            <a:lumMod val="75000"/>
+                          </a:schemeClr>
+                        </a:solidFill>
+                        <a:latin typeface="微软雅黑" panose="020B0503020204020204" pitchFamily="34" charset="-122"/>
+                        <a:ea typeface="微软雅黑" panose="020B0503020204020204" pitchFamily="34" charset="-122"/>
+                      </a:endParaRPr>
                     </a:p>
                   </a:txBody>
                   <a:tcPr anchor="b">
@@ -20797,7 +20173,6 @@
                         <a:buSzTx/>
                         <a:buFontTx/>
                         <a:buNone/>
-                        <a:tabLst/>
                         <a:defRPr/>
                       </a:pPr>
                       <a:r>
@@ -20805,11 +20180,18 @@
                           <a:solidFill>
                             <a:schemeClr val="bg1"/>
                           </a:solidFill>
-                          <a:latin typeface="微软雅黑" pitchFamily="34" charset="-122"/>
-                          <a:ea typeface="微软雅黑" pitchFamily="34" charset="-122"/>
+                          <a:latin typeface="微软雅黑" panose="020B0503020204020204" pitchFamily="34" charset="-122"/>
+                          <a:ea typeface="微软雅黑" panose="020B0503020204020204" pitchFamily="34" charset="-122"/>
                         </a:rPr>
                         <a:t>研究内容</a:t>
                       </a:r>
+                      <a:endParaRPr lang="zh-CN" altLang="en-US" b="1" dirty="0">
+                        <a:solidFill>
+                          <a:schemeClr val="bg1"/>
+                        </a:solidFill>
+                        <a:latin typeface="微软雅黑" panose="020B0503020204020204" pitchFamily="34" charset="-122"/>
+                        <a:ea typeface="微软雅黑" panose="020B0503020204020204" pitchFamily="34" charset="-122"/>
+                      </a:endParaRPr>
                     </a:p>
                   </a:txBody>
                   <a:tcPr anchor="ctr">
@@ -20881,7 +20263,6 @@
                         <a:buSzTx/>
                         <a:buFontTx/>
                         <a:buNone/>
-                        <a:tabLst/>
                         <a:defRPr/>
                       </a:pPr>
                       <a:r>
@@ -20891,11 +20272,20 @@
                               <a:lumMod val="75000"/>
                             </a:schemeClr>
                           </a:solidFill>
-                          <a:latin typeface="微软雅黑" pitchFamily="34" charset="-122"/>
-                          <a:ea typeface="微软雅黑" pitchFamily="34" charset="-122"/>
+                          <a:latin typeface="微软雅黑" panose="020B0503020204020204" pitchFamily="34" charset="-122"/>
+                          <a:ea typeface="微软雅黑" panose="020B0503020204020204" pitchFamily="34" charset="-122"/>
                         </a:rPr>
                         <a:t>研究计划</a:t>
                       </a:r>
+                      <a:endParaRPr lang="zh-CN" altLang="en-US" b="0" dirty="0">
+                        <a:solidFill>
+                          <a:schemeClr val="accent1">
+                            <a:lumMod val="75000"/>
+                          </a:schemeClr>
+                        </a:solidFill>
+                        <a:latin typeface="微软雅黑" panose="020B0503020204020204" pitchFamily="34" charset="-122"/>
+                        <a:ea typeface="微软雅黑" panose="020B0503020204020204" pitchFamily="34" charset="-122"/>
+                      </a:endParaRPr>
                     </a:p>
                   </a:txBody>
                   <a:tcPr anchor="b">
@@ -20965,7 +20355,6 @@
                         <a:buSzTx/>
                         <a:buFontTx/>
                         <a:buNone/>
-                        <a:tabLst/>
                         <a:defRPr/>
                       </a:pPr>
                       <a:r>
@@ -20975,11 +20364,20 @@
                               <a:lumMod val="75000"/>
                             </a:schemeClr>
                           </a:solidFill>
-                          <a:latin typeface="微软雅黑" pitchFamily="34" charset="-122"/>
-                          <a:ea typeface="微软雅黑" pitchFamily="34" charset="-122"/>
+                          <a:latin typeface="微软雅黑" panose="020B0503020204020204" pitchFamily="34" charset="-122"/>
+                          <a:ea typeface="微软雅黑" panose="020B0503020204020204" pitchFamily="34" charset="-122"/>
                         </a:rPr>
                         <a:t>研究进展</a:t>
                       </a:r>
+                      <a:endParaRPr lang="zh-CN" altLang="en-US" b="0" dirty="0">
+                        <a:solidFill>
+                          <a:schemeClr val="accent1">
+                            <a:lumMod val="75000"/>
+                          </a:schemeClr>
+                        </a:solidFill>
+                        <a:latin typeface="微软雅黑" panose="020B0503020204020204" pitchFamily="34" charset="-122"/>
+                        <a:ea typeface="微软雅黑" panose="020B0503020204020204" pitchFamily="34" charset="-122"/>
+                      </a:endParaRPr>
                     </a:p>
                   </a:txBody>
                   <a:tcPr anchor="b">
@@ -21030,11 +20428,6 @@
                     <a:noFill/>
                   </a:tcPr>
                 </a:tc>
-                <a:extLst>
-                  <a:ext uri="{0D108BD9-81ED-4DB2-BD59-A6C34878D82A}">
-                    <a16:rowId xmlns:a16="http://schemas.microsoft.com/office/drawing/2014/main" val="10000"/>
-                  </a:ext>
-                </a:extLst>
               </a:tr>
               <a:tr h="164799">
                 <a:tc>
@@ -21049,8 +20442,8 @@
                             <a:lumMod val="75000"/>
                           </a:schemeClr>
                         </a:solidFill>
-                        <a:latin typeface="微软雅黑" pitchFamily="34" charset="-122"/>
-                        <a:ea typeface="微软雅黑" pitchFamily="34" charset="-122"/>
+                        <a:latin typeface="微软雅黑" panose="020B0503020204020204" pitchFamily="34" charset="-122"/>
+                        <a:ea typeface="微软雅黑" panose="020B0503020204020204" pitchFamily="34" charset="-122"/>
                       </a:endParaRPr>
                     </a:p>
                   </a:txBody>
@@ -21105,22 +20498,6 @@
                   </a:tcPr>
                 </a:tc>
                 <a:tc vMerge="1">
-                  <a:txBody>
-                    <a:bodyPr/>
-                    <a:lstStyle/>
-                    <a:p>
-                      <a:pPr algn="ctr"/>
-                      <a:endParaRPr lang="zh-CN" altLang="en-US" sz="100" b="0" dirty="0">
-                        <a:solidFill>
-                          <a:schemeClr val="accent1">
-                            <a:lumMod val="75000"/>
-                          </a:schemeClr>
-                        </a:solidFill>
-                        <a:latin typeface="微软雅黑" pitchFamily="34" charset="-122"/>
-                        <a:ea typeface="微软雅黑" pitchFamily="34" charset="-122"/>
-                      </a:endParaRPr>
-                    </a:p>
-                  </a:txBody>
                   <a:tcPr anchor="ctr">
                     <a:lnL w="57150" cap="flat" cmpd="sng" algn="ctr">
                       <a:solidFill>
@@ -21183,8 +20560,8 @@
                             <a:lumMod val="75000"/>
                           </a:schemeClr>
                         </a:solidFill>
-                        <a:latin typeface="微软雅黑" pitchFamily="34" charset="-122"/>
-                        <a:ea typeface="微软雅黑" pitchFamily="34" charset="-122"/>
+                        <a:latin typeface="微软雅黑" panose="020B0503020204020204" pitchFamily="34" charset="-122"/>
+                        <a:ea typeface="微软雅黑" panose="020B0503020204020204" pitchFamily="34" charset="-122"/>
                       </a:endParaRPr>
                     </a:p>
                   </a:txBody>
@@ -21250,8 +20627,8 @@
                             <a:lumMod val="75000"/>
                           </a:schemeClr>
                         </a:solidFill>
-                        <a:latin typeface="微软雅黑" pitchFamily="34" charset="-122"/>
-                        <a:ea typeface="微软雅黑" pitchFamily="34" charset="-122"/>
+                        <a:latin typeface="微软雅黑" panose="020B0503020204020204" pitchFamily="34" charset="-122"/>
+                        <a:ea typeface="微软雅黑" panose="020B0503020204020204" pitchFamily="34" charset="-122"/>
                       </a:endParaRPr>
                     </a:p>
                   </a:txBody>
@@ -21305,11 +20682,6 @@
                     </a:solidFill>
                   </a:tcPr>
                 </a:tc>
-                <a:extLst>
-                  <a:ext uri="{0D108BD9-81ED-4DB2-BD59-A6C34878D82A}">
-                    <a16:rowId xmlns:a16="http://schemas.microsoft.com/office/drawing/2014/main" val="10001"/>
-                  </a:ext>
-                </a:extLst>
               </a:tr>
             </a:tbl>
           </a:graphicData>
@@ -21317,13 +20689,7 @@
       </p:graphicFrame>
       <p:sp>
         <p:nvSpPr>
-          <p:cNvPr id="8" name="TextBox 9">
-            <a:extLst>
-              <a:ext uri="{FF2B5EF4-FFF2-40B4-BE49-F238E27FC236}">
-                <a16:creationId xmlns:a16="http://schemas.microsoft.com/office/drawing/2014/main" id="{302863C2-721E-4FA2-BF73-35D447CFCE71}"/>
-              </a:ext>
-            </a:extLst>
-          </p:cNvPr>
+          <p:cNvPr id="8" name="TextBox 9"/>
           <p:cNvSpPr txBox="1"/>
           <p:nvPr/>
         </p:nvSpPr>
@@ -21360,11 +20726,6 @@
         </p:txBody>
       </p:sp>
     </p:spTree>
-    <p:extLst>
-      <p:ext uri="{BB962C8B-B14F-4D97-AF65-F5344CB8AC3E}">
-        <p14:creationId xmlns:p14="http://schemas.microsoft.com/office/powerpoint/2010/main" val="4088927822"/>
-      </p:ext>
-    </p:extLst>
   </p:cSld>
   <p:clrMapOvr>
     <a:masterClrMapping/>
@@ -21391,13 +20752,7 @@
       </p:grpSpPr>
       <p:sp>
         <p:nvSpPr>
-          <p:cNvPr id="5" name="TextBox 9">
-            <a:extLst>
-              <a:ext uri="{FF2B5EF4-FFF2-40B4-BE49-F238E27FC236}">
-                <a16:creationId xmlns:a16="http://schemas.microsoft.com/office/drawing/2014/main" id="{A4E9D41F-65EC-47CE-89B5-8B5805863862}"/>
-              </a:ext>
-            </a:extLst>
-          </p:cNvPr>
+          <p:cNvPr id="5" name="TextBox 9"/>
           <p:cNvSpPr txBox="1"/>
           <p:nvPr/>
         </p:nvSpPr>
@@ -21468,13 +20823,7 @@
       </p:sp>
       <p:sp>
         <p:nvSpPr>
-          <p:cNvPr id="4" name="矩形: 圆角 3">
-            <a:extLst>
-              <a:ext uri="{FF2B5EF4-FFF2-40B4-BE49-F238E27FC236}">
-                <a16:creationId xmlns:a16="http://schemas.microsoft.com/office/drawing/2014/main" id="{843301AD-3408-4B03-9E3A-D37D5A9CE51D}"/>
-              </a:ext>
-            </a:extLst>
-          </p:cNvPr>
+          <p:cNvPr id="4" name="矩形: 圆角 3"/>
           <p:cNvSpPr/>
           <p:nvPr/>
         </p:nvSpPr>
@@ -21512,18 +20861,13 @@
               <a:rPr lang="zh-CN" altLang="en-US" dirty="0"/>
               <a:t>训练数据</a:t>
             </a:r>
+            <a:endParaRPr lang="zh-CN" altLang="en-US" dirty="0"/>
           </a:p>
         </p:txBody>
       </p:sp>
       <p:sp>
         <p:nvSpPr>
-          <p:cNvPr id="7" name="矩形: 圆角 6">
-            <a:extLst>
-              <a:ext uri="{FF2B5EF4-FFF2-40B4-BE49-F238E27FC236}">
-                <a16:creationId xmlns:a16="http://schemas.microsoft.com/office/drawing/2014/main" id="{3371D917-6D08-4961-A636-9EDFD693DA97}"/>
-              </a:ext>
-            </a:extLst>
-          </p:cNvPr>
+          <p:cNvPr id="7" name="矩形: 圆角 6"/>
           <p:cNvSpPr/>
           <p:nvPr/>
         </p:nvSpPr>
@@ -21561,18 +20905,13 @@
               <a:rPr lang="zh-CN" altLang="en-US" dirty="0"/>
               <a:t>模型一</a:t>
             </a:r>
+            <a:endParaRPr lang="zh-CN" altLang="en-US" dirty="0"/>
           </a:p>
         </p:txBody>
       </p:sp>
       <p:sp>
         <p:nvSpPr>
-          <p:cNvPr id="9" name="矩形: 圆角 8">
-            <a:extLst>
-              <a:ext uri="{FF2B5EF4-FFF2-40B4-BE49-F238E27FC236}">
-                <a16:creationId xmlns:a16="http://schemas.microsoft.com/office/drawing/2014/main" id="{3371D917-6D08-4961-A636-9EDFD693DA97}"/>
-              </a:ext>
-            </a:extLst>
-          </p:cNvPr>
+          <p:cNvPr id="9" name="矩形: 圆角 8"/>
           <p:cNvSpPr/>
           <p:nvPr/>
         </p:nvSpPr>
@@ -21710,13 +21049,7 @@
       </p:sp>
       <p:sp>
         <p:nvSpPr>
-          <p:cNvPr id="10" name="矩形: 圆角 9">
-            <a:extLst>
-              <a:ext uri="{FF2B5EF4-FFF2-40B4-BE49-F238E27FC236}">
-                <a16:creationId xmlns:a16="http://schemas.microsoft.com/office/drawing/2014/main" id="{40FC542E-4468-4E0A-ABEB-63FB060DECEB}"/>
-              </a:ext>
-            </a:extLst>
-          </p:cNvPr>
+          <p:cNvPr id="10" name="矩形: 圆角 9"/>
           <p:cNvSpPr/>
           <p:nvPr/>
         </p:nvSpPr>
@@ -21864,13 +21197,7 @@
       </p:sp>
       <p:cxnSp>
         <p:nvCxnSpPr>
-          <p:cNvPr id="16" name="直接箭头连接符 15">
-            <a:extLst>
-              <a:ext uri="{FF2B5EF4-FFF2-40B4-BE49-F238E27FC236}">
-                <a16:creationId xmlns:a16="http://schemas.microsoft.com/office/drawing/2014/main" id="{8E3E216E-8CFA-433B-B174-25C6B277777B}"/>
-              </a:ext>
-            </a:extLst>
-          </p:cNvPr>
+          <p:cNvPr id="16" name="直接箭头连接符 15"/>
           <p:cNvCxnSpPr>
             <a:stCxn id="4" idx="3"/>
             <a:endCxn id="7" idx="1"/>
@@ -21906,13 +21233,7 @@
       </p:cxnSp>
       <p:cxnSp>
         <p:nvCxnSpPr>
-          <p:cNvPr id="18" name="直接箭头连接符 17">
-            <a:extLst>
-              <a:ext uri="{FF2B5EF4-FFF2-40B4-BE49-F238E27FC236}">
-                <a16:creationId xmlns:a16="http://schemas.microsoft.com/office/drawing/2014/main" id="{0418B53F-737F-4B44-BB6B-B0DCE5B27790}"/>
-              </a:ext>
-            </a:extLst>
-          </p:cNvPr>
+          <p:cNvPr id="18" name="直接箭头连接符 17"/>
           <p:cNvCxnSpPr>
             <a:stCxn id="4" idx="3"/>
             <a:endCxn id="9" idx="1"/>
@@ -21948,13 +21269,7 @@
       </p:cxnSp>
       <p:cxnSp>
         <p:nvCxnSpPr>
-          <p:cNvPr id="20" name="直接箭头连接符 19">
-            <a:extLst>
-              <a:ext uri="{FF2B5EF4-FFF2-40B4-BE49-F238E27FC236}">
-                <a16:creationId xmlns:a16="http://schemas.microsoft.com/office/drawing/2014/main" id="{AFFED0E3-48BB-4D8F-9EC5-DF2B297E309B}"/>
-              </a:ext>
-            </a:extLst>
-          </p:cNvPr>
+          <p:cNvPr id="20" name="直接箭头连接符 19"/>
           <p:cNvCxnSpPr>
             <a:stCxn id="4" idx="3"/>
             <a:endCxn id="10" idx="1"/>
@@ -21990,13 +21305,7 @@
       </p:cxnSp>
       <p:sp>
         <p:nvSpPr>
-          <p:cNvPr id="23" name="矩形: 圆角 22">
-            <a:extLst>
-              <a:ext uri="{FF2B5EF4-FFF2-40B4-BE49-F238E27FC236}">
-                <a16:creationId xmlns:a16="http://schemas.microsoft.com/office/drawing/2014/main" id="{7754D864-4EDE-43EE-B7E9-9446C58EF13B}"/>
-              </a:ext>
-            </a:extLst>
-          </p:cNvPr>
+          <p:cNvPr id="23" name="矩形: 圆角 22"/>
           <p:cNvSpPr/>
           <p:nvPr/>
         </p:nvSpPr>
@@ -22034,18 +21343,13 @@
               <a:rPr lang="zh-CN" altLang="en-US" sz="1400" dirty="0"/>
               <a:t>基数分布参数</a:t>
             </a:r>
+            <a:endParaRPr lang="zh-CN" altLang="en-US" sz="1400" dirty="0"/>
           </a:p>
         </p:txBody>
       </p:sp>
       <p:sp>
         <p:nvSpPr>
-          <p:cNvPr id="24" name="矩形: 圆角 23">
-            <a:extLst>
-              <a:ext uri="{FF2B5EF4-FFF2-40B4-BE49-F238E27FC236}">
-                <a16:creationId xmlns:a16="http://schemas.microsoft.com/office/drawing/2014/main" id="{76F66858-1247-42B4-A6CE-129DE555FFD5}"/>
-              </a:ext>
-            </a:extLst>
-          </p:cNvPr>
+          <p:cNvPr id="24" name="矩形: 圆角 23"/>
           <p:cNvSpPr/>
           <p:nvPr/>
         </p:nvSpPr>
@@ -22083,18 +21387,13 @@
               <a:rPr lang="zh-CN" altLang="en-US" sz="1400" dirty="0"/>
               <a:t>特征分布参数</a:t>
             </a:r>
+            <a:endParaRPr lang="zh-CN" altLang="en-US" sz="1400" dirty="0"/>
           </a:p>
         </p:txBody>
       </p:sp>
       <p:sp>
         <p:nvSpPr>
-          <p:cNvPr id="39" name="文本框 38">
-            <a:extLst>
-              <a:ext uri="{FF2B5EF4-FFF2-40B4-BE49-F238E27FC236}">
-                <a16:creationId xmlns:a16="http://schemas.microsoft.com/office/drawing/2014/main" id="{9EB3E516-3260-47A6-AA66-07165CAF451E}"/>
-              </a:ext>
-            </a:extLst>
-          </p:cNvPr>
+          <p:cNvPr id="39" name="文本框 38"/>
           <p:cNvSpPr txBox="1"/>
           <p:nvPr/>
         </p:nvSpPr>
@@ -22132,13 +21431,7 @@
       </p:sp>
       <p:sp>
         <p:nvSpPr>
-          <p:cNvPr id="40" name="文本框 39">
-            <a:extLst>
-              <a:ext uri="{FF2B5EF4-FFF2-40B4-BE49-F238E27FC236}">
-                <a16:creationId xmlns:a16="http://schemas.microsoft.com/office/drawing/2014/main" id="{0FF236BB-762D-464C-AE04-F25205712DCF}"/>
-              </a:ext>
-            </a:extLst>
-          </p:cNvPr>
+          <p:cNvPr id="40" name="文本框 39"/>
           <p:cNvSpPr txBox="1"/>
           <p:nvPr/>
         </p:nvSpPr>
@@ -22173,20 +21466,17 @@
               </a:rPr>
               <a:t>参数采样</a:t>
             </a:r>
+            <a:endParaRPr lang="zh-CN" altLang="en-US" sz="1200" dirty="0">
+              <a:latin typeface="微软雅黑" panose="020B0503020204020204" pitchFamily="34" charset="-122"/>
+              <a:ea typeface="微软雅黑" panose="020B0503020204020204" pitchFamily="34" charset="-122"/>
+            </a:endParaRPr>
           </a:p>
         </p:txBody>
       </p:sp>
       <p:cxnSp>
         <p:nvCxnSpPr>
-          <p:cNvPr id="51" name="连接符: 肘形 50">
-            <a:extLst>
-              <a:ext uri="{FF2B5EF4-FFF2-40B4-BE49-F238E27FC236}">
-                <a16:creationId xmlns:a16="http://schemas.microsoft.com/office/drawing/2014/main" id="{27692408-3BEF-41FF-B9A0-6F4828A457F3}"/>
-              </a:ext>
-            </a:extLst>
-          </p:cNvPr>
+          <p:cNvPr id="51" name="连接符: 肘形 50"/>
           <p:cNvCxnSpPr>
-            <a:cxnSpLocks/>
             <a:stCxn id="7" idx="3"/>
             <a:endCxn id="23" idx="1"/>
           </p:cNvCxnSpPr>
@@ -22221,13 +21511,7 @@
       </p:cxnSp>
       <p:cxnSp>
         <p:nvCxnSpPr>
-          <p:cNvPr id="53" name="连接符: 肘形 52">
-            <a:extLst>
-              <a:ext uri="{FF2B5EF4-FFF2-40B4-BE49-F238E27FC236}">
-                <a16:creationId xmlns:a16="http://schemas.microsoft.com/office/drawing/2014/main" id="{C14F2D43-16EA-43A1-A785-25F7D28F8A07}"/>
-              </a:ext>
-            </a:extLst>
-          </p:cNvPr>
+          <p:cNvPr id="53" name="连接符: 肘形 52"/>
           <p:cNvCxnSpPr>
             <a:stCxn id="7" idx="3"/>
           </p:cNvCxnSpPr>
@@ -22262,13 +21546,7 @@
       </p:cxnSp>
       <p:sp>
         <p:nvSpPr>
-          <p:cNvPr id="55" name="矩形: 圆角 54">
-            <a:extLst>
-              <a:ext uri="{FF2B5EF4-FFF2-40B4-BE49-F238E27FC236}">
-                <a16:creationId xmlns:a16="http://schemas.microsoft.com/office/drawing/2014/main" id="{B19F0953-3D64-42A9-AAD4-9CBDBA2995F4}"/>
-              </a:ext>
-            </a:extLst>
-          </p:cNvPr>
+          <p:cNvPr id="55" name="矩形: 圆角 54"/>
           <p:cNvSpPr/>
           <p:nvPr/>
         </p:nvSpPr>
@@ -22306,18 +21584,13 @@
               <a:rPr lang="zh-CN" altLang="en-US" dirty="0"/>
               <a:t>学习得到的模型一</a:t>
             </a:r>
+            <a:endParaRPr lang="zh-CN" altLang="en-US" dirty="0"/>
           </a:p>
         </p:txBody>
       </p:sp>
       <p:cxnSp>
         <p:nvCxnSpPr>
-          <p:cNvPr id="57" name="连接符: 肘形 56">
-            <a:extLst>
-              <a:ext uri="{FF2B5EF4-FFF2-40B4-BE49-F238E27FC236}">
-                <a16:creationId xmlns:a16="http://schemas.microsoft.com/office/drawing/2014/main" id="{9E6C41EA-BCB1-40D2-AA6E-AD8C93E61C93}"/>
-              </a:ext>
-            </a:extLst>
-          </p:cNvPr>
+          <p:cNvPr id="57" name="连接符: 肘形 56"/>
           <p:cNvCxnSpPr>
             <a:stCxn id="23" idx="3"/>
             <a:endCxn id="55" idx="1"/>
@@ -22353,13 +21626,7 @@
       </p:cxnSp>
       <p:cxnSp>
         <p:nvCxnSpPr>
-          <p:cNvPr id="64" name="连接符: 肘形 63">
-            <a:extLst>
-              <a:ext uri="{FF2B5EF4-FFF2-40B4-BE49-F238E27FC236}">
-                <a16:creationId xmlns:a16="http://schemas.microsoft.com/office/drawing/2014/main" id="{172B9656-0327-4555-B871-DAAE282BB108}"/>
-              </a:ext>
-            </a:extLst>
-          </p:cNvPr>
+          <p:cNvPr id="64" name="连接符: 肘形 63"/>
           <p:cNvCxnSpPr>
             <a:stCxn id="24" idx="3"/>
             <a:endCxn id="55" idx="1"/>
@@ -22392,13 +21659,7 @@
       </p:cxnSp>
       <p:sp>
         <p:nvSpPr>
-          <p:cNvPr id="66" name="矩形: 圆角 65">
-            <a:extLst>
-              <a:ext uri="{FF2B5EF4-FFF2-40B4-BE49-F238E27FC236}">
-                <a16:creationId xmlns:a16="http://schemas.microsoft.com/office/drawing/2014/main" id="{EDED0911-3905-46EB-9468-BE4B3C642985}"/>
-              </a:ext>
-            </a:extLst>
-          </p:cNvPr>
+          <p:cNvPr id="66" name="矩形: 圆角 65"/>
           <p:cNvSpPr/>
           <p:nvPr/>
         </p:nvSpPr>
@@ -22536,13 +21797,7 @@
       </p:sp>
       <p:sp>
         <p:nvSpPr>
-          <p:cNvPr id="67" name="矩形: 圆角 66">
-            <a:extLst>
-              <a:ext uri="{FF2B5EF4-FFF2-40B4-BE49-F238E27FC236}">
-                <a16:creationId xmlns:a16="http://schemas.microsoft.com/office/drawing/2014/main" id="{D4892750-177B-4177-ABD5-71F647A5B135}"/>
-              </a:ext>
-            </a:extLst>
-          </p:cNvPr>
+          <p:cNvPr id="67" name="矩形: 圆角 66"/>
           <p:cNvSpPr/>
           <p:nvPr/>
         </p:nvSpPr>
@@ -22680,13 +21935,7 @@
       </p:sp>
       <p:sp>
         <p:nvSpPr>
-          <p:cNvPr id="68" name="矩形: 圆角 67">
-            <a:extLst>
-              <a:ext uri="{FF2B5EF4-FFF2-40B4-BE49-F238E27FC236}">
-                <a16:creationId xmlns:a16="http://schemas.microsoft.com/office/drawing/2014/main" id="{547FFF04-435E-4703-AC92-C1EDAF9A4D0F}"/>
-              </a:ext>
-            </a:extLst>
-          </p:cNvPr>
+          <p:cNvPr id="68" name="矩形: 圆角 67"/>
           <p:cNvSpPr/>
           <p:nvPr/>
         </p:nvSpPr>
@@ -22824,13 +22073,7 @@
       </p:sp>
       <p:sp>
         <p:nvSpPr>
-          <p:cNvPr id="70" name="矩形: 圆角 69">
-            <a:extLst>
-              <a:ext uri="{FF2B5EF4-FFF2-40B4-BE49-F238E27FC236}">
-                <a16:creationId xmlns:a16="http://schemas.microsoft.com/office/drawing/2014/main" id="{FC0F63E7-5185-4FD5-8D6C-15F34210C8E6}"/>
-              </a:ext>
-            </a:extLst>
-          </p:cNvPr>
+          <p:cNvPr id="70" name="矩形: 圆角 69"/>
           <p:cNvSpPr/>
           <p:nvPr/>
         </p:nvSpPr>
@@ -22884,15 +22127,8 @@
       </p:sp>
       <p:cxnSp>
         <p:nvCxnSpPr>
-          <p:cNvPr id="72" name="直接箭头连接符 71">
-            <a:extLst>
-              <a:ext uri="{FF2B5EF4-FFF2-40B4-BE49-F238E27FC236}">
-                <a16:creationId xmlns:a16="http://schemas.microsoft.com/office/drawing/2014/main" id="{BA83E086-3FE5-477F-B171-CF718D2D9027}"/>
-              </a:ext>
-            </a:extLst>
-          </p:cNvPr>
+          <p:cNvPr id="72" name="直接箭头连接符 71"/>
           <p:cNvCxnSpPr>
-            <a:cxnSpLocks/>
             <a:stCxn id="9" idx="3"/>
             <a:endCxn id="66" idx="1"/>
           </p:cNvCxnSpPr>
@@ -22927,13 +22163,7 @@
       </p:cxnSp>
       <p:cxnSp>
         <p:nvCxnSpPr>
-          <p:cNvPr id="78" name="直接箭头连接符 77">
-            <a:extLst>
-              <a:ext uri="{FF2B5EF4-FFF2-40B4-BE49-F238E27FC236}">
-                <a16:creationId xmlns:a16="http://schemas.microsoft.com/office/drawing/2014/main" id="{913A2ED1-3F23-492C-8248-9C2B4465EAE5}"/>
-              </a:ext>
-            </a:extLst>
-          </p:cNvPr>
+          <p:cNvPr id="78" name="直接箭头连接符 77"/>
           <p:cNvCxnSpPr>
             <a:stCxn id="10" idx="3"/>
             <a:endCxn id="67" idx="1"/>
@@ -22969,13 +22199,7 @@
       </p:cxnSp>
       <p:cxnSp>
         <p:nvCxnSpPr>
-          <p:cNvPr id="80" name="直接箭头连接符 79">
-            <a:extLst>
-              <a:ext uri="{FF2B5EF4-FFF2-40B4-BE49-F238E27FC236}">
-                <a16:creationId xmlns:a16="http://schemas.microsoft.com/office/drawing/2014/main" id="{40FEE120-A723-42AD-8651-DB9E784E458C}"/>
-              </a:ext>
-            </a:extLst>
-          </p:cNvPr>
+          <p:cNvPr id="80" name="直接箭头连接符 79"/>
           <p:cNvCxnSpPr>
             <a:stCxn id="66" idx="3"/>
             <a:endCxn id="68" idx="1"/>
@@ -23011,13 +22235,7 @@
       </p:cxnSp>
       <p:cxnSp>
         <p:nvCxnSpPr>
-          <p:cNvPr id="83" name="直接箭头连接符 82">
-            <a:extLst>
-              <a:ext uri="{FF2B5EF4-FFF2-40B4-BE49-F238E27FC236}">
-                <a16:creationId xmlns:a16="http://schemas.microsoft.com/office/drawing/2014/main" id="{93639859-E7DA-4E29-B0B3-D041B4809948}"/>
-              </a:ext>
-            </a:extLst>
-          </p:cNvPr>
+          <p:cNvPr id="83" name="直接箭头连接符 82"/>
           <p:cNvCxnSpPr>
             <a:stCxn id="67" idx="3"/>
             <a:endCxn id="70" idx="1"/>
@@ -23053,13 +22271,7 @@
       </p:cxnSp>
       <p:sp>
         <p:nvSpPr>
-          <p:cNvPr id="89" name="矩形: 圆角 88">
-            <a:extLst>
-              <a:ext uri="{FF2B5EF4-FFF2-40B4-BE49-F238E27FC236}">
-                <a16:creationId xmlns:a16="http://schemas.microsoft.com/office/drawing/2014/main" id="{83A3AC45-BE79-426C-84A9-3D59C41E584F}"/>
-              </a:ext>
-            </a:extLst>
-          </p:cNvPr>
+          <p:cNvPr id="89" name="矩形: 圆角 88"/>
           <p:cNvSpPr/>
           <p:nvPr/>
         </p:nvSpPr>
@@ -23203,13 +22415,7 @@
       </p:sp>
       <p:sp>
         <p:nvSpPr>
-          <p:cNvPr id="96" name="矩形: 圆角 95">
-            <a:extLst>
-              <a:ext uri="{FF2B5EF4-FFF2-40B4-BE49-F238E27FC236}">
-                <a16:creationId xmlns:a16="http://schemas.microsoft.com/office/drawing/2014/main" id="{D0BF88C9-1A05-47DA-BDB5-EDF61E88C9CE}"/>
-              </a:ext>
-            </a:extLst>
-          </p:cNvPr>
+          <p:cNvPr id="96" name="矩形: 圆角 95"/>
           <p:cNvSpPr/>
           <p:nvPr/>
         </p:nvSpPr>
@@ -23341,18 +22547,13 @@
               <a:rPr lang="zh-CN" altLang="en-US" dirty="0"/>
               <a:t>最优模型</a:t>
             </a:r>
+            <a:endParaRPr lang="zh-CN" altLang="en-US" dirty="0"/>
           </a:p>
         </p:txBody>
       </p:sp>
       <p:cxnSp>
         <p:nvCxnSpPr>
-          <p:cNvPr id="98" name="直接箭头连接符 97">
-            <a:extLst>
-              <a:ext uri="{FF2B5EF4-FFF2-40B4-BE49-F238E27FC236}">
-                <a16:creationId xmlns:a16="http://schemas.microsoft.com/office/drawing/2014/main" id="{B64225A5-C38F-4B8E-9BA6-79A67AFDF010}"/>
-              </a:ext>
-            </a:extLst>
-          </p:cNvPr>
+          <p:cNvPr id="98" name="直接箭头连接符 97"/>
           <p:cNvCxnSpPr>
             <a:stCxn id="89" idx="3"/>
             <a:endCxn id="96" idx="1"/>
@@ -23388,13 +22589,7 @@
       </p:cxnSp>
       <p:cxnSp>
         <p:nvCxnSpPr>
-          <p:cNvPr id="102" name="直接连接符 101">
-            <a:extLst>
-              <a:ext uri="{FF2B5EF4-FFF2-40B4-BE49-F238E27FC236}">
-                <a16:creationId xmlns:a16="http://schemas.microsoft.com/office/drawing/2014/main" id="{2C5D009E-CF6D-438C-AA4E-6CB62FD46FAC}"/>
-              </a:ext>
-            </a:extLst>
-          </p:cNvPr>
+          <p:cNvPr id="102" name="直接连接符 101"/>
           <p:cNvCxnSpPr/>
           <p:nvPr/>
         </p:nvCxnSpPr>
@@ -23424,13 +22619,7 @@
       </p:cxnSp>
       <p:cxnSp>
         <p:nvCxnSpPr>
-          <p:cNvPr id="103" name="直接连接符 102">
-            <a:extLst>
-              <a:ext uri="{FF2B5EF4-FFF2-40B4-BE49-F238E27FC236}">
-                <a16:creationId xmlns:a16="http://schemas.microsoft.com/office/drawing/2014/main" id="{104F1118-68EB-4D5B-895B-5929109509B8}"/>
-              </a:ext>
-            </a:extLst>
-          </p:cNvPr>
+          <p:cNvPr id="103" name="直接连接符 102"/>
           <p:cNvCxnSpPr/>
           <p:nvPr/>
         </p:nvCxnSpPr>
@@ -23460,13 +22649,7 @@
       </p:cxnSp>
       <p:cxnSp>
         <p:nvCxnSpPr>
-          <p:cNvPr id="105" name="直接连接符 104">
-            <a:extLst>
-              <a:ext uri="{FF2B5EF4-FFF2-40B4-BE49-F238E27FC236}">
-                <a16:creationId xmlns:a16="http://schemas.microsoft.com/office/drawing/2014/main" id="{23724E19-8DC4-40FF-B482-AFCA77EF1E7F}"/>
-              </a:ext>
-            </a:extLst>
-          </p:cNvPr>
+          <p:cNvPr id="105" name="直接连接符 104"/>
           <p:cNvCxnSpPr/>
           <p:nvPr/>
         </p:nvCxnSpPr>
@@ -23496,13 +22679,7 @@
       </p:cxnSp>
       <p:cxnSp>
         <p:nvCxnSpPr>
-          <p:cNvPr id="106" name="直接连接符 105">
-            <a:extLst>
-              <a:ext uri="{FF2B5EF4-FFF2-40B4-BE49-F238E27FC236}">
-                <a16:creationId xmlns:a16="http://schemas.microsoft.com/office/drawing/2014/main" id="{23BA3C15-8E88-4E66-B4E0-A17B1E458D3D}"/>
-              </a:ext>
-            </a:extLst>
-          </p:cNvPr>
+          <p:cNvPr id="106" name="直接连接符 105"/>
           <p:cNvCxnSpPr/>
           <p:nvPr/>
         </p:nvCxnSpPr>
@@ -23532,13 +22709,7 @@
       </p:cxnSp>
       <p:sp>
         <p:nvSpPr>
-          <p:cNvPr id="107" name="文本框 106">
-            <a:extLst>
-              <a:ext uri="{FF2B5EF4-FFF2-40B4-BE49-F238E27FC236}">
-                <a16:creationId xmlns:a16="http://schemas.microsoft.com/office/drawing/2014/main" id="{24676F47-579E-448C-B61D-04327BC74D3C}"/>
-              </a:ext>
-            </a:extLst>
-          </p:cNvPr>
+          <p:cNvPr id="107" name="文本框 106"/>
           <p:cNvSpPr txBox="1"/>
           <p:nvPr/>
         </p:nvSpPr>
@@ -23596,13 +22767,7 @@
       </p:sp>
       <p:cxnSp>
         <p:nvCxnSpPr>
-          <p:cNvPr id="121" name="直接箭头连接符 120">
-            <a:extLst>
-              <a:ext uri="{FF2B5EF4-FFF2-40B4-BE49-F238E27FC236}">
-                <a16:creationId xmlns:a16="http://schemas.microsoft.com/office/drawing/2014/main" id="{FB8D6F4A-3806-460F-AED3-FBA144832462}"/>
-              </a:ext>
-            </a:extLst>
-          </p:cNvPr>
+          <p:cNvPr id="121" name="直接箭头连接符 120"/>
           <p:cNvCxnSpPr>
             <a:stCxn id="55" idx="3"/>
           </p:cNvCxnSpPr>
@@ -23637,13 +22802,7 @@
       </p:cxnSp>
       <p:cxnSp>
         <p:nvCxnSpPr>
-          <p:cNvPr id="123" name="直接箭头连接符 122">
-            <a:extLst>
-              <a:ext uri="{FF2B5EF4-FFF2-40B4-BE49-F238E27FC236}">
-                <a16:creationId xmlns:a16="http://schemas.microsoft.com/office/drawing/2014/main" id="{D6CED391-86D4-4E24-ACAB-9B2D6D1F77F0}"/>
-              </a:ext>
-            </a:extLst>
-          </p:cNvPr>
+          <p:cNvPr id="123" name="直接箭头连接符 122"/>
           <p:cNvCxnSpPr>
             <a:stCxn id="70" idx="3"/>
           </p:cNvCxnSpPr>
@@ -23678,13 +22837,7 @@
       </p:cxnSp>
       <p:cxnSp>
         <p:nvCxnSpPr>
-          <p:cNvPr id="125" name="直接箭头连接符 124">
-            <a:extLst>
-              <a:ext uri="{FF2B5EF4-FFF2-40B4-BE49-F238E27FC236}">
-                <a16:creationId xmlns:a16="http://schemas.microsoft.com/office/drawing/2014/main" id="{D20329C2-AB9E-4C30-9334-2DDB464AF5BE}"/>
-              </a:ext>
-            </a:extLst>
-          </p:cNvPr>
+          <p:cNvPr id="125" name="直接箭头连接符 124"/>
           <p:cNvCxnSpPr>
             <a:stCxn id="68" idx="3"/>
             <a:endCxn id="89" idx="1"/>
@@ -23720,23 +22873,11 @@
       </p:cxnSp>
       <p:graphicFrame>
         <p:nvGraphicFramePr>
-          <p:cNvPr id="126" name="对象 125">
-            <a:extLst>
-              <a:ext uri="{FF2B5EF4-FFF2-40B4-BE49-F238E27FC236}">
-                <a16:creationId xmlns:a16="http://schemas.microsoft.com/office/drawing/2014/main" id="{E3F75407-6EEA-4F43-AEB2-5F73410821B0}"/>
-              </a:ext>
-            </a:extLst>
-          </p:cNvPr>
+          <p:cNvPr id="126" name="对象 125"/>
           <p:cNvGraphicFramePr>
             <a:graphicFrameLocks noChangeAspect="1"/>
           </p:cNvGraphicFramePr>
-          <p:nvPr>
-            <p:extLst>
-              <p:ext uri="{D42A27DB-BD31-4B8C-83A1-F6EECF244321}">
-                <p14:modId xmlns:p14="http://schemas.microsoft.com/office/powerpoint/2010/main" val="1358411580"/>
-              </p:ext>
-            </p:extLst>
-          </p:nvPr>
+          <p:nvPr/>
         </p:nvGraphicFramePr>
         <p:xfrm>
           <a:off x="7978509" y="1481513"/>
@@ -23746,21 +22887,21 @@
           <a:graphicData uri="http://schemas.openxmlformats.org/presentationml/2006/ole">
             <mc:AlternateContent xmlns:mc="http://schemas.openxmlformats.org/markup-compatibility/2006">
               <mc:Choice xmlns:v="urn:schemas-microsoft-com:vml" Requires="v">
-                <p:oleObj spid="_x0000_s8240" name="Equation" r:id="rId4" imgW="2755800" imgH="1320480" progId="Equation.DSMT4">
+                <p:oleObj spid="_x0000_s8240" name="Equation" r:id="rId1" imgW="66141600" imgH="31699200" progId="Equation.DSMT4">
                   <p:embed/>
                 </p:oleObj>
               </mc:Choice>
               <mc:Fallback>
-                <p:oleObj name="Equation" r:id="rId4" imgW="2755800" imgH="1320480" progId="Equation.DSMT4">
+                <p:oleObj name="Equation" r:id="rId1" imgW="66141600" imgH="31699200" progId="Equation.DSMT4">
                   <p:embed/>
                   <p:pic>
                     <p:nvPicPr>
-                      <p:cNvPr id="0" name=""/>
+                      <p:cNvPr id="0" name="图片 8239"/>
                       <p:cNvPicPr/>
                       <p:nvPr/>
                     </p:nvPicPr>
                     <p:blipFill>
-                      <a:blip r:embed="rId5"/>
+                      <a:blip r:embed="rId2"/>
                       <a:stretch>
                         <a:fillRect/>
                       </a:stretch>
@@ -23783,23 +22924,11 @@
       </p:graphicFrame>
       <p:graphicFrame>
         <p:nvGraphicFramePr>
-          <p:cNvPr id="127" name="表格 126">
-            <a:extLst>
-              <a:ext uri="{FF2B5EF4-FFF2-40B4-BE49-F238E27FC236}">
-                <a16:creationId xmlns:a16="http://schemas.microsoft.com/office/drawing/2014/main" id="{22554575-F9BA-48D5-9C83-1349E39BDBB2}"/>
-              </a:ext>
-            </a:extLst>
-          </p:cNvPr>
+          <p:cNvPr id="127" name="表格 126"/>
           <p:cNvGraphicFramePr>
             <a:graphicFrameLocks noGrp="1"/>
           </p:cNvGraphicFramePr>
-          <p:nvPr>
-            <p:extLst>
-              <p:ext uri="{D42A27DB-BD31-4B8C-83A1-F6EECF244321}">
-                <p14:modId xmlns:p14="http://schemas.microsoft.com/office/powerpoint/2010/main" val="2807852200"/>
-              </p:ext>
-            </p:extLst>
-          </p:nvPr>
+          <p:nvPr/>
         </p:nvGraphicFramePr>
         <p:xfrm>
           <a:off x="1847528" y="548680"/>
@@ -23812,34 +22941,10 @@
                 <a:tableStyleId>{5C22544A-7EE6-4342-B048-85BDC9FD1C3A}</a:tableStyleId>
               </a:tblPr>
               <a:tblGrid>
-                <a:gridCol w="2308543">
-                  <a:extLst>
-                    <a:ext uri="{9D8B030D-6E8A-4147-A177-3AD203B41FA5}">
-                      <a16:colId xmlns:a16="http://schemas.microsoft.com/office/drawing/2014/main" val="20001"/>
-                    </a:ext>
-                  </a:extLst>
-                </a:gridCol>
-                <a:gridCol w="1656000">
-                  <a:extLst>
-                    <a:ext uri="{9D8B030D-6E8A-4147-A177-3AD203B41FA5}">
-                      <a16:colId xmlns:a16="http://schemas.microsoft.com/office/drawing/2014/main" val="20002"/>
-                    </a:ext>
-                  </a:extLst>
-                </a:gridCol>
-                <a:gridCol w="1656000">
-                  <a:extLst>
-                    <a:ext uri="{9D8B030D-6E8A-4147-A177-3AD203B41FA5}">
-                      <a16:colId xmlns:a16="http://schemas.microsoft.com/office/drawing/2014/main" val="20003"/>
-                    </a:ext>
-                  </a:extLst>
-                </a:gridCol>
-                <a:gridCol w="1656000">
-                  <a:extLst>
-                    <a:ext uri="{9D8B030D-6E8A-4147-A177-3AD203B41FA5}">
-                      <a16:colId xmlns:a16="http://schemas.microsoft.com/office/drawing/2014/main" val="4231623938"/>
-                    </a:ext>
-                  </a:extLst>
-                </a:gridCol>
+                <a:gridCol w="2308543"/>
+                <a:gridCol w="1656000"/>
+                <a:gridCol w="1656000"/>
+                <a:gridCol w="1656000"/>
               </a:tblGrid>
               <a:tr h="497601">
                 <a:tc>
@@ -23855,11 +22960,20 @@
                               <a:lumMod val="75000"/>
                             </a:schemeClr>
                           </a:solidFill>
-                          <a:latin typeface="微软雅黑" pitchFamily="34" charset="-122"/>
-                          <a:ea typeface="微软雅黑" pitchFamily="34" charset="-122"/>
+                          <a:latin typeface="微软雅黑" panose="020B0503020204020204" pitchFamily="34" charset="-122"/>
+                          <a:ea typeface="微软雅黑" panose="020B0503020204020204" pitchFamily="34" charset="-122"/>
                         </a:rPr>
                         <a:t>背景介绍及研究意义</a:t>
                       </a:r>
+                      <a:endParaRPr lang="zh-CN" altLang="en-US" b="0" dirty="0">
+                        <a:solidFill>
+                          <a:schemeClr val="accent1">
+                            <a:lumMod val="75000"/>
+                          </a:schemeClr>
+                        </a:solidFill>
+                        <a:latin typeface="微软雅黑" panose="020B0503020204020204" pitchFamily="34" charset="-122"/>
+                        <a:ea typeface="微软雅黑" panose="020B0503020204020204" pitchFamily="34" charset="-122"/>
+                      </a:endParaRPr>
                     </a:p>
                   </a:txBody>
                   <a:tcPr anchor="b">
@@ -23929,7 +23043,6 @@
                         <a:buSzTx/>
                         <a:buFontTx/>
                         <a:buNone/>
-                        <a:tabLst/>
                         <a:defRPr/>
                       </a:pPr>
                       <a:r>
@@ -23937,11 +23050,18 @@
                           <a:solidFill>
                             <a:schemeClr val="bg1"/>
                           </a:solidFill>
-                          <a:latin typeface="微软雅黑" pitchFamily="34" charset="-122"/>
-                          <a:ea typeface="微软雅黑" pitchFamily="34" charset="-122"/>
+                          <a:latin typeface="微软雅黑" panose="020B0503020204020204" pitchFamily="34" charset="-122"/>
+                          <a:ea typeface="微软雅黑" panose="020B0503020204020204" pitchFamily="34" charset="-122"/>
                         </a:rPr>
                         <a:t>研究内容</a:t>
                       </a:r>
+                      <a:endParaRPr lang="zh-CN" altLang="en-US" b="1" dirty="0">
+                        <a:solidFill>
+                          <a:schemeClr val="bg1"/>
+                        </a:solidFill>
+                        <a:latin typeface="微软雅黑" panose="020B0503020204020204" pitchFamily="34" charset="-122"/>
+                        <a:ea typeface="微软雅黑" panose="020B0503020204020204" pitchFamily="34" charset="-122"/>
+                      </a:endParaRPr>
                     </a:p>
                   </a:txBody>
                   <a:tcPr anchor="ctr">
@@ -24013,7 +23133,6 @@
                         <a:buSzTx/>
                         <a:buFontTx/>
                         <a:buNone/>
-                        <a:tabLst/>
                         <a:defRPr/>
                       </a:pPr>
                       <a:r>
@@ -24023,11 +23142,20 @@
                               <a:lumMod val="75000"/>
                             </a:schemeClr>
                           </a:solidFill>
-                          <a:latin typeface="微软雅黑" pitchFamily="34" charset="-122"/>
-                          <a:ea typeface="微软雅黑" pitchFamily="34" charset="-122"/>
+                          <a:latin typeface="微软雅黑" panose="020B0503020204020204" pitchFamily="34" charset="-122"/>
+                          <a:ea typeface="微软雅黑" panose="020B0503020204020204" pitchFamily="34" charset="-122"/>
                         </a:rPr>
                         <a:t>研究计划</a:t>
                       </a:r>
+                      <a:endParaRPr lang="zh-CN" altLang="en-US" b="0" dirty="0">
+                        <a:solidFill>
+                          <a:schemeClr val="accent1">
+                            <a:lumMod val="75000"/>
+                          </a:schemeClr>
+                        </a:solidFill>
+                        <a:latin typeface="微软雅黑" panose="020B0503020204020204" pitchFamily="34" charset="-122"/>
+                        <a:ea typeface="微软雅黑" panose="020B0503020204020204" pitchFamily="34" charset="-122"/>
+                      </a:endParaRPr>
                     </a:p>
                   </a:txBody>
                   <a:tcPr anchor="b">
@@ -24097,7 +23225,6 @@
                         <a:buSzTx/>
                         <a:buFontTx/>
                         <a:buNone/>
-                        <a:tabLst/>
                         <a:defRPr/>
                       </a:pPr>
                       <a:r>
@@ -24107,11 +23234,20 @@
                               <a:lumMod val="75000"/>
                             </a:schemeClr>
                           </a:solidFill>
-                          <a:latin typeface="微软雅黑" pitchFamily="34" charset="-122"/>
-                          <a:ea typeface="微软雅黑" pitchFamily="34" charset="-122"/>
+                          <a:latin typeface="微软雅黑" panose="020B0503020204020204" pitchFamily="34" charset="-122"/>
+                          <a:ea typeface="微软雅黑" panose="020B0503020204020204" pitchFamily="34" charset="-122"/>
                         </a:rPr>
                         <a:t>研究进展</a:t>
                       </a:r>
+                      <a:endParaRPr lang="zh-CN" altLang="en-US" b="0" dirty="0">
+                        <a:solidFill>
+                          <a:schemeClr val="accent1">
+                            <a:lumMod val="75000"/>
+                          </a:schemeClr>
+                        </a:solidFill>
+                        <a:latin typeface="微软雅黑" panose="020B0503020204020204" pitchFamily="34" charset="-122"/>
+                        <a:ea typeface="微软雅黑" panose="020B0503020204020204" pitchFamily="34" charset="-122"/>
+                      </a:endParaRPr>
                     </a:p>
                   </a:txBody>
                   <a:tcPr anchor="b">
@@ -24162,11 +23298,6 @@
                     <a:noFill/>
                   </a:tcPr>
                 </a:tc>
-                <a:extLst>
-                  <a:ext uri="{0D108BD9-81ED-4DB2-BD59-A6C34878D82A}">
-                    <a16:rowId xmlns:a16="http://schemas.microsoft.com/office/drawing/2014/main" val="10000"/>
-                  </a:ext>
-                </a:extLst>
               </a:tr>
               <a:tr h="164799">
                 <a:tc>
@@ -24181,8 +23312,8 @@
                             <a:lumMod val="75000"/>
                           </a:schemeClr>
                         </a:solidFill>
-                        <a:latin typeface="微软雅黑" pitchFamily="34" charset="-122"/>
-                        <a:ea typeface="微软雅黑" pitchFamily="34" charset="-122"/>
+                        <a:latin typeface="微软雅黑" panose="020B0503020204020204" pitchFamily="34" charset="-122"/>
+                        <a:ea typeface="微软雅黑" panose="020B0503020204020204" pitchFamily="34" charset="-122"/>
                       </a:endParaRPr>
                     </a:p>
                   </a:txBody>
@@ -24237,22 +23368,6 @@
                   </a:tcPr>
                 </a:tc>
                 <a:tc vMerge="1">
-                  <a:txBody>
-                    <a:bodyPr/>
-                    <a:lstStyle/>
-                    <a:p>
-                      <a:pPr algn="ctr"/>
-                      <a:endParaRPr lang="zh-CN" altLang="en-US" sz="100" b="0" dirty="0">
-                        <a:solidFill>
-                          <a:schemeClr val="accent1">
-                            <a:lumMod val="75000"/>
-                          </a:schemeClr>
-                        </a:solidFill>
-                        <a:latin typeface="微软雅黑" pitchFamily="34" charset="-122"/>
-                        <a:ea typeface="微软雅黑" pitchFamily="34" charset="-122"/>
-                      </a:endParaRPr>
-                    </a:p>
-                  </a:txBody>
                   <a:tcPr anchor="ctr">
                     <a:lnL w="57150" cap="flat" cmpd="sng" algn="ctr">
                       <a:solidFill>
@@ -24315,8 +23430,8 @@
                             <a:lumMod val="75000"/>
                           </a:schemeClr>
                         </a:solidFill>
-                        <a:latin typeface="微软雅黑" pitchFamily="34" charset="-122"/>
-                        <a:ea typeface="微软雅黑" pitchFamily="34" charset="-122"/>
+                        <a:latin typeface="微软雅黑" panose="020B0503020204020204" pitchFamily="34" charset="-122"/>
+                        <a:ea typeface="微软雅黑" panose="020B0503020204020204" pitchFamily="34" charset="-122"/>
                       </a:endParaRPr>
                     </a:p>
                   </a:txBody>
@@ -24382,8 +23497,8 @@
                             <a:lumMod val="75000"/>
                           </a:schemeClr>
                         </a:solidFill>
-                        <a:latin typeface="微软雅黑" pitchFamily="34" charset="-122"/>
-                        <a:ea typeface="微软雅黑" pitchFamily="34" charset="-122"/>
+                        <a:latin typeface="微软雅黑" panose="020B0503020204020204" pitchFamily="34" charset="-122"/>
+                        <a:ea typeface="微软雅黑" panose="020B0503020204020204" pitchFamily="34" charset="-122"/>
                       </a:endParaRPr>
                     </a:p>
                   </a:txBody>
@@ -24437,22 +23552,12 @@
                     </a:solidFill>
                   </a:tcPr>
                 </a:tc>
-                <a:extLst>
-                  <a:ext uri="{0D108BD9-81ED-4DB2-BD59-A6C34878D82A}">
-                    <a16:rowId xmlns:a16="http://schemas.microsoft.com/office/drawing/2014/main" val="10001"/>
-                  </a:ext>
-                </a:extLst>
               </a:tr>
             </a:tbl>
           </a:graphicData>
         </a:graphic>
       </p:graphicFrame>
     </p:spTree>
-    <p:extLst>
-      <p:ext uri="{BB962C8B-B14F-4D97-AF65-F5344CB8AC3E}">
-        <p14:creationId xmlns:p14="http://schemas.microsoft.com/office/powerpoint/2010/main" val="252993132"/>
-      </p:ext>
-    </p:extLst>
   </p:cSld>
   <p:clrMapOvr>
     <a:masterClrMapping/>
@@ -24479,13 +23584,7 @@
       </p:grpSpPr>
       <p:sp>
         <p:nvSpPr>
-          <p:cNvPr id="3" name="矩形 2">
-            <a:extLst>
-              <a:ext uri="{FF2B5EF4-FFF2-40B4-BE49-F238E27FC236}">
-                <a16:creationId xmlns:a16="http://schemas.microsoft.com/office/drawing/2014/main" id="{C7318055-86B6-4E43-B3C2-20A2B1E76418}"/>
-              </a:ext>
-            </a:extLst>
-          </p:cNvPr>
+          <p:cNvPr id="3" name="矩形 2"/>
           <p:cNvSpPr/>
           <p:nvPr/>
         </p:nvSpPr>
@@ -24530,13 +23629,7 @@
       </p:sp>
       <p:sp>
         <p:nvSpPr>
-          <p:cNvPr id="28" name="文本框 27">
-            <a:extLst>
-              <a:ext uri="{FF2B5EF4-FFF2-40B4-BE49-F238E27FC236}">
-                <a16:creationId xmlns:a16="http://schemas.microsoft.com/office/drawing/2014/main" id="{B17AC3EC-3FF2-43E6-8255-F191E2654396}"/>
-              </a:ext>
-            </a:extLst>
-          </p:cNvPr>
+          <p:cNvPr id="28" name="文本框 27"/>
           <p:cNvSpPr txBox="1"/>
           <p:nvPr/>
         </p:nvSpPr>
@@ -24560,28 +23653,17 @@
               <a:rPr lang="zh-CN" altLang="en-US" sz="1400" dirty="0"/>
               <a:t>图一</a:t>
             </a:r>
+            <a:endParaRPr lang="zh-CN" altLang="en-US" sz="1400" dirty="0"/>
           </a:p>
         </p:txBody>
       </p:sp>
       <p:graphicFrame>
         <p:nvGraphicFramePr>
-          <p:cNvPr id="30" name="表格 29">
-            <a:extLst>
-              <a:ext uri="{FF2B5EF4-FFF2-40B4-BE49-F238E27FC236}">
-                <a16:creationId xmlns:a16="http://schemas.microsoft.com/office/drawing/2014/main" id="{F97F85CC-F96C-407D-A8D3-55374259844E}"/>
-              </a:ext>
-            </a:extLst>
-          </p:cNvPr>
+          <p:cNvPr id="30" name="表格 29"/>
           <p:cNvGraphicFramePr>
             <a:graphicFrameLocks noGrp="1"/>
           </p:cNvGraphicFramePr>
-          <p:nvPr>
-            <p:extLst>
-              <p:ext uri="{D42A27DB-BD31-4B8C-83A1-F6EECF244321}">
-                <p14:modId xmlns:p14="http://schemas.microsoft.com/office/powerpoint/2010/main" val="2807852200"/>
-              </p:ext>
-            </p:extLst>
-          </p:nvPr>
+          <p:nvPr/>
         </p:nvGraphicFramePr>
         <p:xfrm>
           <a:off x="1847528" y="548680"/>
@@ -24594,34 +23676,10 @@
                 <a:tableStyleId>{5C22544A-7EE6-4342-B048-85BDC9FD1C3A}</a:tableStyleId>
               </a:tblPr>
               <a:tblGrid>
-                <a:gridCol w="2308543">
-                  <a:extLst>
-                    <a:ext uri="{9D8B030D-6E8A-4147-A177-3AD203B41FA5}">
-                      <a16:colId xmlns:a16="http://schemas.microsoft.com/office/drawing/2014/main" val="20001"/>
-                    </a:ext>
-                  </a:extLst>
-                </a:gridCol>
-                <a:gridCol w="1656000">
-                  <a:extLst>
-                    <a:ext uri="{9D8B030D-6E8A-4147-A177-3AD203B41FA5}">
-                      <a16:colId xmlns:a16="http://schemas.microsoft.com/office/drawing/2014/main" val="20002"/>
-                    </a:ext>
-                  </a:extLst>
-                </a:gridCol>
-                <a:gridCol w="1656000">
-                  <a:extLst>
-                    <a:ext uri="{9D8B030D-6E8A-4147-A177-3AD203B41FA5}">
-                      <a16:colId xmlns:a16="http://schemas.microsoft.com/office/drawing/2014/main" val="20003"/>
-                    </a:ext>
-                  </a:extLst>
-                </a:gridCol>
-                <a:gridCol w="1656000">
-                  <a:extLst>
-                    <a:ext uri="{9D8B030D-6E8A-4147-A177-3AD203B41FA5}">
-                      <a16:colId xmlns:a16="http://schemas.microsoft.com/office/drawing/2014/main" val="4231623938"/>
-                    </a:ext>
-                  </a:extLst>
-                </a:gridCol>
+                <a:gridCol w="2308543"/>
+                <a:gridCol w="1656000"/>
+                <a:gridCol w="1656000"/>
+                <a:gridCol w="1656000"/>
               </a:tblGrid>
               <a:tr h="497601">
                 <a:tc>
@@ -24637,11 +23695,20 @@
                               <a:lumMod val="75000"/>
                             </a:schemeClr>
                           </a:solidFill>
-                          <a:latin typeface="微软雅黑" pitchFamily="34" charset="-122"/>
-                          <a:ea typeface="微软雅黑" pitchFamily="34" charset="-122"/>
+                          <a:latin typeface="微软雅黑" panose="020B0503020204020204" pitchFamily="34" charset="-122"/>
+                          <a:ea typeface="微软雅黑" panose="020B0503020204020204" pitchFamily="34" charset="-122"/>
                         </a:rPr>
                         <a:t>背景介绍及研究意义</a:t>
                       </a:r>
+                      <a:endParaRPr lang="zh-CN" altLang="en-US" b="0" dirty="0">
+                        <a:solidFill>
+                          <a:schemeClr val="accent1">
+                            <a:lumMod val="75000"/>
+                          </a:schemeClr>
+                        </a:solidFill>
+                        <a:latin typeface="微软雅黑" panose="020B0503020204020204" pitchFamily="34" charset="-122"/>
+                        <a:ea typeface="微软雅黑" panose="020B0503020204020204" pitchFamily="34" charset="-122"/>
+                      </a:endParaRPr>
                     </a:p>
                   </a:txBody>
                   <a:tcPr anchor="b">
@@ -24711,7 +23778,6 @@
                         <a:buSzTx/>
                         <a:buFontTx/>
                         <a:buNone/>
-                        <a:tabLst/>
                         <a:defRPr/>
                       </a:pPr>
                       <a:r>
@@ -24719,11 +23785,18 @@
                           <a:solidFill>
                             <a:schemeClr val="bg1"/>
                           </a:solidFill>
-                          <a:latin typeface="微软雅黑" pitchFamily="34" charset="-122"/>
-                          <a:ea typeface="微软雅黑" pitchFamily="34" charset="-122"/>
+                          <a:latin typeface="微软雅黑" panose="020B0503020204020204" pitchFamily="34" charset="-122"/>
+                          <a:ea typeface="微软雅黑" panose="020B0503020204020204" pitchFamily="34" charset="-122"/>
                         </a:rPr>
                         <a:t>研究内容</a:t>
                       </a:r>
+                      <a:endParaRPr lang="zh-CN" altLang="en-US" b="1" dirty="0">
+                        <a:solidFill>
+                          <a:schemeClr val="bg1"/>
+                        </a:solidFill>
+                        <a:latin typeface="微软雅黑" panose="020B0503020204020204" pitchFamily="34" charset="-122"/>
+                        <a:ea typeface="微软雅黑" panose="020B0503020204020204" pitchFamily="34" charset="-122"/>
+                      </a:endParaRPr>
                     </a:p>
                   </a:txBody>
                   <a:tcPr anchor="ctr">
@@ -24795,7 +23868,6 @@
                         <a:buSzTx/>
                         <a:buFontTx/>
                         <a:buNone/>
-                        <a:tabLst/>
                         <a:defRPr/>
                       </a:pPr>
                       <a:r>
@@ -24805,11 +23877,20 @@
                               <a:lumMod val="75000"/>
                             </a:schemeClr>
                           </a:solidFill>
-                          <a:latin typeface="微软雅黑" pitchFamily="34" charset="-122"/>
-                          <a:ea typeface="微软雅黑" pitchFamily="34" charset="-122"/>
+                          <a:latin typeface="微软雅黑" panose="020B0503020204020204" pitchFamily="34" charset="-122"/>
+                          <a:ea typeface="微软雅黑" panose="020B0503020204020204" pitchFamily="34" charset="-122"/>
                         </a:rPr>
                         <a:t>研究计划</a:t>
                       </a:r>
+                      <a:endParaRPr lang="zh-CN" altLang="en-US" b="0" dirty="0">
+                        <a:solidFill>
+                          <a:schemeClr val="accent1">
+                            <a:lumMod val="75000"/>
+                          </a:schemeClr>
+                        </a:solidFill>
+                        <a:latin typeface="微软雅黑" panose="020B0503020204020204" pitchFamily="34" charset="-122"/>
+                        <a:ea typeface="微软雅黑" panose="020B0503020204020204" pitchFamily="34" charset="-122"/>
+                      </a:endParaRPr>
                     </a:p>
                   </a:txBody>
                   <a:tcPr anchor="b">
@@ -24879,7 +23960,6 @@
                         <a:buSzTx/>
                         <a:buFontTx/>
                         <a:buNone/>
-                        <a:tabLst/>
                         <a:defRPr/>
                       </a:pPr>
                       <a:r>
@@ -24889,11 +23969,20 @@
                               <a:lumMod val="75000"/>
                             </a:schemeClr>
                           </a:solidFill>
-                          <a:latin typeface="微软雅黑" pitchFamily="34" charset="-122"/>
-                          <a:ea typeface="微软雅黑" pitchFamily="34" charset="-122"/>
+                          <a:latin typeface="微软雅黑" panose="020B0503020204020204" pitchFamily="34" charset="-122"/>
+                          <a:ea typeface="微软雅黑" panose="020B0503020204020204" pitchFamily="34" charset="-122"/>
                         </a:rPr>
                         <a:t>研究进展</a:t>
                       </a:r>
+                      <a:endParaRPr lang="zh-CN" altLang="en-US" b="0" dirty="0">
+                        <a:solidFill>
+                          <a:schemeClr val="accent1">
+                            <a:lumMod val="75000"/>
+                          </a:schemeClr>
+                        </a:solidFill>
+                        <a:latin typeface="微软雅黑" panose="020B0503020204020204" pitchFamily="34" charset="-122"/>
+                        <a:ea typeface="微软雅黑" panose="020B0503020204020204" pitchFamily="34" charset="-122"/>
+                      </a:endParaRPr>
                     </a:p>
                   </a:txBody>
                   <a:tcPr anchor="b">
@@ -24944,11 +24033,6 @@
                     <a:noFill/>
                   </a:tcPr>
                 </a:tc>
-                <a:extLst>
-                  <a:ext uri="{0D108BD9-81ED-4DB2-BD59-A6C34878D82A}">
-                    <a16:rowId xmlns:a16="http://schemas.microsoft.com/office/drawing/2014/main" val="10000"/>
-                  </a:ext>
-                </a:extLst>
               </a:tr>
               <a:tr h="164799">
                 <a:tc>
@@ -24963,8 +24047,8 @@
                             <a:lumMod val="75000"/>
                           </a:schemeClr>
                         </a:solidFill>
-                        <a:latin typeface="微软雅黑" pitchFamily="34" charset="-122"/>
-                        <a:ea typeface="微软雅黑" pitchFamily="34" charset="-122"/>
+                        <a:latin typeface="微软雅黑" panose="020B0503020204020204" pitchFamily="34" charset="-122"/>
+                        <a:ea typeface="微软雅黑" panose="020B0503020204020204" pitchFamily="34" charset="-122"/>
                       </a:endParaRPr>
                     </a:p>
                   </a:txBody>
@@ -25019,22 +24103,6 @@
                   </a:tcPr>
                 </a:tc>
                 <a:tc vMerge="1">
-                  <a:txBody>
-                    <a:bodyPr/>
-                    <a:lstStyle/>
-                    <a:p>
-                      <a:pPr algn="ctr"/>
-                      <a:endParaRPr lang="zh-CN" altLang="en-US" sz="100" b="0" dirty="0">
-                        <a:solidFill>
-                          <a:schemeClr val="accent1">
-                            <a:lumMod val="75000"/>
-                          </a:schemeClr>
-                        </a:solidFill>
-                        <a:latin typeface="微软雅黑" pitchFamily="34" charset="-122"/>
-                        <a:ea typeface="微软雅黑" pitchFamily="34" charset="-122"/>
-                      </a:endParaRPr>
-                    </a:p>
-                  </a:txBody>
                   <a:tcPr anchor="ctr">
                     <a:lnL w="57150" cap="flat" cmpd="sng" algn="ctr">
                       <a:solidFill>
@@ -25097,8 +24165,8 @@
                             <a:lumMod val="75000"/>
                           </a:schemeClr>
                         </a:solidFill>
-                        <a:latin typeface="微软雅黑" pitchFamily="34" charset="-122"/>
-                        <a:ea typeface="微软雅黑" pitchFamily="34" charset="-122"/>
+                        <a:latin typeface="微软雅黑" panose="020B0503020204020204" pitchFamily="34" charset="-122"/>
+                        <a:ea typeface="微软雅黑" panose="020B0503020204020204" pitchFamily="34" charset="-122"/>
                       </a:endParaRPr>
                     </a:p>
                   </a:txBody>
@@ -25164,8 +24232,8 @@
                             <a:lumMod val="75000"/>
                           </a:schemeClr>
                         </a:solidFill>
-                        <a:latin typeface="微软雅黑" pitchFamily="34" charset="-122"/>
-                        <a:ea typeface="微软雅黑" pitchFamily="34" charset="-122"/>
+                        <a:latin typeface="微软雅黑" panose="020B0503020204020204" pitchFamily="34" charset="-122"/>
+                        <a:ea typeface="微软雅黑" panose="020B0503020204020204" pitchFamily="34" charset="-122"/>
                       </a:endParaRPr>
                     </a:p>
                   </a:txBody>
@@ -25219,11 +24287,6 @@
                     </a:solidFill>
                   </a:tcPr>
                 </a:tc>
-                <a:extLst>
-                  <a:ext uri="{0D108BD9-81ED-4DB2-BD59-A6C34878D82A}">
-                    <a16:rowId xmlns:a16="http://schemas.microsoft.com/office/drawing/2014/main" val="10001"/>
-                  </a:ext>
-                </a:extLst>
               </a:tr>
             </a:tbl>
           </a:graphicData>
@@ -25231,20 +24294,14 @@
       </p:graphicFrame>
       <p:pic>
         <p:nvPicPr>
-          <p:cNvPr id="8" name="图片 7" descr="图表, 折线图&#10;&#10;描述已自动生成">
-            <a:extLst>
-              <a:ext uri="{FF2B5EF4-FFF2-40B4-BE49-F238E27FC236}">
-                <a16:creationId xmlns:a16="http://schemas.microsoft.com/office/drawing/2014/main" id="{6484640B-67AB-44B5-BB65-0096502A3675}"/>
-              </a:ext>
-            </a:extLst>
-          </p:cNvPr>
+          <p:cNvPr id="8" name="图片 7" descr="图表, 折线图&#10;&#10;描述已自动生成"/>
           <p:cNvPicPr>
             <a:picLocks noChangeAspect="1"/>
           </p:cNvPicPr>
           <p:nvPr/>
         </p:nvPicPr>
         <p:blipFill>
-          <a:blip r:embed="rId3">
+          <a:blip r:embed="rId1">
             <a:extLst>
               <a:ext uri="{28A0092B-C50C-407E-A947-70E740481C1C}">
                 <a14:useLocalDpi xmlns:a14="http://schemas.microsoft.com/office/drawing/2010/main" val="0"/>
@@ -25267,20 +24324,14 @@
       </p:pic>
       <p:pic>
         <p:nvPicPr>
-          <p:cNvPr id="10" name="图片 9" descr="图表, 折线图&#10;&#10;描述已自动生成">
-            <a:extLst>
-              <a:ext uri="{FF2B5EF4-FFF2-40B4-BE49-F238E27FC236}">
-                <a16:creationId xmlns:a16="http://schemas.microsoft.com/office/drawing/2014/main" id="{02EA6F32-E261-454E-AD84-6F9638929F8E}"/>
-              </a:ext>
-            </a:extLst>
-          </p:cNvPr>
+          <p:cNvPr id="10" name="图片 9" descr="图表, 折线图&#10;&#10;描述已自动生成"/>
           <p:cNvPicPr>
             <a:picLocks noChangeAspect="1"/>
           </p:cNvPicPr>
           <p:nvPr/>
         </p:nvPicPr>
         <p:blipFill>
-          <a:blip r:embed="rId4">
+          <a:blip r:embed="rId2">
             <a:extLst>
               <a:ext uri="{28A0092B-C50C-407E-A947-70E740481C1C}">
                 <a14:useLocalDpi xmlns:a14="http://schemas.microsoft.com/office/drawing/2010/main" val="0"/>
@@ -25303,20 +24354,14 @@
       </p:pic>
       <p:pic>
         <p:nvPicPr>
-          <p:cNvPr id="12" name="图片 11" descr="图表, 条形图&#10;&#10;描述已自动生成">
-            <a:extLst>
-              <a:ext uri="{FF2B5EF4-FFF2-40B4-BE49-F238E27FC236}">
-                <a16:creationId xmlns:a16="http://schemas.microsoft.com/office/drawing/2014/main" id="{E885A244-AFE4-4A37-BF05-D3BCDB3EDDA9}"/>
-              </a:ext>
-            </a:extLst>
-          </p:cNvPr>
+          <p:cNvPr id="12" name="图片 11" descr="图表, 条形图&#10;&#10;描述已自动生成"/>
           <p:cNvPicPr>
             <a:picLocks noChangeAspect="1"/>
           </p:cNvPicPr>
           <p:nvPr/>
         </p:nvPicPr>
         <p:blipFill>
-          <a:blip r:embed="rId5">
+          <a:blip r:embed="rId3">
             <a:extLst>
               <a:ext uri="{28A0092B-C50C-407E-A947-70E740481C1C}">
                 <a14:useLocalDpi xmlns:a14="http://schemas.microsoft.com/office/drawing/2010/main" val="0"/>
@@ -25339,20 +24384,14 @@
       </p:pic>
       <p:pic>
         <p:nvPicPr>
-          <p:cNvPr id="14" name="图片 13" descr="图表, 直方图&#10;&#10;描述已自动生成">
-            <a:extLst>
-              <a:ext uri="{FF2B5EF4-FFF2-40B4-BE49-F238E27FC236}">
-                <a16:creationId xmlns:a16="http://schemas.microsoft.com/office/drawing/2014/main" id="{86574170-2BBE-4472-8B3F-820DC7F397CB}"/>
-              </a:ext>
-            </a:extLst>
-          </p:cNvPr>
+          <p:cNvPr id="14" name="图片 13" descr="图表, 直方图&#10;&#10;描述已自动生成"/>
           <p:cNvPicPr>
             <a:picLocks noChangeAspect="1"/>
           </p:cNvPicPr>
           <p:nvPr/>
         </p:nvPicPr>
         <p:blipFill>
-          <a:blip r:embed="rId6">
+          <a:blip r:embed="rId4">
             <a:extLst>
               <a:ext uri="{28A0092B-C50C-407E-A947-70E740481C1C}">
                 <a14:useLocalDpi xmlns:a14="http://schemas.microsoft.com/office/drawing/2010/main" val="0"/>
@@ -25375,13 +24414,7 @@
       </p:pic>
       <p:sp>
         <p:nvSpPr>
-          <p:cNvPr id="25" name="文本框 24">
-            <a:extLst>
-              <a:ext uri="{FF2B5EF4-FFF2-40B4-BE49-F238E27FC236}">
-                <a16:creationId xmlns:a16="http://schemas.microsoft.com/office/drawing/2014/main" id="{F4153884-6F0C-4B2D-93EC-0F736EEE98A9}"/>
-              </a:ext>
-            </a:extLst>
-          </p:cNvPr>
+          <p:cNvPr id="25" name="文本框 24"/>
           <p:cNvSpPr txBox="1"/>
           <p:nvPr/>
         </p:nvSpPr>
@@ -25405,18 +24438,13 @@
               <a:rPr lang="zh-CN" altLang="en-US" sz="1400" dirty="0"/>
               <a:t>图二</a:t>
             </a:r>
+            <a:endParaRPr lang="zh-CN" altLang="en-US" sz="1400" dirty="0"/>
           </a:p>
         </p:txBody>
       </p:sp>
       <p:sp>
         <p:nvSpPr>
-          <p:cNvPr id="26" name="文本框 25">
-            <a:extLst>
-              <a:ext uri="{FF2B5EF4-FFF2-40B4-BE49-F238E27FC236}">
-                <a16:creationId xmlns:a16="http://schemas.microsoft.com/office/drawing/2014/main" id="{3DE44B38-561E-4755-809A-D0EA5C78A00C}"/>
-              </a:ext>
-            </a:extLst>
-          </p:cNvPr>
+          <p:cNvPr id="26" name="文本框 25"/>
           <p:cNvSpPr txBox="1"/>
           <p:nvPr/>
         </p:nvSpPr>
@@ -25440,18 +24468,13 @@
               <a:rPr lang="zh-CN" altLang="en-US" sz="1400" dirty="0"/>
               <a:t>图三</a:t>
             </a:r>
+            <a:endParaRPr lang="zh-CN" altLang="en-US" sz="1400" dirty="0"/>
           </a:p>
         </p:txBody>
       </p:sp>
       <p:sp>
         <p:nvSpPr>
-          <p:cNvPr id="31" name="文本框 30">
-            <a:extLst>
-              <a:ext uri="{FF2B5EF4-FFF2-40B4-BE49-F238E27FC236}">
-                <a16:creationId xmlns:a16="http://schemas.microsoft.com/office/drawing/2014/main" id="{7C7986B4-9F85-44C4-9984-D6F03C4BA4A2}"/>
-              </a:ext>
-            </a:extLst>
-          </p:cNvPr>
+          <p:cNvPr id="31" name="文本框 30"/>
           <p:cNvSpPr txBox="1"/>
           <p:nvPr/>
         </p:nvSpPr>
@@ -25475,18 +24498,13 @@
               <a:rPr lang="zh-CN" altLang="en-US" sz="1400" dirty="0"/>
               <a:t>图四</a:t>
             </a:r>
+            <a:endParaRPr lang="zh-CN" altLang="en-US" sz="1400" dirty="0"/>
           </a:p>
         </p:txBody>
       </p:sp>
       <p:sp>
         <p:nvSpPr>
-          <p:cNvPr id="32" name="文本框 31">
-            <a:extLst>
-              <a:ext uri="{FF2B5EF4-FFF2-40B4-BE49-F238E27FC236}">
-                <a16:creationId xmlns:a16="http://schemas.microsoft.com/office/drawing/2014/main" id="{26E90DBC-E5F7-477E-BB1B-6A9046B2C53C}"/>
-              </a:ext>
-            </a:extLst>
-          </p:cNvPr>
+          <p:cNvPr id="32" name="文本框 31"/>
           <p:cNvSpPr txBox="1"/>
           <p:nvPr/>
         </p:nvSpPr>
@@ -25510,25 +24528,20 @@
               <a:rPr lang="zh-CN" altLang="en-US" sz="1400" dirty="0"/>
               <a:t>图五</a:t>
             </a:r>
+            <a:endParaRPr lang="zh-CN" altLang="en-US" sz="1400" dirty="0"/>
           </a:p>
         </p:txBody>
       </p:sp>
       <p:pic>
         <p:nvPicPr>
-          <p:cNvPr id="20" name="图片 19" descr="图表, 散点图&#10;&#10;描述已自动生成">
-            <a:extLst>
-              <a:ext uri="{FF2B5EF4-FFF2-40B4-BE49-F238E27FC236}">
-                <a16:creationId xmlns:a16="http://schemas.microsoft.com/office/drawing/2014/main" id="{277120A1-7532-4A6F-A843-439B86BEF08D}"/>
-              </a:ext>
-            </a:extLst>
-          </p:cNvPr>
+          <p:cNvPr id="20" name="图片 19" descr="图表, 散点图&#10;&#10;描述已自动生成"/>
           <p:cNvPicPr>
             <a:picLocks noChangeAspect="1"/>
           </p:cNvPicPr>
           <p:nvPr/>
         </p:nvPicPr>
         <p:blipFill>
-          <a:blip r:embed="rId7">
+          <a:blip r:embed="rId5">
             <a:extLst>
               <a:ext uri="{28A0092B-C50C-407E-A947-70E740481C1C}">
                 <a14:useLocalDpi xmlns:a14="http://schemas.microsoft.com/office/drawing/2010/main" val="0"/>
@@ -25550,11 +24563,6 @@
         </p:spPr>
       </p:pic>
     </p:spTree>
-    <p:extLst>
-      <p:ext uri="{BB962C8B-B14F-4D97-AF65-F5344CB8AC3E}">
-        <p14:creationId xmlns:p14="http://schemas.microsoft.com/office/powerpoint/2010/main" val="4171953311"/>
-      </p:ext>
-    </p:extLst>
   </p:cSld>
   <p:clrMapOvr>
     <a:masterClrMapping/>
@@ -25840,8 +24848,11 @@
       </a:bgFillStyleLst>
     </a:fmtScheme>
   </a:themeElements>
-  <a:objectDefaults/>
-  <a:extraClrSchemeLst/>
+  <a:extLst>
+    <a:ext uri="{05A4C25C-085E-4340-85A3-A5531E510DB2}">
+      <thm15:themeFamily xmlns:thm15="http://schemas.microsoft.com/office/thememl/2012/main" name="Office Theme" id="{62F939B6-93AF-4DB8-9C6B-D6C7DFDC589F}" vid="{4A3C46E8-61CC-4603-A589-7422A47A8E4A}"/>
+    </a:ext>
+  </a:extLst>
 </a:theme>
 </file>
 
@@ -25888,7 +24899,7 @@
     </a:clrScheme>
     <a:fontScheme name="Office">
       <a:majorFont>
-        <a:latin typeface="Calibri Light" panose="020F0302020204030204"/>
+        <a:latin typeface="Calibri Light"/>
         <a:ea typeface=""/>
         <a:cs typeface=""/>
         <a:font script="Jpan" typeface="ＭＳ Ｐゴシック"/>
@@ -25923,7 +24934,7 @@
         <a:font script="Geor" typeface="Sylfaen"/>
       </a:majorFont>
       <a:minorFont>
-        <a:latin typeface="Calibri" panose="020F0502020204030204"/>
+        <a:latin typeface="Calibri"/>
         <a:ea typeface=""/>
         <a:cs typeface=""/>
         <a:font script="Jpan" typeface="ＭＳ Ｐゴシック"/>
@@ -26096,8 +25107,6 @@
       </a:bgFillStyleLst>
     </a:fmtScheme>
   </a:themeElements>
-  <a:objectDefaults/>
-  <a:extraClrSchemeLst/>
   <a:extLst>
     <a:ext uri="{05A4C25C-085E-4340-85A3-A5531E510DB2}">
       <thm15:themeFamily xmlns:thm15="http://schemas.microsoft.com/office/thememl/2012/main" name="Office Theme" id="{62F939B6-93AF-4DB8-9C6B-D6C7DFDC589F}" vid="{4A3C46E8-61CC-4603-A589-7422A47A8E4A}"/>

--- a/杨豪杰开题/论文答辩开题报告(杨豪杰).pptx
+++ b/杨豪杰开题/论文答辩开题报告(杨豪杰).pptx
@@ -5,26 +5,27 @@
     <p:sldMasterId id="2147483648" r:id="rId1"/>
   </p:sldMasterIdLst>
   <p:notesMasterIdLst>
-    <p:notesMasterId r:id="rId4"/>
+    <p:notesMasterId r:id="rId20"/>
   </p:notesMasterIdLst>
   <p:sldIdLst>
-    <p:sldId id="258" r:id="rId3"/>
-    <p:sldId id="299" r:id="rId5"/>
-    <p:sldId id="289" r:id="rId6"/>
-    <p:sldId id="267" r:id="rId7"/>
-    <p:sldId id="266" r:id="rId8"/>
-    <p:sldId id="269" r:id="rId9"/>
-    <p:sldId id="303" r:id="rId10"/>
-    <p:sldId id="268" r:id="rId11"/>
-    <p:sldId id="282" r:id="rId12"/>
-    <p:sldId id="305" r:id="rId13"/>
-    <p:sldId id="280" r:id="rId14"/>
-    <p:sldId id="281" r:id="rId15"/>
-    <p:sldId id="262" r:id="rId16"/>
-    <p:sldId id="261" r:id="rId17"/>
-    <p:sldId id="306" r:id="rId18"/>
-    <p:sldId id="307" r:id="rId19"/>
-    <p:sldId id="279" r:id="rId20"/>
+    <p:sldId id="258" r:id="rId2"/>
+    <p:sldId id="299" r:id="rId3"/>
+    <p:sldId id="289" r:id="rId4"/>
+    <p:sldId id="267" r:id="rId5"/>
+    <p:sldId id="266" r:id="rId6"/>
+    <p:sldId id="269" r:id="rId7"/>
+    <p:sldId id="303" r:id="rId8"/>
+    <p:sldId id="268" r:id="rId9"/>
+    <p:sldId id="282" r:id="rId10"/>
+    <p:sldId id="308" r:id="rId11"/>
+    <p:sldId id="305" r:id="rId12"/>
+    <p:sldId id="280" r:id="rId13"/>
+    <p:sldId id="281" r:id="rId14"/>
+    <p:sldId id="262" r:id="rId15"/>
+    <p:sldId id="261" r:id="rId16"/>
+    <p:sldId id="306" r:id="rId17"/>
+    <p:sldId id="307" r:id="rId18"/>
+    <p:sldId id="279" r:id="rId19"/>
   </p:sldIdLst>
   <p:sldSz cx="12192000" cy="6858000"/>
   <p:notesSz cx="6858000" cy="9144000"/>
@@ -124,8 +125,22 @@
     </a:lvl9pPr>
   </p:defaultTextStyle>
   <p:extLst>
+    <p:ext uri="{EFAFB233-063F-42B5-8137-9DF3F51BA10A}">
+      <p15:sldGuideLst xmlns:p15="http://schemas.microsoft.com/office/powerpoint/2012/main">
+        <p15:guide id="1" orient="horz" pos="2160">
+          <p15:clr>
+            <a:srgbClr val="A4A3A4"/>
+          </p15:clr>
+        </p15:guide>
+        <p15:guide id="2" pos="3840">
+          <p15:clr>
+            <a:srgbClr val="A4A3A4"/>
+          </p15:clr>
+        </p15:guide>
+      </p15:sldGuideLst>
+    </p:ext>
     <p:ext uri="{505F2C04-C923-438B-8C0F-E0CD2BADF298}">
-      <wppc:fontMiss xmlns:wppc="http://www.wps.cn/officeDocument/PresentationCustomData" type="true"/>
+      <wppc:fontMiss xmlns:wppc="http://www.wps.cn/officeDocument/PresentationCustomData" xmlns="" type="true"/>
     </p:ext>
   </p:extLst>
 </p:presentation>
@@ -213,6 +228,7 @@
           <a:p>
             <a:fld id="{A5051BC2-F25C-4BF7-95F7-A74904AC2CE4}" type="datetimeFigureOut">
               <a:rPr lang="zh-CN" altLang="en-US" smtClean="0"/>
+              <a:t>2020/12/3</a:t>
             </a:fld>
             <a:endParaRPr lang="zh-CN" altLang="en-US"/>
           </a:p>
@@ -279,7 +295,6 @@
               <a:rPr lang="zh-CN" altLang="en-US"/>
               <a:t>单击此处编辑母版文本样式</a:t>
             </a:r>
-            <a:endParaRPr lang="zh-CN" altLang="en-US"/>
           </a:p>
           <a:p>
             <a:pPr lvl="1"/>
@@ -287,7 +302,6 @@
               <a:rPr lang="zh-CN" altLang="en-US"/>
               <a:t>第二级</a:t>
             </a:r>
-            <a:endParaRPr lang="zh-CN" altLang="en-US"/>
           </a:p>
           <a:p>
             <a:pPr lvl="2"/>
@@ -295,7 +309,6 @@
               <a:rPr lang="zh-CN" altLang="en-US"/>
               <a:t>第三级</a:t>
             </a:r>
-            <a:endParaRPr lang="zh-CN" altLang="en-US"/>
           </a:p>
           <a:p>
             <a:pPr lvl="3"/>
@@ -303,7 +316,6 @@
               <a:rPr lang="zh-CN" altLang="en-US"/>
               <a:t>第四级</a:t>
             </a:r>
-            <a:endParaRPr lang="zh-CN" altLang="en-US"/>
           </a:p>
           <a:p>
             <a:pPr lvl="4"/>
@@ -311,7 +323,6 @@
               <a:rPr lang="zh-CN" altLang="en-US"/>
               <a:t>第五级</a:t>
             </a:r>
-            <a:endParaRPr lang="zh-CN" altLang="en-US"/>
           </a:p>
         </p:txBody>
       </p:sp>
@@ -375,6 +386,7 @@
           <a:p>
             <a:fld id="{95614C47-D2C0-448D-911B-1324277A7A0B}" type="slidenum">
               <a:rPr lang="zh-CN" altLang="en-US" smtClean="0"/>
+              <a:t>‹#›</a:t>
             </a:fld>
             <a:endParaRPr lang="zh-CN" altLang="en-US"/>
           </a:p>
@@ -487,11 +499,20 @@
         <p:cNvGrpSpPr/>
         <p:nvPr/>
       </p:nvGrpSpPr>
-      <p:grpSpPr/>
+      <p:grpSpPr>
+        <a:xfrm>
+          <a:off x="0" y="0"/>
+          <a:ext cx="0" cy="0"/>
+          <a:chOff x="0" y="0"/>
+          <a:chExt cx="0" cy="0"/>
+        </a:xfrm>
+      </p:grpSpPr>
       <p:sp>
         <p:nvSpPr>
           <p:cNvPr id="2" name="幻灯片图像占位符 1"/>
-          <p:cNvSpPr/>
+          <p:cNvSpPr>
+            <a:spLocks noGrp="1" noRot="1" noChangeAspect="1"/>
+          </p:cNvSpPr>
           <p:nvPr>
             <p:ph type="sldImg" idx="2"/>
           </p:nvPr>
@@ -501,7 +522,9 @@
       <p:sp>
         <p:nvSpPr>
           <p:cNvPr id="3" name="文本占位符 2"/>
-          <p:cNvSpPr/>
+          <p:cNvSpPr>
+            <a:spLocks noGrp="1"/>
+          </p:cNvSpPr>
           <p:nvPr>
             <p:ph type="body" idx="3"/>
           </p:nvPr>
@@ -509,6 +532,7 @@
         <p:spPr/>
         <p:txBody>
           <a:bodyPr/>
+          <a:lstStyle/>
           <a:p>
             <a:endParaRPr lang="zh-CN" altLang="en-US"/>
           </a:p>
@@ -587,6 +611,7 @@
           <a:p>
             <a:fld id="{95614C47-D2C0-448D-911B-1324277A7A0B}" type="slidenum">
               <a:rPr lang="zh-CN" altLang="en-US" smtClean="0"/>
+              <a:t>8</a:t>
             </a:fld>
             <a:endParaRPr lang="zh-CN" altLang="en-US"/>
           </a:p>
@@ -665,6 +690,7 @@
           <a:p>
             <a:fld id="{95614C47-D2C0-448D-911B-1324277A7A0B}" type="slidenum">
               <a:rPr lang="zh-CN" altLang="en-US" smtClean="0"/>
+              <a:t>9</a:t>
             </a:fld>
             <a:endParaRPr lang="zh-CN" altLang="en-US"/>
           </a:p>
@@ -743,6 +769,7 @@
           <a:p>
             <a:fld id="{95614C47-D2C0-448D-911B-1324277A7A0B}" type="slidenum">
               <a:rPr lang="zh-CN" altLang="en-US" smtClean="0"/>
+              <a:t>11</a:t>
             </a:fld>
             <a:endParaRPr lang="zh-CN" altLang="en-US"/>
           </a:p>
@@ -821,6 +848,7 @@
           <a:p>
             <a:fld id="{95614C47-D2C0-448D-911B-1324277A7A0B}" type="slidenum">
               <a:rPr lang="zh-CN" altLang="en-US" smtClean="0"/>
+              <a:t>12</a:t>
             </a:fld>
             <a:endParaRPr lang="zh-CN" altLang="en-US"/>
           </a:p>
@@ -899,6 +927,7 @@
           <a:p>
             <a:fld id="{95614C47-D2C0-448D-911B-1324277A7A0B}" type="slidenum">
               <a:rPr lang="zh-CN" altLang="en-US" smtClean="0"/>
+              <a:t>13</a:t>
             </a:fld>
             <a:endParaRPr lang="zh-CN" altLang="en-US"/>
           </a:p>
@@ -977,6 +1006,7 @@
           <a:p>
             <a:fld id="{95614C47-D2C0-448D-911B-1324277A7A0B}" type="slidenum">
               <a:rPr lang="zh-CN" altLang="en-US" smtClean="0"/>
+              <a:t>14</a:t>
             </a:fld>
             <a:endParaRPr lang="zh-CN" altLang="en-US"/>
           </a:p>
@@ -1034,7 +1064,6 @@
               <a:rPr lang="zh-CN" altLang="en-US"/>
               <a:t>单击此处编辑母版标题样式</a:t>
             </a:r>
-            <a:endParaRPr lang="zh-CN" altLang="en-US"/>
           </a:p>
         </p:txBody>
       </p:sp>
@@ -1153,7 +1182,6 @@
               <a:rPr lang="zh-CN" altLang="en-US"/>
               <a:t>单击此处编辑母版副标题样式</a:t>
             </a:r>
-            <a:endParaRPr lang="zh-CN" altLang="en-US"/>
           </a:p>
         </p:txBody>
       </p:sp>
@@ -1209,7 +1237,6 @@
               <a:rPr lang="zh-CN" altLang="en-US"/>
               <a:t>单击此处编辑母版标题样式</a:t>
             </a:r>
-            <a:endParaRPr lang="zh-CN" altLang="en-US"/>
           </a:p>
         </p:txBody>
       </p:sp>
@@ -1233,7 +1260,6 @@
               <a:rPr lang="zh-CN" altLang="en-US"/>
               <a:t>单击此处编辑母版文本样式</a:t>
             </a:r>
-            <a:endParaRPr lang="zh-CN" altLang="en-US"/>
           </a:p>
           <a:p>
             <a:pPr lvl="1"/>
@@ -1241,7 +1267,6 @@
               <a:rPr lang="zh-CN" altLang="en-US"/>
               <a:t>第二级</a:t>
             </a:r>
-            <a:endParaRPr lang="zh-CN" altLang="en-US"/>
           </a:p>
           <a:p>
             <a:pPr lvl="2"/>
@@ -1249,7 +1274,6 @@
               <a:rPr lang="zh-CN" altLang="en-US"/>
               <a:t>第三级</a:t>
             </a:r>
-            <a:endParaRPr lang="zh-CN" altLang="en-US"/>
           </a:p>
           <a:p>
             <a:pPr lvl="3"/>
@@ -1257,7 +1281,6 @@
               <a:rPr lang="zh-CN" altLang="en-US"/>
               <a:t>第四级</a:t>
             </a:r>
-            <a:endParaRPr lang="zh-CN" altLang="en-US"/>
           </a:p>
           <a:p>
             <a:pPr lvl="4"/>
@@ -1265,7 +1288,6 @@
               <a:rPr lang="zh-CN" altLang="en-US"/>
               <a:t>第五级</a:t>
             </a:r>
-            <a:endParaRPr lang="zh-CN" altLang="en-US"/>
           </a:p>
         </p:txBody>
       </p:sp>
@@ -1294,6 +1316,7 @@
           <a:p>
             <a:fld id="{530820CF-B880-4189-942D-D702A7CBA730}" type="datetimeFigureOut">
               <a:rPr lang="zh-CN" altLang="en-US" smtClean="0"/>
+              <a:t>2020/12/3</a:t>
             </a:fld>
             <a:endParaRPr lang="zh-CN" altLang="en-US"/>
           </a:p>
@@ -1351,6 +1374,7 @@
           <a:p>
             <a:fld id="{0C913308-F349-4B6D-A68A-DD1791B4A57B}" type="slidenum">
               <a:rPr lang="zh-CN" altLang="en-US" smtClean="0"/>
+              <a:t>‹#›</a:t>
             </a:fld>
             <a:endParaRPr lang="zh-CN" altLang="en-US"/>
           </a:p>
@@ -1408,7 +1432,6 @@
               <a:rPr lang="zh-CN" altLang="en-US"/>
               <a:t>单击此处编辑母版标题样式</a:t>
             </a:r>
-            <a:endParaRPr lang="zh-CN" altLang="en-US"/>
           </a:p>
         </p:txBody>
       </p:sp>
@@ -1437,7 +1460,6 @@
               <a:rPr lang="zh-CN" altLang="en-US"/>
               <a:t>单击此处编辑母版文本样式</a:t>
             </a:r>
-            <a:endParaRPr lang="zh-CN" altLang="en-US"/>
           </a:p>
           <a:p>
             <a:pPr lvl="1"/>
@@ -1445,7 +1467,6 @@
               <a:rPr lang="zh-CN" altLang="en-US"/>
               <a:t>第二级</a:t>
             </a:r>
-            <a:endParaRPr lang="zh-CN" altLang="en-US"/>
           </a:p>
           <a:p>
             <a:pPr lvl="2"/>
@@ -1453,7 +1474,6 @@
               <a:rPr lang="zh-CN" altLang="en-US"/>
               <a:t>第三级</a:t>
             </a:r>
-            <a:endParaRPr lang="zh-CN" altLang="en-US"/>
           </a:p>
           <a:p>
             <a:pPr lvl="3"/>
@@ -1461,7 +1481,6 @@
               <a:rPr lang="zh-CN" altLang="en-US"/>
               <a:t>第四级</a:t>
             </a:r>
-            <a:endParaRPr lang="zh-CN" altLang="en-US"/>
           </a:p>
           <a:p>
             <a:pPr lvl="4"/>
@@ -1469,7 +1488,6 @@
               <a:rPr lang="zh-CN" altLang="en-US"/>
               <a:t>第五级</a:t>
             </a:r>
-            <a:endParaRPr lang="zh-CN" altLang="en-US"/>
           </a:p>
         </p:txBody>
       </p:sp>
@@ -1498,6 +1516,7 @@
           <a:p>
             <a:fld id="{530820CF-B880-4189-942D-D702A7CBA730}" type="datetimeFigureOut">
               <a:rPr lang="zh-CN" altLang="en-US" smtClean="0"/>
+              <a:t>2020/12/3</a:t>
             </a:fld>
             <a:endParaRPr lang="zh-CN" altLang="en-US"/>
           </a:p>
@@ -1555,6 +1574,7 @@
           <a:p>
             <a:fld id="{0C913308-F349-4B6D-A68A-DD1791B4A57B}" type="slidenum">
               <a:rPr lang="zh-CN" altLang="en-US" smtClean="0"/>
+              <a:t>‹#›</a:t>
             </a:fld>
             <a:endParaRPr lang="zh-CN" altLang="en-US"/>
           </a:p>
@@ -1612,7 +1632,6 @@
               <a:rPr lang="zh-CN" altLang="en-US"/>
               <a:t>单击此处编辑母版标题样式</a:t>
             </a:r>
-            <a:endParaRPr lang="zh-CN" altLang="en-US"/>
           </a:p>
         </p:txBody>
       </p:sp>
@@ -1636,7 +1655,6 @@
               <a:rPr lang="zh-CN" altLang="en-US"/>
               <a:t>单击此处编辑母版文本样式</a:t>
             </a:r>
-            <a:endParaRPr lang="zh-CN" altLang="en-US"/>
           </a:p>
           <a:p>
             <a:pPr lvl="1"/>
@@ -1644,7 +1662,6 @@
               <a:rPr lang="zh-CN" altLang="en-US"/>
               <a:t>第二级</a:t>
             </a:r>
-            <a:endParaRPr lang="zh-CN" altLang="en-US"/>
           </a:p>
           <a:p>
             <a:pPr lvl="2"/>
@@ -1652,7 +1669,6 @@
               <a:rPr lang="zh-CN" altLang="en-US"/>
               <a:t>第三级</a:t>
             </a:r>
-            <a:endParaRPr lang="zh-CN" altLang="en-US"/>
           </a:p>
           <a:p>
             <a:pPr lvl="3"/>
@@ -1660,7 +1676,6 @@
               <a:rPr lang="zh-CN" altLang="en-US"/>
               <a:t>第四级</a:t>
             </a:r>
-            <a:endParaRPr lang="zh-CN" altLang="en-US"/>
           </a:p>
           <a:p>
             <a:pPr lvl="4"/>
@@ -1668,7 +1683,6 @@
               <a:rPr lang="zh-CN" altLang="en-US"/>
               <a:t>第五级</a:t>
             </a:r>
-            <a:endParaRPr lang="zh-CN" altLang="en-US"/>
           </a:p>
         </p:txBody>
       </p:sp>
@@ -1697,6 +1711,7 @@
           <a:p>
             <a:fld id="{530820CF-B880-4189-942D-D702A7CBA730}" type="datetimeFigureOut">
               <a:rPr lang="zh-CN" altLang="en-US" smtClean="0"/>
+              <a:t>2020/12/3</a:t>
             </a:fld>
             <a:endParaRPr lang="zh-CN" altLang="en-US"/>
           </a:p>
@@ -1754,6 +1769,7 @@
           <a:p>
             <a:fld id="{0C913308-F349-4B6D-A68A-DD1791B4A57B}" type="slidenum">
               <a:rPr lang="zh-CN" altLang="en-US" smtClean="0"/>
+              <a:t>‹#›</a:t>
             </a:fld>
             <a:endParaRPr lang="zh-CN" altLang="en-US"/>
           </a:p>
@@ -1815,7 +1831,6 @@
               <a:rPr lang="zh-CN" altLang="en-US"/>
               <a:t>单击此处编辑母版标题样式</a:t>
             </a:r>
-            <a:endParaRPr lang="zh-CN" altLang="en-US"/>
           </a:p>
         </p:txBody>
       </p:sp>
@@ -1935,7 +1950,6 @@
               <a:rPr lang="zh-CN" altLang="en-US"/>
               <a:t>单击此处编辑母版文本样式</a:t>
             </a:r>
-            <a:endParaRPr lang="zh-CN" altLang="en-US"/>
           </a:p>
         </p:txBody>
       </p:sp>
@@ -1964,6 +1978,7 @@
           <a:p>
             <a:fld id="{530820CF-B880-4189-942D-D702A7CBA730}" type="datetimeFigureOut">
               <a:rPr lang="zh-CN" altLang="en-US" smtClean="0"/>
+              <a:t>2020/12/3</a:t>
             </a:fld>
             <a:endParaRPr lang="zh-CN" altLang="en-US"/>
           </a:p>
@@ -2021,6 +2036,7 @@
           <a:p>
             <a:fld id="{0C913308-F349-4B6D-A68A-DD1791B4A57B}" type="slidenum">
               <a:rPr lang="zh-CN" altLang="en-US" smtClean="0"/>
+              <a:t>‹#›</a:t>
             </a:fld>
             <a:endParaRPr lang="zh-CN" altLang="en-US"/>
           </a:p>
@@ -2078,7 +2094,6 @@
               <a:rPr lang="zh-CN" altLang="en-US"/>
               <a:t>单击此处编辑母版标题样式</a:t>
             </a:r>
-            <a:endParaRPr lang="zh-CN" altLang="en-US"/>
           </a:p>
         </p:txBody>
       </p:sp>
@@ -2135,7 +2150,6 @@
               <a:rPr lang="zh-CN" altLang="en-US"/>
               <a:t>单击此处编辑母版文本样式</a:t>
             </a:r>
-            <a:endParaRPr lang="zh-CN" altLang="en-US"/>
           </a:p>
           <a:p>
             <a:pPr lvl="1"/>
@@ -2143,7 +2157,6 @@
               <a:rPr lang="zh-CN" altLang="en-US"/>
               <a:t>第二级</a:t>
             </a:r>
-            <a:endParaRPr lang="zh-CN" altLang="en-US"/>
           </a:p>
           <a:p>
             <a:pPr lvl="2"/>
@@ -2151,7 +2164,6 @@
               <a:rPr lang="zh-CN" altLang="en-US"/>
               <a:t>第三级</a:t>
             </a:r>
-            <a:endParaRPr lang="zh-CN" altLang="en-US"/>
           </a:p>
           <a:p>
             <a:pPr lvl="3"/>
@@ -2159,7 +2171,6 @@
               <a:rPr lang="zh-CN" altLang="en-US"/>
               <a:t>第四级</a:t>
             </a:r>
-            <a:endParaRPr lang="zh-CN" altLang="en-US"/>
           </a:p>
           <a:p>
             <a:pPr lvl="4"/>
@@ -2167,7 +2178,6 @@
               <a:rPr lang="zh-CN" altLang="en-US"/>
               <a:t>第五级</a:t>
             </a:r>
-            <a:endParaRPr lang="zh-CN" altLang="en-US"/>
           </a:p>
         </p:txBody>
       </p:sp>
@@ -2224,7 +2234,6 @@
               <a:rPr lang="zh-CN" altLang="en-US"/>
               <a:t>单击此处编辑母版文本样式</a:t>
             </a:r>
-            <a:endParaRPr lang="zh-CN" altLang="en-US"/>
           </a:p>
           <a:p>
             <a:pPr lvl="1"/>
@@ -2232,7 +2241,6 @@
               <a:rPr lang="zh-CN" altLang="en-US"/>
               <a:t>第二级</a:t>
             </a:r>
-            <a:endParaRPr lang="zh-CN" altLang="en-US"/>
           </a:p>
           <a:p>
             <a:pPr lvl="2"/>
@@ -2240,7 +2248,6 @@
               <a:rPr lang="zh-CN" altLang="en-US"/>
               <a:t>第三级</a:t>
             </a:r>
-            <a:endParaRPr lang="zh-CN" altLang="en-US"/>
           </a:p>
           <a:p>
             <a:pPr lvl="3"/>
@@ -2248,7 +2255,6 @@
               <a:rPr lang="zh-CN" altLang="en-US"/>
               <a:t>第四级</a:t>
             </a:r>
-            <a:endParaRPr lang="zh-CN" altLang="en-US"/>
           </a:p>
           <a:p>
             <a:pPr lvl="4"/>
@@ -2256,7 +2262,6 @@
               <a:rPr lang="zh-CN" altLang="en-US"/>
               <a:t>第五级</a:t>
             </a:r>
-            <a:endParaRPr lang="zh-CN" altLang="en-US"/>
           </a:p>
         </p:txBody>
       </p:sp>
@@ -2285,6 +2290,7 @@
           <a:p>
             <a:fld id="{530820CF-B880-4189-942D-D702A7CBA730}" type="datetimeFigureOut">
               <a:rPr lang="zh-CN" altLang="en-US" smtClean="0"/>
+              <a:t>2020/12/3</a:t>
             </a:fld>
             <a:endParaRPr lang="zh-CN" altLang="en-US"/>
           </a:p>
@@ -2342,6 +2348,7 @@
           <a:p>
             <a:fld id="{0C913308-F349-4B6D-A68A-DD1791B4A57B}" type="slidenum">
               <a:rPr lang="zh-CN" altLang="en-US" smtClean="0"/>
+              <a:t>‹#›</a:t>
             </a:fld>
             <a:endParaRPr lang="zh-CN" altLang="en-US"/>
           </a:p>
@@ -2403,7 +2410,6 @@
               <a:rPr lang="zh-CN" altLang="en-US"/>
               <a:t>单击此处编辑母版标题样式</a:t>
             </a:r>
-            <a:endParaRPr lang="zh-CN" altLang="en-US"/>
           </a:p>
         </p:txBody>
       </p:sp>
@@ -2469,7 +2475,6 @@
               <a:rPr lang="zh-CN" altLang="en-US"/>
               <a:t>单击此处编辑母版文本样式</a:t>
             </a:r>
-            <a:endParaRPr lang="zh-CN" altLang="en-US"/>
           </a:p>
         </p:txBody>
       </p:sp>
@@ -2526,7 +2531,6 @@
               <a:rPr lang="zh-CN" altLang="en-US"/>
               <a:t>单击此处编辑母版文本样式</a:t>
             </a:r>
-            <a:endParaRPr lang="zh-CN" altLang="en-US"/>
           </a:p>
           <a:p>
             <a:pPr lvl="1"/>
@@ -2534,7 +2538,6 @@
               <a:rPr lang="zh-CN" altLang="en-US"/>
               <a:t>第二级</a:t>
             </a:r>
-            <a:endParaRPr lang="zh-CN" altLang="en-US"/>
           </a:p>
           <a:p>
             <a:pPr lvl="2"/>
@@ -2542,7 +2545,6 @@
               <a:rPr lang="zh-CN" altLang="en-US"/>
               <a:t>第三级</a:t>
             </a:r>
-            <a:endParaRPr lang="zh-CN" altLang="en-US"/>
           </a:p>
           <a:p>
             <a:pPr lvl="3"/>
@@ -2550,7 +2552,6 @@
               <a:rPr lang="zh-CN" altLang="en-US"/>
               <a:t>第四级</a:t>
             </a:r>
-            <a:endParaRPr lang="zh-CN" altLang="en-US"/>
           </a:p>
           <a:p>
             <a:pPr lvl="4"/>
@@ -2558,7 +2559,6 @@
               <a:rPr lang="zh-CN" altLang="en-US"/>
               <a:t>第五级</a:t>
             </a:r>
-            <a:endParaRPr lang="zh-CN" altLang="en-US"/>
           </a:p>
         </p:txBody>
       </p:sp>
@@ -2624,7 +2624,6 @@
               <a:rPr lang="zh-CN" altLang="en-US"/>
               <a:t>单击此处编辑母版文本样式</a:t>
             </a:r>
-            <a:endParaRPr lang="zh-CN" altLang="en-US"/>
           </a:p>
         </p:txBody>
       </p:sp>
@@ -2681,7 +2680,6 @@
               <a:rPr lang="zh-CN" altLang="en-US"/>
               <a:t>单击此处编辑母版文本样式</a:t>
             </a:r>
-            <a:endParaRPr lang="zh-CN" altLang="en-US"/>
           </a:p>
           <a:p>
             <a:pPr lvl="1"/>
@@ -2689,7 +2687,6 @@
               <a:rPr lang="zh-CN" altLang="en-US"/>
               <a:t>第二级</a:t>
             </a:r>
-            <a:endParaRPr lang="zh-CN" altLang="en-US"/>
           </a:p>
           <a:p>
             <a:pPr lvl="2"/>
@@ -2697,7 +2694,6 @@
               <a:rPr lang="zh-CN" altLang="en-US"/>
               <a:t>第三级</a:t>
             </a:r>
-            <a:endParaRPr lang="zh-CN" altLang="en-US"/>
           </a:p>
           <a:p>
             <a:pPr lvl="3"/>
@@ -2705,7 +2701,6 @@
               <a:rPr lang="zh-CN" altLang="en-US"/>
               <a:t>第四级</a:t>
             </a:r>
-            <a:endParaRPr lang="zh-CN" altLang="en-US"/>
           </a:p>
           <a:p>
             <a:pPr lvl="4"/>
@@ -2713,7 +2708,6 @@
               <a:rPr lang="zh-CN" altLang="en-US"/>
               <a:t>第五级</a:t>
             </a:r>
-            <a:endParaRPr lang="zh-CN" altLang="en-US"/>
           </a:p>
         </p:txBody>
       </p:sp>
@@ -2742,6 +2736,7 @@
           <a:p>
             <a:fld id="{530820CF-B880-4189-942D-D702A7CBA730}" type="datetimeFigureOut">
               <a:rPr lang="zh-CN" altLang="en-US" smtClean="0"/>
+              <a:t>2020/12/3</a:t>
             </a:fld>
             <a:endParaRPr lang="zh-CN" altLang="en-US"/>
           </a:p>
@@ -2799,6 +2794,7 @@
           <a:p>
             <a:fld id="{0C913308-F349-4B6D-A68A-DD1791B4A57B}" type="slidenum">
               <a:rPr lang="zh-CN" altLang="en-US" smtClean="0"/>
+              <a:t>‹#›</a:t>
             </a:fld>
             <a:endParaRPr lang="zh-CN" altLang="en-US"/>
           </a:p>
@@ -2856,7 +2852,6 @@
               <a:rPr lang="zh-CN" altLang="en-US"/>
               <a:t>单击此处编辑母版标题样式</a:t>
             </a:r>
-            <a:endParaRPr lang="zh-CN" altLang="en-US"/>
           </a:p>
         </p:txBody>
       </p:sp>
@@ -2885,6 +2880,7 @@
           <a:p>
             <a:fld id="{530820CF-B880-4189-942D-D702A7CBA730}" type="datetimeFigureOut">
               <a:rPr lang="zh-CN" altLang="en-US" smtClean="0"/>
+              <a:t>2020/12/3</a:t>
             </a:fld>
             <a:endParaRPr lang="zh-CN" altLang="en-US"/>
           </a:p>
@@ -2942,6 +2938,7 @@
           <a:p>
             <a:fld id="{0C913308-F349-4B6D-A68A-DD1791B4A57B}" type="slidenum">
               <a:rPr lang="zh-CN" altLang="en-US" smtClean="0"/>
+              <a:t>‹#›</a:t>
             </a:fld>
             <a:endParaRPr lang="zh-CN" altLang="en-US"/>
           </a:p>
@@ -3028,7 +3025,6 @@
               <a:rPr lang="zh-CN" altLang="en-US"/>
               <a:t>单击此处编辑母版标题样式</a:t>
             </a:r>
-            <a:endParaRPr lang="zh-CN" altLang="en-US"/>
           </a:p>
         </p:txBody>
       </p:sp>
@@ -3085,7 +3081,6 @@
               <a:rPr lang="zh-CN" altLang="en-US"/>
               <a:t>单击此处编辑母版文本样式</a:t>
             </a:r>
-            <a:endParaRPr lang="zh-CN" altLang="en-US"/>
           </a:p>
           <a:p>
             <a:pPr lvl="1"/>
@@ -3093,7 +3088,6 @@
               <a:rPr lang="zh-CN" altLang="en-US"/>
               <a:t>第二级</a:t>
             </a:r>
-            <a:endParaRPr lang="zh-CN" altLang="en-US"/>
           </a:p>
           <a:p>
             <a:pPr lvl="2"/>
@@ -3101,7 +3095,6 @@
               <a:rPr lang="zh-CN" altLang="en-US"/>
               <a:t>第三级</a:t>
             </a:r>
-            <a:endParaRPr lang="zh-CN" altLang="en-US"/>
           </a:p>
           <a:p>
             <a:pPr lvl="3"/>
@@ -3109,7 +3102,6 @@
               <a:rPr lang="zh-CN" altLang="en-US"/>
               <a:t>第四级</a:t>
             </a:r>
-            <a:endParaRPr lang="zh-CN" altLang="en-US"/>
           </a:p>
           <a:p>
             <a:pPr lvl="4"/>
@@ -3117,7 +3109,6 @@
               <a:rPr lang="zh-CN" altLang="en-US"/>
               <a:t>第五级</a:t>
             </a:r>
-            <a:endParaRPr lang="zh-CN" altLang="en-US"/>
           </a:p>
         </p:txBody>
       </p:sp>
@@ -3183,7 +3174,6 @@
               <a:rPr lang="zh-CN" altLang="en-US"/>
               <a:t>单击此处编辑母版文本样式</a:t>
             </a:r>
-            <a:endParaRPr lang="zh-CN" altLang="en-US"/>
           </a:p>
         </p:txBody>
       </p:sp>
@@ -3212,6 +3202,7 @@
           <a:p>
             <a:fld id="{530820CF-B880-4189-942D-D702A7CBA730}" type="datetimeFigureOut">
               <a:rPr lang="zh-CN" altLang="en-US" smtClean="0"/>
+              <a:t>2020/12/3</a:t>
             </a:fld>
             <a:endParaRPr lang="zh-CN" altLang="en-US"/>
           </a:p>
@@ -3269,6 +3260,7 @@
           <a:p>
             <a:fld id="{0C913308-F349-4B6D-A68A-DD1791B4A57B}" type="slidenum">
               <a:rPr lang="zh-CN" altLang="en-US" smtClean="0"/>
+              <a:t>‹#›</a:t>
             </a:fld>
             <a:endParaRPr lang="zh-CN" altLang="en-US"/>
           </a:p>
@@ -3330,7 +3322,6 @@
               <a:rPr lang="zh-CN" altLang="en-US"/>
               <a:t>单击此处编辑母版标题样式</a:t>
             </a:r>
-            <a:endParaRPr lang="zh-CN" altLang="en-US"/>
           </a:p>
         </p:txBody>
       </p:sp>
@@ -3457,7 +3448,6 @@
               <a:rPr lang="zh-CN" altLang="en-US"/>
               <a:t>单击此处编辑母版文本样式</a:t>
             </a:r>
-            <a:endParaRPr lang="zh-CN" altLang="en-US"/>
           </a:p>
         </p:txBody>
       </p:sp>
@@ -3486,6 +3476,7 @@
           <a:p>
             <a:fld id="{530820CF-B880-4189-942D-D702A7CBA730}" type="datetimeFigureOut">
               <a:rPr lang="zh-CN" altLang="en-US" smtClean="0"/>
+              <a:t>2020/12/3</a:t>
             </a:fld>
             <a:endParaRPr lang="zh-CN" altLang="en-US"/>
           </a:p>
@@ -3543,6 +3534,7 @@
           <a:p>
             <a:fld id="{0C913308-F349-4B6D-A68A-DD1791B4A57B}" type="slidenum">
               <a:rPr lang="zh-CN" altLang="en-US" smtClean="0"/>
+              <a:t>‹#›</a:t>
             </a:fld>
             <a:endParaRPr lang="zh-CN" altLang="en-US"/>
           </a:p>
@@ -3611,7 +3603,6 @@
               <a:rPr lang="zh-CN" altLang="en-US" dirty="0"/>
               <a:t>单击此处编辑母版文本样式</a:t>
             </a:r>
-            <a:endParaRPr lang="zh-CN" altLang="en-US" dirty="0"/>
           </a:p>
           <a:p>
             <a:pPr lvl="1"/>
@@ -3619,7 +3610,6 @@
               <a:rPr lang="zh-CN" altLang="en-US" dirty="0"/>
               <a:t>第二级</a:t>
             </a:r>
-            <a:endParaRPr lang="zh-CN" altLang="en-US" dirty="0"/>
           </a:p>
           <a:p>
             <a:pPr lvl="2"/>
@@ -3627,7 +3617,6 @@
               <a:rPr lang="zh-CN" altLang="en-US" dirty="0"/>
               <a:t>第三级</a:t>
             </a:r>
-            <a:endParaRPr lang="zh-CN" altLang="en-US" dirty="0"/>
           </a:p>
           <a:p>
             <a:pPr lvl="3"/>
@@ -3635,7 +3624,6 @@
               <a:rPr lang="zh-CN" altLang="en-US" dirty="0"/>
               <a:t>第四级</a:t>
             </a:r>
-            <a:endParaRPr lang="zh-CN" altLang="en-US" dirty="0"/>
           </a:p>
           <a:p>
             <a:pPr lvl="4"/>
@@ -3643,7 +3631,6 @@
               <a:rPr lang="zh-CN" altLang="en-US" dirty="0"/>
               <a:t>第五级</a:t>
             </a:r>
-            <a:endParaRPr lang="zh-CN" altLang="en-US" dirty="0"/>
           </a:p>
         </p:txBody>
       </p:sp>
@@ -3742,10 +3729,6 @@
               </a:rPr>
               <a:t>年毕业设计开题报告</a:t>
             </a:r>
-            <a:endParaRPr lang="zh-CN" altLang="en-US" sz="1600" dirty="0">
-              <a:latin typeface="微软雅黑" panose="020B0503020204020204" pitchFamily="34" charset="-122"/>
-              <a:ea typeface="微软雅黑" panose="020B0503020204020204" pitchFamily="34" charset="-122"/>
-            </a:endParaRPr>
           </a:p>
         </p:txBody>
       </p:sp>
@@ -3758,7 +3741,7 @@
           <p:nvPr userDrawn="1"/>
         </p:nvPicPr>
         <p:blipFill>
-          <a:blip r:embed="rId12" cstate="print">
+          <a:blip r:embed="rId13" cstate="print">
             <a:clrChange>
               <a:clrFrom>
                 <a:srgbClr val="FFFFFF"/>
@@ -4150,10 +4133,6 @@
               </a:rPr>
               <a:t>基于模型的点模式学习算法研究</a:t>
             </a:r>
-            <a:endParaRPr lang="zh-CN" altLang="en-US" sz="2800" b="1" dirty="0">
-              <a:latin typeface="华康俪金黑W8(P)" pitchFamily="34" charset="-122"/>
-              <a:ea typeface="华康俪金黑W8(P)" pitchFamily="34" charset="-122"/>
-            </a:endParaRPr>
           </a:p>
         </p:txBody>
       </p:sp>
@@ -4360,8 +4339,20 @@
                 <a:tableStyleId>{5C22544A-7EE6-4342-B048-85BDC9FD1C3A}</a:tableStyleId>
               </a:tblPr>
               <a:tblGrid>
-                <a:gridCol w="1884334"/>
-                <a:gridCol w="2708154"/>
+                <a:gridCol w="1884334">
+                  <a:extLst>
+                    <a:ext uri="{9D8B030D-6E8A-4147-A177-3AD203B41FA5}">
+                      <a16:colId xmlns:a16="http://schemas.microsoft.com/office/drawing/2014/main" val="20000"/>
+                    </a:ext>
+                  </a:extLst>
+                </a:gridCol>
+                <a:gridCol w="2708154">
+                  <a:extLst>
+                    <a:ext uri="{9D8B030D-6E8A-4147-A177-3AD203B41FA5}">
+                      <a16:colId xmlns:a16="http://schemas.microsoft.com/office/drawing/2014/main" val="20001"/>
+                    </a:ext>
+                  </a:extLst>
+                </a:gridCol>
               </a:tblGrid>
               <a:tr h="340578">
                 <a:tc>
@@ -4377,10 +4368,6 @@
                         </a:rPr>
                         <a:t>学  院</a:t>
                       </a:r>
-                      <a:endParaRPr lang="zh-CN" altLang="en-US" dirty="0">
-                        <a:latin typeface="微软雅黑" panose="020B0503020204020204" pitchFamily="34" charset="-122"/>
-                        <a:ea typeface="微软雅黑" panose="020B0503020204020204" pitchFamily="34" charset="-122"/>
-                      </a:endParaRPr>
                     </a:p>
                   </a:txBody>
                   <a:tcPr/>
@@ -4433,6 +4420,11 @@
                     <a:noFill/>
                   </a:tcPr>
                 </a:tc>
+                <a:extLst>
+                  <a:ext uri="{0D108BD9-81ED-4DB2-BD59-A6C34878D82A}">
+                    <a16:rowId xmlns:a16="http://schemas.microsoft.com/office/drawing/2014/main" val="10000"/>
+                  </a:ext>
+                </a:extLst>
               </a:tr>
               <a:tr h="340578">
                 <a:tc gridSpan="2">
@@ -4449,8 +4441,20 @@
                   </a:tcPr>
                 </a:tc>
                 <a:tc hMerge="1">
+                  <a:txBody>
+                    <a:bodyPr/>
+                    <a:lstStyle/>
+                    <a:p>
+                      <a:endParaRPr lang="zh-CN"/>
+                    </a:p>
+                  </a:txBody>
                   <a:tcPr/>
                 </a:tc>
+                <a:extLst>
+                  <a:ext uri="{0D108BD9-81ED-4DB2-BD59-A6C34878D82A}">
+                    <a16:rowId xmlns:a16="http://schemas.microsoft.com/office/drawing/2014/main" val="10001"/>
+                  </a:ext>
+                </a:extLst>
               </a:tr>
               <a:tr h="340578">
                 <a:tc>
@@ -4470,14 +4474,6 @@
                         </a:rPr>
                         <a:t>专  业</a:t>
                       </a:r>
-                      <a:endParaRPr lang="zh-CN" altLang="en-US" sz="1800" b="1" kern="1200" dirty="0">
-                        <a:solidFill>
-                          <a:schemeClr val="lt1"/>
-                        </a:solidFill>
-                        <a:latin typeface="微软雅黑" panose="020B0503020204020204" pitchFamily="34" charset="-122"/>
-                        <a:ea typeface="微软雅黑" panose="020B0503020204020204" pitchFamily="34" charset="-122"/>
-                        <a:cs typeface="+mn-cs"/>
-                      </a:endParaRPr>
                     </a:p>
                   </a:txBody>
                   <a:tcPr>
@@ -4502,10 +4498,6 @@
                         </a:rPr>
                         <a:t>控制科学与工程</a:t>
                       </a:r>
-                      <a:endParaRPr lang="zh-CN" altLang="en-US" dirty="0">
-                        <a:latin typeface="微软雅黑" panose="020B0503020204020204" pitchFamily="34" charset="-122"/>
-                        <a:ea typeface="微软雅黑" panose="020B0503020204020204" pitchFamily="34" charset="-122"/>
-                      </a:endParaRPr>
                     </a:p>
                   </a:txBody>
                   <a:tcPr>
@@ -4534,6 +4526,11 @@
                     <a:noFill/>
                   </a:tcPr>
                 </a:tc>
+                <a:extLst>
+                  <a:ext uri="{0D108BD9-81ED-4DB2-BD59-A6C34878D82A}">
+                    <a16:rowId xmlns:a16="http://schemas.microsoft.com/office/drawing/2014/main" val="10002"/>
+                  </a:ext>
+                </a:extLst>
               </a:tr>
               <a:tr h="404805">
                 <a:tc gridSpan="2">
@@ -4550,8 +4547,20 @@
                   </a:tcPr>
                 </a:tc>
                 <a:tc hMerge="1">
+                  <a:txBody>
+                    <a:bodyPr/>
+                    <a:lstStyle/>
+                    <a:p>
+                      <a:endParaRPr lang="zh-CN"/>
+                    </a:p>
+                  </a:txBody>
                   <a:tcPr/>
                 </a:tc>
+                <a:extLst>
+                  <a:ext uri="{0D108BD9-81ED-4DB2-BD59-A6C34878D82A}">
+                    <a16:rowId xmlns:a16="http://schemas.microsoft.com/office/drawing/2014/main" val="10003"/>
+                  </a:ext>
+                </a:extLst>
               </a:tr>
               <a:tr h="340578">
                 <a:tc>
@@ -4570,13 +4579,6 @@
                         </a:rPr>
                         <a:t>学生姓名</a:t>
                       </a:r>
-                      <a:endParaRPr lang="zh-CN" altLang="en-US" b="1" dirty="0">
-                        <a:solidFill>
-                          <a:schemeClr val="bg1"/>
-                        </a:solidFill>
-                        <a:latin typeface="微软雅黑" panose="020B0503020204020204" pitchFamily="34" charset="-122"/>
-                        <a:ea typeface="微软雅黑" panose="020B0503020204020204" pitchFamily="34" charset="-122"/>
-                      </a:endParaRPr>
                     </a:p>
                   </a:txBody>
                   <a:tcPr>
@@ -4601,10 +4603,6 @@
                         </a:rPr>
                         <a:t>杨豪杰</a:t>
                       </a:r>
-                      <a:endParaRPr lang="zh-CN" altLang="en-US" dirty="0">
-                        <a:latin typeface="微软雅黑" panose="020B0503020204020204" pitchFamily="34" charset="-122"/>
-                        <a:ea typeface="微软雅黑" panose="020B0503020204020204" pitchFamily="34" charset="-122"/>
-                      </a:endParaRPr>
                     </a:p>
                   </a:txBody>
                   <a:tcPr>
@@ -4631,6 +4629,11 @@
                     <a:noFill/>
                   </a:tcPr>
                 </a:tc>
+                <a:extLst>
+                  <a:ext uri="{0D108BD9-81ED-4DB2-BD59-A6C34878D82A}">
+                    <a16:rowId xmlns:a16="http://schemas.microsoft.com/office/drawing/2014/main" val="10004"/>
+                  </a:ext>
+                </a:extLst>
               </a:tr>
               <a:tr h="340578">
                 <a:tc>
@@ -4698,6 +4701,11 @@
                     <a:noFill/>
                   </a:tcPr>
                 </a:tc>
+                <a:extLst>
+                  <a:ext uri="{0D108BD9-81ED-4DB2-BD59-A6C34878D82A}">
+                    <a16:rowId xmlns:a16="http://schemas.microsoft.com/office/drawing/2014/main" val="10005"/>
+                  </a:ext>
+                </a:extLst>
               </a:tr>
               <a:tr h="340578">
                 <a:tc>
@@ -4716,13 +4724,6 @@
                         </a:rPr>
                         <a:t>导师</a:t>
                       </a:r>
-                      <a:endParaRPr lang="zh-CN" altLang="en-US" b="1" dirty="0">
-                        <a:solidFill>
-                          <a:schemeClr val="bg1"/>
-                        </a:solidFill>
-                        <a:latin typeface="微软雅黑" panose="020B0503020204020204" pitchFamily="34" charset="-122"/>
-                        <a:ea typeface="微软雅黑" panose="020B0503020204020204" pitchFamily="34" charset="-122"/>
-                      </a:endParaRPr>
                     </a:p>
                   </a:txBody>
                   <a:tcPr>
@@ -4761,10 +4762,6 @@
                         </a:rPr>
                         <a:t>李建宁</a:t>
                       </a:r>
-                      <a:endParaRPr lang="zh-CN" altLang="en-US" dirty="0">
-                        <a:latin typeface="微软雅黑" panose="020B0503020204020204" pitchFamily="34" charset="-122"/>
-                        <a:ea typeface="微软雅黑" panose="020B0503020204020204" pitchFamily="34" charset="-122"/>
-                      </a:endParaRPr>
                     </a:p>
                   </a:txBody>
                   <a:tcPr>
@@ -4796,6 +4793,11 @@
                     <a:noFill/>
                   </a:tcPr>
                 </a:tc>
+                <a:extLst>
+                  <a:ext uri="{0D108BD9-81ED-4DB2-BD59-A6C34878D82A}">
+                    <a16:rowId xmlns:a16="http://schemas.microsoft.com/office/drawing/2014/main" val="10006"/>
+                  </a:ext>
+                </a:extLst>
               </a:tr>
             </a:tbl>
           </a:graphicData>
@@ -4810,7 +4812,7 @@
           <p:nvPr/>
         </p:nvPicPr>
         <p:blipFill>
-          <a:blip r:embed="rId1" cstate="print">
+          <a:blip r:embed="rId3" cstate="print">
             <a:extLst>
               <a:ext uri="{28A0092B-C50C-407E-A947-70E740481C1C}">
                 <a14:useLocalDpi xmlns:a14="http://schemas.microsoft.com/office/drawing/2010/main" val="0"/>
@@ -4863,6 +4865,270 @@
           <a:chExt cx="0" cy="0"/>
         </a:xfrm>
       </p:grpSpPr>
+      <p:pic>
+        <p:nvPicPr>
+          <p:cNvPr id="32" name="图片 31">
+            <a:extLst>
+              <a:ext uri="{FF2B5EF4-FFF2-40B4-BE49-F238E27FC236}">
+                <a16:creationId xmlns:a16="http://schemas.microsoft.com/office/drawing/2014/main" id="{2EEEB7B7-985E-4888-8068-F69AD9E1627C}"/>
+              </a:ext>
+            </a:extLst>
+          </p:cNvPr>
+          <p:cNvPicPr>
+            <a:picLocks noChangeAspect="1"/>
+          </p:cNvPicPr>
+          <p:nvPr/>
+        </p:nvPicPr>
+        <p:blipFill>
+          <a:blip r:embed="rId3"/>
+          <a:stretch>
+            <a:fillRect/>
+          </a:stretch>
+        </p:blipFill>
+        <p:spPr>
+          <a:xfrm>
+            <a:off x="1055440" y="2492896"/>
+            <a:ext cx="4783455" cy="2731770"/>
+          </a:xfrm>
+          <a:prstGeom prst="rect">
+            <a:avLst/>
+          </a:prstGeom>
+        </p:spPr>
+      </p:pic>
+      <p:pic>
+        <p:nvPicPr>
+          <p:cNvPr id="33" name="图片 32">
+            <a:extLst>
+              <a:ext uri="{FF2B5EF4-FFF2-40B4-BE49-F238E27FC236}">
+                <a16:creationId xmlns:a16="http://schemas.microsoft.com/office/drawing/2014/main" id="{0ACB4750-14F2-4A50-B9D8-371B72F8189E}"/>
+              </a:ext>
+            </a:extLst>
+          </p:cNvPr>
+          <p:cNvPicPr>
+            <a:picLocks noChangeAspect="1"/>
+          </p:cNvPicPr>
+          <p:nvPr/>
+        </p:nvPicPr>
+        <p:blipFill>
+          <a:blip r:embed="rId4"/>
+          <a:stretch>
+            <a:fillRect/>
+          </a:stretch>
+        </p:blipFill>
+        <p:spPr>
+          <a:xfrm>
+            <a:off x="6281057" y="2492896"/>
+            <a:ext cx="4829175" cy="2914650"/>
+          </a:xfrm>
+          <a:prstGeom prst="rect">
+            <a:avLst/>
+          </a:prstGeom>
+        </p:spPr>
+      </p:pic>
+      <p:sp>
+        <p:nvSpPr>
+          <p:cNvPr id="34" name="文本框 33">
+            <a:extLst>
+              <a:ext uri="{FF2B5EF4-FFF2-40B4-BE49-F238E27FC236}">
+                <a16:creationId xmlns:a16="http://schemas.microsoft.com/office/drawing/2014/main" id="{E2DA865E-23AD-4B6B-9C42-13E49AFC5245}"/>
+              </a:ext>
+            </a:extLst>
+          </p:cNvPr>
+          <p:cNvSpPr txBox="1"/>
+          <p:nvPr/>
+        </p:nvSpPr>
+        <p:spPr>
+          <a:xfrm>
+            <a:off x="3179677" y="5733256"/>
+            <a:ext cx="1224136" cy="369332"/>
+          </a:xfrm>
+          <a:prstGeom prst="rect">
+            <a:avLst/>
+          </a:prstGeom>
+          <a:noFill/>
+        </p:spPr>
+        <p:txBody>
+          <a:bodyPr wrap="square" rtlCol="0">
+            <a:spAutoFit/>
+          </a:bodyPr>
+          <a:lstStyle/>
+          <a:p>
+            <a:r>
+              <a:rPr lang="zh-CN" altLang="en-US" dirty="0">
+                <a:latin typeface="微软雅黑" panose="020B0503020204020204" pitchFamily="34" charset="-122"/>
+                <a:ea typeface="微软雅黑" panose="020B0503020204020204" pitchFamily="34" charset="-122"/>
+              </a:rPr>
+              <a:t>表一</a:t>
+            </a:r>
+          </a:p>
+        </p:txBody>
+      </p:sp>
+      <p:sp>
+        <p:nvSpPr>
+          <p:cNvPr id="37" name="文本框 36">
+            <a:extLst>
+              <a:ext uri="{FF2B5EF4-FFF2-40B4-BE49-F238E27FC236}">
+                <a16:creationId xmlns:a16="http://schemas.microsoft.com/office/drawing/2014/main" id="{6693D166-48C6-4878-B1C4-B3E88FD09C36}"/>
+              </a:ext>
+            </a:extLst>
+          </p:cNvPr>
+          <p:cNvSpPr txBox="1"/>
+          <p:nvPr/>
+        </p:nvSpPr>
+        <p:spPr>
+          <a:xfrm>
+            <a:off x="8400256" y="5733256"/>
+            <a:ext cx="1224136" cy="369332"/>
+          </a:xfrm>
+          <a:prstGeom prst="rect">
+            <a:avLst/>
+          </a:prstGeom>
+          <a:noFill/>
+        </p:spPr>
+        <p:txBody>
+          <a:bodyPr wrap="square" rtlCol="0">
+            <a:spAutoFit/>
+          </a:bodyPr>
+          <a:lstStyle/>
+          <a:p>
+            <a:r>
+              <a:rPr lang="zh-CN" altLang="en-US" dirty="0">
+                <a:latin typeface="微软雅黑" panose="020B0503020204020204" pitchFamily="34" charset="-122"/>
+                <a:ea typeface="微软雅黑" panose="020B0503020204020204" pitchFamily="34" charset="-122"/>
+              </a:rPr>
+              <a:t>表二</a:t>
+            </a:r>
+          </a:p>
+        </p:txBody>
+      </p:sp>
+      <p:sp>
+        <p:nvSpPr>
+          <p:cNvPr id="38" name="文本框 37">
+            <a:extLst>
+              <a:ext uri="{FF2B5EF4-FFF2-40B4-BE49-F238E27FC236}">
+                <a16:creationId xmlns:a16="http://schemas.microsoft.com/office/drawing/2014/main" id="{3F060EC8-DCFE-4161-86F2-FC350F31E541}"/>
+              </a:ext>
+            </a:extLst>
+          </p:cNvPr>
+          <p:cNvSpPr txBox="1"/>
+          <p:nvPr/>
+        </p:nvSpPr>
+        <p:spPr>
+          <a:xfrm>
+            <a:off x="1055439" y="457200"/>
+            <a:ext cx="5040561" cy="1569660"/>
+          </a:xfrm>
+          <a:prstGeom prst="rect">
+            <a:avLst/>
+          </a:prstGeom>
+          <a:noFill/>
+        </p:spPr>
+        <p:txBody>
+          <a:bodyPr wrap="square" rtlCol="0">
+            <a:spAutoFit/>
+          </a:bodyPr>
+          <a:lstStyle/>
+          <a:p>
+            <a:r>
+              <a:rPr lang="zh-CN" altLang="en-US" sz="2400" dirty="0">
+                <a:latin typeface="微软雅黑" panose="020B0503020204020204" pitchFamily="34" charset="-122"/>
+                <a:ea typeface="微软雅黑" panose="020B0503020204020204" pitchFamily="34" charset="-122"/>
+              </a:rPr>
+              <a:t>误差分析：</a:t>
+            </a:r>
+            <a:endParaRPr lang="en-US" altLang="zh-CN" sz="2400" dirty="0">
+              <a:latin typeface="微软雅黑" panose="020B0503020204020204" pitchFamily="34" charset="-122"/>
+              <a:ea typeface="微软雅黑" panose="020B0503020204020204" pitchFamily="34" charset="-122"/>
+            </a:endParaRPr>
+          </a:p>
+          <a:p>
+            <a:r>
+              <a:rPr lang="en-US" altLang="zh-CN" sz="2400" dirty="0">
+                <a:latin typeface="微软雅黑" panose="020B0503020204020204" pitchFamily="34" charset="-122"/>
+                <a:ea typeface="微软雅黑" panose="020B0503020204020204" pitchFamily="34" charset="-122"/>
+              </a:rPr>
+              <a:t>          1</a:t>
+            </a:r>
+            <a:r>
+              <a:rPr lang="zh-CN" altLang="en-US" sz="2400" dirty="0">
+                <a:latin typeface="微软雅黑" panose="020B0503020204020204" pitchFamily="34" charset="-122"/>
+                <a:ea typeface="微软雅黑" panose="020B0503020204020204" pitchFamily="34" charset="-122"/>
+              </a:rPr>
+              <a:t>）训练样本有限</a:t>
+            </a:r>
+            <a:endParaRPr lang="en-US" altLang="zh-CN" sz="2400" dirty="0">
+              <a:latin typeface="微软雅黑" panose="020B0503020204020204" pitchFamily="34" charset="-122"/>
+              <a:ea typeface="微软雅黑" panose="020B0503020204020204" pitchFamily="34" charset="-122"/>
+            </a:endParaRPr>
+          </a:p>
+          <a:p>
+            <a:r>
+              <a:rPr lang="en-US" altLang="zh-CN" sz="2400" dirty="0">
+                <a:latin typeface="微软雅黑" panose="020B0503020204020204" pitchFamily="34" charset="-122"/>
+                <a:ea typeface="微软雅黑" panose="020B0503020204020204" pitchFamily="34" charset="-122"/>
+              </a:rPr>
+              <a:t>          2</a:t>
+            </a:r>
+            <a:r>
+              <a:rPr lang="zh-CN" altLang="en-US" sz="2400" dirty="0">
+                <a:latin typeface="微软雅黑" panose="020B0503020204020204" pitchFamily="34" charset="-122"/>
+                <a:ea typeface="微软雅黑" panose="020B0503020204020204" pitchFamily="34" charset="-122"/>
+              </a:rPr>
+              <a:t>）采样算法具有随机性</a:t>
+            </a:r>
+            <a:endParaRPr lang="en-US" altLang="zh-CN" sz="2400" dirty="0">
+              <a:latin typeface="微软雅黑" panose="020B0503020204020204" pitchFamily="34" charset="-122"/>
+              <a:ea typeface="微软雅黑" panose="020B0503020204020204" pitchFamily="34" charset="-122"/>
+            </a:endParaRPr>
+          </a:p>
+          <a:p>
+            <a:r>
+              <a:rPr lang="en-US" altLang="zh-CN" sz="2400" dirty="0">
+                <a:latin typeface="微软雅黑" panose="020B0503020204020204" pitchFamily="34" charset="-122"/>
+                <a:ea typeface="微软雅黑" panose="020B0503020204020204" pitchFamily="34" charset="-122"/>
+              </a:rPr>
+              <a:t>          3</a:t>
+            </a:r>
+            <a:r>
+              <a:rPr lang="zh-CN" altLang="en-US" sz="2400" dirty="0">
+                <a:latin typeface="微软雅黑" panose="020B0503020204020204" pitchFamily="34" charset="-122"/>
+                <a:ea typeface="微软雅黑" panose="020B0503020204020204" pitchFamily="34" charset="-122"/>
+              </a:rPr>
+              <a:t>）数值计算的误差</a:t>
+            </a:r>
+          </a:p>
+        </p:txBody>
+      </p:sp>
+    </p:spTree>
+    <p:extLst>
+      <p:ext uri="{BB962C8B-B14F-4D97-AF65-F5344CB8AC3E}">
+        <p14:creationId xmlns:p14="http://schemas.microsoft.com/office/powerpoint/2010/main" val="2565888023"/>
+      </p:ext>
+    </p:extLst>
+  </p:cSld>
+  <p:clrMapOvr>
+    <a:masterClrMapping/>
+  </p:clrMapOvr>
+</p:sld>
+</file>
+
+<file path=ppt/slides/slide11.xml><?xml version="1.0" encoding="utf-8"?>
+<p:sld xmlns:a="http://schemas.openxmlformats.org/drawingml/2006/main" xmlns:r="http://schemas.openxmlformats.org/officeDocument/2006/relationships" xmlns:p="http://schemas.openxmlformats.org/presentationml/2006/main">
+  <p:cSld>
+    <p:spTree>
+      <p:nvGrpSpPr>
+        <p:cNvPr id="1" name=""/>
+        <p:cNvGrpSpPr/>
+        <p:nvPr/>
+      </p:nvGrpSpPr>
+      <p:grpSpPr>
+        <a:xfrm>
+          <a:off x="0" y="0"/>
+          <a:ext cx="0" cy="0"/>
+          <a:chOff x="0" y="0"/>
+          <a:chExt cx="0" cy="0"/>
+        </a:xfrm>
+      </p:grpSpPr>
       <p:sp>
         <p:nvSpPr>
           <p:cNvPr id="3" name="矩形 2"/>
@@ -4925,10 +5191,12 @@
           <a:lstStyle/>
           <a:p>
             <a:r>
-              <a:rPr lang="zh-CN" altLang="en-US" sz="1400" dirty="0"/>
+              <a:rPr lang="zh-CN" altLang="en-US" sz="1400" dirty="0">
+                <a:latin typeface="微软雅黑" panose="020B0503020204020204" pitchFamily="34" charset="-122"/>
+                <a:ea typeface="微软雅黑" panose="020B0503020204020204" pitchFamily="34" charset="-122"/>
+              </a:rPr>
               <a:t>图一</a:t>
             </a:r>
-            <a:endParaRPr lang="zh-CN" altLang="en-US" sz="1400" dirty="0"/>
           </a:p>
         </p:txBody>
       </p:sp>
@@ -4955,10 +5223,12 @@
           <a:lstStyle/>
           <a:p>
             <a:r>
-              <a:rPr lang="zh-CN" altLang="en-US" sz="1400" dirty="0"/>
+              <a:rPr lang="zh-CN" altLang="en-US" sz="1400" dirty="0">
+                <a:latin typeface="微软雅黑" panose="020B0503020204020204" pitchFamily="34" charset="-122"/>
+                <a:ea typeface="微软雅黑" panose="020B0503020204020204" pitchFamily="34" charset="-122"/>
+              </a:rPr>
               <a:t>图二</a:t>
             </a:r>
-            <a:endParaRPr lang="zh-CN" altLang="en-US" sz="1400" dirty="0"/>
           </a:p>
         </p:txBody>
       </p:sp>
@@ -4985,10 +5255,12 @@
           <a:lstStyle/>
           <a:p>
             <a:r>
-              <a:rPr lang="zh-CN" altLang="en-US" sz="1400" dirty="0"/>
+              <a:rPr lang="zh-CN" altLang="en-US" sz="1400" dirty="0">
+                <a:latin typeface="微软雅黑" panose="020B0503020204020204" pitchFamily="34" charset="-122"/>
+                <a:ea typeface="微软雅黑" panose="020B0503020204020204" pitchFamily="34" charset="-122"/>
+              </a:rPr>
               <a:t>图三</a:t>
             </a:r>
-            <a:endParaRPr lang="zh-CN" altLang="en-US" sz="1400" dirty="0"/>
           </a:p>
         </p:txBody>
       </p:sp>
@@ -5001,7 +5273,7 @@
           <p:nvPr/>
         </p:nvPicPr>
         <p:blipFill>
-          <a:blip r:embed="rId1" cstate="print">
+          <a:blip r:embed="rId3" cstate="print">
             <a:extLst>
               <a:ext uri="{28A0092B-C50C-407E-A947-70E740481C1C}">
                 <a14:useLocalDpi xmlns:a14="http://schemas.microsoft.com/office/drawing/2010/main" val="0"/>
@@ -5031,7 +5303,7 @@
           <p:nvPr/>
         </p:nvPicPr>
         <p:blipFill>
-          <a:blip r:embed="rId2" cstate="print">
+          <a:blip r:embed="rId4" cstate="print">
             <a:extLst>
               <a:ext uri="{28A0092B-C50C-407E-A947-70E740481C1C}">
                 <a14:useLocalDpi xmlns:a14="http://schemas.microsoft.com/office/drawing/2010/main" val="0"/>
@@ -5061,7 +5333,7 @@
           <p:nvPr/>
         </p:nvPicPr>
         <p:blipFill>
-          <a:blip r:embed="rId3" cstate="print">
+          <a:blip r:embed="rId5" cstate="print">
             <a:extLst>
               <a:ext uri="{28A0092B-C50C-407E-A947-70E740481C1C}">
                 <a14:useLocalDpi xmlns:a14="http://schemas.microsoft.com/office/drawing/2010/main" val="0"/>
@@ -5101,10 +5373,34 @@
                 <a:tableStyleId>{5C22544A-7EE6-4342-B048-85BDC9FD1C3A}</a:tableStyleId>
               </a:tblPr>
               <a:tblGrid>
-                <a:gridCol w="2308543"/>
-                <a:gridCol w="1656000"/>
-                <a:gridCol w="1656000"/>
-                <a:gridCol w="1656000"/>
+                <a:gridCol w="2308543">
+                  <a:extLst>
+                    <a:ext uri="{9D8B030D-6E8A-4147-A177-3AD203B41FA5}">
+                      <a16:colId xmlns:a16="http://schemas.microsoft.com/office/drawing/2014/main" val="20000"/>
+                    </a:ext>
+                  </a:extLst>
+                </a:gridCol>
+                <a:gridCol w="1656000">
+                  <a:extLst>
+                    <a:ext uri="{9D8B030D-6E8A-4147-A177-3AD203B41FA5}">
+                      <a16:colId xmlns:a16="http://schemas.microsoft.com/office/drawing/2014/main" val="20001"/>
+                    </a:ext>
+                  </a:extLst>
+                </a:gridCol>
+                <a:gridCol w="1656000">
+                  <a:extLst>
+                    <a:ext uri="{9D8B030D-6E8A-4147-A177-3AD203B41FA5}">
+                      <a16:colId xmlns:a16="http://schemas.microsoft.com/office/drawing/2014/main" val="20002"/>
+                    </a:ext>
+                  </a:extLst>
+                </a:gridCol>
+                <a:gridCol w="1656000">
+                  <a:extLst>
+                    <a:ext uri="{9D8B030D-6E8A-4147-A177-3AD203B41FA5}">
+                      <a16:colId xmlns:a16="http://schemas.microsoft.com/office/drawing/2014/main" val="20003"/>
+                    </a:ext>
+                  </a:extLst>
+                </a:gridCol>
               </a:tblGrid>
               <a:tr h="497601">
                 <a:tc>
@@ -5125,15 +5421,6 @@
                         </a:rPr>
                         <a:t>背景介绍及研究意义</a:t>
                       </a:r>
-                      <a:endParaRPr lang="zh-CN" altLang="en-US" b="0" dirty="0">
-                        <a:solidFill>
-                          <a:schemeClr val="accent1">
-                            <a:lumMod val="75000"/>
-                          </a:schemeClr>
-                        </a:solidFill>
-                        <a:latin typeface="微软雅黑" panose="020B0503020204020204" pitchFamily="34" charset="-122"/>
-                        <a:ea typeface="微软雅黑" panose="020B0503020204020204" pitchFamily="34" charset="-122"/>
-                      </a:endParaRPr>
                     </a:p>
                   </a:txBody>
                   <a:tcPr anchor="b">
@@ -5215,13 +5502,6 @@
                         </a:rPr>
                         <a:t>研究内容</a:t>
                       </a:r>
-                      <a:endParaRPr lang="zh-CN" altLang="en-US" b="1" dirty="0">
-                        <a:solidFill>
-                          <a:schemeClr val="bg1"/>
-                        </a:solidFill>
-                        <a:latin typeface="微软雅黑" panose="020B0503020204020204" pitchFamily="34" charset="-122"/>
-                        <a:ea typeface="微软雅黑" panose="020B0503020204020204" pitchFamily="34" charset="-122"/>
-                      </a:endParaRPr>
                     </a:p>
                   </a:txBody>
                   <a:tcPr anchor="ctr">
@@ -5307,15 +5587,6 @@
                         </a:rPr>
                         <a:t>研究计划</a:t>
                       </a:r>
-                      <a:endParaRPr lang="zh-CN" altLang="en-US" b="0" dirty="0">
-                        <a:solidFill>
-                          <a:schemeClr val="accent1">
-                            <a:lumMod val="75000"/>
-                          </a:schemeClr>
-                        </a:solidFill>
-                        <a:latin typeface="微软雅黑" panose="020B0503020204020204" pitchFamily="34" charset="-122"/>
-                        <a:ea typeface="微软雅黑" panose="020B0503020204020204" pitchFamily="34" charset="-122"/>
-                      </a:endParaRPr>
                     </a:p>
                   </a:txBody>
                   <a:tcPr anchor="b">
@@ -5399,15 +5670,6 @@
                         </a:rPr>
                         <a:t>研究进展</a:t>
                       </a:r>
-                      <a:endParaRPr lang="zh-CN" altLang="en-US" b="0" dirty="0">
-                        <a:solidFill>
-                          <a:schemeClr val="accent1">
-                            <a:lumMod val="75000"/>
-                          </a:schemeClr>
-                        </a:solidFill>
-                        <a:latin typeface="微软雅黑" panose="020B0503020204020204" pitchFamily="34" charset="-122"/>
-                        <a:ea typeface="微软雅黑" panose="020B0503020204020204" pitchFamily="34" charset="-122"/>
-                      </a:endParaRPr>
                     </a:p>
                   </a:txBody>
                   <a:tcPr anchor="b">
@@ -5458,6 +5720,11 @@
                     <a:noFill/>
                   </a:tcPr>
                 </a:tc>
+                <a:extLst>
+                  <a:ext uri="{0D108BD9-81ED-4DB2-BD59-A6C34878D82A}">
+                    <a16:rowId xmlns:a16="http://schemas.microsoft.com/office/drawing/2014/main" val="10000"/>
+                  </a:ext>
+                </a:extLst>
               </a:tr>
               <a:tr h="164799">
                 <a:tc>
@@ -5528,6 +5795,13 @@
                   </a:tcPr>
                 </a:tc>
                 <a:tc vMerge="1">
+                  <a:txBody>
+                    <a:bodyPr/>
+                    <a:lstStyle/>
+                    <a:p>
+                      <a:endParaRPr lang="zh-CN"/>
+                    </a:p>
+                  </a:txBody>
                   <a:tcPr anchor="ctr">
                     <a:lnL w="57150" cap="flat" cmpd="sng" algn="ctr">
                       <a:solidFill>
@@ -5712,11 +5986,54 @@
                     </a:solidFill>
                   </a:tcPr>
                 </a:tc>
+                <a:extLst>
+                  <a:ext uri="{0D108BD9-81ED-4DB2-BD59-A6C34878D82A}">
+                    <a16:rowId xmlns:a16="http://schemas.microsoft.com/office/drawing/2014/main" val="10001"/>
+                  </a:ext>
+                </a:extLst>
               </a:tr>
             </a:tbl>
           </a:graphicData>
         </a:graphic>
       </p:graphicFrame>
+      <p:sp>
+        <p:nvSpPr>
+          <p:cNvPr id="2" name="文本框 1">
+            <a:extLst>
+              <a:ext uri="{FF2B5EF4-FFF2-40B4-BE49-F238E27FC236}">
+                <a16:creationId xmlns:a16="http://schemas.microsoft.com/office/drawing/2014/main" id="{CFE67AFA-A7CC-42CB-97A2-72BB6E89C401}"/>
+              </a:ext>
+            </a:extLst>
+          </p:cNvPr>
+          <p:cNvSpPr txBox="1"/>
+          <p:nvPr/>
+        </p:nvSpPr>
+        <p:spPr>
+          <a:xfrm>
+            <a:off x="6925334" y="4229878"/>
+            <a:ext cx="2304256" cy="1754326"/>
+          </a:xfrm>
+          <a:prstGeom prst="rect">
+            <a:avLst/>
+          </a:prstGeom>
+          <a:noFill/>
+        </p:spPr>
+        <p:txBody>
+          <a:bodyPr wrap="square" rtlCol="0">
+            <a:spAutoFit/>
+          </a:bodyPr>
+          <a:lstStyle/>
+          <a:p>
+            <a:r>
+              <a:rPr lang="zh-CN" altLang="en-US" dirty="0">
+                <a:latin typeface="微软雅黑" panose="020B0503020204020204" pitchFamily="34" charset="-122"/>
+                <a:ea typeface="微软雅黑" panose="020B0503020204020204" pitchFamily="34" charset="-122"/>
+              </a:rPr>
+              <a:t>总结：结合模型复杂度估计的方法，可以最大程度避免主观判断对分类性能的影响，并且保证良好的分类性能。</a:t>
+            </a:r>
+          </a:p>
+        </p:txBody>
+      </p:sp>
     </p:spTree>
   </p:cSld>
   <p:clrMapOvr>
@@ -5725,7 +6042,7 @@
 </p:sld>
 </file>
 
-<file path=ppt/slides/slide11.xml><?xml version="1.0" encoding="utf-8"?>
+<file path=ppt/slides/slide12.xml><?xml version="1.0" encoding="utf-8"?>
 <p:sld xmlns:a="http://schemas.openxmlformats.org/drawingml/2006/main" xmlns:r="http://schemas.openxmlformats.org/officeDocument/2006/relationships" xmlns:p="http://schemas.openxmlformats.org/presentationml/2006/main">
   <p:cSld>
     <p:spTree>
@@ -5742,17 +6059,11 @@
           <a:chExt cx="0" cy="0"/>
         </a:xfrm>
       </p:grpSpPr>
-      <mc:AlternateContent xmlns:mc="http://schemas.openxmlformats.org/markup-compatibility/2006">
-        <mc:Choice xmlns:a14="http://schemas.microsoft.com/office/drawing/2010/main" Requires="a14">
+      <mc:AlternateContent xmlns:mc="http://schemas.openxmlformats.org/markup-compatibility/2006" xmlns:a14="http://schemas.microsoft.com/office/drawing/2010/main">
+        <mc:Choice Requires="a14">
           <p:sp>
             <p:nvSpPr>
-              <p:cNvPr id="3" name="矩形 2">
-                <a:extLst>
-                  <a:ext uri="{FF2B5EF4-FFF2-40B4-BE49-F238E27FC236}">
-                    <ele attr="{C7318055-86B6-4E43-B3C2-20A2B1E76418}"/>
-                  </a:ext>
-                </a:extLst>
-              </p:cNvPr>
+              <p:cNvPr id="3" name="矩形 2"/>
               <p:cNvSpPr/>
               <p:nvPr/>
             </p:nvSpPr>
@@ -6455,7 +6766,7 @@
             </p:txBody>
           </p:sp>
         </mc:Choice>
-        <mc:Fallback>
+        <mc:Fallback xmlns="">
           <p:sp>
             <p:nvSpPr>
               <p:cNvPr id="3" name="矩形 2"/>
@@ -6473,7 +6784,7 @@
                 <a:avLst/>
               </a:prstGeom>
               <a:blipFill rotWithShape="1">
-                <a:blip r:embed="rId1"/>
+                <a:blip r:embed="rId3"/>
                 <a:stretch>
                   <a:fillRect l="-1210" t="-2058" r="-951" b="-2230"/>
                 </a:stretch>
@@ -6516,10 +6827,34 @@
                 <a:tableStyleId>{5C22544A-7EE6-4342-B048-85BDC9FD1C3A}</a:tableStyleId>
               </a:tblPr>
               <a:tblGrid>
-                <a:gridCol w="2308543"/>
-                <a:gridCol w="1656000"/>
-                <a:gridCol w="1656000"/>
-                <a:gridCol w="1656000"/>
+                <a:gridCol w="2308543">
+                  <a:extLst>
+                    <a:ext uri="{9D8B030D-6E8A-4147-A177-3AD203B41FA5}">
+                      <a16:colId xmlns:a16="http://schemas.microsoft.com/office/drawing/2014/main" val="20000"/>
+                    </a:ext>
+                  </a:extLst>
+                </a:gridCol>
+                <a:gridCol w="1656000">
+                  <a:extLst>
+                    <a:ext uri="{9D8B030D-6E8A-4147-A177-3AD203B41FA5}">
+                      <a16:colId xmlns:a16="http://schemas.microsoft.com/office/drawing/2014/main" val="20001"/>
+                    </a:ext>
+                  </a:extLst>
+                </a:gridCol>
+                <a:gridCol w="1656000">
+                  <a:extLst>
+                    <a:ext uri="{9D8B030D-6E8A-4147-A177-3AD203B41FA5}">
+                      <a16:colId xmlns:a16="http://schemas.microsoft.com/office/drawing/2014/main" val="20002"/>
+                    </a:ext>
+                  </a:extLst>
+                </a:gridCol>
+                <a:gridCol w="1656000">
+                  <a:extLst>
+                    <a:ext uri="{9D8B030D-6E8A-4147-A177-3AD203B41FA5}">
+                      <a16:colId xmlns:a16="http://schemas.microsoft.com/office/drawing/2014/main" val="20003"/>
+                    </a:ext>
+                  </a:extLst>
+                </a:gridCol>
               </a:tblGrid>
               <a:tr h="497601">
                 <a:tc>
@@ -6540,15 +6875,6 @@
                         </a:rPr>
                         <a:t>背景介绍及研究意义</a:t>
                       </a:r>
-                      <a:endParaRPr lang="zh-CN" altLang="en-US" b="0" dirty="0">
-                        <a:solidFill>
-                          <a:schemeClr val="accent1">
-                            <a:lumMod val="75000"/>
-                          </a:schemeClr>
-                        </a:solidFill>
-                        <a:latin typeface="微软雅黑" panose="020B0503020204020204" pitchFamily="34" charset="-122"/>
-                        <a:ea typeface="微软雅黑" panose="020B0503020204020204" pitchFamily="34" charset="-122"/>
-                      </a:endParaRPr>
                     </a:p>
                   </a:txBody>
                   <a:tcPr anchor="b">
@@ -6630,13 +6956,6 @@
                         </a:rPr>
                         <a:t>研究内容</a:t>
                       </a:r>
-                      <a:endParaRPr lang="zh-CN" altLang="en-US" b="1" dirty="0">
-                        <a:solidFill>
-                          <a:schemeClr val="bg1"/>
-                        </a:solidFill>
-                        <a:latin typeface="微软雅黑" panose="020B0503020204020204" pitchFamily="34" charset="-122"/>
-                        <a:ea typeface="微软雅黑" panose="020B0503020204020204" pitchFamily="34" charset="-122"/>
-                      </a:endParaRPr>
                     </a:p>
                   </a:txBody>
                   <a:tcPr anchor="ctr">
@@ -6722,15 +7041,6 @@
                         </a:rPr>
                         <a:t>研究计划</a:t>
                       </a:r>
-                      <a:endParaRPr lang="zh-CN" altLang="en-US" b="0" dirty="0">
-                        <a:solidFill>
-                          <a:schemeClr val="accent1">
-                            <a:lumMod val="75000"/>
-                          </a:schemeClr>
-                        </a:solidFill>
-                        <a:latin typeface="微软雅黑" panose="020B0503020204020204" pitchFamily="34" charset="-122"/>
-                        <a:ea typeface="微软雅黑" panose="020B0503020204020204" pitchFamily="34" charset="-122"/>
-                      </a:endParaRPr>
                     </a:p>
                   </a:txBody>
                   <a:tcPr anchor="b">
@@ -6814,15 +7124,6 @@
                         </a:rPr>
                         <a:t>研究进展</a:t>
                       </a:r>
-                      <a:endParaRPr lang="zh-CN" altLang="en-US" b="0" dirty="0">
-                        <a:solidFill>
-                          <a:schemeClr val="accent1">
-                            <a:lumMod val="75000"/>
-                          </a:schemeClr>
-                        </a:solidFill>
-                        <a:latin typeface="微软雅黑" panose="020B0503020204020204" pitchFamily="34" charset="-122"/>
-                        <a:ea typeface="微软雅黑" panose="020B0503020204020204" pitchFamily="34" charset="-122"/>
-                      </a:endParaRPr>
                     </a:p>
                   </a:txBody>
                   <a:tcPr anchor="b">
@@ -6873,6 +7174,11 @@
                     <a:noFill/>
                   </a:tcPr>
                 </a:tc>
+                <a:extLst>
+                  <a:ext uri="{0D108BD9-81ED-4DB2-BD59-A6C34878D82A}">
+                    <a16:rowId xmlns:a16="http://schemas.microsoft.com/office/drawing/2014/main" val="10000"/>
+                  </a:ext>
+                </a:extLst>
               </a:tr>
               <a:tr h="164799">
                 <a:tc>
@@ -6943,6 +7249,13 @@
                   </a:tcPr>
                 </a:tc>
                 <a:tc vMerge="1">
+                  <a:txBody>
+                    <a:bodyPr/>
+                    <a:lstStyle/>
+                    <a:p>
+                      <a:endParaRPr lang="zh-CN"/>
+                    </a:p>
+                  </a:txBody>
                   <a:tcPr anchor="ctr">
                     <a:lnL w="57150" cap="flat" cmpd="sng" algn="ctr">
                       <a:solidFill>
@@ -7127,6 +7440,11 @@
                     </a:solidFill>
                   </a:tcPr>
                 </a:tc>
+                <a:extLst>
+                  <a:ext uri="{0D108BD9-81ED-4DB2-BD59-A6C34878D82A}">
+                    <a16:rowId xmlns:a16="http://schemas.microsoft.com/office/drawing/2014/main" val="10001"/>
+                  </a:ext>
+                </a:extLst>
               </a:tr>
             </a:tbl>
           </a:graphicData>
@@ -7211,7 +7529,7 @@
 </p:sld>
 </file>
 
-<file path=ppt/slides/slide12.xml><?xml version="1.0" encoding="utf-8"?>
+<file path=ppt/slides/slide13.xml><?xml version="1.0" encoding="utf-8"?>
 <p:sld xmlns:a="http://schemas.openxmlformats.org/drawingml/2006/main" xmlns:r="http://schemas.openxmlformats.org/officeDocument/2006/relationships" xmlns:p="http://schemas.openxmlformats.org/presentationml/2006/main">
   <p:cSld>
     <p:spTree>
@@ -7329,10 +7647,34 @@
                 <a:tableStyleId>{5C22544A-7EE6-4342-B048-85BDC9FD1C3A}</a:tableStyleId>
               </a:tblPr>
               <a:tblGrid>
-                <a:gridCol w="2308543"/>
-                <a:gridCol w="1656000"/>
-                <a:gridCol w="1656000"/>
-                <a:gridCol w="1656000"/>
+                <a:gridCol w="2308543">
+                  <a:extLst>
+                    <a:ext uri="{9D8B030D-6E8A-4147-A177-3AD203B41FA5}">
+                      <a16:colId xmlns:a16="http://schemas.microsoft.com/office/drawing/2014/main" val="20000"/>
+                    </a:ext>
+                  </a:extLst>
+                </a:gridCol>
+                <a:gridCol w="1656000">
+                  <a:extLst>
+                    <a:ext uri="{9D8B030D-6E8A-4147-A177-3AD203B41FA5}">
+                      <a16:colId xmlns:a16="http://schemas.microsoft.com/office/drawing/2014/main" val="20001"/>
+                    </a:ext>
+                  </a:extLst>
+                </a:gridCol>
+                <a:gridCol w="1656000">
+                  <a:extLst>
+                    <a:ext uri="{9D8B030D-6E8A-4147-A177-3AD203B41FA5}">
+                      <a16:colId xmlns:a16="http://schemas.microsoft.com/office/drawing/2014/main" val="20002"/>
+                    </a:ext>
+                  </a:extLst>
+                </a:gridCol>
+                <a:gridCol w="1656000">
+                  <a:extLst>
+                    <a:ext uri="{9D8B030D-6E8A-4147-A177-3AD203B41FA5}">
+                      <a16:colId xmlns:a16="http://schemas.microsoft.com/office/drawing/2014/main" val="20003"/>
+                    </a:ext>
+                  </a:extLst>
+                </a:gridCol>
               </a:tblGrid>
               <a:tr h="497601">
                 <a:tc>
@@ -7353,15 +7695,6 @@
                         </a:rPr>
                         <a:t>背景介绍及研究意义</a:t>
                       </a:r>
-                      <a:endParaRPr lang="zh-CN" altLang="en-US" b="0" dirty="0">
-                        <a:solidFill>
-                          <a:schemeClr val="accent1">
-                            <a:lumMod val="75000"/>
-                          </a:schemeClr>
-                        </a:solidFill>
-                        <a:latin typeface="微软雅黑" panose="020B0503020204020204" pitchFamily="34" charset="-122"/>
-                        <a:ea typeface="微软雅黑" panose="020B0503020204020204" pitchFamily="34" charset="-122"/>
-                      </a:endParaRPr>
                     </a:p>
                   </a:txBody>
                   <a:tcPr anchor="b">
@@ -7443,13 +7776,6 @@
                         </a:rPr>
                         <a:t>研究内容</a:t>
                       </a:r>
-                      <a:endParaRPr lang="zh-CN" altLang="en-US" b="1" dirty="0">
-                        <a:solidFill>
-                          <a:schemeClr val="bg1"/>
-                        </a:solidFill>
-                        <a:latin typeface="微软雅黑" panose="020B0503020204020204" pitchFamily="34" charset="-122"/>
-                        <a:ea typeface="微软雅黑" panose="020B0503020204020204" pitchFamily="34" charset="-122"/>
-                      </a:endParaRPr>
                     </a:p>
                   </a:txBody>
                   <a:tcPr anchor="ctr">
@@ -7535,15 +7861,6 @@
                         </a:rPr>
                         <a:t>研究计划</a:t>
                       </a:r>
-                      <a:endParaRPr lang="zh-CN" altLang="en-US" b="0" dirty="0">
-                        <a:solidFill>
-                          <a:schemeClr val="accent1">
-                            <a:lumMod val="75000"/>
-                          </a:schemeClr>
-                        </a:solidFill>
-                        <a:latin typeface="微软雅黑" panose="020B0503020204020204" pitchFamily="34" charset="-122"/>
-                        <a:ea typeface="微软雅黑" panose="020B0503020204020204" pitchFamily="34" charset="-122"/>
-                      </a:endParaRPr>
                     </a:p>
                   </a:txBody>
                   <a:tcPr anchor="b">
@@ -7627,15 +7944,6 @@
                         </a:rPr>
                         <a:t>研究进展</a:t>
                       </a:r>
-                      <a:endParaRPr lang="zh-CN" altLang="en-US" b="0" dirty="0">
-                        <a:solidFill>
-                          <a:schemeClr val="accent1">
-                            <a:lumMod val="75000"/>
-                          </a:schemeClr>
-                        </a:solidFill>
-                        <a:latin typeface="微软雅黑" panose="020B0503020204020204" pitchFamily="34" charset="-122"/>
-                        <a:ea typeface="微软雅黑" panose="020B0503020204020204" pitchFamily="34" charset="-122"/>
-                      </a:endParaRPr>
                     </a:p>
                   </a:txBody>
                   <a:tcPr anchor="b">
@@ -7686,6 +7994,11 @@
                     <a:noFill/>
                   </a:tcPr>
                 </a:tc>
+                <a:extLst>
+                  <a:ext uri="{0D108BD9-81ED-4DB2-BD59-A6C34878D82A}">
+                    <a16:rowId xmlns:a16="http://schemas.microsoft.com/office/drawing/2014/main" val="10000"/>
+                  </a:ext>
+                </a:extLst>
               </a:tr>
               <a:tr h="164799">
                 <a:tc>
@@ -7756,6 +8069,13 @@
                   </a:tcPr>
                 </a:tc>
                 <a:tc vMerge="1">
+                  <a:txBody>
+                    <a:bodyPr/>
+                    <a:lstStyle/>
+                    <a:p>
+                      <a:endParaRPr lang="zh-CN"/>
+                    </a:p>
+                  </a:txBody>
                   <a:tcPr anchor="ctr">
                     <a:lnL w="57150" cap="flat" cmpd="sng" algn="ctr">
                       <a:solidFill>
@@ -7940,6 +8260,11 @@
                     </a:solidFill>
                   </a:tcPr>
                 </a:tc>
+                <a:extLst>
+                  <a:ext uri="{0D108BD9-81ED-4DB2-BD59-A6C34878D82A}">
+                    <a16:rowId xmlns:a16="http://schemas.microsoft.com/office/drawing/2014/main" val="10001"/>
+                  </a:ext>
+                </a:extLst>
               </a:tr>
             </a:tbl>
           </a:graphicData>
@@ -8025,7 +8350,7 @@
           <p:nvPr/>
         </p:nvPicPr>
         <p:blipFill>
-          <a:blip r:embed="rId1"/>
+          <a:blip r:embed="rId3"/>
           <a:stretch>
             <a:fillRect/>
           </a:stretch>
@@ -8049,7 +8374,7 @@
           <p:nvPr/>
         </p:nvPicPr>
         <p:blipFill>
-          <a:blip r:embed="rId2"/>
+          <a:blip r:embed="rId4"/>
           <a:stretch>
             <a:fillRect/>
           </a:stretch>
@@ -8072,7 +8397,7 @@
 </p:sld>
 </file>
 
-<file path=ppt/slides/slide13.xml><?xml version="1.0" encoding="utf-8"?>
+<file path=ppt/slides/slide14.xml><?xml version="1.0" encoding="utf-8"?>
 <p:sld xmlns:a="http://schemas.openxmlformats.org/drawingml/2006/main" xmlns:r="http://schemas.openxmlformats.org/officeDocument/2006/relationships" xmlns:p="http://schemas.openxmlformats.org/presentationml/2006/main">
   <p:cSld>
     <p:spTree>
@@ -8108,10 +8433,34 @@
                 <a:tableStyleId>{5C22544A-7EE6-4342-B048-85BDC9FD1C3A}</a:tableStyleId>
               </a:tblPr>
               <a:tblGrid>
-                <a:gridCol w="2441580"/>
-                <a:gridCol w="1181007"/>
-                <a:gridCol w="1811294"/>
-                <a:gridCol w="1811294"/>
+                <a:gridCol w="2441580">
+                  <a:extLst>
+                    <a:ext uri="{9D8B030D-6E8A-4147-A177-3AD203B41FA5}">
+                      <a16:colId xmlns:a16="http://schemas.microsoft.com/office/drawing/2014/main" val="20000"/>
+                    </a:ext>
+                  </a:extLst>
+                </a:gridCol>
+                <a:gridCol w="1181007">
+                  <a:extLst>
+                    <a:ext uri="{9D8B030D-6E8A-4147-A177-3AD203B41FA5}">
+                      <a16:colId xmlns:a16="http://schemas.microsoft.com/office/drawing/2014/main" val="20001"/>
+                    </a:ext>
+                  </a:extLst>
+                </a:gridCol>
+                <a:gridCol w="1811294">
+                  <a:extLst>
+                    <a:ext uri="{9D8B030D-6E8A-4147-A177-3AD203B41FA5}">
+                      <a16:colId xmlns:a16="http://schemas.microsoft.com/office/drawing/2014/main" val="20002"/>
+                    </a:ext>
+                  </a:extLst>
+                </a:gridCol>
+                <a:gridCol w="1811294">
+                  <a:extLst>
+                    <a:ext uri="{9D8B030D-6E8A-4147-A177-3AD203B41FA5}">
+                      <a16:colId xmlns:a16="http://schemas.microsoft.com/office/drawing/2014/main" val="20003"/>
+                    </a:ext>
+                  </a:extLst>
+                </a:gridCol>
               </a:tblGrid>
               <a:tr h="497601">
                 <a:tc>
@@ -8147,15 +8496,6 @@
                         </a:rPr>
                         <a:t>背景介绍及研究意义</a:t>
                       </a:r>
-                      <a:endParaRPr lang="zh-CN" altLang="en-US" b="0" dirty="0">
-                        <a:solidFill>
-                          <a:schemeClr val="accent1">
-                            <a:lumMod val="75000"/>
-                          </a:schemeClr>
-                        </a:solidFill>
-                        <a:latin typeface="微软雅黑" panose="020B0503020204020204" pitchFamily="34" charset="-122"/>
-                        <a:ea typeface="微软雅黑" panose="020B0503020204020204" pitchFamily="34" charset="-122"/>
-                      </a:endParaRPr>
                     </a:p>
                   </a:txBody>
                   <a:tcPr anchor="b">
@@ -8224,15 +8564,6 @@
                         </a:rPr>
                         <a:t>研究方法</a:t>
                       </a:r>
-                      <a:endParaRPr lang="zh-CN" altLang="en-US" b="0" dirty="0">
-                        <a:solidFill>
-                          <a:schemeClr val="accent1">
-                            <a:lumMod val="75000"/>
-                          </a:schemeClr>
-                        </a:solidFill>
-                        <a:latin typeface="微软雅黑" panose="020B0503020204020204" pitchFamily="34" charset="-122"/>
-                        <a:ea typeface="微软雅黑" panose="020B0503020204020204" pitchFamily="34" charset="-122"/>
-                      </a:endParaRPr>
                     </a:p>
                   </a:txBody>
                   <a:tcPr anchor="b">
@@ -8314,13 +8645,6 @@
                         </a:rPr>
                         <a:t>研究计划</a:t>
                       </a:r>
-                      <a:endParaRPr lang="zh-CN" altLang="en-US" b="1" dirty="0">
-                        <a:solidFill>
-                          <a:schemeClr val="bg1"/>
-                        </a:solidFill>
-                        <a:latin typeface="微软雅黑" panose="020B0503020204020204" pitchFamily="34" charset="-122"/>
-                        <a:ea typeface="微软雅黑" panose="020B0503020204020204" pitchFamily="34" charset="-122"/>
-                      </a:endParaRPr>
                     </a:p>
                   </a:txBody>
                   <a:tcPr anchor="ctr">
@@ -8406,15 +8730,6 @@
                         </a:rPr>
                         <a:t>研究进展</a:t>
                       </a:r>
-                      <a:endParaRPr lang="zh-CN" altLang="en-US" b="0" dirty="0">
-                        <a:solidFill>
-                          <a:schemeClr val="accent1">
-                            <a:lumMod val="75000"/>
-                          </a:schemeClr>
-                        </a:solidFill>
-                        <a:latin typeface="微软雅黑" panose="020B0503020204020204" pitchFamily="34" charset="-122"/>
-                        <a:ea typeface="微软雅黑" panose="020B0503020204020204" pitchFamily="34" charset="-122"/>
-                      </a:endParaRPr>
                     </a:p>
                   </a:txBody>
                   <a:tcPr anchor="b">
@@ -8465,6 +8780,11 @@
                     <a:noFill/>
                   </a:tcPr>
                 </a:tc>
+                <a:extLst>
+                  <a:ext uri="{0D108BD9-81ED-4DB2-BD59-A6C34878D82A}">
+                    <a16:rowId xmlns:a16="http://schemas.microsoft.com/office/drawing/2014/main" val="10000"/>
+                  </a:ext>
+                </a:extLst>
               </a:tr>
               <a:tr h="164799">
                 <a:tc>
@@ -8602,6 +8922,13 @@
                   </a:tcPr>
                 </a:tc>
                 <a:tc vMerge="1">
+                  <a:txBody>
+                    <a:bodyPr/>
+                    <a:lstStyle/>
+                    <a:p>
+                      <a:endParaRPr lang="zh-CN"/>
+                    </a:p>
+                  </a:txBody>
                   <a:tcPr anchor="ctr">
                     <a:lnL w="57150" cap="flat" cmpd="sng" algn="ctr">
                       <a:solidFill>
@@ -8719,6 +9046,11 @@
                     </a:solidFill>
                   </a:tcPr>
                 </a:tc>
+                <a:extLst>
+                  <a:ext uri="{0D108BD9-81ED-4DB2-BD59-A6C34878D82A}">
+                    <a16:rowId xmlns:a16="http://schemas.microsoft.com/office/drawing/2014/main" val="10001"/>
+                  </a:ext>
+                </a:extLst>
               </a:tr>
             </a:tbl>
           </a:graphicData>
@@ -8765,22 +9097,6 @@
               </a:rPr>
               <a:t>时间阶段：</a:t>
             </a:r>
-            <a:endParaRPr lang="zh-CN" altLang="en-US" sz="2000" b="1" dirty="0">
-              <a:solidFill>
-                <a:schemeClr val="accent1">
-                  <a:lumMod val="75000"/>
-                </a:schemeClr>
-              </a:solidFill>
-              <a:effectLst>
-                <a:outerShdw blurRad="38100" dist="38100" dir="2700000" algn="tl">
-                  <a:srgbClr val="000000">
-                    <a:alpha val="43137"/>
-                  </a:srgbClr>
-                </a:outerShdw>
-              </a:effectLst>
-              <a:latin typeface="微软雅黑" panose="020B0503020204020204" pitchFamily="34" charset="-122"/>
-              <a:ea typeface="微软雅黑" panose="020B0503020204020204" pitchFamily="34" charset="-122"/>
-            </a:endParaRPr>
           </a:p>
         </p:txBody>
       </p:sp>
@@ -9741,13 +10057,6 @@
               </a:rPr>
               <a:t>进行前期的预研工作</a:t>
             </a:r>
-            <a:endParaRPr lang="zh-CN" altLang="en-US" sz="1600" dirty="0">
-              <a:solidFill>
-                <a:srgbClr val="000000"/>
-              </a:solidFill>
-              <a:latin typeface="华文新魏" pitchFamily="2" charset="-122"/>
-              <a:ea typeface="华文新魏" pitchFamily="2" charset="-122"/>
-            </a:endParaRPr>
           </a:p>
         </p:txBody>
       </p:sp>
@@ -9833,15 +10142,6 @@
               </a:rPr>
               <a:t>-</a:t>
             </a:r>
-            <a:endParaRPr lang="en-US" altLang="zh-CN" b="1" dirty="0">
-              <a:solidFill>
-                <a:schemeClr val="accent1">
-                  <a:lumMod val="75000"/>
-                </a:schemeClr>
-              </a:solidFill>
-              <a:latin typeface="微软雅黑" panose="020B0503020204020204" pitchFamily="34" charset="-122"/>
-              <a:ea typeface="微软雅黑" panose="020B0503020204020204" pitchFamily="34" charset="-122"/>
-            </a:endParaRPr>
           </a:p>
           <a:p>
             <a:r>
@@ -9892,15 +10192,6 @@
               </a:rPr>
               <a:t>月</a:t>
             </a:r>
-            <a:endParaRPr lang="zh-CN" altLang="en-US" b="1" dirty="0">
-              <a:solidFill>
-                <a:schemeClr val="accent1">
-                  <a:lumMod val="75000"/>
-                </a:schemeClr>
-              </a:solidFill>
-              <a:latin typeface="微软雅黑" panose="020B0503020204020204" pitchFamily="34" charset="-122"/>
-              <a:ea typeface="微软雅黑" panose="020B0503020204020204" pitchFamily="34" charset="-122"/>
-            </a:endParaRPr>
           </a:p>
         </p:txBody>
       </p:sp>
@@ -10050,15 +10341,6 @@
               </a:rPr>
               <a:t>-</a:t>
             </a:r>
-            <a:endParaRPr lang="en-US" altLang="zh-CN" b="1" dirty="0">
-              <a:solidFill>
-                <a:schemeClr val="accent1">
-                  <a:lumMod val="75000"/>
-                </a:schemeClr>
-              </a:solidFill>
-              <a:latin typeface="微软雅黑" panose="020B0503020204020204" pitchFamily="34" charset="-122"/>
-              <a:ea typeface="微软雅黑" panose="020B0503020204020204" pitchFamily="34" charset="-122"/>
-            </a:endParaRPr>
           </a:p>
           <a:p>
             <a:r>
@@ -10109,15 +10391,6 @@
               </a:rPr>
               <a:t>月</a:t>
             </a:r>
-            <a:endParaRPr lang="zh-CN" altLang="en-US" b="1" dirty="0">
-              <a:solidFill>
-                <a:schemeClr val="accent1">
-                  <a:lumMod val="75000"/>
-                </a:schemeClr>
-              </a:solidFill>
-              <a:latin typeface="微软雅黑" panose="020B0503020204020204" pitchFamily="34" charset="-122"/>
-              <a:ea typeface="微软雅黑" panose="020B0503020204020204" pitchFamily="34" charset="-122"/>
-            </a:endParaRPr>
           </a:p>
         </p:txBody>
       </p:sp>
@@ -10178,13 +10451,6 @@
               </a:rPr>
               <a:t>部分</a:t>
             </a:r>
-            <a:endParaRPr lang="zh-CN" altLang="en-US" sz="1600" dirty="0">
-              <a:solidFill>
-                <a:srgbClr val="000000"/>
-              </a:solidFill>
-              <a:latin typeface="华文新魏" pitchFamily="2" charset="-122"/>
-              <a:ea typeface="华文新魏" pitchFamily="2" charset="-122"/>
-            </a:endParaRPr>
           </a:p>
         </p:txBody>
       </p:sp>
@@ -10270,15 +10536,6 @@
               </a:rPr>
               <a:t>-</a:t>
             </a:r>
-            <a:endParaRPr lang="en-US" altLang="zh-CN" b="1" dirty="0">
-              <a:solidFill>
-                <a:schemeClr val="accent1">
-                  <a:lumMod val="75000"/>
-                </a:schemeClr>
-              </a:solidFill>
-              <a:latin typeface="微软雅黑" panose="020B0503020204020204" pitchFamily="34" charset="-122"/>
-              <a:ea typeface="微软雅黑" panose="020B0503020204020204" pitchFamily="34" charset="-122"/>
-            </a:endParaRPr>
           </a:p>
           <a:p>
             <a:r>
@@ -10329,15 +10586,6 @@
               </a:rPr>
               <a:t>月</a:t>
             </a:r>
-            <a:endParaRPr lang="zh-CN" altLang="en-US" b="1" dirty="0">
-              <a:solidFill>
-                <a:schemeClr val="accent1">
-                  <a:lumMod val="75000"/>
-                </a:schemeClr>
-              </a:solidFill>
-              <a:latin typeface="微软雅黑" panose="020B0503020204020204" pitchFamily="34" charset="-122"/>
-              <a:ea typeface="微软雅黑" panose="020B0503020204020204" pitchFamily="34" charset="-122"/>
-            </a:endParaRPr>
           </a:p>
         </p:txBody>
       </p:sp>
@@ -10399,13 +10647,6 @@
               </a:rPr>
               <a:t>部分</a:t>
             </a:r>
-            <a:endParaRPr lang="zh-CN" altLang="en-US" sz="1600" dirty="0">
-              <a:solidFill>
-                <a:srgbClr val="000000"/>
-              </a:solidFill>
-              <a:latin typeface="华文新魏" pitchFamily="2" charset="-122"/>
-              <a:ea typeface="华文新魏" pitchFamily="2" charset="-122"/>
-            </a:endParaRPr>
           </a:p>
         </p:txBody>
       </p:sp>
@@ -10491,15 +10732,6 @@
               </a:rPr>
               <a:t>-</a:t>
             </a:r>
-            <a:endParaRPr lang="en-US" altLang="zh-CN" b="1" dirty="0">
-              <a:solidFill>
-                <a:schemeClr val="accent1">
-                  <a:lumMod val="75000"/>
-                </a:schemeClr>
-              </a:solidFill>
-              <a:latin typeface="微软雅黑" panose="020B0503020204020204" pitchFamily="34" charset="-122"/>
-              <a:ea typeface="微软雅黑" panose="020B0503020204020204" pitchFamily="34" charset="-122"/>
-            </a:endParaRPr>
           </a:p>
           <a:p>
             <a:r>
@@ -10550,15 +10782,6 @@
               </a:rPr>
               <a:t>月</a:t>
             </a:r>
-            <a:endParaRPr lang="zh-CN" altLang="en-US" b="1" dirty="0">
-              <a:solidFill>
-                <a:schemeClr val="accent1">
-                  <a:lumMod val="75000"/>
-                </a:schemeClr>
-              </a:solidFill>
-              <a:latin typeface="微软雅黑" panose="020B0503020204020204" pitchFamily="34" charset="-122"/>
-              <a:ea typeface="微软雅黑" panose="020B0503020204020204" pitchFamily="34" charset="-122"/>
-            </a:endParaRPr>
           </a:p>
         </p:txBody>
       </p:sp>
@@ -10856,15 +11079,6 @@
               </a:rPr>
               <a:t>-</a:t>
             </a:r>
-            <a:endParaRPr lang="en-US" altLang="zh-CN" b="1" dirty="0">
-              <a:solidFill>
-                <a:schemeClr val="accent1">
-                  <a:lumMod val="75000"/>
-                </a:schemeClr>
-              </a:solidFill>
-              <a:latin typeface="微软雅黑" panose="020B0503020204020204" pitchFamily="34" charset="-122"/>
-              <a:ea typeface="微软雅黑" panose="020B0503020204020204" pitchFamily="34" charset="-122"/>
-            </a:endParaRPr>
           </a:p>
           <a:p>
             <a:r>
@@ -10915,15 +11129,6 @@
               </a:rPr>
               <a:t>月</a:t>
             </a:r>
-            <a:endParaRPr lang="zh-CN" altLang="en-US" b="1" dirty="0">
-              <a:solidFill>
-                <a:schemeClr val="accent1">
-                  <a:lumMod val="75000"/>
-                </a:schemeClr>
-              </a:solidFill>
-              <a:latin typeface="微软雅黑" panose="020B0503020204020204" pitchFamily="34" charset="-122"/>
-              <a:ea typeface="微软雅黑" panose="020B0503020204020204" pitchFamily="34" charset="-122"/>
-            </a:endParaRPr>
           </a:p>
         </p:txBody>
       </p:sp>
@@ -10965,871 +11170,6 @@
               </a:rPr>
               <a:t>撰写硕士毕业论文</a:t>
             </a:r>
-            <a:endParaRPr lang="zh-CN" altLang="en-US" sz="1600" dirty="0">
-              <a:solidFill>
-                <a:srgbClr val="000000"/>
-              </a:solidFill>
-              <a:latin typeface="华文新魏" pitchFamily="2" charset="-122"/>
-              <a:ea typeface="华文新魏" pitchFamily="2" charset="-122"/>
-            </a:endParaRPr>
-          </a:p>
-        </p:txBody>
-      </p:sp>
-    </p:spTree>
-  </p:cSld>
-  <p:clrMapOvr>
-    <a:masterClrMapping/>
-  </p:clrMapOvr>
-</p:sld>
-</file>
-
-<file path=ppt/slides/slide14.xml><?xml version="1.0" encoding="utf-8"?>
-<p:sld xmlns:a="http://schemas.openxmlformats.org/drawingml/2006/main" xmlns:r="http://schemas.openxmlformats.org/officeDocument/2006/relationships" xmlns:p="http://schemas.openxmlformats.org/presentationml/2006/main">
-  <p:cSld>
-    <p:spTree>
-      <p:nvGrpSpPr>
-        <p:cNvPr id="1" name=""/>
-        <p:cNvGrpSpPr/>
-        <p:nvPr/>
-      </p:nvGrpSpPr>
-      <p:grpSpPr>
-        <a:xfrm>
-          <a:off x="0" y="0"/>
-          <a:ext cx="0" cy="0"/>
-          <a:chOff x="0" y="0"/>
-          <a:chExt cx="0" cy="0"/>
-        </a:xfrm>
-      </p:grpSpPr>
-      <p:graphicFrame>
-        <p:nvGraphicFramePr>
-          <p:cNvPr id="5" name="表格 4"/>
-          <p:cNvGraphicFramePr>
-            <a:graphicFrameLocks noGrp="1"/>
-          </p:cNvGraphicFramePr>
-          <p:nvPr/>
-        </p:nvGraphicFramePr>
-        <p:xfrm>
-          <a:off x="1559496" y="692696"/>
-          <a:ext cx="7632848" cy="662400"/>
-        </p:xfrm>
-        <a:graphic>
-          <a:graphicData uri="http://schemas.openxmlformats.org/drawingml/2006/table">
-            <a:tbl>
-              <a:tblPr firstRow="1" bandRow="1">
-                <a:tableStyleId>{5C22544A-7EE6-4342-B048-85BDC9FD1C3A}</a:tableStyleId>
-              </a:tblPr>
-              <a:tblGrid>
-                <a:gridCol w="2376264"/>
-                <a:gridCol w="1656184"/>
-                <a:gridCol w="1692188"/>
-                <a:gridCol w="1908212"/>
-              </a:tblGrid>
-              <a:tr h="497601">
-                <a:tc>
-                  <a:txBody>
-                    <a:bodyPr/>
-                    <a:lstStyle/>
-                    <a:p>
-                      <a:pPr algn="ctr"/>
-                      <a:r>
-                        <a:rPr lang="zh-CN" altLang="en-US" b="0" dirty="0">
-                          <a:solidFill>
-                            <a:schemeClr val="accent1">
-                              <a:lumMod val="75000"/>
-                            </a:schemeClr>
-                          </a:solidFill>
-                          <a:latin typeface="微软雅黑" panose="020B0503020204020204" pitchFamily="34" charset="-122"/>
-                          <a:ea typeface="微软雅黑" panose="020B0503020204020204" pitchFamily="34" charset="-122"/>
-                        </a:rPr>
-                        <a:t>背景介绍及研究意义</a:t>
-                      </a:r>
-                      <a:endParaRPr lang="zh-CN" altLang="en-US" b="0" dirty="0">
-                        <a:solidFill>
-                          <a:schemeClr val="accent1">
-                            <a:lumMod val="75000"/>
-                          </a:schemeClr>
-                        </a:solidFill>
-                        <a:latin typeface="微软雅黑" panose="020B0503020204020204" pitchFamily="34" charset="-122"/>
-                        <a:ea typeface="微软雅黑" panose="020B0503020204020204" pitchFamily="34" charset="-122"/>
-                      </a:endParaRPr>
-                    </a:p>
-                  </a:txBody>
-                  <a:tcPr anchor="b">
-                    <a:lnL w="57150" cap="flat" cmpd="sng" algn="ctr">
-                      <a:solidFill>
-                        <a:schemeClr val="bg1"/>
-                      </a:solidFill>
-                      <a:prstDash val="solid"/>
-                      <a:round/>
-                      <a:headEnd type="none" w="med" len="med"/>
-                      <a:tailEnd type="none" w="med" len="med"/>
-                    </a:lnL>
-                    <a:lnR w="57150" cap="flat" cmpd="sng" algn="ctr">
-                      <a:solidFill>
-                        <a:schemeClr val="bg1"/>
-                      </a:solidFill>
-                      <a:prstDash val="solid"/>
-                      <a:round/>
-                      <a:headEnd type="none" w="med" len="med"/>
-                      <a:tailEnd type="none" w="med" len="med"/>
-                    </a:lnR>
-                    <a:lnT w="38100" cap="flat" cmpd="sng" algn="ctr">
-                      <a:solidFill>
-                        <a:schemeClr val="bg1"/>
-                      </a:solidFill>
-                      <a:prstDash val="solid"/>
-                      <a:round/>
-                      <a:headEnd type="none" w="med" len="med"/>
-                      <a:tailEnd type="none" w="med" len="med"/>
-                    </a:lnT>
-                    <a:lnB w="57150" cap="flat" cmpd="sng" algn="ctr">
-                      <a:solidFill>
-                        <a:schemeClr val="bg1"/>
-                      </a:solidFill>
-                      <a:prstDash val="solid"/>
-                      <a:round/>
-                      <a:headEnd type="none" w="med" len="med"/>
-                      <a:tailEnd type="none" w="med" len="med"/>
-                    </a:lnB>
-                    <a:lnTlToBr w="12700" cmpd="sng">
-                      <a:noFill/>
-                      <a:prstDash val="solid"/>
-                    </a:lnTlToBr>
-                    <a:lnBlToTr w="12700" cmpd="sng">
-                      <a:noFill/>
-                      <a:prstDash val="solid"/>
-                    </a:lnBlToTr>
-                    <a:noFill/>
-                  </a:tcPr>
-                </a:tc>
-                <a:tc>
-                  <a:txBody>
-                    <a:bodyPr/>
-                    <a:lstStyle/>
-                    <a:p>
-                      <a:pPr marL="0" marR="0" indent="0" algn="ctr" defTabSz="914400" rtl="0" eaLnBrk="1" fontAlgn="auto" latinLnBrk="0" hangingPunct="1">
-                        <a:lnSpc>
-                          <a:spcPct val="100000"/>
-                        </a:lnSpc>
-                        <a:spcBef>
-                          <a:spcPts val="0"/>
-                        </a:spcBef>
-                        <a:spcAft>
-                          <a:spcPts val="0"/>
-                        </a:spcAft>
-                        <a:buClrTx/>
-                        <a:buSzTx/>
-                        <a:buFontTx/>
-                        <a:buNone/>
-                        <a:defRPr/>
-                      </a:pPr>
-                      <a:r>
-                        <a:rPr lang="zh-CN" altLang="en-US" b="0" dirty="0">
-                          <a:solidFill>
-                            <a:schemeClr val="accent1">
-                              <a:lumMod val="75000"/>
-                            </a:schemeClr>
-                          </a:solidFill>
-                          <a:latin typeface="微软雅黑" panose="020B0503020204020204" pitchFamily="34" charset="-122"/>
-                          <a:ea typeface="微软雅黑" panose="020B0503020204020204" pitchFamily="34" charset="-122"/>
-                        </a:rPr>
-                        <a:t>研究计划</a:t>
-                      </a:r>
-                      <a:endParaRPr lang="zh-CN" altLang="en-US" b="0" dirty="0">
-                        <a:solidFill>
-                          <a:schemeClr val="accent1">
-                            <a:lumMod val="75000"/>
-                          </a:schemeClr>
-                        </a:solidFill>
-                        <a:latin typeface="微软雅黑" panose="020B0503020204020204" pitchFamily="34" charset="-122"/>
-                        <a:ea typeface="微软雅黑" panose="020B0503020204020204" pitchFamily="34" charset="-122"/>
-                      </a:endParaRPr>
-                    </a:p>
-                  </a:txBody>
-                  <a:tcPr anchor="b">
-                    <a:lnL w="57150" cap="flat" cmpd="sng" algn="ctr">
-                      <a:solidFill>
-                        <a:schemeClr val="bg1"/>
-                      </a:solidFill>
-                      <a:prstDash val="solid"/>
-                      <a:round/>
-                      <a:headEnd type="none" w="med" len="med"/>
-                      <a:tailEnd type="none" w="med" len="med"/>
-                    </a:lnL>
-                    <a:lnR w="57150" cap="flat" cmpd="sng" algn="ctr">
-                      <a:solidFill>
-                        <a:schemeClr val="bg1"/>
-                      </a:solidFill>
-                      <a:prstDash val="solid"/>
-                      <a:round/>
-                      <a:headEnd type="none" w="med" len="med"/>
-                      <a:tailEnd type="none" w="med" len="med"/>
-                    </a:lnR>
-                    <a:lnT w="38100" cap="flat" cmpd="sng" algn="ctr">
-                      <a:solidFill>
-                        <a:schemeClr val="bg1"/>
-                      </a:solidFill>
-                      <a:prstDash val="solid"/>
-                      <a:round/>
-                      <a:headEnd type="none" w="med" len="med"/>
-                      <a:tailEnd type="none" w="med" len="med"/>
-                    </a:lnT>
-                    <a:lnB w="57150" cap="flat" cmpd="sng" algn="ctr">
-                      <a:solidFill>
-                        <a:schemeClr val="bg1"/>
-                      </a:solidFill>
-                      <a:prstDash val="solid"/>
-                      <a:round/>
-                      <a:headEnd type="none" w="med" len="med"/>
-                      <a:tailEnd type="none" w="med" len="med"/>
-                    </a:lnB>
-                    <a:lnTlToBr w="12700" cmpd="sng">
-                      <a:noFill/>
-                      <a:prstDash val="solid"/>
-                    </a:lnTlToBr>
-                    <a:lnBlToTr w="12700" cmpd="sng">
-                      <a:noFill/>
-                      <a:prstDash val="solid"/>
-                    </a:lnBlToTr>
-                    <a:noFill/>
-                  </a:tcPr>
-                </a:tc>
-                <a:tc>
-                  <a:txBody>
-                    <a:bodyPr/>
-                    <a:lstStyle/>
-                    <a:p>
-                      <a:pPr marL="0" marR="0" indent="0" algn="ctr" defTabSz="914400" rtl="0" eaLnBrk="1" fontAlgn="auto" latinLnBrk="0" hangingPunct="1">
-                        <a:lnSpc>
-                          <a:spcPct val="100000"/>
-                        </a:lnSpc>
-                        <a:spcBef>
-                          <a:spcPts val="0"/>
-                        </a:spcBef>
-                        <a:spcAft>
-                          <a:spcPts val="0"/>
-                        </a:spcAft>
-                        <a:buClrTx/>
-                        <a:buSzTx/>
-                        <a:buFontTx/>
-                        <a:buNone/>
-                        <a:defRPr/>
-                      </a:pPr>
-                      <a:r>
-                        <a:rPr lang="zh-CN" altLang="en-US" b="0" dirty="0">
-                          <a:solidFill>
-                            <a:schemeClr val="accent1">
-                              <a:lumMod val="75000"/>
-                            </a:schemeClr>
-                          </a:solidFill>
-                          <a:latin typeface="微软雅黑" panose="020B0503020204020204" pitchFamily="34" charset="-122"/>
-                          <a:ea typeface="微软雅黑" panose="020B0503020204020204" pitchFamily="34" charset="-122"/>
-                        </a:rPr>
-                        <a:t>论文计划</a:t>
-                      </a:r>
-                      <a:endParaRPr lang="zh-CN" altLang="en-US" b="0" dirty="0">
-                        <a:solidFill>
-                          <a:schemeClr val="accent1">
-                            <a:lumMod val="75000"/>
-                          </a:schemeClr>
-                        </a:solidFill>
-                        <a:latin typeface="微软雅黑" panose="020B0503020204020204" pitchFamily="34" charset="-122"/>
-                        <a:ea typeface="微软雅黑" panose="020B0503020204020204" pitchFamily="34" charset="-122"/>
-                      </a:endParaRPr>
-                    </a:p>
-                  </a:txBody>
-                  <a:tcPr anchor="b">
-                    <a:lnL w="57150" cap="flat" cmpd="sng" algn="ctr">
-                      <a:solidFill>
-                        <a:schemeClr val="bg1"/>
-                      </a:solidFill>
-                      <a:prstDash val="solid"/>
-                      <a:round/>
-                      <a:headEnd type="none" w="med" len="med"/>
-                      <a:tailEnd type="none" w="med" len="med"/>
-                    </a:lnL>
-                    <a:lnR w="57150" cap="flat" cmpd="sng" algn="ctr">
-                      <a:solidFill>
-                        <a:schemeClr val="bg1"/>
-                      </a:solidFill>
-                      <a:prstDash val="solid"/>
-                      <a:round/>
-                      <a:headEnd type="none" w="med" len="med"/>
-                      <a:tailEnd type="none" w="med" len="med"/>
-                    </a:lnR>
-                    <a:lnT w="38100" cap="flat" cmpd="sng" algn="ctr">
-                      <a:solidFill>
-                        <a:schemeClr val="bg1"/>
-                      </a:solidFill>
-                      <a:prstDash val="solid"/>
-                      <a:round/>
-                      <a:headEnd type="none" w="med" len="med"/>
-                      <a:tailEnd type="none" w="med" len="med"/>
-                    </a:lnT>
-                    <a:lnB w="57150" cap="flat" cmpd="sng" algn="ctr">
-                      <a:solidFill>
-                        <a:schemeClr val="bg1"/>
-                      </a:solidFill>
-                      <a:prstDash val="solid"/>
-                      <a:round/>
-                      <a:headEnd type="none" w="med" len="med"/>
-                      <a:tailEnd type="none" w="med" len="med"/>
-                    </a:lnB>
-                    <a:lnTlToBr w="12700" cmpd="sng">
-                      <a:noFill/>
-                      <a:prstDash val="solid"/>
-                    </a:lnTlToBr>
-                    <a:lnBlToTr w="12700" cmpd="sng">
-                      <a:noFill/>
-                      <a:prstDash val="solid"/>
-                    </a:lnBlToTr>
-                    <a:noFill/>
-                  </a:tcPr>
-                </a:tc>
-                <a:tc rowSpan="2">
-                  <a:txBody>
-                    <a:bodyPr/>
-                    <a:lstStyle/>
-                    <a:p>
-                      <a:pPr marL="0" marR="0" indent="0" algn="ctr" defTabSz="914400" rtl="0" eaLnBrk="1" fontAlgn="auto" latinLnBrk="0" hangingPunct="1">
-                        <a:lnSpc>
-                          <a:spcPct val="100000"/>
-                        </a:lnSpc>
-                        <a:spcBef>
-                          <a:spcPts val="0"/>
-                        </a:spcBef>
-                        <a:spcAft>
-                          <a:spcPts val="0"/>
-                        </a:spcAft>
-                        <a:buClrTx/>
-                        <a:buSzTx/>
-                        <a:buFontTx/>
-                        <a:buNone/>
-                        <a:defRPr/>
-                      </a:pPr>
-                      <a:r>
-                        <a:rPr lang="zh-CN" altLang="en-US" b="0" dirty="0">
-                          <a:solidFill>
-                            <a:schemeClr val="bg1"/>
-                          </a:solidFill>
-                          <a:latin typeface="微软雅黑" panose="020B0503020204020204" pitchFamily="34" charset="-122"/>
-                          <a:ea typeface="微软雅黑" panose="020B0503020204020204" pitchFamily="34" charset="-122"/>
-                        </a:rPr>
-                        <a:t>研究进展</a:t>
-                      </a:r>
-                      <a:endParaRPr lang="zh-CN" altLang="en-US" b="0" dirty="0">
-                        <a:solidFill>
-                          <a:schemeClr val="bg1"/>
-                        </a:solidFill>
-                        <a:latin typeface="微软雅黑" panose="020B0503020204020204" pitchFamily="34" charset="-122"/>
-                        <a:ea typeface="微软雅黑" panose="020B0503020204020204" pitchFamily="34" charset="-122"/>
-                      </a:endParaRPr>
-                    </a:p>
-                  </a:txBody>
-                  <a:tcPr anchor="ctr">
-                    <a:lnL w="57150" cap="flat" cmpd="sng" algn="ctr">
-                      <a:solidFill>
-                        <a:schemeClr val="bg1"/>
-                      </a:solidFill>
-                      <a:prstDash val="solid"/>
-                      <a:round/>
-                      <a:headEnd type="none" w="med" len="med"/>
-                      <a:tailEnd type="none" w="med" len="med"/>
-                    </a:lnL>
-                    <a:lnR w="38100" cap="flat" cmpd="sng" algn="ctr">
-                      <a:solidFill>
-                        <a:schemeClr val="bg1"/>
-                      </a:solidFill>
-                      <a:prstDash val="solid"/>
-                      <a:round/>
-                      <a:headEnd type="none" w="med" len="med"/>
-                      <a:tailEnd type="none" w="med" len="med"/>
-                    </a:lnR>
-                    <a:lnT w="38100" cap="flat" cmpd="sng" algn="ctr">
-                      <a:solidFill>
-                        <a:schemeClr val="bg1"/>
-                      </a:solidFill>
-                      <a:prstDash val="solid"/>
-                      <a:round/>
-                      <a:headEnd type="none" w="med" len="med"/>
-                      <a:tailEnd type="none" w="med" len="med"/>
-                    </a:lnT>
-                    <a:lnB w="57150" cap="flat" cmpd="sng" algn="ctr">
-                      <a:solidFill>
-                        <a:schemeClr val="bg1"/>
-                      </a:solidFill>
-                      <a:prstDash val="solid"/>
-                      <a:round/>
-                      <a:headEnd type="none" w="med" len="med"/>
-                      <a:tailEnd type="none" w="med" len="med"/>
-                    </a:lnB>
-                    <a:lnTlToBr w="12700" cmpd="sng">
-                      <a:noFill/>
-                      <a:prstDash val="solid"/>
-                    </a:lnTlToBr>
-                    <a:lnBlToTr w="12700" cmpd="sng">
-                      <a:noFill/>
-                      <a:prstDash val="solid"/>
-                    </a:lnBlToTr>
-                    <a:solidFill>
-                      <a:srgbClr val="376092"/>
-                    </a:solidFill>
-                  </a:tcPr>
-                </a:tc>
-              </a:tr>
-              <a:tr h="164799">
-                <a:tc>
-                  <a:txBody>
-                    <a:bodyPr/>
-                    <a:lstStyle/>
-                    <a:p>
-                      <a:pPr algn="ctr"/>
-                      <a:endParaRPr lang="zh-CN" altLang="en-US" sz="100" b="0" dirty="0">
-                        <a:solidFill>
-                          <a:schemeClr val="accent1">
-                            <a:lumMod val="75000"/>
-                          </a:schemeClr>
-                        </a:solidFill>
-                        <a:latin typeface="微软雅黑" panose="020B0503020204020204" pitchFamily="34" charset="-122"/>
-                        <a:ea typeface="微软雅黑" panose="020B0503020204020204" pitchFamily="34" charset="-122"/>
-                      </a:endParaRPr>
-                    </a:p>
-                  </a:txBody>
-                  <a:tcPr anchor="ctr">
-                    <a:lnL w="57150" cap="flat" cmpd="sng" algn="ctr">
-                      <a:solidFill>
-                        <a:schemeClr val="bg1"/>
-                      </a:solidFill>
-                      <a:prstDash val="solid"/>
-                      <a:round/>
-                      <a:headEnd type="none" w="med" len="med"/>
-                      <a:tailEnd type="none" w="med" len="med"/>
-                    </a:lnL>
-                    <a:lnR w="57150" cap="flat" cmpd="sng" algn="ctr">
-                      <a:solidFill>
-                        <a:schemeClr val="bg1"/>
-                      </a:solidFill>
-                      <a:prstDash val="solid"/>
-                      <a:round/>
-                      <a:headEnd type="none" w="med" len="med"/>
-                      <a:tailEnd type="none" w="med" len="med"/>
-                    </a:lnR>
-                    <a:lnT w="57150" cap="flat" cmpd="sng" algn="ctr">
-                      <a:solidFill>
-                        <a:schemeClr val="bg1"/>
-                      </a:solidFill>
-                      <a:prstDash val="solid"/>
-                      <a:round/>
-                      <a:headEnd type="none" w="med" len="med"/>
-                      <a:tailEnd type="none" w="med" len="med"/>
-                    </a:lnT>
-                    <a:lnB w="57150" cap="flat" cmpd="sng" algn="ctr">
-                      <a:solidFill>
-                        <a:schemeClr val="bg1"/>
-                      </a:solidFill>
-                      <a:prstDash val="solid"/>
-                      <a:round/>
-                      <a:headEnd type="none" w="med" len="med"/>
-                      <a:tailEnd type="none" w="med" len="med"/>
-                    </a:lnB>
-                    <a:lnTlToBr w="12700" cmpd="sng">
-                      <a:noFill/>
-                      <a:prstDash val="solid"/>
-                    </a:lnTlToBr>
-                    <a:lnBlToTr w="12700" cmpd="sng">
-                      <a:noFill/>
-                      <a:prstDash val="solid"/>
-                    </a:lnBlToTr>
-                    <a:solidFill>
-                      <a:schemeClr val="accent1"/>
-                    </a:solidFill>
-                  </a:tcPr>
-                </a:tc>
-                <a:tc>
-                  <a:txBody>
-                    <a:bodyPr/>
-                    <a:lstStyle/>
-                    <a:p>
-                      <a:pPr algn="ctr"/>
-                      <a:endParaRPr lang="zh-CN" altLang="en-US" sz="100" b="0" dirty="0">
-                        <a:solidFill>
-                          <a:schemeClr val="accent1">
-                            <a:lumMod val="75000"/>
-                          </a:schemeClr>
-                        </a:solidFill>
-                        <a:latin typeface="微软雅黑" panose="020B0503020204020204" pitchFamily="34" charset="-122"/>
-                        <a:ea typeface="微软雅黑" panose="020B0503020204020204" pitchFamily="34" charset="-122"/>
-                      </a:endParaRPr>
-                    </a:p>
-                  </a:txBody>
-                  <a:tcPr anchor="ctr">
-                    <a:lnL w="57150" cap="flat" cmpd="sng" algn="ctr">
-                      <a:solidFill>
-                        <a:schemeClr val="bg1"/>
-                      </a:solidFill>
-                      <a:prstDash val="solid"/>
-                      <a:round/>
-                      <a:headEnd type="none" w="med" len="med"/>
-                      <a:tailEnd type="none" w="med" len="med"/>
-                    </a:lnL>
-                    <a:lnR w="57150" cap="flat" cmpd="sng" algn="ctr">
-                      <a:solidFill>
-                        <a:schemeClr val="bg1"/>
-                      </a:solidFill>
-                      <a:prstDash val="solid"/>
-                      <a:round/>
-                      <a:headEnd type="none" w="med" len="med"/>
-                      <a:tailEnd type="none" w="med" len="med"/>
-                    </a:lnR>
-                    <a:lnT w="57150" cap="flat" cmpd="sng" algn="ctr">
-                      <a:solidFill>
-                        <a:schemeClr val="bg1"/>
-                      </a:solidFill>
-                      <a:prstDash val="solid"/>
-                      <a:round/>
-                      <a:headEnd type="none" w="med" len="med"/>
-                      <a:tailEnd type="none" w="med" len="med"/>
-                    </a:lnT>
-                    <a:lnB w="57150" cap="flat" cmpd="sng" algn="ctr">
-                      <a:solidFill>
-                        <a:schemeClr val="bg1"/>
-                      </a:solidFill>
-                      <a:prstDash val="solid"/>
-                      <a:round/>
-                      <a:headEnd type="none" w="med" len="med"/>
-                      <a:tailEnd type="none" w="med" len="med"/>
-                    </a:lnB>
-                    <a:lnTlToBr w="12700" cmpd="sng">
-                      <a:noFill/>
-                      <a:prstDash val="solid"/>
-                    </a:lnTlToBr>
-                    <a:lnBlToTr w="12700" cmpd="sng">
-                      <a:noFill/>
-                      <a:prstDash val="solid"/>
-                    </a:lnBlToTr>
-                    <a:solidFill>
-                      <a:schemeClr val="accent1"/>
-                    </a:solidFill>
-                  </a:tcPr>
-                </a:tc>
-                <a:tc>
-                  <a:txBody>
-                    <a:bodyPr/>
-                    <a:lstStyle/>
-                    <a:p>
-                      <a:pPr algn="ctr"/>
-                      <a:endParaRPr lang="zh-CN" altLang="en-US" sz="100" b="0" dirty="0">
-                        <a:solidFill>
-                          <a:schemeClr val="accent1">
-                            <a:lumMod val="75000"/>
-                          </a:schemeClr>
-                        </a:solidFill>
-                        <a:latin typeface="微软雅黑" panose="020B0503020204020204" pitchFamily="34" charset="-122"/>
-                        <a:ea typeface="微软雅黑" panose="020B0503020204020204" pitchFamily="34" charset="-122"/>
-                      </a:endParaRPr>
-                    </a:p>
-                  </a:txBody>
-                  <a:tcPr anchor="ctr">
-                    <a:lnL w="57150" cap="flat" cmpd="sng" algn="ctr">
-                      <a:solidFill>
-                        <a:schemeClr val="bg1"/>
-                      </a:solidFill>
-                      <a:prstDash val="solid"/>
-                      <a:round/>
-                      <a:headEnd type="none" w="med" len="med"/>
-                      <a:tailEnd type="none" w="med" len="med"/>
-                    </a:lnL>
-                    <a:lnR w="57150" cap="flat" cmpd="sng" algn="ctr">
-                      <a:solidFill>
-                        <a:schemeClr val="bg1"/>
-                      </a:solidFill>
-                      <a:prstDash val="solid"/>
-                      <a:round/>
-                      <a:headEnd type="none" w="med" len="med"/>
-                      <a:tailEnd type="none" w="med" len="med"/>
-                    </a:lnR>
-                    <a:lnT w="57150" cap="flat" cmpd="sng" algn="ctr">
-                      <a:solidFill>
-                        <a:schemeClr val="bg1"/>
-                      </a:solidFill>
-                      <a:prstDash val="solid"/>
-                      <a:round/>
-                      <a:headEnd type="none" w="med" len="med"/>
-                      <a:tailEnd type="none" w="med" len="med"/>
-                    </a:lnT>
-                    <a:lnB w="57150" cap="flat" cmpd="sng" algn="ctr">
-                      <a:solidFill>
-                        <a:schemeClr val="bg1"/>
-                      </a:solidFill>
-                      <a:prstDash val="solid"/>
-                      <a:round/>
-                      <a:headEnd type="none" w="med" len="med"/>
-                      <a:tailEnd type="none" w="med" len="med"/>
-                    </a:lnB>
-                    <a:lnTlToBr w="12700" cmpd="sng">
-                      <a:noFill/>
-                      <a:prstDash val="solid"/>
-                    </a:lnTlToBr>
-                    <a:lnBlToTr w="12700" cmpd="sng">
-                      <a:noFill/>
-                      <a:prstDash val="solid"/>
-                    </a:lnBlToTr>
-                    <a:solidFill>
-                      <a:schemeClr val="accent1"/>
-                    </a:solidFill>
-                  </a:tcPr>
-                </a:tc>
-                <a:tc vMerge="1">
-                  <a:tcPr anchor="ctr">
-                    <a:lnL w="57150" cap="flat" cmpd="sng" algn="ctr">
-                      <a:solidFill>
-                        <a:schemeClr val="bg1"/>
-                      </a:solidFill>
-                      <a:prstDash val="solid"/>
-                      <a:round/>
-                      <a:headEnd type="none" w="med" len="med"/>
-                      <a:tailEnd type="none" w="med" len="med"/>
-                    </a:lnL>
-                    <a:lnR w="57150" cap="flat" cmpd="sng" algn="ctr">
-                      <a:solidFill>
-                        <a:schemeClr val="bg1"/>
-                      </a:solidFill>
-                      <a:prstDash val="solid"/>
-                      <a:round/>
-                      <a:headEnd type="none" w="med" len="med"/>
-                      <a:tailEnd type="none" w="med" len="med"/>
-                    </a:lnR>
-                    <a:lnT w="57150" cap="flat" cmpd="sng" algn="ctr">
-                      <a:solidFill>
-                        <a:schemeClr val="bg1"/>
-                      </a:solidFill>
-                      <a:prstDash val="solid"/>
-                      <a:round/>
-                      <a:headEnd type="none" w="med" len="med"/>
-                      <a:tailEnd type="none" w="med" len="med"/>
-                    </a:lnT>
-                    <a:lnB w="57150" cap="flat" cmpd="sng" algn="ctr">
-                      <a:solidFill>
-                        <a:schemeClr val="bg1"/>
-                      </a:solidFill>
-                      <a:prstDash val="solid"/>
-                      <a:round/>
-                      <a:headEnd type="none" w="med" len="med"/>
-                      <a:tailEnd type="none" w="med" len="med"/>
-                    </a:lnB>
-                    <a:lnTlToBr w="12700" cmpd="sng">
-                      <a:noFill/>
-                      <a:prstDash val="solid"/>
-                    </a:lnTlToBr>
-                    <a:lnBlToTr w="12700" cmpd="sng">
-                      <a:noFill/>
-                      <a:prstDash val="solid"/>
-                    </a:lnBlToTr>
-                    <a:solidFill>
-                      <a:schemeClr val="accent1"/>
-                    </a:solidFill>
-                  </a:tcPr>
-                </a:tc>
-              </a:tr>
-            </a:tbl>
-          </a:graphicData>
-        </a:graphic>
-      </p:graphicFrame>
-      <p:sp>
-        <p:nvSpPr>
-          <p:cNvPr id="8" name="文本框 7"/>
-          <p:cNvSpPr txBox="1"/>
-          <p:nvPr/>
-        </p:nvSpPr>
-        <p:spPr>
-          <a:xfrm>
-            <a:off x="3503712" y="2204864"/>
-            <a:ext cx="6156960" cy="2209387"/>
-          </a:xfrm>
-          <a:prstGeom prst="rect">
-            <a:avLst/>
-          </a:prstGeom>
-          <a:noFill/>
-        </p:spPr>
-        <p:txBody>
-          <a:bodyPr wrap="square">
-            <a:spAutoFit/>
-          </a:bodyPr>
-          <a:lstStyle/>
-          <a:p>
-            <a:pPr marL="285750" indent="-285750">
-              <a:lnSpc>
-                <a:spcPct val="200000"/>
-              </a:lnSpc>
-              <a:buFont typeface="Wingdings" panose="05000000000000000000" pitchFamily="2" charset="2"/>
-              <a:buChar char="p"/>
-            </a:pPr>
-            <a:r>
-              <a:rPr lang="zh-CN" altLang="en-US" sz="2400" dirty="0">
-                <a:solidFill>
-                  <a:srgbClr val="000000"/>
-                </a:solidFill>
-                <a:latin typeface="华文新魏" pitchFamily="2" charset="-122"/>
-                <a:ea typeface="华文新魏" pitchFamily="2" charset="-122"/>
-              </a:rPr>
-              <a:t>查阅资料、调研、可行性研究</a:t>
-            </a:r>
-            <a:r>
-              <a:rPr lang="en-US" altLang="zh-CN" sz="2400" dirty="0">
-                <a:solidFill>
-                  <a:srgbClr val="000000"/>
-                </a:solidFill>
-                <a:latin typeface="华文新魏" pitchFamily="2" charset="-122"/>
-                <a:ea typeface="华文新魏" pitchFamily="2" charset="-122"/>
-              </a:rPr>
-              <a:t>(</a:t>
-            </a:r>
-            <a:r>
-              <a:rPr lang="zh-CN" altLang="en-US" sz="2400" dirty="0">
-                <a:solidFill>
-                  <a:srgbClr val="FF0000"/>
-                </a:solidFill>
-                <a:latin typeface="华文新魏" pitchFamily="2" charset="-122"/>
-                <a:ea typeface="华文新魏" pitchFamily="2" charset="-122"/>
-              </a:rPr>
-              <a:t>已完成</a:t>
-            </a:r>
-            <a:r>
-              <a:rPr lang="zh-CN" altLang="en-US" sz="2400" dirty="0">
-                <a:solidFill>
-                  <a:srgbClr val="000000"/>
-                </a:solidFill>
-                <a:latin typeface="华文新魏" pitchFamily="2" charset="-122"/>
-                <a:ea typeface="华文新魏" pitchFamily="2" charset="-122"/>
-              </a:rPr>
-              <a:t>）</a:t>
-            </a:r>
-            <a:endParaRPr lang="en-US" altLang="zh-CN" sz="2400" dirty="0">
-              <a:solidFill>
-                <a:srgbClr val="000000"/>
-              </a:solidFill>
-              <a:latin typeface="华文新魏" pitchFamily="2" charset="-122"/>
-              <a:ea typeface="华文新魏" pitchFamily="2" charset="-122"/>
-            </a:endParaRPr>
-          </a:p>
-          <a:p>
-            <a:pPr marL="285750" indent="-285750">
-              <a:lnSpc>
-                <a:spcPct val="200000"/>
-              </a:lnSpc>
-              <a:buFont typeface="Wingdings" panose="05000000000000000000" pitchFamily="2" charset="2"/>
-              <a:buChar char="p"/>
-            </a:pPr>
-            <a:r>
-              <a:rPr lang="zh-CN" altLang="en-US" sz="2400" dirty="0">
-                <a:solidFill>
-                  <a:srgbClr val="000000"/>
-                </a:solidFill>
-                <a:latin typeface="华文新魏" pitchFamily="2" charset="-122"/>
-                <a:ea typeface="华文新魏" pitchFamily="2" charset="-122"/>
-              </a:rPr>
-              <a:t>完成研究内容第</a:t>
-            </a:r>
-            <a:r>
-              <a:rPr lang="en-US" altLang="zh-CN" sz="2400" dirty="0">
-                <a:solidFill>
-                  <a:srgbClr val="000000"/>
-                </a:solidFill>
-                <a:latin typeface="华文新魏" pitchFamily="2" charset="-122"/>
-                <a:ea typeface="华文新魏" pitchFamily="2" charset="-122"/>
-              </a:rPr>
-              <a:t>1</a:t>
-            </a:r>
-            <a:r>
-              <a:rPr lang="zh-CN" altLang="en-US" sz="2400" dirty="0">
-                <a:solidFill>
-                  <a:srgbClr val="000000"/>
-                </a:solidFill>
-                <a:latin typeface="华文新魏" pitchFamily="2" charset="-122"/>
-                <a:ea typeface="华文新魏" pitchFamily="2" charset="-122"/>
-              </a:rPr>
-              <a:t>部分</a:t>
-            </a:r>
-            <a:r>
-              <a:rPr lang="en-US" altLang="zh-CN" sz="2400" dirty="0">
-                <a:solidFill>
-                  <a:srgbClr val="000000"/>
-                </a:solidFill>
-                <a:latin typeface="华文新魏" pitchFamily="2" charset="-122"/>
-                <a:ea typeface="华文新魏" pitchFamily="2" charset="-122"/>
-              </a:rPr>
-              <a:t>(</a:t>
-            </a:r>
-            <a:r>
-              <a:rPr lang="zh-CN" altLang="en-US" sz="2400" dirty="0">
-                <a:solidFill>
-                  <a:srgbClr val="FF0000"/>
-                </a:solidFill>
-                <a:latin typeface="华文新魏" pitchFamily="2" charset="-122"/>
-                <a:ea typeface="华文新魏" pitchFamily="2" charset="-122"/>
-              </a:rPr>
-              <a:t>已完成</a:t>
-            </a:r>
-            <a:r>
-              <a:rPr lang="zh-CN" altLang="en-US" sz="2400" dirty="0">
-                <a:solidFill>
-                  <a:srgbClr val="000000"/>
-                </a:solidFill>
-                <a:latin typeface="华文新魏" pitchFamily="2" charset="-122"/>
-                <a:ea typeface="华文新魏" pitchFamily="2" charset="-122"/>
-              </a:rPr>
-              <a:t>）</a:t>
-            </a:r>
-            <a:endParaRPr lang="zh-CN" altLang="en-US" sz="2400" dirty="0">
-              <a:latin typeface="华文新魏" pitchFamily="2" charset="-122"/>
-              <a:ea typeface="华文新魏" pitchFamily="2" charset="-122"/>
-            </a:endParaRPr>
-          </a:p>
-          <a:p>
-            <a:pPr marL="285750" indent="-285750">
-              <a:lnSpc>
-                <a:spcPct val="200000"/>
-              </a:lnSpc>
-              <a:buFont typeface="Wingdings" panose="05000000000000000000" pitchFamily="2" charset="2"/>
-              <a:buChar char="p"/>
-            </a:pPr>
-            <a:r>
-              <a:rPr lang="zh-CN" altLang="en-US" sz="2400" dirty="0">
-                <a:solidFill>
-                  <a:srgbClr val="000000"/>
-                </a:solidFill>
-                <a:latin typeface="华文新魏" pitchFamily="2" charset="-122"/>
-                <a:ea typeface="华文新魏" pitchFamily="2" charset="-122"/>
-              </a:rPr>
-              <a:t>专利和小论文撰写（</a:t>
-            </a:r>
-            <a:r>
-              <a:rPr lang="zh-CN" altLang="en-US" sz="2400" dirty="0">
-                <a:solidFill>
-                  <a:srgbClr val="FF0000"/>
-                </a:solidFill>
-                <a:latin typeface="华文新魏" pitchFamily="2" charset="-122"/>
-                <a:ea typeface="华文新魏" pitchFamily="2" charset="-122"/>
-              </a:rPr>
-              <a:t>进行中</a:t>
-            </a:r>
-            <a:r>
-              <a:rPr lang="zh-CN" altLang="en-US" sz="2400" b="1" dirty="0">
-                <a:solidFill>
-                  <a:srgbClr val="000000"/>
-                </a:solidFill>
-                <a:latin typeface="华文新魏" pitchFamily="2" charset="-122"/>
-                <a:ea typeface="华文新魏" pitchFamily="2" charset="-122"/>
-              </a:rPr>
-              <a:t>）</a:t>
-            </a:r>
-            <a:endParaRPr lang="en-US" altLang="zh-CN" sz="2400" dirty="0">
-              <a:solidFill>
-                <a:srgbClr val="FF0000"/>
-              </a:solidFill>
-              <a:latin typeface="华文新魏" pitchFamily="2" charset="-122"/>
-              <a:ea typeface="华文新魏" pitchFamily="2" charset="-122"/>
-            </a:endParaRPr>
           </a:p>
         </p:txBody>
       </p:sp>
@@ -11877,10 +11217,34 @@
                 <a:tableStyleId>{5C22544A-7EE6-4342-B048-85BDC9FD1C3A}</a:tableStyleId>
               </a:tblPr>
               <a:tblGrid>
-                <a:gridCol w="2376264"/>
-                <a:gridCol w="1656184"/>
-                <a:gridCol w="1692188"/>
-                <a:gridCol w="1908212"/>
+                <a:gridCol w="2376264">
+                  <a:extLst>
+                    <a:ext uri="{9D8B030D-6E8A-4147-A177-3AD203B41FA5}">
+                      <a16:colId xmlns:a16="http://schemas.microsoft.com/office/drawing/2014/main" val="20000"/>
+                    </a:ext>
+                  </a:extLst>
+                </a:gridCol>
+                <a:gridCol w="1656184">
+                  <a:extLst>
+                    <a:ext uri="{9D8B030D-6E8A-4147-A177-3AD203B41FA5}">
+                      <a16:colId xmlns:a16="http://schemas.microsoft.com/office/drawing/2014/main" val="20001"/>
+                    </a:ext>
+                  </a:extLst>
+                </a:gridCol>
+                <a:gridCol w="1692188">
+                  <a:extLst>
+                    <a:ext uri="{9D8B030D-6E8A-4147-A177-3AD203B41FA5}">
+                      <a16:colId xmlns:a16="http://schemas.microsoft.com/office/drawing/2014/main" val="20002"/>
+                    </a:ext>
+                  </a:extLst>
+                </a:gridCol>
+                <a:gridCol w="1908212">
+                  <a:extLst>
+                    <a:ext uri="{9D8B030D-6E8A-4147-A177-3AD203B41FA5}">
+                      <a16:colId xmlns:a16="http://schemas.microsoft.com/office/drawing/2014/main" val="20003"/>
+                    </a:ext>
+                  </a:extLst>
+                </a:gridCol>
               </a:tblGrid>
               <a:tr h="497601">
                 <a:tc>
@@ -11901,15 +11265,6 @@
                         </a:rPr>
                         <a:t>背景介绍及研究意义</a:t>
                       </a:r>
-                      <a:endParaRPr lang="zh-CN" altLang="en-US" b="0" dirty="0">
-                        <a:solidFill>
-                          <a:schemeClr val="accent1">
-                            <a:lumMod val="75000"/>
-                          </a:schemeClr>
-                        </a:solidFill>
-                        <a:latin typeface="微软雅黑" panose="020B0503020204020204" pitchFamily="34" charset="-122"/>
-                        <a:ea typeface="微软雅黑" panose="020B0503020204020204" pitchFamily="34" charset="-122"/>
-                      </a:endParaRPr>
                     </a:p>
                   </a:txBody>
                   <a:tcPr anchor="b">
@@ -11993,15 +11348,6 @@
                         </a:rPr>
                         <a:t>研究计划</a:t>
                       </a:r>
-                      <a:endParaRPr lang="zh-CN" altLang="en-US" b="0" dirty="0">
-                        <a:solidFill>
-                          <a:schemeClr val="accent1">
-                            <a:lumMod val="75000"/>
-                          </a:schemeClr>
-                        </a:solidFill>
-                        <a:latin typeface="微软雅黑" panose="020B0503020204020204" pitchFamily="34" charset="-122"/>
-                        <a:ea typeface="微软雅黑" panose="020B0503020204020204" pitchFamily="34" charset="-122"/>
-                      </a:endParaRPr>
                     </a:p>
                   </a:txBody>
                   <a:tcPr anchor="b">
@@ -12085,15 +11431,6 @@
                         </a:rPr>
                         <a:t>论文计划</a:t>
                       </a:r>
-                      <a:endParaRPr lang="zh-CN" altLang="en-US" b="0" dirty="0">
-                        <a:solidFill>
-                          <a:schemeClr val="accent1">
-                            <a:lumMod val="75000"/>
-                          </a:schemeClr>
-                        </a:solidFill>
-                        <a:latin typeface="微软雅黑" panose="020B0503020204020204" pitchFamily="34" charset="-122"/>
-                        <a:ea typeface="微软雅黑" panose="020B0503020204020204" pitchFamily="34" charset="-122"/>
-                      </a:endParaRPr>
                     </a:p>
                   </a:txBody>
                   <a:tcPr anchor="b">
@@ -12175,13 +11512,6 @@
                         </a:rPr>
                         <a:t>研究进展</a:t>
                       </a:r>
-                      <a:endParaRPr lang="zh-CN" altLang="en-US" b="0" dirty="0">
-                        <a:solidFill>
-                          <a:schemeClr val="bg1"/>
-                        </a:solidFill>
-                        <a:latin typeface="微软雅黑" panose="020B0503020204020204" pitchFamily="34" charset="-122"/>
-                        <a:ea typeface="微软雅黑" panose="020B0503020204020204" pitchFamily="34" charset="-122"/>
-                      </a:endParaRPr>
                     </a:p>
                   </a:txBody>
                   <a:tcPr anchor="ctr">
@@ -12234,6 +11564,11 @@
                     </a:solidFill>
                   </a:tcPr>
                 </a:tc>
+                <a:extLst>
+                  <a:ext uri="{0D108BD9-81ED-4DB2-BD59-A6C34878D82A}">
+                    <a16:rowId xmlns:a16="http://schemas.microsoft.com/office/drawing/2014/main" val="10000"/>
+                  </a:ext>
+                </a:extLst>
               </a:tr>
               <a:tr h="164799">
                 <a:tc>
@@ -12438,6 +11773,13 @@
                   </a:tcPr>
                 </a:tc>
                 <a:tc vMerge="1">
+                  <a:txBody>
+                    <a:bodyPr/>
+                    <a:lstStyle/>
+                    <a:p>
+                      <a:endParaRPr lang="zh-CN"/>
+                    </a:p>
+                  </a:txBody>
                   <a:tcPr anchor="ctr">
                     <a:lnL w="57150" cap="flat" cmpd="sng" algn="ctr">
                       <a:solidFill>
@@ -12488,6 +11830,11 @@
                     </a:solidFill>
                   </a:tcPr>
                 </a:tc>
+                <a:extLst>
+                  <a:ext uri="{0D108BD9-81ED-4DB2-BD59-A6C34878D82A}">
+                    <a16:rowId xmlns:a16="http://schemas.microsoft.com/office/drawing/2014/main" val="10001"/>
+                  </a:ext>
+                </a:extLst>
               </a:tr>
             </a:tbl>
           </a:graphicData>
@@ -12495,14 +11842,14 @@
       </p:graphicFrame>
       <p:sp>
         <p:nvSpPr>
-          <p:cNvPr id="2" name="文本框 1"/>
+          <p:cNvPr id="8" name="文本框 7"/>
           <p:cNvSpPr txBox="1"/>
           <p:nvPr/>
         </p:nvSpPr>
         <p:spPr>
           <a:xfrm>
-            <a:off x="983432" y="1484784"/>
-            <a:ext cx="10441160" cy="5078313"/>
+            <a:off x="3503712" y="2204864"/>
+            <a:ext cx="6156960" cy="2209387"/>
           </a:xfrm>
           <a:prstGeom prst="rect">
             <a:avLst/>
@@ -12510,323 +11857,183 @@
           <a:noFill/>
         </p:spPr>
         <p:txBody>
-          <a:bodyPr wrap="square" rtlCol="0">
+          <a:bodyPr wrap="square">
             <a:spAutoFit/>
           </a:bodyPr>
           <a:lstStyle/>
           <a:p>
-            <a:r>
-              <a:rPr lang="zh-CN" altLang="en-US" dirty="0">
-                <a:latin typeface="微软雅黑" panose="020B0503020204020204" pitchFamily="34" charset="-122"/>
-                <a:ea typeface="微软雅黑" panose="020B0503020204020204" pitchFamily="34" charset="-122"/>
+            <a:pPr marL="285750" indent="-285750">
+              <a:lnSpc>
+                <a:spcPct val="200000"/>
+              </a:lnSpc>
+              <a:buFont typeface="Wingdings" panose="05000000000000000000" pitchFamily="2" charset="2"/>
+              <a:buChar char="p"/>
+            </a:pPr>
+            <a:r>
+              <a:rPr lang="zh-CN" altLang="en-US" sz="2400" dirty="0">
+                <a:solidFill>
+                  <a:srgbClr val="000000"/>
+                </a:solidFill>
+                <a:latin typeface="华文新魏" pitchFamily="2" charset="-122"/>
+                <a:ea typeface="华文新魏" pitchFamily="2" charset="-122"/>
               </a:rPr>
-              <a:t>部分参考文献</a:t>
-            </a:r>
-            <a:endParaRPr lang="en-US" altLang="zh-CN" dirty="0">
-              <a:latin typeface="微软雅黑" panose="020B0503020204020204" pitchFamily="34" charset="-122"/>
-              <a:ea typeface="微软雅黑" panose="020B0503020204020204" pitchFamily="34" charset="-122"/>
+              <a:t>查阅资料、调研、可行性研究</a:t>
+            </a:r>
+            <a:r>
+              <a:rPr lang="en-US" altLang="zh-CN" sz="2400" dirty="0">
+                <a:solidFill>
+                  <a:srgbClr val="000000"/>
+                </a:solidFill>
+                <a:latin typeface="华文新魏" pitchFamily="2" charset="-122"/>
+                <a:ea typeface="华文新魏" pitchFamily="2" charset="-122"/>
+              </a:rPr>
+              <a:t>(</a:t>
+            </a:r>
+            <a:r>
+              <a:rPr lang="zh-CN" altLang="en-US" sz="2400" dirty="0">
+                <a:solidFill>
+                  <a:srgbClr val="FF0000"/>
+                </a:solidFill>
+                <a:latin typeface="华文新魏" pitchFamily="2" charset="-122"/>
+                <a:ea typeface="华文新魏" pitchFamily="2" charset="-122"/>
+              </a:rPr>
+              <a:t>已完成</a:t>
+            </a:r>
+            <a:r>
+              <a:rPr lang="zh-CN" altLang="en-US" sz="2400" dirty="0">
+                <a:solidFill>
+                  <a:srgbClr val="000000"/>
+                </a:solidFill>
+                <a:latin typeface="华文新魏" pitchFamily="2" charset="-122"/>
+                <a:ea typeface="华文新魏" pitchFamily="2" charset="-122"/>
+              </a:rPr>
+              <a:t>）</a:t>
+            </a:r>
+            <a:endParaRPr lang="en-US" altLang="zh-CN" sz="2400" dirty="0">
+              <a:solidFill>
+                <a:srgbClr val="000000"/>
+              </a:solidFill>
+              <a:latin typeface="华文新魏" pitchFamily="2" charset="-122"/>
+              <a:ea typeface="华文新魏" pitchFamily="2" charset="-122"/>
             </a:endParaRPr>
           </a:p>
           <a:p>
-            <a:pPr algn="ctr"/>
-            <a:endParaRPr lang="en-US" altLang="zh-CN" dirty="0">
-              <a:latin typeface="微软雅黑" panose="020B0503020204020204" pitchFamily="34" charset="-122"/>
-              <a:ea typeface="微软雅黑" panose="020B0503020204020204" pitchFamily="34" charset="-122"/>
+            <a:pPr marL="285750" indent="-285750">
+              <a:lnSpc>
+                <a:spcPct val="200000"/>
+              </a:lnSpc>
+              <a:buFont typeface="Wingdings" panose="05000000000000000000" pitchFamily="2" charset="2"/>
+              <a:buChar char="p"/>
+            </a:pPr>
+            <a:r>
+              <a:rPr lang="zh-CN" altLang="en-US" sz="2400" dirty="0">
+                <a:solidFill>
+                  <a:srgbClr val="000000"/>
+                </a:solidFill>
+                <a:latin typeface="华文新魏" pitchFamily="2" charset="-122"/>
+                <a:ea typeface="华文新魏" pitchFamily="2" charset="-122"/>
+              </a:rPr>
+              <a:t>完成研究内容第</a:t>
+            </a:r>
+            <a:r>
+              <a:rPr lang="en-US" altLang="zh-CN" sz="2400" dirty="0">
+                <a:solidFill>
+                  <a:srgbClr val="000000"/>
+                </a:solidFill>
+                <a:latin typeface="华文新魏" pitchFamily="2" charset="-122"/>
+                <a:ea typeface="华文新魏" pitchFamily="2" charset="-122"/>
+              </a:rPr>
+              <a:t>1</a:t>
+            </a:r>
+            <a:r>
+              <a:rPr lang="zh-CN" altLang="en-US" sz="2400" dirty="0">
+                <a:solidFill>
+                  <a:srgbClr val="000000"/>
+                </a:solidFill>
+                <a:latin typeface="华文新魏" pitchFamily="2" charset="-122"/>
+                <a:ea typeface="华文新魏" pitchFamily="2" charset="-122"/>
+              </a:rPr>
+              <a:t>部分</a:t>
+            </a:r>
+            <a:r>
+              <a:rPr lang="en-US" altLang="zh-CN" sz="2400" dirty="0">
+                <a:solidFill>
+                  <a:srgbClr val="000000"/>
+                </a:solidFill>
+                <a:latin typeface="华文新魏" pitchFamily="2" charset="-122"/>
+                <a:ea typeface="华文新魏" pitchFamily="2" charset="-122"/>
+              </a:rPr>
+              <a:t>(</a:t>
+            </a:r>
+            <a:r>
+              <a:rPr lang="zh-CN" altLang="en-US" sz="2400" dirty="0">
+                <a:solidFill>
+                  <a:srgbClr val="FF0000"/>
+                </a:solidFill>
+                <a:latin typeface="华文新魏" pitchFamily="2" charset="-122"/>
+                <a:ea typeface="华文新魏" pitchFamily="2" charset="-122"/>
+              </a:rPr>
+              <a:t>已完成</a:t>
+            </a:r>
+            <a:r>
+              <a:rPr lang="zh-CN" altLang="en-US" sz="2400" dirty="0">
+                <a:solidFill>
+                  <a:srgbClr val="000000"/>
+                </a:solidFill>
+                <a:latin typeface="华文新魏" pitchFamily="2" charset="-122"/>
+                <a:ea typeface="华文新魏" pitchFamily="2" charset="-122"/>
+              </a:rPr>
+              <a:t>）</a:t>
+            </a:r>
+            <a:endParaRPr lang="zh-CN" altLang="en-US" sz="2400" dirty="0">
+              <a:latin typeface="华文新魏" pitchFamily="2" charset="-122"/>
+              <a:ea typeface="华文新魏" pitchFamily="2" charset="-122"/>
             </a:endParaRPr>
           </a:p>
           <a:p>
-            <a:pPr marL="342900" lvl="0" indent="-342900" algn="just">
-              <a:buFont typeface="+mj-lt"/>
-              <a:buAutoNum type="arabicPeriod"/>
+            <a:pPr marL="285750" indent="-285750">
+              <a:lnSpc>
+                <a:spcPct val="200000"/>
+              </a:lnSpc>
+              <a:buFont typeface="Wingdings" panose="05000000000000000000" pitchFamily="2" charset="2"/>
+              <a:buChar char="p"/>
             </a:pPr>
             <a:r>
-              <a:rPr lang="en-US" altLang="zh-CN" sz="1800" kern="100" dirty="0" err="1">
+              <a:rPr lang="zh-CN" altLang="en-US" sz="2400" dirty="0">
                 <a:solidFill>
-                  <a:srgbClr val="222222"/>
+                  <a:srgbClr val="000000"/>
                 </a:solidFill>
-                <a:effectLst/>
-                <a:latin typeface="Arial" panose="020B0604020202020204" pitchFamily="34" charset="0"/>
-                <a:ea typeface="等线" panose="02010600030101010101" pitchFamily="2" charset="-122"/>
-                <a:cs typeface="Times New Roman" panose="02020603050405020304" pitchFamily="18" charset="0"/>
+                <a:latin typeface="华文新魏" pitchFamily="2" charset="-122"/>
+                <a:ea typeface="华文新魏" pitchFamily="2" charset="-122"/>
               </a:rPr>
-              <a:t>Dietterich</a:t>
-            </a:r>
-            <a:r>
-              <a:rPr lang="en-US" altLang="zh-CN" sz="1800" kern="100" dirty="0">
+              <a:t>小论文初稿撰写完成（</a:t>
+            </a:r>
+            <a:r>
+              <a:rPr lang="zh-CN" altLang="en-US" sz="2400" dirty="0">
                 <a:solidFill>
-                  <a:srgbClr val="222222"/>
+                  <a:srgbClr val="FF0000"/>
                 </a:solidFill>
-                <a:effectLst/>
-                <a:latin typeface="Arial" panose="020B0604020202020204" pitchFamily="34" charset="0"/>
-                <a:ea typeface="等线" panose="02010600030101010101" pitchFamily="2" charset="-122"/>
-                <a:cs typeface="Times New Roman" panose="02020603050405020304" pitchFamily="18" charset="0"/>
+                <a:latin typeface="华文新魏" pitchFamily="2" charset="-122"/>
+                <a:ea typeface="华文新魏" pitchFamily="2" charset="-122"/>
               </a:rPr>
-              <a:t> T G, Lathrop R H, Lozano-Pérez T. Solving the multiple instance problem with axis-parallel rectangles[J]. Artificial intelligence, 1997, 89(1-2): 31-71. </a:t>
-            </a:r>
-            <a:endParaRPr lang="zh-CN" altLang="zh-CN" sz="1800" kern="100" dirty="0">
-              <a:effectLst/>
-              <a:latin typeface="等线" panose="02010600030101010101" pitchFamily="2" charset="-122"/>
-              <a:ea typeface="等线" panose="02010600030101010101" pitchFamily="2" charset="-122"/>
-              <a:cs typeface="Times New Roman" panose="02020603050405020304" pitchFamily="18" charset="0"/>
-            </a:endParaRPr>
-          </a:p>
-          <a:p>
-            <a:pPr marL="342900" lvl="0" indent="-342900" algn="just">
-              <a:buFont typeface="+mj-lt"/>
-              <a:buAutoNum type="arabicPeriod"/>
-            </a:pPr>
-            <a:r>
-              <a:rPr lang="en-US" altLang="zh-CN" sz="1800" kern="100" dirty="0" err="1">
+              <a:t>进行中</a:t>
+            </a:r>
+            <a:r>
+              <a:rPr lang="zh-CN" altLang="en-US" sz="2400" b="1" dirty="0">
                 <a:solidFill>
-                  <a:srgbClr val="222222"/>
+                  <a:srgbClr val="000000"/>
                 </a:solidFill>
-                <a:effectLst/>
-                <a:latin typeface="Arial" panose="020B0604020202020204" pitchFamily="34" charset="0"/>
-                <a:ea typeface="等线" panose="02010600030101010101" pitchFamily="2" charset="-122"/>
-                <a:cs typeface="Times New Roman" panose="02020603050405020304" pitchFamily="18" charset="0"/>
+                <a:latin typeface="华文新魏" pitchFamily="2" charset="-122"/>
+                <a:ea typeface="华文新魏" pitchFamily="2" charset="-122"/>
               </a:rPr>
-              <a:t>Csurka</a:t>
-            </a:r>
-            <a:r>
-              <a:rPr lang="en-US" altLang="zh-CN" sz="1800" kern="100" dirty="0">
-                <a:solidFill>
-                  <a:srgbClr val="222222"/>
-                </a:solidFill>
-                <a:effectLst/>
-                <a:latin typeface="Arial" panose="020B0604020202020204" pitchFamily="34" charset="0"/>
-                <a:ea typeface="等线" panose="02010600030101010101" pitchFamily="2" charset="-122"/>
-                <a:cs typeface="Times New Roman" panose="02020603050405020304" pitchFamily="18" charset="0"/>
-              </a:rPr>
-              <a:t> G, Dance C, Fan L, et al. Visual categorization with bags of </a:t>
-            </a:r>
-            <a:r>
-              <a:rPr lang="en-US" altLang="zh-CN" sz="1800" kern="100" dirty="0" err="1">
-                <a:solidFill>
-                  <a:srgbClr val="222222"/>
-                </a:solidFill>
-                <a:effectLst/>
-                <a:latin typeface="Arial" panose="020B0604020202020204" pitchFamily="34" charset="0"/>
-                <a:ea typeface="等线" panose="02010600030101010101" pitchFamily="2" charset="-122"/>
-                <a:cs typeface="Times New Roman" panose="02020603050405020304" pitchFamily="18" charset="0"/>
-              </a:rPr>
-              <a:t>keypoints</a:t>
-            </a:r>
-            <a:r>
-              <a:rPr lang="en-US" altLang="zh-CN" sz="1800" kern="100" dirty="0">
-                <a:solidFill>
-                  <a:srgbClr val="222222"/>
-                </a:solidFill>
-                <a:effectLst/>
-                <a:latin typeface="Arial" panose="020B0604020202020204" pitchFamily="34" charset="0"/>
-                <a:ea typeface="等线" panose="02010600030101010101" pitchFamily="2" charset="-122"/>
-                <a:cs typeface="Times New Roman" panose="02020603050405020304" pitchFamily="18" charset="0"/>
-              </a:rPr>
-              <a:t>[C]//Workshop on statistical learning in computer vision, ECCV. 2004, 1(1-22): 1-2.</a:t>
-            </a:r>
-            <a:endParaRPr lang="zh-CN" altLang="zh-CN" sz="1800" kern="100" dirty="0">
-              <a:effectLst/>
-              <a:latin typeface="等线" panose="02010600030101010101" pitchFamily="2" charset="-122"/>
-              <a:ea typeface="等线" panose="02010600030101010101" pitchFamily="2" charset="-122"/>
-              <a:cs typeface="Times New Roman" panose="02020603050405020304" pitchFamily="18" charset="0"/>
-            </a:endParaRPr>
-          </a:p>
-          <a:p>
-            <a:pPr marL="342900" lvl="0" indent="-342900" algn="just">
-              <a:buFont typeface="+mj-lt"/>
-              <a:buAutoNum type="arabicPeriod"/>
-            </a:pPr>
-            <a:r>
-              <a:rPr lang="en-US" altLang="zh-CN" sz="1800" kern="100" dirty="0">
-                <a:solidFill>
-                  <a:srgbClr val="222222"/>
-                </a:solidFill>
-                <a:effectLst/>
-                <a:latin typeface="Arial" panose="020B0604020202020204" pitchFamily="34" charset="0"/>
-                <a:ea typeface="等线" panose="02010600030101010101" pitchFamily="2" charset="-122"/>
-                <a:cs typeface="Times New Roman" panose="02020603050405020304" pitchFamily="18" charset="0"/>
-              </a:rPr>
-              <a:t>Wang X, Wang B, Bai X, et al. Max-margin multiple-instance dictionary learning[C]//International conference on machine learning. 2013: 846-854.</a:t>
-            </a:r>
-            <a:endParaRPr lang="zh-CN" altLang="zh-CN" sz="1800" kern="100" dirty="0">
-              <a:effectLst/>
-              <a:latin typeface="等线" panose="02010600030101010101" pitchFamily="2" charset="-122"/>
-              <a:ea typeface="等线" panose="02010600030101010101" pitchFamily="2" charset="-122"/>
-              <a:cs typeface="Times New Roman" panose="02020603050405020304" pitchFamily="18" charset="0"/>
-            </a:endParaRPr>
-          </a:p>
-          <a:p>
-            <a:pPr marL="342900" lvl="0" indent="-342900" algn="just">
-              <a:buFont typeface="+mj-lt"/>
-              <a:buAutoNum type="arabicPeriod"/>
-            </a:pPr>
-            <a:r>
-              <a:rPr lang="en-US" altLang="zh-CN" sz="1800" kern="100" dirty="0">
-                <a:solidFill>
-                  <a:srgbClr val="222222"/>
-                </a:solidFill>
-                <a:effectLst/>
-                <a:latin typeface="Arial" panose="020B0604020202020204" pitchFamily="34" charset="0"/>
-                <a:ea typeface="等线" panose="02010600030101010101" pitchFamily="2" charset="-122"/>
-                <a:cs typeface="Times New Roman" panose="02020603050405020304" pitchFamily="18" charset="0"/>
-              </a:rPr>
-              <a:t>Ramesh B, Xiang C, Lee T H. Shape classification using invariant features and contextual information in the bag-of-words model[J]. Pattern Recognition, 2015, 48(3): 894-906.</a:t>
-            </a:r>
-            <a:endParaRPr lang="zh-CN" altLang="zh-CN" sz="1800" kern="100" dirty="0">
-              <a:effectLst/>
-              <a:latin typeface="等线" panose="02010600030101010101" pitchFamily="2" charset="-122"/>
-              <a:ea typeface="等线" panose="02010600030101010101" pitchFamily="2" charset="-122"/>
-              <a:cs typeface="Times New Roman" panose="02020603050405020304" pitchFamily="18" charset="0"/>
-            </a:endParaRPr>
-          </a:p>
-          <a:p>
-            <a:pPr marL="342900" lvl="0" indent="-342900" algn="just">
-              <a:buFont typeface="+mj-lt"/>
-              <a:buAutoNum type="arabicPeriod"/>
-            </a:pPr>
-            <a:r>
-              <a:rPr lang="en-US" altLang="zh-CN" sz="1800" kern="100" dirty="0">
-                <a:solidFill>
-                  <a:srgbClr val="222222"/>
-                </a:solidFill>
-                <a:effectLst/>
-                <a:latin typeface="Arial" panose="020B0604020202020204" pitchFamily="34" charset="0"/>
-                <a:ea typeface="等线" panose="02010600030101010101" pitchFamily="2" charset="-122"/>
-                <a:cs typeface="Times New Roman" panose="02020603050405020304" pitchFamily="18" charset="0"/>
-              </a:rPr>
-              <a:t>McCallum A, Nigam K. A comparison of event models for naive bayes text classification[C]//AAAI-98 workshop on learning for text categorization. 1998, 752(1): 41-48.</a:t>
-            </a:r>
-            <a:endParaRPr lang="zh-CN" altLang="zh-CN" sz="1800" kern="100" dirty="0">
-              <a:effectLst/>
-              <a:latin typeface="等线" panose="02010600030101010101" pitchFamily="2" charset="-122"/>
-              <a:ea typeface="等线" panose="02010600030101010101" pitchFamily="2" charset="-122"/>
-              <a:cs typeface="Times New Roman" panose="02020603050405020304" pitchFamily="18" charset="0"/>
-            </a:endParaRPr>
-          </a:p>
-          <a:p>
-            <a:pPr marL="342900" lvl="0" indent="-342900" algn="just">
-              <a:buFont typeface="+mj-lt"/>
-              <a:buAutoNum type="arabicPeriod"/>
-            </a:pPr>
-            <a:r>
-              <a:rPr lang="en-US" altLang="zh-CN" sz="1800" kern="100" dirty="0">
-                <a:solidFill>
-                  <a:srgbClr val="222222"/>
-                </a:solidFill>
-                <a:effectLst/>
-                <a:latin typeface="Arial" panose="020B0604020202020204" pitchFamily="34" charset="0"/>
-                <a:ea typeface="等线" panose="02010600030101010101" pitchFamily="2" charset="-122"/>
-                <a:cs typeface="Times New Roman" panose="02020603050405020304" pitchFamily="18" charset="0"/>
-              </a:rPr>
-              <a:t>Andrews S, </a:t>
-            </a:r>
-            <a:r>
-              <a:rPr lang="en-US" altLang="zh-CN" sz="1800" kern="100" dirty="0" err="1">
-                <a:solidFill>
-                  <a:srgbClr val="222222"/>
-                </a:solidFill>
-                <a:effectLst/>
-                <a:latin typeface="Arial" panose="020B0604020202020204" pitchFamily="34" charset="0"/>
-                <a:ea typeface="等线" panose="02010600030101010101" pitchFamily="2" charset="-122"/>
-                <a:cs typeface="Times New Roman" panose="02020603050405020304" pitchFamily="18" charset="0"/>
-              </a:rPr>
-              <a:t>Tsochantaridis</a:t>
-            </a:r>
-            <a:r>
-              <a:rPr lang="en-US" altLang="zh-CN" sz="1800" kern="100" dirty="0">
-                <a:solidFill>
-                  <a:srgbClr val="222222"/>
-                </a:solidFill>
-                <a:effectLst/>
-                <a:latin typeface="Arial" panose="020B0604020202020204" pitchFamily="34" charset="0"/>
-                <a:ea typeface="等线" panose="02010600030101010101" pitchFamily="2" charset="-122"/>
-                <a:cs typeface="Times New Roman" panose="02020603050405020304" pitchFamily="18" charset="0"/>
-              </a:rPr>
-              <a:t> I, Hofmann T. Support vector machines for multiple-instance learning[J]. Advances in neural information processing systems, 2002, 15: 577-584.</a:t>
-            </a:r>
-            <a:endParaRPr lang="zh-CN" altLang="zh-CN" sz="1800" kern="100" dirty="0">
-              <a:effectLst/>
-              <a:latin typeface="等线" panose="02010600030101010101" pitchFamily="2" charset="-122"/>
-              <a:ea typeface="等线" panose="02010600030101010101" pitchFamily="2" charset="-122"/>
-              <a:cs typeface="Times New Roman" panose="02020603050405020304" pitchFamily="18" charset="0"/>
-            </a:endParaRPr>
-          </a:p>
-          <a:p>
-            <a:pPr marL="342900" lvl="0" indent="-342900" algn="just">
-              <a:buFont typeface="+mj-lt"/>
-              <a:buAutoNum type="arabicPeriod"/>
-            </a:pPr>
-            <a:r>
-              <a:rPr lang="en-US" altLang="zh-CN" sz="1800" kern="100" dirty="0">
-                <a:solidFill>
-                  <a:srgbClr val="222222"/>
-                </a:solidFill>
-                <a:effectLst/>
-                <a:latin typeface="Arial" panose="020B0604020202020204" pitchFamily="34" charset="0"/>
-                <a:ea typeface="等线" panose="02010600030101010101" pitchFamily="2" charset="-122"/>
-                <a:cs typeface="Times New Roman" panose="02020603050405020304" pitchFamily="18" charset="0"/>
-              </a:rPr>
-              <a:t>Xu Y </a:t>
-            </a:r>
-            <a:r>
-              <a:rPr lang="en-US" altLang="zh-CN" sz="1800" kern="100" dirty="0" err="1">
-                <a:solidFill>
-                  <a:srgbClr val="222222"/>
-                </a:solidFill>
-                <a:effectLst/>
-                <a:latin typeface="Arial" panose="020B0604020202020204" pitchFamily="34" charset="0"/>
-                <a:ea typeface="等线" panose="02010600030101010101" pitchFamily="2" charset="-122"/>
-                <a:cs typeface="Times New Roman" panose="02020603050405020304" pitchFamily="18" charset="0"/>
-              </a:rPr>
-              <a:t>Y</a:t>
-            </a:r>
-            <a:r>
-              <a:rPr lang="en-US" altLang="zh-CN" sz="1800" kern="100" dirty="0">
-                <a:solidFill>
-                  <a:srgbClr val="222222"/>
-                </a:solidFill>
-                <a:effectLst/>
-                <a:latin typeface="Arial" panose="020B0604020202020204" pitchFamily="34" charset="0"/>
-                <a:ea typeface="等线" panose="02010600030101010101" pitchFamily="2" charset="-122"/>
-                <a:cs typeface="Times New Roman" panose="02020603050405020304" pitchFamily="18" charset="0"/>
-              </a:rPr>
-              <a:t>, Shih C H. Content based Image retrieval using multiple instance decision based neural networks[C]//2012 IEEE International Conference on Computational Intelligence and Cybernetics (</a:t>
-            </a:r>
-            <a:r>
-              <a:rPr lang="en-US" altLang="zh-CN" sz="1800" kern="100" dirty="0" err="1">
-                <a:solidFill>
-                  <a:srgbClr val="222222"/>
-                </a:solidFill>
-                <a:effectLst/>
-                <a:latin typeface="Arial" panose="020B0604020202020204" pitchFamily="34" charset="0"/>
-                <a:ea typeface="等线" panose="02010600030101010101" pitchFamily="2" charset="-122"/>
-                <a:cs typeface="Times New Roman" panose="02020603050405020304" pitchFamily="18" charset="0"/>
-              </a:rPr>
-              <a:t>CyberneticsCom</a:t>
-            </a:r>
-            <a:r>
-              <a:rPr lang="en-US" altLang="zh-CN" sz="1800" kern="100" dirty="0">
-                <a:solidFill>
-                  <a:srgbClr val="222222"/>
-                </a:solidFill>
-                <a:effectLst/>
-                <a:latin typeface="Arial" panose="020B0604020202020204" pitchFamily="34" charset="0"/>
-                <a:ea typeface="等线" panose="02010600030101010101" pitchFamily="2" charset="-122"/>
-                <a:cs typeface="Times New Roman" panose="02020603050405020304" pitchFamily="18" charset="0"/>
-              </a:rPr>
-              <a:t>). IEEE, 2012: 175-179.</a:t>
-            </a:r>
-            <a:endParaRPr lang="zh-CN" altLang="zh-CN" sz="1800" kern="100" dirty="0">
-              <a:effectLst/>
-              <a:latin typeface="等线" panose="02010600030101010101" pitchFamily="2" charset="-122"/>
-              <a:ea typeface="等线" panose="02010600030101010101" pitchFamily="2" charset="-122"/>
-              <a:cs typeface="Times New Roman" panose="02020603050405020304" pitchFamily="18" charset="0"/>
-            </a:endParaRPr>
-          </a:p>
-          <a:p>
-            <a:pPr algn="ctr"/>
-            <a:endParaRPr lang="zh-CN" altLang="en-US" dirty="0">
-              <a:latin typeface="微软雅黑" panose="020B0503020204020204" pitchFamily="34" charset="-122"/>
-              <a:ea typeface="微软雅黑" panose="020B0503020204020204" pitchFamily="34" charset="-122"/>
+              <a:t>）</a:t>
+            </a:r>
+            <a:endParaRPr lang="en-US" altLang="zh-CN" sz="2400" dirty="0">
+              <a:solidFill>
+                <a:srgbClr val="FF0000"/>
+              </a:solidFill>
+              <a:latin typeface="华文新魏" pitchFamily="2" charset="-122"/>
+              <a:ea typeface="华文新魏" pitchFamily="2" charset="-122"/>
             </a:endParaRPr>
           </a:p>
         </p:txBody>
@@ -12875,10 +12082,34 @@
                 <a:tableStyleId>{5C22544A-7EE6-4342-B048-85BDC9FD1C3A}</a:tableStyleId>
               </a:tblPr>
               <a:tblGrid>
-                <a:gridCol w="2376264"/>
-                <a:gridCol w="1656184"/>
-                <a:gridCol w="1692188"/>
-                <a:gridCol w="1908212"/>
+                <a:gridCol w="2376264">
+                  <a:extLst>
+                    <a:ext uri="{9D8B030D-6E8A-4147-A177-3AD203B41FA5}">
+                      <a16:colId xmlns:a16="http://schemas.microsoft.com/office/drawing/2014/main" val="20000"/>
+                    </a:ext>
+                  </a:extLst>
+                </a:gridCol>
+                <a:gridCol w="1656184">
+                  <a:extLst>
+                    <a:ext uri="{9D8B030D-6E8A-4147-A177-3AD203B41FA5}">
+                      <a16:colId xmlns:a16="http://schemas.microsoft.com/office/drawing/2014/main" val="20001"/>
+                    </a:ext>
+                  </a:extLst>
+                </a:gridCol>
+                <a:gridCol w="1692188">
+                  <a:extLst>
+                    <a:ext uri="{9D8B030D-6E8A-4147-A177-3AD203B41FA5}">
+                      <a16:colId xmlns:a16="http://schemas.microsoft.com/office/drawing/2014/main" val="20002"/>
+                    </a:ext>
+                  </a:extLst>
+                </a:gridCol>
+                <a:gridCol w="1908212">
+                  <a:extLst>
+                    <a:ext uri="{9D8B030D-6E8A-4147-A177-3AD203B41FA5}">
+                      <a16:colId xmlns:a16="http://schemas.microsoft.com/office/drawing/2014/main" val="20003"/>
+                    </a:ext>
+                  </a:extLst>
+                </a:gridCol>
               </a:tblGrid>
               <a:tr h="497601">
                 <a:tc>
@@ -12899,15 +12130,6 @@
                         </a:rPr>
                         <a:t>背景介绍及研究意义</a:t>
                       </a:r>
-                      <a:endParaRPr lang="zh-CN" altLang="en-US" b="0" dirty="0">
-                        <a:solidFill>
-                          <a:schemeClr val="accent1">
-                            <a:lumMod val="75000"/>
-                          </a:schemeClr>
-                        </a:solidFill>
-                        <a:latin typeface="微软雅黑" panose="020B0503020204020204" pitchFamily="34" charset="-122"/>
-                        <a:ea typeface="微软雅黑" panose="020B0503020204020204" pitchFamily="34" charset="-122"/>
-                      </a:endParaRPr>
                     </a:p>
                   </a:txBody>
                   <a:tcPr anchor="b">
@@ -12991,15 +12213,6 @@
                         </a:rPr>
                         <a:t>研究计划</a:t>
                       </a:r>
-                      <a:endParaRPr lang="zh-CN" altLang="en-US" b="0" dirty="0">
-                        <a:solidFill>
-                          <a:schemeClr val="accent1">
-                            <a:lumMod val="75000"/>
-                          </a:schemeClr>
-                        </a:solidFill>
-                        <a:latin typeface="微软雅黑" panose="020B0503020204020204" pitchFamily="34" charset="-122"/>
-                        <a:ea typeface="微软雅黑" panose="020B0503020204020204" pitchFamily="34" charset="-122"/>
-                      </a:endParaRPr>
                     </a:p>
                   </a:txBody>
                   <a:tcPr anchor="b">
@@ -13083,15 +12296,6 @@
                         </a:rPr>
                         <a:t>论文计划</a:t>
                       </a:r>
-                      <a:endParaRPr lang="zh-CN" altLang="en-US" b="0" dirty="0">
-                        <a:solidFill>
-                          <a:schemeClr val="accent1">
-                            <a:lumMod val="75000"/>
-                          </a:schemeClr>
-                        </a:solidFill>
-                        <a:latin typeface="微软雅黑" panose="020B0503020204020204" pitchFamily="34" charset="-122"/>
-                        <a:ea typeface="微软雅黑" panose="020B0503020204020204" pitchFamily="34" charset="-122"/>
-                      </a:endParaRPr>
                     </a:p>
                   </a:txBody>
                   <a:tcPr anchor="b">
@@ -13173,13 +12377,6 @@
                         </a:rPr>
                         <a:t>研究进展</a:t>
                       </a:r>
-                      <a:endParaRPr lang="zh-CN" altLang="en-US" b="0" dirty="0">
-                        <a:solidFill>
-                          <a:schemeClr val="bg1"/>
-                        </a:solidFill>
-                        <a:latin typeface="微软雅黑" panose="020B0503020204020204" pitchFamily="34" charset="-122"/>
-                        <a:ea typeface="微软雅黑" panose="020B0503020204020204" pitchFamily="34" charset="-122"/>
-                      </a:endParaRPr>
                     </a:p>
                   </a:txBody>
                   <a:tcPr anchor="ctr">
@@ -13232,6 +12429,11 @@
                     </a:solidFill>
                   </a:tcPr>
                 </a:tc>
+                <a:extLst>
+                  <a:ext uri="{0D108BD9-81ED-4DB2-BD59-A6C34878D82A}">
+                    <a16:rowId xmlns:a16="http://schemas.microsoft.com/office/drawing/2014/main" val="10000"/>
+                  </a:ext>
+                </a:extLst>
               </a:tr>
               <a:tr h="164799">
                 <a:tc>
@@ -13436,6 +12638,13 @@
                   </a:tcPr>
                 </a:tc>
                 <a:tc vMerge="1">
+                  <a:txBody>
+                    <a:bodyPr/>
+                    <a:lstStyle/>
+                    <a:p>
+                      <a:endParaRPr lang="zh-CN"/>
+                    </a:p>
+                  </a:txBody>
                   <a:tcPr anchor="ctr">
                     <a:lnL w="57150" cap="flat" cmpd="sng" algn="ctr">
                       <a:solidFill>
@@ -13486,6 +12695,1016 @@
                     </a:solidFill>
                   </a:tcPr>
                 </a:tc>
+                <a:extLst>
+                  <a:ext uri="{0D108BD9-81ED-4DB2-BD59-A6C34878D82A}">
+                    <a16:rowId xmlns:a16="http://schemas.microsoft.com/office/drawing/2014/main" val="10001"/>
+                  </a:ext>
+                </a:extLst>
+              </a:tr>
+            </a:tbl>
+          </a:graphicData>
+        </a:graphic>
+      </p:graphicFrame>
+      <p:sp>
+        <p:nvSpPr>
+          <p:cNvPr id="2" name="文本框 1"/>
+          <p:cNvSpPr txBox="1"/>
+          <p:nvPr/>
+        </p:nvSpPr>
+        <p:spPr>
+          <a:xfrm>
+            <a:off x="983432" y="1484784"/>
+            <a:ext cx="10441160" cy="5078313"/>
+          </a:xfrm>
+          <a:prstGeom prst="rect">
+            <a:avLst/>
+          </a:prstGeom>
+          <a:noFill/>
+        </p:spPr>
+        <p:txBody>
+          <a:bodyPr wrap="square" rtlCol="0">
+            <a:spAutoFit/>
+          </a:bodyPr>
+          <a:lstStyle/>
+          <a:p>
+            <a:r>
+              <a:rPr lang="zh-CN" altLang="en-US" dirty="0">
+                <a:latin typeface="微软雅黑" panose="020B0503020204020204" pitchFamily="34" charset="-122"/>
+                <a:ea typeface="微软雅黑" panose="020B0503020204020204" pitchFamily="34" charset="-122"/>
+              </a:rPr>
+              <a:t>部分参考文献</a:t>
+            </a:r>
+            <a:endParaRPr lang="en-US" altLang="zh-CN" dirty="0">
+              <a:latin typeface="微软雅黑" panose="020B0503020204020204" pitchFamily="34" charset="-122"/>
+              <a:ea typeface="微软雅黑" panose="020B0503020204020204" pitchFamily="34" charset="-122"/>
+            </a:endParaRPr>
+          </a:p>
+          <a:p>
+            <a:pPr algn="ctr"/>
+            <a:endParaRPr lang="en-US" altLang="zh-CN" dirty="0">
+              <a:latin typeface="微软雅黑" panose="020B0503020204020204" pitchFamily="34" charset="-122"/>
+              <a:ea typeface="微软雅黑" panose="020B0503020204020204" pitchFamily="34" charset="-122"/>
+            </a:endParaRPr>
+          </a:p>
+          <a:p>
+            <a:pPr marL="342900" lvl="0" indent="-342900" algn="just">
+              <a:buFont typeface="+mj-lt"/>
+              <a:buAutoNum type="arabicPeriod"/>
+            </a:pPr>
+            <a:r>
+              <a:rPr lang="en-US" altLang="zh-CN" sz="1800" kern="100" dirty="0" err="1">
+                <a:solidFill>
+                  <a:srgbClr val="222222"/>
+                </a:solidFill>
+                <a:effectLst/>
+                <a:latin typeface="Arial" panose="020B0604020202020204" pitchFamily="34" charset="0"/>
+                <a:ea typeface="等线" panose="02010600030101010101" pitchFamily="2" charset="-122"/>
+                <a:cs typeface="Times New Roman" panose="02020603050405020304" pitchFamily="18" charset="0"/>
+              </a:rPr>
+              <a:t>Dietterich</a:t>
+            </a:r>
+            <a:r>
+              <a:rPr lang="en-US" altLang="zh-CN" sz="1800" kern="100" dirty="0">
+                <a:solidFill>
+                  <a:srgbClr val="222222"/>
+                </a:solidFill>
+                <a:effectLst/>
+                <a:latin typeface="Arial" panose="020B0604020202020204" pitchFamily="34" charset="0"/>
+                <a:ea typeface="等线" panose="02010600030101010101" pitchFamily="2" charset="-122"/>
+                <a:cs typeface="Times New Roman" panose="02020603050405020304" pitchFamily="18" charset="0"/>
+              </a:rPr>
+              <a:t> T G, Lathrop R H, Lozano-Pérez T. Solving the multiple instance problem with axis-parallel rectangles[J]. Artificial intelligence, 1997, 89(1-2): 31-71. </a:t>
+            </a:r>
+            <a:endParaRPr lang="zh-CN" altLang="zh-CN" sz="1800" kern="100" dirty="0">
+              <a:effectLst/>
+              <a:latin typeface="等线" panose="02010600030101010101" pitchFamily="2" charset="-122"/>
+              <a:ea typeface="等线" panose="02010600030101010101" pitchFamily="2" charset="-122"/>
+              <a:cs typeface="Times New Roman" panose="02020603050405020304" pitchFamily="18" charset="0"/>
+            </a:endParaRPr>
+          </a:p>
+          <a:p>
+            <a:pPr marL="342900" lvl="0" indent="-342900" algn="just">
+              <a:buFont typeface="+mj-lt"/>
+              <a:buAutoNum type="arabicPeriod"/>
+            </a:pPr>
+            <a:r>
+              <a:rPr lang="en-US" altLang="zh-CN" sz="1800" kern="100" dirty="0" err="1">
+                <a:solidFill>
+                  <a:srgbClr val="222222"/>
+                </a:solidFill>
+                <a:effectLst/>
+                <a:latin typeface="Arial" panose="020B0604020202020204" pitchFamily="34" charset="0"/>
+                <a:ea typeface="等线" panose="02010600030101010101" pitchFamily="2" charset="-122"/>
+                <a:cs typeface="Times New Roman" panose="02020603050405020304" pitchFamily="18" charset="0"/>
+              </a:rPr>
+              <a:t>Csurka</a:t>
+            </a:r>
+            <a:r>
+              <a:rPr lang="en-US" altLang="zh-CN" sz="1800" kern="100" dirty="0">
+                <a:solidFill>
+                  <a:srgbClr val="222222"/>
+                </a:solidFill>
+                <a:effectLst/>
+                <a:latin typeface="Arial" panose="020B0604020202020204" pitchFamily="34" charset="0"/>
+                <a:ea typeface="等线" panose="02010600030101010101" pitchFamily="2" charset="-122"/>
+                <a:cs typeface="Times New Roman" panose="02020603050405020304" pitchFamily="18" charset="0"/>
+              </a:rPr>
+              <a:t> G, Dance C, Fan L, et al. Visual categorization with bags of </a:t>
+            </a:r>
+            <a:r>
+              <a:rPr lang="en-US" altLang="zh-CN" sz="1800" kern="100" dirty="0" err="1">
+                <a:solidFill>
+                  <a:srgbClr val="222222"/>
+                </a:solidFill>
+                <a:effectLst/>
+                <a:latin typeface="Arial" panose="020B0604020202020204" pitchFamily="34" charset="0"/>
+                <a:ea typeface="等线" panose="02010600030101010101" pitchFamily="2" charset="-122"/>
+                <a:cs typeface="Times New Roman" panose="02020603050405020304" pitchFamily="18" charset="0"/>
+              </a:rPr>
+              <a:t>keypoints</a:t>
+            </a:r>
+            <a:r>
+              <a:rPr lang="en-US" altLang="zh-CN" sz="1800" kern="100" dirty="0">
+                <a:solidFill>
+                  <a:srgbClr val="222222"/>
+                </a:solidFill>
+                <a:effectLst/>
+                <a:latin typeface="Arial" panose="020B0604020202020204" pitchFamily="34" charset="0"/>
+                <a:ea typeface="等线" panose="02010600030101010101" pitchFamily="2" charset="-122"/>
+                <a:cs typeface="Times New Roman" panose="02020603050405020304" pitchFamily="18" charset="0"/>
+              </a:rPr>
+              <a:t>[C]//Workshop on statistical learning in computer vision, ECCV. 2004, 1(1-22): 1-2.</a:t>
+            </a:r>
+            <a:endParaRPr lang="zh-CN" altLang="zh-CN" sz="1800" kern="100" dirty="0">
+              <a:effectLst/>
+              <a:latin typeface="等线" panose="02010600030101010101" pitchFamily="2" charset="-122"/>
+              <a:ea typeface="等线" panose="02010600030101010101" pitchFamily="2" charset="-122"/>
+              <a:cs typeface="Times New Roman" panose="02020603050405020304" pitchFamily="18" charset="0"/>
+            </a:endParaRPr>
+          </a:p>
+          <a:p>
+            <a:pPr marL="342900" lvl="0" indent="-342900" algn="just">
+              <a:buFont typeface="+mj-lt"/>
+              <a:buAutoNum type="arabicPeriod"/>
+            </a:pPr>
+            <a:r>
+              <a:rPr lang="en-US" altLang="zh-CN" sz="1800" kern="100" dirty="0">
+                <a:solidFill>
+                  <a:srgbClr val="222222"/>
+                </a:solidFill>
+                <a:effectLst/>
+                <a:latin typeface="Arial" panose="020B0604020202020204" pitchFamily="34" charset="0"/>
+                <a:ea typeface="等线" panose="02010600030101010101" pitchFamily="2" charset="-122"/>
+                <a:cs typeface="Times New Roman" panose="02020603050405020304" pitchFamily="18" charset="0"/>
+              </a:rPr>
+              <a:t>Wang X, Wang B, Bai X, et al. Max-margin multiple-instance dictionary learning[C]//International conference on machine learning. 2013: 846-854.</a:t>
+            </a:r>
+            <a:endParaRPr lang="zh-CN" altLang="zh-CN" sz="1800" kern="100" dirty="0">
+              <a:effectLst/>
+              <a:latin typeface="等线" panose="02010600030101010101" pitchFamily="2" charset="-122"/>
+              <a:ea typeface="等线" panose="02010600030101010101" pitchFamily="2" charset="-122"/>
+              <a:cs typeface="Times New Roman" panose="02020603050405020304" pitchFamily="18" charset="0"/>
+            </a:endParaRPr>
+          </a:p>
+          <a:p>
+            <a:pPr marL="342900" lvl="0" indent="-342900" algn="just">
+              <a:buFont typeface="+mj-lt"/>
+              <a:buAutoNum type="arabicPeriod"/>
+            </a:pPr>
+            <a:r>
+              <a:rPr lang="en-US" altLang="zh-CN" sz="1800" kern="100" dirty="0">
+                <a:solidFill>
+                  <a:srgbClr val="222222"/>
+                </a:solidFill>
+                <a:effectLst/>
+                <a:latin typeface="Arial" panose="020B0604020202020204" pitchFamily="34" charset="0"/>
+                <a:ea typeface="等线" panose="02010600030101010101" pitchFamily="2" charset="-122"/>
+                <a:cs typeface="Times New Roman" panose="02020603050405020304" pitchFamily="18" charset="0"/>
+              </a:rPr>
+              <a:t>Ramesh B, Xiang C, Lee T H. Shape classification using invariant features and contextual information in the bag-of-words model[J]. Pattern Recognition, 2015, 48(3): 894-906.</a:t>
+            </a:r>
+            <a:endParaRPr lang="zh-CN" altLang="zh-CN" sz="1800" kern="100" dirty="0">
+              <a:effectLst/>
+              <a:latin typeface="等线" panose="02010600030101010101" pitchFamily="2" charset="-122"/>
+              <a:ea typeface="等线" panose="02010600030101010101" pitchFamily="2" charset="-122"/>
+              <a:cs typeface="Times New Roman" panose="02020603050405020304" pitchFamily="18" charset="0"/>
+            </a:endParaRPr>
+          </a:p>
+          <a:p>
+            <a:pPr marL="342900" lvl="0" indent="-342900" algn="just">
+              <a:buFont typeface="+mj-lt"/>
+              <a:buAutoNum type="arabicPeriod"/>
+            </a:pPr>
+            <a:r>
+              <a:rPr lang="en-US" altLang="zh-CN" sz="1800" kern="100" dirty="0">
+                <a:solidFill>
+                  <a:srgbClr val="222222"/>
+                </a:solidFill>
+                <a:effectLst/>
+                <a:latin typeface="Arial" panose="020B0604020202020204" pitchFamily="34" charset="0"/>
+                <a:ea typeface="等线" panose="02010600030101010101" pitchFamily="2" charset="-122"/>
+                <a:cs typeface="Times New Roman" panose="02020603050405020304" pitchFamily="18" charset="0"/>
+              </a:rPr>
+              <a:t>McCallum A, Nigam K. A comparison of event models for naive bayes text classification[C]//AAAI-98 workshop on learning for text categorization. 1998, 752(1): 41-48.</a:t>
+            </a:r>
+            <a:endParaRPr lang="zh-CN" altLang="zh-CN" sz="1800" kern="100" dirty="0">
+              <a:effectLst/>
+              <a:latin typeface="等线" panose="02010600030101010101" pitchFamily="2" charset="-122"/>
+              <a:ea typeface="等线" panose="02010600030101010101" pitchFamily="2" charset="-122"/>
+              <a:cs typeface="Times New Roman" panose="02020603050405020304" pitchFamily="18" charset="0"/>
+            </a:endParaRPr>
+          </a:p>
+          <a:p>
+            <a:pPr marL="342900" lvl="0" indent="-342900" algn="just">
+              <a:buFont typeface="+mj-lt"/>
+              <a:buAutoNum type="arabicPeriod"/>
+            </a:pPr>
+            <a:r>
+              <a:rPr lang="en-US" altLang="zh-CN" sz="1800" kern="100" dirty="0">
+                <a:solidFill>
+                  <a:srgbClr val="222222"/>
+                </a:solidFill>
+                <a:effectLst/>
+                <a:latin typeface="Arial" panose="020B0604020202020204" pitchFamily="34" charset="0"/>
+                <a:ea typeface="等线" panose="02010600030101010101" pitchFamily="2" charset="-122"/>
+                <a:cs typeface="Times New Roman" panose="02020603050405020304" pitchFamily="18" charset="0"/>
+              </a:rPr>
+              <a:t>Andrews S, </a:t>
+            </a:r>
+            <a:r>
+              <a:rPr lang="en-US" altLang="zh-CN" sz="1800" kern="100" dirty="0" err="1">
+                <a:solidFill>
+                  <a:srgbClr val="222222"/>
+                </a:solidFill>
+                <a:effectLst/>
+                <a:latin typeface="Arial" panose="020B0604020202020204" pitchFamily="34" charset="0"/>
+                <a:ea typeface="等线" panose="02010600030101010101" pitchFamily="2" charset="-122"/>
+                <a:cs typeface="Times New Roman" panose="02020603050405020304" pitchFamily="18" charset="0"/>
+              </a:rPr>
+              <a:t>Tsochantaridis</a:t>
+            </a:r>
+            <a:r>
+              <a:rPr lang="en-US" altLang="zh-CN" sz="1800" kern="100" dirty="0">
+                <a:solidFill>
+                  <a:srgbClr val="222222"/>
+                </a:solidFill>
+                <a:effectLst/>
+                <a:latin typeface="Arial" panose="020B0604020202020204" pitchFamily="34" charset="0"/>
+                <a:ea typeface="等线" panose="02010600030101010101" pitchFamily="2" charset="-122"/>
+                <a:cs typeface="Times New Roman" panose="02020603050405020304" pitchFamily="18" charset="0"/>
+              </a:rPr>
+              <a:t> I, Hofmann T. Support vector machines for multiple-instance learning[J]. Advances in neural information processing systems, 2002, 15: 577-584.</a:t>
+            </a:r>
+            <a:endParaRPr lang="zh-CN" altLang="zh-CN" sz="1800" kern="100" dirty="0">
+              <a:effectLst/>
+              <a:latin typeface="等线" panose="02010600030101010101" pitchFamily="2" charset="-122"/>
+              <a:ea typeface="等线" panose="02010600030101010101" pitchFamily="2" charset="-122"/>
+              <a:cs typeface="Times New Roman" panose="02020603050405020304" pitchFamily="18" charset="0"/>
+            </a:endParaRPr>
+          </a:p>
+          <a:p>
+            <a:pPr marL="342900" lvl="0" indent="-342900" algn="just">
+              <a:buFont typeface="+mj-lt"/>
+              <a:buAutoNum type="arabicPeriod"/>
+            </a:pPr>
+            <a:r>
+              <a:rPr lang="en-US" altLang="zh-CN" sz="1800" kern="100" dirty="0">
+                <a:solidFill>
+                  <a:srgbClr val="222222"/>
+                </a:solidFill>
+                <a:effectLst/>
+                <a:latin typeface="Arial" panose="020B0604020202020204" pitchFamily="34" charset="0"/>
+                <a:ea typeface="等线" panose="02010600030101010101" pitchFamily="2" charset="-122"/>
+                <a:cs typeface="Times New Roman" panose="02020603050405020304" pitchFamily="18" charset="0"/>
+              </a:rPr>
+              <a:t>Xu Y </a:t>
+            </a:r>
+            <a:r>
+              <a:rPr lang="en-US" altLang="zh-CN" sz="1800" kern="100" dirty="0" err="1">
+                <a:solidFill>
+                  <a:srgbClr val="222222"/>
+                </a:solidFill>
+                <a:effectLst/>
+                <a:latin typeface="Arial" panose="020B0604020202020204" pitchFamily="34" charset="0"/>
+                <a:ea typeface="等线" panose="02010600030101010101" pitchFamily="2" charset="-122"/>
+                <a:cs typeface="Times New Roman" panose="02020603050405020304" pitchFamily="18" charset="0"/>
+              </a:rPr>
+              <a:t>Y</a:t>
+            </a:r>
+            <a:r>
+              <a:rPr lang="en-US" altLang="zh-CN" sz="1800" kern="100" dirty="0">
+                <a:solidFill>
+                  <a:srgbClr val="222222"/>
+                </a:solidFill>
+                <a:effectLst/>
+                <a:latin typeface="Arial" panose="020B0604020202020204" pitchFamily="34" charset="0"/>
+                <a:ea typeface="等线" panose="02010600030101010101" pitchFamily="2" charset="-122"/>
+                <a:cs typeface="Times New Roman" panose="02020603050405020304" pitchFamily="18" charset="0"/>
+              </a:rPr>
+              <a:t>, Shih C H. Content based Image retrieval using multiple instance decision based neural networks[C]//2012 IEEE International Conference on Computational Intelligence and Cybernetics (</a:t>
+            </a:r>
+            <a:r>
+              <a:rPr lang="en-US" altLang="zh-CN" sz="1800" kern="100" dirty="0" err="1">
+                <a:solidFill>
+                  <a:srgbClr val="222222"/>
+                </a:solidFill>
+                <a:effectLst/>
+                <a:latin typeface="Arial" panose="020B0604020202020204" pitchFamily="34" charset="0"/>
+                <a:ea typeface="等线" panose="02010600030101010101" pitchFamily="2" charset="-122"/>
+                <a:cs typeface="Times New Roman" panose="02020603050405020304" pitchFamily="18" charset="0"/>
+              </a:rPr>
+              <a:t>CyberneticsCom</a:t>
+            </a:r>
+            <a:r>
+              <a:rPr lang="en-US" altLang="zh-CN" sz="1800" kern="100" dirty="0">
+                <a:solidFill>
+                  <a:srgbClr val="222222"/>
+                </a:solidFill>
+                <a:effectLst/>
+                <a:latin typeface="Arial" panose="020B0604020202020204" pitchFamily="34" charset="0"/>
+                <a:ea typeface="等线" panose="02010600030101010101" pitchFamily="2" charset="-122"/>
+                <a:cs typeface="Times New Roman" panose="02020603050405020304" pitchFamily="18" charset="0"/>
+              </a:rPr>
+              <a:t>). IEEE, 2012: 175-179.</a:t>
+            </a:r>
+            <a:endParaRPr lang="zh-CN" altLang="zh-CN" sz="1800" kern="100" dirty="0">
+              <a:effectLst/>
+              <a:latin typeface="等线" panose="02010600030101010101" pitchFamily="2" charset="-122"/>
+              <a:ea typeface="等线" panose="02010600030101010101" pitchFamily="2" charset="-122"/>
+              <a:cs typeface="Times New Roman" panose="02020603050405020304" pitchFamily="18" charset="0"/>
+            </a:endParaRPr>
+          </a:p>
+          <a:p>
+            <a:pPr algn="ctr"/>
+            <a:endParaRPr lang="zh-CN" altLang="en-US" dirty="0">
+              <a:latin typeface="微软雅黑" panose="020B0503020204020204" pitchFamily="34" charset="-122"/>
+              <a:ea typeface="微软雅黑" panose="020B0503020204020204" pitchFamily="34" charset="-122"/>
+            </a:endParaRPr>
+          </a:p>
+        </p:txBody>
+      </p:sp>
+    </p:spTree>
+  </p:cSld>
+  <p:clrMapOvr>
+    <a:masterClrMapping/>
+  </p:clrMapOvr>
+</p:sld>
+</file>
+
+<file path=ppt/slides/slide17.xml><?xml version="1.0" encoding="utf-8"?>
+<p:sld xmlns:a="http://schemas.openxmlformats.org/drawingml/2006/main" xmlns:r="http://schemas.openxmlformats.org/officeDocument/2006/relationships" xmlns:p="http://schemas.openxmlformats.org/presentationml/2006/main">
+  <p:cSld>
+    <p:spTree>
+      <p:nvGrpSpPr>
+        <p:cNvPr id="1" name=""/>
+        <p:cNvGrpSpPr/>
+        <p:nvPr/>
+      </p:nvGrpSpPr>
+      <p:grpSpPr>
+        <a:xfrm>
+          <a:off x="0" y="0"/>
+          <a:ext cx="0" cy="0"/>
+          <a:chOff x="0" y="0"/>
+          <a:chExt cx="0" cy="0"/>
+        </a:xfrm>
+      </p:grpSpPr>
+      <p:graphicFrame>
+        <p:nvGraphicFramePr>
+          <p:cNvPr id="5" name="表格 4"/>
+          <p:cNvGraphicFramePr>
+            <a:graphicFrameLocks noGrp="1"/>
+          </p:cNvGraphicFramePr>
+          <p:nvPr/>
+        </p:nvGraphicFramePr>
+        <p:xfrm>
+          <a:off x="1559496" y="692696"/>
+          <a:ext cx="7632848" cy="662400"/>
+        </p:xfrm>
+        <a:graphic>
+          <a:graphicData uri="http://schemas.openxmlformats.org/drawingml/2006/table">
+            <a:tbl>
+              <a:tblPr firstRow="1" bandRow="1">
+                <a:tableStyleId>{5C22544A-7EE6-4342-B048-85BDC9FD1C3A}</a:tableStyleId>
+              </a:tblPr>
+              <a:tblGrid>
+                <a:gridCol w="2376264">
+                  <a:extLst>
+                    <a:ext uri="{9D8B030D-6E8A-4147-A177-3AD203B41FA5}">
+                      <a16:colId xmlns:a16="http://schemas.microsoft.com/office/drawing/2014/main" val="20000"/>
+                    </a:ext>
+                  </a:extLst>
+                </a:gridCol>
+                <a:gridCol w="1656184">
+                  <a:extLst>
+                    <a:ext uri="{9D8B030D-6E8A-4147-A177-3AD203B41FA5}">
+                      <a16:colId xmlns:a16="http://schemas.microsoft.com/office/drawing/2014/main" val="20001"/>
+                    </a:ext>
+                  </a:extLst>
+                </a:gridCol>
+                <a:gridCol w="1692188">
+                  <a:extLst>
+                    <a:ext uri="{9D8B030D-6E8A-4147-A177-3AD203B41FA5}">
+                      <a16:colId xmlns:a16="http://schemas.microsoft.com/office/drawing/2014/main" val="20002"/>
+                    </a:ext>
+                  </a:extLst>
+                </a:gridCol>
+                <a:gridCol w="1908212">
+                  <a:extLst>
+                    <a:ext uri="{9D8B030D-6E8A-4147-A177-3AD203B41FA5}">
+                      <a16:colId xmlns:a16="http://schemas.microsoft.com/office/drawing/2014/main" val="20003"/>
+                    </a:ext>
+                  </a:extLst>
+                </a:gridCol>
+              </a:tblGrid>
+              <a:tr h="497601">
+                <a:tc>
+                  <a:txBody>
+                    <a:bodyPr/>
+                    <a:lstStyle/>
+                    <a:p>
+                      <a:pPr algn="ctr"/>
+                      <a:r>
+                        <a:rPr lang="zh-CN" altLang="en-US" b="0" dirty="0">
+                          <a:solidFill>
+                            <a:schemeClr val="accent1">
+                              <a:lumMod val="75000"/>
+                            </a:schemeClr>
+                          </a:solidFill>
+                          <a:latin typeface="微软雅黑" panose="020B0503020204020204" pitchFamily="34" charset="-122"/>
+                          <a:ea typeface="微软雅黑" panose="020B0503020204020204" pitchFamily="34" charset="-122"/>
+                        </a:rPr>
+                        <a:t>背景介绍及研究意义</a:t>
+                      </a:r>
+                    </a:p>
+                  </a:txBody>
+                  <a:tcPr anchor="b">
+                    <a:lnL w="57150" cap="flat" cmpd="sng" algn="ctr">
+                      <a:solidFill>
+                        <a:schemeClr val="bg1"/>
+                      </a:solidFill>
+                      <a:prstDash val="solid"/>
+                      <a:round/>
+                      <a:headEnd type="none" w="med" len="med"/>
+                      <a:tailEnd type="none" w="med" len="med"/>
+                    </a:lnL>
+                    <a:lnR w="57150" cap="flat" cmpd="sng" algn="ctr">
+                      <a:solidFill>
+                        <a:schemeClr val="bg1"/>
+                      </a:solidFill>
+                      <a:prstDash val="solid"/>
+                      <a:round/>
+                      <a:headEnd type="none" w="med" len="med"/>
+                      <a:tailEnd type="none" w="med" len="med"/>
+                    </a:lnR>
+                    <a:lnT w="38100" cap="flat" cmpd="sng" algn="ctr">
+                      <a:solidFill>
+                        <a:schemeClr val="bg1"/>
+                      </a:solidFill>
+                      <a:prstDash val="solid"/>
+                      <a:round/>
+                      <a:headEnd type="none" w="med" len="med"/>
+                      <a:tailEnd type="none" w="med" len="med"/>
+                    </a:lnT>
+                    <a:lnB w="57150" cap="flat" cmpd="sng" algn="ctr">
+                      <a:solidFill>
+                        <a:schemeClr val="bg1"/>
+                      </a:solidFill>
+                      <a:prstDash val="solid"/>
+                      <a:round/>
+                      <a:headEnd type="none" w="med" len="med"/>
+                      <a:tailEnd type="none" w="med" len="med"/>
+                    </a:lnB>
+                    <a:lnTlToBr w="12700" cmpd="sng">
+                      <a:noFill/>
+                      <a:prstDash val="solid"/>
+                    </a:lnTlToBr>
+                    <a:lnBlToTr w="12700" cmpd="sng">
+                      <a:noFill/>
+                      <a:prstDash val="solid"/>
+                    </a:lnBlToTr>
+                    <a:noFill/>
+                  </a:tcPr>
+                </a:tc>
+                <a:tc>
+                  <a:txBody>
+                    <a:bodyPr/>
+                    <a:lstStyle/>
+                    <a:p>
+                      <a:pPr marL="0" marR="0" indent="0" algn="ctr" defTabSz="914400" rtl="0" eaLnBrk="1" fontAlgn="auto" latinLnBrk="0" hangingPunct="1">
+                        <a:lnSpc>
+                          <a:spcPct val="100000"/>
+                        </a:lnSpc>
+                        <a:spcBef>
+                          <a:spcPts val="0"/>
+                        </a:spcBef>
+                        <a:spcAft>
+                          <a:spcPts val="0"/>
+                        </a:spcAft>
+                        <a:buClrTx/>
+                        <a:buSzTx/>
+                        <a:buFontTx/>
+                        <a:buNone/>
+                        <a:defRPr/>
+                      </a:pPr>
+                      <a:r>
+                        <a:rPr lang="zh-CN" altLang="en-US" b="0" dirty="0">
+                          <a:solidFill>
+                            <a:schemeClr val="accent1">
+                              <a:lumMod val="75000"/>
+                            </a:schemeClr>
+                          </a:solidFill>
+                          <a:latin typeface="微软雅黑" panose="020B0503020204020204" pitchFamily="34" charset="-122"/>
+                          <a:ea typeface="微软雅黑" panose="020B0503020204020204" pitchFamily="34" charset="-122"/>
+                        </a:rPr>
+                        <a:t>研究计划</a:t>
+                      </a:r>
+                    </a:p>
+                  </a:txBody>
+                  <a:tcPr anchor="b">
+                    <a:lnL w="57150" cap="flat" cmpd="sng" algn="ctr">
+                      <a:solidFill>
+                        <a:schemeClr val="bg1"/>
+                      </a:solidFill>
+                      <a:prstDash val="solid"/>
+                      <a:round/>
+                      <a:headEnd type="none" w="med" len="med"/>
+                      <a:tailEnd type="none" w="med" len="med"/>
+                    </a:lnL>
+                    <a:lnR w="57150" cap="flat" cmpd="sng" algn="ctr">
+                      <a:solidFill>
+                        <a:schemeClr val="bg1"/>
+                      </a:solidFill>
+                      <a:prstDash val="solid"/>
+                      <a:round/>
+                      <a:headEnd type="none" w="med" len="med"/>
+                      <a:tailEnd type="none" w="med" len="med"/>
+                    </a:lnR>
+                    <a:lnT w="38100" cap="flat" cmpd="sng" algn="ctr">
+                      <a:solidFill>
+                        <a:schemeClr val="bg1"/>
+                      </a:solidFill>
+                      <a:prstDash val="solid"/>
+                      <a:round/>
+                      <a:headEnd type="none" w="med" len="med"/>
+                      <a:tailEnd type="none" w="med" len="med"/>
+                    </a:lnT>
+                    <a:lnB w="57150" cap="flat" cmpd="sng" algn="ctr">
+                      <a:solidFill>
+                        <a:schemeClr val="bg1"/>
+                      </a:solidFill>
+                      <a:prstDash val="solid"/>
+                      <a:round/>
+                      <a:headEnd type="none" w="med" len="med"/>
+                      <a:tailEnd type="none" w="med" len="med"/>
+                    </a:lnB>
+                    <a:lnTlToBr w="12700" cmpd="sng">
+                      <a:noFill/>
+                      <a:prstDash val="solid"/>
+                    </a:lnTlToBr>
+                    <a:lnBlToTr w="12700" cmpd="sng">
+                      <a:noFill/>
+                      <a:prstDash val="solid"/>
+                    </a:lnBlToTr>
+                    <a:noFill/>
+                  </a:tcPr>
+                </a:tc>
+                <a:tc>
+                  <a:txBody>
+                    <a:bodyPr/>
+                    <a:lstStyle/>
+                    <a:p>
+                      <a:pPr marL="0" marR="0" indent="0" algn="ctr" defTabSz="914400" rtl="0" eaLnBrk="1" fontAlgn="auto" latinLnBrk="0" hangingPunct="1">
+                        <a:lnSpc>
+                          <a:spcPct val="100000"/>
+                        </a:lnSpc>
+                        <a:spcBef>
+                          <a:spcPts val="0"/>
+                        </a:spcBef>
+                        <a:spcAft>
+                          <a:spcPts val="0"/>
+                        </a:spcAft>
+                        <a:buClrTx/>
+                        <a:buSzTx/>
+                        <a:buFontTx/>
+                        <a:buNone/>
+                        <a:defRPr/>
+                      </a:pPr>
+                      <a:r>
+                        <a:rPr lang="zh-CN" altLang="en-US" b="0" dirty="0">
+                          <a:solidFill>
+                            <a:schemeClr val="accent1">
+                              <a:lumMod val="75000"/>
+                            </a:schemeClr>
+                          </a:solidFill>
+                          <a:latin typeface="微软雅黑" panose="020B0503020204020204" pitchFamily="34" charset="-122"/>
+                          <a:ea typeface="微软雅黑" panose="020B0503020204020204" pitchFamily="34" charset="-122"/>
+                        </a:rPr>
+                        <a:t>论文计划</a:t>
+                      </a:r>
+                    </a:p>
+                  </a:txBody>
+                  <a:tcPr anchor="b">
+                    <a:lnL w="57150" cap="flat" cmpd="sng" algn="ctr">
+                      <a:solidFill>
+                        <a:schemeClr val="bg1"/>
+                      </a:solidFill>
+                      <a:prstDash val="solid"/>
+                      <a:round/>
+                      <a:headEnd type="none" w="med" len="med"/>
+                      <a:tailEnd type="none" w="med" len="med"/>
+                    </a:lnL>
+                    <a:lnR w="57150" cap="flat" cmpd="sng" algn="ctr">
+                      <a:solidFill>
+                        <a:schemeClr val="bg1"/>
+                      </a:solidFill>
+                      <a:prstDash val="solid"/>
+                      <a:round/>
+                      <a:headEnd type="none" w="med" len="med"/>
+                      <a:tailEnd type="none" w="med" len="med"/>
+                    </a:lnR>
+                    <a:lnT w="38100" cap="flat" cmpd="sng" algn="ctr">
+                      <a:solidFill>
+                        <a:schemeClr val="bg1"/>
+                      </a:solidFill>
+                      <a:prstDash val="solid"/>
+                      <a:round/>
+                      <a:headEnd type="none" w="med" len="med"/>
+                      <a:tailEnd type="none" w="med" len="med"/>
+                    </a:lnT>
+                    <a:lnB w="57150" cap="flat" cmpd="sng" algn="ctr">
+                      <a:solidFill>
+                        <a:schemeClr val="bg1"/>
+                      </a:solidFill>
+                      <a:prstDash val="solid"/>
+                      <a:round/>
+                      <a:headEnd type="none" w="med" len="med"/>
+                      <a:tailEnd type="none" w="med" len="med"/>
+                    </a:lnB>
+                    <a:lnTlToBr w="12700" cmpd="sng">
+                      <a:noFill/>
+                      <a:prstDash val="solid"/>
+                    </a:lnTlToBr>
+                    <a:lnBlToTr w="12700" cmpd="sng">
+                      <a:noFill/>
+                      <a:prstDash val="solid"/>
+                    </a:lnBlToTr>
+                    <a:noFill/>
+                  </a:tcPr>
+                </a:tc>
+                <a:tc rowSpan="2">
+                  <a:txBody>
+                    <a:bodyPr/>
+                    <a:lstStyle/>
+                    <a:p>
+                      <a:pPr marL="0" marR="0" indent="0" algn="ctr" defTabSz="914400" rtl="0" eaLnBrk="1" fontAlgn="auto" latinLnBrk="0" hangingPunct="1">
+                        <a:lnSpc>
+                          <a:spcPct val="100000"/>
+                        </a:lnSpc>
+                        <a:spcBef>
+                          <a:spcPts val="0"/>
+                        </a:spcBef>
+                        <a:spcAft>
+                          <a:spcPts val="0"/>
+                        </a:spcAft>
+                        <a:buClrTx/>
+                        <a:buSzTx/>
+                        <a:buFontTx/>
+                        <a:buNone/>
+                        <a:defRPr/>
+                      </a:pPr>
+                      <a:r>
+                        <a:rPr lang="zh-CN" altLang="en-US" b="0" dirty="0">
+                          <a:solidFill>
+                            <a:schemeClr val="bg1"/>
+                          </a:solidFill>
+                          <a:latin typeface="微软雅黑" panose="020B0503020204020204" pitchFamily="34" charset="-122"/>
+                          <a:ea typeface="微软雅黑" panose="020B0503020204020204" pitchFamily="34" charset="-122"/>
+                        </a:rPr>
+                        <a:t>研究进展</a:t>
+                      </a:r>
+                    </a:p>
+                  </a:txBody>
+                  <a:tcPr anchor="ctr">
+                    <a:lnL w="57150" cap="flat" cmpd="sng" algn="ctr">
+                      <a:solidFill>
+                        <a:schemeClr val="bg1"/>
+                      </a:solidFill>
+                      <a:prstDash val="solid"/>
+                      <a:round/>
+                      <a:headEnd type="none" w="med" len="med"/>
+                      <a:tailEnd type="none" w="med" len="med"/>
+                    </a:lnL>
+                    <a:lnR w="38100" cap="flat" cmpd="sng" algn="ctr">
+                      <a:solidFill>
+                        <a:schemeClr val="bg1"/>
+                      </a:solidFill>
+                      <a:prstDash val="solid"/>
+                      <a:round/>
+                      <a:headEnd type="none" w="med" len="med"/>
+                      <a:tailEnd type="none" w="med" len="med"/>
+                    </a:lnR>
+                    <a:lnT w="38100" cap="flat" cmpd="sng" algn="ctr">
+                      <a:solidFill>
+                        <a:schemeClr val="bg1"/>
+                      </a:solidFill>
+                      <a:prstDash val="solid"/>
+                      <a:round/>
+                      <a:headEnd type="none" w="med" len="med"/>
+                      <a:tailEnd type="none" w="med" len="med"/>
+                    </a:lnT>
+                    <a:lnB w="57150" cap="flat" cmpd="sng" algn="ctr">
+                      <a:solidFill>
+                        <a:schemeClr val="bg1"/>
+                      </a:solidFill>
+                      <a:prstDash val="solid"/>
+                      <a:round/>
+                      <a:headEnd type="none" w="med" len="med"/>
+                      <a:tailEnd type="none" w="med" len="med"/>
+                    </a:lnB>
+                    <a:lnTlToBr w="12700" cmpd="sng">
+                      <a:noFill/>
+                      <a:prstDash val="solid"/>
+                    </a:lnTlToBr>
+                    <a:lnBlToTr w="12700" cmpd="sng">
+                      <a:noFill/>
+                      <a:prstDash val="solid"/>
+                    </a:lnBlToTr>
+                    <a:solidFill>
+                      <a:srgbClr val="376092"/>
+                    </a:solidFill>
+                  </a:tcPr>
+                </a:tc>
+                <a:extLst>
+                  <a:ext uri="{0D108BD9-81ED-4DB2-BD59-A6C34878D82A}">
+                    <a16:rowId xmlns:a16="http://schemas.microsoft.com/office/drawing/2014/main" val="10000"/>
+                  </a:ext>
+                </a:extLst>
+              </a:tr>
+              <a:tr h="164799">
+                <a:tc>
+                  <a:txBody>
+                    <a:bodyPr/>
+                    <a:lstStyle/>
+                    <a:p>
+                      <a:pPr algn="ctr"/>
+                      <a:endParaRPr lang="zh-CN" altLang="en-US" sz="100" b="0" dirty="0">
+                        <a:solidFill>
+                          <a:schemeClr val="accent1">
+                            <a:lumMod val="75000"/>
+                          </a:schemeClr>
+                        </a:solidFill>
+                        <a:latin typeface="微软雅黑" panose="020B0503020204020204" pitchFamily="34" charset="-122"/>
+                        <a:ea typeface="微软雅黑" panose="020B0503020204020204" pitchFamily="34" charset="-122"/>
+                      </a:endParaRPr>
+                    </a:p>
+                  </a:txBody>
+                  <a:tcPr anchor="ctr">
+                    <a:lnL w="57150" cap="flat" cmpd="sng" algn="ctr">
+                      <a:solidFill>
+                        <a:schemeClr val="bg1"/>
+                      </a:solidFill>
+                      <a:prstDash val="solid"/>
+                      <a:round/>
+                      <a:headEnd type="none" w="med" len="med"/>
+                      <a:tailEnd type="none" w="med" len="med"/>
+                    </a:lnL>
+                    <a:lnR w="57150" cap="flat" cmpd="sng" algn="ctr">
+                      <a:solidFill>
+                        <a:schemeClr val="bg1"/>
+                      </a:solidFill>
+                      <a:prstDash val="solid"/>
+                      <a:round/>
+                      <a:headEnd type="none" w="med" len="med"/>
+                      <a:tailEnd type="none" w="med" len="med"/>
+                    </a:lnR>
+                    <a:lnT w="57150" cap="flat" cmpd="sng" algn="ctr">
+                      <a:solidFill>
+                        <a:schemeClr val="bg1"/>
+                      </a:solidFill>
+                      <a:prstDash val="solid"/>
+                      <a:round/>
+                      <a:headEnd type="none" w="med" len="med"/>
+                      <a:tailEnd type="none" w="med" len="med"/>
+                    </a:lnT>
+                    <a:lnB w="57150" cap="flat" cmpd="sng" algn="ctr">
+                      <a:solidFill>
+                        <a:schemeClr val="bg1"/>
+                      </a:solidFill>
+                      <a:prstDash val="solid"/>
+                      <a:round/>
+                      <a:headEnd type="none" w="med" len="med"/>
+                      <a:tailEnd type="none" w="med" len="med"/>
+                    </a:lnB>
+                    <a:lnTlToBr w="12700" cmpd="sng">
+                      <a:noFill/>
+                      <a:prstDash val="solid"/>
+                    </a:lnTlToBr>
+                    <a:lnBlToTr w="12700" cmpd="sng">
+                      <a:noFill/>
+                      <a:prstDash val="solid"/>
+                    </a:lnBlToTr>
+                    <a:solidFill>
+                      <a:schemeClr val="accent1"/>
+                    </a:solidFill>
+                  </a:tcPr>
+                </a:tc>
+                <a:tc>
+                  <a:txBody>
+                    <a:bodyPr/>
+                    <a:lstStyle/>
+                    <a:p>
+                      <a:pPr algn="ctr"/>
+                      <a:endParaRPr lang="zh-CN" altLang="en-US" sz="100" b="0" dirty="0">
+                        <a:solidFill>
+                          <a:schemeClr val="accent1">
+                            <a:lumMod val="75000"/>
+                          </a:schemeClr>
+                        </a:solidFill>
+                        <a:latin typeface="微软雅黑" panose="020B0503020204020204" pitchFamily="34" charset="-122"/>
+                        <a:ea typeface="微软雅黑" panose="020B0503020204020204" pitchFamily="34" charset="-122"/>
+                      </a:endParaRPr>
+                    </a:p>
+                  </a:txBody>
+                  <a:tcPr anchor="ctr">
+                    <a:lnL w="57150" cap="flat" cmpd="sng" algn="ctr">
+                      <a:solidFill>
+                        <a:schemeClr val="bg1"/>
+                      </a:solidFill>
+                      <a:prstDash val="solid"/>
+                      <a:round/>
+                      <a:headEnd type="none" w="med" len="med"/>
+                      <a:tailEnd type="none" w="med" len="med"/>
+                    </a:lnL>
+                    <a:lnR w="57150" cap="flat" cmpd="sng" algn="ctr">
+                      <a:solidFill>
+                        <a:schemeClr val="bg1"/>
+                      </a:solidFill>
+                      <a:prstDash val="solid"/>
+                      <a:round/>
+                      <a:headEnd type="none" w="med" len="med"/>
+                      <a:tailEnd type="none" w="med" len="med"/>
+                    </a:lnR>
+                    <a:lnT w="57150" cap="flat" cmpd="sng" algn="ctr">
+                      <a:solidFill>
+                        <a:schemeClr val="bg1"/>
+                      </a:solidFill>
+                      <a:prstDash val="solid"/>
+                      <a:round/>
+                      <a:headEnd type="none" w="med" len="med"/>
+                      <a:tailEnd type="none" w="med" len="med"/>
+                    </a:lnT>
+                    <a:lnB w="57150" cap="flat" cmpd="sng" algn="ctr">
+                      <a:solidFill>
+                        <a:schemeClr val="bg1"/>
+                      </a:solidFill>
+                      <a:prstDash val="solid"/>
+                      <a:round/>
+                      <a:headEnd type="none" w="med" len="med"/>
+                      <a:tailEnd type="none" w="med" len="med"/>
+                    </a:lnB>
+                    <a:lnTlToBr w="12700" cmpd="sng">
+                      <a:noFill/>
+                      <a:prstDash val="solid"/>
+                    </a:lnTlToBr>
+                    <a:lnBlToTr w="12700" cmpd="sng">
+                      <a:noFill/>
+                      <a:prstDash val="solid"/>
+                    </a:lnBlToTr>
+                    <a:solidFill>
+                      <a:schemeClr val="accent1"/>
+                    </a:solidFill>
+                  </a:tcPr>
+                </a:tc>
+                <a:tc>
+                  <a:txBody>
+                    <a:bodyPr/>
+                    <a:lstStyle/>
+                    <a:p>
+                      <a:pPr algn="ctr"/>
+                      <a:endParaRPr lang="zh-CN" altLang="en-US" sz="100" b="0" dirty="0">
+                        <a:solidFill>
+                          <a:schemeClr val="accent1">
+                            <a:lumMod val="75000"/>
+                          </a:schemeClr>
+                        </a:solidFill>
+                        <a:latin typeface="微软雅黑" panose="020B0503020204020204" pitchFamily="34" charset="-122"/>
+                        <a:ea typeface="微软雅黑" panose="020B0503020204020204" pitchFamily="34" charset="-122"/>
+                      </a:endParaRPr>
+                    </a:p>
+                  </a:txBody>
+                  <a:tcPr anchor="ctr">
+                    <a:lnL w="57150" cap="flat" cmpd="sng" algn="ctr">
+                      <a:solidFill>
+                        <a:schemeClr val="bg1"/>
+                      </a:solidFill>
+                      <a:prstDash val="solid"/>
+                      <a:round/>
+                      <a:headEnd type="none" w="med" len="med"/>
+                      <a:tailEnd type="none" w="med" len="med"/>
+                    </a:lnL>
+                    <a:lnR w="57150" cap="flat" cmpd="sng" algn="ctr">
+                      <a:solidFill>
+                        <a:schemeClr val="bg1"/>
+                      </a:solidFill>
+                      <a:prstDash val="solid"/>
+                      <a:round/>
+                      <a:headEnd type="none" w="med" len="med"/>
+                      <a:tailEnd type="none" w="med" len="med"/>
+                    </a:lnR>
+                    <a:lnT w="57150" cap="flat" cmpd="sng" algn="ctr">
+                      <a:solidFill>
+                        <a:schemeClr val="bg1"/>
+                      </a:solidFill>
+                      <a:prstDash val="solid"/>
+                      <a:round/>
+                      <a:headEnd type="none" w="med" len="med"/>
+                      <a:tailEnd type="none" w="med" len="med"/>
+                    </a:lnT>
+                    <a:lnB w="57150" cap="flat" cmpd="sng" algn="ctr">
+                      <a:solidFill>
+                        <a:schemeClr val="bg1"/>
+                      </a:solidFill>
+                      <a:prstDash val="solid"/>
+                      <a:round/>
+                      <a:headEnd type="none" w="med" len="med"/>
+                      <a:tailEnd type="none" w="med" len="med"/>
+                    </a:lnB>
+                    <a:lnTlToBr w="12700" cmpd="sng">
+                      <a:noFill/>
+                      <a:prstDash val="solid"/>
+                    </a:lnTlToBr>
+                    <a:lnBlToTr w="12700" cmpd="sng">
+                      <a:noFill/>
+                      <a:prstDash val="solid"/>
+                    </a:lnBlToTr>
+                    <a:solidFill>
+                      <a:schemeClr val="accent1"/>
+                    </a:solidFill>
+                  </a:tcPr>
+                </a:tc>
+                <a:tc vMerge="1">
+                  <a:txBody>
+                    <a:bodyPr/>
+                    <a:lstStyle/>
+                    <a:p>
+                      <a:endParaRPr lang="zh-CN"/>
+                    </a:p>
+                  </a:txBody>
+                  <a:tcPr anchor="ctr">
+                    <a:lnL w="57150" cap="flat" cmpd="sng" algn="ctr">
+                      <a:solidFill>
+                        <a:schemeClr val="bg1"/>
+                      </a:solidFill>
+                      <a:prstDash val="solid"/>
+                      <a:round/>
+                      <a:headEnd type="none" w="med" len="med"/>
+                      <a:tailEnd type="none" w="med" len="med"/>
+                    </a:lnL>
+                    <a:lnR w="57150" cap="flat" cmpd="sng" algn="ctr">
+                      <a:solidFill>
+                        <a:schemeClr val="bg1"/>
+                      </a:solidFill>
+                      <a:prstDash val="solid"/>
+                      <a:round/>
+                      <a:headEnd type="none" w="med" len="med"/>
+                      <a:tailEnd type="none" w="med" len="med"/>
+                    </a:lnR>
+                    <a:lnT w="57150" cap="flat" cmpd="sng" algn="ctr">
+                      <a:solidFill>
+                        <a:schemeClr val="bg1"/>
+                      </a:solidFill>
+                      <a:prstDash val="solid"/>
+                      <a:round/>
+                      <a:headEnd type="none" w="med" len="med"/>
+                      <a:tailEnd type="none" w="med" len="med"/>
+                    </a:lnT>
+                    <a:lnB w="57150" cap="flat" cmpd="sng" algn="ctr">
+                      <a:solidFill>
+                        <a:schemeClr val="bg1"/>
+                      </a:solidFill>
+                      <a:prstDash val="solid"/>
+                      <a:round/>
+                      <a:headEnd type="none" w="med" len="med"/>
+                      <a:tailEnd type="none" w="med" len="med"/>
+                    </a:lnB>
+                    <a:lnTlToBr w="12700" cmpd="sng">
+                      <a:noFill/>
+                      <a:prstDash val="solid"/>
+                    </a:lnTlToBr>
+                    <a:lnBlToTr w="12700" cmpd="sng">
+                      <a:noFill/>
+                      <a:prstDash val="solid"/>
+                    </a:lnBlToTr>
+                    <a:solidFill>
+                      <a:schemeClr val="accent1"/>
+                    </a:solidFill>
+                  </a:tcPr>
+                </a:tc>
+                <a:extLst>
+                  <a:ext uri="{0D108BD9-81ED-4DB2-BD59-A6C34878D82A}">
+                    <a16:rowId xmlns:a16="http://schemas.microsoft.com/office/drawing/2014/main" val="10001"/>
+                  </a:ext>
+                </a:extLst>
               </a:tr>
             </a:tbl>
           </a:graphicData>
@@ -13846,7 +14065,7 @@
 </p:sld>
 </file>
 
-<file path=ppt/slides/slide17.xml><?xml version="1.0" encoding="utf-8"?>
+<file path=ppt/slides/slide18.xml><?xml version="1.0" encoding="utf-8"?>
 <p:sld xmlns:a="http://schemas.openxmlformats.org/drawingml/2006/main" xmlns:r="http://schemas.openxmlformats.org/officeDocument/2006/relationships" xmlns:p="http://schemas.openxmlformats.org/presentationml/2006/main">
   <p:cSld>
     <p:spTree>
@@ -14031,7 +14250,7 @@
               <a:buSzPct val="130000"/>
               <a:buFont typeface="Wingdings" panose="05000000000000000000" pitchFamily="2" charset="2"/>
               <a:buBlip>
-                <a:blip r:embed="rId1"/>
+                <a:blip r:embed="rId2"/>
               </a:buBlip>
               <a:tabLst>
                 <a:tab pos="5137150" algn="l"/>
@@ -14343,7 +14562,7 @@
           <p:nvPr/>
         </p:nvPicPr>
         <p:blipFill rotWithShape="1">
-          <a:blip r:embed="rId2"/>
+          <a:blip r:embed="rId3"/>
           <a:srcRect l="1027" t="1313" r="1314" b="1342"/>
           <a:stretch>
             <a:fillRect/>
@@ -14368,7 +14587,7 @@
           <p:nvPr/>
         </p:nvPicPr>
         <p:blipFill rotWithShape="1">
-          <a:blip r:embed="rId3"/>
+          <a:blip r:embed="rId4"/>
           <a:srcRect l="930" t="1627" r="1173" b="3043"/>
           <a:stretch>
             <a:fillRect/>
@@ -14393,7 +14612,7 @@
           <p:nvPr/>
         </p:nvPicPr>
         <p:blipFill rotWithShape="1">
-          <a:blip r:embed="rId4"/>
+          <a:blip r:embed="rId5"/>
           <a:srcRect r="2841" b="5161"/>
           <a:stretch>
             <a:fillRect/>
@@ -14500,12 +14719,6 @@
               </a:rPr>
               <a:t>Bag of words</a:t>
             </a:r>
-            <a:endParaRPr lang="en-AU" altLang="zh-CN" sz="1800" dirty="0">
-              <a:solidFill>
-                <a:schemeClr val="accent2"/>
-              </a:solidFill>
-              <a:latin typeface="+mn-lt"/>
-            </a:endParaRPr>
           </a:p>
         </p:txBody>
       </p:sp>
@@ -14550,12 +14763,6 @@
               </a:rPr>
               <a:t>Sparse data</a:t>
             </a:r>
-            <a:endParaRPr lang="en-AU" altLang="zh-CN" sz="1800" dirty="0">
-              <a:solidFill>
-                <a:schemeClr val="accent2"/>
-              </a:solidFill>
-              <a:latin typeface="+mn-lt"/>
-            </a:endParaRPr>
           </a:p>
         </p:txBody>
       </p:sp>
@@ -14578,10 +14785,34 @@
                 <a:tableStyleId>{5C22544A-7EE6-4342-B048-85BDC9FD1C3A}</a:tableStyleId>
               </a:tblPr>
               <a:tblGrid>
-                <a:gridCol w="2448272"/>
-                <a:gridCol w="1656184"/>
-                <a:gridCol w="1800200"/>
-                <a:gridCol w="1656184"/>
+                <a:gridCol w="2448272">
+                  <a:extLst>
+                    <a:ext uri="{9D8B030D-6E8A-4147-A177-3AD203B41FA5}">
+                      <a16:colId xmlns:a16="http://schemas.microsoft.com/office/drawing/2014/main" val="20000"/>
+                    </a:ext>
+                  </a:extLst>
+                </a:gridCol>
+                <a:gridCol w="1656184">
+                  <a:extLst>
+                    <a:ext uri="{9D8B030D-6E8A-4147-A177-3AD203B41FA5}">
+                      <a16:colId xmlns:a16="http://schemas.microsoft.com/office/drawing/2014/main" val="20001"/>
+                    </a:ext>
+                  </a:extLst>
+                </a:gridCol>
+                <a:gridCol w="1800200">
+                  <a:extLst>
+                    <a:ext uri="{9D8B030D-6E8A-4147-A177-3AD203B41FA5}">
+                      <a16:colId xmlns:a16="http://schemas.microsoft.com/office/drawing/2014/main" val="20002"/>
+                    </a:ext>
+                  </a:extLst>
+                </a:gridCol>
+                <a:gridCol w="1656184">
+                  <a:extLst>
+                    <a:ext uri="{9D8B030D-6E8A-4147-A177-3AD203B41FA5}">
+                      <a16:colId xmlns:a16="http://schemas.microsoft.com/office/drawing/2014/main" val="20003"/>
+                    </a:ext>
+                  </a:extLst>
+                </a:gridCol>
               </a:tblGrid>
               <a:tr h="504055">
                 <a:tc rowSpan="2">
@@ -14668,15 +14899,6 @@
                         </a:rPr>
                         <a:t>研究内容</a:t>
                       </a:r>
-                      <a:endParaRPr lang="zh-CN" altLang="en-US" b="1" dirty="0">
-                        <a:solidFill>
-                          <a:schemeClr val="accent1">
-                            <a:lumMod val="75000"/>
-                          </a:schemeClr>
-                        </a:solidFill>
-                        <a:latin typeface="微软雅黑" panose="020B0503020204020204" pitchFamily="34" charset="-122"/>
-                        <a:ea typeface="微软雅黑" panose="020B0503020204020204" pitchFamily="34" charset="-122"/>
-                      </a:endParaRPr>
                     </a:p>
                   </a:txBody>
                   <a:tcPr anchor="b">
@@ -14760,15 +14982,6 @@
                         </a:rPr>
                         <a:t>研究计划</a:t>
                       </a:r>
-                      <a:endParaRPr lang="zh-CN" altLang="en-US" b="1" dirty="0">
-                        <a:solidFill>
-                          <a:schemeClr val="accent1">
-                            <a:lumMod val="75000"/>
-                          </a:schemeClr>
-                        </a:solidFill>
-                        <a:latin typeface="微软雅黑" panose="020B0503020204020204" pitchFamily="34" charset="-122"/>
-                        <a:ea typeface="微软雅黑" panose="020B0503020204020204" pitchFamily="34" charset="-122"/>
-                      </a:endParaRPr>
                     </a:p>
                   </a:txBody>
                   <a:tcPr anchor="b">
@@ -14852,15 +15065,6 @@
                         </a:rPr>
                         <a:t>研究进展</a:t>
                       </a:r>
-                      <a:endParaRPr lang="zh-CN" altLang="en-US" b="1" dirty="0">
-                        <a:solidFill>
-                          <a:schemeClr val="accent1">
-                            <a:lumMod val="75000"/>
-                          </a:schemeClr>
-                        </a:solidFill>
-                        <a:latin typeface="微软雅黑" panose="020B0503020204020204" pitchFamily="34" charset="-122"/>
-                        <a:ea typeface="微软雅黑" panose="020B0503020204020204" pitchFamily="34" charset="-122"/>
-                      </a:endParaRPr>
                     </a:p>
                   </a:txBody>
                   <a:tcPr anchor="b">
@@ -14911,9 +15115,21 @@
                     <a:noFill/>
                   </a:tcPr>
                 </a:tc>
+                <a:extLst>
+                  <a:ext uri="{0D108BD9-81ED-4DB2-BD59-A6C34878D82A}">
+                    <a16:rowId xmlns:a16="http://schemas.microsoft.com/office/drawing/2014/main" val="10000"/>
+                  </a:ext>
+                </a:extLst>
               </a:tr>
               <a:tr h="166937">
                 <a:tc vMerge="1">
+                  <a:txBody>
+                    <a:bodyPr/>
+                    <a:lstStyle/>
+                    <a:p>
+                      <a:endParaRPr lang="zh-CN"/>
+                    </a:p>
+                  </a:txBody>
                   <a:tcPr anchor="ctr">
                     <a:lnT w="38100" cap="flat" cmpd="sng" algn="ctr">
                       <a:solidFill>
@@ -15129,6 +15345,11 @@
                     </a:solidFill>
                   </a:tcPr>
                 </a:tc>
+                <a:extLst>
+                  <a:ext uri="{0D108BD9-81ED-4DB2-BD59-A6C34878D82A}">
+                    <a16:rowId xmlns:a16="http://schemas.microsoft.com/office/drawing/2014/main" val="10001"/>
+                  </a:ext>
+                </a:extLst>
               </a:tr>
             </a:tbl>
           </a:graphicData>
@@ -15477,10 +15698,34 @@
                 <a:tableStyleId>{5C22544A-7EE6-4342-B048-85BDC9FD1C3A}</a:tableStyleId>
               </a:tblPr>
               <a:tblGrid>
-                <a:gridCol w="2448272"/>
-                <a:gridCol w="1656184"/>
-                <a:gridCol w="1800200"/>
-                <a:gridCol w="1656184"/>
+                <a:gridCol w="2448272">
+                  <a:extLst>
+                    <a:ext uri="{9D8B030D-6E8A-4147-A177-3AD203B41FA5}">
+                      <a16:colId xmlns:a16="http://schemas.microsoft.com/office/drawing/2014/main" val="20000"/>
+                    </a:ext>
+                  </a:extLst>
+                </a:gridCol>
+                <a:gridCol w="1656184">
+                  <a:extLst>
+                    <a:ext uri="{9D8B030D-6E8A-4147-A177-3AD203B41FA5}">
+                      <a16:colId xmlns:a16="http://schemas.microsoft.com/office/drawing/2014/main" val="20001"/>
+                    </a:ext>
+                  </a:extLst>
+                </a:gridCol>
+                <a:gridCol w="1800200">
+                  <a:extLst>
+                    <a:ext uri="{9D8B030D-6E8A-4147-A177-3AD203B41FA5}">
+                      <a16:colId xmlns:a16="http://schemas.microsoft.com/office/drawing/2014/main" val="20002"/>
+                    </a:ext>
+                  </a:extLst>
+                </a:gridCol>
+                <a:gridCol w="1656184">
+                  <a:extLst>
+                    <a:ext uri="{9D8B030D-6E8A-4147-A177-3AD203B41FA5}">
+                      <a16:colId xmlns:a16="http://schemas.microsoft.com/office/drawing/2014/main" val="20003"/>
+                    </a:ext>
+                  </a:extLst>
+                </a:gridCol>
               </a:tblGrid>
               <a:tr h="504055">
                 <a:tc rowSpan="2">
@@ -15567,15 +15812,6 @@
                         </a:rPr>
                         <a:t>研究内容</a:t>
                       </a:r>
-                      <a:endParaRPr lang="zh-CN" altLang="en-US" b="1" dirty="0">
-                        <a:solidFill>
-                          <a:schemeClr val="accent1">
-                            <a:lumMod val="75000"/>
-                          </a:schemeClr>
-                        </a:solidFill>
-                        <a:latin typeface="微软雅黑" panose="020B0503020204020204" pitchFamily="34" charset="-122"/>
-                        <a:ea typeface="微软雅黑" panose="020B0503020204020204" pitchFamily="34" charset="-122"/>
-                      </a:endParaRPr>
                     </a:p>
                   </a:txBody>
                   <a:tcPr anchor="b">
@@ -15659,15 +15895,6 @@
                         </a:rPr>
                         <a:t>研究计划</a:t>
                       </a:r>
-                      <a:endParaRPr lang="zh-CN" altLang="en-US" b="1" dirty="0">
-                        <a:solidFill>
-                          <a:schemeClr val="accent1">
-                            <a:lumMod val="75000"/>
-                          </a:schemeClr>
-                        </a:solidFill>
-                        <a:latin typeface="微软雅黑" panose="020B0503020204020204" pitchFamily="34" charset="-122"/>
-                        <a:ea typeface="微软雅黑" panose="020B0503020204020204" pitchFamily="34" charset="-122"/>
-                      </a:endParaRPr>
                     </a:p>
                   </a:txBody>
                   <a:tcPr anchor="b">
@@ -15751,15 +15978,6 @@
                         </a:rPr>
                         <a:t>研究进展</a:t>
                       </a:r>
-                      <a:endParaRPr lang="zh-CN" altLang="en-US" b="1" dirty="0">
-                        <a:solidFill>
-                          <a:schemeClr val="accent1">
-                            <a:lumMod val="75000"/>
-                          </a:schemeClr>
-                        </a:solidFill>
-                        <a:latin typeface="微软雅黑" panose="020B0503020204020204" pitchFamily="34" charset="-122"/>
-                        <a:ea typeface="微软雅黑" panose="020B0503020204020204" pitchFamily="34" charset="-122"/>
-                      </a:endParaRPr>
                     </a:p>
                   </a:txBody>
                   <a:tcPr anchor="b">
@@ -15810,9 +16028,21 @@
                     <a:noFill/>
                   </a:tcPr>
                 </a:tc>
+                <a:extLst>
+                  <a:ext uri="{0D108BD9-81ED-4DB2-BD59-A6C34878D82A}">
+                    <a16:rowId xmlns:a16="http://schemas.microsoft.com/office/drawing/2014/main" val="10000"/>
+                  </a:ext>
+                </a:extLst>
               </a:tr>
               <a:tr h="166937">
                 <a:tc vMerge="1">
+                  <a:txBody>
+                    <a:bodyPr/>
+                    <a:lstStyle/>
+                    <a:p>
+                      <a:endParaRPr lang="zh-CN"/>
+                    </a:p>
+                  </a:txBody>
                   <a:tcPr anchor="ctr">
                     <a:lnT w="38100" cap="flat" cmpd="sng" algn="ctr">
                       <a:solidFill>
@@ -16028,6 +16258,11 @@
                     </a:solidFill>
                   </a:tcPr>
                 </a:tc>
+                <a:extLst>
+                  <a:ext uri="{0D108BD9-81ED-4DB2-BD59-A6C34878D82A}">
+                    <a16:rowId xmlns:a16="http://schemas.microsoft.com/office/drawing/2014/main" val="10001"/>
+                  </a:ext>
+                </a:extLst>
               </a:tr>
             </a:tbl>
           </a:graphicData>
@@ -16151,6 +16386,34 @@
               </a:rPr>
               <a:t>    </a:t>
             </a:r>
+          </a:p>
+          <a:p>
+            <a:pPr>
+              <a:lnSpc>
+                <a:spcPct val="150000"/>
+              </a:lnSpc>
+            </a:pPr>
+            <a:r>
+              <a:rPr lang="zh-CN" altLang="en-US" sz="2400" dirty="0">
+                <a:latin typeface="微软雅黑" panose="020B0503020204020204" pitchFamily="34" charset="-122"/>
+                <a:ea typeface="微软雅黑" panose="020B0503020204020204" pitchFamily="34" charset="-122"/>
+              </a:rPr>
+              <a:t>研究内容</a:t>
+            </a:r>
+            <a:r>
+              <a:rPr lang="en-US" altLang="zh-CN" sz="2400" dirty="0">
+                <a:latin typeface="微软雅黑" panose="020B0503020204020204" pitchFamily="34" charset="-122"/>
+                <a:ea typeface="微软雅黑" panose="020B0503020204020204" pitchFamily="34" charset="-122"/>
+              </a:rPr>
+              <a:t>2</a:t>
+            </a:r>
+            <a:r>
+              <a:rPr lang="zh-CN" altLang="en-US" sz="2400" dirty="0">
+                <a:latin typeface="微软雅黑" panose="020B0503020204020204" pitchFamily="34" charset="-122"/>
+                <a:ea typeface="微软雅黑" panose="020B0503020204020204" pitchFamily="34" charset="-122"/>
+              </a:rPr>
+              <a:t>：基于点模式混合模型的无监督学习算法</a:t>
+            </a:r>
             <a:endParaRPr lang="en-US" altLang="zh-CN" sz="2400" dirty="0">
               <a:latin typeface="微软雅黑" panose="020B0503020204020204" pitchFamily="34" charset="-122"/>
               <a:ea typeface="微软雅黑" panose="020B0503020204020204" pitchFamily="34" charset="-122"/>
@@ -16163,48 +16426,12 @@
               </a:lnSpc>
             </a:pPr>
             <a:r>
-              <a:rPr lang="zh-CN" altLang="en-US" sz="2400" dirty="0">
-                <a:latin typeface="微软雅黑" panose="020B0503020204020204" pitchFamily="34" charset="-122"/>
-                <a:ea typeface="微软雅黑" panose="020B0503020204020204" pitchFamily="34" charset="-122"/>
-              </a:rPr>
-              <a:t>研究内容</a:t>
-            </a:r>
-            <a:r>
-              <a:rPr lang="en-US" altLang="zh-CN" sz="2400" dirty="0">
-                <a:latin typeface="微软雅黑" panose="020B0503020204020204" pitchFamily="34" charset="-122"/>
-                <a:ea typeface="微软雅黑" panose="020B0503020204020204" pitchFamily="34" charset="-122"/>
-              </a:rPr>
-              <a:t>2</a:t>
-            </a:r>
-            <a:r>
-              <a:rPr lang="zh-CN" altLang="en-US" sz="2400" dirty="0">
-                <a:latin typeface="微软雅黑" panose="020B0503020204020204" pitchFamily="34" charset="-122"/>
-                <a:ea typeface="微软雅黑" panose="020B0503020204020204" pitchFamily="34" charset="-122"/>
-              </a:rPr>
-              <a:t>：基于点模式混合模型的无监督学习算法</a:t>
-            </a:r>
-            <a:endParaRPr lang="en-US" altLang="zh-CN" sz="2400" dirty="0">
-              <a:latin typeface="微软雅黑" panose="020B0503020204020204" pitchFamily="34" charset="-122"/>
-              <a:ea typeface="微软雅黑" panose="020B0503020204020204" pitchFamily="34" charset="-122"/>
-            </a:endParaRPr>
-          </a:p>
-          <a:p>
-            <a:pPr>
-              <a:lnSpc>
-                <a:spcPct val="150000"/>
-              </a:lnSpc>
-            </a:pPr>
-            <a:r>
               <a:rPr lang="en-US" altLang="zh-CN" sz="2400" dirty="0">
                 <a:latin typeface="微软雅黑" panose="020B0503020204020204" pitchFamily="34" charset="-122"/>
                 <a:ea typeface="微软雅黑" panose="020B0503020204020204" pitchFamily="34" charset="-122"/>
               </a:rPr>
               <a:t>    </a:t>
             </a:r>
-            <a:endParaRPr lang="en-US" altLang="zh-CN" sz="2400" dirty="0">
-              <a:latin typeface="微软雅黑" panose="020B0503020204020204" pitchFamily="34" charset="-122"/>
-              <a:ea typeface="微软雅黑" panose="020B0503020204020204" pitchFamily="34" charset="-122"/>
-            </a:endParaRPr>
           </a:p>
           <a:p>
             <a:pPr>
@@ -16258,10 +16485,6 @@
               </a:rPr>
               <a:t>    </a:t>
             </a:r>
-            <a:endParaRPr lang="en-US" altLang="zh-CN" sz="2400" dirty="0">
-              <a:latin typeface="微软雅黑" panose="020B0503020204020204" pitchFamily="34" charset="-122"/>
-              <a:ea typeface="微软雅黑" panose="020B0503020204020204" pitchFamily="34" charset="-122"/>
-            </a:endParaRPr>
           </a:p>
           <a:p>
             <a:pPr>
@@ -16335,10 +16558,34 @@
                 <a:tableStyleId>{5C22544A-7EE6-4342-B048-85BDC9FD1C3A}</a:tableStyleId>
               </a:tblPr>
               <a:tblGrid>
-                <a:gridCol w="2308543"/>
-                <a:gridCol w="1656000"/>
-                <a:gridCol w="1656000"/>
-                <a:gridCol w="1656000"/>
+                <a:gridCol w="2308543">
+                  <a:extLst>
+                    <a:ext uri="{9D8B030D-6E8A-4147-A177-3AD203B41FA5}">
+                      <a16:colId xmlns:a16="http://schemas.microsoft.com/office/drawing/2014/main" val="20000"/>
+                    </a:ext>
+                  </a:extLst>
+                </a:gridCol>
+                <a:gridCol w="1656000">
+                  <a:extLst>
+                    <a:ext uri="{9D8B030D-6E8A-4147-A177-3AD203B41FA5}">
+                      <a16:colId xmlns:a16="http://schemas.microsoft.com/office/drawing/2014/main" val="20001"/>
+                    </a:ext>
+                  </a:extLst>
+                </a:gridCol>
+                <a:gridCol w="1656000">
+                  <a:extLst>
+                    <a:ext uri="{9D8B030D-6E8A-4147-A177-3AD203B41FA5}">
+                      <a16:colId xmlns:a16="http://schemas.microsoft.com/office/drawing/2014/main" val="20002"/>
+                    </a:ext>
+                  </a:extLst>
+                </a:gridCol>
+                <a:gridCol w="1656000">
+                  <a:extLst>
+                    <a:ext uri="{9D8B030D-6E8A-4147-A177-3AD203B41FA5}">
+                      <a16:colId xmlns:a16="http://schemas.microsoft.com/office/drawing/2014/main" val="20003"/>
+                    </a:ext>
+                  </a:extLst>
+                </a:gridCol>
               </a:tblGrid>
               <a:tr h="497601">
                 <a:tc>
@@ -16359,15 +16606,6 @@
                         </a:rPr>
                         <a:t>背景介绍及研究意义</a:t>
                       </a:r>
-                      <a:endParaRPr lang="zh-CN" altLang="en-US" b="0" dirty="0">
-                        <a:solidFill>
-                          <a:schemeClr val="accent1">
-                            <a:lumMod val="75000"/>
-                          </a:schemeClr>
-                        </a:solidFill>
-                        <a:latin typeface="微软雅黑" panose="020B0503020204020204" pitchFamily="34" charset="-122"/>
-                        <a:ea typeface="微软雅黑" panose="020B0503020204020204" pitchFamily="34" charset="-122"/>
-                      </a:endParaRPr>
                     </a:p>
                   </a:txBody>
                   <a:tcPr anchor="b">
@@ -16449,13 +16687,6 @@
                         </a:rPr>
                         <a:t>研究内容</a:t>
                       </a:r>
-                      <a:endParaRPr lang="zh-CN" altLang="en-US" b="1" dirty="0">
-                        <a:solidFill>
-                          <a:schemeClr val="bg1"/>
-                        </a:solidFill>
-                        <a:latin typeface="微软雅黑" panose="020B0503020204020204" pitchFamily="34" charset="-122"/>
-                        <a:ea typeface="微软雅黑" panose="020B0503020204020204" pitchFamily="34" charset="-122"/>
-                      </a:endParaRPr>
                     </a:p>
                   </a:txBody>
                   <a:tcPr anchor="ctr">
@@ -16541,15 +16772,6 @@
                         </a:rPr>
                         <a:t>研究计划</a:t>
                       </a:r>
-                      <a:endParaRPr lang="zh-CN" altLang="en-US" b="0" dirty="0">
-                        <a:solidFill>
-                          <a:schemeClr val="accent1">
-                            <a:lumMod val="75000"/>
-                          </a:schemeClr>
-                        </a:solidFill>
-                        <a:latin typeface="微软雅黑" panose="020B0503020204020204" pitchFamily="34" charset="-122"/>
-                        <a:ea typeface="微软雅黑" panose="020B0503020204020204" pitchFamily="34" charset="-122"/>
-                      </a:endParaRPr>
                     </a:p>
                   </a:txBody>
                   <a:tcPr anchor="b">
@@ -16633,15 +16855,6 @@
                         </a:rPr>
                         <a:t>研究进展</a:t>
                       </a:r>
-                      <a:endParaRPr lang="zh-CN" altLang="en-US" b="0" dirty="0">
-                        <a:solidFill>
-                          <a:schemeClr val="accent1">
-                            <a:lumMod val="75000"/>
-                          </a:schemeClr>
-                        </a:solidFill>
-                        <a:latin typeface="微软雅黑" panose="020B0503020204020204" pitchFamily="34" charset="-122"/>
-                        <a:ea typeface="微软雅黑" panose="020B0503020204020204" pitchFamily="34" charset="-122"/>
-                      </a:endParaRPr>
                     </a:p>
                   </a:txBody>
                   <a:tcPr anchor="b">
@@ -16692,6 +16905,11 @@
                     <a:noFill/>
                   </a:tcPr>
                 </a:tc>
+                <a:extLst>
+                  <a:ext uri="{0D108BD9-81ED-4DB2-BD59-A6C34878D82A}">
+                    <a16:rowId xmlns:a16="http://schemas.microsoft.com/office/drawing/2014/main" val="10000"/>
+                  </a:ext>
+                </a:extLst>
               </a:tr>
               <a:tr h="164799">
                 <a:tc>
@@ -16762,6 +16980,13 @@
                   </a:tcPr>
                 </a:tc>
                 <a:tc vMerge="1">
+                  <a:txBody>
+                    <a:bodyPr/>
+                    <a:lstStyle/>
+                    <a:p>
+                      <a:endParaRPr lang="zh-CN"/>
+                    </a:p>
+                  </a:txBody>
                   <a:tcPr anchor="ctr">
                     <a:lnL w="57150" cap="flat" cmpd="sng" algn="ctr">
                       <a:solidFill>
@@ -16946,6 +17171,11 @@
                     </a:solidFill>
                   </a:tcPr>
                 </a:tc>
+                <a:extLst>
+                  <a:ext uri="{0D108BD9-81ED-4DB2-BD59-A6C34878D82A}">
+                    <a16:rowId xmlns:a16="http://schemas.microsoft.com/office/drawing/2014/main" val="10001"/>
+                  </a:ext>
+                </a:extLst>
               </a:tr>
             </a:tbl>
           </a:graphicData>
@@ -16976,17 +17206,11 @@
           <a:chExt cx="0" cy="0"/>
         </a:xfrm>
       </p:grpSpPr>
-      <mc:AlternateContent xmlns:mc="http://schemas.openxmlformats.org/markup-compatibility/2006">
-        <mc:Choice xmlns:a14="http://schemas.microsoft.com/office/drawing/2010/main" Requires="a14">
+      <mc:AlternateContent xmlns:mc="http://schemas.openxmlformats.org/markup-compatibility/2006" xmlns:a14="http://schemas.microsoft.com/office/drawing/2010/main">
+        <mc:Choice Requires="a14">
           <p:sp>
             <p:nvSpPr>
-              <p:cNvPr id="6" name="文本框 5">
-                <a:extLst>
-                  <a:ext uri="{FF2B5EF4-FFF2-40B4-BE49-F238E27FC236}">
-                    <ele attr="{9F510D29-D5BE-49C6-AEA4-93C587F703D3}"/>
-                  </a:ext>
-                </a:extLst>
-              </p:cNvPr>
+              <p:cNvPr id="6" name="文本框 5"/>
               <p:cNvSpPr txBox="1"/>
               <p:nvPr/>
             </p:nvSpPr>
@@ -17785,7 +18009,7 @@
             </p:txBody>
           </p:sp>
         </mc:Choice>
-        <mc:Fallback>
+        <mc:Fallback xmlns="">
           <p:sp>
             <p:nvSpPr>
               <p:cNvPr id="6" name="文本框 5"/>
@@ -17803,7 +18027,7 @@
                 <a:avLst/>
               </a:prstGeom>
               <a:blipFill rotWithShape="1">
-                <a:blip r:embed="rId1"/>
+                <a:blip r:embed="rId2"/>
                 <a:stretch>
                   <a:fillRect l="-863" t="-984"/>
                 </a:stretch>
@@ -17846,10 +18070,34 @@
                 <a:tableStyleId>{5C22544A-7EE6-4342-B048-85BDC9FD1C3A}</a:tableStyleId>
               </a:tblPr>
               <a:tblGrid>
-                <a:gridCol w="2308543"/>
-                <a:gridCol w="1656000"/>
-                <a:gridCol w="1656000"/>
-                <a:gridCol w="1656000"/>
+                <a:gridCol w="2308543">
+                  <a:extLst>
+                    <a:ext uri="{9D8B030D-6E8A-4147-A177-3AD203B41FA5}">
+                      <a16:colId xmlns:a16="http://schemas.microsoft.com/office/drawing/2014/main" val="20000"/>
+                    </a:ext>
+                  </a:extLst>
+                </a:gridCol>
+                <a:gridCol w="1656000">
+                  <a:extLst>
+                    <a:ext uri="{9D8B030D-6E8A-4147-A177-3AD203B41FA5}">
+                      <a16:colId xmlns:a16="http://schemas.microsoft.com/office/drawing/2014/main" val="20001"/>
+                    </a:ext>
+                  </a:extLst>
+                </a:gridCol>
+                <a:gridCol w="1656000">
+                  <a:extLst>
+                    <a:ext uri="{9D8B030D-6E8A-4147-A177-3AD203B41FA5}">
+                      <a16:colId xmlns:a16="http://schemas.microsoft.com/office/drawing/2014/main" val="20002"/>
+                    </a:ext>
+                  </a:extLst>
+                </a:gridCol>
+                <a:gridCol w="1656000">
+                  <a:extLst>
+                    <a:ext uri="{9D8B030D-6E8A-4147-A177-3AD203B41FA5}">
+                      <a16:colId xmlns:a16="http://schemas.microsoft.com/office/drawing/2014/main" val="20003"/>
+                    </a:ext>
+                  </a:extLst>
+                </a:gridCol>
               </a:tblGrid>
               <a:tr h="497601">
                 <a:tc>
@@ -17870,15 +18118,6 @@
                         </a:rPr>
                         <a:t>背景介绍及研究意义</a:t>
                       </a:r>
-                      <a:endParaRPr lang="zh-CN" altLang="en-US" b="0" dirty="0">
-                        <a:solidFill>
-                          <a:schemeClr val="accent1">
-                            <a:lumMod val="75000"/>
-                          </a:schemeClr>
-                        </a:solidFill>
-                        <a:latin typeface="微软雅黑" panose="020B0503020204020204" pitchFamily="34" charset="-122"/>
-                        <a:ea typeface="微软雅黑" panose="020B0503020204020204" pitchFamily="34" charset="-122"/>
-                      </a:endParaRPr>
                     </a:p>
                   </a:txBody>
                   <a:tcPr anchor="b">
@@ -17960,13 +18199,6 @@
                         </a:rPr>
                         <a:t>研究内容</a:t>
                       </a:r>
-                      <a:endParaRPr lang="zh-CN" altLang="en-US" b="1" dirty="0">
-                        <a:solidFill>
-                          <a:schemeClr val="bg1"/>
-                        </a:solidFill>
-                        <a:latin typeface="微软雅黑" panose="020B0503020204020204" pitchFamily="34" charset="-122"/>
-                        <a:ea typeface="微软雅黑" panose="020B0503020204020204" pitchFamily="34" charset="-122"/>
-                      </a:endParaRPr>
                     </a:p>
                   </a:txBody>
                   <a:tcPr anchor="ctr">
@@ -18052,15 +18284,6 @@
                         </a:rPr>
                         <a:t>研究计划</a:t>
                       </a:r>
-                      <a:endParaRPr lang="zh-CN" altLang="en-US" b="0" dirty="0">
-                        <a:solidFill>
-                          <a:schemeClr val="accent1">
-                            <a:lumMod val="75000"/>
-                          </a:schemeClr>
-                        </a:solidFill>
-                        <a:latin typeface="微软雅黑" panose="020B0503020204020204" pitchFamily="34" charset="-122"/>
-                        <a:ea typeface="微软雅黑" panose="020B0503020204020204" pitchFamily="34" charset="-122"/>
-                      </a:endParaRPr>
                     </a:p>
                   </a:txBody>
                   <a:tcPr anchor="b">
@@ -18144,15 +18367,6 @@
                         </a:rPr>
                         <a:t>研究进展</a:t>
                       </a:r>
-                      <a:endParaRPr lang="zh-CN" altLang="en-US" b="0" dirty="0">
-                        <a:solidFill>
-                          <a:schemeClr val="accent1">
-                            <a:lumMod val="75000"/>
-                          </a:schemeClr>
-                        </a:solidFill>
-                        <a:latin typeface="微软雅黑" panose="020B0503020204020204" pitchFamily="34" charset="-122"/>
-                        <a:ea typeface="微软雅黑" panose="020B0503020204020204" pitchFamily="34" charset="-122"/>
-                      </a:endParaRPr>
                     </a:p>
                   </a:txBody>
                   <a:tcPr anchor="b">
@@ -18203,6 +18417,11 @@
                     <a:noFill/>
                   </a:tcPr>
                 </a:tc>
+                <a:extLst>
+                  <a:ext uri="{0D108BD9-81ED-4DB2-BD59-A6C34878D82A}">
+                    <a16:rowId xmlns:a16="http://schemas.microsoft.com/office/drawing/2014/main" val="10000"/>
+                  </a:ext>
+                </a:extLst>
               </a:tr>
               <a:tr h="164799">
                 <a:tc>
@@ -18273,6 +18492,13 @@
                   </a:tcPr>
                 </a:tc>
                 <a:tc vMerge="1">
+                  <a:txBody>
+                    <a:bodyPr/>
+                    <a:lstStyle/>
+                    <a:p>
+                      <a:endParaRPr lang="zh-CN"/>
+                    </a:p>
+                  </a:txBody>
                   <a:tcPr anchor="ctr">
                     <a:lnL w="57150" cap="flat" cmpd="sng" algn="ctr">
                       <a:solidFill>
@@ -18457,6 +18683,11 @@
                     </a:solidFill>
                   </a:tcPr>
                 </a:tc>
+                <a:extLst>
+                  <a:ext uri="{0D108BD9-81ED-4DB2-BD59-A6C34878D82A}">
+                    <a16:rowId xmlns:a16="http://schemas.microsoft.com/office/drawing/2014/main" val="10001"/>
+                  </a:ext>
+                </a:extLst>
               </a:tr>
             </a:tbl>
           </a:graphicData>
@@ -18490,7 +18721,7 @@
                   <a:schemeClr val="accent2"/>
                 </a:solidFill>
               </a:rPr>
-              <a:t>研究基础：</a:t>
+              <a:t>研究方法：</a:t>
             </a:r>
             <a:endParaRPr lang="en-US" altLang="zh-CN" sz="2400" b="1" dirty="0">
               <a:solidFill>
@@ -18553,7 +18784,7 @@
                   <a:schemeClr val="accent2"/>
                 </a:solidFill>
               </a:rPr>
-              <a:t>研究基础：</a:t>
+              <a:t>研究方法：</a:t>
             </a:r>
             <a:endParaRPr lang="en-US" altLang="zh-CN" sz="2400" b="1" dirty="0">
               <a:solidFill>
@@ -18635,10 +18866,6 @@
               </a:rPr>
               <a:t>的方法，逐步收敛于混合模型的参数后验分布，当有限混合模型为高斯混合模型时，算法流程如下：</a:t>
             </a:r>
-            <a:endParaRPr lang="zh-CN" altLang="en-US" dirty="0">
-              <a:latin typeface="微软雅黑" panose="020B0503020204020204" pitchFamily="34" charset="-122"/>
-              <a:ea typeface="微软雅黑" panose="020B0503020204020204" pitchFamily="34" charset="-122"/>
-            </a:endParaRPr>
           </a:p>
         </p:txBody>
       </p:sp>
@@ -18658,12 +18885,12 @@
           <a:graphicData uri="http://schemas.openxmlformats.org/presentationml/2006/ole">
             <mc:AlternateContent xmlns:mc="http://schemas.openxmlformats.org/markup-compatibility/2006">
               <mc:Choice xmlns:v="urn:schemas-microsoft-com:vml" Requires="v">
-                <p:oleObj spid="_x0000_s3553" name="Equation" r:id="rId1" imgW="467360" imgH="276860" progId="Equation.DSMT4">
+                <p:oleObj spid="_x0000_s3597" name="Equation" r:id="rId3" imgW="467360" imgH="276860" progId="Equation.DSMT4">
                   <p:embed/>
                 </p:oleObj>
               </mc:Choice>
               <mc:Fallback>
-                <p:oleObj name="Equation" r:id="rId1" imgW="467360" imgH="276860" progId="Equation.DSMT4">
+                <p:oleObj name="Equation" r:id="rId3" imgW="467360" imgH="276860" progId="Equation.DSMT4">
                   <p:embed/>
                   <p:pic>
                     <p:nvPicPr>
@@ -18672,7 +18899,7 @@
                       <p:nvPr/>
                     </p:nvPicPr>
                     <p:blipFill>
-                      <a:blip r:embed="rId2"/>
+                      <a:blip r:embed="rId4"/>
                       <a:stretch>
                         <a:fillRect/>
                       </a:stretch>
@@ -18709,12 +18936,12 @@
           <a:graphicData uri="http://schemas.openxmlformats.org/presentationml/2006/ole">
             <mc:AlternateContent xmlns:mc="http://schemas.openxmlformats.org/markup-compatibility/2006">
               <mc:Choice xmlns:v="urn:schemas-microsoft-com:vml" Requires="v">
-                <p:oleObj spid="_x0000_s3554" name="Equation" r:id="rId3" imgW="467360" imgH="276860" progId="Equation.DSMT4">
+                <p:oleObj spid="_x0000_s3598" name="Equation" r:id="rId5" imgW="467360" imgH="276860" progId="Equation.DSMT4">
                   <p:embed/>
                 </p:oleObj>
               </mc:Choice>
               <mc:Fallback>
-                <p:oleObj name="Equation" r:id="rId3" imgW="467360" imgH="276860" progId="Equation.DSMT4">
+                <p:oleObj name="Equation" r:id="rId5" imgW="467360" imgH="276860" progId="Equation.DSMT4">
                   <p:embed/>
                   <p:pic>
                     <p:nvPicPr>
@@ -18723,7 +18950,7 @@
                       <p:nvPr/>
                     </p:nvPicPr>
                     <p:blipFill>
-                      <a:blip r:embed="rId2"/>
+                      <a:blip r:embed="rId4"/>
                       <a:stretch>
                         <a:fillRect/>
                       </a:stretch>
@@ -18760,12 +18987,12 @@
           <a:graphicData uri="http://schemas.openxmlformats.org/presentationml/2006/ole">
             <mc:AlternateContent xmlns:mc="http://schemas.openxmlformats.org/markup-compatibility/2006">
               <mc:Choice xmlns:v="urn:schemas-microsoft-com:vml" Requires="v">
-                <p:oleObj spid="_x0000_s3555" name="Equation" r:id="rId4" imgW="467360" imgH="276860" progId="Equation.DSMT4">
+                <p:oleObj spid="_x0000_s3599" name="Equation" r:id="rId6" imgW="467360" imgH="276860" progId="Equation.DSMT4">
                   <p:embed/>
                 </p:oleObj>
               </mc:Choice>
               <mc:Fallback>
-                <p:oleObj name="Equation" r:id="rId4" imgW="467360" imgH="276860" progId="Equation.DSMT4">
+                <p:oleObj name="Equation" r:id="rId6" imgW="467360" imgH="276860" progId="Equation.DSMT4">
                   <p:embed/>
                   <p:pic>
                     <p:nvPicPr>
@@ -18774,7 +19001,7 @@
                       <p:nvPr/>
                     </p:nvPicPr>
                     <p:blipFill>
-                      <a:blip r:embed="rId5"/>
+                      <a:blip r:embed="rId7"/>
                       <a:stretch>
                         <a:fillRect/>
                       </a:stretch>
@@ -18811,12 +19038,12 @@
           <a:graphicData uri="http://schemas.openxmlformats.org/presentationml/2006/ole">
             <mc:AlternateContent xmlns:mc="http://schemas.openxmlformats.org/markup-compatibility/2006">
               <mc:Choice xmlns:v="urn:schemas-microsoft-com:vml" Requires="v">
-                <p:oleObj spid="_x0000_s3556" name="Equation" r:id="rId6" imgW="467360" imgH="276860" progId="Equation.DSMT4">
+                <p:oleObj spid="_x0000_s3600" name="Equation" r:id="rId8" imgW="467360" imgH="276860" progId="Equation.DSMT4">
                   <p:embed/>
                 </p:oleObj>
               </mc:Choice>
               <mc:Fallback>
-                <p:oleObj name="Equation" r:id="rId6" imgW="467360" imgH="276860" progId="Equation.DSMT4">
+                <p:oleObj name="Equation" r:id="rId8" imgW="467360" imgH="276860" progId="Equation.DSMT4">
                   <p:embed/>
                   <p:pic>
                     <p:nvPicPr>
@@ -18825,7 +19052,7 @@
                       <p:nvPr/>
                     </p:nvPicPr>
                     <p:blipFill>
-                      <a:blip r:embed="rId5"/>
+                      <a:blip r:embed="rId7"/>
                       <a:stretch>
                         <a:fillRect/>
                       </a:stretch>
@@ -18862,12 +19089,12 @@
           <a:graphicData uri="http://schemas.openxmlformats.org/presentationml/2006/ole">
             <mc:AlternateContent xmlns:mc="http://schemas.openxmlformats.org/markup-compatibility/2006">
               <mc:Choice xmlns:v="urn:schemas-microsoft-com:vml" Requires="v">
-                <p:oleObj spid="_x0000_s3557" name="Equation" r:id="rId7" imgW="543560" imgH="467360" progId="Equation.DSMT4">
+                <p:oleObj spid="_x0000_s3601" name="Equation" r:id="rId9" imgW="543560" imgH="467360" progId="Equation.DSMT4">
                   <p:embed/>
                 </p:oleObj>
               </mc:Choice>
               <mc:Fallback>
-                <p:oleObj name="Equation" r:id="rId7" imgW="543560" imgH="467360" progId="Equation.DSMT4">
+                <p:oleObj name="Equation" r:id="rId9" imgW="543560" imgH="467360" progId="Equation.DSMT4">
                   <p:embed/>
                   <p:pic>
                     <p:nvPicPr>
@@ -18876,7 +19103,7 @@
                       <p:nvPr/>
                     </p:nvPicPr>
                     <p:blipFill>
-                      <a:blip r:embed="rId8"/>
+                      <a:blip r:embed="rId10"/>
                       <a:stretch>
                         <a:fillRect/>
                       </a:stretch>
@@ -18913,12 +19140,12 @@
           <a:graphicData uri="http://schemas.openxmlformats.org/presentationml/2006/ole">
             <mc:AlternateContent xmlns:mc="http://schemas.openxmlformats.org/markup-compatibility/2006">
               <mc:Choice xmlns:v="urn:schemas-microsoft-com:vml" Requires="v">
-                <p:oleObj spid="_x0000_s3558" name="Equation" r:id="rId9" imgW="3116580" imgH="467360" progId="Equation.DSMT4">
+                <p:oleObj spid="_x0000_s3602" name="Equation" r:id="rId11" imgW="3116580" imgH="467360" progId="Equation.DSMT4">
                   <p:embed/>
                 </p:oleObj>
               </mc:Choice>
               <mc:Fallback>
-                <p:oleObj name="Equation" r:id="rId9" imgW="3116580" imgH="467360" progId="Equation.DSMT4">
+                <p:oleObj name="Equation" r:id="rId11" imgW="3116580" imgH="467360" progId="Equation.DSMT4">
                   <p:embed/>
                   <p:pic>
                     <p:nvPicPr>
@@ -18927,58 +19154,7 @@
                       <p:nvPr/>
                     </p:nvPicPr>
                     <p:blipFill>
-                      <a:blip r:embed="rId10"/>
-                      <a:stretch>
-                        <a:fillRect/>
-                      </a:stretch>
-                    </p:blipFill>
-                    <p:spPr>
-                      <a:xfrm>
-                        <a:off x="4538663" y="3194050"/>
-                        <a:ext cx="3113087" cy="466725"/>
-                      </a:xfrm>
-                      <a:prstGeom prst="rect">
-                        <a:avLst/>
-                      </a:prstGeom>
-                    </p:spPr>
-                  </p:pic>
-                </p:oleObj>
-              </mc:Fallback>
-            </mc:AlternateContent>
-          </a:graphicData>
-        </a:graphic>
-      </p:graphicFrame>
-      <p:graphicFrame>
-        <p:nvGraphicFramePr>
-          <p:cNvPr id="27" name="对象 26"/>
-          <p:cNvGraphicFramePr>
-            <a:graphicFrameLocks noChangeAspect="1"/>
-          </p:cNvGraphicFramePr>
-          <p:nvPr/>
-        </p:nvGraphicFramePr>
-        <p:xfrm>
-          <a:off x="4538663" y="3194050"/>
-          <a:ext cx="3113087" cy="466725"/>
-        </p:xfrm>
-        <a:graphic>
-          <a:graphicData uri="http://schemas.openxmlformats.org/presentationml/2006/ole">
-            <mc:AlternateContent xmlns:mc="http://schemas.openxmlformats.org/markup-compatibility/2006">
-              <mc:Choice xmlns:v="urn:schemas-microsoft-com:vml" Requires="v">
-                <p:oleObj spid="_x0000_s3559" name="Equation" r:id="rId11" imgW="3116580" imgH="467360" progId="Equation.DSMT4">
-                  <p:embed/>
-                </p:oleObj>
-              </mc:Choice>
-              <mc:Fallback>
-                <p:oleObj name="Equation" r:id="rId11" imgW="3116580" imgH="467360" progId="Equation.DSMT4">
-                  <p:embed/>
-                  <p:pic>
-                    <p:nvPicPr>
-                      <p:cNvPr id="0" name="图片 3558"/>
-                      <p:cNvPicPr/>
-                      <p:nvPr/>
-                    </p:nvPicPr>
-                    <p:blipFill>
-                      <a:blip r:embed="rId10"/>
+                      <a:blip r:embed="rId12"/>
                       <a:stretch>
                         <a:fillRect/>
                       </a:stretch>
@@ -19018,10 +19194,34 @@
                 <a:tableStyleId>{5C22544A-7EE6-4342-B048-85BDC9FD1C3A}</a:tableStyleId>
               </a:tblPr>
               <a:tblGrid>
-                <a:gridCol w="2308543"/>
-                <a:gridCol w="1656000"/>
-                <a:gridCol w="1656000"/>
-                <a:gridCol w="1656000"/>
+                <a:gridCol w="2308543">
+                  <a:extLst>
+                    <a:ext uri="{9D8B030D-6E8A-4147-A177-3AD203B41FA5}">
+                      <a16:colId xmlns:a16="http://schemas.microsoft.com/office/drawing/2014/main" val="20000"/>
+                    </a:ext>
+                  </a:extLst>
+                </a:gridCol>
+                <a:gridCol w="1656000">
+                  <a:extLst>
+                    <a:ext uri="{9D8B030D-6E8A-4147-A177-3AD203B41FA5}">
+                      <a16:colId xmlns:a16="http://schemas.microsoft.com/office/drawing/2014/main" val="20001"/>
+                    </a:ext>
+                  </a:extLst>
+                </a:gridCol>
+                <a:gridCol w="1656000">
+                  <a:extLst>
+                    <a:ext uri="{9D8B030D-6E8A-4147-A177-3AD203B41FA5}">
+                      <a16:colId xmlns:a16="http://schemas.microsoft.com/office/drawing/2014/main" val="20002"/>
+                    </a:ext>
+                  </a:extLst>
+                </a:gridCol>
+                <a:gridCol w="1656000">
+                  <a:extLst>
+                    <a:ext uri="{9D8B030D-6E8A-4147-A177-3AD203B41FA5}">
+                      <a16:colId xmlns:a16="http://schemas.microsoft.com/office/drawing/2014/main" val="20003"/>
+                    </a:ext>
+                  </a:extLst>
+                </a:gridCol>
               </a:tblGrid>
               <a:tr h="497601">
                 <a:tc>
@@ -19042,15 +19242,6 @@
                         </a:rPr>
                         <a:t>背景介绍及研究意义</a:t>
                       </a:r>
-                      <a:endParaRPr lang="zh-CN" altLang="en-US" b="0" dirty="0">
-                        <a:solidFill>
-                          <a:schemeClr val="accent1">
-                            <a:lumMod val="75000"/>
-                          </a:schemeClr>
-                        </a:solidFill>
-                        <a:latin typeface="微软雅黑" panose="020B0503020204020204" pitchFamily="34" charset="-122"/>
-                        <a:ea typeface="微软雅黑" panose="020B0503020204020204" pitchFamily="34" charset="-122"/>
-                      </a:endParaRPr>
                     </a:p>
                   </a:txBody>
                   <a:tcPr anchor="b">
@@ -19132,13 +19323,6 @@
                         </a:rPr>
                         <a:t>研究内容</a:t>
                       </a:r>
-                      <a:endParaRPr lang="zh-CN" altLang="en-US" b="1" dirty="0">
-                        <a:solidFill>
-                          <a:schemeClr val="bg1"/>
-                        </a:solidFill>
-                        <a:latin typeface="微软雅黑" panose="020B0503020204020204" pitchFamily="34" charset="-122"/>
-                        <a:ea typeface="微软雅黑" panose="020B0503020204020204" pitchFamily="34" charset="-122"/>
-                      </a:endParaRPr>
                     </a:p>
                   </a:txBody>
                   <a:tcPr anchor="ctr">
@@ -19224,15 +19408,6 @@
                         </a:rPr>
                         <a:t>研究计划</a:t>
                       </a:r>
-                      <a:endParaRPr lang="zh-CN" altLang="en-US" b="0" dirty="0">
-                        <a:solidFill>
-                          <a:schemeClr val="accent1">
-                            <a:lumMod val="75000"/>
-                          </a:schemeClr>
-                        </a:solidFill>
-                        <a:latin typeface="微软雅黑" panose="020B0503020204020204" pitchFamily="34" charset="-122"/>
-                        <a:ea typeface="微软雅黑" panose="020B0503020204020204" pitchFamily="34" charset="-122"/>
-                      </a:endParaRPr>
                     </a:p>
                   </a:txBody>
                   <a:tcPr anchor="b">
@@ -19316,15 +19491,6 @@
                         </a:rPr>
                         <a:t>研究进展</a:t>
                       </a:r>
-                      <a:endParaRPr lang="zh-CN" altLang="en-US" b="0" dirty="0">
-                        <a:solidFill>
-                          <a:schemeClr val="accent1">
-                            <a:lumMod val="75000"/>
-                          </a:schemeClr>
-                        </a:solidFill>
-                        <a:latin typeface="微软雅黑" panose="020B0503020204020204" pitchFamily="34" charset="-122"/>
-                        <a:ea typeface="微软雅黑" panose="020B0503020204020204" pitchFamily="34" charset="-122"/>
-                      </a:endParaRPr>
                     </a:p>
                   </a:txBody>
                   <a:tcPr anchor="b">
@@ -19375,6 +19541,11 @@
                     <a:noFill/>
                   </a:tcPr>
                 </a:tc>
+                <a:extLst>
+                  <a:ext uri="{0D108BD9-81ED-4DB2-BD59-A6C34878D82A}">
+                    <a16:rowId xmlns:a16="http://schemas.microsoft.com/office/drawing/2014/main" val="10000"/>
+                  </a:ext>
+                </a:extLst>
               </a:tr>
               <a:tr h="164799">
                 <a:tc>
@@ -19445,6 +19616,13 @@
                   </a:tcPr>
                 </a:tc>
                 <a:tc vMerge="1">
+                  <a:txBody>
+                    <a:bodyPr/>
+                    <a:lstStyle/>
+                    <a:p>
+                      <a:endParaRPr lang="zh-CN"/>
+                    </a:p>
+                  </a:txBody>
                   <a:tcPr anchor="ctr">
                     <a:lnL w="57150" cap="flat" cmpd="sng" algn="ctr">
                       <a:solidFill>
@@ -19629,6 +19807,11 @@
                     </a:solidFill>
                   </a:tcPr>
                 </a:tc>
+                <a:extLst>
+                  <a:ext uri="{0D108BD9-81ED-4DB2-BD59-A6C34878D82A}">
+                    <a16:rowId xmlns:a16="http://schemas.microsoft.com/office/drawing/2014/main" val="10001"/>
+                  </a:ext>
+                </a:extLst>
               </a:tr>
             </a:tbl>
           </a:graphicData>
@@ -19650,12 +19833,12 @@
           <a:graphicData uri="http://schemas.openxmlformats.org/presentationml/2006/ole">
             <mc:AlternateContent xmlns:mc="http://schemas.openxmlformats.org/markup-compatibility/2006">
               <mc:Choice xmlns:v="urn:schemas-microsoft-com:vml" Requires="v">
-                <p:oleObj spid="_x0000_s3560" name="Equation" r:id="rId12" imgW="4570730" imgH="3013075" progId="Equation.DSMT4">
+                <p:oleObj spid="_x0000_s3603" name="Equation" r:id="rId13" imgW="4570730" imgH="3013075" progId="Equation.DSMT4">
                   <p:embed/>
                 </p:oleObj>
               </mc:Choice>
               <mc:Fallback>
-                <p:oleObj name="Equation" r:id="rId12" imgW="4570730" imgH="3013075" progId="Equation.DSMT4">
+                <p:oleObj name="Equation" r:id="rId13" imgW="4570730" imgH="3013075" progId="Equation.DSMT4">
                   <p:embed/>
                   <p:pic>
                     <p:nvPicPr>
@@ -19664,7 +19847,7 @@
                       <p:nvPr/>
                     </p:nvPicPr>
                     <p:blipFill>
-                      <a:blip r:embed="rId13"/>
+                      <a:blip r:embed="rId14"/>
                       <a:stretch>
                         <a:fillRect/>
                       </a:stretch>
@@ -19701,12 +19884,12 @@
           <a:graphicData uri="http://schemas.openxmlformats.org/presentationml/2006/ole">
             <mc:AlternateContent xmlns:mc="http://schemas.openxmlformats.org/markup-compatibility/2006">
               <mc:Choice xmlns:v="urn:schemas-microsoft-com:vml" Requires="v">
-                <p:oleObj spid="_x0000_s3561" name="Equation" r:id="rId14" imgW="3684905" imgH="3014345" progId="Equation.DSMT4">
+                <p:oleObj spid="_x0000_s3604" name="Equation" r:id="rId15" imgW="3684905" imgH="3014345" progId="Equation.DSMT4">
                   <p:embed/>
                 </p:oleObj>
               </mc:Choice>
               <mc:Fallback>
-                <p:oleObj name="Equation" r:id="rId14" imgW="3684905" imgH="3014345" progId="Equation.DSMT4">
+                <p:oleObj name="Equation" r:id="rId15" imgW="3684905" imgH="3014345" progId="Equation.DSMT4">
                   <p:embed/>
                   <p:pic>
                     <p:nvPicPr>
@@ -19715,7 +19898,7 @@
                       <p:nvPr/>
                     </p:nvPicPr>
                     <p:blipFill>
-                      <a:blip r:embed="rId15"/>
+                      <a:blip r:embed="rId16"/>
                       <a:stretch>
                         <a:fillRect/>
                       </a:stretch>
@@ -19790,10 +19973,6 @@
               </a:rPr>
               <a:t>贝叶斯信息准则：</a:t>
             </a:r>
-            <a:endParaRPr lang="zh-CN" altLang="en-US" dirty="0">
-              <a:latin typeface="微软雅黑" panose="020B0503020204020204" pitchFamily="34" charset="-122"/>
-              <a:ea typeface="微软雅黑" panose="020B0503020204020204" pitchFamily="34" charset="-122"/>
-            </a:endParaRPr>
           </a:p>
         </p:txBody>
       </p:sp>
@@ -19813,12 +19992,12 @@
           <a:graphicData uri="http://schemas.openxmlformats.org/presentationml/2006/ole">
             <mc:AlternateContent xmlns:mc="http://schemas.openxmlformats.org/markup-compatibility/2006">
               <mc:Choice xmlns:v="urn:schemas-microsoft-com:vml" Requires="v">
-                <p:oleObj spid="_x0000_s7218" name="Equation" r:id="rId1" imgW="35356800" imgH="6096000" progId="Equation.DSMT4">
+                <p:oleObj spid="_x0000_s7224" name="Equation" r:id="rId3" imgW="35356800" imgH="6096000" progId="Equation.DSMT4">
                   <p:embed/>
                 </p:oleObj>
               </mc:Choice>
               <mc:Fallback>
-                <p:oleObj name="Equation" r:id="rId1" imgW="35356800" imgH="6096000" progId="Equation.DSMT4">
+                <p:oleObj name="Equation" r:id="rId3" imgW="35356800" imgH="6096000" progId="Equation.DSMT4">
                   <p:embed/>
                   <p:pic>
                     <p:nvPicPr>
@@ -19827,7 +20006,7 @@
                       <p:nvPr/>
                     </p:nvPicPr>
                     <p:blipFill>
-                      <a:blip r:embed="rId2"/>
+                      <a:blip r:embed="rId4"/>
                       <a:stretch>
                         <a:fillRect/>
                       </a:stretch>
@@ -19848,17 +20027,11 @@
           </a:graphicData>
         </a:graphic>
       </p:graphicFrame>
-      <mc:AlternateContent xmlns:mc="http://schemas.openxmlformats.org/markup-compatibility/2006">
-        <mc:Choice xmlns:a14="http://schemas.microsoft.com/office/drawing/2010/main" Requires="a14">
+      <mc:AlternateContent xmlns:mc="http://schemas.openxmlformats.org/markup-compatibility/2006" xmlns:a14="http://schemas.microsoft.com/office/drawing/2010/main">
+        <mc:Choice Requires="a14">
           <p:sp>
             <p:nvSpPr>
-              <p:cNvPr id="6" name="文本框 5">
-                <a:extLst>
-                  <a:ext uri="{FF2B5EF4-FFF2-40B4-BE49-F238E27FC236}">
-                    <ele attr="{3DBBD2F8-8C88-449A-83EC-67D35C4206B3}"/>
-                  </a:ext>
-                </a:extLst>
-              </p:cNvPr>
+              <p:cNvPr id="6" name="文本框 5"/>
               <p:cNvSpPr txBox="1"/>
               <p:nvPr/>
             </p:nvSpPr>
@@ -20010,7 +20183,7 @@
             </p:txBody>
           </p:sp>
         </mc:Choice>
-        <mc:Fallback>
+        <mc:Fallback xmlns="">
           <p:sp>
             <p:nvSpPr>
               <p:cNvPr id="6" name="文本框 5"/>
@@ -20028,7 +20201,7 @@
                 <a:avLst/>
               </a:prstGeom>
               <a:blipFill rotWithShape="1">
-                <a:blip r:embed="rId3"/>
+                <a:blip r:embed="rId5"/>
                 <a:stretch>
                   <a:fillRect l="-698" t="-1415" b="-2830"/>
                 </a:stretch>
@@ -20071,10 +20244,34 @@
                 <a:tableStyleId>{5C22544A-7EE6-4342-B048-85BDC9FD1C3A}</a:tableStyleId>
               </a:tblPr>
               <a:tblGrid>
-                <a:gridCol w="2308543"/>
-                <a:gridCol w="1656000"/>
-                <a:gridCol w="1656000"/>
-                <a:gridCol w="1656000"/>
+                <a:gridCol w="2308543">
+                  <a:extLst>
+                    <a:ext uri="{9D8B030D-6E8A-4147-A177-3AD203B41FA5}">
+                      <a16:colId xmlns:a16="http://schemas.microsoft.com/office/drawing/2014/main" val="20000"/>
+                    </a:ext>
+                  </a:extLst>
+                </a:gridCol>
+                <a:gridCol w="1656000">
+                  <a:extLst>
+                    <a:ext uri="{9D8B030D-6E8A-4147-A177-3AD203B41FA5}">
+                      <a16:colId xmlns:a16="http://schemas.microsoft.com/office/drawing/2014/main" val="20001"/>
+                    </a:ext>
+                  </a:extLst>
+                </a:gridCol>
+                <a:gridCol w="1656000">
+                  <a:extLst>
+                    <a:ext uri="{9D8B030D-6E8A-4147-A177-3AD203B41FA5}">
+                      <a16:colId xmlns:a16="http://schemas.microsoft.com/office/drawing/2014/main" val="20002"/>
+                    </a:ext>
+                  </a:extLst>
+                </a:gridCol>
+                <a:gridCol w="1656000">
+                  <a:extLst>
+                    <a:ext uri="{9D8B030D-6E8A-4147-A177-3AD203B41FA5}">
+                      <a16:colId xmlns:a16="http://schemas.microsoft.com/office/drawing/2014/main" val="20003"/>
+                    </a:ext>
+                  </a:extLst>
+                </a:gridCol>
               </a:tblGrid>
               <a:tr h="497601">
                 <a:tc>
@@ -20095,15 +20292,6 @@
                         </a:rPr>
                         <a:t>背景介绍及研究意义</a:t>
                       </a:r>
-                      <a:endParaRPr lang="zh-CN" altLang="en-US" b="0" dirty="0">
-                        <a:solidFill>
-                          <a:schemeClr val="accent1">
-                            <a:lumMod val="75000"/>
-                          </a:schemeClr>
-                        </a:solidFill>
-                        <a:latin typeface="微软雅黑" panose="020B0503020204020204" pitchFamily="34" charset="-122"/>
-                        <a:ea typeface="微软雅黑" panose="020B0503020204020204" pitchFamily="34" charset="-122"/>
-                      </a:endParaRPr>
                     </a:p>
                   </a:txBody>
                   <a:tcPr anchor="b">
@@ -20185,13 +20373,6 @@
                         </a:rPr>
                         <a:t>研究内容</a:t>
                       </a:r>
-                      <a:endParaRPr lang="zh-CN" altLang="en-US" b="1" dirty="0">
-                        <a:solidFill>
-                          <a:schemeClr val="bg1"/>
-                        </a:solidFill>
-                        <a:latin typeface="微软雅黑" panose="020B0503020204020204" pitchFamily="34" charset="-122"/>
-                        <a:ea typeface="微软雅黑" panose="020B0503020204020204" pitchFamily="34" charset="-122"/>
-                      </a:endParaRPr>
                     </a:p>
                   </a:txBody>
                   <a:tcPr anchor="ctr">
@@ -20277,15 +20458,6 @@
                         </a:rPr>
                         <a:t>研究计划</a:t>
                       </a:r>
-                      <a:endParaRPr lang="zh-CN" altLang="en-US" b="0" dirty="0">
-                        <a:solidFill>
-                          <a:schemeClr val="accent1">
-                            <a:lumMod val="75000"/>
-                          </a:schemeClr>
-                        </a:solidFill>
-                        <a:latin typeface="微软雅黑" panose="020B0503020204020204" pitchFamily="34" charset="-122"/>
-                        <a:ea typeface="微软雅黑" panose="020B0503020204020204" pitchFamily="34" charset="-122"/>
-                      </a:endParaRPr>
                     </a:p>
                   </a:txBody>
                   <a:tcPr anchor="b">
@@ -20369,15 +20541,6 @@
                         </a:rPr>
                         <a:t>研究进展</a:t>
                       </a:r>
-                      <a:endParaRPr lang="zh-CN" altLang="en-US" b="0" dirty="0">
-                        <a:solidFill>
-                          <a:schemeClr val="accent1">
-                            <a:lumMod val="75000"/>
-                          </a:schemeClr>
-                        </a:solidFill>
-                        <a:latin typeface="微软雅黑" panose="020B0503020204020204" pitchFamily="34" charset="-122"/>
-                        <a:ea typeface="微软雅黑" panose="020B0503020204020204" pitchFamily="34" charset="-122"/>
-                      </a:endParaRPr>
                     </a:p>
                   </a:txBody>
                   <a:tcPr anchor="b">
@@ -20428,6 +20591,11 @@
                     <a:noFill/>
                   </a:tcPr>
                 </a:tc>
+                <a:extLst>
+                  <a:ext uri="{0D108BD9-81ED-4DB2-BD59-A6C34878D82A}">
+                    <a16:rowId xmlns:a16="http://schemas.microsoft.com/office/drawing/2014/main" val="10000"/>
+                  </a:ext>
+                </a:extLst>
               </a:tr>
               <a:tr h="164799">
                 <a:tc>
@@ -20498,6 +20666,13 @@
                   </a:tcPr>
                 </a:tc>
                 <a:tc vMerge="1">
+                  <a:txBody>
+                    <a:bodyPr/>
+                    <a:lstStyle/>
+                    <a:p>
+                      <a:endParaRPr lang="zh-CN"/>
+                    </a:p>
+                  </a:txBody>
                   <a:tcPr anchor="ctr">
                     <a:lnL w="57150" cap="flat" cmpd="sng" algn="ctr">
                       <a:solidFill>
@@ -20682,6 +20857,11 @@
                     </a:solidFill>
                   </a:tcPr>
                 </a:tc>
+                <a:extLst>
+                  <a:ext uri="{0D108BD9-81ED-4DB2-BD59-A6C34878D82A}">
+                    <a16:rowId xmlns:a16="http://schemas.microsoft.com/office/drawing/2014/main" val="10001"/>
+                  </a:ext>
+                </a:extLst>
               </a:tr>
             </a:tbl>
           </a:graphicData>
@@ -20715,7 +20895,7 @@
                   <a:schemeClr val="accent2"/>
                 </a:solidFill>
               </a:rPr>
-              <a:t>研究基础：</a:t>
+              <a:t>研究方法：</a:t>
             </a:r>
             <a:endParaRPr lang="en-US" altLang="zh-CN" sz="2400" b="1" dirty="0">
               <a:solidFill>
@@ -20861,7 +21041,6 @@
               <a:rPr lang="zh-CN" altLang="en-US" dirty="0"/>
               <a:t>训练数据</a:t>
             </a:r>
-            <a:endParaRPr lang="zh-CN" altLang="en-US" dirty="0"/>
           </a:p>
         </p:txBody>
       </p:sp>
@@ -20905,7 +21084,6 @@
               <a:rPr lang="zh-CN" altLang="en-US" dirty="0"/>
               <a:t>模型一</a:t>
             </a:r>
-            <a:endParaRPr lang="zh-CN" altLang="en-US" dirty="0"/>
           </a:p>
         </p:txBody>
       </p:sp>
@@ -21343,7 +21521,6 @@
               <a:rPr lang="zh-CN" altLang="en-US" sz="1400" dirty="0"/>
               <a:t>基数分布参数</a:t>
             </a:r>
-            <a:endParaRPr lang="zh-CN" altLang="en-US" sz="1400" dirty="0"/>
           </a:p>
         </p:txBody>
       </p:sp>
@@ -21387,7 +21564,6 @@
               <a:rPr lang="zh-CN" altLang="en-US" sz="1400" dirty="0"/>
               <a:t>特征分布参数</a:t>
             </a:r>
-            <a:endParaRPr lang="zh-CN" altLang="en-US" sz="1400" dirty="0"/>
           </a:p>
         </p:txBody>
       </p:sp>
@@ -21466,10 +21642,6 @@
               </a:rPr>
               <a:t>参数采样</a:t>
             </a:r>
-            <a:endParaRPr lang="zh-CN" altLang="en-US" sz="1200" dirty="0">
-              <a:latin typeface="微软雅黑" panose="020B0503020204020204" pitchFamily="34" charset="-122"/>
-              <a:ea typeface="微软雅黑" panose="020B0503020204020204" pitchFamily="34" charset="-122"/>
-            </a:endParaRPr>
           </a:p>
         </p:txBody>
       </p:sp>
@@ -21584,7 +21756,6 @@
               <a:rPr lang="zh-CN" altLang="en-US" dirty="0"/>
               <a:t>学习得到的模型一</a:t>
             </a:r>
-            <a:endParaRPr lang="zh-CN" altLang="en-US" dirty="0"/>
           </a:p>
         </p:txBody>
       </p:sp>
@@ -22547,7 +22718,6 @@
               <a:rPr lang="zh-CN" altLang="en-US" dirty="0"/>
               <a:t>最优模型</a:t>
             </a:r>
-            <a:endParaRPr lang="zh-CN" altLang="en-US" dirty="0"/>
           </a:p>
         </p:txBody>
       </p:sp>
@@ -22887,12 +23057,12 @@
           <a:graphicData uri="http://schemas.openxmlformats.org/presentationml/2006/ole">
             <mc:AlternateContent xmlns:mc="http://schemas.openxmlformats.org/markup-compatibility/2006">
               <mc:Choice xmlns:v="urn:schemas-microsoft-com:vml" Requires="v">
-                <p:oleObj spid="_x0000_s8240" name="Equation" r:id="rId1" imgW="66141600" imgH="31699200" progId="Equation.DSMT4">
+                <p:oleObj spid="_x0000_s8245" name="Equation" r:id="rId4" imgW="66141600" imgH="31699200" progId="Equation.DSMT4">
                   <p:embed/>
                 </p:oleObj>
               </mc:Choice>
               <mc:Fallback>
-                <p:oleObj name="Equation" r:id="rId1" imgW="66141600" imgH="31699200" progId="Equation.DSMT4">
+                <p:oleObj name="Equation" r:id="rId4" imgW="66141600" imgH="31699200" progId="Equation.DSMT4">
                   <p:embed/>
                   <p:pic>
                     <p:nvPicPr>
@@ -22901,7 +23071,7 @@
                       <p:nvPr/>
                     </p:nvPicPr>
                     <p:blipFill>
-                      <a:blip r:embed="rId2"/>
+                      <a:blip r:embed="rId5"/>
                       <a:stretch>
                         <a:fillRect/>
                       </a:stretch>
@@ -22941,10 +23111,34 @@
                 <a:tableStyleId>{5C22544A-7EE6-4342-B048-85BDC9FD1C3A}</a:tableStyleId>
               </a:tblPr>
               <a:tblGrid>
-                <a:gridCol w="2308543"/>
-                <a:gridCol w="1656000"/>
-                <a:gridCol w="1656000"/>
-                <a:gridCol w="1656000"/>
+                <a:gridCol w="2308543">
+                  <a:extLst>
+                    <a:ext uri="{9D8B030D-6E8A-4147-A177-3AD203B41FA5}">
+                      <a16:colId xmlns:a16="http://schemas.microsoft.com/office/drawing/2014/main" val="20000"/>
+                    </a:ext>
+                  </a:extLst>
+                </a:gridCol>
+                <a:gridCol w="1656000">
+                  <a:extLst>
+                    <a:ext uri="{9D8B030D-6E8A-4147-A177-3AD203B41FA5}">
+                      <a16:colId xmlns:a16="http://schemas.microsoft.com/office/drawing/2014/main" val="20001"/>
+                    </a:ext>
+                  </a:extLst>
+                </a:gridCol>
+                <a:gridCol w="1656000">
+                  <a:extLst>
+                    <a:ext uri="{9D8B030D-6E8A-4147-A177-3AD203B41FA5}">
+                      <a16:colId xmlns:a16="http://schemas.microsoft.com/office/drawing/2014/main" val="20002"/>
+                    </a:ext>
+                  </a:extLst>
+                </a:gridCol>
+                <a:gridCol w="1656000">
+                  <a:extLst>
+                    <a:ext uri="{9D8B030D-6E8A-4147-A177-3AD203B41FA5}">
+                      <a16:colId xmlns:a16="http://schemas.microsoft.com/office/drawing/2014/main" val="20003"/>
+                    </a:ext>
+                  </a:extLst>
+                </a:gridCol>
               </a:tblGrid>
               <a:tr h="497601">
                 <a:tc>
@@ -22965,15 +23159,6 @@
                         </a:rPr>
                         <a:t>背景介绍及研究意义</a:t>
                       </a:r>
-                      <a:endParaRPr lang="zh-CN" altLang="en-US" b="0" dirty="0">
-                        <a:solidFill>
-                          <a:schemeClr val="accent1">
-                            <a:lumMod val="75000"/>
-                          </a:schemeClr>
-                        </a:solidFill>
-                        <a:latin typeface="微软雅黑" panose="020B0503020204020204" pitchFamily="34" charset="-122"/>
-                        <a:ea typeface="微软雅黑" panose="020B0503020204020204" pitchFamily="34" charset="-122"/>
-                      </a:endParaRPr>
                     </a:p>
                   </a:txBody>
                   <a:tcPr anchor="b">
@@ -23055,13 +23240,6 @@
                         </a:rPr>
                         <a:t>研究内容</a:t>
                       </a:r>
-                      <a:endParaRPr lang="zh-CN" altLang="en-US" b="1" dirty="0">
-                        <a:solidFill>
-                          <a:schemeClr val="bg1"/>
-                        </a:solidFill>
-                        <a:latin typeface="微软雅黑" panose="020B0503020204020204" pitchFamily="34" charset="-122"/>
-                        <a:ea typeface="微软雅黑" panose="020B0503020204020204" pitchFamily="34" charset="-122"/>
-                      </a:endParaRPr>
                     </a:p>
                   </a:txBody>
                   <a:tcPr anchor="ctr">
@@ -23147,15 +23325,6 @@
                         </a:rPr>
                         <a:t>研究计划</a:t>
                       </a:r>
-                      <a:endParaRPr lang="zh-CN" altLang="en-US" b="0" dirty="0">
-                        <a:solidFill>
-                          <a:schemeClr val="accent1">
-                            <a:lumMod val="75000"/>
-                          </a:schemeClr>
-                        </a:solidFill>
-                        <a:latin typeface="微软雅黑" panose="020B0503020204020204" pitchFamily="34" charset="-122"/>
-                        <a:ea typeface="微软雅黑" panose="020B0503020204020204" pitchFamily="34" charset="-122"/>
-                      </a:endParaRPr>
                     </a:p>
                   </a:txBody>
                   <a:tcPr anchor="b">
@@ -23239,15 +23408,6 @@
                         </a:rPr>
                         <a:t>研究进展</a:t>
                       </a:r>
-                      <a:endParaRPr lang="zh-CN" altLang="en-US" b="0" dirty="0">
-                        <a:solidFill>
-                          <a:schemeClr val="accent1">
-                            <a:lumMod val="75000"/>
-                          </a:schemeClr>
-                        </a:solidFill>
-                        <a:latin typeface="微软雅黑" panose="020B0503020204020204" pitchFamily="34" charset="-122"/>
-                        <a:ea typeface="微软雅黑" panose="020B0503020204020204" pitchFamily="34" charset="-122"/>
-                      </a:endParaRPr>
                     </a:p>
                   </a:txBody>
                   <a:tcPr anchor="b">
@@ -23298,6 +23458,11 @@
                     <a:noFill/>
                   </a:tcPr>
                 </a:tc>
+                <a:extLst>
+                  <a:ext uri="{0D108BD9-81ED-4DB2-BD59-A6C34878D82A}">
+                    <a16:rowId xmlns:a16="http://schemas.microsoft.com/office/drawing/2014/main" val="10000"/>
+                  </a:ext>
+                </a:extLst>
               </a:tr>
               <a:tr h="164799">
                 <a:tc>
@@ -23368,6 +23533,13 @@
                   </a:tcPr>
                 </a:tc>
                 <a:tc vMerge="1">
+                  <a:txBody>
+                    <a:bodyPr/>
+                    <a:lstStyle/>
+                    <a:p>
+                      <a:endParaRPr lang="zh-CN"/>
+                    </a:p>
+                  </a:txBody>
                   <a:tcPr anchor="ctr">
                     <a:lnL w="57150" cap="flat" cmpd="sng" algn="ctr">
                       <a:solidFill>
@@ -23552,6 +23724,11 @@
                     </a:solidFill>
                   </a:tcPr>
                 </a:tc>
+                <a:extLst>
+                  <a:ext uri="{0D108BD9-81ED-4DB2-BD59-A6C34878D82A}">
+                    <a16:rowId xmlns:a16="http://schemas.microsoft.com/office/drawing/2014/main" val="10001"/>
+                  </a:ext>
+                </a:extLst>
               </a:tr>
             </a:tbl>
           </a:graphicData>
@@ -23650,10 +23827,12 @@
           <a:lstStyle/>
           <a:p>
             <a:r>
-              <a:rPr lang="zh-CN" altLang="en-US" sz="1400" dirty="0"/>
+              <a:rPr lang="zh-CN" altLang="en-US" sz="1400" dirty="0">
+                <a:latin typeface="微软雅黑" panose="020B0503020204020204" pitchFamily="34" charset="-122"/>
+                <a:ea typeface="微软雅黑" panose="020B0503020204020204" pitchFamily="34" charset="-122"/>
+              </a:rPr>
               <a:t>图一</a:t>
             </a:r>
-            <a:endParaRPr lang="zh-CN" altLang="en-US" sz="1400" dirty="0"/>
           </a:p>
         </p:txBody>
       </p:sp>
@@ -23676,10 +23855,34 @@
                 <a:tableStyleId>{5C22544A-7EE6-4342-B048-85BDC9FD1C3A}</a:tableStyleId>
               </a:tblPr>
               <a:tblGrid>
-                <a:gridCol w="2308543"/>
-                <a:gridCol w="1656000"/>
-                <a:gridCol w="1656000"/>
-                <a:gridCol w="1656000"/>
+                <a:gridCol w="2308543">
+                  <a:extLst>
+                    <a:ext uri="{9D8B030D-6E8A-4147-A177-3AD203B41FA5}">
+                      <a16:colId xmlns:a16="http://schemas.microsoft.com/office/drawing/2014/main" val="20000"/>
+                    </a:ext>
+                  </a:extLst>
+                </a:gridCol>
+                <a:gridCol w="1656000">
+                  <a:extLst>
+                    <a:ext uri="{9D8B030D-6E8A-4147-A177-3AD203B41FA5}">
+                      <a16:colId xmlns:a16="http://schemas.microsoft.com/office/drawing/2014/main" val="20001"/>
+                    </a:ext>
+                  </a:extLst>
+                </a:gridCol>
+                <a:gridCol w="1656000">
+                  <a:extLst>
+                    <a:ext uri="{9D8B030D-6E8A-4147-A177-3AD203B41FA5}">
+                      <a16:colId xmlns:a16="http://schemas.microsoft.com/office/drawing/2014/main" val="20002"/>
+                    </a:ext>
+                  </a:extLst>
+                </a:gridCol>
+                <a:gridCol w="1656000">
+                  <a:extLst>
+                    <a:ext uri="{9D8B030D-6E8A-4147-A177-3AD203B41FA5}">
+                      <a16:colId xmlns:a16="http://schemas.microsoft.com/office/drawing/2014/main" val="20003"/>
+                    </a:ext>
+                  </a:extLst>
+                </a:gridCol>
               </a:tblGrid>
               <a:tr h="497601">
                 <a:tc>
@@ -23700,15 +23903,6 @@
                         </a:rPr>
                         <a:t>背景介绍及研究意义</a:t>
                       </a:r>
-                      <a:endParaRPr lang="zh-CN" altLang="en-US" b="0" dirty="0">
-                        <a:solidFill>
-                          <a:schemeClr val="accent1">
-                            <a:lumMod val="75000"/>
-                          </a:schemeClr>
-                        </a:solidFill>
-                        <a:latin typeface="微软雅黑" panose="020B0503020204020204" pitchFamily="34" charset="-122"/>
-                        <a:ea typeface="微软雅黑" panose="020B0503020204020204" pitchFamily="34" charset="-122"/>
-                      </a:endParaRPr>
                     </a:p>
                   </a:txBody>
                   <a:tcPr anchor="b">
@@ -23790,13 +23984,6 @@
                         </a:rPr>
                         <a:t>研究内容</a:t>
                       </a:r>
-                      <a:endParaRPr lang="zh-CN" altLang="en-US" b="1" dirty="0">
-                        <a:solidFill>
-                          <a:schemeClr val="bg1"/>
-                        </a:solidFill>
-                        <a:latin typeface="微软雅黑" panose="020B0503020204020204" pitchFamily="34" charset="-122"/>
-                        <a:ea typeface="微软雅黑" panose="020B0503020204020204" pitchFamily="34" charset="-122"/>
-                      </a:endParaRPr>
                     </a:p>
                   </a:txBody>
                   <a:tcPr anchor="ctr">
@@ -23882,15 +24069,6 @@
                         </a:rPr>
                         <a:t>研究计划</a:t>
                       </a:r>
-                      <a:endParaRPr lang="zh-CN" altLang="en-US" b="0" dirty="0">
-                        <a:solidFill>
-                          <a:schemeClr val="accent1">
-                            <a:lumMod val="75000"/>
-                          </a:schemeClr>
-                        </a:solidFill>
-                        <a:latin typeface="微软雅黑" panose="020B0503020204020204" pitchFamily="34" charset="-122"/>
-                        <a:ea typeface="微软雅黑" panose="020B0503020204020204" pitchFamily="34" charset="-122"/>
-                      </a:endParaRPr>
                     </a:p>
                   </a:txBody>
                   <a:tcPr anchor="b">
@@ -23974,15 +24152,6 @@
                         </a:rPr>
                         <a:t>研究进展</a:t>
                       </a:r>
-                      <a:endParaRPr lang="zh-CN" altLang="en-US" b="0" dirty="0">
-                        <a:solidFill>
-                          <a:schemeClr val="accent1">
-                            <a:lumMod val="75000"/>
-                          </a:schemeClr>
-                        </a:solidFill>
-                        <a:latin typeface="微软雅黑" panose="020B0503020204020204" pitchFamily="34" charset="-122"/>
-                        <a:ea typeface="微软雅黑" panose="020B0503020204020204" pitchFamily="34" charset="-122"/>
-                      </a:endParaRPr>
                     </a:p>
                   </a:txBody>
                   <a:tcPr anchor="b">
@@ -24033,6 +24202,11 @@
                     <a:noFill/>
                   </a:tcPr>
                 </a:tc>
+                <a:extLst>
+                  <a:ext uri="{0D108BD9-81ED-4DB2-BD59-A6C34878D82A}">
+                    <a16:rowId xmlns:a16="http://schemas.microsoft.com/office/drawing/2014/main" val="10000"/>
+                  </a:ext>
+                </a:extLst>
               </a:tr>
               <a:tr h="164799">
                 <a:tc>
@@ -24103,6 +24277,13 @@
                   </a:tcPr>
                 </a:tc>
                 <a:tc vMerge="1">
+                  <a:txBody>
+                    <a:bodyPr/>
+                    <a:lstStyle/>
+                    <a:p>
+                      <a:endParaRPr lang="zh-CN"/>
+                    </a:p>
+                  </a:txBody>
                   <a:tcPr anchor="ctr">
                     <a:lnL w="57150" cap="flat" cmpd="sng" algn="ctr">
                       <a:solidFill>
@@ -24287,6 +24468,11 @@
                     </a:solidFill>
                   </a:tcPr>
                 </a:tc>
+                <a:extLst>
+                  <a:ext uri="{0D108BD9-81ED-4DB2-BD59-A6C34878D82A}">
+                    <a16:rowId xmlns:a16="http://schemas.microsoft.com/office/drawing/2014/main" val="10001"/>
+                  </a:ext>
+                </a:extLst>
               </a:tr>
             </a:tbl>
           </a:graphicData>
@@ -24301,7 +24487,7 @@
           <p:nvPr/>
         </p:nvPicPr>
         <p:blipFill>
-          <a:blip r:embed="rId1">
+          <a:blip r:embed="rId3">
             <a:extLst>
               <a:ext uri="{28A0092B-C50C-407E-A947-70E740481C1C}">
                 <a14:useLocalDpi xmlns:a14="http://schemas.microsoft.com/office/drawing/2010/main" val="0"/>
@@ -24331,7 +24517,7 @@
           <p:nvPr/>
         </p:nvPicPr>
         <p:blipFill>
-          <a:blip r:embed="rId2">
+          <a:blip r:embed="rId4">
             <a:extLst>
               <a:ext uri="{28A0092B-C50C-407E-A947-70E740481C1C}">
                 <a14:useLocalDpi xmlns:a14="http://schemas.microsoft.com/office/drawing/2010/main" val="0"/>
@@ -24361,7 +24547,7 @@
           <p:nvPr/>
         </p:nvPicPr>
         <p:blipFill>
-          <a:blip r:embed="rId3">
+          <a:blip r:embed="rId5">
             <a:extLst>
               <a:ext uri="{28A0092B-C50C-407E-A947-70E740481C1C}">
                 <a14:useLocalDpi xmlns:a14="http://schemas.microsoft.com/office/drawing/2010/main" val="0"/>
@@ -24391,7 +24577,7 @@
           <p:nvPr/>
         </p:nvPicPr>
         <p:blipFill>
-          <a:blip r:embed="rId4">
+          <a:blip r:embed="rId6">
             <a:extLst>
               <a:ext uri="{28A0092B-C50C-407E-A947-70E740481C1C}">
                 <a14:useLocalDpi xmlns:a14="http://schemas.microsoft.com/office/drawing/2010/main" val="0"/>
@@ -24435,10 +24621,12 @@
           <a:lstStyle/>
           <a:p>
             <a:r>
-              <a:rPr lang="zh-CN" altLang="en-US" sz="1400" dirty="0"/>
+              <a:rPr lang="zh-CN" altLang="en-US" sz="1400" dirty="0">
+                <a:latin typeface="微软雅黑" panose="020B0503020204020204" pitchFamily="34" charset="-122"/>
+                <a:ea typeface="微软雅黑" panose="020B0503020204020204" pitchFamily="34" charset="-122"/>
+              </a:rPr>
               <a:t>图二</a:t>
             </a:r>
-            <a:endParaRPr lang="zh-CN" altLang="en-US" sz="1400" dirty="0"/>
           </a:p>
         </p:txBody>
       </p:sp>
@@ -24465,10 +24653,12 @@
           <a:lstStyle/>
           <a:p>
             <a:r>
-              <a:rPr lang="zh-CN" altLang="en-US" sz="1400" dirty="0"/>
+              <a:rPr lang="zh-CN" altLang="en-US" sz="1400" dirty="0">
+                <a:latin typeface="微软雅黑" panose="020B0503020204020204" pitchFamily="34" charset="-122"/>
+                <a:ea typeface="微软雅黑" panose="020B0503020204020204" pitchFamily="34" charset="-122"/>
+              </a:rPr>
               <a:t>图三</a:t>
             </a:r>
-            <a:endParaRPr lang="zh-CN" altLang="en-US" sz="1400" dirty="0"/>
           </a:p>
         </p:txBody>
       </p:sp>
@@ -24495,10 +24685,12 @@
           <a:lstStyle/>
           <a:p>
             <a:r>
-              <a:rPr lang="zh-CN" altLang="en-US" sz="1400" dirty="0"/>
+              <a:rPr lang="zh-CN" altLang="en-US" sz="1400" dirty="0">
+                <a:latin typeface="微软雅黑" panose="020B0503020204020204" pitchFamily="34" charset="-122"/>
+                <a:ea typeface="微软雅黑" panose="020B0503020204020204" pitchFamily="34" charset="-122"/>
+              </a:rPr>
               <a:t>图四</a:t>
             </a:r>
-            <a:endParaRPr lang="zh-CN" altLang="en-US" sz="1400" dirty="0"/>
           </a:p>
         </p:txBody>
       </p:sp>
@@ -24525,10 +24717,12 @@
           <a:lstStyle/>
           <a:p>
             <a:r>
-              <a:rPr lang="zh-CN" altLang="en-US" sz="1400" dirty="0"/>
+              <a:rPr lang="zh-CN" altLang="en-US" sz="1400" dirty="0">
+                <a:latin typeface="微软雅黑" panose="020B0503020204020204" pitchFamily="34" charset="-122"/>
+                <a:ea typeface="微软雅黑" panose="020B0503020204020204" pitchFamily="34" charset="-122"/>
+              </a:rPr>
               <a:t>图五</a:t>
             </a:r>
-            <a:endParaRPr lang="zh-CN" altLang="en-US" sz="1400" dirty="0"/>
           </a:p>
         </p:txBody>
       </p:sp>
@@ -24541,7 +24735,7 @@
           <p:nvPr/>
         </p:nvPicPr>
         <p:blipFill>
-          <a:blip r:embed="rId5">
+          <a:blip r:embed="rId7">
             <a:extLst>
               <a:ext uri="{28A0092B-C50C-407E-A947-70E740481C1C}">
                 <a14:useLocalDpi xmlns:a14="http://schemas.microsoft.com/office/drawing/2010/main" val="0"/>
@@ -24848,6 +25042,8 @@
       </a:bgFillStyleLst>
     </a:fmtScheme>
   </a:themeElements>
+  <a:objectDefaults/>
+  <a:extraClrSchemeLst/>
   <a:extLst>
     <a:ext uri="{05A4C25C-085E-4340-85A3-A5531E510DB2}">
       <thm15:themeFamily xmlns:thm15="http://schemas.microsoft.com/office/thememl/2012/main" name="Office Theme" id="{62F939B6-93AF-4DB8-9C6B-D6C7DFDC589F}" vid="{4A3C46E8-61CC-4603-A589-7422A47A8E4A}"/>
@@ -25107,6 +25303,8 @@
       </a:bgFillStyleLst>
     </a:fmtScheme>
   </a:themeElements>
+  <a:objectDefaults/>
+  <a:extraClrSchemeLst/>
   <a:extLst>
     <a:ext uri="{05A4C25C-085E-4340-85A3-A5531E510DB2}">
       <thm15:themeFamily xmlns:thm15="http://schemas.microsoft.com/office/thememl/2012/main" name="Office Theme" id="{62F939B6-93AF-4DB8-9C6B-D6C7DFDC589F}" vid="{4A3C46E8-61CC-4603-A589-7422A47A8E4A}"/>

--- a/杨豪杰开题/论文答辩开题报告(杨豪杰).pptx
+++ b/杨豪杰开题/论文答辩开题报告(杨豪杰).pptx
@@ -5,28 +5,28 @@
     <p:sldMasterId id="2147483648" r:id="rId1"/>
   </p:sldMasterIdLst>
   <p:notesMasterIdLst>
-    <p:notesMasterId r:id="rId21"/>
+    <p:notesMasterId r:id="rId4"/>
   </p:notesMasterIdLst>
   <p:sldIdLst>
-    <p:sldId id="258" r:id="rId2"/>
-    <p:sldId id="299" r:id="rId3"/>
-    <p:sldId id="289" r:id="rId4"/>
-    <p:sldId id="267" r:id="rId5"/>
-    <p:sldId id="268" r:id="rId6"/>
-    <p:sldId id="282" r:id="rId7"/>
-    <p:sldId id="309" r:id="rId8"/>
-    <p:sldId id="308" r:id="rId9"/>
-    <p:sldId id="305" r:id="rId10"/>
-    <p:sldId id="280" r:id="rId11"/>
-    <p:sldId id="281" r:id="rId12"/>
-    <p:sldId id="262" r:id="rId13"/>
-    <p:sldId id="261" r:id="rId14"/>
-    <p:sldId id="306" r:id="rId15"/>
-    <p:sldId id="310" r:id="rId16"/>
-    <p:sldId id="279" r:id="rId17"/>
-    <p:sldId id="266" r:id="rId18"/>
-    <p:sldId id="269" r:id="rId19"/>
-    <p:sldId id="303" r:id="rId20"/>
+    <p:sldId id="258" r:id="rId3"/>
+    <p:sldId id="299" r:id="rId5"/>
+    <p:sldId id="289" r:id="rId6"/>
+    <p:sldId id="267" r:id="rId7"/>
+    <p:sldId id="268" r:id="rId8"/>
+    <p:sldId id="282" r:id="rId9"/>
+    <p:sldId id="309" r:id="rId10"/>
+    <p:sldId id="308" r:id="rId11"/>
+    <p:sldId id="305" r:id="rId12"/>
+    <p:sldId id="280" r:id="rId13"/>
+    <p:sldId id="281" r:id="rId14"/>
+    <p:sldId id="262" r:id="rId15"/>
+    <p:sldId id="261" r:id="rId16"/>
+    <p:sldId id="306" r:id="rId17"/>
+    <p:sldId id="310" r:id="rId18"/>
+    <p:sldId id="279" r:id="rId19"/>
+    <p:sldId id="266" r:id="rId20"/>
+    <p:sldId id="269" r:id="rId21"/>
+    <p:sldId id="303" r:id="rId22"/>
   </p:sldIdLst>
   <p:sldSz cx="12192000" cy="6858000"/>
   <p:notesSz cx="6858000" cy="9144000"/>
@@ -125,25 +125,6 @@
       </a:defRPr>
     </a:lvl9pPr>
   </p:defaultTextStyle>
-  <p:extLst>
-    <p:ext uri="{EFAFB233-063F-42B5-8137-9DF3F51BA10A}">
-      <p15:sldGuideLst xmlns:p15="http://schemas.microsoft.com/office/powerpoint/2012/main">
-        <p15:guide id="1" orient="horz" pos="2160">
-          <p15:clr>
-            <a:srgbClr val="A4A3A4"/>
-          </p15:clr>
-        </p15:guide>
-        <p15:guide id="2" pos="3840">
-          <p15:clr>
-            <a:srgbClr val="A4A3A4"/>
-          </p15:clr>
-        </p15:guide>
-      </p15:sldGuideLst>
-    </p:ext>
-    <p:ext uri="{505F2C04-C923-438B-8C0F-E0CD2BADF298}">
-      <wppc:fontMiss xmlns="" xmlns:wppc="http://www.wps.cn/officeDocument/PresentationCustomData" type="true"/>
-    </p:ext>
-  </p:extLst>
 </p:presentation>
 </file>
 
@@ -229,7 +210,6 @@
           <a:p>
             <a:fld id="{A5051BC2-F25C-4BF7-95F7-A74904AC2CE4}" type="datetimeFigureOut">
               <a:rPr lang="zh-CN" altLang="en-US" smtClean="0"/>
-              <a:t>2020/12/3</a:t>
             </a:fld>
             <a:endParaRPr lang="zh-CN" altLang="en-US"/>
           </a:p>
@@ -296,6 +276,7 @@
               <a:rPr lang="zh-CN" altLang="en-US"/>
               <a:t>单击此处编辑母版文本样式</a:t>
             </a:r>
+            <a:endParaRPr lang="zh-CN" altLang="en-US"/>
           </a:p>
           <a:p>
             <a:pPr lvl="1"/>
@@ -303,6 +284,7 @@
               <a:rPr lang="zh-CN" altLang="en-US"/>
               <a:t>第二级</a:t>
             </a:r>
+            <a:endParaRPr lang="zh-CN" altLang="en-US"/>
           </a:p>
           <a:p>
             <a:pPr lvl="2"/>
@@ -310,6 +292,7 @@
               <a:rPr lang="zh-CN" altLang="en-US"/>
               <a:t>第三级</a:t>
             </a:r>
+            <a:endParaRPr lang="zh-CN" altLang="en-US"/>
           </a:p>
           <a:p>
             <a:pPr lvl="3"/>
@@ -317,6 +300,7 @@
               <a:rPr lang="zh-CN" altLang="en-US"/>
               <a:t>第四级</a:t>
             </a:r>
+            <a:endParaRPr lang="zh-CN" altLang="en-US"/>
           </a:p>
           <a:p>
             <a:pPr lvl="4"/>
@@ -324,6 +308,7 @@
               <a:rPr lang="zh-CN" altLang="en-US"/>
               <a:t>第五级</a:t>
             </a:r>
+            <a:endParaRPr lang="zh-CN" altLang="en-US"/>
           </a:p>
         </p:txBody>
       </p:sp>
@@ -387,7 +372,6 @@
           <a:p>
             <a:fld id="{95614C47-D2C0-448D-911B-1324277A7A0B}" type="slidenum">
               <a:rPr lang="zh-CN" altLang="en-US" smtClean="0"/>
-              <a:t>‹#›</a:t>
             </a:fld>
             <a:endParaRPr lang="zh-CN" altLang="en-US"/>
           </a:p>
@@ -612,7 +596,6 @@
           <a:p>
             <a:fld id="{95614C47-D2C0-448D-911B-1324277A7A0B}" type="slidenum">
               <a:rPr lang="zh-CN" altLang="en-US" smtClean="0"/>
-              <a:t>5</a:t>
             </a:fld>
             <a:endParaRPr lang="zh-CN" altLang="en-US"/>
           </a:p>
@@ -691,7 +674,6 @@
           <a:p>
             <a:fld id="{95614C47-D2C0-448D-911B-1324277A7A0B}" type="slidenum">
               <a:rPr lang="zh-CN" altLang="en-US" smtClean="0"/>
-              <a:t>6</a:t>
             </a:fld>
             <a:endParaRPr lang="zh-CN" altLang="en-US"/>
           </a:p>
@@ -770,18 +752,12 @@
           <a:p>
             <a:fld id="{95614C47-D2C0-448D-911B-1324277A7A0B}" type="slidenum">
               <a:rPr lang="zh-CN" altLang="en-US" smtClean="0"/>
-              <a:t>7</a:t>
             </a:fld>
             <a:endParaRPr lang="zh-CN" altLang="en-US"/>
           </a:p>
         </p:txBody>
       </p:sp>
     </p:spTree>
-    <p:extLst>
-      <p:ext uri="{BB962C8B-B14F-4D97-AF65-F5344CB8AC3E}">
-        <p14:creationId xmlns:p14="http://schemas.microsoft.com/office/powerpoint/2010/main" val="2328784678"/>
-      </p:ext>
-    </p:extLst>
   </p:cSld>
   <p:clrMapOvr>
     <a:masterClrMapping/>
@@ -854,7 +830,6 @@
           <a:p>
             <a:fld id="{95614C47-D2C0-448D-911B-1324277A7A0B}" type="slidenum">
               <a:rPr lang="zh-CN" altLang="en-US" smtClean="0"/>
-              <a:t>9</a:t>
             </a:fld>
             <a:endParaRPr lang="zh-CN" altLang="en-US"/>
           </a:p>
@@ -933,7 +908,6 @@
           <a:p>
             <a:fld id="{95614C47-D2C0-448D-911B-1324277A7A0B}" type="slidenum">
               <a:rPr lang="zh-CN" altLang="en-US" smtClean="0"/>
-              <a:t>10</a:t>
             </a:fld>
             <a:endParaRPr lang="zh-CN" altLang="en-US"/>
           </a:p>
@@ -1012,7 +986,6 @@
           <a:p>
             <a:fld id="{95614C47-D2C0-448D-911B-1324277A7A0B}" type="slidenum">
               <a:rPr lang="zh-CN" altLang="en-US" smtClean="0"/>
-              <a:t>11</a:t>
             </a:fld>
             <a:endParaRPr lang="zh-CN" altLang="en-US"/>
           </a:p>
@@ -1091,7 +1064,6 @@
           <a:p>
             <a:fld id="{95614C47-D2C0-448D-911B-1324277A7A0B}" type="slidenum">
               <a:rPr lang="zh-CN" altLang="en-US" smtClean="0"/>
-              <a:t>12</a:t>
             </a:fld>
             <a:endParaRPr lang="zh-CN" altLang="en-US"/>
           </a:p>
@@ -1149,6 +1121,7 @@
               <a:rPr lang="zh-CN" altLang="en-US"/>
               <a:t>单击此处编辑母版标题样式</a:t>
             </a:r>
+            <a:endParaRPr lang="zh-CN" altLang="en-US"/>
           </a:p>
         </p:txBody>
       </p:sp>
@@ -1267,6 +1240,7 @@
               <a:rPr lang="zh-CN" altLang="en-US"/>
               <a:t>单击此处编辑母版副标题样式</a:t>
             </a:r>
+            <a:endParaRPr lang="zh-CN" altLang="en-US"/>
           </a:p>
         </p:txBody>
       </p:sp>
@@ -1322,6 +1296,7 @@
               <a:rPr lang="zh-CN" altLang="en-US"/>
               <a:t>单击此处编辑母版标题样式</a:t>
             </a:r>
+            <a:endParaRPr lang="zh-CN" altLang="en-US"/>
           </a:p>
         </p:txBody>
       </p:sp>
@@ -1345,6 +1320,7 @@
               <a:rPr lang="zh-CN" altLang="en-US"/>
               <a:t>单击此处编辑母版文本样式</a:t>
             </a:r>
+            <a:endParaRPr lang="zh-CN" altLang="en-US"/>
           </a:p>
           <a:p>
             <a:pPr lvl="1"/>
@@ -1352,6 +1328,7 @@
               <a:rPr lang="zh-CN" altLang="en-US"/>
               <a:t>第二级</a:t>
             </a:r>
+            <a:endParaRPr lang="zh-CN" altLang="en-US"/>
           </a:p>
           <a:p>
             <a:pPr lvl="2"/>
@@ -1359,6 +1336,7 @@
               <a:rPr lang="zh-CN" altLang="en-US"/>
               <a:t>第三级</a:t>
             </a:r>
+            <a:endParaRPr lang="zh-CN" altLang="en-US"/>
           </a:p>
           <a:p>
             <a:pPr lvl="3"/>
@@ -1366,6 +1344,7 @@
               <a:rPr lang="zh-CN" altLang="en-US"/>
               <a:t>第四级</a:t>
             </a:r>
+            <a:endParaRPr lang="zh-CN" altLang="en-US"/>
           </a:p>
           <a:p>
             <a:pPr lvl="4"/>
@@ -1373,6 +1352,7 @@
               <a:rPr lang="zh-CN" altLang="en-US"/>
               <a:t>第五级</a:t>
             </a:r>
+            <a:endParaRPr lang="zh-CN" altLang="en-US"/>
           </a:p>
         </p:txBody>
       </p:sp>
@@ -1401,7 +1381,6 @@
           <a:p>
             <a:fld id="{530820CF-B880-4189-942D-D702A7CBA730}" type="datetimeFigureOut">
               <a:rPr lang="zh-CN" altLang="en-US" smtClean="0"/>
-              <a:t>2020/12/3</a:t>
             </a:fld>
             <a:endParaRPr lang="zh-CN" altLang="en-US"/>
           </a:p>
@@ -1459,7 +1438,6 @@
           <a:p>
             <a:fld id="{0C913308-F349-4B6D-A68A-DD1791B4A57B}" type="slidenum">
               <a:rPr lang="zh-CN" altLang="en-US" smtClean="0"/>
-              <a:t>‹#›</a:t>
             </a:fld>
             <a:endParaRPr lang="zh-CN" altLang="en-US"/>
           </a:p>
@@ -1517,6 +1495,7 @@
               <a:rPr lang="zh-CN" altLang="en-US"/>
               <a:t>单击此处编辑母版标题样式</a:t>
             </a:r>
+            <a:endParaRPr lang="zh-CN" altLang="en-US"/>
           </a:p>
         </p:txBody>
       </p:sp>
@@ -1545,6 +1524,7 @@
               <a:rPr lang="zh-CN" altLang="en-US"/>
               <a:t>单击此处编辑母版文本样式</a:t>
             </a:r>
+            <a:endParaRPr lang="zh-CN" altLang="en-US"/>
           </a:p>
           <a:p>
             <a:pPr lvl="1"/>
@@ -1552,6 +1532,7 @@
               <a:rPr lang="zh-CN" altLang="en-US"/>
               <a:t>第二级</a:t>
             </a:r>
+            <a:endParaRPr lang="zh-CN" altLang="en-US"/>
           </a:p>
           <a:p>
             <a:pPr lvl="2"/>
@@ -1559,6 +1540,7 @@
               <a:rPr lang="zh-CN" altLang="en-US"/>
               <a:t>第三级</a:t>
             </a:r>
+            <a:endParaRPr lang="zh-CN" altLang="en-US"/>
           </a:p>
           <a:p>
             <a:pPr lvl="3"/>
@@ -1566,6 +1548,7 @@
               <a:rPr lang="zh-CN" altLang="en-US"/>
               <a:t>第四级</a:t>
             </a:r>
+            <a:endParaRPr lang="zh-CN" altLang="en-US"/>
           </a:p>
           <a:p>
             <a:pPr lvl="4"/>
@@ -1573,6 +1556,7 @@
               <a:rPr lang="zh-CN" altLang="en-US"/>
               <a:t>第五级</a:t>
             </a:r>
+            <a:endParaRPr lang="zh-CN" altLang="en-US"/>
           </a:p>
         </p:txBody>
       </p:sp>
@@ -1601,7 +1585,6 @@
           <a:p>
             <a:fld id="{530820CF-B880-4189-942D-D702A7CBA730}" type="datetimeFigureOut">
               <a:rPr lang="zh-CN" altLang="en-US" smtClean="0"/>
-              <a:t>2020/12/3</a:t>
             </a:fld>
             <a:endParaRPr lang="zh-CN" altLang="en-US"/>
           </a:p>
@@ -1659,7 +1642,6 @@
           <a:p>
             <a:fld id="{0C913308-F349-4B6D-A68A-DD1791B4A57B}" type="slidenum">
               <a:rPr lang="zh-CN" altLang="en-US" smtClean="0"/>
-              <a:t>‹#›</a:t>
             </a:fld>
             <a:endParaRPr lang="zh-CN" altLang="en-US"/>
           </a:p>
@@ -1717,6 +1699,7 @@
               <a:rPr lang="zh-CN" altLang="en-US"/>
               <a:t>单击此处编辑母版标题样式</a:t>
             </a:r>
+            <a:endParaRPr lang="zh-CN" altLang="en-US"/>
           </a:p>
         </p:txBody>
       </p:sp>
@@ -1740,6 +1723,7 @@
               <a:rPr lang="zh-CN" altLang="en-US"/>
               <a:t>单击此处编辑母版文本样式</a:t>
             </a:r>
+            <a:endParaRPr lang="zh-CN" altLang="en-US"/>
           </a:p>
           <a:p>
             <a:pPr lvl="1"/>
@@ -1747,6 +1731,7 @@
               <a:rPr lang="zh-CN" altLang="en-US"/>
               <a:t>第二级</a:t>
             </a:r>
+            <a:endParaRPr lang="zh-CN" altLang="en-US"/>
           </a:p>
           <a:p>
             <a:pPr lvl="2"/>
@@ -1754,6 +1739,7 @@
               <a:rPr lang="zh-CN" altLang="en-US"/>
               <a:t>第三级</a:t>
             </a:r>
+            <a:endParaRPr lang="zh-CN" altLang="en-US"/>
           </a:p>
           <a:p>
             <a:pPr lvl="3"/>
@@ -1761,6 +1747,7 @@
               <a:rPr lang="zh-CN" altLang="en-US"/>
               <a:t>第四级</a:t>
             </a:r>
+            <a:endParaRPr lang="zh-CN" altLang="en-US"/>
           </a:p>
           <a:p>
             <a:pPr lvl="4"/>
@@ -1768,6 +1755,7 @@
               <a:rPr lang="zh-CN" altLang="en-US"/>
               <a:t>第五级</a:t>
             </a:r>
+            <a:endParaRPr lang="zh-CN" altLang="en-US"/>
           </a:p>
         </p:txBody>
       </p:sp>
@@ -1796,7 +1784,6 @@
           <a:p>
             <a:fld id="{530820CF-B880-4189-942D-D702A7CBA730}" type="datetimeFigureOut">
               <a:rPr lang="zh-CN" altLang="en-US" smtClean="0"/>
-              <a:t>2020/12/3</a:t>
             </a:fld>
             <a:endParaRPr lang="zh-CN" altLang="en-US"/>
           </a:p>
@@ -1854,7 +1841,6 @@
           <a:p>
             <a:fld id="{0C913308-F349-4B6D-A68A-DD1791B4A57B}" type="slidenum">
               <a:rPr lang="zh-CN" altLang="en-US" smtClean="0"/>
-              <a:t>‹#›</a:t>
             </a:fld>
             <a:endParaRPr lang="zh-CN" altLang="en-US"/>
           </a:p>
@@ -1916,6 +1902,7 @@
               <a:rPr lang="zh-CN" altLang="en-US"/>
               <a:t>单击此处编辑母版标题样式</a:t>
             </a:r>
+            <a:endParaRPr lang="zh-CN" altLang="en-US"/>
           </a:p>
         </p:txBody>
       </p:sp>
@@ -2035,6 +2022,7 @@
               <a:rPr lang="zh-CN" altLang="en-US"/>
               <a:t>单击此处编辑母版文本样式</a:t>
             </a:r>
+            <a:endParaRPr lang="zh-CN" altLang="en-US"/>
           </a:p>
         </p:txBody>
       </p:sp>
@@ -2063,7 +2051,6 @@
           <a:p>
             <a:fld id="{530820CF-B880-4189-942D-D702A7CBA730}" type="datetimeFigureOut">
               <a:rPr lang="zh-CN" altLang="en-US" smtClean="0"/>
-              <a:t>2020/12/3</a:t>
             </a:fld>
             <a:endParaRPr lang="zh-CN" altLang="en-US"/>
           </a:p>
@@ -2121,7 +2108,6 @@
           <a:p>
             <a:fld id="{0C913308-F349-4B6D-A68A-DD1791B4A57B}" type="slidenum">
               <a:rPr lang="zh-CN" altLang="en-US" smtClean="0"/>
-              <a:t>‹#›</a:t>
             </a:fld>
             <a:endParaRPr lang="zh-CN" altLang="en-US"/>
           </a:p>
@@ -2179,6 +2165,7 @@
               <a:rPr lang="zh-CN" altLang="en-US"/>
               <a:t>单击此处编辑母版标题样式</a:t>
             </a:r>
+            <a:endParaRPr lang="zh-CN" altLang="en-US"/>
           </a:p>
         </p:txBody>
       </p:sp>
@@ -2235,6 +2222,7 @@
               <a:rPr lang="zh-CN" altLang="en-US"/>
               <a:t>单击此处编辑母版文本样式</a:t>
             </a:r>
+            <a:endParaRPr lang="zh-CN" altLang="en-US"/>
           </a:p>
           <a:p>
             <a:pPr lvl="1"/>
@@ -2242,6 +2230,7 @@
               <a:rPr lang="zh-CN" altLang="en-US"/>
               <a:t>第二级</a:t>
             </a:r>
+            <a:endParaRPr lang="zh-CN" altLang="en-US"/>
           </a:p>
           <a:p>
             <a:pPr lvl="2"/>
@@ -2249,6 +2238,7 @@
               <a:rPr lang="zh-CN" altLang="en-US"/>
               <a:t>第三级</a:t>
             </a:r>
+            <a:endParaRPr lang="zh-CN" altLang="en-US"/>
           </a:p>
           <a:p>
             <a:pPr lvl="3"/>
@@ -2256,6 +2246,7 @@
               <a:rPr lang="zh-CN" altLang="en-US"/>
               <a:t>第四级</a:t>
             </a:r>
+            <a:endParaRPr lang="zh-CN" altLang="en-US"/>
           </a:p>
           <a:p>
             <a:pPr lvl="4"/>
@@ -2263,6 +2254,7 @@
               <a:rPr lang="zh-CN" altLang="en-US"/>
               <a:t>第五级</a:t>
             </a:r>
+            <a:endParaRPr lang="zh-CN" altLang="en-US"/>
           </a:p>
         </p:txBody>
       </p:sp>
@@ -2319,6 +2311,7 @@
               <a:rPr lang="zh-CN" altLang="en-US"/>
               <a:t>单击此处编辑母版文本样式</a:t>
             </a:r>
+            <a:endParaRPr lang="zh-CN" altLang="en-US"/>
           </a:p>
           <a:p>
             <a:pPr lvl="1"/>
@@ -2326,6 +2319,7 @@
               <a:rPr lang="zh-CN" altLang="en-US"/>
               <a:t>第二级</a:t>
             </a:r>
+            <a:endParaRPr lang="zh-CN" altLang="en-US"/>
           </a:p>
           <a:p>
             <a:pPr lvl="2"/>
@@ -2333,6 +2327,7 @@
               <a:rPr lang="zh-CN" altLang="en-US"/>
               <a:t>第三级</a:t>
             </a:r>
+            <a:endParaRPr lang="zh-CN" altLang="en-US"/>
           </a:p>
           <a:p>
             <a:pPr lvl="3"/>
@@ -2340,6 +2335,7 @@
               <a:rPr lang="zh-CN" altLang="en-US"/>
               <a:t>第四级</a:t>
             </a:r>
+            <a:endParaRPr lang="zh-CN" altLang="en-US"/>
           </a:p>
           <a:p>
             <a:pPr lvl="4"/>
@@ -2347,6 +2343,7 @@
               <a:rPr lang="zh-CN" altLang="en-US"/>
               <a:t>第五级</a:t>
             </a:r>
+            <a:endParaRPr lang="zh-CN" altLang="en-US"/>
           </a:p>
         </p:txBody>
       </p:sp>
@@ -2375,7 +2372,6 @@
           <a:p>
             <a:fld id="{530820CF-B880-4189-942D-D702A7CBA730}" type="datetimeFigureOut">
               <a:rPr lang="zh-CN" altLang="en-US" smtClean="0"/>
-              <a:t>2020/12/3</a:t>
             </a:fld>
             <a:endParaRPr lang="zh-CN" altLang="en-US"/>
           </a:p>
@@ -2433,7 +2429,6 @@
           <a:p>
             <a:fld id="{0C913308-F349-4B6D-A68A-DD1791B4A57B}" type="slidenum">
               <a:rPr lang="zh-CN" altLang="en-US" smtClean="0"/>
-              <a:t>‹#›</a:t>
             </a:fld>
             <a:endParaRPr lang="zh-CN" altLang="en-US"/>
           </a:p>
@@ -2495,6 +2490,7 @@
               <a:rPr lang="zh-CN" altLang="en-US"/>
               <a:t>单击此处编辑母版标题样式</a:t>
             </a:r>
+            <a:endParaRPr lang="zh-CN" altLang="en-US"/>
           </a:p>
         </p:txBody>
       </p:sp>
@@ -2560,6 +2556,7 @@
               <a:rPr lang="zh-CN" altLang="en-US"/>
               <a:t>单击此处编辑母版文本样式</a:t>
             </a:r>
+            <a:endParaRPr lang="zh-CN" altLang="en-US"/>
           </a:p>
         </p:txBody>
       </p:sp>
@@ -2616,6 +2613,7 @@
               <a:rPr lang="zh-CN" altLang="en-US"/>
               <a:t>单击此处编辑母版文本样式</a:t>
             </a:r>
+            <a:endParaRPr lang="zh-CN" altLang="en-US"/>
           </a:p>
           <a:p>
             <a:pPr lvl="1"/>
@@ -2623,6 +2621,7 @@
               <a:rPr lang="zh-CN" altLang="en-US"/>
               <a:t>第二级</a:t>
             </a:r>
+            <a:endParaRPr lang="zh-CN" altLang="en-US"/>
           </a:p>
           <a:p>
             <a:pPr lvl="2"/>
@@ -2630,6 +2629,7 @@
               <a:rPr lang="zh-CN" altLang="en-US"/>
               <a:t>第三级</a:t>
             </a:r>
+            <a:endParaRPr lang="zh-CN" altLang="en-US"/>
           </a:p>
           <a:p>
             <a:pPr lvl="3"/>
@@ -2637,6 +2637,7 @@
               <a:rPr lang="zh-CN" altLang="en-US"/>
               <a:t>第四级</a:t>
             </a:r>
+            <a:endParaRPr lang="zh-CN" altLang="en-US"/>
           </a:p>
           <a:p>
             <a:pPr lvl="4"/>
@@ -2644,6 +2645,7 @@
               <a:rPr lang="zh-CN" altLang="en-US"/>
               <a:t>第五级</a:t>
             </a:r>
+            <a:endParaRPr lang="zh-CN" altLang="en-US"/>
           </a:p>
         </p:txBody>
       </p:sp>
@@ -2709,6 +2711,7 @@
               <a:rPr lang="zh-CN" altLang="en-US"/>
               <a:t>单击此处编辑母版文本样式</a:t>
             </a:r>
+            <a:endParaRPr lang="zh-CN" altLang="en-US"/>
           </a:p>
         </p:txBody>
       </p:sp>
@@ -2765,6 +2768,7 @@
               <a:rPr lang="zh-CN" altLang="en-US"/>
               <a:t>单击此处编辑母版文本样式</a:t>
             </a:r>
+            <a:endParaRPr lang="zh-CN" altLang="en-US"/>
           </a:p>
           <a:p>
             <a:pPr lvl="1"/>
@@ -2772,6 +2776,7 @@
               <a:rPr lang="zh-CN" altLang="en-US"/>
               <a:t>第二级</a:t>
             </a:r>
+            <a:endParaRPr lang="zh-CN" altLang="en-US"/>
           </a:p>
           <a:p>
             <a:pPr lvl="2"/>
@@ -2779,6 +2784,7 @@
               <a:rPr lang="zh-CN" altLang="en-US"/>
               <a:t>第三级</a:t>
             </a:r>
+            <a:endParaRPr lang="zh-CN" altLang="en-US"/>
           </a:p>
           <a:p>
             <a:pPr lvl="3"/>
@@ -2786,6 +2792,7 @@
               <a:rPr lang="zh-CN" altLang="en-US"/>
               <a:t>第四级</a:t>
             </a:r>
+            <a:endParaRPr lang="zh-CN" altLang="en-US"/>
           </a:p>
           <a:p>
             <a:pPr lvl="4"/>
@@ -2793,6 +2800,7 @@
               <a:rPr lang="zh-CN" altLang="en-US"/>
               <a:t>第五级</a:t>
             </a:r>
+            <a:endParaRPr lang="zh-CN" altLang="en-US"/>
           </a:p>
         </p:txBody>
       </p:sp>
@@ -2821,7 +2829,6 @@
           <a:p>
             <a:fld id="{530820CF-B880-4189-942D-D702A7CBA730}" type="datetimeFigureOut">
               <a:rPr lang="zh-CN" altLang="en-US" smtClean="0"/>
-              <a:t>2020/12/3</a:t>
             </a:fld>
             <a:endParaRPr lang="zh-CN" altLang="en-US"/>
           </a:p>
@@ -2879,7 +2886,6 @@
           <a:p>
             <a:fld id="{0C913308-F349-4B6D-A68A-DD1791B4A57B}" type="slidenum">
               <a:rPr lang="zh-CN" altLang="en-US" smtClean="0"/>
-              <a:t>‹#›</a:t>
             </a:fld>
             <a:endParaRPr lang="zh-CN" altLang="en-US"/>
           </a:p>
@@ -2937,6 +2943,7 @@
               <a:rPr lang="zh-CN" altLang="en-US"/>
               <a:t>单击此处编辑母版标题样式</a:t>
             </a:r>
+            <a:endParaRPr lang="zh-CN" altLang="en-US"/>
           </a:p>
         </p:txBody>
       </p:sp>
@@ -2965,7 +2972,6 @@
           <a:p>
             <a:fld id="{530820CF-B880-4189-942D-D702A7CBA730}" type="datetimeFigureOut">
               <a:rPr lang="zh-CN" altLang="en-US" smtClean="0"/>
-              <a:t>2020/12/3</a:t>
             </a:fld>
             <a:endParaRPr lang="zh-CN" altLang="en-US"/>
           </a:p>
@@ -3023,7 +3029,6 @@
           <a:p>
             <a:fld id="{0C913308-F349-4B6D-A68A-DD1791B4A57B}" type="slidenum">
               <a:rPr lang="zh-CN" altLang="en-US" smtClean="0"/>
-              <a:t>‹#›</a:t>
             </a:fld>
             <a:endParaRPr lang="zh-CN" altLang="en-US"/>
           </a:p>
@@ -3110,6 +3115,7 @@
               <a:rPr lang="zh-CN" altLang="en-US"/>
               <a:t>单击此处编辑母版标题样式</a:t>
             </a:r>
+            <a:endParaRPr lang="zh-CN" altLang="en-US"/>
           </a:p>
         </p:txBody>
       </p:sp>
@@ -3166,6 +3172,7 @@
               <a:rPr lang="zh-CN" altLang="en-US"/>
               <a:t>单击此处编辑母版文本样式</a:t>
             </a:r>
+            <a:endParaRPr lang="zh-CN" altLang="en-US"/>
           </a:p>
           <a:p>
             <a:pPr lvl="1"/>
@@ -3173,6 +3180,7 @@
               <a:rPr lang="zh-CN" altLang="en-US"/>
               <a:t>第二级</a:t>
             </a:r>
+            <a:endParaRPr lang="zh-CN" altLang="en-US"/>
           </a:p>
           <a:p>
             <a:pPr lvl="2"/>
@@ -3180,6 +3188,7 @@
               <a:rPr lang="zh-CN" altLang="en-US"/>
               <a:t>第三级</a:t>
             </a:r>
+            <a:endParaRPr lang="zh-CN" altLang="en-US"/>
           </a:p>
           <a:p>
             <a:pPr lvl="3"/>
@@ -3187,6 +3196,7 @@
               <a:rPr lang="zh-CN" altLang="en-US"/>
               <a:t>第四级</a:t>
             </a:r>
+            <a:endParaRPr lang="zh-CN" altLang="en-US"/>
           </a:p>
           <a:p>
             <a:pPr lvl="4"/>
@@ -3194,6 +3204,7 @@
               <a:rPr lang="zh-CN" altLang="en-US"/>
               <a:t>第五级</a:t>
             </a:r>
+            <a:endParaRPr lang="zh-CN" altLang="en-US"/>
           </a:p>
         </p:txBody>
       </p:sp>
@@ -3259,6 +3270,7 @@
               <a:rPr lang="zh-CN" altLang="en-US"/>
               <a:t>单击此处编辑母版文本样式</a:t>
             </a:r>
+            <a:endParaRPr lang="zh-CN" altLang="en-US"/>
           </a:p>
         </p:txBody>
       </p:sp>
@@ -3287,7 +3299,6 @@
           <a:p>
             <a:fld id="{530820CF-B880-4189-942D-D702A7CBA730}" type="datetimeFigureOut">
               <a:rPr lang="zh-CN" altLang="en-US" smtClean="0"/>
-              <a:t>2020/12/3</a:t>
             </a:fld>
             <a:endParaRPr lang="zh-CN" altLang="en-US"/>
           </a:p>
@@ -3345,7 +3356,6 @@
           <a:p>
             <a:fld id="{0C913308-F349-4B6D-A68A-DD1791B4A57B}" type="slidenum">
               <a:rPr lang="zh-CN" altLang="en-US" smtClean="0"/>
-              <a:t>‹#›</a:t>
             </a:fld>
             <a:endParaRPr lang="zh-CN" altLang="en-US"/>
           </a:p>
@@ -3407,6 +3417,7 @@
               <a:rPr lang="zh-CN" altLang="en-US"/>
               <a:t>单击此处编辑母版标题样式</a:t>
             </a:r>
+            <a:endParaRPr lang="zh-CN" altLang="en-US"/>
           </a:p>
         </p:txBody>
       </p:sp>
@@ -3533,6 +3544,7 @@
               <a:rPr lang="zh-CN" altLang="en-US"/>
               <a:t>单击此处编辑母版文本样式</a:t>
             </a:r>
+            <a:endParaRPr lang="zh-CN" altLang="en-US"/>
           </a:p>
         </p:txBody>
       </p:sp>
@@ -3561,7 +3573,6 @@
           <a:p>
             <a:fld id="{530820CF-B880-4189-942D-D702A7CBA730}" type="datetimeFigureOut">
               <a:rPr lang="zh-CN" altLang="en-US" smtClean="0"/>
-              <a:t>2020/12/3</a:t>
             </a:fld>
             <a:endParaRPr lang="zh-CN" altLang="en-US"/>
           </a:p>
@@ -3619,7 +3630,6 @@
           <a:p>
             <a:fld id="{0C913308-F349-4B6D-A68A-DD1791B4A57B}" type="slidenum">
               <a:rPr lang="zh-CN" altLang="en-US" smtClean="0"/>
-              <a:t>‹#›</a:t>
             </a:fld>
             <a:endParaRPr lang="zh-CN" altLang="en-US"/>
           </a:p>
@@ -3688,6 +3698,7 @@
               <a:rPr lang="zh-CN" altLang="en-US" dirty="0"/>
               <a:t>单击此处编辑母版文本样式</a:t>
             </a:r>
+            <a:endParaRPr lang="zh-CN" altLang="en-US" dirty="0"/>
           </a:p>
           <a:p>
             <a:pPr lvl="1"/>
@@ -3695,6 +3706,7 @@
               <a:rPr lang="zh-CN" altLang="en-US" dirty="0"/>
               <a:t>第二级</a:t>
             </a:r>
+            <a:endParaRPr lang="zh-CN" altLang="en-US" dirty="0"/>
           </a:p>
           <a:p>
             <a:pPr lvl="2"/>
@@ -3702,6 +3714,7 @@
               <a:rPr lang="zh-CN" altLang="en-US" dirty="0"/>
               <a:t>第三级</a:t>
             </a:r>
+            <a:endParaRPr lang="zh-CN" altLang="en-US" dirty="0"/>
           </a:p>
           <a:p>
             <a:pPr lvl="3"/>
@@ -3709,6 +3722,7 @@
               <a:rPr lang="zh-CN" altLang="en-US" dirty="0"/>
               <a:t>第四级</a:t>
             </a:r>
+            <a:endParaRPr lang="zh-CN" altLang="en-US" dirty="0"/>
           </a:p>
           <a:p>
             <a:pPr lvl="4"/>
@@ -3716,6 +3730,7 @@
               <a:rPr lang="zh-CN" altLang="en-US" dirty="0"/>
               <a:t>第五级</a:t>
             </a:r>
+            <a:endParaRPr lang="zh-CN" altLang="en-US" dirty="0"/>
           </a:p>
         </p:txBody>
       </p:sp>
@@ -3814,6 +3829,10 @@
               </a:rPr>
               <a:t>年毕业设计开题报告</a:t>
             </a:r>
+            <a:endParaRPr lang="zh-CN" altLang="en-US" sz="1600" dirty="0">
+              <a:latin typeface="微软雅黑" panose="020B0503020204020204" pitchFamily="34" charset="-122"/>
+              <a:ea typeface="微软雅黑" panose="020B0503020204020204" pitchFamily="34" charset="-122"/>
+            </a:endParaRPr>
           </a:p>
         </p:txBody>
       </p:sp>
@@ -3826,7 +3845,7 @@
           <p:nvPr userDrawn="1"/>
         </p:nvPicPr>
         <p:blipFill>
-          <a:blip r:embed="rId13" cstate="print">
+          <a:blip r:embed="rId12" cstate="print">
             <a:clrChange>
               <a:clrFrom>
                 <a:srgbClr val="FFFFFF"/>
@@ -4232,6 +4251,10 @@
               </a:rPr>
               <a:t>建模与参数估计问题研究</a:t>
             </a:r>
+            <a:endParaRPr lang="zh-CN" altLang="en-US" sz="2800" b="1" dirty="0">
+              <a:latin typeface="华康俪金黑W8(P)" pitchFamily="34" charset="-122"/>
+              <a:ea typeface="华康俪金黑W8(P)" pitchFamily="34" charset="-122"/>
+            </a:endParaRPr>
           </a:p>
         </p:txBody>
       </p:sp>
@@ -4438,20 +4461,8 @@
                 <a:tableStyleId>{5C22544A-7EE6-4342-B048-85BDC9FD1C3A}</a:tableStyleId>
               </a:tblPr>
               <a:tblGrid>
-                <a:gridCol w="1884334">
-                  <a:extLst>
-                    <a:ext uri="{9D8B030D-6E8A-4147-A177-3AD203B41FA5}">
-                      <a16:colId xmlns:a16="http://schemas.microsoft.com/office/drawing/2014/main" val="20000"/>
-                    </a:ext>
-                  </a:extLst>
-                </a:gridCol>
-                <a:gridCol w="2708154">
-                  <a:extLst>
-                    <a:ext uri="{9D8B030D-6E8A-4147-A177-3AD203B41FA5}">
-                      <a16:colId xmlns:a16="http://schemas.microsoft.com/office/drawing/2014/main" val="20001"/>
-                    </a:ext>
-                  </a:extLst>
-                </a:gridCol>
+                <a:gridCol w="1884334"/>
+                <a:gridCol w="2708154"/>
               </a:tblGrid>
               <a:tr h="340578">
                 <a:tc>
@@ -4467,6 +4478,10 @@
                         </a:rPr>
                         <a:t>学  院</a:t>
                       </a:r>
+                      <a:endParaRPr lang="zh-CN" altLang="en-US" dirty="0">
+                        <a:latin typeface="微软雅黑" panose="020B0503020204020204" pitchFamily="34" charset="-122"/>
+                        <a:ea typeface="微软雅黑" panose="020B0503020204020204" pitchFamily="34" charset="-122"/>
+                      </a:endParaRPr>
                     </a:p>
                   </a:txBody>
                   <a:tcPr/>
@@ -4519,11 +4534,6 @@
                     <a:noFill/>
                   </a:tcPr>
                 </a:tc>
-                <a:extLst>
-                  <a:ext uri="{0D108BD9-81ED-4DB2-BD59-A6C34878D82A}">
-                    <a16:rowId xmlns:a16="http://schemas.microsoft.com/office/drawing/2014/main" val="10000"/>
-                  </a:ext>
-                </a:extLst>
               </a:tr>
               <a:tr h="340578">
                 <a:tc gridSpan="2">
@@ -4540,20 +4550,8 @@
                   </a:tcPr>
                 </a:tc>
                 <a:tc hMerge="1">
-                  <a:txBody>
-                    <a:bodyPr/>
-                    <a:lstStyle/>
-                    <a:p>
-                      <a:endParaRPr lang="zh-CN"/>
-                    </a:p>
-                  </a:txBody>
                   <a:tcPr/>
                 </a:tc>
-                <a:extLst>
-                  <a:ext uri="{0D108BD9-81ED-4DB2-BD59-A6C34878D82A}">
-                    <a16:rowId xmlns:a16="http://schemas.microsoft.com/office/drawing/2014/main" val="10001"/>
-                  </a:ext>
-                </a:extLst>
               </a:tr>
               <a:tr h="340578">
                 <a:tc>
@@ -4573,6 +4571,14 @@
                         </a:rPr>
                         <a:t>专  业</a:t>
                       </a:r>
+                      <a:endParaRPr lang="zh-CN" altLang="en-US" sz="1800" b="1" kern="1200" dirty="0">
+                        <a:solidFill>
+                          <a:schemeClr val="lt1"/>
+                        </a:solidFill>
+                        <a:latin typeface="微软雅黑" panose="020B0503020204020204" pitchFamily="34" charset="-122"/>
+                        <a:ea typeface="微软雅黑" panose="020B0503020204020204" pitchFamily="34" charset="-122"/>
+                        <a:cs typeface="+mn-cs"/>
+                      </a:endParaRPr>
                     </a:p>
                   </a:txBody>
                   <a:tcPr>
@@ -4597,6 +4603,10 @@
                         </a:rPr>
                         <a:t>控制科学与工程</a:t>
                       </a:r>
+                      <a:endParaRPr lang="zh-CN" altLang="en-US" dirty="0">
+                        <a:latin typeface="微软雅黑" panose="020B0503020204020204" pitchFamily="34" charset="-122"/>
+                        <a:ea typeface="微软雅黑" panose="020B0503020204020204" pitchFamily="34" charset="-122"/>
+                      </a:endParaRPr>
                     </a:p>
                   </a:txBody>
                   <a:tcPr>
@@ -4625,11 +4635,6 @@
                     <a:noFill/>
                   </a:tcPr>
                 </a:tc>
-                <a:extLst>
-                  <a:ext uri="{0D108BD9-81ED-4DB2-BD59-A6C34878D82A}">
-                    <a16:rowId xmlns:a16="http://schemas.microsoft.com/office/drawing/2014/main" val="10002"/>
-                  </a:ext>
-                </a:extLst>
               </a:tr>
               <a:tr h="404805">
                 <a:tc gridSpan="2">
@@ -4646,20 +4651,8 @@
                   </a:tcPr>
                 </a:tc>
                 <a:tc hMerge="1">
-                  <a:txBody>
-                    <a:bodyPr/>
-                    <a:lstStyle/>
-                    <a:p>
-                      <a:endParaRPr lang="zh-CN"/>
-                    </a:p>
-                  </a:txBody>
                   <a:tcPr/>
                 </a:tc>
-                <a:extLst>
-                  <a:ext uri="{0D108BD9-81ED-4DB2-BD59-A6C34878D82A}">
-                    <a16:rowId xmlns:a16="http://schemas.microsoft.com/office/drawing/2014/main" val="10003"/>
-                  </a:ext>
-                </a:extLst>
               </a:tr>
               <a:tr h="340578">
                 <a:tc>
@@ -4678,6 +4671,13 @@
                         </a:rPr>
                         <a:t>学生姓名</a:t>
                       </a:r>
+                      <a:endParaRPr lang="zh-CN" altLang="en-US" b="1" dirty="0">
+                        <a:solidFill>
+                          <a:schemeClr val="bg1"/>
+                        </a:solidFill>
+                        <a:latin typeface="微软雅黑" panose="020B0503020204020204" pitchFamily="34" charset="-122"/>
+                        <a:ea typeface="微软雅黑" panose="020B0503020204020204" pitchFamily="34" charset="-122"/>
+                      </a:endParaRPr>
                     </a:p>
                   </a:txBody>
                   <a:tcPr>
@@ -4702,6 +4702,10 @@
                         </a:rPr>
                         <a:t>杨豪杰</a:t>
                       </a:r>
+                      <a:endParaRPr lang="zh-CN" altLang="en-US" dirty="0">
+                        <a:latin typeface="微软雅黑" panose="020B0503020204020204" pitchFamily="34" charset="-122"/>
+                        <a:ea typeface="微软雅黑" panose="020B0503020204020204" pitchFamily="34" charset="-122"/>
+                      </a:endParaRPr>
                     </a:p>
                   </a:txBody>
                   <a:tcPr>
@@ -4728,11 +4732,6 @@
                     <a:noFill/>
                   </a:tcPr>
                 </a:tc>
-                <a:extLst>
-                  <a:ext uri="{0D108BD9-81ED-4DB2-BD59-A6C34878D82A}">
-                    <a16:rowId xmlns:a16="http://schemas.microsoft.com/office/drawing/2014/main" val="10004"/>
-                  </a:ext>
-                </a:extLst>
               </a:tr>
               <a:tr h="340578">
                 <a:tc>
@@ -4800,11 +4799,6 @@
                     <a:noFill/>
                   </a:tcPr>
                 </a:tc>
-                <a:extLst>
-                  <a:ext uri="{0D108BD9-81ED-4DB2-BD59-A6C34878D82A}">
-                    <a16:rowId xmlns:a16="http://schemas.microsoft.com/office/drawing/2014/main" val="10005"/>
-                  </a:ext>
-                </a:extLst>
               </a:tr>
               <a:tr h="340578">
                 <a:tc>
@@ -4823,6 +4817,13 @@
                         </a:rPr>
                         <a:t>导师</a:t>
                       </a:r>
+                      <a:endParaRPr lang="zh-CN" altLang="en-US" b="1" dirty="0">
+                        <a:solidFill>
+                          <a:schemeClr val="bg1"/>
+                        </a:solidFill>
+                        <a:latin typeface="微软雅黑" panose="020B0503020204020204" pitchFamily="34" charset="-122"/>
+                        <a:ea typeface="微软雅黑" panose="020B0503020204020204" pitchFamily="34" charset="-122"/>
+                      </a:endParaRPr>
                     </a:p>
                   </a:txBody>
                   <a:tcPr>
@@ -4861,6 +4862,10 @@
                         </a:rPr>
                         <a:t>李建宁</a:t>
                       </a:r>
+                      <a:endParaRPr lang="zh-CN" altLang="en-US" dirty="0">
+                        <a:latin typeface="微软雅黑" panose="020B0503020204020204" pitchFamily="34" charset="-122"/>
+                        <a:ea typeface="微软雅黑" panose="020B0503020204020204" pitchFamily="34" charset="-122"/>
+                      </a:endParaRPr>
                     </a:p>
                   </a:txBody>
                   <a:tcPr>
@@ -4892,11 +4897,6 @@
                     <a:noFill/>
                   </a:tcPr>
                 </a:tc>
-                <a:extLst>
-                  <a:ext uri="{0D108BD9-81ED-4DB2-BD59-A6C34878D82A}">
-                    <a16:rowId xmlns:a16="http://schemas.microsoft.com/office/drawing/2014/main" val="10006"/>
-                  </a:ext>
-                </a:extLst>
               </a:tr>
             </a:tbl>
           </a:graphicData>
@@ -4911,7 +4911,7 @@
           <p:nvPr/>
         </p:nvPicPr>
         <p:blipFill>
-          <a:blip r:embed="rId3" cstate="print">
+          <a:blip r:embed="rId1" cstate="print">
             <a:extLst>
               <a:ext uri="{28A0092B-C50C-407E-A947-70E740481C1C}">
                 <a14:useLocalDpi xmlns:a14="http://schemas.microsoft.com/office/drawing/2010/main" val="0"/>
@@ -5688,8 +5688,8 @@
               <a:prstGeom prst="rect">
                 <a:avLst/>
               </a:prstGeom>
-              <a:blipFill>
-                <a:blip r:embed="rId3"/>
+              <a:blipFill rotWithShape="1">
+                <a:blip r:embed="rId1"/>
                 <a:stretch>
                   <a:fillRect l="-1118" t="-2294" r="-1198" b="-3442"/>
                 </a:stretch>
@@ -5705,6 +5705,9 @@
                   </a:rPr>
                   <a:t> </a:t>
                 </a:r>
+                <a:endParaRPr lang="zh-CN" altLang="en-US">
+                  <a:noFill/>
+                </a:endParaRPr>
               </a:p>
             </p:txBody>
           </p:sp>
@@ -5716,13 +5719,7 @@
           <p:cNvGraphicFramePr>
             <a:graphicFrameLocks noGrp="1"/>
           </p:cNvGraphicFramePr>
-          <p:nvPr>
-            <p:extLst>
-              <p:ext uri="{D42A27DB-BD31-4B8C-83A1-F6EECF244321}">
-                <p14:modId xmlns:p14="http://schemas.microsoft.com/office/powerpoint/2010/main" val="2266616302"/>
-              </p:ext>
-            </p:extLst>
-          </p:nvPr>
+          <p:nvPr/>
         </p:nvGraphicFramePr>
         <p:xfrm>
           <a:off x="1847528" y="548680"/>
@@ -5735,34 +5732,10 @@
                 <a:tableStyleId>{5C22544A-7EE6-4342-B048-85BDC9FD1C3A}</a:tableStyleId>
               </a:tblPr>
               <a:tblGrid>
-                <a:gridCol w="2308543">
-                  <a:extLst>
-                    <a:ext uri="{9D8B030D-6E8A-4147-A177-3AD203B41FA5}">
-                      <a16:colId xmlns:a16="http://schemas.microsoft.com/office/drawing/2014/main" val="20000"/>
-                    </a:ext>
-                  </a:extLst>
-                </a:gridCol>
-                <a:gridCol w="1656000">
-                  <a:extLst>
-                    <a:ext uri="{9D8B030D-6E8A-4147-A177-3AD203B41FA5}">
-                      <a16:colId xmlns:a16="http://schemas.microsoft.com/office/drawing/2014/main" val="20001"/>
-                    </a:ext>
-                  </a:extLst>
-                </a:gridCol>
-                <a:gridCol w="1656000">
-                  <a:extLst>
-                    <a:ext uri="{9D8B030D-6E8A-4147-A177-3AD203B41FA5}">
-                      <a16:colId xmlns:a16="http://schemas.microsoft.com/office/drawing/2014/main" val="20002"/>
-                    </a:ext>
-                  </a:extLst>
-                </a:gridCol>
-                <a:gridCol w="1656000">
-                  <a:extLst>
-                    <a:ext uri="{9D8B030D-6E8A-4147-A177-3AD203B41FA5}">
-                      <a16:colId xmlns:a16="http://schemas.microsoft.com/office/drawing/2014/main" val="20003"/>
-                    </a:ext>
-                  </a:extLst>
-                </a:gridCol>
+                <a:gridCol w="2308543"/>
+                <a:gridCol w="1656000"/>
+                <a:gridCol w="1656000"/>
+                <a:gridCol w="1656000"/>
               </a:tblGrid>
               <a:tr h="497601">
                 <a:tc>
@@ -5783,6 +5756,15 @@
                         </a:rPr>
                         <a:t>背景介绍及研究意义</a:t>
                       </a:r>
+                      <a:endParaRPr lang="zh-CN" altLang="en-US" b="0" dirty="0">
+                        <a:solidFill>
+                          <a:schemeClr val="accent1">
+                            <a:lumMod val="75000"/>
+                          </a:schemeClr>
+                        </a:solidFill>
+                        <a:latin typeface="微软雅黑" panose="020B0503020204020204" pitchFamily="34" charset="-122"/>
+                        <a:ea typeface="微软雅黑" panose="020B0503020204020204" pitchFamily="34" charset="-122"/>
+                      </a:endParaRPr>
                     </a:p>
                   </a:txBody>
                   <a:tcPr anchor="b">
@@ -5864,6 +5846,13 @@
                         </a:rPr>
                         <a:t>研究内容</a:t>
                       </a:r>
+                      <a:endParaRPr lang="zh-CN" altLang="en-US" b="1" dirty="0">
+                        <a:solidFill>
+                          <a:schemeClr val="bg1"/>
+                        </a:solidFill>
+                        <a:latin typeface="微软雅黑" panose="020B0503020204020204" pitchFamily="34" charset="-122"/>
+                        <a:ea typeface="微软雅黑" panose="020B0503020204020204" pitchFamily="34" charset="-122"/>
+                      </a:endParaRPr>
                     </a:p>
                   </a:txBody>
                   <a:tcPr anchor="ctr">
@@ -5949,6 +5938,15 @@
                         </a:rPr>
                         <a:t>研究计划</a:t>
                       </a:r>
+                      <a:endParaRPr lang="zh-CN" altLang="en-US" b="0" dirty="0">
+                        <a:solidFill>
+                          <a:schemeClr val="accent1">
+                            <a:lumMod val="75000"/>
+                          </a:schemeClr>
+                        </a:solidFill>
+                        <a:latin typeface="微软雅黑" panose="020B0503020204020204" pitchFamily="34" charset="-122"/>
+                        <a:ea typeface="微软雅黑" panose="020B0503020204020204" pitchFamily="34" charset="-122"/>
+                      </a:endParaRPr>
                     </a:p>
                   </a:txBody>
                   <a:tcPr anchor="b">
@@ -6032,6 +6030,15 @@
                         </a:rPr>
                         <a:t>研究进展</a:t>
                       </a:r>
+                      <a:endParaRPr lang="zh-CN" altLang="en-US" b="0" dirty="0">
+                        <a:solidFill>
+                          <a:schemeClr val="accent1">
+                            <a:lumMod val="75000"/>
+                          </a:schemeClr>
+                        </a:solidFill>
+                        <a:latin typeface="微软雅黑" panose="020B0503020204020204" pitchFamily="34" charset="-122"/>
+                        <a:ea typeface="微软雅黑" panose="020B0503020204020204" pitchFamily="34" charset="-122"/>
+                      </a:endParaRPr>
                     </a:p>
                   </a:txBody>
                   <a:tcPr anchor="b">
@@ -6082,11 +6089,6 @@
                     <a:noFill/>
                   </a:tcPr>
                 </a:tc>
-                <a:extLst>
-                  <a:ext uri="{0D108BD9-81ED-4DB2-BD59-A6C34878D82A}">
-                    <a16:rowId xmlns:a16="http://schemas.microsoft.com/office/drawing/2014/main" val="10000"/>
-                  </a:ext>
-                </a:extLst>
               </a:tr>
               <a:tr h="164799">
                 <a:tc>
@@ -6157,13 +6159,6 @@
                   </a:tcPr>
                 </a:tc>
                 <a:tc vMerge="1">
-                  <a:txBody>
-                    <a:bodyPr/>
-                    <a:lstStyle/>
-                    <a:p>
-                      <a:endParaRPr lang="zh-CN"/>
-                    </a:p>
-                  </a:txBody>
                   <a:tcPr anchor="ctr">
                     <a:lnL w="57150" cap="flat" cmpd="sng" algn="ctr">
                       <a:solidFill>
@@ -6348,11 +6343,6 @@
                     </a:solidFill>
                   </a:tcPr>
                 </a:tc>
-                <a:extLst>
-                  <a:ext uri="{0D108BD9-81ED-4DB2-BD59-A6C34878D82A}">
-                    <a16:rowId xmlns:a16="http://schemas.microsoft.com/office/drawing/2014/main" val="10001"/>
-                  </a:ext>
-                </a:extLst>
               </a:tr>
             </a:tbl>
           </a:graphicData>
@@ -6562,34 +6552,10 @@
                 <a:tableStyleId>{5C22544A-7EE6-4342-B048-85BDC9FD1C3A}</a:tableStyleId>
               </a:tblPr>
               <a:tblGrid>
-                <a:gridCol w="2308543">
-                  <a:extLst>
-                    <a:ext uri="{9D8B030D-6E8A-4147-A177-3AD203B41FA5}">
-                      <a16:colId xmlns:a16="http://schemas.microsoft.com/office/drawing/2014/main" val="20000"/>
-                    </a:ext>
-                  </a:extLst>
-                </a:gridCol>
-                <a:gridCol w="1656000">
-                  <a:extLst>
-                    <a:ext uri="{9D8B030D-6E8A-4147-A177-3AD203B41FA5}">
-                      <a16:colId xmlns:a16="http://schemas.microsoft.com/office/drawing/2014/main" val="20001"/>
-                    </a:ext>
-                  </a:extLst>
-                </a:gridCol>
-                <a:gridCol w="1656000">
-                  <a:extLst>
-                    <a:ext uri="{9D8B030D-6E8A-4147-A177-3AD203B41FA5}">
-                      <a16:colId xmlns:a16="http://schemas.microsoft.com/office/drawing/2014/main" val="20002"/>
-                    </a:ext>
-                  </a:extLst>
-                </a:gridCol>
-                <a:gridCol w="1656000">
-                  <a:extLst>
-                    <a:ext uri="{9D8B030D-6E8A-4147-A177-3AD203B41FA5}">
-                      <a16:colId xmlns:a16="http://schemas.microsoft.com/office/drawing/2014/main" val="20003"/>
-                    </a:ext>
-                  </a:extLst>
-                </a:gridCol>
+                <a:gridCol w="2308543"/>
+                <a:gridCol w="1656000"/>
+                <a:gridCol w="1656000"/>
+                <a:gridCol w="1656000"/>
               </a:tblGrid>
               <a:tr h="497601">
                 <a:tc>
@@ -6610,6 +6576,15 @@
                         </a:rPr>
                         <a:t>背景介绍及研究意义</a:t>
                       </a:r>
+                      <a:endParaRPr lang="zh-CN" altLang="en-US" b="0" dirty="0">
+                        <a:solidFill>
+                          <a:schemeClr val="accent1">
+                            <a:lumMod val="75000"/>
+                          </a:schemeClr>
+                        </a:solidFill>
+                        <a:latin typeface="微软雅黑" panose="020B0503020204020204" pitchFamily="34" charset="-122"/>
+                        <a:ea typeface="微软雅黑" panose="020B0503020204020204" pitchFamily="34" charset="-122"/>
+                      </a:endParaRPr>
                     </a:p>
                   </a:txBody>
                   <a:tcPr anchor="b">
@@ -6691,6 +6666,13 @@
                         </a:rPr>
                         <a:t>研究内容</a:t>
                       </a:r>
+                      <a:endParaRPr lang="zh-CN" altLang="en-US" b="1" dirty="0">
+                        <a:solidFill>
+                          <a:schemeClr val="bg1"/>
+                        </a:solidFill>
+                        <a:latin typeface="微软雅黑" panose="020B0503020204020204" pitchFamily="34" charset="-122"/>
+                        <a:ea typeface="微软雅黑" panose="020B0503020204020204" pitchFamily="34" charset="-122"/>
+                      </a:endParaRPr>
                     </a:p>
                   </a:txBody>
                   <a:tcPr anchor="ctr">
@@ -6776,6 +6758,15 @@
                         </a:rPr>
                         <a:t>研究计划</a:t>
                       </a:r>
+                      <a:endParaRPr lang="zh-CN" altLang="en-US" b="0" dirty="0">
+                        <a:solidFill>
+                          <a:schemeClr val="accent1">
+                            <a:lumMod val="75000"/>
+                          </a:schemeClr>
+                        </a:solidFill>
+                        <a:latin typeface="微软雅黑" panose="020B0503020204020204" pitchFamily="34" charset="-122"/>
+                        <a:ea typeface="微软雅黑" panose="020B0503020204020204" pitchFamily="34" charset="-122"/>
+                      </a:endParaRPr>
                     </a:p>
                   </a:txBody>
                   <a:tcPr anchor="b">
@@ -6859,6 +6850,15 @@
                         </a:rPr>
                         <a:t>研究进展</a:t>
                       </a:r>
+                      <a:endParaRPr lang="zh-CN" altLang="en-US" b="0" dirty="0">
+                        <a:solidFill>
+                          <a:schemeClr val="accent1">
+                            <a:lumMod val="75000"/>
+                          </a:schemeClr>
+                        </a:solidFill>
+                        <a:latin typeface="微软雅黑" panose="020B0503020204020204" pitchFamily="34" charset="-122"/>
+                        <a:ea typeface="微软雅黑" panose="020B0503020204020204" pitchFamily="34" charset="-122"/>
+                      </a:endParaRPr>
                     </a:p>
                   </a:txBody>
                   <a:tcPr anchor="b">
@@ -6909,11 +6909,6 @@
                     <a:noFill/>
                   </a:tcPr>
                 </a:tc>
-                <a:extLst>
-                  <a:ext uri="{0D108BD9-81ED-4DB2-BD59-A6C34878D82A}">
-                    <a16:rowId xmlns:a16="http://schemas.microsoft.com/office/drawing/2014/main" val="10000"/>
-                  </a:ext>
-                </a:extLst>
               </a:tr>
               <a:tr h="164799">
                 <a:tc>
@@ -6984,13 +6979,6 @@
                   </a:tcPr>
                 </a:tc>
                 <a:tc vMerge="1">
-                  <a:txBody>
-                    <a:bodyPr/>
-                    <a:lstStyle/>
-                    <a:p>
-                      <a:endParaRPr lang="zh-CN"/>
-                    </a:p>
-                  </a:txBody>
                   <a:tcPr anchor="ctr">
                     <a:lnL w="57150" cap="flat" cmpd="sng" algn="ctr">
                       <a:solidFill>
@@ -7175,11 +7163,6 @@
                     </a:solidFill>
                   </a:tcPr>
                 </a:tc>
-                <a:extLst>
-                  <a:ext uri="{0D108BD9-81ED-4DB2-BD59-A6C34878D82A}">
-                    <a16:rowId xmlns:a16="http://schemas.microsoft.com/office/drawing/2014/main" val="10001"/>
-                  </a:ext>
-                </a:extLst>
               </a:tr>
             </a:tbl>
           </a:graphicData>
@@ -7272,7 +7255,7 @@
           <p:nvPr/>
         </p:nvPicPr>
         <p:blipFill>
-          <a:blip r:embed="rId3"/>
+          <a:blip r:embed="rId1"/>
           <a:stretch>
             <a:fillRect/>
           </a:stretch>
@@ -7296,7 +7279,7 @@
           <p:nvPr/>
         </p:nvPicPr>
         <p:blipFill>
-          <a:blip r:embed="rId4"/>
+          <a:blip r:embed="rId2"/>
           <a:stretch>
             <a:fillRect/>
           </a:stretch>
@@ -7355,34 +7338,10 @@
                 <a:tableStyleId>{5C22544A-7EE6-4342-B048-85BDC9FD1C3A}</a:tableStyleId>
               </a:tblPr>
               <a:tblGrid>
-                <a:gridCol w="2441580">
-                  <a:extLst>
-                    <a:ext uri="{9D8B030D-6E8A-4147-A177-3AD203B41FA5}">
-                      <a16:colId xmlns:a16="http://schemas.microsoft.com/office/drawing/2014/main" val="20000"/>
-                    </a:ext>
-                  </a:extLst>
-                </a:gridCol>
-                <a:gridCol w="1181007">
-                  <a:extLst>
-                    <a:ext uri="{9D8B030D-6E8A-4147-A177-3AD203B41FA5}">
-                      <a16:colId xmlns:a16="http://schemas.microsoft.com/office/drawing/2014/main" val="20001"/>
-                    </a:ext>
-                  </a:extLst>
-                </a:gridCol>
-                <a:gridCol w="1811294">
-                  <a:extLst>
-                    <a:ext uri="{9D8B030D-6E8A-4147-A177-3AD203B41FA5}">
-                      <a16:colId xmlns:a16="http://schemas.microsoft.com/office/drawing/2014/main" val="20002"/>
-                    </a:ext>
-                  </a:extLst>
-                </a:gridCol>
-                <a:gridCol w="1811294">
-                  <a:extLst>
-                    <a:ext uri="{9D8B030D-6E8A-4147-A177-3AD203B41FA5}">
-                      <a16:colId xmlns:a16="http://schemas.microsoft.com/office/drawing/2014/main" val="20003"/>
-                    </a:ext>
-                  </a:extLst>
-                </a:gridCol>
+                <a:gridCol w="2441580"/>
+                <a:gridCol w="1181007"/>
+                <a:gridCol w="1811294"/>
+                <a:gridCol w="1811294"/>
               </a:tblGrid>
               <a:tr h="497601">
                 <a:tc>
@@ -7418,6 +7377,15 @@
                         </a:rPr>
                         <a:t>背景介绍及研究意义</a:t>
                       </a:r>
+                      <a:endParaRPr lang="zh-CN" altLang="en-US" b="0" dirty="0">
+                        <a:solidFill>
+                          <a:schemeClr val="accent1">
+                            <a:lumMod val="75000"/>
+                          </a:schemeClr>
+                        </a:solidFill>
+                        <a:latin typeface="微软雅黑" panose="020B0503020204020204" pitchFamily="34" charset="-122"/>
+                        <a:ea typeface="微软雅黑" panose="020B0503020204020204" pitchFamily="34" charset="-122"/>
+                      </a:endParaRPr>
                     </a:p>
                   </a:txBody>
                   <a:tcPr anchor="b">
@@ -7486,6 +7454,15 @@
                         </a:rPr>
                         <a:t>研究方法</a:t>
                       </a:r>
+                      <a:endParaRPr lang="zh-CN" altLang="en-US" b="0" dirty="0">
+                        <a:solidFill>
+                          <a:schemeClr val="accent1">
+                            <a:lumMod val="75000"/>
+                          </a:schemeClr>
+                        </a:solidFill>
+                        <a:latin typeface="微软雅黑" panose="020B0503020204020204" pitchFamily="34" charset="-122"/>
+                        <a:ea typeface="微软雅黑" panose="020B0503020204020204" pitchFamily="34" charset="-122"/>
+                      </a:endParaRPr>
                     </a:p>
                   </a:txBody>
                   <a:tcPr anchor="b">
@@ -7567,6 +7544,13 @@
                         </a:rPr>
                         <a:t>研究计划</a:t>
                       </a:r>
+                      <a:endParaRPr lang="zh-CN" altLang="en-US" b="1" dirty="0">
+                        <a:solidFill>
+                          <a:schemeClr val="bg1"/>
+                        </a:solidFill>
+                        <a:latin typeface="微软雅黑" panose="020B0503020204020204" pitchFamily="34" charset="-122"/>
+                        <a:ea typeface="微软雅黑" panose="020B0503020204020204" pitchFamily="34" charset="-122"/>
+                      </a:endParaRPr>
                     </a:p>
                   </a:txBody>
                   <a:tcPr anchor="ctr">
@@ -7652,6 +7636,15 @@
                         </a:rPr>
                         <a:t>研究进展</a:t>
                       </a:r>
+                      <a:endParaRPr lang="zh-CN" altLang="en-US" b="0" dirty="0">
+                        <a:solidFill>
+                          <a:schemeClr val="accent1">
+                            <a:lumMod val="75000"/>
+                          </a:schemeClr>
+                        </a:solidFill>
+                        <a:latin typeface="微软雅黑" panose="020B0503020204020204" pitchFamily="34" charset="-122"/>
+                        <a:ea typeface="微软雅黑" panose="020B0503020204020204" pitchFamily="34" charset="-122"/>
+                      </a:endParaRPr>
                     </a:p>
                   </a:txBody>
                   <a:tcPr anchor="b">
@@ -7702,11 +7695,6 @@
                     <a:noFill/>
                   </a:tcPr>
                 </a:tc>
-                <a:extLst>
-                  <a:ext uri="{0D108BD9-81ED-4DB2-BD59-A6C34878D82A}">
-                    <a16:rowId xmlns:a16="http://schemas.microsoft.com/office/drawing/2014/main" val="10000"/>
-                  </a:ext>
-                </a:extLst>
               </a:tr>
               <a:tr h="164799">
                 <a:tc>
@@ -7844,13 +7832,6 @@
                   </a:tcPr>
                 </a:tc>
                 <a:tc vMerge="1">
-                  <a:txBody>
-                    <a:bodyPr/>
-                    <a:lstStyle/>
-                    <a:p>
-                      <a:endParaRPr lang="zh-CN"/>
-                    </a:p>
-                  </a:txBody>
                   <a:tcPr anchor="ctr">
                     <a:lnL w="57150" cap="flat" cmpd="sng" algn="ctr">
                       <a:solidFill>
@@ -7968,11 +7949,6 @@
                     </a:solidFill>
                   </a:tcPr>
                 </a:tc>
-                <a:extLst>
-                  <a:ext uri="{0D108BD9-81ED-4DB2-BD59-A6C34878D82A}">
-                    <a16:rowId xmlns:a16="http://schemas.microsoft.com/office/drawing/2014/main" val="10001"/>
-                  </a:ext>
-                </a:extLst>
               </a:tr>
             </a:tbl>
           </a:graphicData>
@@ -8019,6 +7995,22 @@
               </a:rPr>
               <a:t>时间阶段：</a:t>
             </a:r>
+            <a:endParaRPr lang="zh-CN" altLang="en-US" sz="2000" b="1" dirty="0">
+              <a:solidFill>
+                <a:schemeClr val="accent1">
+                  <a:lumMod val="75000"/>
+                </a:schemeClr>
+              </a:solidFill>
+              <a:effectLst>
+                <a:outerShdw blurRad="38100" dist="38100" dir="2700000" algn="tl">
+                  <a:srgbClr val="000000">
+                    <a:alpha val="43137"/>
+                  </a:srgbClr>
+                </a:outerShdw>
+              </a:effectLst>
+              <a:latin typeface="微软雅黑" panose="020B0503020204020204" pitchFamily="34" charset="-122"/>
+              <a:ea typeface="微软雅黑" panose="020B0503020204020204" pitchFamily="34" charset="-122"/>
+            </a:endParaRPr>
           </a:p>
         </p:txBody>
       </p:sp>
@@ -8979,6 +8971,13 @@
               </a:rPr>
               <a:t>进行前期的预研工作</a:t>
             </a:r>
+            <a:endParaRPr lang="zh-CN" altLang="en-US" sz="1600" dirty="0">
+              <a:solidFill>
+                <a:srgbClr val="000000"/>
+              </a:solidFill>
+              <a:latin typeface="华文新魏" pitchFamily="2" charset="-122"/>
+              <a:ea typeface="华文新魏" pitchFamily="2" charset="-122"/>
+            </a:endParaRPr>
           </a:p>
         </p:txBody>
       </p:sp>
@@ -9064,6 +9063,15 @@
               </a:rPr>
               <a:t>-</a:t>
             </a:r>
+            <a:endParaRPr lang="en-US" altLang="zh-CN" b="1" dirty="0">
+              <a:solidFill>
+                <a:schemeClr val="accent1">
+                  <a:lumMod val="75000"/>
+                </a:schemeClr>
+              </a:solidFill>
+              <a:latin typeface="微软雅黑" panose="020B0503020204020204" pitchFamily="34" charset="-122"/>
+              <a:ea typeface="微软雅黑" panose="020B0503020204020204" pitchFamily="34" charset="-122"/>
+            </a:endParaRPr>
           </a:p>
           <a:p>
             <a:r>
@@ -9114,6 +9122,15 @@
               </a:rPr>
               <a:t>月</a:t>
             </a:r>
+            <a:endParaRPr lang="zh-CN" altLang="en-US" b="1" dirty="0">
+              <a:solidFill>
+                <a:schemeClr val="accent1">
+                  <a:lumMod val="75000"/>
+                </a:schemeClr>
+              </a:solidFill>
+              <a:latin typeface="微软雅黑" panose="020B0503020204020204" pitchFamily="34" charset="-122"/>
+              <a:ea typeface="微软雅黑" panose="020B0503020204020204" pitchFamily="34" charset="-122"/>
+            </a:endParaRPr>
           </a:p>
         </p:txBody>
       </p:sp>
@@ -9263,6 +9280,15 @@
               </a:rPr>
               <a:t>-</a:t>
             </a:r>
+            <a:endParaRPr lang="en-US" altLang="zh-CN" b="1" dirty="0">
+              <a:solidFill>
+                <a:schemeClr val="accent1">
+                  <a:lumMod val="75000"/>
+                </a:schemeClr>
+              </a:solidFill>
+              <a:latin typeface="微软雅黑" panose="020B0503020204020204" pitchFamily="34" charset="-122"/>
+              <a:ea typeface="微软雅黑" panose="020B0503020204020204" pitchFamily="34" charset="-122"/>
+            </a:endParaRPr>
           </a:p>
           <a:p>
             <a:r>
@@ -9313,6 +9339,15 @@
               </a:rPr>
               <a:t>月</a:t>
             </a:r>
+            <a:endParaRPr lang="zh-CN" altLang="en-US" b="1" dirty="0">
+              <a:solidFill>
+                <a:schemeClr val="accent1">
+                  <a:lumMod val="75000"/>
+                </a:schemeClr>
+              </a:solidFill>
+              <a:latin typeface="微软雅黑" panose="020B0503020204020204" pitchFamily="34" charset="-122"/>
+              <a:ea typeface="微软雅黑" panose="020B0503020204020204" pitchFamily="34" charset="-122"/>
+            </a:endParaRPr>
           </a:p>
         </p:txBody>
       </p:sp>
@@ -9373,6 +9408,13 @@
               </a:rPr>
               <a:t>部分</a:t>
             </a:r>
+            <a:endParaRPr lang="zh-CN" altLang="en-US" sz="1600" dirty="0">
+              <a:solidFill>
+                <a:srgbClr val="000000"/>
+              </a:solidFill>
+              <a:latin typeface="华文新魏" pitchFamily="2" charset="-122"/>
+              <a:ea typeface="华文新魏" pitchFamily="2" charset="-122"/>
+            </a:endParaRPr>
           </a:p>
         </p:txBody>
       </p:sp>
@@ -9458,6 +9500,15 @@
               </a:rPr>
               <a:t>-</a:t>
             </a:r>
+            <a:endParaRPr lang="en-US" altLang="zh-CN" b="1" dirty="0">
+              <a:solidFill>
+                <a:schemeClr val="accent1">
+                  <a:lumMod val="75000"/>
+                </a:schemeClr>
+              </a:solidFill>
+              <a:latin typeface="微软雅黑" panose="020B0503020204020204" pitchFamily="34" charset="-122"/>
+              <a:ea typeface="微软雅黑" panose="020B0503020204020204" pitchFamily="34" charset="-122"/>
+            </a:endParaRPr>
           </a:p>
           <a:p>
             <a:r>
@@ -9508,6 +9559,15 @@
               </a:rPr>
               <a:t>月</a:t>
             </a:r>
+            <a:endParaRPr lang="zh-CN" altLang="en-US" b="1" dirty="0">
+              <a:solidFill>
+                <a:schemeClr val="accent1">
+                  <a:lumMod val="75000"/>
+                </a:schemeClr>
+              </a:solidFill>
+              <a:latin typeface="微软雅黑" panose="020B0503020204020204" pitchFamily="34" charset="-122"/>
+              <a:ea typeface="微软雅黑" panose="020B0503020204020204" pitchFamily="34" charset="-122"/>
+            </a:endParaRPr>
           </a:p>
         </p:txBody>
       </p:sp>
@@ -9569,6 +9629,13 @@
               </a:rPr>
               <a:t>部分</a:t>
             </a:r>
+            <a:endParaRPr lang="zh-CN" altLang="en-US" sz="1600" dirty="0">
+              <a:solidFill>
+                <a:srgbClr val="000000"/>
+              </a:solidFill>
+              <a:latin typeface="华文新魏" pitchFamily="2" charset="-122"/>
+              <a:ea typeface="华文新魏" pitchFamily="2" charset="-122"/>
+            </a:endParaRPr>
           </a:p>
         </p:txBody>
       </p:sp>
@@ -9654,6 +9721,15 @@
               </a:rPr>
               <a:t>-</a:t>
             </a:r>
+            <a:endParaRPr lang="en-US" altLang="zh-CN" b="1" dirty="0">
+              <a:solidFill>
+                <a:schemeClr val="accent1">
+                  <a:lumMod val="75000"/>
+                </a:schemeClr>
+              </a:solidFill>
+              <a:latin typeface="微软雅黑" panose="020B0503020204020204" pitchFamily="34" charset="-122"/>
+              <a:ea typeface="微软雅黑" panose="020B0503020204020204" pitchFamily="34" charset="-122"/>
+            </a:endParaRPr>
           </a:p>
           <a:p>
             <a:r>
@@ -9704,6 +9780,15 @@
               </a:rPr>
               <a:t>月</a:t>
             </a:r>
+            <a:endParaRPr lang="zh-CN" altLang="en-US" b="1" dirty="0">
+              <a:solidFill>
+                <a:schemeClr val="accent1">
+                  <a:lumMod val="75000"/>
+                </a:schemeClr>
+              </a:solidFill>
+              <a:latin typeface="微软雅黑" panose="020B0503020204020204" pitchFamily="34" charset="-122"/>
+              <a:ea typeface="微软雅黑" panose="020B0503020204020204" pitchFamily="34" charset="-122"/>
+            </a:endParaRPr>
           </a:p>
         </p:txBody>
       </p:sp>
@@ -10001,6 +10086,15 @@
               </a:rPr>
               <a:t>-</a:t>
             </a:r>
+            <a:endParaRPr lang="en-US" altLang="zh-CN" b="1" dirty="0">
+              <a:solidFill>
+                <a:schemeClr val="accent1">
+                  <a:lumMod val="75000"/>
+                </a:schemeClr>
+              </a:solidFill>
+              <a:latin typeface="微软雅黑" panose="020B0503020204020204" pitchFamily="34" charset="-122"/>
+              <a:ea typeface="微软雅黑" panose="020B0503020204020204" pitchFamily="34" charset="-122"/>
+            </a:endParaRPr>
           </a:p>
           <a:p>
             <a:r>
@@ -10051,6 +10145,15 @@
               </a:rPr>
               <a:t>月</a:t>
             </a:r>
+            <a:endParaRPr lang="zh-CN" altLang="en-US" b="1" dirty="0">
+              <a:solidFill>
+                <a:schemeClr val="accent1">
+                  <a:lumMod val="75000"/>
+                </a:schemeClr>
+              </a:solidFill>
+              <a:latin typeface="微软雅黑" panose="020B0503020204020204" pitchFamily="34" charset="-122"/>
+              <a:ea typeface="微软雅黑" panose="020B0503020204020204" pitchFamily="34" charset="-122"/>
+            </a:endParaRPr>
           </a:p>
         </p:txBody>
       </p:sp>
@@ -10092,6 +10195,13 @@
               </a:rPr>
               <a:t>撰写硕士毕业论文</a:t>
             </a:r>
+            <a:endParaRPr lang="zh-CN" altLang="en-US" sz="1600" dirty="0">
+              <a:solidFill>
+                <a:srgbClr val="000000"/>
+              </a:solidFill>
+              <a:latin typeface="华文新魏" pitchFamily="2" charset="-122"/>
+              <a:ea typeface="华文新魏" pitchFamily="2" charset="-122"/>
+            </a:endParaRPr>
           </a:p>
         </p:txBody>
       </p:sp>
@@ -10139,34 +10249,10 @@
                 <a:tableStyleId>{5C22544A-7EE6-4342-B048-85BDC9FD1C3A}</a:tableStyleId>
               </a:tblPr>
               <a:tblGrid>
-                <a:gridCol w="2376264">
-                  <a:extLst>
-                    <a:ext uri="{9D8B030D-6E8A-4147-A177-3AD203B41FA5}">
-                      <a16:colId xmlns:a16="http://schemas.microsoft.com/office/drawing/2014/main" val="20000"/>
-                    </a:ext>
-                  </a:extLst>
-                </a:gridCol>
-                <a:gridCol w="1656184">
-                  <a:extLst>
-                    <a:ext uri="{9D8B030D-6E8A-4147-A177-3AD203B41FA5}">
-                      <a16:colId xmlns:a16="http://schemas.microsoft.com/office/drawing/2014/main" val="20001"/>
-                    </a:ext>
-                  </a:extLst>
-                </a:gridCol>
-                <a:gridCol w="1692188">
-                  <a:extLst>
-                    <a:ext uri="{9D8B030D-6E8A-4147-A177-3AD203B41FA5}">
-                      <a16:colId xmlns:a16="http://schemas.microsoft.com/office/drawing/2014/main" val="20002"/>
-                    </a:ext>
-                  </a:extLst>
-                </a:gridCol>
-                <a:gridCol w="1908212">
-                  <a:extLst>
-                    <a:ext uri="{9D8B030D-6E8A-4147-A177-3AD203B41FA5}">
-                      <a16:colId xmlns:a16="http://schemas.microsoft.com/office/drawing/2014/main" val="20003"/>
-                    </a:ext>
-                  </a:extLst>
-                </a:gridCol>
+                <a:gridCol w="2376264"/>
+                <a:gridCol w="1656184"/>
+                <a:gridCol w="1692188"/>
+                <a:gridCol w="1908212"/>
               </a:tblGrid>
               <a:tr h="497601">
                 <a:tc>
@@ -10187,6 +10273,15 @@
                         </a:rPr>
                         <a:t>背景介绍及研究意义</a:t>
                       </a:r>
+                      <a:endParaRPr lang="zh-CN" altLang="en-US" b="0" dirty="0">
+                        <a:solidFill>
+                          <a:schemeClr val="accent1">
+                            <a:lumMod val="75000"/>
+                          </a:schemeClr>
+                        </a:solidFill>
+                        <a:latin typeface="微软雅黑" panose="020B0503020204020204" pitchFamily="34" charset="-122"/>
+                        <a:ea typeface="微软雅黑" panose="020B0503020204020204" pitchFamily="34" charset="-122"/>
+                      </a:endParaRPr>
                     </a:p>
                   </a:txBody>
                   <a:tcPr anchor="b">
@@ -10270,6 +10365,15 @@
                         </a:rPr>
                         <a:t>研究计划</a:t>
                       </a:r>
+                      <a:endParaRPr lang="zh-CN" altLang="en-US" b="0" dirty="0">
+                        <a:solidFill>
+                          <a:schemeClr val="accent1">
+                            <a:lumMod val="75000"/>
+                          </a:schemeClr>
+                        </a:solidFill>
+                        <a:latin typeface="微软雅黑" panose="020B0503020204020204" pitchFamily="34" charset="-122"/>
+                        <a:ea typeface="微软雅黑" panose="020B0503020204020204" pitchFamily="34" charset="-122"/>
+                      </a:endParaRPr>
                     </a:p>
                   </a:txBody>
                   <a:tcPr anchor="b">
@@ -10353,6 +10457,15 @@
                         </a:rPr>
                         <a:t>论文计划</a:t>
                       </a:r>
+                      <a:endParaRPr lang="zh-CN" altLang="en-US" b="0" dirty="0">
+                        <a:solidFill>
+                          <a:schemeClr val="accent1">
+                            <a:lumMod val="75000"/>
+                          </a:schemeClr>
+                        </a:solidFill>
+                        <a:latin typeface="微软雅黑" panose="020B0503020204020204" pitchFamily="34" charset="-122"/>
+                        <a:ea typeface="微软雅黑" panose="020B0503020204020204" pitchFamily="34" charset="-122"/>
+                      </a:endParaRPr>
                     </a:p>
                   </a:txBody>
                   <a:tcPr anchor="b">
@@ -10434,6 +10547,13 @@
                         </a:rPr>
                         <a:t>研究进展</a:t>
                       </a:r>
+                      <a:endParaRPr lang="zh-CN" altLang="en-US" b="0" dirty="0">
+                        <a:solidFill>
+                          <a:schemeClr val="bg1"/>
+                        </a:solidFill>
+                        <a:latin typeface="微软雅黑" panose="020B0503020204020204" pitchFamily="34" charset="-122"/>
+                        <a:ea typeface="微软雅黑" panose="020B0503020204020204" pitchFamily="34" charset="-122"/>
+                      </a:endParaRPr>
                     </a:p>
                   </a:txBody>
                   <a:tcPr anchor="ctr">
@@ -10486,11 +10606,6 @@
                     </a:solidFill>
                   </a:tcPr>
                 </a:tc>
-                <a:extLst>
-                  <a:ext uri="{0D108BD9-81ED-4DB2-BD59-A6C34878D82A}">
-                    <a16:rowId xmlns:a16="http://schemas.microsoft.com/office/drawing/2014/main" val="10000"/>
-                  </a:ext>
-                </a:extLst>
               </a:tr>
               <a:tr h="164799">
                 <a:tc>
@@ -10695,13 +10810,6 @@
                   </a:tcPr>
                 </a:tc>
                 <a:tc vMerge="1">
-                  <a:txBody>
-                    <a:bodyPr/>
-                    <a:lstStyle/>
-                    <a:p>
-                      <a:endParaRPr lang="zh-CN"/>
-                    </a:p>
-                  </a:txBody>
                   <a:tcPr anchor="ctr">
                     <a:lnL w="57150" cap="flat" cmpd="sng" algn="ctr">
                       <a:solidFill>
@@ -10752,11 +10860,6 @@
                     </a:solidFill>
                   </a:tcPr>
                 </a:tc>
-                <a:extLst>
-                  <a:ext uri="{0D108BD9-81ED-4DB2-BD59-A6C34878D82A}">
-                    <a16:rowId xmlns:a16="http://schemas.microsoft.com/office/drawing/2014/main" val="10001"/>
-                  </a:ext>
-                </a:extLst>
               </a:tr>
             </a:tbl>
           </a:graphicData>
@@ -11004,34 +11107,10 @@
                 <a:tableStyleId>{5C22544A-7EE6-4342-B048-85BDC9FD1C3A}</a:tableStyleId>
               </a:tblPr>
               <a:tblGrid>
-                <a:gridCol w="2376264">
-                  <a:extLst>
-                    <a:ext uri="{9D8B030D-6E8A-4147-A177-3AD203B41FA5}">
-                      <a16:colId xmlns:a16="http://schemas.microsoft.com/office/drawing/2014/main" val="20000"/>
-                    </a:ext>
-                  </a:extLst>
-                </a:gridCol>
-                <a:gridCol w="1656184">
-                  <a:extLst>
-                    <a:ext uri="{9D8B030D-6E8A-4147-A177-3AD203B41FA5}">
-                      <a16:colId xmlns:a16="http://schemas.microsoft.com/office/drawing/2014/main" val="20001"/>
-                    </a:ext>
-                  </a:extLst>
-                </a:gridCol>
-                <a:gridCol w="1692188">
-                  <a:extLst>
-                    <a:ext uri="{9D8B030D-6E8A-4147-A177-3AD203B41FA5}">
-                      <a16:colId xmlns:a16="http://schemas.microsoft.com/office/drawing/2014/main" val="20002"/>
-                    </a:ext>
-                  </a:extLst>
-                </a:gridCol>
-                <a:gridCol w="1908212">
-                  <a:extLst>
-                    <a:ext uri="{9D8B030D-6E8A-4147-A177-3AD203B41FA5}">
-                      <a16:colId xmlns:a16="http://schemas.microsoft.com/office/drawing/2014/main" val="20003"/>
-                    </a:ext>
-                  </a:extLst>
-                </a:gridCol>
+                <a:gridCol w="2376264"/>
+                <a:gridCol w="1656184"/>
+                <a:gridCol w="1692188"/>
+                <a:gridCol w="1908212"/>
               </a:tblGrid>
               <a:tr h="497601">
                 <a:tc>
@@ -11052,6 +11131,15 @@
                         </a:rPr>
                         <a:t>背景介绍及研究意义</a:t>
                       </a:r>
+                      <a:endParaRPr lang="zh-CN" altLang="en-US" b="0" dirty="0">
+                        <a:solidFill>
+                          <a:schemeClr val="accent1">
+                            <a:lumMod val="75000"/>
+                          </a:schemeClr>
+                        </a:solidFill>
+                        <a:latin typeface="微软雅黑" panose="020B0503020204020204" pitchFamily="34" charset="-122"/>
+                        <a:ea typeface="微软雅黑" panose="020B0503020204020204" pitchFamily="34" charset="-122"/>
+                      </a:endParaRPr>
                     </a:p>
                   </a:txBody>
                   <a:tcPr anchor="b">
@@ -11135,6 +11223,15 @@
                         </a:rPr>
                         <a:t>研究计划</a:t>
                       </a:r>
+                      <a:endParaRPr lang="zh-CN" altLang="en-US" b="0" dirty="0">
+                        <a:solidFill>
+                          <a:schemeClr val="accent1">
+                            <a:lumMod val="75000"/>
+                          </a:schemeClr>
+                        </a:solidFill>
+                        <a:latin typeface="微软雅黑" panose="020B0503020204020204" pitchFamily="34" charset="-122"/>
+                        <a:ea typeface="微软雅黑" panose="020B0503020204020204" pitchFamily="34" charset="-122"/>
+                      </a:endParaRPr>
                     </a:p>
                   </a:txBody>
                   <a:tcPr anchor="b">
@@ -11218,6 +11315,15 @@
                         </a:rPr>
                         <a:t>论文计划</a:t>
                       </a:r>
+                      <a:endParaRPr lang="zh-CN" altLang="en-US" b="0" dirty="0">
+                        <a:solidFill>
+                          <a:schemeClr val="accent1">
+                            <a:lumMod val="75000"/>
+                          </a:schemeClr>
+                        </a:solidFill>
+                        <a:latin typeface="微软雅黑" panose="020B0503020204020204" pitchFamily="34" charset="-122"/>
+                        <a:ea typeface="微软雅黑" panose="020B0503020204020204" pitchFamily="34" charset="-122"/>
+                      </a:endParaRPr>
                     </a:p>
                   </a:txBody>
                   <a:tcPr anchor="b">
@@ -11299,6 +11405,13 @@
                         </a:rPr>
                         <a:t>研究进展</a:t>
                       </a:r>
+                      <a:endParaRPr lang="zh-CN" altLang="en-US" b="0" dirty="0">
+                        <a:solidFill>
+                          <a:schemeClr val="bg1"/>
+                        </a:solidFill>
+                        <a:latin typeface="微软雅黑" panose="020B0503020204020204" pitchFamily="34" charset="-122"/>
+                        <a:ea typeface="微软雅黑" panose="020B0503020204020204" pitchFamily="34" charset="-122"/>
+                      </a:endParaRPr>
                     </a:p>
                   </a:txBody>
                   <a:tcPr anchor="ctr">
@@ -11351,11 +11464,6 @@
                     </a:solidFill>
                   </a:tcPr>
                 </a:tc>
-                <a:extLst>
-                  <a:ext uri="{0D108BD9-81ED-4DB2-BD59-A6C34878D82A}">
-                    <a16:rowId xmlns:a16="http://schemas.microsoft.com/office/drawing/2014/main" val="10000"/>
-                  </a:ext>
-                </a:extLst>
               </a:tr>
               <a:tr h="164799">
                 <a:tc>
@@ -11560,13 +11668,6 @@
                   </a:tcPr>
                 </a:tc>
                 <a:tc vMerge="1">
-                  <a:txBody>
-                    <a:bodyPr/>
-                    <a:lstStyle/>
-                    <a:p>
-                      <a:endParaRPr lang="zh-CN"/>
-                    </a:p>
-                  </a:txBody>
                   <a:tcPr anchor="ctr">
                     <a:lnL w="57150" cap="flat" cmpd="sng" algn="ctr">
                       <a:solidFill>
@@ -11617,11 +11718,6 @@
                     </a:solidFill>
                   </a:tcPr>
                 </a:tc>
-                <a:extLst>
-                  <a:ext uri="{0D108BD9-81ED-4DB2-BD59-A6C34878D82A}">
-                    <a16:rowId xmlns:a16="http://schemas.microsoft.com/office/drawing/2014/main" val="10001"/>
-                  </a:ext>
-                </a:extLst>
               </a:tr>
             </a:tbl>
           </a:graphicData>
@@ -12030,34 +12126,10 @@
                 <a:tableStyleId>{5C22544A-7EE6-4342-B048-85BDC9FD1C3A}</a:tableStyleId>
               </a:tblPr>
               <a:tblGrid>
-                <a:gridCol w="2376264">
-                  <a:extLst>
-                    <a:ext uri="{9D8B030D-6E8A-4147-A177-3AD203B41FA5}">
-                      <a16:colId xmlns:a16="http://schemas.microsoft.com/office/drawing/2014/main" val="20000"/>
-                    </a:ext>
-                  </a:extLst>
-                </a:gridCol>
-                <a:gridCol w="1656184">
-                  <a:extLst>
-                    <a:ext uri="{9D8B030D-6E8A-4147-A177-3AD203B41FA5}">
-                      <a16:colId xmlns:a16="http://schemas.microsoft.com/office/drawing/2014/main" val="20001"/>
-                    </a:ext>
-                  </a:extLst>
-                </a:gridCol>
-                <a:gridCol w="1692188">
-                  <a:extLst>
-                    <a:ext uri="{9D8B030D-6E8A-4147-A177-3AD203B41FA5}">
-                      <a16:colId xmlns:a16="http://schemas.microsoft.com/office/drawing/2014/main" val="20002"/>
-                    </a:ext>
-                  </a:extLst>
-                </a:gridCol>
-                <a:gridCol w="1908212">
-                  <a:extLst>
-                    <a:ext uri="{9D8B030D-6E8A-4147-A177-3AD203B41FA5}">
-                      <a16:colId xmlns:a16="http://schemas.microsoft.com/office/drawing/2014/main" val="20003"/>
-                    </a:ext>
-                  </a:extLst>
-                </a:gridCol>
+                <a:gridCol w="2376264"/>
+                <a:gridCol w="1656184"/>
+                <a:gridCol w="1692188"/>
+                <a:gridCol w="1908212"/>
               </a:tblGrid>
               <a:tr h="497601">
                 <a:tc>
@@ -12078,6 +12150,15 @@
                         </a:rPr>
                         <a:t>背景介绍及研究意义</a:t>
                       </a:r>
+                      <a:endParaRPr lang="zh-CN" altLang="en-US" b="0" dirty="0">
+                        <a:solidFill>
+                          <a:schemeClr val="accent1">
+                            <a:lumMod val="75000"/>
+                          </a:schemeClr>
+                        </a:solidFill>
+                        <a:latin typeface="微软雅黑" panose="020B0503020204020204" pitchFamily="34" charset="-122"/>
+                        <a:ea typeface="微软雅黑" panose="020B0503020204020204" pitchFamily="34" charset="-122"/>
+                      </a:endParaRPr>
                     </a:p>
                   </a:txBody>
                   <a:tcPr anchor="b">
@@ -12161,6 +12242,15 @@
                         </a:rPr>
                         <a:t>研究计划</a:t>
                       </a:r>
+                      <a:endParaRPr lang="zh-CN" altLang="en-US" b="0" dirty="0">
+                        <a:solidFill>
+                          <a:schemeClr val="accent1">
+                            <a:lumMod val="75000"/>
+                          </a:schemeClr>
+                        </a:solidFill>
+                        <a:latin typeface="微软雅黑" panose="020B0503020204020204" pitchFamily="34" charset="-122"/>
+                        <a:ea typeface="微软雅黑" panose="020B0503020204020204" pitchFamily="34" charset="-122"/>
+                      </a:endParaRPr>
                     </a:p>
                   </a:txBody>
                   <a:tcPr anchor="b">
@@ -12244,6 +12334,15 @@
                         </a:rPr>
                         <a:t>论文计划</a:t>
                       </a:r>
+                      <a:endParaRPr lang="zh-CN" altLang="en-US" b="0" dirty="0">
+                        <a:solidFill>
+                          <a:schemeClr val="accent1">
+                            <a:lumMod val="75000"/>
+                          </a:schemeClr>
+                        </a:solidFill>
+                        <a:latin typeface="微软雅黑" panose="020B0503020204020204" pitchFamily="34" charset="-122"/>
+                        <a:ea typeface="微软雅黑" panose="020B0503020204020204" pitchFamily="34" charset="-122"/>
+                      </a:endParaRPr>
                     </a:p>
                   </a:txBody>
                   <a:tcPr anchor="b">
@@ -12325,6 +12424,13 @@
                         </a:rPr>
                         <a:t>研究进展</a:t>
                       </a:r>
+                      <a:endParaRPr lang="zh-CN" altLang="en-US" b="0" dirty="0">
+                        <a:solidFill>
+                          <a:schemeClr val="bg1"/>
+                        </a:solidFill>
+                        <a:latin typeface="微软雅黑" panose="020B0503020204020204" pitchFamily="34" charset="-122"/>
+                        <a:ea typeface="微软雅黑" panose="020B0503020204020204" pitchFamily="34" charset="-122"/>
+                      </a:endParaRPr>
                     </a:p>
                   </a:txBody>
                   <a:tcPr anchor="ctr">
@@ -12377,11 +12483,6 @@
                     </a:solidFill>
                   </a:tcPr>
                 </a:tc>
-                <a:extLst>
-                  <a:ext uri="{0D108BD9-81ED-4DB2-BD59-A6C34878D82A}">
-                    <a16:rowId xmlns:a16="http://schemas.microsoft.com/office/drawing/2014/main" val="10000"/>
-                  </a:ext>
-                </a:extLst>
               </a:tr>
               <a:tr h="164799">
                 <a:tc>
@@ -12586,13 +12687,6 @@
                   </a:tcPr>
                 </a:tc>
                 <a:tc vMerge="1">
-                  <a:txBody>
-                    <a:bodyPr/>
-                    <a:lstStyle/>
-                    <a:p>
-                      <a:endParaRPr lang="zh-CN"/>
-                    </a:p>
-                  </a:txBody>
                   <a:tcPr anchor="ctr">
                     <a:lnL w="57150" cap="flat" cmpd="sng" algn="ctr">
                       <a:solidFill>
@@ -12643,11 +12737,6 @@
                     </a:solidFill>
                   </a:tcPr>
                 </a:tc>
-                <a:extLst>
-                  <a:ext uri="{0D108BD9-81ED-4DB2-BD59-A6C34878D82A}">
-                    <a16:rowId xmlns:a16="http://schemas.microsoft.com/office/drawing/2014/main" val="10001"/>
-                  </a:ext>
-                </a:extLst>
               </a:tr>
             </a:tbl>
           </a:graphicData>
@@ -13054,6 +13143,14 @@
               </a:rPr>
               <a:t>, 2011.</a:t>
             </a:r>
+            <a:endParaRPr lang="en-US" altLang="zh-CN" sz="1800" kern="100" dirty="0">
+              <a:solidFill>
+                <a:srgbClr val="222222"/>
+              </a:solidFill>
+              <a:latin typeface="Times New Roman" panose="02020603050405020304" pitchFamily="18" charset="0"/>
+              <a:ea typeface="等线" panose="02010600030101010101" pitchFamily="2" charset="-122"/>
+              <a:cs typeface="Times New Roman" panose="02020603050405020304" pitchFamily="18" charset="0"/>
+            </a:endParaRPr>
           </a:p>
           <a:p>
             <a:pPr marL="342900" indent="-342900" algn="just">
@@ -13115,11 +13212,6 @@
         </p:txBody>
       </p:sp>
     </p:spTree>
-    <p:extLst>
-      <p:ext uri="{BB962C8B-B14F-4D97-AF65-F5344CB8AC3E}">
-        <p14:creationId xmlns:p14="http://schemas.microsoft.com/office/powerpoint/2010/main" val="3970994951"/>
-      </p:ext>
-    </p:extLst>
   </p:cSld>
   <p:clrMapOvr>
     <a:masterClrMapping/>
@@ -14102,8 +14194,8 @@
               <a:prstGeom prst="rect">
                 <a:avLst/>
               </a:prstGeom>
-              <a:blipFill>
-                <a:blip r:embed="rId2"/>
+              <a:blipFill rotWithShape="1">
+                <a:blip r:embed="rId1"/>
                 <a:stretch>
                   <a:fillRect l="-863" t="-984"/>
                 </a:stretch>
@@ -14119,6 +14211,9 @@
                   </a:rPr>
                   <a:t> </a:t>
                 </a:r>
+                <a:endParaRPr lang="zh-CN" altLang="en-US">
+                  <a:noFill/>
+                </a:endParaRPr>
               </a:p>
             </p:txBody>
           </p:sp>
@@ -14143,34 +14238,10 @@
                 <a:tableStyleId>{5C22544A-7EE6-4342-B048-85BDC9FD1C3A}</a:tableStyleId>
               </a:tblPr>
               <a:tblGrid>
-                <a:gridCol w="2308543">
-                  <a:extLst>
-                    <a:ext uri="{9D8B030D-6E8A-4147-A177-3AD203B41FA5}">
-                      <a16:colId xmlns:a16="http://schemas.microsoft.com/office/drawing/2014/main" val="20000"/>
-                    </a:ext>
-                  </a:extLst>
-                </a:gridCol>
-                <a:gridCol w="1656000">
-                  <a:extLst>
-                    <a:ext uri="{9D8B030D-6E8A-4147-A177-3AD203B41FA5}">
-                      <a16:colId xmlns:a16="http://schemas.microsoft.com/office/drawing/2014/main" val="20001"/>
-                    </a:ext>
-                  </a:extLst>
-                </a:gridCol>
-                <a:gridCol w="1656000">
-                  <a:extLst>
-                    <a:ext uri="{9D8B030D-6E8A-4147-A177-3AD203B41FA5}">
-                      <a16:colId xmlns:a16="http://schemas.microsoft.com/office/drawing/2014/main" val="20002"/>
-                    </a:ext>
-                  </a:extLst>
-                </a:gridCol>
-                <a:gridCol w="1656000">
-                  <a:extLst>
-                    <a:ext uri="{9D8B030D-6E8A-4147-A177-3AD203B41FA5}">
-                      <a16:colId xmlns:a16="http://schemas.microsoft.com/office/drawing/2014/main" val="20003"/>
-                    </a:ext>
-                  </a:extLst>
-                </a:gridCol>
+                <a:gridCol w="2308543"/>
+                <a:gridCol w="1656000"/>
+                <a:gridCol w="1656000"/>
+                <a:gridCol w="1656000"/>
               </a:tblGrid>
               <a:tr h="497601">
                 <a:tc>
@@ -14191,6 +14262,15 @@
                         </a:rPr>
                         <a:t>背景介绍及研究意义</a:t>
                       </a:r>
+                      <a:endParaRPr lang="zh-CN" altLang="en-US" b="0" dirty="0">
+                        <a:solidFill>
+                          <a:schemeClr val="accent1">
+                            <a:lumMod val="75000"/>
+                          </a:schemeClr>
+                        </a:solidFill>
+                        <a:latin typeface="微软雅黑" panose="020B0503020204020204" pitchFamily="34" charset="-122"/>
+                        <a:ea typeface="微软雅黑" panose="020B0503020204020204" pitchFamily="34" charset="-122"/>
+                      </a:endParaRPr>
                     </a:p>
                   </a:txBody>
                   <a:tcPr anchor="b">
@@ -14272,6 +14352,13 @@
                         </a:rPr>
                         <a:t>研究内容</a:t>
                       </a:r>
+                      <a:endParaRPr lang="zh-CN" altLang="en-US" b="1" dirty="0">
+                        <a:solidFill>
+                          <a:schemeClr val="bg1"/>
+                        </a:solidFill>
+                        <a:latin typeface="微软雅黑" panose="020B0503020204020204" pitchFamily="34" charset="-122"/>
+                        <a:ea typeface="微软雅黑" panose="020B0503020204020204" pitchFamily="34" charset="-122"/>
+                      </a:endParaRPr>
                     </a:p>
                   </a:txBody>
                   <a:tcPr anchor="ctr">
@@ -14357,6 +14444,15 @@
                         </a:rPr>
                         <a:t>研究计划</a:t>
                       </a:r>
+                      <a:endParaRPr lang="zh-CN" altLang="en-US" b="0" dirty="0">
+                        <a:solidFill>
+                          <a:schemeClr val="accent1">
+                            <a:lumMod val="75000"/>
+                          </a:schemeClr>
+                        </a:solidFill>
+                        <a:latin typeface="微软雅黑" panose="020B0503020204020204" pitchFamily="34" charset="-122"/>
+                        <a:ea typeface="微软雅黑" panose="020B0503020204020204" pitchFamily="34" charset="-122"/>
+                      </a:endParaRPr>
                     </a:p>
                   </a:txBody>
                   <a:tcPr anchor="b">
@@ -14440,6 +14536,15 @@
                         </a:rPr>
                         <a:t>研究进展</a:t>
                       </a:r>
+                      <a:endParaRPr lang="zh-CN" altLang="en-US" b="0" dirty="0">
+                        <a:solidFill>
+                          <a:schemeClr val="accent1">
+                            <a:lumMod val="75000"/>
+                          </a:schemeClr>
+                        </a:solidFill>
+                        <a:latin typeface="微软雅黑" panose="020B0503020204020204" pitchFamily="34" charset="-122"/>
+                        <a:ea typeface="微软雅黑" panose="020B0503020204020204" pitchFamily="34" charset="-122"/>
+                      </a:endParaRPr>
                     </a:p>
                   </a:txBody>
                   <a:tcPr anchor="b">
@@ -14490,11 +14595,6 @@
                     <a:noFill/>
                   </a:tcPr>
                 </a:tc>
-                <a:extLst>
-                  <a:ext uri="{0D108BD9-81ED-4DB2-BD59-A6C34878D82A}">
-                    <a16:rowId xmlns:a16="http://schemas.microsoft.com/office/drawing/2014/main" val="10000"/>
-                  </a:ext>
-                </a:extLst>
               </a:tr>
               <a:tr h="164799">
                 <a:tc>
@@ -14565,13 +14665,6 @@
                   </a:tcPr>
                 </a:tc>
                 <a:tc vMerge="1">
-                  <a:txBody>
-                    <a:bodyPr/>
-                    <a:lstStyle/>
-                    <a:p>
-                      <a:endParaRPr lang="zh-CN"/>
-                    </a:p>
-                  </a:txBody>
                   <a:tcPr anchor="ctr">
                     <a:lnL w="57150" cap="flat" cmpd="sng" algn="ctr">
                       <a:solidFill>
@@ -14756,11 +14849,6 @@
                     </a:solidFill>
                   </a:tcPr>
                 </a:tc>
-                <a:extLst>
-                  <a:ext uri="{0D108BD9-81ED-4DB2-BD59-A6C34878D82A}">
-                    <a16:rowId xmlns:a16="http://schemas.microsoft.com/office/drawing/2014/main" val="10001"/>
-                  </a:ext>
-                </a:extLst>
               </a:tr>
             </a:tbl>
           </a:graphicData>
@@ -14768,13 +14856,7 @@
       </p:graphicFrame>
       <p:sp>
         <p:nvSpPr>
-          <p:cNvPr id="9" name="TextBox 9">
-            <a:extLst>
-              <a:ext uri="{FF2B5EF4-FFF2-40B4-BE49-F238E27FC236}">
-                <a16:creationId xmlns:a16="http://schemas.microsoft.com/office/drawing/2014/main" id="{F48EE545-3D51-40C6-82FE-AA0B5FC6717E}"/>
-              </a:ext>
-            </a:extLst>
-          </p:cNvPr>
+          <p:cNvPr id="9" name="TextBox 9"/>
           <p:cNvSpPr txBox="1"/>
           <p:nvPr/>
         </p:nvSpPr>
@@ -14832,11 +14914,6 @@
         </p:txBody>
       </p:sp>
     </p:spTree>
-    <p:extLst>
-      <p:ext uri="{BB962C8B-B14F-4D97-AF65-F5344CB8AC3E}">
-        <p14:creationId xmlns:p14="http://schemas.microsoft.com/office/powerpoint/2010/main" val="3919404624"/>
-      </p:ext>
-    </p:extLst>
   </p:cSld>
   <p:clrMapOvr>
     <a:masterClrMapping/>
@@ -14933,6 +15010,10 @@
               </a:rPr>
               <a:t>的方法，对高维空间中的每一维分别采样，逐步逼近高维采样点，当有限混合模型为高斯混合模型时，算法流程如下：</a:t>
             </a:r>
+            <a:endParaRPr lang="zh-CN" altLang="en-US" dirty="0">
+              <a:latin typeface="微软雅黑" panose="020B0503020204020204" pitchFamily="34" charset="-122"/>
+              <a:ea typeface="微软雅黑" panose="020B0503020204020204" pitchFamily="34" charset="-122"/>
+            </a:endParaRPr>
           </a:p>
         </p:txBody>
       </p:sp>
@@ -14952,21 +15033,21 @@
           <a:graphicData uri="http://schemas.openxmlformats.org/presentationml/2006/ole">
             <mc:AlternateContent xmlns:mc="http://schemas.openxmlformats.org/markup-compatibility/2006">
               <mc:Choice xmlns:v="urn:schemas-microsoft-com:vml" Requires="v">
-                <p:oleObj spid="_x0000_s10266" name="Equation" r:id="rId3" imgW="467360" imgH="276860" progId="Equation.DSMT4">
+                <p:oleObj spid="_x0000_s10266" name="Equation" r:id="rId1" imgW="467360" imgH="276860" progId="Equation.DSMT4">
                   <p:embed/>
                 </p:oleObj>
               </mc:Choice>
               <mc:Fallback>
-                <p:oleObj name="Equation" r:id="rId3" imgW="467360" imgH="276860" progId="Equation.DSMT4">
+                <p:oleObj name="Equation" r:id="rId1" imgW="467360" imgH="276860" progId="Equation.DSMT4">
                   <p:embed/>
                   <p:pic>
                     <p:nvPicPr>
-                      <p:cNvPr id="18" name="对象 17"/>
+                      <p:cNvPr id="0" name="对象 17"/>
                       <p:cNvPicPr/>
                       <p:nvPr/>
                     </p:nvPicPr>
                     <p:blipFill>
-                      <a:blip r:embed="rId4"/>
+                      <a:blip r:embed="rId2"/>
                       <a:stretch>
                         <a:fillRect/>
                       </a:stretch>
@@ -15003,21 +15084,21 @@
           <a:graphicData uri="http://schemas.openxmlformats.org/presentationml/2006/ole">
             <mc:AlternateContent xmlns:mc="http://schemas.openxmlformats.org/markup-compatibility/2006">
               <mc:Choice xmlns:v="urn:schemas-microsoft-com:vml" Requires="v">
-                <p:oleObj spid="_x0000_s10267" name="Equation" r:id="rId5" imgW="467360" imgH="276860" progId="Equation.DSMT4">
+                <p:oleObj spid="_x0000_s10267" name="Equation" r:id="rId3" imgW="467360" imgH="276860" progId="Equation.DSMT4">
                   <p:embed/>
                 </p:oleObj>
               </mc:Choice>
               <mc:Fallback>
-                <p:oleObj name="Equation" r:id="rId5" imgW="467360" imgH="276860" progId="Equation.DSMT4">
+                <p:oleObj name="Equation" r:id="rId3" imgW="467360" imgH="276860" progId="Equation.DSMT4">
                   <p:embed/>
                   <p:pic>
                     <p:nvPicPr>
-                      <p:cNvPr id="19" name="对象 18"/>
+                      <p:cNvPr id="0" name="对象 18"/>
                       <p:cNvPicPr/>
                       <p:nvPr/>
                     </p:nvPicPr>
                     <p:blipFill>
-                      <a:blip r:embed="rId4"/>
+                      <a:blip r:embed="rId2"/>
                       <a:stretch>
                         <a:fillRect/>
                       </a:stretch>
@@ -15054,21 +15135,21 @@
           <a:graphicData uri="http://schemas.openxmlformats.org/presentationml/2006/ole">
             <mc:AlternateContent xmlns:mc="http://schemas.openxmlformats.org/markup-compatibility/2006">
               <mc:Choice xmlns:v="urn:schemas-microsoft-com:vml" Requires="v">
-                <p:oleObj spid="_x0000_s10268" name="Equation" r:id="rId6" imgW="467360" imgH="276860" progId="Equation.DSMT4">
+                <p:oleObj spid="_x0000_s10268" name="Equation" r:id="rId4" imgW="467360" imgH="276860" progId="Equation.DSMT4">
                   <p:embed/>
                 </p:oleObj>
               </mc:Choice>
               <mc:Fallback>
-                <p:oleObj name="Equation" r:id="rId6" imgW="467360" imgH="276860" progId="Equation.DSMT4">
+                <p:oleObj name="Equation" r:id="rId4" imgW="467360" imgH="276860" progId="Equation.DSMT4">
                   <p:embed/>
                   <p:pic>
                     <p:nvPicPr>
-                      <p:cNvPr id="20" name="对象 19"/>
+                      <p:cNvPr id="0" name="对象 19"/>
                       <p:cNvPicPr/>
                       <p:nvPr/>
                     </p:nvPicPr>
                     <p:blipFill>
-                      <a:blip r:embed="rId7"/>
+                      <a:blip r:embed="rId5"/>
                       <a:stretch>
                         <a:fillRect/>
                       </a:stretch>
@@ -15105,21 +15186,21 @@
           <a:graphicData uri="http://schemas.openxmlformats.org/presentationml/2006/ole">
             <mc:AlternateContent xmlns:mc="http://schemas.openxmlformats.org/markup-compatibility/2006">
               <mc:Choice xmlns:v="urn:schemas-microsoft-com:vml" Requires="v">
-                <p:oleObj spid="_x0000_s10269" name="Equation" r:id="rId8" imgW="467360" imgH="276860" progId="Equation.DSMT4">
+                <p:oleObj spid="_x0000_s10269" name="Equation" r:id="rId6" imgW="467360" imgH="276860" progId="Equation.DSMT4">
                   <p:embed/>
                 </p:oleObj>
               </mc:Choice>
               <mc:Fallback>
-                <p:oleObj name="Equation" r:id="rId8" imgW="467360" imgH="276860" progId="Equation.DSMT4">
+                <p:oleObj name="Equation" r:id="rId6" imgW="467360" imgH="276860" progId="Equation.DSMT4">
                   <p:embed/>
                   <p:pic>
                     <p:nvPicPr>
-                      <p:cNvPr id="21" name="对象 20"/>
+                      <p:cNvPr id="0" name="对象 20"/>
                       <p:cNvPicPr/>
                       <p:nvPr/>
                     </p:nvPicPr>
                     <p:blipFill>
-                      <a:blip r:embed="rId7"/>
+                      <a:blip r:embed="rId5"/>
                       <a:stretch>
                         <a:fillRect/>
                       </a:stretch>
@@ -15156,21 +15237,21 @@
           <a:graphicData uri="http://schemas.openxmlformats.org/presentationml/2006/ole">
             <mc:AlternateContent xmlns:mc="http://schemas.openxmlformats.org/markup-compatibility/2006">
               <mc:Choice xmlns:v="urn:schemas-microsoft-com:vml" Requires="v">
-                <p:oleObj spid="_x0000_s10270" name="Equation" r:id="rId9" imgW="543560" imgH="467360" progId="Equation.DSMT4">
+                <p:oleObj spid="_x0000_s10270" name="Equation" r:id="rId7" imgW="543560" imgH="467360" progId="Equation.DSMT4">
                   <p:embed/>
                 </p:oleObj>
               </mc:Choice>
               <mc:Fallback>
-                <p:oleObj name="Equation" r:id="rId9" imgW="543560" imgH="467360" progId="Equation.DSMT4">
+                <p:oleObj name="Equation" r:id="rId7" imgW="543560" imgH="467360" progId="Equation.DSMT4">
                   <p:embed/>
                   <p:pic>
                     <p:nvPicPr>
-                      <p:cNvPr id="22" name="对象 21"/>
+                      <p:cNvPr id="0" name="对象 21"/>
                       <p:cNvPicPr/>
                       <p:nvPr/>
                     </p:nvPicPr>
                     <p:blipFill>
-                      <a:blip r:embed="rId10"/>
+                      <a:blip r:embed="rId8"/>
                       <a:stretch>
                         <a:fillRect/>
                       </a:stretch>
@@ -15207,21 +15288,21 @@
           <a:graphicData uri="http://schemas.openxmlformats.org/presentationml/2006/ole">
             <mc:AlternateContent xmlns:mc="http://schemas.openxmlformats.org/markup-compatibility/2006">
               <mc:Choice xmlns:v="urn:schemas-microsoft-com:vml" Requires="v">
-                <p:oleObj spid="_x0000_s10271" name="Equation" r:id="rId11" imgW="3116580" imgH="467360" progId="Equation.DSMT4">
+                <p:oleObj spid="_x0000_s10271" name="Equation" r:id="rId9" imgW="3116580" imgH="467360" progId="Equation.DSMT4">
                   <p:embed/>
                 </p:oleObj>
               </mc:Choice>
               <mc:Fallback>
-                <p:oleObj name="Equation" r:id="rId11" imgW="3116580" imgH="467360" progId="Equation.DSMT4">
+                <p:oleObj name="Equation" r:id="rId9" imgW="3116580" imgH="467360" progId="Equation.DSMT4">
                   <p:embed/>
                   <p:pic>
                     <p:nvPicPr>
-                      <p:cNvPr id="26" name="对象 25"/>
+                      <p:cNvPr id="0" name="对象 25"/>
                       <p:cNvPicPr/>
                       <p:nvPr/>
                     </p:nvPicPr>
                     <p:blipFill>
-                      <a:blip r:embed="rId12"/>
+                      <a:blip r:embed="rId10"/>
                       <a:stretch>
                         <a:fillRect/>
                       </a:stretch>
@@ -15261,34 +15342,10 @@
                 <a:tableStyleId>{5C22544A-7EE6-4342-B048-85BDC9FD1C3A}</a:tableStyleId>
               </a:tblPr>
               <a:tblGrid>
-                <a:gridCol w="2308543">
-                  <a:extLst>
-                    <a:ext uri="{9D8B030D-6E8A-4147-A177-3AD203B41FA5}">
-                      <a16:colId xmlns:a16="http://schemas.microsoft.com/office/drawing/2014/main" val="20000"/>
-                    </a:ext>
-                  </a:extLst>
-                </a:gridCol>
-                <a:gridCol w="1656000">
-                  <a:extLst>
-                    <a:ext uri="{9D8B030D-6E8A-4147-A177-3AD203B41FA5}">
-                      <a16:colId xmlns:a16="http://schemas.microsoft.com/office/drawing/2014/main" val="20001"/>
-                    </a:ext>
-                  </a:extLst>
-                </a:gridCol>
-                <a:gridCol w="1656000">
-                  <a:extLst>
-                    <a:ext uri="{9D8B030D-6E8A-4147-A177-3AD203B41FA5}">
-                      <a16:colId xmlns:a16="http://schemas.microsoft.com/office/drawing/2014/main" val="20002"/>
-                    </a:ext>
-                  </a:extLst>
-                </a:gridCol>
-                <a:gridCol w="1656000">
-                  <a:extLst>
-                    <a:ext uri="{9D8B030D-6E8A-4147-A177-3AD203B41FA5}">
-                      <a16:colId xmlns:a16="http://schemas.microsoft.com/office/drawing/2014/main" val="20003"/>
-                    </a:ext>
-                  </a:extLst>
-                </a:gridCol>
+                <a:gridCol w="2308543"/>
+                <a:gridCol w="1656000"/>
+                <a:gridCol w="1656000"/>
+                <a:gridCol w="1656000"/>
               </a:tblGrid>
               <a:tr h="497601">
                 <a:tc>
@@ -15309,6 +15366,15 @@
                         </a:rPr>
                         <a:t>背景介绍及研究意义</a:t>
                       </a:r>
+                      <a:endParaRPr lang="zh-CN" altLang="en-US" b="0" dirty="0">
+                        <a:solidFill>
+                          <a:schemeClr val="accent1">
+                            <a:lumMod val="75000"/>
+                          </a:schemeClr>
+                        </a:solidFill>
+                        <a:latin typeface="微软雅黑" panose="020B0503020204020204" pitchFamily="34" charset="-122"/>
+                        <a:ea typeface="微软雅黑" panose="020B0503020204020204" pitchFamily="34" charset="-122"/>
+                      </a:endParaRPr>
                     </a:p>
                   </a:txBody>
                   <a:tcPr anchor="b">
@@ -15390,6 +15456,13 @@
                         </a:rPr>
                         <a:t>研究内容</a:t>
                       </a:r>
+                      <a:endParaRPr lang="zh-CN" altLang="en-US" b="1" dirty="0">
+                        <a:solidFill>
+                          <a:schemeClr val="bg1"/>
+                        </a:solidFill>
+                        <a:latin typeface="微软雅黑" panose="020B0503020204020204" pitchFamily="34" charset="-122"/>
+                        <a:ea typeface="微软雅黑" panose="020B0503020204020204" pitchFamily="34" charset="-122"/>
+                      </a:endParaRPr>
                     </a:p>
                   </a:txBody>
                   <a:tcPr anchor="ctr">
@@ -15475,6 +15548,15 @@
                         </a:rPr>
                         <a:t>研究计划</a:t>
                       </a:r>
+                      <a:endParaRPr lang="zh-CN" altLang="en-US" b="0" dirty="0">
+                        <a:solidFill>
+                          <a:schemeClr val="accent1">
+                            <a:lumMod val="75000"/>
+                          </a:schemeClr>
+                        </a:solidFill>
+                        <a:latin typeface="微软雅黑" panose="020B0503020204020204" pitchFamily="34" charset="-122"/>
+                        <a:ea typeface="微软雅黑" panose="020B0503020204020204" pitchFamily="34" charset="-122"/>
+                      </a:endParaRPr>
                     </a:p>
                   </a:txBody>
                   <a:tcPr anchor="b">
@@ -15558,6 +15640,15 @@
                         </a:rPr>
                         <a:t>研究进展</a:t>
                       </a:r>
+                      <a:endParaRPr lang="zh-CN" altLang="en-US" b="0" dirty="0">
+                        <a:solidFill>
+                          <a:schemeClr val="accent1">
+                            <a:lumMod val="75000"/>
+                          </a:schemeClr>
+                        </a:solidFill>
+                        <a:latin typeface="微软雅黑" panose="020B0503020204020204" pitchFamily="34" charset="-122"/>
+                        <a:ea typeface="微软雅黑" panose="020B0503020204020204" pitchFamily="34" charset="-122"/>
+                      </a:endParaRPr>
                     </a:p>
                   </a:txBody>
                   <a:tcPr anchor="b">
@@ -15608,11 +15699,6 @@
                     <a:noFill/>
                   </a:tcPr>
                 </a:tc>
-                <a:extLst>
-                  <a:ext uri="{0D108BD9-81ED-4DB2-BD59-A6C34878D82A}">
-                    <a16:rowId xmlns:a16="http://schemas.microsoft.com/office/drawing/2014/main" val="10000"/>
-                  </a:ext>
-                </a:extLst>
               </a:tr>
               <a:tr h="164799">
                 <a:tc>
@@ -15683,13 +15769,6 @@
                   </a:tcPr>
                 </a:tc>
                 <a:tc vMerge="1">
-                  <a:txBody>
-                    <a:bodyPr/>
-                    <a:lstStyle/>
-                    <a:p>
-                      <a:endParaRPr lang="zh-CN"/>
-                    </a:p>
-                  </a:txBody>
                   <a:tcPr anchor="ctr">
                     <a:lnL w="57150" cap="flat" cmpd="sng" algn="ctr">
                       <a:solidFill>
@@ -15874,11 +15953,6 @@
                     </a:solidFill>
                   </a:tcPr>
                 </a:tc>
-                <a:extLst>
-                  <a:ext uri="{0D108BD9-81ED-4DB2-BD59-A6C34878D82A}">
-                    <a16:rowId xmlns:a16="http://schemas.microsoft.com/office/drawing/2014/main" val="10001"/>
-                  </a:ext>
-                </a:extLst>
               </a:tr>
             </a:tbl>
           </a:graphicData>
@@ -15900,21 +15974,21 @@
           <a:graphicData uri="http://schemas.openxmlformats.org/presentationml/2006/ole">
             <mc:AlternateContent xmlns:mc="http://schemas.openxmlformats.org/markup-compatibility/2006">
               <mc:Choice xmlns:v="urn:schemas-microsoft-com:vml" Requires="v">
-                <p:oleObj spid="_x0000_s10272" name="Equation" r:id="rId13" imgW="4570730" imgH="3013075" progId="Equation.DSMT4">
+                <p:oleObj spid="_x0000_s10272" name="Equation" r:id="rId11" imgW="4570730" imgH="3013075" progId="Equation.DSMT4">
                   <p:embed/>
                 </p:oleObj>
               </mc:Choice>
               <mc:Fallback>
-                <p:oleObj name="Equation" r:id="rId13" imgW="4570730" imgH="3013075" progId="Equation.DSMT4">
+                <p:oleObj name="Equation" r:id="rId11" imgW="4570730" imgH="3013075" progId="Equation.DSMT4">
                   <p:embed/>
                   <p:pic>
                     <p:nvPicPr>
-                      <p:cNvPr id="2" name="对象 1"/>
+                      <p:cNvPr id="0" name="对象 1"/>
                       <p:cNvPicPr/>
                       <p:nvPr/>
                     </p:nvPicPr>
                     <p:blipFill>
-                      <a:blip r:embed="rId14"/>
+                      <a:blip r:embed="rId12"/>
                       <a:stretch>
                         <a:fillRect/>
                       </a:stretch>
@@ -15951,21 +16025,21 @@
           <a:graphicData uri="http://schemas.openxmlformats.org/presentationml/2006/ole">
             <mc:AlternateContent xmlns:mc="http://schemas.openxmlformats.org/markup-compatibility/2006">
               <mc:Choice xmlns:v="urn:schemas-microsoft-com:vml" Requires="v">
-                <p:oleObj spid="_x0000_s10273" name="Equation" r:id="rId15" imgW="3684905" imgH="3014345" progId="Equation.DSMT4">
+                <p:oleObj spid="_x0000_s10273" name="Equation" r:id="rId13" imgW="3684905" imgH="3014345" progId="Equation.DSMT4">
                   <p:embed/>
                 </p:oleObj>
               </mc:Choice>
               <mc:Fallback>
-                <p:oleObj name="Equation" r:id="rId15" imgW="3684905" imgH="3014345" progId="Equation.DSMT4">
+                <p:oleObj name="Equation" r:id="rId13" imgW="3684905" imgH="3014345" progId="Equation.DSMT4">
                   <p:embed/>
                   <p:pic>
                     <p:nvPicPr>
-                      <p:cNvPr id="5" name="对象 4"/>
+                      <p:cNvPr id="0" name="对象 4"/>
                       <p:cNvPicPr/>
                       <p:nvPr/>
                     </p:nvPicPr>
                     <p:blipFill>
-                      <a:blip r:embed="rId16"/>
+                      <a:blip r:embed="rId14"/>
                       <a:stretch>
                         <a:fillRect/>
                       </a:stretch>
@@ -15988,13 +16062,7 @@
       </p:graphicFrame>
       <p:sp>
         <p:nvSpPr>
-          <p:cNvPr id="14" name="TextBox 9">
-            <a:extLst>
-              <a:ext uri="{FF2B5EF4-FFF2-40B4-BE49-F238E27FC236}">
-                <a16:creationId xmlns:a16="http://schemas.microsoft.com/office/drawing/2014/main" id="{EB8C1325-5C92-44D3-909D-4F4D3D32FEC2}"/>
-              </a:ext>
-            </a:extLst>
-          </p:cNvPr>
+          <p:cNvPr id="14" name="TextBox 9"/>
           <p:cNvSpPr txBox="1"/>
           <p:nvPr/>
         </p:nvSpPr>
@@ -16052,11 +16120,6 @@
         </p:txBody>
       </p:sp>
     </p:spTree>
-    <p:extLst>
-      <p:ext uri="{BB962C8B-B14F-4D97-AF65-F5344CB8AC3E}">
-        <p14:creationId xmlns:p14="http://schemas.microsoft.com/office/powerpoint/2010/main" val="2112478374"/>
-      </p:ext>
-    </p:extLst>
   </p:cSld>
   <p:clrMapOvr>
     <a:masterClrMapping/>
@@ -16110,6 +16173,10 @@
               </a:rPr>
               <a:t>贝叶斯信息准则：</a:t>
             </a:r>
+            <a:endParaRPr lang="zh-CN" altLang="en-US" dirty="0">
+              <a:latin typeface="微软雅黑" panose="020B0503020204020204" pitchFamily="34" charset="-122"/>
+              <a:ea typeface="微软雅黑" panose="020B0503020204020204" pitchFamily="34" charset="-122"/>
+            </a:endParaRPr>
           </a:p>
         </p:txBody>
       </p:sp>
@@ -16129,21 +16196,21 @@
           <a:graphicData uri="http://schemas.openxmlformats.org/presentationml/2006/ole">
             <mc:AlternateContent xmlns:mc="http://schemas.openxmlformats.org/markup-compatibility/2006">
               <mc:Choice xmlns:v="urn:schemas-microsoft-com:vml" Requires="v">
-                <p:oleObj spid="_x0000_s11269" name="Equation" r:id="rId3" imgW="35356800" imgH="6096000" progId="Equation.DSMT4">
+                <p:oleObj spid="_x0000_s11269" name="Equation" r:id="rId1" imgW="35356800" imgH="6096000" progId="Equation.DSMT4">
                   <p:embed/>
                 </p:oleObj>
               </mc:Choice>
               <mc:Fallback>
-                <p:oleObj name="Equation" r:id="rId3" imgW="35356800" imgH="6096000" progId="Equation.DSMT4">
+                <p:oleObj name="Equation" r:id="rId1" imgW="35356800" imgH="6096000" progId="Equation.DSMT4">
                   <p:embed/>
                   <p:pic>
                     <p:nvPicPr>
-                      <p:cNvPr id="5" name="对象 4"/>
+                      <p:cNvPr id="0" name="对象 4"/>
                       <p:cNvPicPr/>
                       <p:nvPr/>
                     </p:nvPicPr>
                     <p:blipFill>
-                      <a:blip r:embed="rId4"/>
+                      <a:blip r:embed="rId2"/>
                       <a:stretch>
                         <a:fillRect/>
                       </a:stretch>
@@ -16344,8 +16411,8 @@
               <a:prstGeom prst="rect">
                 <a:avLst/>
               </a:prstGeom>
-              <a:blipFill>
-                <a:blip r:embed="rId5"/>
+              <a:blipFill rotWithShape="1">
+                <a:blip r:embed="rId3"/>
                 <a:stretch>
                   <a:fillRect l="-786" t="-1502" b="-3904"/>
                 </a:stretch>
@@ -16361,6 +16428,9 @@
                   </a:rPr>
                   <a:t> </a:t>
                 </a:r>
+                <a:endParaRPr lang="zh-CN" altLang="en-US">
+                  <a:noFill/>
+                </a:endParaRPr>
               </a:p>
             </p:txBody>
           </p:sp>
@@ -16385,34 +16455,10 @@
                 <a:tableStyleId>{5C22544A-7EE6-4342-B048-85BDC9FD1C3A}</a:tableStyleId>
               </a:tblPr>
               <a:tblGrid>
-                <a:gridCol w="2308543">
-                  <a:extLst>
-                    <a:ext uri="{9D8B030D-6E8A-4147-A177-3AD203B41FA5}">
-                      <a16:colId xmlns:a16="http://schemas.microsoft.com/office/drawing/2014/main" val="20000"/>
-                    </a:ext>
-                  </a:extLst>
-                </a:gridCol>
-                <a:gridCol w="1656000">
-                  <a:extLst>
-                    <a:ext uri="{9D8B030D-6E8A-4147-A177-3AD203B41FA5}">
-                      <a16:colId xmlns:a16="http://schemas.microsoft.com/office/drawing/2014/main" val="20001"/>
-                    </a:ext>
-                  </a:extLst>
-                </a:gridCol>
-                <a:gridCol w="1656000">
-                  <a:extLst>
-                    <a:ext uri="{9D8B030D-6E8A-4147-A177-3AD203B41FA5}">
-                      <a16:colId xmlns:a16="http://schemas.microsoft.com/office/drawing/2014/main" val="20002"/>
-                    </a:ext>
-                  </a:extLst>
-                </a:gridCol>
-                <a:gridCol w="1656000">
-                  <a:extLst>
-                    <a:ext uri="{9D8B030D-6E8A-4147-A177-3AD203B41FA5}">
-                      <a16:colId xmlns:a16="http://schemas.microsoft.com/office/drawing/2014/main" val="20003"/>
-                    </a:ext>
-                  </a:extLst>
-                </a:gridCol>
+                <a:gridCol w="2308543"/>
+                <a:gridCol w="1656000"/>
+                <a:gridCol w="1656000"/>
+                <a:gridCol w="1656000"/>
               </a:tblGrid>
               <a:tr h="497601">
                 <a:tc>
@@ -16433,6 +16479,15 @@
                         </a:rPr>
                         <a:t>背景介绍及研究意义</a:t>
                       </a:r>
+                      <a:endParaRPr lang="zh-CN" altLang="en-US" b="0" dirty="0">
+                        <a:solidFill>
+                          <a:schemeClr val="accent1">
+                            <a:lumMod val="75000"/>
+                          </a:schemeClr>
+                        </a:solidFill>
+                        <a:latin typeface="微软雅黑" panose="020B0503020204020204" pitchFamily="34" charset="-122"/>
+                        <a:ea typeface="微软雅黑" panose="020B0503020204020204" pitchFamily="34" charset="-122"/>
+                      </a:endParaRPr>
                     </a:p>
                   </a:txBody>
                   <a:tcPr anchor="b">
@@ -16514,6 +16569,13 @@
                         </a:rPr>
                         <a:t>研究内容</a:t>
                       </a:r>
+                      <a:endParaRPr lang="zh-CN" altLang="en-US" b="1" dirty="0">
+                        <a:solidFill>
+                          <a:schemeClr val="bg1"/>
+                        </a:solidFill>
+                        <a:latin typeface="微软雅黑" panose="020B0503020204020204" pitchFamily="34" charset="-122"/>
+                        <a:ea typeface="微软雅黑" panose="020B0503020204020204" pitchFamily="34" charset="-122"/>
+                      </a:endParaRPr>
                     </a:p>
                   </a:txBody>
                   <a:tcPr anchor="ctr">
@@ -16599,6 +16661,15 @@
                         </a:rPr>
                         <a:t>研究计划</a:t>
                       </a:r>
+                      <a:endParaRPr lang="zh-CN" altLang="en-US" b="0" dirty="0">
+                        <a:solidFill>
+                          <a:schemeClr val="accent1">
+                            <a:lumMod val="75000"/>
+                          </a:schemeClr>
+                        </a:solidFill>
+                        <a:latin typeface="微软雅黑" panose="020B0503020204020204" pitchFamily="34" charset="-122"/>
+                        <a:ea typeface="微软雅黑" panose="020B0503020204020204" pitchFamily="34" charset="-122"/>
+                      </a:endParaRPr>
                     </a:p>
                   </a:txBody>
                   <a:tcPr anchor="b">
@@ -16682,6 +16753,15 @@
                         </a:rPr>
                         <a:t>研究进展</a:t>
                       </a:r>
+                      <a:endParaRPr lang="zh-CN" altLang="en-US" b="0" dirty="0">
+                        <a:solidFill>
+                          <a:schemeClr val="accent1">
+                            <a:lumMod val="75000"/>
+                          </a:schemeClr>
+                        </a:solidFill>
+                        <a:latin typeface="微软雅黑" panose="020B0503020204020204" pitchFamily="34" charset="-122"/>
+                        <a:ea typeface="微软雅黑" panose="020B0503020204020204" pitchFamily="34" charset="-122"/>
+                      </a:endParaRPr>
                     </a:p>
                   </a:txBody>
                   <a:tcPr anchor="b">
@@ -16732,11 +16812,6 @@
                     <a:noFill/>
                   </a:tcPr>
                 </a:tc>
-                <a:extLst>
-                  <a:ext uri="{0D108BD9-81ED-4DB2-BD59-A6C34878D82A}">
-                    <a16:rowId xmlns:a16="http://schemas.microsoft.com/office/drawing/2014/main" val="10000"/>
-                  </a:ext>
-                </a:extLst>
               </a:tr>
               <a:tr h="164799">
                 <a:tc>
@@ -16807,13 +16882,6 @@
                   </a:tcPr>
                 </a:tc>
                 <a:tc vMerge="1">
-                  <a:txBody>
-                    <a:bodyPr/>
-                    <a:lstStyle/>
-                    <a:p>
-                      <a:endParaRPr lang="zh-CN"/>
-                    </a:p>
-                  </a:txBody>
                   <a:tcPr anchor="ctr">
                     <a:lnL w="57150" cap="flat" cmpd="sng" algn="ctr">
                       <a:solidFill>
@@ -16998,11 +17066,6 @@
                     </a:solidFill>
                   </a:tcPr>
                 </a:tc>
-                <a:extLst>
-                  <a:ext uri="{0D108BD9-81ED-4DB2-BD59-A6C34878D82A}">
-                    <a16:rowId xmlns:a16="http://schemas.microsoft.com/office/drawing/2014/main" val="10001"/>
-                  </a:ext>
-                </a:extLst>
               </a:tr>
             </a:tbl>
           </a:graphicData>
@@ -17010,13 +17073,7 @@
       </p:graphicFrame>
       <p:sp>
         <p:nvSpPr>
-          <p:cNvPr id="10" name="TextBox 9">
-            <a:extLst>
-              <a:ext uri="{FF2B5EF4-FFF2-40B4-BE49-F238E27FC236}">
-                <a16:creationId xmlns:a16="http://schemas.microsoft.com/office/drawing/2014/main" id="{D8E0AFDA-7F35-414C-AFDB-50BDBBAC933F}"/>
-              </a:ext>
-            </a:extLst>
-          </p:cNvPr>
+          <p:cNvPr id="10" name="TextBox 9"/>
           <p:cNvSpPr txBox="1"/>
           <p:nvPr/>
         </p:nvSpPr>
@@ -17074,11 +17131,6 @@
         </p:txBody>
       </p:sp>
     </p:spTree>
-    <p:extLst>
-      <p:ext uri="{BB962C8B-B14F-4D97-AF65-F5344CB8AC3E}">
-        <p14:creationId xmlns:p14="http://schemas.microsoft.com/office/powerpoint/2010/main" val="1319966588"/>
-      </p:ext>
-    </p:extLst>
   </p:cSld>
   <p:clrMapOvr>
     <a:masterClrMapping/>
@@ -17135,7 +17187,7 @@
               <a:buSzPct val="130000"/>
               <a:buFont typeface="Wingdings" panose="05000000000000000000" pitchFamily="2" charset="2"/>
               <a:buBlip>
-                <a:blip r:embed="rId2"/>
+                <a:blip r:embed="rId1"/>
               </a:buBlip>
               <a:tabLst>
                 <a:tab pos="5137150" algn="l"/>
@@ -17447,7 +17499,7 @@
           <p:nvPr/>
         </p:nvPicPr>
         <p:blipFill rotWithShape="1">
-          <a:blip r:embed="rId3"/>
+          <a:blip r:embed="rId2"/>
           <a:srcRect l="1027" t="1313" r="1314" b="1342"/>
           <a:stretch>
             <a:fillRect/>
@@ -17472,7 +17524,7 @@
           <p:nvPr/>
         </p:nvPicPr>
         <p:blipFill rotWithShape="1">
-          <a:blip r:embed="rId4"/>
+          <a:blip r:embed="rId3"/>
           <a:srcRect l="930" t="1627" r="1173" b="3043"/>
           <a:stretch>
             <a:fillRect/>
@@ -17497,7 +17549,7 @@
           <p:nvPr/>
         </p:nvPicPr>
         <p:blipFill rotWithShape="1">
-          <a:blip r:embed="rId5"/>
+          <a:blip r:embed="rId4"/>
           <a:srcRect r="2841" b="5161"/>
           <a:stretch>
             <a:fillRect/>
@@ -17604,6 +17656,12 @@
               </a:rPr>
               <a:t>Bag of words</a:t>
             </a:r>
+            <a:endParaRPr lang="en-AU" altLang="zh-CN" sz="1800" dirty="0">
+              <a:solidFill>
+                <a:schemeClr val="accent2"/>
+              </a:solidFill>
+              <a:latin typeface="+mn-lt"/>
+            </a:endParaRPr>
           </a:p>
         </p:txBody>
       </p:sp>
@@ -17648,6 +17706,12 @@
               </a:rPr>
               <a:t>Sparse data</a:t>
             </a:r>
+            <a:endParaRPr lang="en-AU" altLang="zh-CN" sz="1800" dirty="0">
+              <a:solidFill>
+                <a:schemeClr val="accent2"/>
+              </a:solidFill>
+              <a:latin typeface="+mn-lt"/>
+            </a:endParaRPr>
           </a:p>
         </p:txBody>
       </p:sp>
@@ -17670,34 +17734,10 @@
                 <a:tableStyleId>{5C22544A-7EE6-4342-B048-85BDC9FD1C3A}</a:tableStyleId>
               </a:tblPr>
               <a:tblGrid>
-                <a:gridCol w="2448272">
-                  <a:extLst>
-                    <a:ext uri="{9D8B030D-6E8A-4147-A177-3AD203B41FA5}">
-                      <a16:colId xmlns:a16="http://schemas.microsoft.com/office/drawing/2014/main" val="20000"/>
-                    </a:ext>
-                  </a:extLst>
-                </a:gridCol>
-                <a:gridCol w="1656184">
-                  <a:extLst>
-                    <a:ext uri="{9D8B030D-6E8A-4147-A177-3AD203B41FA5}">
-                      <a16:colId xmlns:a16="http://schemas.microsoft.com/office/drawing/2014/main" val="20001"/>
-                    </a:ext>
-                  </a:extLst>
-                </a:gridCol>
-                <a:gridCol w="1800200">
-                  <a:extLst>
-                    <a:ext uri="{9D8B030D-6E8A-4147-A177-3AD203B41FA5}">
-                      <a16:colId xmlns:a16="http://schemas.microsoft.com/office/drawing/2014/main" val="20002"/>
-                    </a:ext>
-                  </a:extLst>
-                </a:gridCol>
-                <a:gridCol w="1656184">
-                  <a:extLst>
-                    <a:ext uri="{9D8B030D-6E8A-4147-A177-3AD203B41FA5}">
-                      <a16:colId xmlns:a16="http://schemas.microsoft.com/office/drawing/2014/main" val="20003"/>
-                    </a:ext>
-                  </a:extLst>
-                </a:gridCol>
+                <a:gridCol w="2448272"/>
+                <a:gridCol w="1656184"/>
+                <a:gridCol w="1800200"/>
+                <a:gridCol w="1656184"/>
               </a:tblGrid>
               <a:tr h="504055">
                 <a:tc rowSpan="2">
@@ -17784,6 +17824,15 @@
                         </a:rPr>
                         <a:t>研究内容</a:t>
                       </a:r>
+                      <a:endParaRPr lang="zh-CN" altLang="en-US" b="1" dirty="0">
+                        <a:solidFill>
+                          <a:schemeClr val="accent1">
+                            <a:lumMod val="75000"/>
+                          </a:schemeClr>
+                        </a:solidFill>
+                        <a:latin typeface="微软雅黑" panose="020B0503020204020204" pitchFamily="34" charset="-122"/>
+                        <a:ea typeface="微软雅黑" panose="020B0503020204020204" pitchFamily="34" charset="-122"/>
+                      </a:endParaRPr>
                     </a:p>
                   </a:txBody>
                   <a:tcPr anchor="b">
@@ -17867,6 +17916,15 @@
                         </a:rPr>
                         <a:t>研究计划</a:t>
                       </a:r>
+                      <a:endParaRPr lang="zh-CN" altLang="en-US" b="1" dirty="0">
+                        <a:solidFill>
+                          <a:schemeClr val="accent1">
+                            <a:lumMod val="75000"/>
+                          </a:schemeClr>
+                        </a:solidFill>
+                        <a:latin typeface="微软雅黑" panose="020B0503020204020204" pitchFamily="34" charset="-122"/>
+                        <a:ea typeface="微软雅黑" panose="020B0503020204020204" pitchFamily="34" charset="-122"/>
+                      </a:endParaRPr>
                     </a:p>
                   </a:txBody>
                   <a:tcPr anchor="b">
@@ -17950,6 +18008,15 @@
                         </a:rPr>
                         <a:t>研究进展</a:t>
                       </a:r>
+                      <a:endParaRPr lang="zh-CN" altLang="en-US" b="1" dirty="0">
+                        <a:solidFill>
+                          <a:schemeClr val="accent1">
+                            <a:lumMod val="75000"/>
+                          </a:schemeClr>
+                        </a:solidFill>
+                        <a:latin typeface="微软雅黑" panose="020B0503020204020204" pitchFamily="34" charset="-122"/>
+                        <a:ea typeface="微软雅黑" panose="020B0503020204020204" pitchFamily="34" charset="-122"/>
+                      </a:endParaRPr>
                     </a:p>
                   </a:txBody>
                   <a:tcPr anchor="b">
@@ -18000,21 +18067,9 @@
                     <a:noFill/>
                   </a:tcPr>
                 </a:tc>
-                <a:extLst>
-                  <a:ext uri="{0D108BD9-81ED-4DB2-BD59-A6C34878D82A}">
-                    <a16:rowId xmlns:a16="http://schemas.microsoft.com/office/drawing/2014/main" val="10000"/>
-                  </a:ext>
-                </a:extLst>
               </a:tr>
               <a:tr h="166937">
                 <a:tc vMerge="1">
-                  <a:txBody>
-                    <a:bodyPr/>
-                    <a:lstStyle/>
-                    <a:p>
-                      <a:endParaRPr lang="zh-CN"/>
-                    </a:p>
-                  </a:txBody>
                   <a:tcPr anchor="ctr">
                     <a:lnT w="38100" cap="flat" cmpd="sng" algn="ctr">
                       <a:solidFill>
@@ -18230,11 +18285,6 @@
                     </a:solidFill>
                   </a:tcPr>
                 </a:tc>
-                <a:extLst>
-                  <a:ext uri="{0D108BD9-81ED-4DB2-BD59-A6C34878D82A}">
-                    <a16:rowId xmlns:a16="http://schemas.microsoft.com/office/drawing/2014/main" val="10001"/>
-                  </a:ext>
-                </a:extLst>
               </a:tr>
             </a:tbl>
           </a:graphicData>
@@ -18583,34 +18633,10 @@
                 <a:tableStyleId>{5C22544A-7EE6-4342-B048-85BDC9FD1C3A}</a:tableStyleId>
               </a:tblPr>
               <a:tblGrid>
-                <a:gridCol w="2448272">
-                  <a:extLst>
-                    <a:ext uri="{9D8B030D-6E8A-4147-A177-3AD203B41FA5}">
-                      <a16:colId xmlns:a16="http://schemas.microsoft.com/office/drawing/2014/main" val="20000"/>
-                    </a:ext>
-                  </a:extLst>
-                </a:gridCol>
-                <a:gridCol w="1656184">
-                  <a:extLst>
-                    <a:ext uri="{9D8B030D-6E8A-4147-A177-3AD203B41FA5}">
-                      <a16:colId xmlns:a16="http://schemas.microsoft.com/office/drawing/2014/main" val="20001"/>
-                    </a:ext>
-                  </a:extLst>
-                </a:gridCol>
-                <a:gridCol w="1800200">
-                  <a:extLst>
-                    <a:ext uri="{9D8B030D-6E8A-4147-A177-3AD203B41FA5}">
-                      <a16:colId xmlns:a16="http://schemas.microsoft.com/office/drawing/2014/main" val="20002"/>
-                    </a:ext>
-                  </a:extLst>
-                </a:gridCol>
-                <a:gridCol w="1656184">
-                  <a:extLst>
-                    <a:ext uri="{9D8B030D-6E8A-4147-A177-3AD203B41FA5}">
-                      <a16:colId xmlns:a16="http://schemas.microsoft.com/office/drawing/2014/main" val="20003"/>
-                    </a:ext>
-                  </a:extLst>
-                </a:gridCol>
+                <a:gridCol w="2448272"/>
+                <a:gridCol w="1656184"/>
+                <a:gridCol w="1800200"/>
+                <a:gridCol w="1656184"/>
               </a:tblGrid>
               <a:tr h="504055">
                 <a:tc rowSpan="2">
@@ -18697,6 +18723,15 @@
                         </a:rPr>
                         <a:t>研究内容</a:t>
                       </a:r>
+                      <a:endParaRPr lang="zh-CN" altLang="en-US" b="1" dirty="0">
+                        <a:solidFill>
+                          <a:schemeClr val="accent1">
+                            <a:lumMod val="75000"/>
+                          </a:schemeClr>
+                        </a:solidFill>
+                        <a:latin typeface="微软雅黑" panose="020B0503020204020204" pitchFamily="34" charset="-122"/>
+                        <a:ea typeface="微软雅黑" panose="020B0503020204020204" pitchFamily="34" charset="-122"/>
+                      </a:endParaRPr>
                     </a:p>
                   </a:txBody>
                   <a:tcPr anchor="b">
@@ -18780,6 +18815,15 @@
                         </a:rPr>
                         <a:t>研究计划</a:t>
                       </a:r>
+                      <a:endParaRPr lang="zh-CN" altLang="en-US" b="1" dirty="0">
+                        <a:solidFill>
+                          <a:schemeClr val="accent1">
+                            <a:lumMod val="75000"/>
+                          </a:schemeClr>
+                        </a:solidFill>
+                        <a:latin typeface="微软雅黑" panose="020B0503020204020204" pitchFamily="34" charset="-122"/>
+                        <a:ea typeface="微软雅黑" panose="020B0503020204020204" pitchFamily="34" charset="-122"/>
+                      </a:endParaRPr>
                     </a:p>
                   </a:txBody>
                   <a:tcPr anchor="b">
@@ -18863,6 +18907,15 @@
                         </a:rPr>
                         <a:t>研究进展</a:t>
                       </a:r>
+                      <a:endParaRPr lang="zh-CN" altLang="en-US" b="1" dirty="0">
+                        <a:solidFill>
+                          <a:schemeClr val="accent1">
+                            <a:lumMod val="75000"/>
+                          </a:schemeClr>
+                        </a:solidFill>
+                        <a:latin typeface="微软雅黑" panose="020B0503020204020204" pitchFamily="34" charset="-122"/>
+                        <a:ea typeface="微软雅黑" panose="020B0503020204020204" pitchFamily="34" charset="-122"/>
+                      </a:endParaRPr>
                     </a:p>
                   </a:txBody>
                   <a:tcPr anchor="b">
@@ -18913,21 +18966,9 @@
                     <a:noFill/>
                   </a:tcPr>
                 </a:tc>
-                <a:extLst>
-                  <a:ext uri="{0D108BD9-81ED-4DB2-BD59-A6C34878D82A}">
-                    <a16:rowId xmlns:a16="http://schemas.microsoft.com/office/drawing/2014/main" val="10000"/>
-                  </a:ext>
-                </a:extLst>
               </a:tr>
               <a:tr h="166937">
                 <a:tc vMerge="1">
-                  <a:txBody>
-                    <a:bodyPr/>
-                    <a:lstStyle/>
-                    <a:p>
-                      <a:endParaRPr lang="zh-CN"/>
-                    </a:p>
-                  </a:txBody>
                   <a:tcPr anchor="ctr">
                     <a:lnT w="38100" cap="flat" cmpd="sng" algn="ctr">
                       <a:solidFill>
@@ -19143,11 +19184,6 @@
                     </a:solidFill>
                   </a:tcPr>
                 </a:tc>
-                <a:extLst>
-                  <a:ext uri="{0D108BD9-81ED-4DB2-BD59-A6C34878D82A}">
-                    <a16:rowId xmlns:a16="http://schemas.microsoft.com/office/drawing/2014/main" val="10001"/>
-                  </a:ext>
-                </a:extLst>
               </a:tr>
             </a:tbl>
           </a:graphicData>
@@ -19271,34 +19307,6 @@
               </a:rPr>
               <a:t>    </a:t>
             </a:r>
-          </a:p>
-          <a:p>
-            <a:pPr>
-              <a:lnSpc>
-                <a:spcPct val="150000"/>
-              </a:lnSpc>
-            </a:pPr>
-            <a:r>
-              <a:rPr lang="zh-CN" altLang="en-US" sz="2400" dirty="0">
-                <a:latin typeface="微软雅黑" panose="020B0503020204020204" pitchFamily="34" charset="-122"/>
-                <a:ea typeface="微软雅黑" panose="020B0503020204020204" pitchFamily="34" charset="-122"/>
-              </a:rPr>
-              <a:t>研究内容</a:t>
-            </a:r>
-            <a:r>
-              <a:rPr lang="en-US" altLang="zh-CN" sz="2400" dirty="0">
-                <a:latin typeface="微软雅黑" panose="020B0503020204020204" pitchFamily="34" charset="-122"/>
-                <a:ea typeface="微软雅黑" panose="020B0503020204020204" pitchFamily="34" charset="-122"/>
-              </a:rPr>
-              <a:t>2</a:t>
-            </a:r>
-            <a:r>
-              <a:rPr lang="zh-CN" altLang="en-US" sz="2400" dirty="0">
-                <a:latin typeface="微软雅黑" panose="020B0503020204020204" pitchFamily="34" charset="-122"/>
-                <a:ea typeface="微软雅黑" panose="020B0503020204020204" pitchFamily="34" charset="-122"/>
-              </a:rPr>
-              <a:t>：基于点模式混合模型的无监督学习算法</a:t>
-            </a:r>
             <a:endParaRPr lang="en-US" altLang="zh-CN" sz="2400" dirty="0">
               <a:latin typeface="微软雅黑" panose="020B0503020204020204" pitchFamily="34" charset="-122"/>
               <a:ea typeface="微软雅黑" panose="020B0503020204020204" pitchFamily="34" charset="-122"/>
@@ -19311,12 +19319,48 @@
               </a:lnSpc>
             </a:pPr>
             <a:r>
+              <a:rPr lang="zh-CN" altLang="en-US" sz="2400" dirty="0">
+                <a:latin typeface="微软雅黑" panose="020B0503020204020204" pitchFamily="34" charset="-122"/>
+                <a:ea typeface="微软雅黑" panose="020B0503020204020204" pitchFamily="34" charset="-122"/>
+              </a:rPr>
+              <a:t>研究内容</a:t>
+            </a:r>
+            <a:r>
               <a:rPr lang="en-US" altLang="zh-CN" sz="2400" dirty="0">
                 <a:latin typeface="微软雅黑" panose="020B0503020204020204" pitchFamily="34" charset="-122"/>
                 <a:ea typeface="微软雅黑" panose="020B0503020204020204" pitchFamily="34" charset="-122"/>
               </a:rPr>
+              <a:t>2</a:t>
+            </a:r>
+            <a:r>
+              <a:rPr lang="zh-CN" altLang="en-US" sz="2400" dirty="0">
+                <a:latin typeface="微软雅黑" panose="020B0503020204020204" pitchFamily="34" charset="-122"/>
+                <a:ea typeface="微软雅黑" panose="020B0503020204020204" pitchFamily="34" charset="-122"/>
+              </a:rPr>
+              <a:t>：基于点模式混合模型的无监督学习算法</a:t>
+            </a:r>
+            <a:endParaRPr lang="en-US" altLang="zh-CN" sz="2400" dirty="0">
+              <a:latin typeface="微软雅黑" panose="020B0503020204020204" pitchFamily="34" charset="-122"/>
+              <a:ea typeface="微软雅黑" panose="020B0503020204020204" pitchFamily="34" charset="-122"/>
+            </a:endParaRPr>
+          </a:p>
+          <a:p>
+            <a:pPr>
+              <a:lnSpc>
+                <a:spcPct val="150000"/>
+              </a:lnSpc>
+            </a:pPr>
+            <a:r>
+              <a:rPr lang="en-US" altLang="zh-CN" sz="2400" dirty="0">
+                <a:latin typeface="微软雅黑" panose="020B0503020204020204" pitchFamily="34" charset="-122"/>
+                <a:ea typeface="微软雅黑" panose="020B0503020204020204" pitchFamily="34" charset="-122"/>
+              </a:rPr>
               <a:t>    </a:t>
             </a:r>
+            <a:endParaRPr lang="en-US" altLang="zh-CN" sz="2400" dirty="0">
+              <a:latin typeface="微软雅黑" panose="020B0503020204020204" pitchFamily="34" charset="-122"/>
+              <a:ea typeface="微软雅黑" panose="020B0503020204020204" pitchFamily="34" charset="-122"/>
+            </a:endParaRPr>
           </a:p>
           <a:p>
             <a:pPr>
@@ -19429,34 +19473,10 @@
                 <a:tableStyleId>{5C22544A-7EE6-4342-B048-85BDC9FD1C3A}</a:tableStyleId>
               </a:tblPr>
               <a:tblGrid>
-                <a:gridCol w="2308543">
-                  <a:extLst>
-                    <a:ext uri="{9D8B030D-6E8A-4147-A177-3AD203B41FA5}">
-                      <a16:colId xmlns:a16="http://schemas.microsoft.com/office/drawing/2014/main" val="20000"/>
-                    </a:ext>
-                  </a:extLst>
-                </a:gridCol>
-                <a:gridCol w="1656000">
-                  <a:extLst>
-                    <a:ext uri="{9D8B030D-6E8A-4147-A177-3AD203B41FA5}">
-                      <a16:colId xmlns:a16="http://schemas.microsoft.com/office/drawing/2014/main" val="20001"/>
-                    </a:ext>
-                  </a:extLst>
-                </a:gridCol>
-                <a:gridCol w="1656000">
-                  <a:extLst>
-                    <a:ext uri="{9D8B030D-6E8A-4147-A177-3AD203B41FA5}">
-                      <a16:colId xmlns:a16="http://schemas.microsoft.com/office/drawing/2014/main" val="20002"/>
-                    </a:ext>
-                  </a:extLst>
-                </a:gridCol>
-                <a:gridCol w="1656000">
-                  <a:extLst>
-                    <a:ext uri="{9D8B030D-6E8A-4147-A177-3AD203B41FA5}">
-                      <a16:colId xmlns:a16="http://schemas.microsoft.com/office/drawing/2014/main" val="20003"/>
-                    </a:ext>
-                  </a:extLst>
-                </a:gridCol>
+                <a:gridCol w="2308543"/>
+                <a:gridCol w="1656000"/>
+                <a:gridCol w="1656000"/>
+                <a:gridCol w="1656000"/>
               </a:tblGrid>
               <a:tr h="497601">
                 <a:tc>
@@ -19477,6 +19497,15 @@
                         </a:rPr>
                         <a:t>背景介绍及研究意义</a:t>
                       </a:r>
+                      <a:endParaRPr lang="zh-CN" altLang="en-US" b="0" dirty="0">
+                        <a:solidFill>
+                          <a:schemeClr val="accent1">
+                            <a:lumMod val="75000"/>
+                          </a:schemeClr>
+                        </a:solidFill>
+                        <a:latin typeface="微软雅黑" panose="020B0503020204020204" pitchFamily="34" charset="-122"/>
+                        <a:ea typeface="微软雅黑" panose="020B0503020204020204" pitchFamily="34" charset="-122"/>
+                      </a:endParaRPr>
                     </a:p>
                   </a:txBody>
                   <a:tcPr anchor="b">
@@ -19558,6 +19587,13 @@
                         </a:rPr>
                         <a:t>研究内容</a:t>
                       </a:r>
+                      <a:endParaRPr lang="zh-CN" altLang="en-US" b="1" dirty="0">
+                        <a:solidFill>
+                          <a:schemeClr val="bg1"/>
+                        </a:solidFill>
+                        <a:latin typeface="微软雅黑" panose="020B0503020204020204" pitchFamily="34" charset="-122"/>
+                        <a:ea typeface="微软雅黑" panose="020B0503020204020204" pitchFamily="34" charset="-122"/>
+                      </a:endParaRPr>
                     </a:p>
                   </a:txBody>
                   <a:tcPr anchor="ctr">
@@ -19643,6 +19679,15 @@
                         </a:rPr>
                         <a:t>研究计划</a:t>
                       </a:r>
+                      <a:endParaRPr lang="zh-CN" altLang="en-US" b="0" dirty="0">
+                        <a:solidFill>
+                          <a:schemeClr val="accent1">
+                            <a:lumMod val="75000"/>
+                          </a:schemeClr>
+                        </a:solidFill>
+                        <a:latin typeface="微软雅黑" panose="020B0503020204020204" pitchFamily="34" charset="-122"/>
+                        <a:ea typeface="微软雅黑" panose="020B0503020204020204" pitchFamily="34" charset="-122"/>
+                      </a:endParaRPr>
                     </a:p>
                   </a:txBody>
                   <a:tcPr anchor="b">
@@ -19726,6 +19771,15 @@
                         </a:rPr>
                         <a:t>研究进展</a:t>
                       </a:r>
+                      <a:endParaRPr lang="zh-CN" altLang="en-US" b="0" dirty="0">
+                        <a:solidFill>
+                          <a:schemeClr val="accent1">
+                            <a:lumMod val="75000"/>
+                          </a:schemeClr>
+                        </a:solidFill>
+                        <a:latin typeface="微软雅黑" panose="020B0503020204020204" pitchFamily="34" charset="-122"/>
+                        <a:ea typeface="微软雅黑" panose="020B0503020204020204" pitchFamily="34" charset="-122"/>
+                      </a:endParaRPr>
                     </a:p>
                   </a:txBody>
                   <a:tcPr anchor="b">
@@ -19776,11 +19830,6 @@
                     <a:noFill/>
                   </a:tcPr>
                 </a:tc>
-                <a:extLst>
-                  <a:ext uri="{0D108BD9-81ED-4DB2-BD59-A6C34878D82A}">
-                    <a16:rowId xmlns:a16="http://schemas.microsoft.com/office/drawing/2014/main" val="10000"/>
-                  </a:ext>
-                </a:extLst>
               </a:tr>
               <a:tr h="164799">
                 <a:tc>
@@ -19851,13 +19900,6 @@
                   </a:tcPr>
                 </a:tc>
                 <a:tc vMerge="1">
-                  <a:txBody>
-                    <a:bodyPr/>
-                    <a:lstStyle/>
-                    <a:p>
-                      <a:endParaRPr lang="zh-CN"/>
-                    </a:p>
-                  </a:txBody>
                   <a:tcPr anchor="ctr">
                     <a:lnL w="57150" cap="flat" cmpd="sng" algn="ctr">
                       <a:solidFill>
@@ -20042,11 +20084,6 @@
                     </a:solidFill>
                   </a:tcPr>
                 </a:tc>
-                <a:extLst>
-                  <a:ext uri="{0D108BD9-81ED-4DB2-BD59-A6C34878D82A}">
-                    <a16:rowId xmlns:a16="http://schemas.microsoft.com/office/drawing/2014/main" val="10001"/>
-                  </a:ext>
-                </a:extLst>
               </a:tr>
             </a:tbl>
           </a:graphicData>
@@ -20223,6 +20260,7 @@
               <a:rPr lang="zh-CN" altLang="en-US" dirty="0"/>
               <a:t>训练数据</a:t>
             </a:r>
+            <a:endParaRPr lang="zh-CN" altLang="en-US" dirty="0"/>
           </a:p>
         </p:txBody>
       </p:sp>
@@ -20266,6 +20304,7 @@
               <a:rPr lang="zh-CN" altLang="en-US" dirty="0"/>
               <a:t>模型一</a:t>
             </a:r>
+            <a:endParaRPr lang="zh-CN" altLang="en-US" dirty="0"/>
           </a:p>
         </p:txBody>
       </p:sp>
@@ -20703,6 +20742,7 @@
               <a:rPr lang="zh-CN" altLang="en-US" sz="1400" dirty="0"/>
               <a:t>基数分布参数</a:t>
             </a:r>
+            <a:endParaRPr lang="zh-CN" altLang="en-US" sz="1400" dirty="0"/>
           </a:p>
         </p:txBody>
       </p:sp>
@@ -20746,6 +20786,7 @@
               <a:rPr lang="zh-CN" altLang="en-US" sz="1400" dirty="0"/>
               <a:t>特征分布参数</a:t>
             </a:r>
+            <a:endParaRPr lang="zh-CN" altLang="en-US" sz="1400" dirty="0"/>
           </a:p>
         </p:txBody>
       </p:sp>
@@ -20824,6 +20865,10 @@
               </a:rPr>
               <a:t>参数采样</a:t>
             </a:r>
+            <a:endParaRPr lang="zh-CN" altLang="en-US" sz="1200" dirty="0">
+              <a:latin typeface="微软雅黑" panose="020B0503020204020204" pitchFamily="34" charset="-122"/>
+              <a:ea typeface="微软雅黑" panose="020B0503020204020204" pitchFamily="34" charset="-122"/>
+            </a:endParaRPr>
           </a:p>
         </p:txBody>
       </p:sp>
@@ -20938,6 +20983,7 @@
               <a:rPr lang="zh-CN" altLang="en-US" dirty="0"/>
               <a:t>学习得到的模型一</a:t>
             </a:r>
+            <a:endParaRPr lang="zh-CN" altLang="en-US" dirty="0"/>
           </a:p>
         </p:txBody>
       </p:sp>
@@ -21690,6 +21736,7 @@
               <a:rPr lang="zh-CN" altLang="en-US" dirty="0"/>
               <a:t>最优模型</a:t>
             </a:r>
+            <a:endParaRPr lang="zh-CN" altLang="en-US" dirty="0"/>
           </a:p>
         </p:txBody>
       </p:sp>
@@ -22056,34 +22103,10 @@
                 <a:tableStyleId>{5C22544A-7EE6-4342-B048-85BDC9FD1C3A}</a:tableStyleId>
               </a:tblPr>
               <a:tblGrid>
-                <a:gridCol w="2308543">
-                  <a:extLst>
-                    <a:ext uri="{9D8B030D-6E8A-4147-A177-3AD203B41FA5}">
-                      <a16:colId xmlns:a16="http://schemas.microsoft.com/office/drawing/2014/main" val="20000"/>
-                    </a:ext>
-                  </a:extLst>
-                </a:gridCol>
-                <a:gridCol w="1656000">
-                  <a:extLst>
-                    <a:ext uri="{9D8B030D-6E8A-4147-A177-3AD203B41FA5}">
-                      <a16:colId xmlns:a16="http://schemas.microsoft.com/office/drawing/2014/main" val="20001"/>
-                    </a:ext>
-                  </a:extLst>
-                </a:gridCol>
-                <a:gridCol w="1656000">
-                  <a:extLst>
-                    <a:ext uri="{9D8B030D-6E8A-4147-A177-3AD203B41FA5}">
-                      <a16:colId xmlns:a16="http://schemas.microsoft.com/office/drawing/2014/main" val="20002"/>
-                    </a:ext>
-                  </a:extLst>
-                </a:gridCol>
-                <a:gridCol w="1656000">
-                  <a:extLst>
-                    <a:ext uri="{9D8B030D-6E8A-4147-A177-3AD203B41FA5}">
-                      <a16:colId xmlns:a16="http://schemas.microsoft.com/office/drawing/2014/main" val="20003"/>
-                    </a:ext>
-                  </a:extLst>
-                </a:gridCol>
+                <a:gridCol w="2308543"/>
+                <a:gridCol w="1656000"/>
+                <a:gridCol w="1656000"/>
+                <a:gridCol w="1656000"/>
               </a:tblGrid>
               <a:tr h="497601">
                 <a:tc>
@@ -22104,6 +22127,15 @@
                         </a:rPr>
                         <a:t>背景介绍及研究意义</a:t>
                       </a:r>
+                      <a:endParaRPr lang="zh-CN" altLang="en-US" b="0" dirty="0">
+                        <a:solidFill>
+                          <a:schemeClr val="accent1">
+                            <a:lumMod val="75000"/>
+                          </a:schemeClr>
+                        </a:solidFill>
+                        <a:latin typeface="微软雅黑" panose="020B0503020204020204" pitchFamily="34" charset="-122"/>
+                        <a:ea typeface="微软雅黑" panose="020B0503020204020204" pitchFamily="34" charset="-122"/>
+                      </a:endParaRPr>
                     </a:p>
                   </a:txBody>
                   <a:tcPr anchor="b">
@@ -22185,6 +22217,13 @@
                         </a:rPr>
                         <a:t>研究内容</a:t>
                       </a:r>
+                      <a:endParaRPr lang="zh-CN" altLang="en-US" b="1" dirty="0">
+                        <a:solidFill>
+                          <a:schemeClr val="bg1"/>
+                        </a:solidFill>
+                        <a:latin typeface="微软雅黑" panose="020B0503020204020204" pitchFamily="34" charset="-122"/>
+                        <a:ea typeface="微软雅黑" panose="020B0503020204020204" pitchFamily="34" charset="-122"/>
+                      </a:endParaRPr>
                     </a:p>
                   </a:txBody>
                   <a:tcPr anchor="ctr">
@@ -22270,6 +22309,15 @@
                         </a:rPr>
                         <a:t>研究计划</a:t>
                       </a:r>
+                      <a:endParaRPr lang="zh-CN" altLang="en-US" b="0" dirty="0">
+                        <a:solidFill>
+                          <a:schemeClr val="accent1">
+                            <a:lumMod val="75000"/>
+                          </a:schemeClr>
+                        </a:solidFill>
+                        <a:latin typeface="微软雅黑" panose="020B0503020204020204" pitchFamily="34" charset="-122"/>
+                        <a:ea typeface="微软雅黑" panose="020B0503020204020204" pitchFamily="34" charset="-122"/>
+                      </a:endParaRPr>
                     </a:p>
                   </a:txBody>
                   <a:tcPr anchor="b">
@@ -22353,6 +22401,15 @@
                         </a:rPr>
                         <a:t>研究进展</a:t>
                       </a:r>
+                      <a:endParaRPr lang="zh-CN" altLang="en-US" b="0" dirty="0">
+                        <a:solidFill>
+                          <a:schemeClr val="accent1">
+                            <a:lumMod val="75000"/>
+                          </a:schemeClr>
+                        </a:solidFill>
+                        <a:latin typeface="微软雅黑" panose="020B0503020204020204" pitchFamily="34" charset="-122"/>
+                        <a:ea typeface="微软雅黑" panose="020B0503020204020204" pitchFamily="34" charset="-122"/>
+                      </a:endParaRPr>
                     </a:p>
                   </a:txBody>
                   <a:tcPr anchor="b">
@@ -22403,11 +22460,6 @@
                     <a:noFill/>
                   </a:tcPr>
                 </a:tc>
-                <a:extLst>
-                  <a:ext uri="{0D108BD9-81ED-4DB2-BD59-A6C34878D82A}">
-                    <a16:rowId xmlns:a16="http://schemas.microsoft.com/office/drawing/2014/main" val="10000"/>
-                  </a:ext>
-                </a:extLst>
               </a:tr>
               <a:tr h="164799">
                 <a:tc>
@@ -22478,13 +22530,6 @@
                   </a:tcPr>
                 </a:tc>
                 <a:tc vMerge="1">
-                  <a:txBody>
-                    <a:bodyPr/>
-                    <a:lstStyle/>
-                    <a:p>
-                      <a:endParaRPr lang="zh-CN"/>
-                    </a:p>
-                  </a:txBody>
                   <a:tcPr anchor="ctr">
                     <a:lnL w="57150" cap="flat" cmpd="sng" algn="ctr">
                       <a:solidFill>
@@ -22669,11 +22714,6 @@
                     </a:solidFill>
                   </a:tcPr>
                 </a:tc>
-                <a:extLst>
-                  <a:ext uri="{0D108BD9-81ED-4DB2-BD59-A6C34878D82A}">
-                    <a16:rowId xmlns:a16="http://schemas.microsoft.com/office/drawing/2014/main" val="10001"/>
-                  </a:ext>
-                </a:extLst>
               </a:tr>
             </a:tbl>
           </a:graphicData>
@@ -22681,13 +22721,7 @@
       </p:graphicFrame>
       <p:sp>
         <p:nvSpPr>
-          <p:cNvPr id="41" name="矩形: 圆角 40">
-            <a:extLst>
-              <a:ext uri="{FF2B5EF4-FFF2-40B4-BE49-F238E27FC236}">
-                <a16:creationId xmlns:a16="http://schemas.microsoft.com/office/drawing/2014/main" id="{A4F9F73C-4876-4543-BD56-235E155CA4A2}"/>
-              </a:ext>
-            </a:extLst>
-          </p:cNvPr>
+          <p:cNvPr id="41" name="矩形: 圆角 40"/>
           <p:cNvSpPr/>
           <p:nvPr/>
         </p:nvSpPr>
@@ -22725,18 +22759,13 @@
               <a:rPr lang="zh-CN" altLang="en-US" sz="1400" dirty="0"/>
               <a:t>基数分布参数</a:t>
             </a:r>
+            <a:endParaRPr lang="zh-CN" altLang="en-US" sz="1400" dirty="0"/>
           </a:p>
         </p:txBody>
       </p:sp>
       <p:sp>
         <p:nvSpPr>
-          <p:cNvPr id="42" name="矩形: 圆角 41">
-            <a:extLst>
-              <a:ext uri="{FF2B5EF4-FFF2-40B4-BE49-F238E27FC236}">
-                <a16:creationId xmlns:a16="http://schemas.microsoft.com/office/drawing/2014/main" id="{BAF51F0C-C1D5-4830-B95A-CE72DA041973}"/>
-              </a:ext>
-            </a:extLst>
-          </p:cNvPr>
+          <p:cNvPr id="42" name="矩形: 圆角 41"/>
           <p:cNvSpPr/>
           <p:nvPr/>
         </p:nvSpPr>
@@ -22774,18 +22803,13 @@
               <a:rPr lang="zh-CN" altLang="en-US" sz="1400" dirty="0"/>
               <a:t>特征分布参数</a:t>
             </a:r>
+            <a:endParaRPr lang="zh-CN" altLang="en-US" sz="1400" dirty="0"/>
           </a:p>
         </p:txBody>
       </p:sp>
       <p:sp>
         <p:nvSpPr>
-          <p:cNvPr id="43" name="文本框 42">
-            <a:extLst>
-              <a:ext uri="{FF2B5EF4-FFF2-40B4-BE49-F238E27FC236}">
-                <a16:creationId xmlns:a16="http://schemas.microsoft.com/office/drawing/2014/main" id="{13E3F015-1B90-4671-AED4-26762B764B3F}"/>
-              </a:ext>
-            </a:extLst>
-          </p:cNvPr>
+          <p:cNvPr id="43" name="文本框 42"/>
           <p:cNvSpPr txBox="1"/>
           <p:nvPr/>
         </p:nvSpPr>
@@ -22823,13 +22847,7 @@
       </p:sp>
       <p:sp>
         <p:nvSpPr>
-          <p:cNvPr id="44" name="文本框 43">
-            <a:extLst>
-              <a:ext uri="{FF2B5EF4-FFF2-40B4-BE49-F238E27FC236}">
-                <a16:creationId xmlns:a16="http://schemas.microsoft.com/office/drawing/2014/main" id="{2D9E6D9B-27C1-46FB-ACBE-12F5B957617C}"/>
-              </a:ext>
-            </a:extLst>
-          </p:cNvPr>
+          <p:cNvPr id="44" name="文本框 43"/>
           <p:cNvSpPr txBox="1"/>
           <p:nvPr/>
         </p:nvSpPr>
@@ -22864,18 +22882,16 @@
               </a:rPr>
               <a:t>参数采样</a:t>
             </a:r>
+            <a:endParaRPr lang="zh-CN" altLang="en-US" sz="1200" dirty="0">
+              <a:latin typeface="微软雅黑" panose="020B0503020204020204" pitchFamily="34" charset="-122"/>
+              <a:ea typeface="微软雅黑" panose="020B0503020204020204" pitchFamily="34" charset="-122"/>
+            </a:endParaRPr>
           </a:p>
         </p:txBody>
       </p:sp>
       <p:cxnSp>
         <p:nvCxnSpPr>
-          <p:cNvPr id="45" name="连接符: 肘形 44">
-            <a:extLst>
-              <a:ext uri="{FF2B5EF4-FFF2-40B4-BE49-F238E27FC236}">
-                <a16:creationId xmlns:a16="http://schemas.microsoft.com/office/drawing/2014/main" id="{EDEE015C-1644-4315-AB83-B390EC56C077}"/>
-              </a:ext>
-            </a:extLst>
-          </p:cNvPr>
+          <p:cNvPr id="45" name="连接符: 肘形 44"/>
           <p:cNvCxnSpPr>
             <a:endCxn id="41" idx="1"/>
           </p:cNvCxnSpPr>
@@ -22910,13 +22926,7 @@
       </p:cxnSp>
       <p:cxnSp>
         <p:nvCxnSpPr>
-          <p:cNvPr id="46" name="连接符: 肘形 45">
-            <a:extLst>
-              <a:ext uri="{FF2B5EF4-FFF2-40B4-BE49-F238E27FC236}">
-                <a16:creationId xmlns:a16="http://schemas.microsoft.com/office/drawing/2014/main" id="{3F09D25C-A280-42C7-96BE-92856AB0E295}"/>
-              </a:ext>
-            </a:extLst>
-          </p:cNvPr>
+          <p:cNvPr id="46" name="连接符: 肘形 45"/>
           <p:cNvCxnSpPr/>
           <p:nvPr/>
         </p:nvCxnSpPr>
@@ -22949,13 +22959,7 @@
       </p:cxnSp>
       <p:cxnSp>
         <p:nvCxnSpPr>
-          <p:cNvPr id="47" name="连接符: 肘形 46">
-            <a:extLst>
-              <a:ext uri="{FF2B5EF4-FFF2-40B4-BE49-F238E27FC236}">
-                <a16:creationId xmlns:a16="http://schemas.microsoft.com/office/drawing/2014/main" id="{F1F9430D-B9A4-4201-9867-5142DACAFC62}"/>
-              </a:ext>
-            </a:extLst>
-          </p:cNvPr>
+          <p:cNvPr id="47" name="连接符: 肘形 46"/>
           <p:cNvCxnSpPr>
             <a:stCxn id="41" idx="3"/>
           </p:cNvCxnSpPr>
@@ -22990,13 +22994,7 @@
       </p:cxnSp>
       <p:cxnSp>
         <p:nvCxnSpPr>
-          <p:cNvPr id="48" name="连接符: 肘形 47">
-            <a:extLst>
-              <a:ext uri="{FF2B5EF4-FFF2-40B4-BE49-F238E27FC236}">
-                <a16:creationId xmlns:a16="http://schemas.microsoft.com/office/drawing/2014/main" id="{4EE4C933-0411-4B68-832E-AB788A7E727D}"/>
-              </a:ext>
-            </a:extLst>
-          </p:cNvPr>
+          <p:cNvPr id="48" name="连接符: 肘形 47"/>
           <p:cNvCxnSpPr>
             <a:stCxn id="42" idx="3"/>
           </p:cNvCxnSpPr>
@@ -23125,6 +23123,10 @@
               </a:rPr>
               <a:t>图一</a:t>
             </a:r>
+            <a:endParaRPr lang="zh-CN" altLang="en-US" sz="1400" dirty="0">
+              <a:latin typeface="微软雅黑" panose="020B0503020204020204" pitchFamily="34" charset="-122"/>
+              <a:ea typeface="微软雅黑" panose="020B0503020204020204" pitchFamily="34" charset="-122"/>
+            </a:endParaRPr>
           </a:p>
         </p:txBody>
       </p:sp>
@@ -23147,34 +23149,10 @@
                 <a:tableStyleId>{5C22544A-7EE6-4342-B048-85BDC9FD1C3A}</a:tableStyleId>
               </a:tblPr>
               <a:tblGrid>
-                <a:gridCol w="2308543">
-                  <a:extLst>
-                    <a:ext uri="{9D8B030D-6E8A-4147-A177-3AD203B41FA5}">
-                      <a16:colId xmlns:a16="http://schemas.microsoft.com/office/drawing/2014/main" val="20000"/>
-                    </a:ext>
-                  </a:extLst>
-                </a:gridCol>
-                <a:gridCol w="1656000">
-                  <a:extLst>
-                    <a:ext uri="{9D8B030D-6E8A-4147-A177-3AD203B41FA5}">
-                      <a16:colId xmlns:a16="http://schemas.microsoft.com/office/drawing/2014/main" val="20001"/>
-                    </a:ext>
-                  </a:extLst>
-                </a:gridCol>
-                <a:gridCol w="1656000">
-                  <a:extLst>
-                    <a:ext uri="{9D8B030D-6E8A-4147-A177-3AD203B41FA5}">
-                      <a16:colId xmlns:a16="http://schemas.microsoft.com/office/drawing/2014/main" val="20002"/>
-                    </a:ext>
-                  </a:extLst>
-                </a:gridCol>
-                <a:gridCol w="1656000">
-                  <a:extLst>
-                    <a:ext uri="{9D8B030D-6E8A-4147-A177-3AD203B41FA5}">
-                      <a16:colId xmlns:a16="http://schemas.microsoft.com/office/drawing/2014/main" val="20003"/>
-                    </a:ext>
-                  </a:extLst>
-                </a:gridCol>
+                <a:gridCol w="2308543"/>
+                <a:gridCol w="1656000"/>
+                <a:gridCol w="1656000"/>
+                <a:gridCol w="1656000"/>
               </a:tblGrid>
               <a:tr h="497601">
                 <a:tc>
@@ -23195,6 +23173,15 @@
                         </a:rPr>
                         <a:t>背景介绍及研究意义</a:t>
                       </a:r>
+                      <a:endParaRPr lang="zh-CN" altLang="en-US" b="0" dirty="0">
+                        <a:solidFill>
+                          <a:schemeClr val="accent1">
+                            <a:lumMod val="75000"/>
+                          </a:schemeClr>
+                        </a:solidFill>
+                        <a:latin typeface="微软雅黑" panose="020B0503020204020204" pitchFamily="34" charset="-122"/>
+                        <a:ea typeface="微软雅黑" panose="020B0503020204020204" pitchFamily="34" charset="-122"/>
+                      </a:endParaRPr>
                     </a:p>
                   </a:txBody>
                   <a:tcPr anchor="b">
@@ -23276,6 +23263,13 @@
                         </a:rPr>
                         <a:t>研究内容</a:t>
                       </a:r>
+                      <a:endParaRPr lang="zh-CN" altLang="en-US" b="1" dirty="0">
+                        <a:solidFill>
+                          <a:schemeClr val="bg1"/>
+                        </a:solidFill>
+                        <a:latin typeface="微软雅黑" panose="020B0503020204020204" pitchFamily="34" charset="-122"/>
+                        <a:ea typeface="微软雅黑" panose="020B0503020204020204" pitchFamily="34" charset="-122"/>
+                      </a:endParaRPr>
                     </a:p>
                   </a:txBody>
                   <a:tcPr anchor="ctr">
@@ -23361,6 +23355,15 @@
                         </a:rPr>
                         <a:t>研究计划</a:t>
                       </a:r>
+                      <a:endParaRPr lang="zh-CN" altLang="en-US" b="0" dirty="0">
+                        <a:solidFill>
+                          <a:schemeClr val="accent1">
+                            <a:lumMod val="75000"/>
+                          </a:schemeClr>
+                        </a:solidFill>
+                        <a:latin typeface="微软雅黑" panose="020B0503020204020204" pitchFamily="34" charset="-122"/>
+                        <a:ea typeface="微软雅黑" panose="020B0503020204020204" pitchFamily="34" charset="-122"/>
+                      </a:endParaRPr>
                     </a:p>
                   </a:txBody>
                   <a:tcPr anchor="b">
@@ -23444,6 +23447,15 @@
                         </a:rPr>
                         <a:t>研究进展</a:t>
                       </a:r>
+                      <a:endParaRPr lang="zh-CN" altLang="en-US" b="0" dirty="0">
+                        <a:solidFill>
+                          <a:schemeClr val="accent1">
+                            <a:lumMod val="75000"/>
+                          </a:schemeClr>
+                        </a:solidFill>
+                        <a:latin typeface="微软雅黑" panose="020B0503020204020204" pitchFamily="34" charset="-122"/>
+                        <a:ea typeface="微软雅黑" panose="020B0503020204020204" pitchFamily="34" charset="-122"/>
+                      </a:endParaRPr>
                     </a:p>
                   </a:txBody>
                   <a:tcPr anchor="b">
@@ -23494,11 +23506,6 @@
                     <a:noFill/>
                   </a:tcPr>
                 </a:tc>
-                <a:extLst>
-                  <a:ext uri="{0D108BD9-81ED-4DB2-BD59-A6C34878D82A}">
-                    <a16:rowId xmlns:a16="http://schemas.microsoft.com/office/drawing/2014/main" val="10000"/>
-                  </a:ext>
-                </a:extLst>
               </a:tr>
               <a:tr h="164799">
                 <a:tc>
@@ -23569,13 +23576,6 @@
                   </a:tcPr>
                 </a:tc>
                 <a:tc vMerge="1">
-                  <a:txBody>
-                    <a:bodyPr/>
-                    <a:lstStyle/>
-                    <a:p>
-                      <a:endParaRPr lang="zh-CN"/>
-                    </a:p>
-                  </a:txBody>
                   <a:tcPr anchor="ctr">
                     <a:lnL w="57150" cap="flat" cmpd="sng" algn="ctr">
                       <a:solidFill>
@@ -23760,11 +23760,6 @@
                     </a:solidFill>
                   </a:tcPr>
                 </a:tc>
-                <a:extLst>
-                  <a:ext uri="{0D108BD9-81ED-4DB2-BD59-A6C34878D82A}">
-                    <a16:rowId xmlns:a16="http://schemas.microsoft.com/office/drawing/2014/main" val="10001"/>
-                  </a:ext>
-                </a:extLst>
               </a:tr>
             </a:tbl>
           </a:graphicData>
@@ -23779,7 +23774,7 @@
           <p:nvPr/>
         </p:nvPicPr>
         <p:blipFill>
-          <a:blip r:embed="rId3">
+          <a:blip r:embed="rId1">
             <a:extLst>
               <a:ext uri="{28A0092B-C50C-407E-A947-70E740481C1C}">
                 <a14:useLocalDpi xmlns:a14="http://schemas.microsoft.com/office/drawing/2010/main" val="0"/>
@@ -23809,7 +23804,7 @@
           <p:nvPr/>
         </p:nvPicPr>
         <p:blipFill>
-          <a:blip r:embed="rId4">
+          <a:blip r:embed="rId2">
             <a:extLst>
               <a:ext uri="{28A0092B-C50C-407E-A947-70E740481C1C}">
                 <a14:useLocalDpi xmlns:a14="http://schemas.microsoft.com/office/drawing/2010/main" val="0"/>
@@ -23859,6 +23854,10 @@
               </a:rPr>
               <a:t>图二</a:t>
             </a:r>
+            <a:endParaRPr lang="zh-CN" altLang="en-US" sz="1400" dirty="0">
+              <a:latin typeface="微软雅黑" panose="020B0503020204020204" pitchFamily="34" charset="-122"/>
+              <a:ea typeface="微软雅黑" panose="020B0503020204020204" pitchFamily="34" charset="-122"/>
+            </a:endParaRPr>
           </a:p>
         </p:txBody>
       </p:sp>
@@ -23891,6 +23890,10 @@
               </a:rPr>
               <a:t>图三</a:t>
             </a:r>
+            <a:endParaRPr lang="zh-CN" altLang="en-US" sz="1400" dirty="0">
+              <a:latin typeface="微软雅黑" panose="020B0503020204020204" pitchFamily="34" charset="-122"/>
+              <a:ea typeface="微软雅黑" panose="020B0503020204020204" pitchFamily="34" charset="-122"/>
+            </a:endParaRPr>
           </a:p>
         </p:txBody>
       </p:sp>
@@ -23903,7 +23906,7 @@
           <p:nvPr/>
         </p:nvPicPr>
         <p:blipFill>
-          <a:blip r:embed="rId5">
+          <a:blip r:embed="rId3">
             <a:extLst>
               <a:ext uri="{28A0092B-C50C-407E-A947-70E740481C1C}">
                 <a14:useLocalDpi xmlns:a14="http://schemas.microsoft.com/office/drawing/2010/main" val="0"/>
@@ -23926,13 +23929,7 @@
       </p:pic>
       <p:sp>
         <p:nvSpPr>
-          <p:cNvPr id="2" name="文本框 1">
-            <a:extLst>
-              <a:ext uri="{FF2B5EF4-FFF2-40B4-BE49-F238E27FC236}">
-                <a16:creationId xmlns:a16="http://schemas.microsoft.com/office/drawing/2014/main" id="{880E143B-75A3-4330-AECF-E1091A9D376B}"/>
-              </a:ext>
-            </a:extLst>
-          </p:cNvPr>
+          <p:cNvPr id="2" name="文本框 1"/>
           <p:cNvSpPr txBox="1"/>
           <p:nvPr/>
         </p:nvSpPr>
@@ -24036,6 +24033,10 @@
               </a:rPr>
               <a:t>个分布元的备选模型作为最佳模型。</a:t>
             </a:r>
+            <a:endParaRPr lang="zh-CN" altLang="en-US" dirty="0">
+              <a:latin typeface="微软雅黑" panose="020B0503020204020204" pitchFamily="34" charset="-122"/>
+              <a:ea typeface="微软雅黑" panose="020B0503020204020204" pitchFamily="34" charset="-122"/>
+            </a:endParaRPr>
           </a:p>
         </p:txBody>
       </p:sp>
@@ -24083,34 +24084,10 @@
                 <a:tableStyleId>{5C22544A-7EE6-4342-B048-85BDC9FD1C3A}</a:tableStyleId>
               </a:tblPr>
               <a:tblGrid>
-                <a:gridCol w="2308543">
-                  <a:extLst>
-                    <a:ext uri="{9D8B030D-6E8A-4147-A177-3AD203B41FA5}">
-                      <a16:colId xmlns:a16="http://schemas.microsoft.com/office/drawing/2014/main" val="20000"/>
-                    </a:ext>
-                  </a:extLst>
-                </a:gridCol>
-                <a:gridCol w="1656000">
-                  <a:extLst>
-                    <a:ext uri="{9D8B030D-6E8A-4147-A177-3AD203B41FA5}">
-                      <a16:colId xmlns:a16="http://schemas.microsoft.com/office/drawing/2014/main" val="20001"/>
-                    </a:ext>
-                  </a:extLst>
-                </a:gridCol>
-                <a:gridCol w="1656000">
-                  <a:extLst>
-                    <a:ext uri="{9D8B030D-6E8A-4147-A177-3AD203B41FA5}">
-                      <a16:colId xmlns:a16="http://schemas.microsoft.com/office/drawing/2014/main" val="20002"/>
-                    </a:ext>
-                  </a:extLst>
-                </a:gridCol>
-                <a:gridCol w="1656000">
-                  <a:extLst>
-                    <a:ext uri="{9D8B030D-6E8A-4147-A177-3AD203B41FA5}">
-                      <a16:colId xmlns:a16="http://schemas.microsoft.com/office/drawing/2014/main" val="20003"/>
-                    </a:ext>
-                  </a:extLst>
-                </a:gridCol>
+                <a:gridCol w="2308543"/>
+                <a:gridCol w="1656000"/>
+                <a:gridCol w="1656000"/>
+                <a:gridCol w="1656000"/>
               </a:tblGrid>
               <a:tr h="497601">
                 <a:tc>
@@ -24131,6 +24108,15 @@
                         </a:rPr>
                         <a:t>背景介绍及研究意义</a:t>
                       </a:r>
+                      <a:endParaRPr lang="zh-CN" altLang="en-US" b="0" dirty="0">
+                        <a:solidFill>
+                          <a:schemeClr val="accent1">
+                            <a:lumMod val="75000"/>
+                          </a:schemeClr>
+                        </a:solidFill>
+                        <a:latin typeface="微软雅黑" panose="020B0503020204020204" pitchFamily="34" charset="-122"/>
+                        <a:ea typeface="微软雅黑" panose="020B0503020204020204" pitchFamily="34" charset="-122"/>
+                      </a:endParaRPr>
                     </a:p>
                   </a:txBody>
                   <a:tcPr anchor="b">
@@ -24212,6 +24198,13 @@
                         </a:rPr>
                         <a:t>研究内容</a:t>
                       </a:r>
+                      <a:endParaRPr lang="zh-CN" altLang="en-US" b="1" dirty="0">
+                        <a:solidFill>
+                          <a:schemeClr val="bg1"/>
+                        </a:solidFill>
+                        <a:latin typeface="微软雅黑" panose="020B0503020204020204" pitchFamily="34" charset="-122"/>
+                        <a:ea typeface="微软雅黑" panose="020B0503020204020204" pitchFamily="34" charset="-122"/>
+                      </a:endParaRPr>
                     </a:p>
                   </a:txBody>
                   <a:tcPr anchor="ctr">
@@ -24297,6 +24290,15 @@
                         </a:rPr>
                         <a:t>研究计划</a:t>
                       </a:r>
+                      <a:endParaRPr lang="zh-CN" altLang="en-US" b="0" dirty="0">
+                        <a:solidFill>
+                          <a:schemeClr val="accent1">
+                            <a:lumMod val="75000"/>
+                          </a:schemeClr>
+                        </a:solidFill>
+                        <a:latin typeface="微软雅黑" panose="020B0503020204020204" pitchFamily="34" charset="-122"/>
+                        <a:ea typeface="微软雅黑" panose="020B0503020204020204" pitchFamily="34" charset="-122"/>
+                      </a:endParaRPr>
                     </a:p>
                   </a:txBody>
                   <a:tcPr anchor="b">
@@ -24380,6 +24382,15 @@
                         </a:rPr>
                         <a:t>研究进展</a:t>
                       </a:r>
+                      <a:endParaRPr lang="zh-CN" altLang="en-US" b="0" dirty="0">
+                        <a:solidFill>
+                          <a:schemeClr val="accent1">
+                            <a:lumMod val="75000"/>
+                          </a:schemeClr>
+                        </a:solidFill>
+                        <a:latin typeface="微软雅黑" panose="020B0503020204020204" pitchFamily="34" charset="-122"/>
+                        <a:ea typeface="微软雅黑" panose="020B0503020204020204" pitchFamily="34" charset="-122"/>
+                      </a:endParaRPr>
                     </a:p>
                   </a:txBody>
                   <a:tcPr anchor="b">
@@ -24430,11 +24441,6 @@
                     <a:noFill/>
                   </a:tcPr>
                 </a:tc>
-                <a:extLst>
-                  <a:ext uri="{0D108BD9-81ED-4DB2-BD59-A6C34878D82A}">
-                    <a16:rowId xmlns:a16="http://schemas.microsoft.com/office/drawing/2014/main" val="10000"/>
-                  </a:ext>
-                </a:extLst>
               </a:tr>
               <a:tr h="164799">
                 <a:tc>
@@ -24505,13 +24511,6 @@
                   </a:tcPr>
                 </a:tc>
                 <a:tc vMerge="1">
-                  <a:txBody>
-                    <a:bodyPr/>
-                    <a:lstStyle/>
-                    <a:p>
-                      <a:endParaRPr lang="zh-CN"/>
-                    </a:p>
-                  </a:txBody>
                   <a:tcPr anchor="ctr">
                     <a:lnL w="57150" cap="flat" cmpd="sng" algn="ctr">
                       <a:solidFill>
@@ -24696,11 +24695,6 @@
                     </a:solidFill>
                   </a:tcPr>
                 </a:tc>
-                <a:extLst>
-                  <a:ext uri="{0D108BD9-81ED-4DB2-BD59-A6C34878D82A}">
-                    <a16:rowId xmlns:a16="http://schemas.microsoft.com/office/drawing/2014/main" val="10001"/>
-                  </a:ext>
-                </a:extLst>
               </a:tr>
             </a:tbl>
           </a:graphicData>
@@ -24715,7 +24709,7 @@
           <p:nvPr/>
         </p:nvPicPr>
         <p:blipFill>
-          <a:blip r:embed="rId3">
+          <a:blip r:embed="rId1">
             <a:extLst>
               <a:ext uri="{28A0092B-C50C-407E-A947-70E740481C1C}">
                 <a14:useLocalDpi xmlns:a14="http://schemas.microsoft.com/office/drawing/2010/main" val="0"/>
@@ -24745,7 +24739,7 @@
           <p:nvPr/>
         </p:nvPicPr>
         <p:blipFill>
-          <a:blip r:embed="rId4">
+          <a:blip r:embed="rId2">
             <a:extLst>
               <a:ext uri="{28A0092B-C50C-407E-A947-70E740481C1C}">
                 <a14:useLocalDpi xmlns:a14="http://schemas.microsoft.com/office/drawing/2010/main" val="0"/>
@@ -24795,6 +24789,10 @@
               </a:rPr>
               <a:t>图四</a:t>
             </a:r>
+            <a:endParaRPr lang="zh-CN" altLang="en-US" sz="1400" dirty="0">
+              <a:latin typeface="微软雅黑" panose="020B0503020204020204" pitchFamily="34" charset="-122"/>
+              <a:ea typeface="微软雅黑" panose="020B0503020204020204" pitchFamily="34" charset="-122"/>
+            </a:endParaRPr>
           </a:p>
         </p:txBody>
       </p:sp>
@@ -24827,18 +24825,16 @@
               </a:rPr>
               <a:t>图五</a:t>
             </a:r>
+            <a:endParaRPr lang="zh-CN" altLang="en-US" sz="1400" dirty="0">
+              <a:latin typeface="微软雅黑" panose="020B0503020204020204" pitchFamily="34" charset="-122"/>
+              <a:ea typeface="微软雅黑" panose="020B0503020204020204" pitchFamily="34" charset="-122"/>
+            </a:endParaRPr>
           </a:p>
         </p:txBody>
       </p:sp>
       <p:sp>
         <p:nvSpPr>
-          <p:cNvPr id="2" name="文本框 1">
-            <a:extLst>
-              <a:ext uri="{FF2B5EF4-FFF2-40B4-BE49-F238E27FC236}">
-                <a16:creationId xmlns:a16="http://schemas.microsoft.com/office/drawing/2014/main" id="{9189D58F-0808-44EE-91CD-9EFA8C121ECD}"/>
-              </a:ext>
-            </a:extLst>
-          </p:cNvPr>
+          <p:cNvPr id="2" name="文本框 1"/>
           <p:cNvSpPr txBox="1"/>
           <p:nvPr/>
         </p:nvSpPr>
@@ -24870,18 +24866,16 @@
               </a:rPr>
               <a:t>图四后半段曲线，训练集关于备选模型的对数似然函数值，随着模型复杂度增加而增大的效果不明显，说明最优模型可以保证对数据的拟合能力。</a:t>
             </a:r>
+            <a:endParaRPr lang="zh-CN" altLang="en-US" dirty="0">
+              <a:latin typeface="微软雅黑" panose="020B0503020204020204" pitchFamily="34" charset="-122"/>
+              <a:ea typeface="微软雅黑" panose="020B0503020204020204" pitchFamily="34" charset="-122"/>
+            </a:endParaRPr>
           </a:p>
         </p:txBody>
       </p:sp>
       <p:sp>
         <p:nvSpPr>
-          <p:cNvPr id="4" name="文本框 3">
-            <a:extLst>
-              <a:ext uri="{FF2B5EF4-FFF2-40B4-BE49-F238E27FC236}">
-                <a16:creationId xmlns:a16="http://schemas.microsoft.com/office/drawing/2014/main" id="{BD617CD1-6753-4CCC-85E7-248115BB7EDE}"/>
-              </a:ext>
-            </a:extLst>
-          </p:cNvPr>
+          <p:cNvPr id="4" name="文本框 3"/>
           <p:cNvSpPr txBox="1"/>
           <p:nvPr/>
         </p:nvSpPr>
@@ -24913,15 +24907,14 @@
               </a:rPr>
               <a:t>图五根据每个测试集样本关于备选模型的似然函数值，对备选模型进行投票，结果保证了最优模型的泛化能力。</a:t>
             </a:r>
+            <a:endParaRPr lang="zh-CN" altLang="en-US" dirty="0">
+              <a:latin typeface="微软雅黑" panose="020B0503020204020204" pitchFamily="34" charset="-122"/>
+              <a:ea typeface="微软雅黑" panose="020B0503020204020204" pitchFamily="34" charset="-122"/>
+            </a:endParaRPr>
           </a:p>
         </p:txBody>
       </p:sp>
     </p:spTree>
-    <p:extLst>
-      <p:ext uri="{BB962C8B-B14F-4D97-AF65-F5344CB8AC3E}">
-        <p14:creationId xmlns:p14="http://schemas.microsoft.com/office/powerpoint/2010/main" val="79727071"/>
-      </p:ext>
-    </p:extLst>
   </p:cSld>
   <p:clrMapOvr>
     <a:masterClrMapping/>
@@ -24948,20 +24941,14 @@
       </p:grpSpPr>
       <p:pic>
         <p:nvPicPr>
-          <p:cNvPr id="32" name="图片 31">
-            <a:extLst>
-              <a:ext uri="{FF2B5EF4-FFF2-40B4-BE49-F238E27FC236}">
-                <a16:creationId xmlns:a16="http://schemas.microsoft.com/office/drawing/2014/main" id="{2EEEB7B7-985E-4888-8068-F69AD9E1627C}"/>
-              </a:ext>
-            </a:extLst>
-          </p:cNvPr>
+          <p:cNvPr id="32" name="图片 31"/>
           <p:cNvPicPr>
             <a:picLocks noChangeAspect="1"/>
           </p:cNvPicPr>
           <p:nvPr/>
         </p:nvPicPr>
         <p:blipFill>
-          <a:blip r:embed="rId2"/>
+          <a:blip r:embed="rId1"/>
           <a:stretch>
             <a:fillRect/>
           </a:stretch>
@@ -24978,20 +24965,14 @@
       </p:pic>
       <p:pic>
         <p:nvPicPr>
-          <p:cNvPr id="33" name="图片 32">
-            <a:extLst>
-              <a:ext uri="{FF2B5EF4-FFF2-40B4-BE49-F238E27FC236}">
-                <a16:creationId xmlns:a16="http://schemas.microsoft.com/office/drawing/2014/main" id="{0ACB4750-14F2-4A50-B9D8-371B72F8189E}"/>
-              </a:ext>
-            </a:extLst>
-          </p:cNvPr>
+          <p:cNvPr id="33" name="图片 32"/>
           <p:cNvPicPr>
             <a:picLocks noChangeAspect="1"/>
           </p:cNvPicPr>
           <p:nvPr/>
         </p:nvPicPr>
         <p:blipFill>
-          <a:blip r:embed="rId3"/>
+          <a:blip r:embed="rId2"/>
           <a:stretch>
             <a:fillRect/>
           </a:stretch>
@@ -25008,13 +24989,7 @@
       </p:pic>
       <p:sp>
         <p:nvSpPr>
-          <p:cNvPr id="34" name="文本框 33">
-            <a:extLst>
-              <a:ext uri="{FF2B5EF4-FFF2-40B4-BE49-F238E27FC236}">
-                <a16:creationId xmlns:a16="http://schemas.microsoft.com/office/drawing/2014/main" id="{E2DA865E-23AD-4B6B-9C42-13E49AFC5245}"/>
-              </a:ext>
-            </a:extLst>
-          </p:cNvPr>
+          <p:cNvPr id="34" name="文本框 33"/>
           <p:cNvSpPr txBox="1"/>
           <p:nvPr/>
         </p:nvSpPr>
@@ -25041,18 +25016,16 @@
               </a:rPr>
               <a:t>表一</a:t>
             </a:r>
+            <a:endParaRPr lang="zh-CN" altLang="en-US" dirty="0">
+              <a:latin typeface="微软雅黑" panose="020B0503020204020204" pitchFamily="34" charset="-122"/>
+              <a:ea typeface="微软雅黑" panose="020B0503020204020204" pitchFamily="34" charset="-122"/>
+            </a:endParaRPr>
           </a:p>
         </p:txBody>
       </p:sp>
       <p:sp>
         <p:nvSpPr>
-          <p:cNvPr id="37" name="文本框 36">
-            <a:extLst>
-              <a:ext uri="{FF2B5EF4-FFF2-40B4-BE49-F238E27FC236}">
-                <a16:creationId xmlns:a16="http://schemas.microsoft.com/office/drawing/2014/main" id="{6693D166-48C6-4878-B1C4-B3E88FD09C36}"/>
-              </a:ext>
-            </a:extLst>
-          </p:cNvPr>
+          <p:cNvPr id="37" name="文本框 36"/>
           <p:cNvSpPr txBox="1"/>
           <p:nvPr/>
         </p:nvSpPr>
@@ -25079,18 +25052,16 @@
               </a:rPr>
               <a:t>表二</a:t>
             </a:r>
+            <a:endParaRPr lang="zh-CN" altLang="en-US" dirty="0">
+              <a:latin typeface="微软雅黑" panose="020B0503020204020204" pitchFamily="34" charset="-122"/>
+              <a:ea typeface="微软雅黑" panose="020B0503020204020204" pitchFamily="34" charset="-122"/>
+            </a:endParaRPr>
           </a:p>
         </p:txBody>
       </p:sp>
       <p:sp>
         <p:nvSpPr>
-          <p:cNvPr id="38" name="文本框 37">
-            <a:extLst>
-              <a:ext uri="{FF2B5EF4-FFF2-40B4-BE49-F238E27FC236}">
-                <a16:creationId xmlns:a16="http://schemas.microsoft.com/office/drawing/2014/main" id="{3F060EC8-DCFE-4161-86F2-FC350F31E541}"/>
-              </a:ext>
-            </a:extLst>
-          </p:cNvPr>
+          <p:cNvPr id="38" name="文本框 37"/>
           <p:cNvSpPr txBox="1"/>
           <p:nvPr/>
         </p:nvSpPr>
@@ -25197,15 +25168,14 @@
               </a:rPr>
               <a:t>）数值计算的误差</a:t>
             </a:r>
+            <a:endParaRPr lang="zh-CN" altLang="en-US" sz="2000" dirty="0">
+              <a:latin typeface="微软雅黑" panose="020B0503020204020204" pitchFamily="34" charset="-122"/>
+              <a:ea typeface="微软雅黑" panose="020B0503020204020204" pitchFamily="34" charset="-122"/>
+            </a:endParaRPr>
           </a:p>
         </p:txBody>
       </p:sp>
     </p:spTree>
-    <p:extLst>
-      <p:ext uri="{BB962C8B-B14F-4D97-AF65-F5344CB8AC3E}">
-        <p14:creationId xmlns:p14="http://schemas.microsoft.com/office/powerpoint/2010/main" val="2565888023"/>
-      </p:ext>
-    </p:extLst>
   </p:cSld>
   <p:clrMapOvr>
     <a:masterClrMapping/>
@@ -25298,6 +25268,10 @@
               </a:rPr>
               <a:t>图一</a:t>
             </a:r>
+            <a:endParaRPr lang="zh-CN" altLang="en-US" sz="1400" dirty="0">
+              <a:latin typeface="微软雅黑" panose="020B0503020204020204" pitchFamily="34" charset="-122"/>
+              <a:ea typeface="微软雅黑" panose="020B0503020204020204" pitchFamily="34" charset="-122"/>
+            </a:endParaRPr>
           </a:p>
         </p:txBody>
       </p:sp>
@@ -25330,6 +25304,10 @@
               </a:rPr>
               <a:t>图二</a:t>
             </a:r>
+            <a:endParaRPr lang="zh-CN" altLang="en-US" sz="1400" dirty="0">
+              <a:latin typeface="微软雅黑" panose="020B0503020204020204" pitchFamily="34" charset="-122"/>
+              <a:ea typeface="微软雅黑" panose="020B0503020204020204" pitchFamily="34" charset="-122"/>
+            </a:endParaRPr>
           </a:p>
         </p:txBody>
       </p:sp>
@@ -25362,6 +25340,10 @@
               </a:rPr>
               <a:t>图三</a:t>
             </a:r>
+            <a:endParaRPr lang="zh-CN" altLang="en-US" sz="1400" dirty="0">
+              <a:latin typeface="微软雅黑" panose="020B0503020204020204" pitchFamily="34" charset="-122"/>
+              <a:ea typeface="微软雅黑" panose="020B0503020204020204" pitchFamily="34" charset="-122"/>
+            </a:endParaRPr>
           </a:p>
         </p:txBody>
       </p:sp>
@@ -25374,7 +25356,7 @@
           <p:nvPr/>
         </p:nvPicPr>
         <p:blipFill>
-          <a:blip r:embed="rId3" cstate="print">
+          <a:blip r:embed="rId1" cstate="print">
             <a:extLst>
               <a:ext uri="{28A0092B-C50C-407E-A947-70E740481C1C}">
                 <a14:useLocalDpi xmlns:a14="http://schemas.microsoft.com/office/drawing/2010/main" val="0"/>
@@ -25404,7 +25386,7 @@
           <p:nvPr/>
         </p:nvPicPr>
         <p:blipFill>
-          <a:blip r:embed="rId4" cstate="print">
+          <a:blip r:embed="rId2" cstate="print">
             <a:extLst>
               <a:ext uri="{28A0092B-C50C-407E-A947-70E740481C1C}">
                 <a14:useLocalDpi xmlns:a14="http://schemas.microsoft.com/office/drawing/2010/main" val="0"/>
@@ -25434,7 +25416,7 @@
           <p:nvPr/>
         </p:nvPicPr>
         <p:blipFill>
-          <a:blip r:embed="rId5" cstate="print">
+          <a:blip r:embed="rId3" cstate="print">
             <a:extLst>
               <a:ext uri="{28A0092B-C50C-407E-A947-70E740481C1C}">
                 <a14:useLocalDpi xmlns:a14="http://schemas.microsoft.com/office/drawing/2010/main" val="0"/>
@@ -25474,34 +25456,10 @@
                 <a:tableStyleId>{5C22544A-7EE6-4342-B048-85BDC9FD1C3A}</a:tableStyleId>
               </a:tblPr>
               <a:tblGrid>
-                <a:gridCol w="2308543">
-                  <a:extLst>
-                    <a:ext uri="{9D8B030D-6E8A-4147-A177-3AD203B41FA5}">
-                      <a16:colId xmlns:a16="http://schemas.microsoft.com/office/drawing/2014/main" val="20000"/>
-                    </a:ext>
-                  </a:extLst>
-                </a:gridCol>
-                <a:gridCol w="1656000">
-                  <a:extLst>
-                    <a:ext uri="{9D8B030D-6E8A-4147-A177-3AD203B41FA5}">
-                      <a16:colId xmlns:a16="http://schemas.microsoft.com/office/drawing/2014/main" val="20001"/>
-                    </a:ext>
-                  </a:extLst>
-                </a:gridCol>
-                <a:gridCol w="1656000">
-                  <a:extLst>
-                    <a:ext uri="{9D8B030D-6E8A-4147-A177-3AD203B41FA5}">
-                      <a16:colId xmlns:a16="http://schemas.microsoft.com/office/drawing/2014/main" val="20002"/>
-                    </a:ext>
-                  </a:extLst>
-                </a:gridCol>
-                <a:gridCol w="1656000">
-                  <a:extLst>
-                    <a:ext uri="{9D8B030D-6E8A-4147-A177-3AD203B41FA5}">
-                      <a16:colId xmlns:a16="http://schemas.microsoft.com/office/drawing/2014/main" val="20003"/>
-                    </a:ext>
-                  </a:extLst>
-                </a:gridCol>
+                <a:gridCol w="2308543"/>
+                <a:gridCol w="1656000"/>
+                <a:gridCol w="1656000"/>
+                <a:gridCol w="1656000"/>
               </a:tblGrid>
               <a:tr h="497601">
                 <a:tc>
@@ -25522,6 +25480,15 @@
                         </a:rPr>
                         <a:t>背景介绍及研究意义</a:t>
                       </a:r>
+                      <a:endParaRPr lang="zh-CN" altLang="en-US" b="0" dirty="0">
+                        <a:solidFill>
+                          <a:schemeClr val="accent1">
+                            <a:lumMod val="75000"/>
+                          </a:schemeClr>
+                        </a:solidFill>
+                        <a:latin typeface="微软雅黑" panose="020B0503020204020204" pitchFamily="34" charset="-122"/>
+                        <a:ea typeface="微软雅黑" panose="020B0503020204020204" pitchFamily="34" charset="-122"/>
+                      </a:endParaRPr>
                     </a:p>
                   </a:txBody>
                   <a:tcPr anchor="b">
@@ -25603,6 +25570,13 @@
                         </a:rPr>
                         <a:t>研究内容</a:t>
                       </a:r>
+                      <a:endParaRPr lang="zh-CN" altLang="en-US" b="1" dirty="0">
+                        <a:solidFill>
+                          <a:schemeClr val="bg1"/>
+                        </a:solidFill>
+                        <a:latin typeface="微软雅黑" panose="020B0503020204020204" pitchFamily="34" charset="-122"/>
+                        <a:ea typeface="微软雅黑" panose="020B0503020204020204" pitchFamily="34" charset="-122"/>
+                      </a:endParaRPr>
                     </a:p>
                   </a:txBody>
                   <a:tcPr anchor="ctr">
@@ -25688,6 +25662,15 @@
                         </a:rPr>
                         <a:t>研究计划</a:t>
                       </a:r>
+                      <a:endParaRPr lang="zh-CN" altLang="en-US" b="0" dirty="0">
+                        <a:solidFill>
+                          <a:schemeClr val="accent1">
+                            <a:lumMod val="75000"/>
+                          </a:schemeClr>
+                        </a:solidFill>
+                        <a:latin typeface="微软雅黑" panose="020B0503020204020204" pitchFamily="34" charset="-122"/>
+                        <a:ea typeface="微软雅黑" panose="020B0503020204020204" pitchFamily="34" charset="-122"/>
+                      </a:endParaRPr>
                     </a:p>
                   </a:txBody>
                   <a:tcPr anchor="b">
@@ -25771,6 +25754,15 @@
                         </a:rPr>
                         <a:t>研究进展</a:t>
                       </a:r>
+                      <a:endParaRPr lang="zh-CN" altLang="en-US" b="0" dirty="0">
+                        <a:solidFill>
+                          <a:schemeClr val="accent1">
+                            <a:lumMod val="75000"/>
+                          </a:schemeClr>
+                        </a:solidFill>
+                        <a:latin typeface="微软雅黑" panose="020B0503020204020204" pitchFamily="34" charset="-122"/>
+                        <a:ea typeface="微软雅黑" panose="020B0503020204020204" pitchFamily="34" charset="-122"/>
+                      </a:endParaRPr>
                     </a:p>
                   </a:txBody>
                   <a:tcPr anchor="b">
@@ -25821,11 +25813,6 @@
                     <a:noFill/>
                   </a:tcPr>
                 </a:tc>
-                <a:extLst>
-                  <a:ext uri="{0D108BD9-81ED-4DB2-BD59-A6C34878D82A}">
-                    <a16:rowId xmlns:a16="http://schemas.microsoft.com/office/drawing/2014/main" val="10000"/>
-                  </a:ext>
-                </a:extLst>
               </a:tr>
               <a:tr h="164799">
                 <a:tc>
@@ -25896,13 +25883,6 @@
                   </a:tcPr>
                 </a:tc>
                 <a:tc vMerge="1">
-                  <a:txBody>
-                    <a:bodyPr/>
-                    <a:lstStyle/>
-                    <a:p>
-                      <a:endParaRPr lang="zh-CN"/>
-                    </a:p>
-                  </a:txBody>
                   <a:tcPr anchor="ctr">
                     <a:lnL w="57150" cap="flat" cmpd="sng" algn="ctr">
                       <a:solidFill>
@@ -26087,11 +26067,6 @@
                     </a:solidFill>
                   </a:tcPr>
                 </a:tc>
-                <a:extLst>
-                  <a:ext uri="{0D108BD9-81ED-4DB2-BD59-A6C34878D82A}">
-                    <a16:rowId xmlns:a16="http://schemas.microsoft.com/office/drawing/2014/main" val="10001"/>
-                  </a:ext>
-                </a:extLst>
               </a:tr>
             </a:tbl>
           </a:graphicData>
@@ -26099,13 +26074,7 @@
       </p:graphicFrame>
       <p:sp>
         <p:nvSpPr>
-          <p:cNvPr id="2" name="文本框 1">
-            <a:extLst>
-              <a:ext uri="{FF2B5EF4-FFF2-40B4-BE49-F238E27FC236}">
-                <a16:creationId xmlns:a16="http://schemas.microsoft.com/office/drawing/2014/main" id="{CFE67AFA-A7CC-42CB-97A2-72BB6E89C401}"/>
-              </a:ext>
-            </a:extLst>
-          </p:cNvPr>
+          <p:cNvPr id="2" name="文本框 1"/>
           <p:cNvSpPr txBox="1"/>
           <p:nvPr/>
         </p:nvSpPr>
@@ -26137,6 +26106,10 @@
               </a:rPr>
               <a:t>总结：结合模型复杂度估计的方法，可以最大程度避免主观判断对分类性能的影响，并且保证良好的分类性能。</a:t>
             </a:r>
+            <a:endParaRPr lang="zh-CN" altLang="en-US" dirty="0">
+              <a:latin typeface="微软雅黑" panose="020B0503020204020204" pitchFamily="34" charset="-122"/>
+              <a:ea typeface="微软雅黑" panose="020B0503020204020204" pitchFamily="34" charset="-122"/>
+            </a:endParaRPr>
           </a:p>
         </p:txBody>
       </p:sp>
@@ -26426,8 +26399,6 @@
       </a:bgFillStyleLst>
     </a:fmtScheme>
   </a:themeElements>
-  <a:objectDefaults/>
-  <a:extraClrSchemeLst/>
   <a:extLst>
     <a:ext uri="{05A4C25C-085E-4340-85A3-A5531E510DB2}">
       <thm15:themeFamily xmlns:thm15="http://schemas.microsoft.com/office/thememl/2012/main" name="Office Theme" id="{62F939B6-93AF-4DB8-9C6B-D6C7DFDC589F}" vid="{4A3C46E8-61CC-4603-A589-7422A47A8E4A}"/>
@@ -26687,8 +26658,6 @@
       </a:bgFillStyleLst>
     </a:fmtScheme>
   </a:themeElements>
-  <a:objectDefaults/>
-  <a:extraClrSchemeLst/>
   <a:extLst>
     <a:ext uri="{05A4C25C-085E-4340-85A3-A5531E510DB2}">
       <thm15:themeFamily xmlns:thm15="http://schemas.microsoft.com/office/thememl/2012/main" name="Office Theme" id="{62F939B6-93AF-4DB8-9C6B-D6C7DFDC589F}" vid="{4A3C46E8-61CC-4603-A589-7422A47A8E4A}"/>

--- a/杨豪杰开题/论文答辩开题报告(杨豪杰).pptx
+++ b/杨豪杰开题/论文答辩开题报告(杨豪杰).pptx
@@ -5,28 +5,28 @@
     <p:sldMasterId id="2147483648" r:id="rId1"/>
   </p:sldMasterIdLst>
   <p:notesMasterIdLst>
-    <p:notesMasterId r:id="rId4"/>
+    <p:notesMasterId r:id="rId21"/>
   </p:notesMasterIdLst>
   <p:sldIdLst>
-    <p:sldId id="258" r:id="rId3"/>
-    <p:sldId id="299" r:id="rId5"/>
-    <p:sldId id="289" r:id="rId6"/>
-    <p:sldId id="267" r:id="rId7"/>
-    <p:sldId id="268" r:id="rId8"/>
-    <p:sldId id="282" r:id="rId9"/>
-    <p:sldId id="309" r:id="rId10"/>
-    <p:sldId id="308" r:id="rId11"/>
-    <p:sldId id="305" r:id="rId12"/>
-    <p:sldId id="280" r:id="rId13"/>
-    <p:sldId id="281" r:id="rId14"/>
-    <p:sldId id="262" r:id="rId15"/>
-    <p:sldId id="261" r:id="rId16"/>
-    <p:sldId id="306" r:id="rId17"/>
-    <p:sldId id="310" r:id="rId18"/>
-    <p:sldId id="279" r:id="rId19"/>
-    <p:sldId id="266" r:id="rId20"/>
-    <p:sldId id="269" r:id="rId21"/>
-    <p:sldId id="303" r:id="rId22"/>
+    <p:sldId id="258" r:id="rId2"/>
+    <p:sldId id="299" r:id="rId3"/>
+    <p:sldId id="289" r:id="rId4"/>
+    <p:sldId id="267" r:id="rId5"/>
+    <p:sldId id="268" r:id="rId6"/>
+    <p:sldId id="282" r:id="rId7"/>
+    <p:sldId id="309" r:id="rId8"/>
+    <p:sldId id="308" r:id="rId9"/>
+    <p:sldId id="305" r:id="rId10"/>
+    <p:sldId id="280" r:id="rId11"/>
+    <p:sldId id="281" r:id="rId12"/>
+    <p:sldId id="262" r:id="rId13"/>
+    <p:sldId id="261" r:id="rId14"/>
+    <p:sldId id="306" r:id="rId15"/>
+    <p:sldId id="310" r:id="rId16"/>
+    <p:sldId id="279" r:id="rId17"/>
+    <p:sldId id="266" r:id="rId18"/>
+    <p:sldId id="269" r:id="rId19"/>
+    <p:sldId id="303" r:id="rId20"/>
   </p:sldIdLst>
   <p:sldSz cx="12192000" cy="6858000"/>
   <p:notesSz cx="6858000" cy="9144000"/>
@@ -125,6 +125,22 @@
       </a:defRPr>
     </a:lvl9pPr>
   </p:defaultTextStyle>
+  <p:extLst>
+    <p:ext uri="{EFAFB233-063F-42B5-8137-9DF3F51BA10A}">
+      <p15:sldGuideLst xmlns:p15="http://schemas.microsoft.com/office/powerpoint/2012/main">
+        <p15:guide id="1" orient="horz" pos="2160">
+          <p15:clr>
+            <a:srgbClr val="A4A3A4"/>
+          </p15:clr>
+        </p15:guide>
+        <p15:guide id="2" pos="3840">
+          <p15:clr>
+            <a:srgbClr val="A4A3A4"/>
+          </p15:clr>
+        </p15:guide>
+      </p15:sldGuideLst>
+    </p:ext>
+  </p:extLst>
 </p:presentation>
 </file>
 
@@ -210,6 +226,7 @@
           <a:p>
             <a:fld id="{A5051BC2-F25C-4BF7-95F7-A74904AC2CE4}" type="datetimeFigureOut">
               <a:rPr lang="zh-CN" altLang="en-US" smtClean="0"/>
+              <a:t>2020/12/16</a:t>
             </a:fld>
             <a:endParaRPr lang="zh-CN" altLang="en-US"/>
           </a:p>
@@ -276,7 +293,6 @@
               <a:rPr lang="zh-CN" altLang="en-US"/>
               <a:t>单击此处编辑母版文本样式</a:t>
             </a:r>
-            <a:endParaRPr lang="zh-CN" altLang="en-US"/>
           </a:p>
           <a:p>
             <a:pPr lvl="1"/>
@@ -284,7 +300,6 @@
               <a:rPr lang="zh-CN" altLang="en-US"/>
               <a:t>第二级</a:t>
             </a:r>
-            <a:endParaRPr lang="zh-CN" altLang="en-US"/>
           </a:p>
           <a:p>
             <a:pPr lvl="2"/>
@@ -292,7 +307,6 @@
               <a:rPr lang="zh-CN" altLang="en-US"/>
               <a:t>第三级</a:t>
             </a:r>
-            <a:endParaRPr lang="zh-CN" altLang="en-US"/>
           </a:p>
           <a:p>
             <a:pPr lvl="3"/>
@@ -300,7 +314,6 @@
               <a:rPr lang="zh-CN" altLang="en-US"/>
               <a:t>第四级</a:t>
             </a:r>
-            <a:endParaRPr lang="zh-CN" altLang="en-US"/>
           </a:p>
           <a:p>
             <a:pPr lvl="4"/>
@@ -308,7 +321,6 @@
               <a:rPr lang="zh-CN" altLang="en-US"/>
               <a:t>第五级</a:t>
             </a:r>
-            <a:endParaRPr lang="zh-CN" altLang="en-US"/>
           </a:p>
         </p:txBody>
       </p:sp>
@@ -372,6 +384,7 @@
           <a:p>
             <a:fld id="{95614C47-D2C0-448D-911B-1324277A7A0B}" type="slidenum">
               <a:rPr lang="zh-CN" altLang="en-US" smtClean="0"/>
+              <a:t>‹#›</a:t>
             </a:fld>
             <a:endParaRPr lang="zh-CN" altLang="en-US"/>
           </a:p>
@@ -596,6 +609,7 @@
           <a:p>
             <a:fld id="{95614C47-D2C0-448D-911B-1324277A7A0B}" type="slidenum">
               <a:rPr lang="zh-CN" altLang="en-US" smtClean="0"/>
+              <a:t>5</a:t>
             </a:fld>
             <a:endParaRPr lang="zh-CN" altLang="en-US"/>
           </a:p>
@@ -674,6 +688,7 @@
           <a:p>
             <a:fld id="{95614C47-D2C0-448D-911B-1324277A7A0B}" type="slidenum">
               <a:rPr lang="zh-CN" altLang="en-US" smtClean="0"/>
+              <a:t>6</a:t>
             </a:fld>
             <a:endParaRPr lang="zh-CN" altLang="en-US"/>
           </a:p>
@@ -752,6 +767,7 @@
           <a:p>
             <a:fld id="{95614C47-D2C0-448D-911B-1324277A7A0B}" type="slidenum">
               <a:rPr lang="zh-CN" altLang="en-US" smtClean="0"/>
+              <a:t>7</a:t>
             </a:fld>
             <a:endParaRPr lang="zh-CN" altLang="en-US"/>
           </a:p>
@@ -830,6 +846,7 @@
           <a:p>
             <a:fld id="{95614C47-D2C0-448D-911B-1324277A7A0B}" type="slidenum">
               <a:rPr lang="zh-CN" altLang="en-US" smtClean="0"/>
+              <a:t>9</a:t>
             </a:fld>
             <a:endParaRPr lang="zh-CN" altLang="en-US"/>
           </a:p>
@@ -908,6 +925,7 @@
           <a:p>
             <a:fld id="{95614C47-D2C0-448D-911B-1324277A7A0B}" type="slidenum">
               <a:rPr lang="zh-CN" altLang="en-US" smtClean="0"/>
+              <a:t>10</a:t>
             </a:fld>
             <a:endParaRPr lang="zh-CN" altLang="en-US"/>
           </a:p>
@@ -986,6 +1004,7 @@
           <a:p>
             <a:fld id="{95614C47-D2C0-448D-911B-1324277A7A0B}" type="slidenum">
               <a:rPr lang="zh-CN" altLang="en-US" smtClean="0"/>
+              <a:t>11</a:t>
             </a:fld>
             <a:endParaRPr lang="zh-CN" altLang="en-US"/>
           </a:p>
@@ -1064,6 +1083,7 @@
           <a:p>
             <a:fld id="{95614C47-D2C0-448D-911B-1324277A7A0B}" type="slidenum">
               <a:rPr lang="zh-CN" altLang="en-US" smtClean="0"/>
+              <a:t>12</a:t>
             </a:fld>
             <a:endParaRPr lang="zh-CN" altLang="en-US"/>
           </a:p>
@@ -1121,7 +1141,6 @@
               <a:rPr lang="zh-CN" altLang="en-US"/>
               <a:t>单击此处编辑母版标题样式</a:t>
             </a:r>
-            <a:endParaRPr lang="zh-CN" altLang="en-US"/>
           </a:p>
         </p:txBody>
       </p:sp>
@@ -1240,7 +1259,6 @@
               <a:rPr lang="zh-CN" altLang="en-US"/>
               <a:t>单击此处编辑母版副标题样式</a:t>
             </a:r>
-            <a:endParaRPr lang="zh-CN" altLang="en-US"/>
           </a:p>
         </p:txBody>
       </p:sp>
@@ -1296,7 +1314,6 @@
               <a:rPr lang="zh-CN" altLang="en-US"/>
               <a:t>单击此处编辑母版标题样式</a:t>
             </a:r>
-            <a:endParaRPr lang="zh-CN" altLang="en-US"/>
           </a:p>
         </p:txBody>
       </p:sp>
@@ -1320,7 +1337,6 @@
               <a:rPr lang="zh-CN" altLang="en-US"/>
               <a:t>单击此处编辑母版文本样式</a:t>
             </a:r>
-            <a:endParaRPr lang="zh-CN" altLang="en-US"/>
           </a:p>
           <a:p>
             <a:pPr lvl="1"/>
@@ -1328,7 +1344,6 @@
               <a:rPr lang="zh-CN" altLang="en-US"/>
               <a:t>第二级</a:t>
             </a:r>
-            <a:endParaRPr lang="zh-CN" altLang="en-US"/>
           </a:p>
           <a:p>
             <a:pPr lvl="2"/>
@@ -1336,7 +1351,6 @@
               <a:rPr lang="zh-CN" altLang="en-US"/>
               <a:t>第三级</a:t>
             </a:r>
-            <a:endParaRPr lang="zh-CN" altLang="en-US"/>
           </a:p>
           <a:p>
             <a:pPr lvl="3"/>
@@ -1344,7 +1358,6 @@
               <a:rPr lang="zh-CN" altLang="en-US"/>
               <a:t>第四级</a:t>
             </a:r>
-            <a:endParaRPr lang="zh-CN" altLang="en-US"/>
           </a:p>
           <a:p>
             <a:pPr lvl="4"/>
@@ -1352,7 +1365,6 @@
               <a:rPr lang="zh-CN" altLang="en-US"/>
               <a:t>第五级</a:t>
             </a:r>
-            <a:endParaRPr lang="zh-CN" altLang="en-US"/>
           </a:p>
         </p:txBody>
       </p:sp>
@@ -1381,6 +1393,7 @@
           <a:p>
             <a:fld id="{530820CF-B880-4189-942D-D702A7CBA730}" type="datetimeFigureOut">
               <a:rPr lang="zh-CN" altLang="en-US" smtClean="0"/>
+              <a:t>2020/12/16</a:t>
             </a:fld>
             <a:endParaRPr lang="zh-CN" altLang="en-US"/>
           </a:p>
@@ -1438,6 +1451,7 @@
           <a:p>
             <a:fld id="{0C913308-F349-4B6D-A68A-DD1791B4A57B}" type="slidenum">
               <a:rPr lang="zh-CN" altLang="en-US" smtClean="0"/>
+              <a:t>‹#›</a:t>
             </a:fld>
             <a:endParaRPr lang="zh-CN" altLang="en-US"/>
           </a:p>
@@ -1495,7 +1509,6 @@
               <a:rPr lang="zh-CN" altLang="en-US"/>
               <a:t>单击此处编辑母版标题样式</a:t>
             </a:r>
-            <a:endParaRPr lang="zh-CN" altLang="en-US"/>
           </a:p>
         </p:txBody>
       </p:sp>
@@ -1524,7 +1537,6 @@
               <a:rPr lang="zh-CN" altLang="en-US"/>
               <a:t>单击此处编辑母版文本样式</a:t>
             </a:r>
-            <a:endParaRPr lang="zh-CN" altLang="en-US"/>
           </a:p>
           <a:p>
             <a:pPr lvl="1"/>
@@ -1532,7 +1544,6 @@
               <a:rPr lang="zh-CN" altLang="en-US"/>
               <a:t>第二级</a:t>
             </a:r>
-            <a:endParaRPr lang="zh-CN" altLang="en-US"/>
           </a:p>
           <a:p>
             <a:pPr lvl="2"/>
@@ -1540,7 +1551,6 @@
               <a:rPr lang="zh-CN" altLang="en-US"/>
               <a:t>第三级</a:t>
             </a:r>
-            <a:endParaRPr lang="zh-CN" altLang="en-US"/>
           </a:p>
           <a:p>
             <a:pPr lvl="3"/>
@@ -1548,7 +1558,6 @@
               <a:rPr lang="zh-CN" altLang="en-US"/>
               <a:t>第四级</a:t>
             </a:r>
-            <a:endParaRPr lang="zh-CN" altLang="en-US"/>
           </a:p>
           <a:p>
             <a:pPr lvl="4"/>
@@ -1556,7 +1565,6 @@
               <a:rPr lang="zh-CN" altLang="en-US"/>
               <a:t>第五级</a:t>
             </a:r>
-            <a:endParaRPr lang="zh-CN" altLang="en-US"/>
           </a:p>
         </p:txBody>
       </p:sp>
@@ -1585,6 +1593,7 @@
           <a:p>
             <a:fld id="{530820CF-B880-4189-942D-D702A7CBA730}" type="datetimeFigureOut">
               <a:rPr lang="zh-CN" altLang="en-US" smtClean="0"/>
+              <a:t>2020/12/16</a:t>
             </a:fld>
             <a:endParaRPr lang="zh-CN" altLang="en-US"/>
           </a:p>
@@ -1642,6 +1651,7 @@
           <a:p>
             <a:fld id="{0C913308-F349-4B6D-A68A-DD1791B4A57B}" type="slidenum">
               <a:rPr lang="zh-CN" altLang="en-US" smtClean="0"/>
+              <a:t>‹#›</a:t>
             </a:fld>
             <a:endParaRPr lang="zh-CN" altLang="en-US"/>
           </a:p>
@@ -1699,7 +1709,6 @@
               <a:rPr lang="zh-CN" altLang="en-US"/>
               <a:t>单击此处编辑母版标题样式</a:t>
             </a:r>
-            <a:endParaRPr lang="zh-CN" altLang="en-US"/>
           </a:p>
         </p:txBody>
       </p:sp>
@@ -1723,7 +1732,6 @@
               <a:rPr lang="zh-CN" altLang="en-US"/>
               <a:t>单击此处编辑母版文本样式</a:t>
             </a:r>
-            <a:endParaRPr lang="zh-CN" altLang="en-US"/>
           </a:p>
           <a:p>
             <a:pPr lvl="1"/>
@@ -1731,7 +1739,6 @@
               <a:rPr lang="zh-CN" altLang="en-US"/>
               <a:t>第二级</a:t>
             </a:r>
-            <a:endParaRPr lang="zh-CN" altLang="en-US"/>
           </a:p>
           <a:p>
             <a:pPr lvl="2"/>
@@ -1739,7 +1746,6 @@
               <a:rPr lang="zh-CN" altLang="en-US"/>
               <a:t>第三级</a:t>
             </a:r>
-            <a:endParaRPr lang="zh-CN" altLang="en-US"/>
           </a:p>
           <a:p>
             <a:pPr lvl="3"/>
@@ -1747,7 +1753,6 @@
               <a:rPr lang="zh-CN" altLang="en-US"/>
               <a:t>第四级</a:t>
             </a:r>
-            <a:endParaRPr lang="zh-CN" altLang="en-US"/>
           </a:p>
           <a:p>
             <a:pPr lvl="4"/>
@@ -1755,7 +1760,6 @@
               <a:rPr lang="zh-CN" altLang="en-US"/>
               <a:t>第五级</a:t>
             </a:r>
-            <a:endParaRPr lang="zh-CN" altLang="en-US"/>
           </a:p>
         </p:txBody>
       </p:sp>
@@ -1784,6 +1788,7 @@
           <a:p>
             <a:fld id="{530820CF-B880-4189-942D-D702A7CBA730}" type="datetimeFigureOut">
               <a:rPr lang="zh-CN" altLang="en-US" smtClean="0"/>
+              <a:t>2020/12/16</a:t>
             </a:fld>
             <a:endParaRPr lang="zh-CN" altLang="en-US"/>
           </a:p>
@@ -1841,6 +1846,7 @@
           <a:p>
             <a:fld id="{0C913308-F349-4B6D-A68A-DD1791B4A57B}" type="slidenum">
               <a:rPr lang="zh-CN" altLang="en-US" smtClean="0"/>
+              <a:t>‹#›</a:t>
             </a:fld>
             <a:endParaRPr lang="zh-CN" altLang="en-US"/>
           </a:p>
@@ -1902,7 +1908,6 @@
               <a:rPr lang="zh-CN" altLang="en-US"/>
               <a:t>单击此处编辑母版标题样式</a:t>
             </a:r>
-            <a:endParaRPr lang="zh-CN" altLang="en-US"/>
           </a:p>
         </p:txBody>
       </p:sp>
@@ -2022,7 +2027,6 @@
               <a:rPr lang="zh-CN" altLang="en-US"/>
               <a:t>单击此处编辑母版文本样式</a:t>
             </a:r>
-            <a:endParaRPr lang="zh-CN" altLang="en-US"/>
           </a:p>
         </p:txBody>
       </p:sp>
@@ -2051,6 +2055,7 @@
           <a:p>
             <a:fld id="{530820CF-B880-4189-942D-D702A7CBA730}" type="datetimeFigureOut">
               <a:rPr lang="zh-CN" altLang="en-US" smtClean="0"/>
+              <a:t>2020/12/16</a:t>
             </a:fld>
             <a:endParaRPr lang="zh-CN" altLang="en-US"/>
           </a:p>
@@ -2108,6 +2113,7 @@
           <a:p>
             <a:fld id="{0C913308-F349-4B6D-A68A-DD1791B4A57B}" type="slidenum">
               <a:rPr lang="zh-CN" altLang="en-US" smtClean="0"/>
+              <a:t>‹#›</a:t>
             </a:fld>
             <a:endParaRPr lang="zh-CN" altLang="en-US"/>
           </a:p>
@@ -2165,7 +2171,6 @@
               <a:rPr lang="zh-CN" altLang="en-US"/>
               <a:t>单击此处编辑母版标题样式</a:t>
             </a:r>
-            <a:endParaRPr lang="zh-CN" altLang="en-US"/>
           </a:p>
         </p:txBody>
       </p:sp>
@@ -2222,7 +2227,6 @@
               <a:rPr lang="zh-CN" altLang="en-US"/>
               <a:t>单击此处编辑母版文本样式</a:t>
             </a:r>
-            <a:endParaRPr lang="zh-CN" altLang="en-US"/>
           </a:p>
           <a:p>
             <a:pPr lvl="1"/>
@@ -2230,7 +2234,6 @@
               <a:rPr lang="zh-CN" altLang="en-US"/>
               <a:t>第二级</a:t>
             </a:r>
-            <a:endParaRPr lang="zh-CN" altLang="en-US"/>
           </a:p>
           <a:p>
             <a:pPr lvl="2"/>
@@ -2238,7 +2241,6 @@
               <a:rPr lang="zh-CN" altLang="en-US"/>
               <a:t>第三级</a:t>
             </a:r>
-            <a:endParaRPr lang="zh-CN" altLang="en-US"/>
           </a:p>
           <a:p>
             <a:pPr lvl="3"/>
@@ -2246,7 +2248,6 @@
               <a:rPr lang="zh-CN" altLang="en-US"/>
               <a:t>第四级</a:t>
             </a:r>
-            <a:endParaRPr lang="zh-CN" altLang="en-US"/>
           </a:p>
           <a:p>
             <a:pPr lvl="4"/>
@@ -2254,7 +2255,6 @@
               <a:rPr lang="zh-CN" altLang="en-US"/>
               <a:t>第五级</a:t>
             </a:r>
-            <a:endParaRPr lang="zh-CN" altLang="en-US"/>
           </a:p>
         </p:txBody>
       </p:sp>
@@ -2311,7 +2311,6 @@
               <a:rPr lang="zh-CN" altLang="en-US"/>
               <a:t>单击此处编辑母版文本样式</a:t>
             </a:r>
-            <a:endParaRPr lang="zh-CN" altLang="en-US"/>
           </a:p>
           <a:p>
             <a:pPr lvl="1"/>
@@ -2319,7 +2318,6 @@
               <a:rPr lang="zh-CN" altLang="en-US"/>
               <a:t>第二级</a:t>
             </a:r>
-            <a:endParaRPr lang="zh-CN" altLang="en-US"/>
           </a:p>
           <a:p>
             <a:pPr lvl="2"/>
@@ -2327,7 +2325,6 @@
               <a:rPr lang="zh-CN" altLang="en-US"/>
               <a:t>第三级</a:t>
             </a:r>
-            <a:endParaRPr lang="zh-CN" altLang="en-US"/>
           </a:p>
           <a:p>
             <a:pPr lvl="3"/>
@@ -2335,7 +2332,6 @@
               <a:rPr lang="zh-CN" altLang="en-US"/>
               <a:t>第四级</a:t>
             </a:r>
-            <a:endParaRPr lang="zh-CN" altLang="en-US"/>
           </a:p>
           <a:p>
             <a:pPr lvl="4"/>
@@ -2343,7 +2339,6 @@
               <a:rPr lang="zh-CN" altLang="en-US"/>
               <a:t>第五级</a:t>
             </a:r>
-            <a:endParaRPr lang="zh-CN" altLang="en-US"/>
           </a:p>
         </p:txBody>
       </p:sp>
@@ -2372,6 +2367,7 @@
           <a:p>
             <a:fld id="{530820CF-B880-4189-942D-D702A7CBA730}" type="datetimeFigureOut">
               <a:rPr lang="zh-CN" altLang="en-US" smtClean="0"/>
+              <a:t>2020/12/16</a:t>
             </a:fld>
             <a:endParaRPr lang="zh-CN" altLang="en-US"/>
           </a:p>
@@ -2429,6 +2425,7 @@
           <a:p>
             <a:fld id="{0C913308-F349-4B6D-A68A-DD1791B4A57B}" type="slidenum">
               <a:rPr lang="zh-CN" altLang="en-US" smtClean="0"/>
+              <a:t>‹#›</a:t>
             </a:fld>
             <a:endParaRPr lang="zh-CN" altLang="en-US"/>
           </a:p>
@@ -2490,7 +2487,6 @@
               <a:rPr lang="zh-CN" altLang="en-US"/>
               <a:t>单击此处编辑母版标题样式</a:t>
             </a:r>
-            <a:endParaRPr lang="zh-CN" altLang="en-US"/>
           </a:p>
         </p:txBody>
       </p:sp>
@@ -2556,7 +2552,6 @@
               <a:rPr lang="zh-CN" altLang="en-US"/>
               <a:t>单击此处编辑母版文本样式</a:t>
             </a:r>
-            <a:endParaRPr lang="zh-CN" altLang="en-US"/>
           </a:p>
         </p:txBody>
       </p:sp>
@@ -2613,7 +2608,6 @@
               <a:rPr lang="zh-CN" altLang="en-US"/>
               <a:t>单击此处编辑母版文本样式</a:t>
             </a:r>
-            <a:endParaRPr lang="zh-CN" altLang="en-US"/>
           </a:p>
           <a:p>
             <a:pPr lvl="1"/>
@@ -2621,7 +2615,6 @@
               <a:rPr lang="zh-CN" altLang="en-US"/>
               <a:t>第二级</a:t>
             </a:r>
-            <a:endParaRPr lang="zh-CN" altLang="en-US"/>
           </a:p>
           <a:p>
             <a:pPr lvl="2"/>
@@ -2629,7 +2622,6 @@
               <a:rPr lang="zh-CN" altLang="en-US"/>
               <a:t>第三级</a:t>
             </a:r>
-            <a:endParaRPr lang="zh-CN" altLang="en-US"/>
           </a:p>
           <a:p>
             <a:pPr lvl="3"/>
@@ -2637,7 +2629,6 @@
               <a:rPr lang="zh-CN" altLang="en-US"/>
               <a:t>第四级</a:t>
             </a:r>
-            <a:endParaRPr lang="zh-CN" altLang="en-US"/>
           </a:p>
           <a:p>
             <a:pPr lvl="4"/>
@@ -2645,7 +2636,6 @@
               <a:rPr lang="zh-CN" altLang="en-US"/>
               <a:t>第五级</a:t>
             </a:r>
-            <a:endParaRPr lang="zh-CN" altLang="en-US"/>
           </a:p>
         </p:txBody>
       </p:sp>
@@ -2711,7 +2701,6 @@
               <a:rPr lang="zh-CN" altLang="en-US"/>
               <a:t>单击此处编辑母版文本样式</a:t>
             </a:r>
-            <a:endParaRPr lang="zh-CN" altLang="en-US"/>
           </a:p>
         </p:txBody>
       </p:sp>
@@ -2768,7 +2757,6 @@
               <a:rPr lang="zh-CN" altLang="en-US"/>
               <a:t>单击此处编辑母版文本样式</a:t>
             </a:r>
-            <a:endParaRPr lang="zh-CN" altLang="en-US"/>
           </a:p>
           <a:p>
             <a:pPr lvl="1"/>
@@ -2776,7 +2764,6 @@
               <a:rPr lang="zh-CN" altLang="en-US"/>
               <a:t>第二级</a:t>
             </a:r>
-            <a:endParaRPr lang="zh-CN" altLang="en-US"/>
           </a:p>
           <a:p>
             <a:pPr lvl="2"/>
@@ -2784,7 +2771,6 @@
               <a:rPr lang="zh-CN" altLang="en-US"/>
               <a:t>第三级</a:t>
             </a:r>
-            <a:endParaRPr lang="zh-CN" altLang="en-US"/>
           </a:p>
           <a:p>
             <a:pPr lvl="3"/>
@@ -2792,7 +2778,6 @@
               <a:rPr lang="zh-CN" altLang="en-US"/>
               <a:t>第四级</a:t>
             </a:r>
-            <a:endParaRPr lang="zh-CN" altLang="en-US"/>
           </a:p>
           <a:p>
             <a:pPr lvl="4"/>
@@ -2800,7 +2785,6 @@
               <a:rPr lang="zh-CN" altLang="en-US"/>
               <a:t>第五级</a:t>
             </a:r>
-            <a:endParaRPr lang="zh-CN" altLang="en-US"/>
           </a:p>
         </p:txBody>
       </p:sp>
@@ -2829,6 +2813,7 @@
           <a:p>
             <a:fld id="{530820CF-B880-4189-942D-D702A7CBA730}" type="datetimeFigureOut">
               <a:rPr lang="zh-CN" altLang="en-US" smtClean="0"/>
+              <a:t>2020/12/16</a:t>
             </a:fld>
             <a:endParaRPr lang="zh-CN" altLang="en-US"/>
           </a:p>
@@ -2886,6 +2871,7 @@
           <a:p>
             <a:fld id="{0C913308-F349-4B6D-A68A-DD1791B4A57B}" type="slidenum">
               <a:rPr lang="zh-CN" altLang="en-US" smtClean="0"/>
+              <a:t>‹#›</a:t>
             </a:fld>
             <a:endParaRPr lang="zh-CN" altLang="en-US"/>
           </a:p>
@@ -2943,7 +2929,6 @@
               <a:rPr lang="zh-CN" altLang="en-US"/>
               <a:t>单击此处编辑母版标题样式</a:t>
             </a:r>
-            <a:endParaRPr lang="zh-CN" altLang="en-US"/>
           </a:p>
         </p:txBody>
       </p:sp>
@@ -2972,6 +2957,7 @@
           <a:p>
             <a:fld id="{530820CF-B880-4189-942D-D702A7CBA730}" type="datetimeFigureOut">
               <a:rPr lang="zh-CN" altLang="en-US" smtClean="0"/>
+              <a:t>2020/12/16</a:t>
             </a:fld>
             <a:endParaRPr lang="zh-CN" altLang="en-US"/>
           </a:p>
@@ -3029,6 +3015,7 @@
           <a:p>
             <a:fld id="{0C913308-F349-4B6D-A68A-DD1791B4A57B}" type="slidenum">
               <a:rPr lang="zh-CN" altLang="en-US" smtClean="0"/>
+              <a:t>‹#›</a:t>
             </a:fld>
             <a:endParaRPr lang="zh-CN" altLang="en-US"/>
           </a:p>
@@ -3115,7 +3102,6 @@
               <a:rPr lang="zh-CN" altLang="en-US"/>
               <a:t>单击此处编辑母版标题样式</a:t>
             </a:r>
-            <a:endParaRPr lang="zh-CN" altLang="en-US"/>
           </a:p>
         </p:txBody>
       </p:sp>
@@ -3172,7 +3158,6 @@
               <a:rPr lang="zh-CN" altLang="en-US"/>
               <a:t>单击此处编辑母版文本样式</a:t>
             </a:r>
-            <a:endParaRPr lang="zh-CN" altLang="en-US"/>
           </a:p>
           <a:p>
             <a:pPr lvl="1"/>
@@ -3180,7 +3165,6 @@
               <a:rPr lang="zh-CN" altLang="en-US"/>
               <a:t>第二级</a:t>
             </a:r>
-            <a:endParaRPr lang="zh-CN" altLang="en-US"/>
           </a:p>
           <a:p>
             <a:pPr lvl="2"/>
@@ -3188,7 +3172,6 @@
               <a:rPr lang="zh-CN" altLang="en-US"/>
               <a:t>第三级</a:t>
             </a:r>
-            <a:endParaRPr lang="zh-CN" altLang="en-US"/>
           </a:p>
           <a:p>
             <a:pPr lvl="3"/>
@@ -3196,7 +3179,6 @@
               <a:rPr lang="zh-CN" altLang="en-US"/>
               <a:t>第四级</a:t>
             </a:r>
-            <a:endParaRPr lang="zh-CN" altLang="en-US"/>
           </a:p>
           <a:p>
             <a:pPr lvl="4"/>
@@ -3204,7 +3186,6 @@
               <a:rPr lang="zh-CN" altLang="en-US"/>
               <a:t>第五级</a:t>
             </a:r>
-            <a:endParaRPr lang="zh-CN" altLang="en-US"/>
           </a:p>
         </p:txBody>
       </p:sp>
@@ -3270,7 +3251,6 @@
               <a:rPr lang="zh-CN" altLang="en-US"/>
               <a:t>单击此处编辑母版文本样式</a:t>
             </a:r>
-            <a:endParaRPr lang="zh-CN" altLang="en-US"/>
           </a:p>
         </p:txBody>
       </p:sp>
@@ -3299,6 +3279,7 @@
           <a:p>
             <a:fld id="{530820CF-B880-4189-942D-D702A7CBA730}" type="datetimeFigureOut">
               <a:rPr lang="zh-CN" altLang="en-US" smtClean="0"/>
+              <a:t>2020/12/16</a:t>
             </a:fld>
             <a:endParaRPr lang="zh-CN" altLang="en-US"/>
           </a:p>
@@ -3356,6 +3337,7 @@
           <a:p>
             <a:fld id="{0C913308-F349-4B6D-A68A-DD1791B4A57B}" type="slidenum">
               <a:rPr lang="zh-CN" altLang="en-US" smtClean="0"/>
+              <a:t>‹#›</a:t>
             </a:fld>
             <a:endParaRPr lang="zh-CN" altLang="en-US"/>
           </a:p>
@@ -3417,7 +3399,6 @@
               <a:rPr lang="zh-CN" altLang="en-US"/>
               <a:t>单击此处编辑母版标题样式</a:t>
             </a:r>
-            <a:endParaRPr lang="zh-CN" altLang="en-US"/>
           </a:p>
         </p:txBody>
       </p:sp>
@@ -3544,7 +3525,6 @@
               <a:rPr lang="zh-CN" altLang="en-US"/>
               <a:t>单击此处编辑母版文本样式</a:t>
             </a:r>
-            <a:endParaRPr lang="zh-CN" altLang="en-US"/>
           </a:p>
         </p:txBody>
       </p:sp>
@@ -3573,6 +3553,7 @@
           <a:p>
             <a:fld id="{530820CF-B880-4189-942D-D702A7CBA730}" type="datetimeFigureOut">
               <a:rPr lang="zh-CN" altLang="en-US" smtClean="0"/>
+              <a:t>2020/12/16</a:t>
             </a:fld>
             <a:endParaRPr lang="zh-CN" altLang="en-US"/>
           </a:p>
@@ -3630,6 +3611,7 @@
           <a:p>
             <a:fld id="{0C913308-F349-4B6D-A68A-DD1791B4A57B}" type="slidenum">
               <a:rPr lang="zh-CN" altLang="en-US" smtClean="0"/>
+              <a:t>‹#›</a:t>
             </a:fld>
             <a:endParaRPr lang="zh-CN" altLang="en-US"/>
           </a:p>
@@ -3698,7 +3680,6 @@
               <a:rPr lang="zh-CN" altLang="en-US" dirty="0"/>
               <a:t>单击此处编辑母版文本样式</a:t>
             </a:r>
-            <a:endParaRPr lang="zh-CN" altLang="en-US" dirty="0"/>
           </a:p>
           <a:p>
             <a:pPr lvl="1"/>
@@ -3706,7 +3687,6 @@
               <a:rPr lang="zh-CN" altLang="en-US" dirty="0"/>
               <a:t>第二级</a:t>
             </a:r>
-            <a:endParaRPr lang="zh-CN" altLang="en-US" dirty="0"/>
           </a:p>
           <a:p>
             <a:pPr lvl="2"/>
@@ -3714,7 +3694,6 @@
               <a:rPr lang="zh-CN" altLang="en-US" dirty="0"/>
               <a:t>第三级</a:t>
             </a:r>
-            <a:endParaRPr lang="zh-CN" altLang="en-US" dirty="0"/>
           </a:p>
           <a:p>
             <a:pPr lvl="3"/>
@@ -3722,7 +3701,6 @@
               <a:rPr lang="zh-CN" altLang="en-US" dirty="0"/>
               <a:t>第四级</a:t>
             </a:r>
-            <a:endParaRPr lang="zh-CN" altLang="en-US" dirty="0"/>
           </a:p>
           <a:p>
             <a:pPr lvl="4"/>
@@ -3730,7 +3708,6 @@
               <a:rPr lang="zh-CN" altLang="en-US" dirty="0"/>
               <a:t>第五级</a:t>
             </a:r>
-            <a:endParaRPr lang="zh-CN" altLang="en-US" dirty="0"/>
           </a:p>
         </p:txBody>
       </p:sp>
@@ -3829,10 +3806,6 @@
               </a:rPr>
               <a:t>年毕业设计开题报告</a:t>
             </a:r>
-            <a:endParaRPr lang="zh-CN" altLang="en-US" sz="1600" dirty="0">
-              <a:latin typeface="微软雅黑" panose="020B0503020204020204" pitchFamily="34" charset="-122"/>
-              <a:ea typeface="微软雅黑" panose="020B0503020204020204" pitchFamily="34" charset="-122"/>
-            </a:endParaRPr>
           </a:p>
         </p:txBody>
       </p:sp>
@@ -3845,7 +3818,7 @@
           <p:nvPr userDrawn="1"/>
         </p:nvPicPr>
         <p:blipFill>
-          <a:blip r:embed="rId12" cstate="print">
+          <a:blip r:embed="rId13" cstate="print">
             <a:clrChange>
               <a:clrFrom>
                 <a:srgbClr val="FFFFFF"/>
@@ -4251,10 +4224,6 @@
               </a:rPr>
               <a:t>建模与参数估计问题研究</a:t>
             </a:r>
-            <a:endParaRPr lang="zh-CN" altLang="en-US" sz="2800" b="1" dirty="0">
-              <a:latin typeface="华康俪金黑W8(P)" pitchFamily="34" charset="-122"/>
-              <a:ea typeface="华康俪金黑W8(P)" pitchFamily="34" charset="-122"/>
-            </a:endParaRPr>
           </a:p>
         </p:txBody>
       </p:sp>
@@ -4461,8 +4430,20 @@
                 <a:tableStyleId>{5C22544A-7EE6-4342-B048-85BDC9FD1C3A}</a:tableStyleId>
               </a:tblPr>
               <a:tblGrid>
-                <a:gridCol w="1884334"/>
-                <a:gridCol w="2708154"/>
+                <a:gridCol w="1884334">
+                  <a:extLst>
+                    <a:ext uri="{9D8B030D-6E8A-4147-A177-3AD203B41FA5}">
+                      <a16:colId xmlns:a16="http://schemas.microsoft.com/office/drawing/2014/main" val="20000"/>
+                    </a:ext>
+                  </a:extLst>
+                </a:gridCol>
+                <a:gridCol w="2708154">
+                  <a:extLst>
+                    <a:ext uri="{9D8B030D-6E8A-4147-A177-3AD203B41FA5}">
+                      <a16:colId xmlns:a16="http://schemas.microsoft.com/office/drawing/2014/main" val="20001"/>
+                    </a:ext>
+                  </a:extLst>
+                </a:gridCol>
               </a:tblGrid>
               <a:tr h="340578">
                 <a:tc>
@@ -4478,10 +4459,6 @@
                         </a:rPr>
                         <a:t>学  院</a:t>
                       </a:r>
-                      <a:endParaRPr lang="zh-CN" altLang="en-US" dirty="0">
-                        <a:latin typeface="微软雅黑" panose="020B0503020204020204" pitchFamily="34" charset="-122"/>
-                        <a:ea typeface="微软雅黑" panose="020B0503020204020204" pitchFamily="34" charset="-122"/>
-                      </a:endParaRPr>
                     </a:p>
                   </a:txBody>
                   <a:tcPr/>
@@ -4534,6 +4511,11 @@
                     <a:noFill/>
                   </a:tcPr>
                 </a:tc>
+                <a:extLst>
+                  <a:ext uri="{0D108BD9-81ED-4DB2-BD59-A6C34878D82A}">
+                    <a16:rowId xmlns:a16="http://schemas.microsoft.com/office/drawing/2014/main" val="10000"/>
+                  </a:ext>
+                </a:extLst>
               </a:tr>
               <a:tr h="340578">
                 <a:tc gridSpan="2">
@@ -4550,8 +4532,20 @@
                   </a:tcPr>
                 </a:tc>
                 <a:tc hMerge="1">
+                  <a:txBody>
+                    <a:bodyPr/>
+                    <a:lstStyle/>
+                    <a:p>
+                      <a:endParaRPr lang="zh-CN"/>
+                    </a:p>
+                  </a:txBody>
                   <a:tcPr/>
                 </a:tc>
+                <a:extLst>
+                  <a:ext uri="{0D108BD9-81ED-4DB2-BD59-A6C34878D82A}">
+                    <a16:rowId xmlns:a16="http://schemas.microsoft.com/office/drawing/2014/main" val="10001"/>
+                  </a:ext>
+                </a:extLst>
               </a:tr>
               <a:tr h="340578">
                 <a:tc>
@@ -4571,14 +4565,6 @@
                         </a:rPr>
                         <a:t>专  业</a:t>
                       </a:r>
-                      <a:endParaRPr lang="zh-CN" altLang="en-US" sz="1800" b="1" kern="1200" dirty="0">
-                        <a:solidFill>
-                          <a:schemeClr val="lt1"/>
-                        </a:solidFill>
-                        <a:latin typeface="微软雅黑" panose="020B0503020204020204" pitchFamily="34" charset="-122"/>
-                        <a:ea typeface="微软雅黑" panose="020B0503020204020204" pitchFamily="34" charset="-122"/>
-                        <a:cs typeface="+mn-cs"/>
-                      </a:endParaRPr>
                     </a:p>
                   </a:txBody>
                   <a:tcPr>
@@ -4603,10 +4589,6 @@
                         </a:rPr>
                         <a:t>控制科学与工程</a:t>
                       </a:r>
-                      <a:endParaRPr lang="zh-CN" altLang="en-US" dirty="0">
-                        <a:latin typeface="微软雅黑" panose="020B0503020204020204" pitchFamily="34" charset="-122"/>
-                        <a:ea typeface="微软雅黑" panose="020B0503020204020204" pitchFamily="34" charset="-122"/>
-                      </a:endParaRPr>
                     </a:p>
                   </a:txBody>
                   <a:tcPr>
@@ -4635,6 +4617,11 @@
                     <a:noFill/>
                   </a:tcPr>
                 </a:tc>
+                <a:extLst>
+                  <a:ext uri="{0D108BD9-81ED-4DB2-BD59-A6C34878D82A}">
+                    <a16:rowId xmlns:a16="http://schemas.microsoft.com/office/drawing/2014/main" val="10002"/>
+                  </a:ext>
+                </a:extLst>
               </a:tr>
               <a:tr h="404805">
                 <a:tc gridSpan="2">
@@ -4651,8 +4638,20 @@
                   </a:tcPr>
                 </a:tc>
                 <a:tc hMerge="1">
+                  <a:txBody>
+                    <a:bodyPr/>
+                    <a:lstStyle/>
+                    <a:p>
+                      <a:endParaRPr lang="zh-CN"/>
+                    </a:p>
+                  </a:txBody>
                   <a:tcPr/>
                 </a:tc>
+                <a:extLst>
+                  <a:ext uri="{0D108BD9-81ED-4DB2-BD59-A6C34878D82A}">
+                    <a16:rowId xmlns:a16="http://schemas.microsoft.com/office/drawing/2014/main" val="10003"/>
+                  </a:ext>
+                </a:extLst>
               </a:tr>
               <a:tr h="340578">
                 <a:tc>
@@ -4671,13 +4670,6 @@
                         </a:rPr>
                         <a:t>学生姓名</a:t>
                       </a:r>
-                      <a:endParaRPr lang="zh-CN" altLang="en-US" b="1" dirty="0">
-                        <a:solidFill>
-                          <a:schemeClr val="bg1"/>
-                        </a:solidFill>
-                        <a:latin typeface="微软雅黑" panose="020B0503020204020204" pitchFamily="34" charset="-122"/>
-                        <a:ea typeface="微软雅黑" panose="020B0503020204020204" pitchFamily="34" charset="-122"/>
-                      </a:endParaRPr>
                     </a:p>
                   </a:txBody>
                   <a:tcPr>
@@ -4702,10 +4694,6 @@
                         </a:rPr>
                         <a:t>杨豪杰</a:t>
                       </a:r>
-                      <a:endParaRPr lang="zh-CN" altLang="en-US" dirty="0">
-                        <a:latin typeface="微软雅黑" panose="020B0503020204020204" pitchFamily="34" charset="-122"/>
-                        <a:ea typeface="微软雅黑" panose="020B0503020204020204" pitchFamily="34" charset="-122"/>
-                      </a:endParaRPr>
                     </a:p>
                   </a:txBody>
                   <a:tcPr>
@@ -4732,6 +4720,11 @@
                     <a:noFill/>
                   </a:tcPr>
                 </a:tc>
+                <a:extLst>
+                  <a:ext uri="{0D108BD9-81ED-4DB2-BD59-A6C34878D82A}">
+                    <a16:rowId xmlns:a16="http://schemas.microsoft.com/office/drawing/2014/main" val="10004"/>
+                  </a:ext>
+                </a:extLst>
               </a:tr>
               <a:tr h="340578">
                 <a:tc>
@@ -4799,6 +4792,11 @@
                     <a:noFill/>
                   </a:tcPr>
                 </a:tc>
+                <a:extLst>
+                  <a:ext uri="{0D108BD9-81ED-4DB2-BD59-A6C34878D82A}">
+                    <a16:rowId xmlns:a16="http://schemas.microsoft.com/office/drawing/2014/main" val="10005"/>
+                  </a:ext>
+                </a:extLst>
               </a:tr>
               <a:tr h="340578">
                 <a:tc>
@@ -4817,13 +4815,6 @@
                         </a:rPr>
                         <a:t>导师</a:t>
                       </a:r>
-                      <a:endParaRPr lang="zh-CN" altLang="en-US" b="1" dirty="0">
-                        <a:solidFill>
-                          <a:schemeClr val="bg1"/>
-                        </a:solidFill>
-                        <a:latin typeface="微软雅黑" panose="020B0503020204020204" pitchFamily="34" charset="-122"/>
-                        <a:ea typeface="微软雅黑" panose="020B0503020204020204" pitchFamily="34" charset="-122"/>
-                      </a:endParaRPr>
                     </a:p>
                   </a:txBody>
                   <a:tcPr>
@@ -4862,10 +4853,6 @@
                         </a:rPr>
                         <a:t>李建宁</a:t>
                       </a:r>
-                      <a:endParaRPr lang="zh-CN" altLang="en-US" dirty="0">
-                        <a:latin typeface="微软雅黑" panose="020B0503020204020204" pitchFamily="34" charset="-122"/>
-                        <a:ea typeface="微软雅黑" panose="020B0503020204020204" pitchFamily="34" charset="-122"/>
-                      </a:endParaRPr>
                     </a:p>
                   </a:txBody>
                   <a:tcPr>
@@ -4897,6 +4884,11 @@
                     <a:noFill/>
                   </a:tcPr>
                 </a:tc>
+                <a:extLst>
+                  <a:ext uri="{0D108BD9-81ED-4DB2-BD59-A6C34878D82A}">
+                    <a16:rowId xmlns:a16="http://schemas.microsoft.com/office/drawing/2014/main" val="10006"/>
+                  </a:ext>
+                </a:extLst>
               </a:tr>
             </a:tbl>
           </a:graphicData>
@@ -4911,7 +4903,7 @@
           <p:nvPr/>
         </p:nvPicPr>
         <p:blipFill>
-          <a:blip r:embed="rId1" cstate="print">
+          <a:blip r:embed="rId3" cstate="print">
             <a:extLst>
               <a:ext uri="{28A0092B-C50C-407E-A947-70E740481C1C}">
                 <a14:useLocalDpi xmlns:a14="http://schemas.microsoft.com/office/drawing/2010/main" val="0"/>
@@ -4964,8 +4956,8 @@
           <a:chExt cx="0" cy="0"/>
         </a:xfrm>
       </p:grpSpPr>
-      <mc:AlternateContent xmlns:mc="http://schemas.openxmlformats.org/markup-compatibility/2006">
-        <mc:Choice xmlns:a14="http://schemas.microsoft.com/office/drawing/2010/main" Requires="a14">
+      <mc:AlternateContent xmlns:mc="http://schemas.openxmlformats.org/markup-compatibility/2006" xmlns:a14="http://schemas.microsoft.com/office/drawing/2010/main">
+        <mc:Choice Requires="a14">
           <p:sp>
             <p:nvSpPr>
               <p:cNvPr id="3" name="矩形 2"/>
@@ -5671,7 +5663,7 @@
             </p:txBody>
           </p:sp>
         </mc:Choice>
-        <mc:Fallback>
+        <mc:Fallback xmlns="">
           <p:sp>
             <p:nvSpPr>
               <p:cNvPr id="3" name="矩形 2"/>
@@ -5689,7 +5681,7 @@
                 <a:avLst/>
               </a:prstGeom>
               <a:blipFill rotWithShape="1">
-                <a:blip r:embed="rId1"/>
+                <a:blip r:embed="rId3"/>
                 <a:stretch>
                   <a:fillRect l="-1118" t="-2294" r="-1198" b="-3442"/>
                 </a:stretch>
@@ -5732,10 +5724,34 @@
                 <a:tableStyleId>{5C22544A-7EE6-4342-B048-85BDC9FD1C3A}</a:tableStyleId>
               </a:tblPr>
               <a:tblGrid>
-                <a:gridCol w="2308543"/>
-                <a:gridCol w="1656000"/>
-                <a:gridCol w="1656000"/>
-                <a:gridCol w="1656000"/>
+                <a:gridCol w="2308543">
+                  <a:extLst>
+                    <a:ext uri="{9D8B030D-6E8A-4147-A177-3AD203B41FA5}">
+                      <a16:colId xmlns:a16="http://schemas.microsoft.com/office/drawing/2014/main" val="20000"/>
+                    </a:ext>
+                  </a:extLst>
+                </a:gridCol>
+                <a:gridCol w="1656000">
+                  <a:extLst>
+                    <a:ext uri="{9D8B030D-6E8A-4147-A177-3AD203B41FA5}">
+                      <a16:colId xmlns:a16="http://schemas.microsoft.com/office/drawing/2014/main" val="20001"/>
+                    </a:ext>
+                  </a:extLst>
+                </a:gridCol>
+                <a:gridCol w="1656000">
+                  <a:extLst>
+                    <a:ext uri="{9D8B030D-6E8A-4147-A177-3AD203B41FA5}">
+                      <a16:colId xmlns:a16="http://schemas.microsoft.com/office/drawing/2014/main" val="20002"/>
+                    </a:ext>
+                  </a:extLst>
+                </a:gridCol>
+                <a:gridCol w="1656000">
+                  <a:extLst>
+                    <a:ext uri="{9D8B030D-6E8A-4147-A177-3AD203B41FA5}">
+                      <a16:colId xmlns:a16="http://schemas.microsoft.com/office/drawing/2014/main" val="20003"/>
+                    </a:ext>
+                  </a:extLst>
+                </a:gridCol>
               </a:tblGrid>
               <a:tr h="497601">
                 <a:tc>
@@ -5756,15 +5772,6 @@
                         </a:rPr>
                         <a:t>背景介绍及研究意义</a:t>
                       </a:r>
-                      <a:endParaRPr lang="zh-CN" altLang="en-US" b="0" dirty="0">
-                        <a:solidFill>
-                          <a:schemeClr val="accent1">
-                            <a:lumMod val="75000"/>
-                          </a:schemeClr>
-                        </a:solidFill>
-                        <a:latin typeface="微软雅黑" panose="020B0503020204020204" pitchFamily="34" charset="-122"/>
-                        <a:ea typeface="微软雅黑" panose="020B0503020204020204" pitchFamily="34" charset="-122"/>
-                      </a:endParaRPr>
                     </a:p>
                   </a:txBody>
                   <a:tcPr anchor="b">
@@ -5846,13 +5853,6 @@
                         </a:rPr>
                         <a:t>研究内容</a:t>
                       </a:r>
-                      <a:endParaRPr lang="zh-CN" altLang="en-US" b="1" dirty="0">
-                        <a:solidFill>
-                          <a:schemeClr val="bg1"/>
-                        </a:solidFill>
-                        <a:latin typeface="微软雅黑" panose="020B0503020204020204" pitchFamily="34" charset="-122"/>
-                        <a:ea typeface="微软雅黑" panose="020B0503020204020204" pitchFamily="34" charset="-122"/>
-                      </a:endParaRPr>
                     </a:p>
                   </a:txBody>
                   <a:tcPr anchor="ctr">
@@ -5938,15 +5938,6 @@
                         </a:rPr>
                         <a:t>研究计划</a:t>
                       </a:r>
-                      <a:endParaRPr lang="zh-CN" altLang="en-US" b="0" dirty="0">
-                        <a:solidFill>
-                          <a:schemeClr val="accent1">
-                            <a:lumMod val="75000"/>
-                          </a:schemeClr>
-                        </a:solidFill>
-                        <a:latin typeface="微软雅黑" panose="020B0503020204020204" pitchFamily="34" charset="-122"/>
-                        <a:ea typeface="微软雅黑" panose="020B0503020204020204" pitchFamily="34" charset="-122"/>
-                      </a:endParaRPr>
                     </a:p>
                   </a:txBody>
                   <a:tcPr anchor="b">
@@ -6030,15 +6021,6 @@
                         </a:rPr>
                         <a:t>研究进展</a:t>
                       </a:r>
-                      <a:endParaRPr lang="zh-CN" altLang="en-US" b="0" dirty="0">
-                        <a:solidFill>
-                          <a:schemeClr val="accent1">
-                            <a:lumMod val="75000"/>
-                          </a:schemeClr>
-                        </a:solidFill>
-                        <a:latin typeface="微软雅黑" panose="020B0503020204020204" pitchFamily="34" charset="-122"/>
-                        <a:ea typeface="微软雅黑" panose="020B0503020204020204" pitchFamily="34" charset="-122"/>
-                      </a:endParaRPr>
                     </a:p>
                   </a:txBody>
                   <a:tcPr anchor="b">
@@ -6089,6 +6071,11 @@
                     <a:noFill/>
                   </a:tcPr>
                 </a:tc>
+                <a:extLst>
+                  <a:ext uri="{0D108BD9-81ED-4DB2-BD59-A6C34878D82A}">
+                    <a16:rowId xmlns:a16="http://schemas.microsoft.com/office/drawing/2014/main" val="10000"/>
+                  </a:ext>
+                </a:extLst>
               </a:tr>
               <a:tr h="164799">
                 <a:tc>
@@ -6159,6 +6146,13 @@
                   </a:tcPr>
                 </a:tc>
                 <a:tc vMerge="1">
+                  <a:txBody>
+                    <a:bodyPr/>
+                    <a:lstStyle/>
+                    <a:p>
+                      <a:endParaRPr lang="zh-CN"/>
+                    </a:p>
+                  </a:txBody>
                   <a:tcPr anchor="ctr">
                     <a:lnL w="57150" cap="flat" cmpd="sng" algn="ctr">
                       <a:solidFill>
@@ -6343,6 +6337,11 @@
                     </a:solidFill>
                   </a:tcPr>
                 </a:tc>
+                <a:extLst>
+                  <a:ext uri="{0D108BD9-81ED-4DB2-BD59-A6C34878D82A}">
+                    <a16:rowId xmlns:a16="http://schemas.microsoft.com/office/drawing/2014/main" val="10001"/>
+                  </a:ext>
+                </a:extLst>
               </a:tr>
             </a:tbl>
           </a:graphicData>
@@ -6552,10 +6551,34 @@
                 <a:tableStyleId>{5C22544A-7EE6-4342-B048-85BDC9FD1C3A}</a:tableStyleId>
               </a:tblPr>
               <a:tblGrid>
-                <a:gridCol w="2308543"/>
-                <a:gridCol w="1656000"/>
-                <a:gridCol w="1656000"/>
-                <a:gridCol w="1656000"/>
+                <a:gridCol w="2308543">
+                  <a:extLst>
+                    <a:ext uri="{9D8B030D-6E8A-4147-A177-3AD203B41FA5}">
+                      <a16:colId xmlns:a16="http://schemas.microsoft.com/office/drawing/2014/main" val="20000"/>
+                    </a:ext>
+                  </a:extLst>
+                </a:gridCol>
+                <a:gridCol w="1656000">
+                  <a:extLst>
+                    <a:ext uri="{9D8B030D-6E8A-4147-A177-3AD203B41FA5}">
+                      <a16:colId xmlns:a16="http://schemas.microsoft.com/office/drawing/2014/main" val="20001"/>
+                    </a:ext>
+                  </a:extLst>
+                </a:gridCol>
+                <a:gridCol w="1656000">
+                  <a:extLst>
+                    <a:ext uri="{9D8B030D-6E8A-4147-A177-3AD203B41FA5}">
+                      <a16:colId xmlns:a16="http://schemas.microsoft.com/office/drawing/2014/main" val="20002"/>
+                    </a:ext>
+                  </a:extLst>
+                </a:gridCol>
+                <a:gridCol w="1656000">
+                  <a:extLst>
+                    <a:ext uri="{9D8B030D-6E8A-4147-A177-3AD203B41FA5}">
+                      <a16:colId xmlns:a16="http://schemas.microsoft.com/office/drawing/2014/main" val="20003"/>
+                    </a:ext>
+                  </a:extLst>
+                </a:gridCol>
               </a:tblGrid>
               <a:tr h="497601">
                 <a:tc>
@@ -6576,15 +6599,6 @@
                         </a:rPr>
                         <a:t>背景介绍及研究意义</a:t>
                       </a:r>
-                      <a:endParaRPr lang="zh-CN" altLang="en-US" b="0" dirty="0">
-                        <a:solidFill>
-                          <a:schemeClr val="accent1">
-                            <a:lumMod val="75000"/>
-                          </a:schemeClr>
-                        </a:solidFill>
-                        <a:latin typeface="微软雅黑" panose="020B0503020204020204" pitchFamily="34" charset="-122"/>
-                        <a:ea typeface="微软雅黑" panose="020B0503020204020204" pitchFamily="34" charset="-122"/>
-                      </a:endParaRPr>
                     </a:p>
                   </a:txBody>
                   <a:tcPr anchor="b">
@@ -6666,13 +6680,6 @@
                         </a:rPr>
                         <a:t>研究内容</a:t>
                       </a:r>
-                      <a:endParaRPr lang="zh-CN" altLang="en-US" b="1" dirty="0">
-                        <a:solidFill>
-                          <a:schemeClr val="bg1"/>
-                        </a:solidFill>
-                        <a:latin typeface="微软雅黑" panose="020B0503020204020204" pitchFamily="34" charset="-122"/>
-                        <a:ea typeface="微软雅黑" panose="020B0503020204020204" pitchFamily="34" charset="-122"/>
-                      </a:endParaRPr>
                     </a:p>
                   </a:txBody>
                   <a:tcPr anchor="ctr">
@@ -6758,15 +6765,6 @@
                         </a:rPr>
                         <a:t>研究计划</a:t>
                       </a:r>
-                      <a:endParaRPr lang="zh-CN" altLang="en-US" b="0" dirty="0">
-                        <a:solidFill>
-                          <a:schemeClr val="accent1">
-                            <a:lumMod val="75000"/>
-                          </a:schemeClr>
-                        </a:solidFill>
-                        <a:latin typeface="微软雅黑" panose="020B0503020204020204" pitchFamily="34" charset="-122"/>
-                        <a:ea typeface="微软雅黑" panose="020B0503020204020204" pitchFamily="34" charset="-122"/>
-                      </a:endParaRPr>
                     </a:p>
                   </a:txBody>
                   <a:tcPr anchor="b">
@@ -6850,15 +6848,6 @@
                         </a:rPr>
                         <a:t>研究进展</a:t>
                       </a:r>
-                      <a:endParaRPr lang="zh-CN" altLang="en-US" b="0" dirty="0">
-                        <a:solidFill>
-                          <a:schemeClr val="accent1">
-                            <a:lumMod val="75000"/>
-                          </a:schemeClr>
-                        </a:solidFill>
-                        <a:latin typeface="微软雅黑" panose="020B0503020204020204" pitchFamily="34" charset="-122"/>
-                        <a:ea typeface="微软雅黑" panose="020B0503020204020204" pitchFamily="34" charset="-122"/>
-                      </a:endParaRPr>
                     </a:p>
                   </a:txBody>
                   <a:tcPr anchor="b">
@@ -6909,6 +6898,11 @@
                     <a:noFill/>
                   </a:tcPr>
                 </a:tc>
+                <a:extLst>
+                  <a:ext uri="{0D108BD9-81ED-4DB2-BD59-A6C34878D82A}">
+                    <a16:rowId xmlns:a16="http://schemas.microsoft.com/office/drawing/2014/main" val="10000"/>
+                  </a:ext>
+                </a:extLst>
               </a:tr>
               <a:tr h="164799">
                 <a:tc>
@@ -6979,6 +6973,13 @@
                   </a:tcPr>
                 </a:tc>
                 <a:tc vMerge="1">
+                  <a:txBody>
+                    <a:bodyPr/>
+                    <a:lstStyle/>
+                    <a:p>
+                      <a:endParaRPr lang="zh-CN"/>
+                    </a:p>
+                  </a:txBody>
                   <a:tcPr anchor="ctr">
                     <a:lnL w="57150" cap="flat" cmpd="sng" algn="ctr">
                       <a:solidFill>
@@ -7163,6 +7164,11 @@
                     </a:solidFill>
                   </a:tcPr>
                 </a:tc>
+                <a:extLst>
+                  <a:ext uri="{0D108BD9-81ED-4DB2-BD59-A6C34878D82A}">
+                    <a16:rowId xmlns:a16="http://schemas.microsoft.com/office/drawing/2014/main" val="10001"/>
+                  </a:ext>
+                </a:extLst>
               </a:tr>
             </a:tbl>
           </a:graphicData>
@@ -7255,7 +7261,7 @@
           <p:nvPr/>
         </p:nvPicPr>
         <p:blipFill>
-          <a:blip r:embed="rId1"/>
+          <a:blip r:embed="rId3"/>
           <a:stretch>
             <a:fillRect/>
           </a:stretch>
@@ -7279,7 +7285,7 @@
           <p:nvPr/>
         </p:nvPicPr>
         <p:blipFill>
-          <a:blip r:embed="rId2"/>
+          <a:blip r:embed="rId4"/>
           <a:stretch>
             <a:fillRect/>
           </a:stretch>
@@ -7338,10 +7344,34 @@
                 <a:tableStyleId>{5C22544A-7EE6-4342-B048-85BDC9FD1C3A}</a:tableStyleId>
               </a:tblPr>
               <a:tblGrid>
-                <a:gridCol w="2441580"/>
-                <a:gridCol w="1181007"/>
-                <a:gridCol w="1811294"/>
-                <a:gridCol w="1811294"/>
+                <a:gridCol w="2441580">
+                  <a:extLst>
+                    <a:ext uri="{9D8B030D-6E8A-4147-A177-3AD203B41FA5}">
+                      <a16:colId xmlns:a16="http://schemas.microsoft.com/office/drawing/2014/main" val="20000"/>
+                    </a:ext>
+                  </a:extLst>
+                </a:gridCol>
+                <a:gridCol w="1181007">
+                  <a:extLst>
+                    <a:ext uri="{9D8B030D-6E8A-4147-A177-3AD203B41FA5}">
+                      <a16:colId xmlns:a16="http://schemas.microsoft.com/office/drawing/2014/main" val="20001"/>
+                    </a:ext>
+                  </a:extLst>
+                </a:gridCol>
+                <a:gridCol w="1811294">
+                  <a:extLst>
+                    <a:ext uri="{9D8B030D-6E8A-4147-A177-3AD203B41FA5}">
+                      <a16:colId xmlns:a16="http://schemas.microsoft.com/office/drawing/2014/main" val="20002"/>
+                    </a:ext>
+                  </a:extLst>
+                </a:gridCol>
+                <a:gridCol w="1811294">
+                  <a:extLst>
+                    <a:ext uri="{9D8B030D-6E8A-4147-A177-3AD203B41FA5}">
+                      <a16:colId xmlns:a16="http://schemas.microsoft.com/office/drawing/2014/main" val="20003"/>
+                    </a:ext>
+                  </a:extLst>
+                </a:gridCol>
               </a:tblGrid>
               <a:tr h="497601">
                 <a:tc>
@@ -7377,15 +7407,6 @@
                         </a:rPr>
                         <a:t>背景介绍及研究意义</a:t>
                       </a:r>
-                      <a:endParaRPr lang="zh-CN" altLang="en-US" b="0" dirty="0">
-                        <a:solidFill>
-                          <a:schemeClr val="accent1">
-                            <a:lumMod val="75000"/>
-                          </a:schemeClr>
-                        </a:solidFill>
-                        <a:latin typeface="微软雅黑" panose="020B0503020204020204" pitchFamily="34" charset="-122"/>
-                        <a:ea typeface="微软雅黑" panose="020B0503020204020204" pitchFamily="34" charset="-122"/>
-                      </a:endParaRPr>
                     </a:p>
                   </a:txBody>
                   <a:tcPr anchor="b">
@@ -7454,15 +7475,6 @@
                         </a:rPr>
                         <a:t>研究方法</a:t>
                       </a:r>
-                      <a:endParaRPr lang="zh-CN" altLang="en-US" b="0" dirty="0">
-                        <a:solidFill>
-                          <a:schemeClr val="accent1">
-                            <a:lumMod val="75000"/>
-                          </a:schemeClr>
-                        </a:solidFill>
-                        <a:latin typeface="微软雅黑" panose="020B0503020204020204" pitchFamily="34" charset="-122"/>
-                        <a:ea typeface="微软雅黑" panose="020B0503020204020204" pitchFamily="34" charset="-122"/>
-                      </a:endParaRPr>
                     </a:p>
                   </a:txBody>
                   <a:tcPr anchor="b">
@@ -7544,13 +7556,6 @@
                         </a:rPr>
                         <a:t>研究计划</a:t>
                       </a:r>
-                      <a:endParaRPr lang="zh-CN" altLang="en-US" b="1" dirty="0">
-                        <a:solidFill>
-                          <a:schemeClr val="bg1"/>
-                        </a:solidFill>
-                        <a:latin typeface="微软雅黑" panose="020B0503020204020204" pitchFamily="34" charset="-122"/>
-                        <a:ea typeface="微软雅黑" panose="020B0503020204020204" pitchFamily="34" charset="-122"/>
-                      </a:endParaRPr>
                     </a:p>
                   </a:txBody>
                   <a:tcPr anchor="ctr">
@@ -7636,15 +7641,6 @@
                         </a:rPr>
                         <a:t>研究进展</a:t>
                       </a:r>
-                      <a:endParaRPr lang="zh-CN" altLang="en-US" b="0" dirty="0">
-                        <a:solidFill>
-                          <a:schemeClr val="accent1">
-                            <a:lumMod val="75000"/>
-                          </a:schemeClr>
-                        </a:solidFill>
-                        <a:latin typeface="微软雅黑" panose="020B0503020204020204" pitchFamily="34" charset="-122"/>
-                        <a:ea typeface="微软雅黑" panose="020B0503020204020204" pitchFamily="34" charset="-122"/>
-                      </a:endParaRPr>
                     </a:p>
                   </a:txBody>
                   <a:tcPr anchor="b">
@@ -7695,6 +7691,11 @@
                     <a:noFill/>
                   </a:tcPr>
                 </a:tc>
+                <a:extLst>
+                  <a:ext uri="{0D108BD9-81ED-4DB2-BD59-A6C34878D82A}">
+                    <a16:rowId xmlns:a16="http://schemas.microsoft.com/office/drawing/2014/main" val="10000"/>
+                  </a:ext>
+                </a:extLst>
               </a:tr>
               <a:tr h="164799">
                 <a:tc>
@@ -7832,6 +7833,13 @@
                   </a:tcPr>
                 </a:tc>
                 <a:tc vMerge="1">
+                  <a:txBody>
+                    <a:bodyPr/>
+                    <a:lstStyle/>
+                    <a:p>
+                      <a:endParaRPr lang="zh-CN"/>
+                    </a:p>
+                  </a:txBody>
                   <a:tcPr anchor="ctr">
                     <a:lnL w="57150" cap="flat" cmpd="sng" algn="ctr">
                       <a:solidFill>
@@ -7949,6 +7957,11 @@
                     </a:solidFill>
                   </a:tcPr>
                 </a:tc>
+                <a:extLst>
+                  <a:ext uri="{0D108BD9-81ED-4DB2-BD59-A6C34878D82A}">
+                    <a16:rowId xmlns:a16="http://schemas.microsoft.com/office/drawing/2014/main" val="10001"/>
+                  </a:ext>
+                </a:extLst>
               </a:tr>
             </a:tbl>
           </a:graphicData>
@@ -7995,22 +8008,6 @@
               </a:rPr>
               <a:t>时间阶段：</a:t>
             </a:r>
-            <a:endParaRPr lang="zh-CN" altLang="en-US" sz="2000" b="1" dirty="0">
-              <a:solidFill>
-                <a:schemeClr val="accent1">
-                  <a:lumMod val="75000"/>
-                </a:schemeClr>
-              </a:solidFill>
-              <a:effectLst>
-                <a:outerShdw blurRad="38100" dist="38100" dir="2700000" algn="tl">
-                  <a:srgbClr val="000000">
-                    <a:alpha val="43137"/>
-                  </a:srgbClr>
-                </a:outerShdw>
-              </a:effectLst>
-              <a:latin typeface="微软雅黑" panose="020B0503020204020204" pitchFamily="34" charset="-122"/>
-              <a:ea typeface="微软雅黑" panose="020B0503020204020204" pitchFamily="34" charset="-122"/>
-            </a:endParaRPr>
           </a:p>
         </p:txBody>
       </p:sp>
@@ -8971,13 +8968,6 @@
               </a:rPr>
               <a:t>进行前期的预研工作</a:t>
             </a:r>
-            <a:endParaRPr lang="zh-CN" altLang="en-US" sz="1600" dirty="0">
-              <a:solidFill>
-                <a:srgbClr val="000000"/>
-              </a:solidFill>
-              <a:latin typeface="华文新魏" pitchFamily="2" charset="-122"/>
-              <a:ea typeface="华文新魏" pitchFamily="2" charset="-122"/>
-            </a:endParaRPr>
           </a:p>
         </p:txBody>
       </p:sp>
@@ -9063,15 +9053,6 @@
               </a:rPr>
               <a:t>-</a:t>
             </a:r>
-            <a:endParaRPr lang="en-US" altLang="zh-CN" b="1" dirty="0">
-              <a:solidFill>
-                <a:schemeClr val="accent1">
-                  <a:lumMod val="75000"/>
-                </a:schemeClr>
-              </a:solidFill>
-              <a:latin typeface="微软雅黑" panose="020B0503020204020204" pitchFamily="34" charset="-122"/>
-              <a:ea typeface="微软雅黑" panose="020B0503020204020204" pitchFamily="34" charset="-122"/>
-            </a:endParaRPr>
           </a:p>
           <a:p>
             <a:r>
@@ -9122,15 +9103,6 @@
               </a:rPr>
               <a:t>月</a:t>
             </a:r>
-            <a:endParaRPr lang="zh-CN" altLang="en-US" b="1" dirty="0">
-              <a:solidFill>
-                <a:schemeClr val="accent1">
-                  <a:lumMod val="75000"/>
-                </a:schemeClr>
-              </a:solidFill>
-              <a:latin typeface="微软雅黑" panose="020B0503020204020204" pitchFamily="34" charset="-122"/>
-              <a:ea typeface="微软雅黑" panose="020B0503020204020204" pitchFamily="34" charset="-122"/>
-            </a:endParaRPr>
           </a:p>
         </p:txBody>
       </p:sp>
@@ -9280,15 +9252,6 @@
               </a:rPr>
               <a:t>-</a:t>
             </a:r>
-            <a:endParaRPr lang="en-US" altLang="zh-CN" b="1" dirty="0">
-              <a:solidFill>
-                <a:schemeClr val="accent1">
-                  <a:lumMod val="75000"/>
-                </a:schemeClr>
-              </a:solidFill>
-              <a:latin typeface="微软雅黑" panose="020B0503020204020204" pitchFamily="34" charset="-122"/>
-              <a:ea typeface="微软雅黑" panose="020B0503020204020204" pitchFamily="34" charset="-122"/>
-            </a:endParaRPr>
           </a:p>
           <a:p>
             <a:r>
@@ -9339,15 +9302,6 @@
               </a:rPr>
               <a:t>月</a:t>
             </a:r>
-            <a:endParaRPr lang="zh-CN" altLang="en-US" b="1" dirty="0">
-              <a:solidFill>
-                <a:schemeClr val="accent1">
-                  <a:lumMod val="75000"/>
-                </a:schemeClr>
-              </a:solidFill>
-              <a:latin typeface="微软雅黑" panose="020B0503020204020204" pitchFamily="34" charset="-122"/>
-              <a:ea typeface="微软雅黑" panose="020B0503020204020204" pitchFamily="34" charset="-122"/>
-            </a:endParaRPr>
           </a:p>
         </p:txBody>
       </p:sp>
@@ -9408,13 +9362,6 @@
               </a:rPr>
               <a:t>部分</a:t>
             </a:r>
-            <a:endParaRPr lang="zh-CN" altLang="en-US" sz="1600" dirty="0">
-              <a:solidFill>
-                <a:srgbClr val="000000"/>
-              </a:solidFill>
-              <a:latin typeface="华文新魏" pitchFamily="2" charset="-122"/>
-              <a:ea typeface="华文新魏" pitchFamily="2" charset="-122"/>
-            </a:endParaRPr>
           </a:p>
         </p:txBody>
       </p:sp>
@@ -9500,15 +9447,6 @@
               </a:rPr>
               <a:t>-</a:t>
             </a:r>
-            <a:endParaRPr lang="en-US" altLang="zh-CN" b="1" dirty="0">
-              <a:solidFill>
-                <a:schemeClr val="accent1">
-                  <a:lumMod val="75000"/>
-                </a:schemeClr>
-              </a:solidFill>
-              <a:latin typeface="微软雅黑" panose="020B0503020204020204" pitchFamily="34" charset="-122"/>
-              <a:ea typeface="微软雅黑" panose="020B0503020204020204" pitchFamily="34" charset="-122"/>
-            </a:endParaRPr>
           </a:p>
           <a:p>
             <a:r>
@@ -9559,15 +9497,6 @@
               </a:rPr>
               <a:t>月</a:t>
             </a:r>
-            <a:endParaRPr lang="zh-CN" altLang="en-US" b="1" dirty="0">
-              <a:solidFill>
-                <a:schemeClr val="accent1">
-                  <a:lumMod val="75000"/>
-                </a:schemeClr>
-              </a:solidFill>
-              <a:latin typeface="微软雅黑" panose="020B0503020204020204" pitchFamily="34" charset="-122"/>
-              <a:ea typeface="微软雅黑" panose="020B0503020204020204" pitchFamily="34" charset="-122"/>
-            </a:endParaRPr>
           </a:p>
         </p:txBody>
       </p:sp>
@@ -9629,13 +9558,6 @@
               </a:rPr>
               <a:t>部分</a:t>
             </a:r>
-            <a:endParaRPr lang="zh-CN" altLang="en-US" sz="1600" dirty="0">
-              <a:solidFill>
-                <a:srgbClr val="000000"/>
-              </a:solidFill>
-              <a:latin typeface="华文新魏" pitchFamily="2" charset="-122"/>
-              <a:ea typeface="华文新魏" pitchFamily="2" charset="-122"/>
-            </a:endParaRPr>
           </a:p>
         </p:txBody>
       </p:sp>
@@ -9721,15 +9643,6 @@
               </a:rPr>
               <a:t>-</a:t>
             </a:r>
-            <a:endParaRPr lang="en-US" altLang="zh-CN" b="1" dirty="0">
-              <a:solidFill>
-                <a:schemeClr val="accent1">
-                  <a:lumMod val="75000"/>
-                </a:schemeClr>
-              </a:solidFill>
-              <a:latin typeface="微软雅黑" panose="020B0503020204020204" pitchFamily="34" charset="-122"/>
-              <a:ea typeface="微软雅黑" panose="020B0503020204020204" pitchFamily="34" charset="-122"/>
-            </a:endParaRPr>
           </a:p>
           <a:p>
             <a:r>
@@ -9780,15 +9693,6 @@
               </a:rPr>
               <a:t>月</a:t>
             </a:r>
-            <a:endParaRPr lang="zh-CN" altLang="en-US" b="1" dirty="0">
-              <a:solidFill>
-                <a:schemeClr val="accent1">
-                  <a:lumMod val="75000"/>
-                </a:schemeClr>
-              </a:solidFill>
-              <a:latin typeface="微软雅黑" panose="020B0503020204020204" pitchFamily="34" charset="-122"/>
-              <a:ea typeface="微软雅黑" panose="020B0503020204020204" pitchFamily="34" charset="-122"/>
-            </a:endParaRPr>
           </a:p>
         </p:txBody>
       </p:sp>
@@ -10086,15 +9990,6 @@
               </a:rPr>
               <a:t>-</a:t>
             </a:r>
-            <a:endParaRPr lang="en-US" altLang="zh-CN" b="1" dirty="0">
-              <a:solidFill>
-                <a:schemeClr val="accent1">
-                  <a:lumMod val="75000"/>
-                </a:schemeClr>
-              </a:solidFill>
-              <a:latin typeface="微软雅黑" panose="020B0503020204020204" pitchFamily="34" charset="-122"/>
-              <a:ea typeface="微软雅黑" panose="020B0503020204020204" pitchFamily="34" charset="-122"/>
-            </a:endParaRPr>
           </a:p>
           <a:p>
             <a:r>
@@ -10145,15 +10040,6 @@
               </a:rPr>
               <a:t>月</a:t>
             </a:r>
-            <a:endParaRPr lang="zh-CN" altLang="en-US" b="1" dirty="0">
-              <a:solidFill>
-                <a:schemeClr val="accent1">
-                  <a:lumMod val="75000"/>
-                </a:schemeClr>
-              </a:solidFill>
-              <a:latin typeface="微软雅黑" panose="020B0503020204020204" pitchFamily="34" charset="-122"/>
-              <a:ea typeface="微软雅黑" panose="020B0503020204020204" pitchFamily="34" charset="-122"/>
-            </a:endParaRPr>
           </a:p>
         </p:txBody>
       </p:sp>
@@ -10195,13 +10081,6 @@
               </a:rPr>
               <a:t>撰写硕士毕业论文</a:t>
             </a:r>
-            <a:endParaRPr lang="zh-CN" altLang="en-US" sz="1600" dirty="0">
-              <a:solidFill>
-                <a:srgbClr val="000000"/>
-              </a:solidFill>
-              <a:latin typeface="华文新魏" pitchFamily="2" charset="-122"/>
-              <a:ea typeface="华文新魏" pitchFamily="2" charset="-122"/>
-            </a:endParaRPr>
           </a:p>
         </p:txBody>
       </p:sp>
@@ -10249,10 +10128,34 @@
                 <a:tableStyleId>{5C22544A-7EE6-4342-B048-85BDC9FD1C3A}</a:tableStyleId>
               </a:tblPr>
               <a:tblGrid>
-                <a:gridCol w="2376264"/>
-                <a:gridCol w="1656184"/>
-                <a:gridCol w="1692188"/>
-                <a:gridCol w="1908212"/>
+                <a:gridCol w="2376264">
+                  <a:extLst>
+                    <a:ext uri="{9D8B030D-6E8A-4147-A177-3AD203B41FA5}">
+                      <a16:colId xmlns:a16="http://schemas.microsoft.com/office/drawing/2014/main" val="20000"/>
+                    </a:ext>
+                  </a:extLst>
+                </a:gridCol>
+                <a:gridCol w="1656184">
+                  <a:extLst>
+                    <a:ext uri="{9D8B030D-6E8A-4147-A177-3AD203B41FA5}">
+                      <a16:colId xmlns:a16="http://schemas.microsoft.com/office/drawing/2014/main" val="20001"/>
+                    </a:ext>
+                  </a:extLst>
+                </a:gridCol>
+                <a:gridCol w="1692188">
+                  <a:extLst>
+                    <a:ext uri="{9D8B030D-6E8A-4147-A177-3AD203B41FA5}">
+                      <a16:colId xmlns:a16="http://schemas.microsoft.com/office/drawing/2014/main" val="20002"/>
+                    </a:ext>
+                  </a:extLst>
+                </a:gridCol>
+                <a:gridCol w="1908212">
+                  <a:extLst>
+                    <a:ext uri="{9D8B030D-6E8A-4147-A177-3AD203B41FA5}">
+                      <a16:colId xmlns:a16="http://schemas.microsoft.com/office/drawing/2014/main" val="20003"/>
+                    </a:ext>
+                  </a:extLst>
+                </a:gridCol>
               </a:tblGrid>
               <a:tr h="497601">
                 <a:tc>
@@ -10273,15 +10176,6 @@
                         </a:rPr>
                         <a:t>背景介绍及研究意义</a:t>
                       </a:r>
-                      <a:endParaRPr lang="zh-CN" altLang="en-US" b="0" dirty="0">
-                        <a:solidFill>
-                          <a:schemeClr val="accent1">
-                            <a:lumMod val="75000"/>
-                          </a:schemeClr>
-                        </a:solidFill>
-                        <a:latin typeface="微软雅黑" panose="020B0503020204020204" pitchFamily="34" charset="-122"/>
-                        <a:ea typeface="微软雅黑" panose="020B0503020204020204" pitchFamily="34" charset="-122"/>
-                      </a:endParaRPr>
                     </a:p>
                   </a:txBody>
                   <a:tcPr anchor="b">
@@ -10365,15 +10259,6 @@
                         </a:rPr>
                         <a:t>研究计划</a:t>
                       </a:r>
-                      <a:endParaRPr lang="zh-CN" altLang="en-US" b="0" dirty="0">
-                        <a:solidFill>
-                          <a:schemeClr val="accent1">
-                            <a:lumMod val="75000"/>
-                          </a:schemeClr>
-                        </a:solidFill>
-                        <a:latin typeface="微软雅黑" panose="020B0503020204020204" pitchFamily="34" charset="-122"/>
-                        <a:ea typeface="微软雅黑" panose="020B0503020204020204" pitchFamily="34" charset="-122"/>
-                      </a:endParaRPr>
                     </a:p>
                   </a:txBody>
                   <a:tcPr anchor="b">
@@ -10457,15 +10342,6 @@
                         </a:rPr>
                         <a:t>论文计划</a:t>
                       </a:r>
-                      <a:endParaRPr lang="zh-CN" altLang="en-US" b="0" dirty="0">
-                        <a:solidFill>
-                          <a:schemeClr val="accent1">
-                            <a:lumMod val="75000"/>
-                          </a:schemeClr>
-                        </a:solidFill>
-                        <a:latin typeface="微软雅黑" panose="020B0503020204020204" pitchFamily="34" charset="-122"/>
-                        <a:ea typeface="微软雅黑" panose="020B0503020204020204" pitchFamily="34" charset="-122"/>
-                      </a:endParaRPr>
                     </a:p>
                   </a:txBody>
                   <a:tcPr anchor="b">
@@ -10547,13 +10423,6 @@
                         </a:rPr>
                         <a:t>研究进展</a:t>
                       </a:r>
-                      <a:endParaRPr lang="zh-CN" altLang="en-US" b="0" dirty="0">
-                        <a:solidFill>
-                          <a:schemeClr val="bg1"/>
-                        </a:solidFill>
-                        <a:latin typeface="微软雅黑" panose="020B0503020204020204" pitchFamily="34" charset="-122"/>
-                        <a:ea typeface="微软雅黑" panose="020B0503020204020204" pitchFamily="34" charset="-122"/>
-                      </a:endParaRPr>
                     </a:p>
                   </a:txBody>
                   <a:tcPr anchor="ctr">
@@ -10606,6 +10475,11 @@
                     </a:solidFill>
                   </a:tcPr>
                 </a:tc>
+                <a:extLst>
+                  <a:ext uri="{0D108BD9-81ED-4DB2-BD59-A6C34878D82A}">
+                    <a16:rowId xmlns:a16="http://schemas.microsoft.com/office/drawing/2014/main" val="10000"/>
+                  </a:ext>
+                </a:extLst>
               </a:tr>
               <a:tr h="164799">
                 <a:tc>
@@ -10810,6 +10684,13 @@
                   </a:tcPr>
                 </a:tc>
                 <a:tc vMerge="1">
+                  <a:txBody>
+                    <a:bodyPr/>
+                    <a:lstStyle/>
+                    <a:p>
+                      <a:endParaRPr lang="zh-CN"/>
+                    </a:p>
+                  </a:txBody>
                   <a:tcPr anchor="ctr">
                     <a:lnL w="57150" cap="flat" cmpd="sng" algn="ctr">
                       <a:solidFill>
@@ -10860,6 +10741,11 @@
                     </a:solidFill>
                   </a:tcPr>
                 </a:tc>
+                <a:extLst>
+                  <a:ext uri="{0D108BD9-81ED-4DB2-BD59-A6C34878D82A}">
+                    <a16:rowId xmlns:a16="http://schemas.microsoft.com/office/drawing/2014/main" val="10001"/>
+                  </a:ext>
+                </a:extLst>
               </a:tr>
             </a:tbl>
           </a:graphicData>
@@ -11107,10 +10993,34 @@
                 <a:tableStyleId>{5C22544A-7EE6-4342-B048-85BDC9FD1C3A}</a:tableStyleId>
               </a:tblPr>
               <a:tblGrid>
-                <a:gridCol w="2376264"/>
-                <a:gridCol w="1656184"/>
-                <a:gridCol w="1692188"/>
-                <a:gridCol w="1908212"/>
+                <a:gridCol w="2376264">
+                  <a:extLst>
+                    <a:ext uri="{9D8B030D-6E8A-4147-A177-3AD203B41FA5}">
+                      <a16:colId xmlns:a16="http://schemas.microsoft.com/office/drawing/2014/main" val="20000"/>
+                    </a:ext>
+                  </a:extLst>
+                </a:gridCol>
+                <a:gridCol w="1656184">
+                  <a:extLst>
+                    <a:ext uri="{9D8B030D-6E8A-4147-A177-3AD203B41FA5}">
+                      <a16:colId xmlns:a16="http://schemas.microsoft.com/office/drawing/2014/main" val="20001"/>
+                    </a:ext>
+                  </a:extLst>
+                </a:gridCol>
+                <a:gridCol w="1692188">
+                  <a:extLst>
+                    <a:ext uri="{9D8B030D-6E8A-4147-A177-3AD203B41FA5}">
+                      <a16:colId xmlns:a16="http://schemas.microsoft.com/office/drawing/2014/main" val="20002"/>
+                    </a:ext>
+                  </a:extLst>
+                </a:gridCol>
+                <a:gridCol w="1908212">
+                  <a:extLst>
+                    <a:ext uri="{9D8B030D-6E8A-4147-A177-3AD203B41FA5}">
+                      <a16:colId xmlns:a16="http://schemas.microsoft.com/office/drawing/2014/main" val="20003"/>
+                    </a:ext>
+                  </a:extLst>
+                </a:gridCol>
               </a:tblGrid>
               <a:tr h="497601">
                 <a:tc>
@@ -11131,15 +11041,6 @@
                         </a:rPr>
                         <a:t>背景介绍及研究意义</a:t>
                       </a:r>
-                      <a:endParaRPr lang="zh-CN" altLang="en-US" b="0" dirty="0">
-                        <a:solidFill>
-                          <a:schemeClr val="accent1">
-                            <a:lumMod val="75000"/>
-                          </a:schemeClr>
-                        </a:solidFill>
-                        <a:latin typeface="微软雅黑" panose="020B0503020204020204" pitchFamily="34" charset="-122"/>
-                        <a:ea typeface="微软雅黑" panose="020B0503020204020204" pitchFamily="34" charset="-122"/>
-                      </a:endParaRPr>
                     </a:p>
                   </a:txBody>
                   <a:tcPr anchor="b">
@@ -11223,15 +11124,6 @@
                         </a:rPr>
                         <a:t>研究计划</a:t>
                       </a:r>
-                      <a:endParaRPr lang="zh-CN" altLang="en-US" b="0" dirty="0">
-                        <a:solidFill>
-                          <a:schemeClr val="accent1">
-                            <a:lumMod val="75000"/>
-                          </a:schemeClr>
-                        </a:solidFill>
-                        <a:latin typeface="微软雅黑" panose="020B0503020204020204" pitchFamily="34" charset="-122"/>
-                        <a:ea typeface="微软雅黑" panose="020B0503020204020204" pitchFamily="34" charset="-122"/>
-                      </a:endParaRPr>
                     </a:p>
                   </a:txBody>
                   <a:tcPr anchor="b">
@@ -11315,15 +11207,6 @@
                         </a:rPr>
                         <a:t>论文计划</a:t>
                       </a:r>
-                      <a:endParaRPr lang="zh-CN" altLang="en-US" b="0" dirty="0">
-                        <a:solidFill>
-                          <a:schemeClr val="accent1">
-                            <a:lumMod val="75000"/>
-                          </a:schemeClr>
-                        </a:solidFill>
-                        <a:latin typeface="微软雅黑" panose="020B0503020204020204" pitchFamily="34" charset="-122"/>
-                        <a:ea typeface="微软雅黑" panose="020B0503020204020204" pitchFamily="34" charset="-122"/>
-                      </a:endParaRPr>
                     </a:p>
                   </a:txBody>
                   <a:tcPr anchor="b">
@@ -11405,13 +11288,6 @@
                         </a:rPr>
                         <a:t>研究进展</a:t>
                       </a:r>
-                      <a:endParaRPr lang="zh-CN" altLang="en-US" b="0" dirty="0">
-                        <a:solidFill>
-                          <a:schemeClr val="bg1"/>
-                        </a:solidFill>
-                        <a:latin typeface="微软雅黑" panose="020B0503020204020204" pitchFamily="34" charset="-122"/>
-                        <a:ea typeface="微软雅黑" panose="020B0503020204020204" pitchFamily="34" charset="-122"/>
-                      </a:endParaRPr>
                     </a:p>
                   </a:txBody>
                   <a:tcPr anchor="ctr">
@@ -11464,6 +11340,11 @@
                     </a:solidFill>
                   </a:tcPr>
                 </a:tc>
+                <a:extLst>
+                  <a:ext uri="{0D108BD9-81ED-4DB2-BD59-A6C34878D82A}">
+                    <a16:rowId xmlns:a16="http://schemas.microsoft.com/office/drawing/2014/main" val="10000"/>
+                  </a:ext>
+                </a:extLst>
               </a:tr>
               <a:tr h="164799">
                 <a:tc>
@@ -11668,6 +11549,13 @@
                   </a:tcPr>
                 </a:tc>
                 <a:tc vMerge="1">
+                  <a:txBody>
+                    <a:bodyPr/>
+                    <a:lstStyle/>
+                    <a:p>
+                      <a:endParaRPr lang="zh-CN"/>
+                    </a:p>
+                  </a:txBody>
                   <a:tcPr anchor="ctr">
                     <a:lnL w="57150" cap="flat" cmpd="sng" algn="ctr">
                       <a:solidFill>
@@ -11718,6 +11606,11 @@
                     </a:solidFill>
                   </a:tcPr>
                 </a:tc>
+                <a:extLst>
+                  <a:ext uri="{0D108BD9-81ED-4DB2-BD59-A6C34878D82A}">
+                    <a16:rowId xmlns:a16="http://schemas.microsoft.com/office/drawing/2014/main" val="10001"/>
+                  </a:ext>
+                </a:extLst>
               </a:tr>
             </a:tbl>
           </a:graphicData>
@@ -12126,10 +12019,34 @@
                 <a:tableStyleId>{5C22544A-7EE6-4342-B048-85BDC9FD1C3A}</a:tableStyleId>
               </a:tblPr>
               <a:tblGrid>
-                <a:gridCol w="2376264"/>
-                <a:gridCol w="1656184"/>
-                <a:gridCol w="1692188"/>
-                <a:gridCol w="1908212"/>
+                <a:gridCol w="2376264">
+                  <a:extLst>
+                    <a:ext uri="{9D8B030D-6E8A-4147-A177-3AD203B41FA5}">
+                      <a16:colId xmlns:a16="http://schemas.microsoft.com/office/drawing/2014/main" val="20000"/>
+                    </a:ext>
+                  </a:extLst>
+                </a:gridCol>
+                <a:gridCol w="1656184">
+                  <a:extLst>
+                    <a:ext uri="{9D8B030D-6E8A-4147-A177-3AD203B41FA5}">
+                      <a16:colId xmlns:a16="http://schemas.microsoft.com/office/drawing/2014/main" val="20001"/>
+                    </a:ext>
+                  </a:extLst>
+                </a:gridCol>
+                <a:gridCol w="1692188">
+                  <a:extLst>
+                    <a:ext uri="{9D8B030D-6E8A-4147-A177-3AD203B41FA5}">
+                      <a16:colId xmlns:a16="http://schemas.microsoft.com/office/drawing/2014/main" val="20002"/>
+                    </a:ext>
+                  </a:extLst>
+                </a:gridCol>
+                <a:gridCol w="1908212">
+                  <a:extLst>
+                    <a:ext uri="{9D8B030D-6E8A-4147-A177-3AD203B41FA5}">
+                      <a16:colId xmlns:a16="http://schemas.microsoft.com/office/drawing/2014/main" val="20003"/>
+                    </a:ext>
+                  </a:extLst>
+                </a:gridCol>
               </a:tblGrid>
               <a:tr h="497601">
                 <a:tc>
@@ -12150,15 +12067,6 @@
                         </a:rPr>
                         <a:t>背景介绍及研究意义</a:t>
                       </a:r>
-                      <a:endParaRPr lang="zh-CN" altLang="en-US" b="0" dirty="0">
-                        <a:solidFill>
-                          <a:schemeClr val="accent1">
-                            <a:lumMod val="75000"/>
-                          </a:schemeClr>
-                        </a:solidFill>
-                        <a:latin typeface="微软雅黑" panose="020B0503020204020204" pitchFamily="34" charset="-122"/>
-                        <a:ea typeface="微软雅黑" panose="020B0503020204020204" pitchFamily="34" charset="-122"/>
-                      </a:endParaRPr>
                     </a:p>
                   </a:txBody>
                   <a:tcPr anchor="b">
@@ -12242,15 +12150,6 @@
                         </a:rPr>
                         <a:t>研究计划</a:t>
                       </a:r>
-                      <a:endParaRPr lang="zh-CN" altLang="en-US" b="0" dirty="0">
-                        <a:solidFill>
-                          <a:schemeClr val="accent1">
-                            <a:lumMod val="75000"/>
-                          </a:schemeClr>
-                        </a:solidFill>
-                        <a:latin typeface="微软雅黑" panose="020B0503020204020204" pitchFamily="34" charset="-122"/>
-                        <a:ea typeface="微软雅黑" panose="020B0503020204020204" pitchFamily="34" charset="-122"/>
-                      </a:endParaRPr>
                     </a:p>
                   </a:txBody>
                   <a:tcPr anchor="b">
@@ -12334,15 +12233,6 @@
                         </a:rPr>
                         <a:t>论文计划</a:t>
                       </a:r>
-                      <a:endParaRPr lang="zh-CN" altLang="en-US" b="0" dirty="0">
-                        <a:solidFill>
-                          <a:schemeClr val="accent1">
-                            <a:lumMod val="75000"/>
-                          </a:schemeClr>
-                        </a:solidFill>
-                        <a:latin typeface="微软雅黑" panose="020B0503020204020204" pitchFamily="34" charset="-122"/>
-                        <a:ea typeface="微软雅黑" panose="020B0503020204020204" pitchFamily="34" charset="-122"/>
-                      </a:endParaRPr>
                     </a:p>
                   </a:txBody>
                   <a:tcPr anchor="b">
@@ -12424,13 +12314,6 @@
                         </a:rPr>
                         <a:t>研究进展</a:t>
                       </a:r>
-                      <a:endParaRPr lang="zh-CN" altLang="en-US" b="0" dirty="0">
-                        <a:solidFill>
-                          <a:schemeClr val="bg1"/>
-                        </a:solidFill>
-                        <a:latin typeface="微软雅黑" panose="020B0503020204020204" pitchFamily="34" charset="-122"/>
-                        <a:ea typeface="微软雅黑" panose="020B0503020204020204" pitchFamily="34" charset="-122"/>
-                      </a:endParaRPr>
                     </a:p>
                   </a:txBody>
                   <a:tcPr anchor="ctr">
@@ -12483,6 +12366,11 @@
                     </a:solidFill>
                   </a:tcPr>
                 </a:tc>
+                <a:extLst>
+                  <a:ext uri="{0D108BD9-81ED-4DB2-BD59-A6C34878D82A}">
+                    <a16:rowId xmlns:a16="http://schemas.microsoft.com/office/drawing/2014/main" val="10000"/>
+                  </a:ext>
+                </a:extLst>
               </a:tr>
               <a:tr h="164799">
                 <a:tc>
@@ -12687,6 +12575,13 @@
                   </a:tcPr>
                 </a:tc>
                 <a:tc vMerge="1">
+                  <a:txBody>
+                    <a:bodyPr/>
+                    <a:lstStyle/>
+                    <a:p>
+                      <a:endParaRPr lang="zh-CN"/>
+                    </a:p>
+                  </a:txBody>
                   <a:tcPr anchor="ctr">
                     <a:lnL w="57150" cap="flat" cmpd="sng" algn="ctr">
                       <a:solidFill>
@@ -12737,6 +12632,11 @@
                     </a:solidFill>
                   </a:tcPr>
                 </a:tc>
+                <a:extLst>
+                  <a:ext uri="{0D108BD9-81ED-4DB2-BD59-A6C34878D82A}">
+                    <a16:rowId xmlns:a16="http://schemas.microsoft.com/office/drawing/2014/main" val="10001"/>
+                  </a:ext>
+                </a:extLst>
               </a:tr>
             </a:tbl>
           </a:graphicData>
@@ -13143,14 +13043,6 @@
               </a:rPr>
               <a:t>, 2011.</a:t>
             </a:r>
-            <a:endParaRPr lang="en-US" altLang="zh-CN" sz="1800" kern="100" dirty="0">
-              <a:solidFill>
-                <a:srgbClr val="222222"/>
-              </a:solidFill>
-              <a:latin typeface="Times New Roman" panose="02020603050405020304" pitchFamily="18" charset="0"/>
-              <a:ea typeface="等线" panose="02010600030101010101" pitchFamily="2" charset="-122"/>
-              <a:cs typeface="Times New Roman" panose="02020603050405020304" pitchFamily="18" charset="0"/>
-            </a:endParaRPr>
           </a:p>
           <a:p>
             <a:pPr marL="342900" indent="-342900" algn="just">
@@ -13372,8 +13264,8 @@
           <a:chExt cx="0" cy="0"/>
         </a:xfrm>
       </p:grpSpPr>
-      <mc:AlternateContent xmlns:mc="http://schemas.openxmlformats.org/markup-compatibility/2006">
-        <mc:Choice xmlns:a14="http://schemas.microsoft.com/office/drawing/2010/main" Requires="a14">
+      <mc:AlternateContent xmlns:mc="http://schemas.openxmlformats.org/markup-compatibility/2006" xmlns:a14="http://schemas.microsoft.com/office/drawing/2010/main">
+        <mc:Choice Requires="a14">
           <p:sp>
             <p:nvSpPr>
               <p:cNvPr id="6" name="文本框 5"/>
@@ -13417,7 +13309,6 @@
                 </a:endParaRPr>
               </a:p>
               <a:p>
-                <a:pPr/>
                 <a:endParaRPr lang="en-US" altLang="zh-CN" sz="2000" dirty="0">
                   <a:latin typeface="微软雅黑" panose="020B0503020204020204" pitchFamily="34" charset="-122"/>
                   <a:ea typeface="微软雅黑" panose="020B0503020204020204" pitchFamily="34" charset="-122"/>
@@ -14177,7 +14068,7 @@
             </p:txBody>
           </p:sp>
         </mc:Choice>
-        <mc:Fallback>
+        <mc:Fallback xmlns="">
           <p:sp>
             <p:nvSpPr>
               <p:cNvPr id="6" name="文本框 5"/>
@@ -14195,7 +14086,7 @@
                 <a:avLst/>
               </a:prstGeom>
               <a:blipFill rotWithShape="1">
-                <a:blip r:embed="rId1"/>
+                <a:blip r:embed="rId2"/>
                 <a:stretch>
                   <a:fillRect l="-863" t="-984"/>
                 </a:stretch>
@@ -14238,10 +14129,34 @@
                 <a:tableStyleId>{5C22544A-7EE6-4342-B048-85BDC9FD1C3A}</a:tableStyleId>
               </a:tblPr>
               <a:tblGrid>
-                <a:gridCol w="2308543"/>
-                <a:gridCol w="1656000"/>
-                <a:gridCol w="1656000"/>
-                <a:gridCol w="1656000"/>
+                <a:gridCol w="2308543">
+                  <a:extLst>
+                    <a:ext uri="{9D8B030D-6E8A-4147-A177-3AD203B41FA5}">
+                      <a16:colId xmlns:a16="http://schemas.microsoft.com/office/drawing/2014/main" val="20000"/>
+                    </a:ext>
+                  </a:extLst>
+                </a:gridCol>
+                <a:gridCol w="1656000">
+                  <a:extLst>
+                    <a:ext uri="{9D8B030D-6E8A-4147-A177-3AD203B41FA5}">
+                      <a16:colId xmlns:a16="http://schemas.microsoft.com/office/drawing/2014/main" val="20001"/>
+                    </a:ext>
+                  </a:extLst>
+                </a:gridCol>
+                <a:gridCol w="1656000">
+                  <a:extLst>
+                    <a:ext uri="{9D8B030D-6E8A-4147-A177-3AD203B41FA5}">
+                      <a16:colId xmlns:a16="http://schemas.microsoft.com/office/drawing/2014/main" val="20002"/>
+                    </a:ext>
+                  </a:extLst>
+                </a:gridCol>
+                <a:gridCol w="1656000">
+                  <a:extLst>
+                    <a:ext uri="{9D8B030D-6E8A-4147-A177-3AD203B41FA5}">
+                      <a16:colId xmlns:a16="http://schemas.microsoft.com/office/drawing/2014/main" val="20003"/>
+                    </a:ext>
+                  </a:extLst>
+                </a:gridCol>
               </a:tblGrid>
               <a:tr h="497601">
                 <a:tc>
@@ -14262,15 +14177,6 @@
                         </a:rPr>
                         <a:t>背景介绍及研究意义</a:t>
                       </a:r>
-                      <a:endParaRPr lang="zh-CN" altLang="en-US" b="0" dirty="0">
-                        <a:solidFill>
-                          <a:schemeClr val="accent1">
-                            <a:lumMod val="75000"/>
-                          </a:schemeClr>
-                        </a:solidFill>
-                        <a:latin typeface="微软雅黑" panose="020B0503020204020204" pitchFamily="34" charset="-122"/>
-                        <a:ea typeface="微软雅黑" panose="020B0503020204020204" pitchFamily="34" charset="-122"/>
-                      </a:endParaRPr>
                     </a:p>
                   </a:txBody>
                   <a:tcPr anchor="b">
@@ -14352,13 +14258,6 @@
                         </a:rPr>
                         <a:t>研究内容</a:t>
                       </a:r>
-                      <a:endParaRPr lang="zh-CN" altLang="en-US" b="1" dirty="0">
-                        <a:solidFill>
-                          <a:schemeClr val="bg1"/>
-                        </a:solidFill>
-                        <a:latin typeface="微软雅黑" panose="020B0503020204020204" pitchFamily="34" charset="-122"/>
-                        <a:ea typeface="微软雅黑" panose="020B0503020204020204" pitchFamily="34" charset="-122"/>
-                      </a:endParaRPr>
                     </a:p>
                   </a:txBody>
                   <a:tcPr anchor="ctr">
@@ -14444,15 +14343,6 @@
                         </a:rPr>
                         <a:t>研究计划</a:t>
                       </a:r>
-                      <a:endParaRPr lang="zh-CN" altLang="en-US" b="0" dirty="0">
-                        <a:solidFill>
-                          <a:schemeClr val="accent1">
-                            <a:lumMod val="75000"/>
-                          </a:schemeClr>
-                        </a:solidFill>
-                        <a:latin typeface="微软雅黑" panose="020B0503020204020204" pitchFamily="34" charset="-122"/>
-                        <a:ea typeface="微软雅黑" panose="020B0503020204020204" pitchFamily="34" charset="-122"/>
-                      </a:endParaRPr>
                     </a:p>
                   </a:txBody>
                   <a:tcPr anchor="b">
@@ -14536,15 +14426,6 @@
                         </a:rPr>
                         <a:t>研究进展</a:t>
                       </a:r>
-                      <a:endParaRPr lang="zh-CN" altLang="en-US" b="0" dirty="0">
-                        <a:solidFill>
-                          <a:schemeClr val="accent1">
-                            <a:lumMod val="75000"/>
-                          </a:schemeClr>
-                        </a:solidFill>
-                        <a:latin typeface="微软雅黑" panose="020B0503020204020204" pitchFamily="34" charset="-122"/>
-                        <a:ea typeface="微软雅黑" panose="020B0503020204020204" pitchFamily="34" charset="-122"/>
-                      </a:endParaRPr>
                     </a:p>
                   </a:txBody>
                   <a:tcPr anchor="b">
@@ -14595,6 +14476,11 @@
                     <a:noFill/>
                   </a:tcPr>
                 </a:tc>
+                <a:extLst>
+                  <a:ext uri="{0D108BD9-81ED-4DB2-BD59-A6C34878D82A}">
+                    <a16:rowId xmlns:a16="http://schemas.microsoft.com/office/drawing/2014/main" val="10000"/>
+                  </a:ext>
+                </a:extLst>
               </a:tr>
               <a:tr h="164799">
                 <a:tc>
@@ -14665,6 +14551,13 @@
                   </a:tcPr>
                 </a:tc>
                 <a:tc vMerge="1">
+                  <a:txBody>
+                    <a:bodyPr/>
+                    <a:lstStyle/>
+                    <a:p>
+                      <a:endParaRPr lang="zh-CN"/>
+                    </a:p>
+                  </a:txBody>
                   <a:tcPr anchor="ctr">
                     <a:lnL w="57150" cap="flat" cmpd="sng" algn="ctr">
                       <a:solidFill>
@@ -14849,6 +14742,11 @@
                     </a:solidFill>
                   </a:tcPr>
                 </a:tc>
+                <a:extLst>
+                  <a:ext uri="{0D108BD9-81ED-4DB2-BD59-A6C34878D82A}">
+                    <a16:rowId xmlns:a16="http://schemas.microsoft.com/office/drawing/2014/main" val="10001"/>
+                  </a:ext>
+                </a:extLst>
               </a:tr>
             </a:tbl>
           </a:graphicData>
@@ -15010,10 +14908,6 @@
               </a:rPr>
               <a:t>的方法，对高维空间中的每一维分别采样，逐步逼近高维采样点，当有限混合模型为高斯混合模型时，算法流程如下：</a:t>
             </a:r>
-            <a:endParaRPr lang="zh-CN" altLang="en-US" dirty="0">
-              <a:latin typeface="微软雅黑" panose="020B0503020204020204" pitchFamily="34" charset="-122"/>
-              <a:ea typeface="微软雅黑" panose="020B0503020204020204" pitchFamily="34" charset="-122"/>
-            </a:endParaRPr>
           </a:p>
         </p:txBody>
       </p:sp>
@@ -15033,12 +14927,12 @@
           <a:graphicData uri="http://schemas.openxmlformats.org/presentationml/2006/ole">
             <mc:AlternateContent xmlns:mc="http://schemas.openxmlformats.org/markup-compatibility/2006">
               <mc:Choice xmlns:v="urn:schemas-microsoft-com:vml" Requires="v">
-                <p:oleObj spid="_x0000_s10266" name="Equation" r:id="rId1" imgW="467360" imgH="276860" progId="Equation.DSMT4">
+                <p:oleObj name="Equation" r:id="rId2" imgW="467360" imgH="276860" progId="Equation.DSMT4">
                   <p:embed/>
                 </p:oleObj>
               </mc:Choice>
               <mc:Fallback>
-                <p:oleObj name="Equation" r:id="rId1" imgW="467360" imgH="276860" progId="Equation.DSMT4">
+                <p:oleObj name="Equation" r:id="rId2" imgW="467360" imgH="276860" progId="Equation.DSMT4">
                   <p:embed/>
                   <p:pic>
                     <p:nvPicPr>
@@ -15047,7 +14941,7 @@
                       <p:nvPr/>
                     </p:nvPicPr>
                     <p:blipFill>
-                      <a:blip r:embed="rId2"/>
+                      <a:blip r:embed="rId3"/>
                       <a:stretch>
                         <a:fillRect/>
                       </a:stretch>
@@ -15084,12 +14978,12 @@
           <a:graphicData uri="http://schemas.openxmlformats.org/presentationml/2006/ole">
             <mc:AlternateContent xmlns:mc="http://schemas.openxmlformats.org/markup-compatibility/2006">
               <mc:Choice xmlns:v="urn:schemas-microsoft-com:vml" Requires="v">
-                <p:oleObj spid="_x0000_s10267" name="Equation" r:id="rId3" imgW="467360" imgH="276860" progId="Equation.DSMT4">
+                <p:oleObj name="Equation" r:id="rId4" imgW="467360" imgH="276860" progId="Equation.DSMT4">
                   <p:embed/>
                 </p:oleObj>
               </mc:Choice>
               <mc:Fallback>
-                <p:oleObj name="Equation" r:id="rId3" imgW="467360" imgH="276860" progId="Equation.DSMT4">
+                <p:oleObj name="Equation" r:id="rId4" imgW="467360" imgH="276860" progId="Equation.DSMT4">
                   <p:embed/>
                   <p:pic>
                     <p:nvPicPr>
@@ -15098,7 +14992,7 @@
                       <p:nvPr/>
                     </p:nvPicPr>
                     <p:blipFill>
-                      <a:blip r:embed="rId2"/>
+                      <a:blip r:embed="rId3"/>
                       <a:stretch>
                         <a:fillRect/>
                       </a:stretch>
@@ -15135,12 +15029,12 @@
           <a:graphicData uri="http://schemas.openxmlformats.org/presentationml/2006/ole">
             <mc:AlternateContent xmlns:mc="http://schemas.openxmlformats.org/markup-compatibility/2006">
               <mc:Choice xmlns:v="urn:schemas-microsoft-com:vml" Requires="v">
-                <p:oleObj spid="_x0000_s10268" name="Equation" r:id="rId4" imgW="467360" imgH="276860" progId="Equation.DSMT4">
+                <p:oleObj name="Equation" r:id="rId5" imgW="467360" imgH="276860" progId="Equation.DSMT4">
                   <p:embed/>
                 </p:oleObj>
               </mc:Choice>
               <mc:Fallback>
-                <p:oleObj name="Equation" r:id="rId4" imgW="467360" imgH="276860" progId="Equation.DSMT4">
+                <p:oleObj name="Equation" r:id="rId5" imgW="467360" imgH="276860" progId="Equation.DSMT4">
                   <p:embed/>
                   <p:pic>
                     <p:nvPicPr>
@@ -15149,7 +15043,7 @@
                       <p:nvPr/>
                     </p:nvPicPr>
                     <p:blipFill>
-                      <a:blip r:embed="rId5"/>
+                      <a:blip r:embed="rId6"/>
                       <a:stretch>
                         <a:fillRect/>
                       </a:stretch>
@@ -15186,12 +15080,12 @@
           <a:graphicData uri="http://schemas.openxmlformats.org/presentationml/2006/ole">
             <mc:AlternateContent xmlns:mc="http://schemas.openxmlformats.org/markup-compatibility/2006">
               <mc:Choice xmlns:v="urn:schemas-microsoft-com:vml" Requires="v">
-                <p:oleObj spid="_x0000_s10269" name="Equation" r:id="rId6" imgW="467360" imgH="276860" progId="Equation.DSMT4">
+                <p:oleObj name="Equation" r:id="rId7" imgW="467360" imgH="276860" progId="Equation.DSMT4">
                   <p:embed/>
                 </p:oleObj>
               </mc:Choice>
               <mc:Fallback>
-                <p:oleObj name="Equation" r:id="rId6" imgW="467360" imgH="276860" progId="Equation.DSMT4">
+                <p:oleObj name="Equation" r:id="rId7" imgW="467360" imgH="276860" progId="Equation.DSMT4">
                   <p:embed/>
                   <p:pic>
                     <p:nvPicPr>
@@ -15200,7 +15094,7 @@
                       <p:nvPr/>
                     </p:nvPicPr>
                     <p:blipFill>
-                      <a:blip r:embed="rId5"/>
+                      <a:blip r:embed="rId6"/>
                       <a:stretch>
                         <a:fillRect/>
                       </a:stretch>
@@ -15237,12 +15131,12 @@
           <a:graphicData uri="http://schemas.openxmlformats.org/presentationml/2006/ole">
             <mc:AlternateContent xmlns:mc="http://schemas.openxmlformats.org/markup-compatibility/2006">
               <mc:Choice xmlns:v="urn:schemas-microsoft-com:vml" Requires="v">
-                <p:oleObj spid="_x0000_s10270" name="Equation" r:id="rId7" imgW="543560" imgH="467360" progId="Equation.DSMT4">
+                <p:oleObj name="Equation" r:id="rId8" imgW="543560" imgH="467360" progId="Equation.DSMT4">
                   <p:embed/>
                 </p:oleObj>
               </mc:Choice>
               <mc:Fallback>
-                <p:oleObj name="Equation" r:id="rId7" imgW="543560" imgH="467360" progId="Equation.DSMT4">
+                <p:oleObj name="Equation" r:id="rId8" imgW="543560" imgH="467360" progId="Equation.DSMT4">
                   <p:embed/>
                   <p:pic>
                     <p:nvPicPr>
@@ -15251,7 +15145,7 @@
                       <p:nvPr/>
                     </p:nvPicPr>
                     <p:blipFill>
-                      <a:blip r:embed="rId8"/>
+                      <a:blip r:embed="rId9"/>
                       <a:stretch>
                         <a:fillRect/>
                       </a:stretch>
@@ -15288,12 +15182,12 @@
           <a:graphicData uri="http://schemas.openxmlformats.org/presentationml/2006/ole">
             <mc:AlternateContent xmlns:mc="http://schemas.openxmlformats.org/markup-compatibility/2006">
               <mc:Choice xmlns:v="urn:schemas-microsoft-com:vml" Requires="v">
-                <p:oleObj spid="_x0000_s10271" name="Equation" r:id="rId9" imgW="3116580" imgH="467360" progId="Equation.DSMT4">
+                <p:oleObj name="Equation" r:id="rId10" imgW="3116580" imgH="467360" progId="Equation.DSMT4">
                   <p:embed/>
                 </p:oleObj>
               </mc:Choice>
               <mc:Fallback>
-                <p:oleObj name="Equation" r:id="rId9" imgW="3116580" imgH="467360" progId="Equation.DSMT4">
+                <p:oleObj name="Equation" r:id="rId10" imgW="3116580" imgH="467360" progId="Equation.DSMT4">
                   <p:embed/>
                   <p:pic>
                     <p:nvPicPr>
@@ -15302,7 +15196,7 @@
                       <p:nvPr/>
                     </p:nvPicPr>
                     <p:blipFill>
-                      <a:blip r:embed="rId10"/>
+                      <a:blip r:embed="rId11"/>
                       <a:stretch>
                         <a:fillRect/>
                       </a:stretch>
@@ -15342,10 +15236,34 @@
                 <a:tableStyleId>{5C22544A-7EE6-4342-B048-85BDC9FD1C3A}</a:tableStyleId>
               </a:tblPr>
               <a:tblGrid>
-                <a:gridCol w="2308543"/>
-                <a:gridCol w="1656000"/>
-                <a:gridCol w="1656000"/>
-                <a:gridCol w="1656000"/>
+                <a:gridCol w="2308543">
+                  <a:extLst>
+                    <a:ext uri="{9D8B030D-6E8A-4147-A177-3AD203B41FA5}">
+                      <a16:colId xmlns:a16="http://schemas.microsoft.com/office/drawing/2014/main" val="20000"/>
+                    </a:ext>
+                  </a:extLst>
+                </a:gridCol>
+                <a:gridCol w="1656000">
+                  <a:extLst>
+                    <a:ext uri="{9D8B030D-6E8A-4147-A177-3AD203B41FA5}">
+                      <a16:colId xmlns:a16="http://schemas.microsoft.com/office/drawing/2014/main" val="20001"/>
+                    </a:ext>
+                  </a:extLst>
+                </a:gridCol>
+                <a:gridCol w="1656000">
+                  <a:extLst>
+                    <a:ext uri="{9D8B030D-6E8A-4147-A177-3AD203B41FA5}">
+                      <a16:colId xmlns:a16="http://schemas.microsoft.com/office/drawing/2014/main" val="20002"/>
+                    </a:ext>
+                  </a:extLst>
+                </a:gridCol>
+                <a:gridCol w="1656000">
+                  <a:extLst>
+                    <a:ext uri="{9D8B030D-6E8A-4147-A177-3AD203B41FA5}">
+                      <a16:colId xmlns:a16="http://schemas.microsoft.com/office/drawing/2014/main" val="20003"/>
+                    </a:ext>
+                  </a:extLst>
+                </a:gridCol>
               </a:tblGrid>
               <a:tr h="497601">
                 <a:tc>
@@ -15366,15 +15284,6 @@
                         </a:rPr>
                         <a:t>背景介绍及研究意义</a:t>
                       </a:r>
-                      <a:endParaRPr lang="zh-CN" altLang="en-US" b="0" dirty="0">
-                        <a:solidFill>
-                          <a:schemeClr val="accent1">
-                            <a:lumMod val="75000"/>
-                          </a:schemeClr>
-                        </a:solidFill>
-                        <a:latin typeface="微软雅黑" panose="020B0503020204020204" pitchFamily="34" charset="-122"/>
-                        <a:ea typeface="微软雅黑" panose="020B0503020204020204" pitchFamily="34" charset="-122"/>
-                      </a:endParaRPr>
                     </a:p>
                   </a:txBody>
                   <a:tcPr anchor="b">
@@ -15456,13 +15365,6 @@
                         </a:rPr>
                         <a:t>研究内容</a:t>
                       </a:r>
-                      <a:endParaRPr lang="zh-CN" altLang="en-US" b="1" dirty="0">
-                        <a:solidFill>
-                          <a:schemeClr val="bg1"/>
-                        </a:solidFill>
-                        <a:latin typeface="微软雅黑" panose="020B0503020204020204" pitchFamily="34" charset="-122"/>
-                        <a:ea typeface="微软雅黑" panose="020B0503020204020204" pitchFamily="34" charset="-122"/>
-                      </a:endParaRPr>
                     </a:p>
                   </a:txBody>
                   <a:tcPr anchor="ctr">
@@ -15548,15 +15450,6 @@
                         </a:rPr>
                         <a:t>研究计划</a:t>
                       </a:r>
-                      <a:endParaRPr lang="zh-CN" altLang="en-US" b="0" dirty="0">
-                        <a:solidFill>
-                          <a:schemeClr val="accent1">
-                            <a:lumMod val="75000"/>
-                          </a:schemeClr>
-                        </a:solidFill>
-                        <a:latin typeface="微软雅黑" panose="020B0503020204020204" pitchFamily="34" charset="-122"/>
-                        <a:ea typeface="微软雅黑" panose="020B0503020204020204" pitchFamily="34" charset="-122"/>
-                      </a:endParaRPr>
                     </a:p>
                   </a:txBody>
                   <a:tcPr anchor="b">
@@ -15640,15 +15533,6 @@
                         </a:rPr>
                         <a:t>研究进展</a:t>
                       </a:r>
-                      <a:endParaRPr lang="zh-CN" altLang="en-US" b="0" dirty="0">
-                        <a:solidFill>
-                          <a:schemeClr val="accent1">
-                            <a:lumMod val="75000"/>
-                          </a:schemeClr>
-                        </a:solidFill>
-                        <a:latin typeface="微软雅黑" panose="020B0503020204020204" pitchFamily="34" charset="-122"/>
-                        <a:ea typeface="微软雅黑" panose="020B0503020204020204" pitchFamily="34" charset="-122"/>
-                      </a:endParaRPr>
                     </a:p>
                   </a:txBody>
                   <a:tcPr anchor="b">
@@ -15699,6 +15583,11 @@
                     <a:noFill/>
                   </a:tcPr>
                 </a:tc>
+                <a:extLst>
+                  <a:ext uri="{0D108BD9-81ED-4DB2-BD59-A6C34878D82A}">
+                    <a16:rowId xmlns:a16="http://schemas.microsoft.com/office/drawing/2014/main" val="10000"/>
+                  </a:ext>
+                </a:extLst>
               </a:tr>
               <a:tr h="164799">
                 <a:tc>
@@ -15769,6 +15658,13 @@
                   </a:tcPr>
                 </a:tc>
                 <a:tc vMerge="1">
+                  <a:txBody>
+                    <a:bodyPr/>
+                    <a:lstStyle/>
+                    <a:p>
+                      <a:endParaRPr lang="zh-CN"/>
+                    </a:p>
+                  </a:txBody>
                   <a:tcPr anchor="ctr">
                     <a:lnL w="57150" cap="flat" cmpd="sng" algn="ctr">
                       <a:solidFill>
@@ -15953,6 +15849,11 @@
                     </a:solidFill>
                   </a:tcPr>
                 </a:tc>
+                <a:extLst>
+                  <a:ext uri="{0D108BD9-81ED-4DB2-BD59-A6C34878D82A}">
+                    <a16:rowId xmlns:a16="http://schemas.microsoft.com/office/drawing/2014/main" val="10001"/>
+                  </a:ext>
+                </a:extLst>
               </a:tr>
             </a:tbl>
           </a:graphicData>
@@ -15974,12 +15875,12 @@
           <a:graphicData uri="http://schemas.openxmlformats.org/presentationml/2006/ole">
             <mc:AlternateContent xmlns:mc="http://schemas.openxmlformats.org/markup-compatibility/2006">
               <mc:Choice xmlns:v="urn:schemas-microsoft-com:vml" Requires="v">
-                <p:oleObj spid="_x0000_s10272" name="Equation" r:id="rId11" imgW="4570730" imgH="3013075" progId="Equation.DSMT4">
+                <p:oleObj name="Equation" r:id="rId12" imgW="4570730" imgH="3013075" progId="Equation.DSMT4">
                   <p:embed/>
                 </p:oleObj>
               </mc:Choice>
               <mc:Fallback>
-                <p:oleObj name="Equation" r:id="rId11" imgW="4570730" imgH="3013075" progId="Equation.DSMT4">
+                <p:oleObj name="Equation" r:id="rId12" imgW="4570730" imgH="3013075" progId="Equation.DSMT4">
                   <p:embed/>
                   <p:pic>
                     <p:nvPicPr>
@@ -15988,7 +15889,7 @@
                       <p:nvPr/>
                     </p:nvPicPr>
                     <p:blipFill>
-                      <a:blip r:embed="rId12"/>
+                      <a:blip r:embed="rId13"/>
                       <a:stretch>
                         <a:fillRect/>
                       </a:stretch>
@@ -16025,12 +15926,12 @@
           <a:graphicData uri="http://schemas.openxmlformats.org/presentationml/2006/ole">
             <mc:AlternateContent xmlns:mc="http://schemas.openxmlformats.org/markup-compatibility/2006">
               <mc:Choice xmlns:v="urn:schemas-microsoft-com:vml" Requires="v">
-                <p:oleObj spid="_x0000_s10273" name="Equation" r:id="rId13" imgW="3684905" imgH="3014345" progId="Equation.DSMT4">
+                <p:oleObj name="Equation" r:id="rId14" imgW="3684905" imgH="3014345" progId="Equation.DSMT4">
                   <p:embed/>
                 </p:oleObj>
               </mc:Choice>
               <mc:Fallback>
-                <p:oleObj name="Equation" r:id="rId13" imgW="3684905" imgH="3014345" progId="Equation.DSMT4">
+                <p:oleObj name="Equation" r:id="rId14" imgW="3684905" imgH="3014345" progId="Equation.DSMT4">
                   <p:embed/>
                   <p:pic>
                     <p:nvPicPr>
@@ -16039,7 +15940,7 @@
                       <p:nvPr/>
                     </p:nvPicPr>
                     <p:blipFill>
-                      <a:blip r:embed="rId14"/>
+                      <a:blip r:embed="rId15"/>
                       <a:stretch>
                         <a:fillRect/>
                       </a:stretch>
@@ -16173,10 +16074,6 @@
               </a:rPr>
               <a:t>贝叶斯信息准则：</a:t>
             </a:r>
-            <a:endParaRPr lang="zh-CN" altLang="en-US" dirty="0">
-              <a:latin typeface="微软雅黑" panose="020B0503020204020204" pitchFamily="34" charset="-122"/>
-              <a:ea typeface="微软雅黑" panose="020B0503020204020204" pitchFamily="34" charset="-122"/>
-            </a:endParaRPr>
           </a:p>
         </p:txBody>
       </p:sp>
@@ -16196,12 +16093,12 @@
           <a:graphicData uri="http://schemas.openxmlformats.org/presentationml/2006/ole">
             <mc:AlternateContent xmlns:mc="http://schemas.openxmlformats.org/markup-compatibility/2006">
               <mc:Choice xmlns:v="urn:schemas-microsoft-com:vml" Requires="v">
-                <p:oleObj spid="_x0000_s11269" name="Equation" r:id="rId1" imgW="35356800" imgH="6096000" progId="Equation.DSMT4">
+                <p:oleObj name="Equation" r:id="rId2" imgW="35356800" imgH="6096000" progId="Equation.DSMT4">
                   <p:embed/>
                 </p:oleObj>
               </mc:Choice>
               <mc:Fallback>
-                <p:oleObj name="Equation" r:id="rId1" imgW="35356800" imgH="6096000" progId="Equation.DSMT4">
+                <p:oleObj name="Equation" r:id="rId2" imgW="35356800" imgH="6096000" progId="Equation.DSMT4">
                   <p:embed/>
                   <p:pic>
                     <p:nvPicPr>
@@ -16210,7 +16107,7 @@
                       <p:nvPr/>
                     </p:nvPicPr>
                     <p:blipFill>
-                      <a:blip r:embed="rId2"/>
+                      <a:blip r:embed="rId3"/>
                       <a:stretch>
                         <a:fillRect/>
                       </a:stretch>
@@ -16231,8 +16128,8 @@
           </a:graphicData>
         </a:graphic>
       </p:graphicFrame>
-      <mc:AlternateContent xmlns:mc="http://schemas.openxmlformats.org/markup-compatibility/2006">
-        <mc:Choice xmlns:a14="http://schemas.microsoft.com/office/drawing/2010/main" Requires="a14">
+      <mc:AlternateContent xmlns:mc="http://schemas.openxmlformats.org/markup-compatibility/2006" xmlns:a14="http://schemas.microsoft.com/office/drawing/2010/main">
+        <mc:Choice Requires="a14">
           <p:sp>
             <p:nvSpPr>
               <p:cNvPr id="6" name="文本框 5"/>
@@ -16394,7 +16291,7 @@
             </p:txBody>
           </p:sp>
         </mc:Choice>
-        <mc:Fallback>
+        <mc:Fallback xmlns="">
           <p:sp>
             <p:nvSpPr>
               <p:cNvPr id="6" name="文本框 5"/>
@@ -16412,7 +16309,7 @@
                 <a:avLst/>
               </a:prstGeom>
               <a:blipFill rotWithShape="1">
-                <a:blip r:embed="rId3"/>
+                <a:blip r:embed="rId4"/>
                 <a:stretch>
                   <a:fillRect l="-786" t="-1502" b="-3904"/>
                 </a:stretch>
@@ -16455,10 +16352,34 @@
                 <a:tableStyleId>{5C22544A-7EE6-4342-B048-85BDC9FD1C3A}</a:tableStyleId>
               </a:tblPr>
               <a:tblGrid>
-                <a:gridCol w="2308543"/>
-                <a:gridCol w="1656000"/>
-                <a:gridCol w="1656000"/>
-                <a:gridCol w="1656000"/>
+                <a:gridCol w="2308543">
+                  <a:extLst>
+                    <a:ext uri="{9D8B030D-6E8A-4147-A177-3AD203B41FA5}">
+                      <a16:colId xmlns:a16="http://schemas.microsoft.com/office/drawing/2014/main" val="20000"/>
+                    </a:ext>
+                  </a:extLst>
+                </a:gridCol>
+                <a:gridCol w="1656000">
+                  <a:extLst>
+                    <a:ext uri="{9D8B030D-6E8A-4147-A177-3AD203B41FA5}">
+                      <a16:colId xmlns:a16="http://schemas.microsoft.com/office/drawing/2014/main" val="20001"/>
+                    </a:ext>
+                  </a:extLst>
+                </a:gridCol>
+                <a:gridCol w="1656000">
+                  <a:extLst>
+                    <a:ext uri="{9D8B030D-6E8A-4147-A177-3AD203B41FA5}">
+                      <a16:colId xmlns:a16="http://schemas.microsoft.com/office/drawing/2014/main" val="20002"/>
+                    </a:ext>
+                  </a:extLst>
+                </a:gridCol>
+                <a:gridCol w="1656000">
+                  <a:extLst>
+                    <a:ext uri="{9D8B030D-6E8A-4147-A177-3AD203B41FA5}">
+                      <a16:colId xmlns:a16="http://schemas.microsoft.com/office/drawing/2014/main" val="20003"/>
+                    </a:ext>
+                  </a:extLst>
+                </a:gridCol>
               </a:tblGrid>
               <a:tr h="497601">
                 <a:tc>
@@ -16479,15 +16400,6 @@
                         </a:rPr>
                         <a:t>背景介绍及研究意义</a:t>
                       </a:r>
-                      <a:endParaRPr lang="zh-CN" altLang="en-US" b="0" dirty="0">
-                        <a:solidFill>
-                          <a:schemeClr val="accent1">
-                            <a:lumMod val="75000"/>
-                          </a:schemeClr>
-                        </a:solidFill>
-                        <a:latin typeface="微软雅黑" panose="020B0503020204020204" pitchFamily="34" charset="-122"/>
-                        <a:ea typeface="微软雅黑" panose="020B0503020204020204" pitchFamily="34" charset="-122"/>
-                      </a:endParaRPr>
                     </a:p>
                   </a:txBody>
                   <a:tcPr anchor="b">
@@ -16569,13 +16481,6 @@
                         </a:rPr>
                         <a:t>研究内容</a:t>
                       </a:r>
-                      <a:endParaRPr lang="zh-CN" altLang="en-US" b="1" dirty="0">
-                        <a:solidFill>
-                          <a:schemeClr val="bg1"/>
-                        </a:solidFill>
-                        <a:latin typeface="微软雅黑" panose="020B0503020204020204" pitchFamily="34" charset="-122"/>
-                        <a:ea typeface="微软雅黑" panose="020B0503020204020204" pitchFamily="34" charset="-122"/>
-                      </a:endParaRPr>
                     </a:p>
                   </a:txBody>
                   <a:tcPr anchor="ctr">
@@ -16661,15 +16566,6 @@
                         </a:rPr>
                         <a:t>研究计划</a:t>
                       </a:r>
-                      <a:endParaRPr lang="zh-CN" altLang="en-US" b="0" dirty="0">
-                        <a:solidFill>
-                          <a:schemeClr val="accent1">
-                            <a:lumMod val="75000"/>
-                          </a:schemeClr>
-                        </a:solidFill>
-                        <a:latin typeface="微软雅黑" panose="020B0503020204020204" pitchFamily="34" charset="-122"/>
-                        <a:ea typeface="微软雅黑" panose="020B0503020204020204" pitchFamily="34" charset="-122"/>
-                      </a:endParaRPr>
                     </a:p>
                   </a:txBody>
                   <a:tcPr anchor="b">
@@ -16753,15 +16649,6 @@
                         </a:rPr>
                         <a:t>研究进展</a:t>
                       </a:r>
-                      <a:endParaRPr lang="zh-CN" altLang="en-US" b="0" dirty="0">
-                        <a:solidFill>
-                          <a:schemeClr val="accent1">
-                            <a:lumMod val="75000"/>
-                          </a:schemeClr>
-                        </a:solidFill>
-                        <a:latin typeface="微软雅黑" panose="020B0503020204020204" pitchFamily="34" charset="-122"/>
-                        <a:ea typeface="微软雅黑" panose="020B0503020204020204" pitchFamily="34" charset="-122"/>
-                      </a:endParaRPr>
                     </a:p>
                   </a:txBody>
                   <a:tcPr anchor="b">
@@ -16812,6 +16699,11 @@
                     <a:noFill/>
                   </a:tcPr>
                 </a:tc>
+                <a:extLst>
+                  <a:ext uri="{0D108BD9-81ED-4DB2-BD59-A6C34878D82A}">
+                    <a16:rowId xmlns:a16="http://schemas.microsoft.com/office/drawing/2014/main" val="10000"/>
+                  </a:ext>
+                </a:extLst>
               </a:tr>
               <a:tr h="164799">
                 <a:tc>
@@ -16882,6 +16774,13 @@
                   </a:tcPr>
                 </a:tc>
                 <a:tc vMerge="1">
+                  <a:txBody>
+                    <a:bodyPr/>
+                    <a:lstStyle/>
+                    <a:p>
+                      <a:endParaRPr lang="zh-CN"/>
+                    </a:p>
+                  </a:txBody>
                   <a:tcPr anchor="ctr">
                     <a:lnL w="57150" cap="flat" cmpd="sng" algn="ctr">
                       <a:solidFill>
@@ -17066,6 +16965,11 @@
                     </a:solidFill>
                   </a:tcPr>
                 </a:tc>
+                <a:extLst>
+                  <a:ext uri="{0D108BD9-81ED-4DB2-BD59-A6C34878D82A}">
+                    <a16:rowId xmlns:a16="http://schemas.microsoft.com/office/drawing/2014/main" val="10001"/>
+                  </a:ext>
+                </a:extLst>
               </a:tr>
             </a:tbl>
           </a:graphicData>
@@ -17187,7 +17091,7 @@
               <a:buSzPct val="130000"/>
               <a:buFont typeface="Wingdings" panose="05000000000000000000" pitchFamily="2" charset="2"/>
               <a:buBlip>
-                <a:blip r:embed="rId1"/>
+                <a:blip r:embed="rId2"/>
               </a:buBlip>
               <a:tabLst>
                 <a:tab pos="5137150" algn="l"/>
@@ -17499,7 +17403,7 @@
           <p:nvPr/>
         </p:nvPicPr>
         <p:blipFill rotWithShape="1">
-          <a:blip r:embed="rId2"/>
+          <a:blip r:embed="rId3"/>
           <a:srcRect l="1027" t="1313" r="1314" b="1342"/>
           <a:stretch>
             <a:fillRect/>
@@ -17524,7 +17428,7 @@
           <p:nvPr/>
         </p:nvPicPr>
         <p:blipFill rotWithShape="1">
-          <a:blip r:embed="rId3"/>
+          <a:blip r:embed="rId4"/>
           <a:srcRect l="930" t="1627" r="1173" b="3043"/>
           <a:stretch>
             <a:fillRect/>
@@ -17549,7 +17453,7 @@
           <p:nvPr/>
         </p:nvPicPr>
         <p:blipFill rotWithShape="1">
-          <a:blip r:embed="rId4"/>
+          <a:blip r:embed="rId5"/>
           <a:srcRect r="2841" b="5161"/>
           <a:stretch>
             <a:fillRect/>
@@ -17656,12 +17560,6 @@
               </a:rPr>
               <a:t>Bag of words</a:t>
             </a:r>
-            <a:endParaRPr lang="en-AU" altLang="zh-CN" sz="1800" dirty="0">
-              <a:solidFill>
-                <a:schemeClr val="accent2"/>
-              </a:solidFill>
-              <a:latin typeface="+mn-lt"/>
-            </a:endParaRPr>
           </a:p>
         </p:txBody>
       </p:sp>
@@ -17706,12 +17604,6 @@
               </a:rPr>
               <a:t>Sparse data</a:t>
             </a:r>
-            <a:endParaRPr lang="en-AU" altLang="zh-CN" sz="1800" dirty="0">
-              <a:solidFill>
-                <a:schemeClr val="accent2"/>
-              </a:solidFill>
-              <a:latin typeface="+mn-lt"/>
-            </a:endParaRPr>
           </a:p>
         </p:txBody>
       </p:sp>
@@ -17734,10 +17626,34 @@
                 <a:tableStyleId>{5C22544A-7EE6-4342-B048-85BDC9FD1C3A}</a:tableStyleId>
               </a:tblPr>
               <a:tblGrid>
-                <a:gridCol w="2448272"/>
-                <a:gridCol w="1656184"/>
-                <a:gridCol w="1800200"/>
-                <a:gridCol w="1656184"/>
+                <a:gridCol w="2448272">
+                  <a:extLst>
+                    <a:ext uri="{9D8B030D-6E8A-4147-A177-3AD203B41FA5}">
+                      <a16:colId xmlns:a16="http://schemas.microsoft.com/office/drawing/2014/main" val="20000"/>
+                    </a:ext>
+                  </a:extLst>
+                </a:gridCol>
+                <a:gridCol w="1656184">
+                  <a:extLst>
+                    <a:ext uri="{9D8B030D-6E8A-4147-A177-3AD203B41FA5}">
+                      <a16:colId xmlns:a16="http://schemas.microsoft.com/office/drawing/2014/main" val="20001"/>
+                    </a:ext>
+                  </a:extLst>
+                </a:gridCol>
+                <a:gridCol w="1800200">
+                  <a:extLst>
+                    <a:ext uri="{9D8B030D-6E8A-4147-A177-3AD203B41FA5}">
+                      <a16:colId xmlns:a16="http://schemas.microsoft.com/office/drawing/2014/main" val="20002"/>
+                    </a:ext>
+                  </a:extLst>
+                </a:gridCol>
+                <a:gridCol w="1656184">
+                  <a:extLst>
+                    <a:ext uri="{9D8B030D-6E8A-4147-A177-3AD203B41FA5}">
+                      <a16:colId xmlns:a16="http://schemas.microsoft.com/office/drawing/2014/main" val="20003"/>
+                    </a:ext>
+                  </a:extLst>
+                </a:gridCol>
               </a:tblGrid>
               <a:tr h="504055">
                 <a:tc rowSpan="2">
@@ -17824,15 +17740,6 @@
                         </a:rPr>
                         <a:t>研究内容</a:t>
                       </a:r>
-                      <a:endParaRPr lang="zh-CN" altLang="en-US" b="1" dirty="0">
-                        <a:solidFill>
-                          <a:schemeClr val="accent1">
-                            <a:lumMod val="75000"/>
-                          </a:schemeClr>
-                        </a:solidFill>
-                        <a:latin typeface="微软雅黑" panose="020B0503020204020204" pitchFamily="34" charset="-122"/>
-                        <a:ea typeface="微软雅黑" panose="020B0503020204020204" pitchFamily="34" charset="-122"/>
-                      </a:endParaRPr>
                     </a:p>
                   </a:txBody>
                   <a:tcPr anchor="b">
@@ -17916,15 +17823,6 @@
                         </a:rPr>
                         <a:t>研究计划</a:t>
                       </a:r>
-                      <a:endParaRPr lang="zh-CN" altLang="en-US" b="1" dirty="0">
-                        <a:solidFill>
-                          <a:schemeClr val="accent1">
-                            <a:lumMod val="75000"/>
-                          </a:schemeClr>
-                        </a:solidFill>
-                        <a:latin typeface="微软雅黑" panose="020B0503020204020204" pitchFamily="34" charset="-122"/>
-                        <a:ea typeface="微软雅黑" panose="020B0503020204020204" pitchFamily="34" charset="-122"/>
-                      </a:endParaRPr>
                     </a:p>
                   </a:txBody>
                   <a:tcPr anchor="b">
@@ -18008,15 +17906,6 @@
                         </a:rPr>
                         <a:t>研究进展</a:t>
                       </a:r>
-                      <a:endParaRPr lang="zh-CN" altLang="en-US" b="1" dirty="0">
-                        <a:solidFill>
-                          <a:schemeClr val="accent1">
-                            <a:lumMod val="75000"/>
-                          </a:schemeClr>
-                        </a:solidFill>
-                        <a:latin typeface="微软雅黑" panose="020B0503020204020204" pitchFamily="34" charset="-122"/>
-                        <a:ea typeface="微软雅黑" panose="020B0503020204020204" pitchFamily="34" charset="-122"/>
-                      </a:endParaRPr>
                     </a:p>
                   </a:txBody>
                   <a:tcPr anchor="b">
@@ -18067,9 +17956,21 @@
                     <a:noFill/>
                   </a:tcPr>
                 </a:tc>
+                <a:extLst>
+                  <a:ext uri="{0D108BD9-81ED-4DB2-BD59-A6C34878D82A}">
+                    <a16:rowId xmlns:a16="http://schemas.microsoft.com/office/drawing/2014/main" val="10000"/>
+                  </a:ext>
+                </a:extLst>
               </a:tr>
               <a:tr h="166937">
                 <a:tc vMerge="1">
+                  <a:txBody>
+                    <a:bodyPr/>
+                    <a:lstStyle/>
+                    <a:p>
+                      <a:endParaRPr lang="zh-CN"/>
+                    </a:p>
+                  </a:txBody>
                   <a:tcPr anchor="ctr">
                     <a:lnT w="38100" cap="flat" cmpd="sng" algn="ctr">
                       <a:solidFill>
@@ -18285,6 +18186,11 @@
                     </a:solidFill>
                   </a:tcPr>
                 </a:tc>
+                <a:extLst>
+                  <a:ext uri="{0D108BD9-81ED-4DB2-BD59-A6C34878D82A}">
+                    <a16:rowId xmlns:a16="http://schemas.microsoft.com/office/drawing/2014/main" val="10001"/>
+                  </a:ext>
+                </a:extLst>
               </a:tr>
             </a:tbl>
           </a:graphicData>
@@ -18633,10 +18539,34 @@
                 <a:tableStyleId>{5C22544A-7EE6-4342-B048-85BDC9FD1C3A}</a:tableStyleId>
               </a:tblPr>
               <a:tblGrid>
-                <a:gridCol w="2448272"/>
-                <a:gridCol w="1656184"/>
-                <a:gridCol w="1800200"/>
-                <a:gridCol w="1656184"/>
+                <a:gridCol w="2448272">
+                  <a:extLst>
+                    <a:ext uri="{9D8B030D-6E8A-4147-A177-3AD203B41FA5}">
+                      <a16:colId xmlns:a16="http://schemas.microsoft.com/office/drawing/2014/main" val="20000"/>
+                    </a:ext>
+                  </a:extLst>
+                </a:gridCol>
+                <a:gridCol w="1656184">
+                  <a:extLst>
+                    <a:ext uri="{9D8B030D-6E8A-4147-A177-3AD203B41FA5}">
+                      <a16:colId xmlns:a16="http://schemas.microsoft.com/office/drawing/2014/main" val="20001"/>
+                    </a:ext>
+                  </a:extLst>
+                </a:gridCol>
+                <a:gridCol w="1800200">
+                  <a:extLst>
+                    <a:ext uri="{9D8B030D-6E8A-4147-A177-3AD203B41FA5}">
+                      <a16:colId xmlns:a16="http://schemas.microsoft.com/office/drawing/2014/main" val="20002"/>
+                    </a:ext>
+                  </a:extLst>
+                </a:gridCol>
+                <a:gridCol w="1656184">
+                  <a:extLst>
+                    <a:ext uri="{9D8B030D-6E8A-4147-A177-3AD203B41FA5}">
+                      <a16:colId xmlns:a16="http://schemas.microsoft.com/office/drawing/2014/main" val="20003"/>
+                    </a:ext>
+                  </a:extLst>
+                </a:gridCol>
               </a:tblGrid>
               <a:tr h="504055">
                 <a:tc rowSpan="2">
@@ -18723,15 +18653,6 @@
                         </a:rPr>
                         <a:t>研究内容</a:t>
                       </a:r>
-                      <a:endParaRPr lang="zh-CN" altLang="en-US" b="1" dirty="0">
-                        <a:solidFill>
-                          <a:schemeClr val="accent1">
-                            <a:lumMod val="75000"/>
-                          </a:schemeClr>
-                        </a:solidFill>
-                        <a:latin typeface="微软雅黑" panose="020B0503020204020204" pitchFamily="34" charset="-122"/>
-                        <a:ea typeface="微软雅黑" panose="020B0503020204020204" pitchFamily="34" charset="-122"/>
-                      </a:endParaRPr>
                     </a:p>
                   </a:txBody>
                   <a:tcPr anchor="b">
@@ -18815,15 +18736,6 @@
                         </a:rPr>
                         <a:t>研究计划</a:t>
                       </a:r>
-                      <a:endParaRPr lang="zh-CN" altLang="en-US" b="1" dirty="0">
-                        <a:solidFill>
-                          <a:schemeClr val="accent1">
-                            <a:lumMod val="75000"/>
-                          </a:schemeClr>
-                        </a:solidFill>
-                        <a:latin typeface="微软雅黑" panose="020B0503020204020204" pitchFamily="34" charset="-122"/>
-                        <a:ea typeface="微软雅黑" panose="020B0503020204020204" pitchFamily="34" charset="-122"/>
-                      </a:endParaRPr>
                     </a:p>
                   </a:txBody>
                   <a:tcPr anchor="b">
@@ -18907,15 +18819,6 @@
                         </a:rPr>
                         <a:t>研究进展</a:t>
                       </a:r>
-                      <a:endParaRPr lang="zh-CN" altLang="en-US" b="1" dirty="0">
-                        <a:solidFill>
-                          <a:schemeClr val="accent1">
-                            <a:lumMod val="75000"/>
-                          </a:schemeClr>
-                        </a:solidFill>
-                        <a:latin typeface="微软雅黑" panose="020B0503020204020204" pitchFamily="34" charset="-122"/>
-                        <a:ea typeface="微软雅黑" panose="020B0503020204020204" pitchFamily="34" charset="-122"/>
-                      </a:endParaRPr>
                     </a:p>
                   </a:txBody>
                   <a:tcPr anchor="b">
@@ -18966,9 +18869,21 @@
                     <a:noFill/>
                   </a:tcPr>
                 </a:tc>
+                <a:extLst>
+                  <a:ext uri="{0D108BD9-81ED-4DB2-BD59-A6C34878D82A}">
+                    <a16:rowId xmlns:a16="http://schemas.microsoft.com/office/drawing/2014/main" val="10000"/>
+                  </a:ext>
+                </a:extLst>
               </a:tr>
               <a:tr h="166937">
                 <a:tc vMerge="1">
+                  <a:txBody>
+                    <a:bodyPr/>
+                    <a:lstStyle/>
+                    <a:p>
+                      <a:endParaRPr lang="zh-CN"/>
+                    </a:p>
+                  </a:txBody>
                   <a:tcPr anchor="ctr">
                     <a:lnT w="38100" cap="flat" cmpd="sng" algn="ctr">
                       <a:solidFill>
@@ -19184,6 +19099,11 @@
                     </a:solidFill>
                   </a:tcPr>
                 </a:tc>
+                <a:extLst>
+                  <a:ext uri="{0D108BD9-81ED-4DB2-BD59-A6C34878D82A}">
+                    <a16:rowId xmlns:a16="http://schemas.microsoft.com/office/drawing/2014/main" val="10001"/>
+                  </a:ext>
+                </a:extLst>
               </a:tr>
             </a:tbl>
           </a:graphicData>
@@ -19307,6 +19227,34 @@
               </a:rPr>
               <a:t>    </a:t>
             </a:r>
+          </a:p>
+          <a:p>
+            <a:pPr>
+              <a:lnSpc>
+                <a:spcPct val="150000"/>
+              </a:lnSpc>
+            </a:pPr>
+            <a:r>
+              <a:rPr lang="zh-CN" altLang="en-US" sz="2400" dirty="0">
+                <a:latin typeface="微软雅黑" panose="020B0503020204020204" pitchFamily="34" charset="-122"/>
+                <a:ea typeface="微软雅黑" panose="020B0503020204020204" pitchFamily="34" charset="-122"/>
+              </a:rPr>
+              <a:t>研究内容</a:t>
+            </a:r>
+            <a:r>
+              <a:rPr lang="en-US" altLang="zh-CN" sz="2400" dirty="0">
+                <a:latin typeface="微软雅黑" panose="020B0503020204020204" pitchFamily="34" charset="-122"/>
+                <a:ea typeface="微软雅黑" panose="020B0503020204020204" pitchFamily="34" charset="-122"/>
+              </a:rPr>
+              <a:t>2</a:t>
+            </a:r>
+            <a:r>
+              <a:rPr lang="zh-CN" altLang="en-US" sz="2400" dirty="0">
+                <a:latin typeface="微软雅黑" panose="020B0503020204020204" pitchFamily="34" charset="-122"/>
+                <a:ea typeface="微软雅黑" panose="020B0503020204020204" pitchFamily="34" charset="-122"/>
+              </a:rPr>
+              <a:t>：基于点模式混合模型的无监督学习算法</a:t>
+            </a:r>
             <a:endParaRPr lang="en-US" altLang="zh-CN" sz="2400" dirty="0">
               <a:latin typeface="微软雅黑" panose="020B0503020204020204" pitchFamily="34" charset="-122"/>
               <a:ea typeface="微软雅黑" panose="020B0503020204020204" pitchFamily="34" charset="-122"/>
@@ -19319,48 +19267,12 @@
               </a:lnSpc>
             </a:pPr>
             <a:r>
-              <a:rPr lang="zh-CN" altLang="en-US" sz="2400" dirty="0">
-                <a:latin typeface="微软雅黑" panose="020B0503020204020204" pitchFamily="34" charset="-122"/>
-                <a:ea typeface="微软雅黑" panose="020B0503020204020204" pitchFamily="34" charset="-122"/>
-              </a:rPr>
-              <a:t>研究内容</a:t>
-            </a:r>
-            <a:r>
               <a:rPr lang="en-US" altLang="zh-CN" sz="2400" dirty="0">
                 <a:latin typeface="微软雅黑" panose="020B0503020204020204" pitchFamily="34" charset="-122"/>
                 <a:ea typeface="微软雅黑" panose="020B0503020204020204" pitchFamily="34" charset="-122"/>
               </a:rPr>
-              <a:t>2</a:t>
-            </a:r>
-            <a:r>
-              <a:rPr lang="zh-CN" altLang="en-US" sz="2400" dirty="0">
-                <a:latin typeface="微软雅黑" panose="020B0503020204020204" pitchFamily="34" charset="-122"/>
-                <a:ea typeface="微软雅黑" panose="020B0503020204020204" pitchFamily="34" charset="-122"/>
-              </a:rPr>
-              <a:t>：基于点模式混合模型的无监督学习算法</a:t>
-            </a:r>
-            <a:endParaRPr lang="en-US" altLang="zh-CN" sz="2400" dirty="0">
-              <a:latin typeface="微软雅黑" panose="020B0503020204020204" pitchFamily="34" charset="-122"/>
-              <a:ea typeface="微软雅黑" panose="020B0503020204020204" pitchFamily="34" charset="-122"/>
-            </a:endParaRPr>
-          </a:p>
-          <a:p>
-            <a:pPr>
-              <a:lnSpc>
-                <a:spcPct val="150000"/>
-              </a:lnSpc>
-            </a:pPr>
-            <a:r>
-              <a:rPr lang="en-US" altLang="zh-CN" sz="2400" dirty="0">
-                <a:latin typeface="微软雅黑" panose="020B0503020204020204" pitchFamily="34" charset="-122"/>
-                <a:ea typeface="微软雅黑" panose="020B0503020204020204" pitchFamily="34" charset="-122"/>
-              </a:rPr>
               <a:t>    </a:t>
             </a:r>
-            <a:endParaRPr lang="en-US" altLang="zh-CN" sz="2400" dirty="0">
-              <a:latin typeface="微软雅黑" panose="020B0503020204020204" pitchFamily="34" charset="-122"/>
-              <a:ea typeface="微软雅黑" panose="020B0503020204020204" pitchFamily="34" charset="-122"/>
-            </a:endParaRPr>
           </a:p>
           <a:p>
             <a:pPr>
@@ -19473,10 +19385,34 @@
                 <a:tableStyleId>{5C22544A-7EE6-4342-B048-85BDC9FD1C3A}</a:tableStyleId>
               </a:tblPr>
               <a:tblGrid>
-                <a:gridCol w="2308543"/>
-                <a:gridCol w="1656000"/>
-                <a:gridCol w="1656000"/>
-                <a:gridCol w="1656000"/>
+                <a:gridCol w="2308543">
+                  <a:extLst>
+                    <a:ext uri="{9D8B030D-6E8A-4147-A177-3AD203B41FA5}">
+                      <a16:colId xmlns:a16="http://schemas.microsoft.com/office/drawing/2014/main" val="20000"/>
+                    </a:ext>
+                  </a:extLst>
+                </a:gridCol>
+                <a:gridCol w="1656000">
+                  <a:extLst>
+                    <a:ext uri="{9D8B030D-6E8A-4147-A177-3AD203B41FA5}">
+                      <a16:colId xmlns:a16="http://schemas.microsoft.com/office/drawing/2014/main" val="20001"/>
+                    </a:ext>
+                  </a:extLst>
+                </a:gridCol>
+                <a:gridCol w="1656000">
+                  <a:extLst>
+                    <a:ext uri="{9D8B030D-6E8A-4147-A177-3AD203B41FA5}">
+                      <a16:colId xmlns:a16="http://schemas.microsoft.com/office/drawing/2014/main" val="20002"/>
+                    </a:ext>
+                  </a:extLst>
+                </a:gridCol>
+                <a:gridCol w="1656000">
+                  <a:extLst>
+                    <a:ext uri="{9D8B030D-6E8A-4147-A177-3AD203B41FA5}">
+                      <a16:colId xmlns:a16="http://schemas.microsoft.com/office/drawing/2014/main" val="20003"/>
+                    </a:ext>
+                  </a:extLst>
+                </a:gridCol>
               </a:tblGrid>
               <a:tr h="497601">
                 <a:tc>
@@ -19497,15 +19433,6 @@
                         </a:rPr>
                         <a:t>背景介绍及研究意义</a:t>
                       </a:r>
-                      <a:endParaRPr lang="zh-CN" altLang="en-US" b="0" dirty="0">
-                        <a:solidFill>
-                          <a:schemeClr val="accent1">
-                            <a:lumMod val="75000"/>
-                          </a:schemeClr>
-                        </a:solidFill>
-                        <a:latin typeface="微软雅黑" panose="020B0503020204020204" pitchFamily="34" charset="-122"/>
-                        <a:ea typeface="微软雅黑" panose="020B0503020204020204" pitchFamily="34" charset="-122"/>
-                      </a:endParaRPr>
                     </a:p>
                   </a:txBody>
                   <a:tcPr anchor="b">
@@ -19587,13 +19514,6 @@
                         </a:rPr>
                         <a:t>研究内容</a:t>
                       </a:r>
-                      <a:endParaRPr lang="zh-CN" altLang="en-US" b="1" dirty="0">
-                        <a:solidFill>
-                          <a:schemeClr val="bg1"/>
-                        </a:solidFill>
-                        <a:latin typeface="微软雅黑" panose="020B0503020204020204" pitchFamily="34" charset="-122"/>
-                        <a:ea typeface="微软雅黑" panose="020B0503020204020204" pitchFamily="34" charset="-122"/>
-                      </a:endParaRPr>
                     </a:p>
                   </a:txBody>
                   <a:tcPr anchor="ctr">
@@ -19679,15 +19599,6 @@
                         </a:rPr>
                         <a:t>研究计划</a:t>
                       </a:r>
-                      <a:endParaRPr lang="zh-CN" altLang="en-US" b="0" dirty="0">
-                        <a:solidFill>
-                          <a:schemeClr val="accent1">
-                            <a:lumMod val="75000"/>
-                          </a:schemeClr>
-                        </a:solidFill>
-                        <a:latin typeface="微软雅黑" panose="020B0503020204020204" pitchFamily="34" charset="-122"/>
-                        <a:ea typeface="微软雅黑" panose="020B0503020204020204" pitchFamily="34" charset="-122"/>
-                      </a:endParaRPr>
                     </a:p>
                   </a:txBody>
                   <a:tcPr anchor="b">
@@ -19771,15 +19682,6 @@
                         </a:rPr>
                         <a:t>研究进展</a:t>
                       </a:r>
-                      <a:endParaRPr lang="zh-CN" altLang="en-US" b="0" dirty="0">
-                        <a:solidFill>
-                          <a:schemeClr val="accent1">
-                            <a:lumMod val="75000"/>
-                          </a:schemeClr>
-                        </a:solidFill>
-                        <a:latin typeface="微软雅黑" panose="020B0503020204020204" pitchFamily="34" charset="-122"/>
-                        <a:ea typeface="微软雅黑" panose="020B0503020204020204" pitchFamily="34" charset="-122"/>
-                      </a:endParaRPr>
                     </a:p>
                   </a:txBody>
                   <a:tcPr anchor="b">
@@ -19830,6 +19732,11 @@
                     <a:noFill/>
                   </a:tcPr>
                 </a:tc>
+                <a:extLst>
+                  <a:ext uri="{0D108BD9-81ED-4DB2-BD59-A6C34878D82A}">
+                    <a16:rowId xmlns:a16="http://schemas.microsoft.com/office/drawing/2014/main" val="10000"/>
+                  </a:ext>
+                </a:extLst>
               </a:tr>
               <a:tr h="164799">
                 <a:tc>
@@ -19900,6 +19807,13 @@
                   </a:tcPr>
                 </a:tc>
                 <a:tc vMerge="1">
+                  <a:txBody>
+                    <a:bodyPr/>
+                    <a:lstStyle/>
+                    <a:p>
+                      <a:endParaRPr lang="zh-CN"/>
+                    </a:p>
+                  </a:txBody>
                   <a:tcPr anchor="ctr">
                     <a:lnL w="57150" cap="flat" cmpd="sng" algn="ctr">
                       <a:solidFill>
@@ -20084,6 +19998,11 @@
                     </a:solidFill>
                   </a:tcPr>
                 </a:tc>
+                <a:extLst>
+                  <a:ext uri="{0D108BD9-81ED-4DB2-BD59-A6C34878D82A}">
+                    <a16:rowId xmlns:a16="http://schemas.microsoft.com/office/drawing/2014/main" val="10001"/>
+                  </a:ext>
+                </a:extLst>
               </a:tr>
             </a:tbl>
           </a:graphicData>
@@ -20260,7 +20179,6 @@
               <a:rPr lang="zh-CN" altLang="en-US" dirty="0"/>
               <a:t>训练数据</a:t>
             </a:r>
-            <a:endParaRPr lang="zh-CN" altLang="en-US" dirty="0"/>
           </a:p>
         </p:txBody>
       </p:sp>
@@ -20304,7 +20222,6 @@
               <a:rPr lang="zh-CN" altLang="en-US" dirty="0"/>
               <a:t>模型一</a:t>
             </a:r>
-            <a:endParaRPr lang="zh-CN" altLang="en-US" dirty="0"/>
           </a:p>
         </p:txBody>
       </p:sp>
@@ -20742,7 +20659,6 @@
               <a:rPr lang="zh-CN" altLang="en-US" sz="1400" dirty="0"/>
               <a:t>基数分布参数</a:t>
             </a:r>
-            <a:endParaRPr lang="zh-CN" altLang="en-US" sz="1400" dirty="0"/>
           </a:p>
         </p:txBody>
       </p:sp>
@@ -20786,7 +20702,6 @@
               <a:rPr lang="zh-CN" altLang="en-US" sz="1400" dirty="0"/>
               <a:t>特征分布参数</a:t>
             </a:r>
-            <a:endParaRPr lang="zh-CN" altLang="en-US" sz="1400" dirty="0"/>
           </a:p>
         </p:txBody>
       </p:sp>
@@ -20836,8 +20751,8 @@
         </p:nvSpPr>
         <p:spPr>
           <a:xfrm>
-            <a:off x="4260348" y="2656780"/>
-            <a:ext cx="791720" cy="461665"/>
+            <a:off x="4411198" y="2852969"/>
+            <a:ext cx="791720" cy="276999"/>
           </a:xfrm>
           <a:prstGeom prst="rect">
             <a:avLst/>
@@ -20856,14 +20771,7 @@
                 <a:ea typeface="微软雅黑" panose="020B0503020204020204" pitchFamily="34" charset="-122"/>
                 <a:cs typeface="Times New Roman" panose="02020603050405020304" pitchFamily="18" charset="0"/>
               </a:rPr>
-              <a:t>Gibbs</a:t>
-            </a:r>
-            <a:r>
-              <a:rPr lang="zh-CN" altLang="en-US" sz="1200" dirty="0">
-                <a:latin typeface="微软雅黑" panose="020B0503020204020204" pitchFamily="34" charset="-122"/>
-                <a:ea typeface="微软雅黑" panose="020B0503020204020204" pitchFamily="34" charset="-122"/>
-              </a:rPr>
-              <a:t>参数采样</a:t>
+              <a:t>EM</a:t>
             </a:r>
             <a:endParaRPr lang="zh-CN" altLang="en-US" sz="1200" dirty="0">
               <a:latin typeface="微软雅黑" panose="020B0503020204020204" pitchFamily="34" charset="-122"/>
@@ -20983,7 +20891,6 @@
               <a:rPr lang="zh-CN" altLang="en-US" dirty="0"/>
               <a:t>学习得到的模型一</a:t>
             </a:r>
-            <a:endParaRPr lang="zh-CN" altLang="en-US" dirty="0"/>
           </a:p>
         </p:txBody>
       </p:sp>
@@ -21736,7 +21643,6 @@
               <a:rPr lang="zh-CN" altLang="en-US" dirty="0"/>
               <a:t>最优模型</a:t>
             </a:r>
-            <a:endParaRPr lang="zh-CN" altLang="en-US" dirty="0"/>
           </a:p>
         </p:txBody>
       </p:sp>
@@ -21904,8 +21810,8 @@
         </p:nvSpPr>
         <p:spPr>
           <a:xfrm>
-            <a:off x="2009272" y="5797924"/>
-            <a:ext cx="2592285" cy="738664"/>
+            <a:off x="2092170" y="5773011"/>
+            <a:ext cx="2319028" cy="738664"/>
           </a:xfrm>
           <a:prstGeom prst="rect">
             <a:avLst/>
@@ -21947,22 +21853,28 @@
                 <a:latin typeface="微软雅黑" panose="020B0503020204020204" pitchFamily="34" charset="-122"/>
                 <a:ea typeface="微软雅黑" panose="020B0503020204020204" pitchFamily="34" charset="-122"/>
               </a:rPr>
-              <a:t>个模型复杂度不同 </a:t>
-            </a:r>
-            <a:r>
-              <a:rPr lang="en-US" altLang="zh-CN" sz="1800" b="1" i="1" dirty="0">
+              <a:t>个模型复杂度</a:t>
+            </a:r>
+            <a:endParaRPr lang="en-US" altLang="zh-CN" dirty="0">
+              <a:latin typeface="微软雅黑" panose="020B0503020204020204" pitchFamily="34" charset="-122"/>
+              <a:ea typeface="微软雅黑" panose="020B0503020204020204" pitchFamily="34" charset="-122"/>
+            </a:endParaRPr>
+          </a:p>
+          <a:p>
+            <a:r>
+              <a:rPr lang="zh-CN" altLang="en-US" dirty="0">
+                <a:latin typeface="微软雅黑" panose="020B0503020204020204" pitchFamily="34" charset="-122"/>
+                <a:ea typeface="微软雅黑" panose="020B0503020204020204" pitchFamily="34" charset="-122"/>
+              </a:rPr>
+              <a:t>不同</a:t>
+            </a:r>
+            <a:r>
+              <a:rPr lang="zh-CN" altLang="en-US" sz="1800" dirty="0">
                 <a:latin typeface="Times New Roman" panose="02020603050405020304" pitchFamily="18" charset="0"/>
                 <a:ea typeface="微软雅黑" panose="020B0503020204020204" pitchFamily="34" charset="-122"/>
                 <a:cs typeface="Times New Roman" panose="02020603050405020304" pitchFamily="18" charset="0"/>
               </a:rPr>
-              <a:t>IID-cluster</a:t>
-            </a:r>
-            <a:r>
-              <a:rPr lang="en-US" altLang="zh-CN" sz="1800" b="1" i="1" dirty="0">
-                <a:latin typeface="微软雅黑" panose="020B0503020204020204" pitchFamily="34" charset="-122"/>
-                <a:ea typeface="微软雅黑" panose="020B0503020204020204" pitchFamily="34" charset="-122"/>
-              </a:rPr>
-              <a:t>  </a:t>
+              <a:t>随机点模式</a:t>
             </a:r>
             <a:r>
               <a:rPr lang="zh-CN" altLang="en-US" sz="1800" dirty="0">
@@ -22103,10 +22015,34 @@
                 <a:tableStyleId>{5C22544A-7EE6-4342-B048-85BDC9FD1C3A}</a:tableStyleId>
               </a:tblPr>
               <a:tblGrid>
-                <a:gridCol w="2308543"/>
-                <a:gridCol w="1656000"/>
-                <a:gridCol w="1656000"/>
-                <a:gridCol w="1656000"/>
+                <a:gridCol w="2308543">
+                  <a:extLst>
+                    <a:ext uri="{9D8B030D-6E8A-4147-A177-3AD203B41FA5}">
+                      <a16:colId xmlns:a16="http://schemas.microsoft.com/office/drawing/2014/main" val="20000"/>
+                    </a:ext>
+                  </a:extLst>
+                </a:gridCol>
+                <a:gridCol w="1656000">
+                  <a:extLst>
+                    <a:ext uri="{9D8B030D-6E8A-4147-A177-3AD203B41FA5}">
+                      <a16:colId xmlns:a16="http://schemas.microsoft.com/office/drawing/2014/main" val="20001"/>
+                    </a:ext>
+                  </a:extLst>
+                </a:gridCol>
+                <a:gridCol w="1656000">
+                  <a:extLst>
+                    <a:ext uri="{9D8B030D-6E8A-4147-A177-3AD203B41FA5}">
+                      <a16:colId xmlns:a16="http://schemas.microsoft.com/office/drawing/2014/main" val="20002"/>
+                    </a:ext>
+                  </a:extLst>
+                </a:gridCol>
+                <a:gridCol w="1656000">
+                  <a:extLst>
+                    <a:ext uri="{9D8B030D-6E8A-4147-A177-3AD203B41FA5}">
+                      <a16:colId xmlns:a16="http://schemas.microsoft.com/office/drawing/2014/main" val="20003"/>
+                    </a:ext>
+                  </a:extLst>
+                </a:gridCol>
               </a:tblGrid>
               <a:tr h="497601">
                 <a:tc>
@@ -22127,15 +22063,6 @@
                         </a:rPr>
                         <a:t>背景介绍及研究意义</a:t>
                       </a:r>
-                      <a:endParaRPr lang="zh-CN" altLang="en-US" b="0" dirty="0">
-                        <a:solidFill>
-                          <a:schemeClr val="accent1">
-                            <a:lumMod val="75000"/>
-                          </a:schemeClr>
-                        </a:solidFill>
-                        <a:latin typeface="微软雅黑" panose="020B0503020204020204" pitchFamily="34" charset="-122"/>
-                        <a:ea typeface="微软雅黑" panose="020B0503020204020204" pitchFamily="34" charset="-122"/>
-                      </a:endParaRPr>
                     </a:p>
                   </a:txBody>
                   <a:tcPr anchor="b">
@@ -22217,13 +22144,6 @@
                         </a:rPr>
                         <a:t>研究内容</a:t>
                       </a:r>
-                      <a:endParaRPr lang="zh-CN" altLang="en-US" b="1" dirty="0">
-                        <a:solidFill>
-                          <a:schemeClr val="bg1"/>
-                        </a:solidFill>
-                        <a:latin typeface="微软雅黑" panose="020B0503020204020204" pitchFamily="34" charset="-122"/>
-                        <a:ea typeface="微软雅黑" panose="020B0503020204020204" pitchFamily="34" charset="-122"/>
-                      </a:endParaRPr>
                     </a:p>
                   </a:txBody>
                   <a:tcPr anchor="ctr">
@@ -22309,15 +22229,6 @@
                         </a:rPr>
                         <a:t>研究计划</a:t>
                       </a:r>
-                      <a:endParaRPr lang="zh-CN" altLang="en-US" b="0" dirty="0">
-                        <a:solidFill>
-                          <a:schemeClr val="accent1">
-                            <a:lumMod val="75000"/>
-                          </a:schemeClr>
-                        </a:solidFill>
-                        <a:latin typeface="微软雅黑" panose="020B0503020204020204" pitchFamily="34" charset="-122"/>
-                        <a:ea typeface="微软雅黑" panose="020B0503020204020204" pitchFamily="34" charset="-122"/>
-                      </a:endParaRPr>
                     </a:p>
                   </a:txBody>
                   <a:tcPr anchor="b">
@@ -22401,15 +22312,6 @@
                         </a:rPr>
                         <a:t>研究进展</a:t>
                       </a:r>
-                      <a:endParaRPr lang="zh-CN" altLang="en-US" b="0" dirty="0">
-                        <a:solidFill>
-                          <a:schemeClr val="accent1">
-                            <a:lumMod val="75000"/>
-                          </a:schemeClr>
-                        </a:solidFill>
-                        <a:latin typeface="微软雅黑" panose="020B0503020204020204" pitchFamily="34" charset="-122"/>
-                        <a:ea typeface="微软雅黑" panose="020B0503020204020204" pitchFamily="34" charset="-122"/>
-                      </a:endParaRPr>
                     </a:p>
                   </a:txBody>
                   <a:tcPr anchor="b">
@@ -22460,6 +22362,11 @@
                     <a:noFill/>
                   </a:tcPr>
                 </a:tc>
+                <a:extLst>
+                  <a:ext uri="{0D108BD9-81ED-4DB2-BD59-A6C34878D82A}">
+                    <a16:rowId xmlns:a16="http://schemas.microsoft.com/office/drawing/2014/main" val="10000"/>
+                  </a:ext>
+                </a:extLst>
               </a:tr>
               <a:tr h="164799">
                 <a:tc>
@@ -22530,6 +22437,13 @@
                   </a:tcPr>
                 </a:tc>
                 <a:tc vMerge="1">
+                  <a:txBody>
+                    <a:bodyPr/>
+                    <a:lstStyle/>
+                    <a:p>
+                      <a:endParaRPr lang="zh-CN"/>
+                    </a:p>
+                  </a:txBody>
                   <a:tcPr anchor="ctr">
                     <a:lnL w="57150" cap="flat" cmpd="sng" algn="ctr">
                       <a:solidFill>
@@ -22714,6 +22628,11 @@
                     </a:solidFill>
                   </a:tcPr>
                 </a:tc>
+                <a:extLst>
+                  <a:ext uri="{0D108BD9-81ED-4DB2-BD59-A6C34878D82A}">
+                    <a16:rowId xmlns:a16="http://schemas.microsoft.com/office/drawing/2014/main" val="10001"/>
+                  </a:ext>
+                </a:extLst>
               </a:tr>
             </a:tbl>
           </a:graphicData>
@@ -22759,7 +22678,6 @@
               <a:rPr lang="zh-CN" altLang="en-US" sz="1400" dirty="0"/>
               <a:t>基数分布参数</a:t>
             </a:r>
-            <a:endParaRPr lang="zh-CN" altLang="en-US" sz="1400" dirty="0"/>
           </a:p>
         </p:txBody>
       </p:sp>
@@ -22803,7 +22721,6 @@
               <a:rPr lang="zh-CN" altLang="en-US" sz="1400" dirty="0"/>
               <a:t>特征分布参数</a:t>
             </a:r>
-            <a:endParaRPr lang="zh-CN" altLang="en-US" sz="1400" dirty="0"/>
           </a:p>
         </p:txBody>
       </p:sp>
@@ -22815,7 +22732,7 @@
         </p:nvSpPr>
         <p:spPr>
           <a:xfrm>
-            <a:off x="4351685" y="4493626"/>
+            <a:off x="4378117" y="4462623"/>
             <a:ext cx="539509" cy="276999"/>
           </a:xfrm>
           <a:prstGeom prst="rect">
@@ -22853,8 +22770,8 @@
         </p:nvSpPr>
         <p:spPr>
           <a:xfrm>
-            <a:off x="4280230" y="4926795"/>
-            <a:ext cx="791720" cy="461665"/>
+            <a:off x="4378117" y="5084885"/>
+            <a:ext cx="791720" cy="276999"/>
           </a:xfrm>
           <a:prstGeom prst="rect">
             <a:avLst/>
@@ -22873,14 +22790,7 @@
                 <a:ea typeface="微软雅黑" panose="020B0503020204020204" pitchFamily="34" charset="-122"/>
                 <a:cs typeface="Times New Roman" panose="02020603050405020304" pitchFamily="18" charset="0"/>
               </a:rPr>
-              <a:t>Gibbs</a:t>
-            </a:r>
-            <a:r>
-              <a:rPr lang="zh-CN" altLang="en-US" sz="1200" dirty="0">
-                <a:latin typeface="微软雅黑" panose="020B0503020204020204" pitchFamily="34" charset="-122"/>
-                <a:ea typeface="微软雅黑" panose="020B0503020204020204" pitchFamily="34" charset="-122"/>
-              </a:rPr>
-              <a:t>参数采样</a:t>
+              <a:t>EM</a:t>
             </a:r>
             <a:endParaRPr lang="zh-CN" altLang="en-US" sz="1200" dirty="0">
               <a:latin typeface="微软雅黑" panose="020B0503020204020204" pitchFamily="34" charset="-122"/>
@@ -23123,10 +23033,6 @@
               </a:rPr>
               <a:t>图一</a:t>
             </a:r>
-            <a:endParaRPr lang="zh-CN" altLang="en-US" sz="1400" dirty="0">
-              <a:latin typeface="微软雅黑" panose="020B0503020204020204" pitchFamily="34" charset="-122"/>
-              <a:ea typeface="微软雅黑" panose="020B0503020204020204" pitchFamily="34" charset="-122"/>
-            </a:endParaRPr>
           </a:p>
         </p:txBody>
       </p:sp>
@@ -23149,10 +23055,34 @@
                 <a:tableStyleId>{5C22544A-7EE6-4342-B048-85BDC9FD1C3A}</a:tableStyleId>
               </a:tblPr>
               <a:tblGrid>
-                <a:gridCol w="2308543"/>
-                <a:gridCol w="1656000"/>
-                <a:gridCol w="1656000"/>
-                <a:gridCol w="1656000"/>
+                <a:gridCol w="2308543">
+                  <a:extLst>
+                    <a:ext uri="{9D8B030D-6E8A-4147-A177-3AD203B41FA5}">
+                      <a16:colId xmlns:a16="http://schemas.microsoft.com/office/drawing/2014/main" val="20000"/>
+                    </a:ext>
+                  </a:extLst>
+                </a:gridCol>
+                <a:gridCol w="1656000">
+                  <a:extLst>
+                    <a:ext uri="{9D8B030D-6E8A-4147-A177-3AD203B41FA5}">
+                      <a16:colId xmlns:a16="http://schemas.microsoft.com/office/drawing/2014/main" val="20001"/>
+                    </a:ext>
+                  </a:extLst>
+                </a:gridCol>
+                <a:gridCol w="1656000">
+                  <a:extLst>
+                    <a:ext uri="{9D8B030D-6E8A-4147-A177-3AD203B41FA5}">
+                      <a16:colId xmlns:a16="http://schemas.microsoft.com/office/drawing/2014/main" val="20002"/>
+                    </a:ext>
+                  </a:extLst>
+                </a:gridCol>
+                <a:gridCol w="1656000">
+                  <a:extLst>
+                    <a:ext uri="{9D8B030D-6E8A-4147-A177-3AD203B41FA5}">
+                      <a16:colId xmlns:a16="http://schemas.microsoft.com/office/drawing/2014/main" val="20003"/>
+                    </a:ext>
+                  </a:extLst>
+                </a:gridCol>
               </a:tblGrid>
               <a:tr h="497601">
                 <a:tc>
@@ -23173,15 +23103,6 @@
                         </a:rPr>
                         <a:t>背景介绍及研究意义</a:t>
                       </a:r>
-                      <a:endParaRPr lang="zh-CN" altLang="en-US" b="0" dirty="0">
-                        <a:solidFill>
-                          <a:schemeClr val="accent1">
-                            <a:lumMod val="75000"/>
-                          </a:schemeClr>
-                        </a:solidFill>
-                        <a:latin typeface="微软雅黑" panose="020B0503020204020204" pitchFamily="34" charset="-122"/>
-                        <a:ea typeface="微软雅黑" panose="020B0503020204020204" pitchFamily="34" charset="-122"/>
-                      </a:endParaRPr>
                     </a:p>
                   </a:txBody>
                   <a:tcPr anchor="b">
@@ -23263,13 +23184,6 @@
                         </a:rPr>
                         <a:t>研究内容</a:t>
                       </a:r>
-                      <a:endParaRPr lang="zh-CN" altLang="en-US" b="1" dirty="0">
-                        <a:solidFill>
-                          <a:schemeClr val="bg1"/>
-                        </a:solidFill>
-                        <a:latin typeface="微软雅黑" panose="020B0503020204020204" pitchFamily="34" charset="-122"/>
-                        <a:ea typeface="微软雅黑" panose="020B0503020204020204" pitchFamily="34" charset="-122"/>
-                      </a:endParaRPr>
                     </a:p>
                   </a:txBody>
                   <a:tcPr anchor="ctr">
@@ -23355,15 +23269,6 @@
                         </a:rPr>
                         <a:t>研究计划</a:t>
                       </a:r>
-                      <a:endParaRPr lang="zh-CN" altLang="en-US" b="0" dirty="0">
-                        <a:solidFill>
-                          <a:schemeClr val="accent1">
-                            <a:lumMod val="75000"/>
-                          </a:schemeClr>
-                        </a:solidFill>
-                        <a:latin typeface="微软雅黑" panose="020B0503020204020204" pitchFamily="34" charset="-122"/>
-                        <a:ea typeface="微软雅黑" panose="020B0503020204020204" pitchFamily="34" charset="-122"/>
-                      </a:endParaRPr>
                     </a:p>
                   </a:txBody>
                   <a:tcPr anchor="b">
@@ -23447,15 +23352,6 @@
                         </a:rPr>
                         <a:t>研究进展</a:t>
                       </a:r>
-                      <a:endParaRPr lang="zh-CN" altLang="en-US" b="0" dirty="0">
-                        <a:solidFill>
-                          <a:schemeClr val="accent1">
-                            <a:lumMod val="75000"/>
-                          </a:schemeClr>
-                        </a:solidFill>
-                        <a:latin typeface="微软雅黑" panose="020B0503020204020204" pitchFamily="34" charset="-122"/>
-                        <a:ea typeface="微软雅黑" panose="020B0503020204020204" pitchFamily="34" charset="-122"/>
-                      </a:endParaRPr>
                     </a:p>
                   </a:txBody>
                   <a:tcPr anchor="b">
@@ -23506,6 +23402,11 @@
                     <a:noFill/>
                   </a:tcPr>
                 </a:tc>
+                <a:extLst>
+                  <a:ext uri="{0D108BD9-81ED-4DB2-BD59-A6C34878D82A}">
+                    <a16:rowId xmlns:a16="http://schemas.microsoft.com/office/drawing/2014/main" val="10000"/>
+                  </a:ext>
+                </a:extLst>
               </a:tr>
               <a:tr h="164799">
                 <a:tc>
@@ -23576,6 +23477,13 @@
                   </a:tcPr>
                 </a:tc>
                 <a:tc vMerge="1">
+                  <a:txBody>
+                    <a:bodyPr/>
+                    <a:lstStyle/>
+                    <a:p>
+                      <a:endParaRPr lang="zh-CN"/>
+                    </a:p>
+                  </a:txBody>
                   <a:tcPr anchor="ctr">
                     <a:lnL w="57150" cap="flat" cmpd="sng" algn="ctr">
                       <a:solidFill>
@@ -23760,6 +23668,11 @@
                     </a:solidFill>
                   </a:tcPr>
                 </a:tc>
+                <a:extLst>
+                  <a:ext uri="{0D108BD9-81ED-4DB2-BD59-A6C34878D82A}">
+                    <a16:rowId xmlns:a16="http://schemas.microsoft.com/office/drawing/2014/main" val="10001"/>
+                  </a:ext>
+                </a:extLst>
               </a:tr>
             </a:tbl>
           </a:graphicData>
@@ -23774,7 +23687,7 @@
           <p:nvPr/>
         </p:nvPicPr>
         <p:blipFill>
-          <a:blip r:embed="rId1">
+          <a:blip r:embed="rId3">
             <a:extLst>
               <a:ext uri="{28A0092B-C50C-407E-A947-70E740481C1C}">
                 <a14:useLocalDpi xmlns:a14="http://schemas.microsoft.com/office/drawing/2010/main" val="0"/>
@@ -23804,7 +23717,7 @@
           <p:nvPr/>
         </p:nvPicPr>
         <p:blipFill>
-          <a:blip r:embed="rId2">
+          <a:blip r:embed="rId4">
             <a:extLst>
               <a:ext uri="{28A0092B-C50C-407E-A947-70E740481C1C}">
                 <a14:useLocalDpi xmlns:a14="http://schemas.microsoft.com/office/drawing/2010/main" val="0"/>
@@ -23854,10 +23767,6 @@
               </a:rPr>
               <a:t>图二</a:t>
             </a:r>
-            <a:endParaRPr lang="zh-CN" altLang="en-US" sz="1400" dirty="0">
-              <a:latin typeface="微软雅黑" panose="020B0503020204020204" pitchFamily="34" charset="-122"/>
-              <a:ea typeface="微软雅黑" panose="020B0503020204020204" pitchFamily="34" charset="-122"/>
-            </a:endParaRPr>
           </a:p>
         </p:txBody>
       </p:sp>
@@ -23890,10 +23799,6 @@
               </a:rPr>
               <a:t>图三</a:t>
             </a:r>
-            <a:endParaRPr lang="zh-CN" altLang="en-US" sz="1400" dirty="0">
-              <a:latin typeface="微软雅黑" panose="020B0503020204020204" pitchFamily="34" charset="-122"/>
-              <a:ea typeface="微软雅黑" panose="020B0503020204020204" pitchFamily="34" charset="-122"/>
-            </a:endParaRPr>
           </a:p>
         </p:txBody>
       </p:sp>
@@ -23906,7 +23811,7 @@
           <p:nvPr/>
         </p:nvPicPr>
         <p:blipFill>
-          <a:blip r:embed="rId3">
+          <a:blip r:embed="rId5">
             <a:extLst>
               <a:ext uri="{28A0092B-C50C-407E-A947-70E740481C1C}">
                 <a14:useLocalDpi xmlns:a14="http://schemas.microsoft.com/office/drawing/2010/main" val="0"/>
@@ -24033,10 +23938,6 @@
               </a:rPr>
               <a:t>个分布元的备选模型作为最佳模型。</a:t>
             </a:r>
-            <a:endParaRPr lang="zh-CN" altLang="en-US" dirty="0">
-              <a:latin typeface="微软雅黑" panose="020B0503020204020204" pitchFamily="34" charset="-122"/>
-              <a:ea typeface="微软雅黑" panose="020B0503020204020204" pitchFamily="34" charset="-122"/>
-            </a:endParaRPr>
           </a:p>
         </p:txBody>
       </p:sp>
@@ -24084,10 +23985,34 @@
                 <a:tableStyleId>{5C22544A-7EE6-4342-B048-85BDC9FD1C3A}</a:tableStyleId>
               </a:tblPr>
               <a:tblGrid>
-                <a:gridCol w="2308543"/>
-                <a:gridCol w="1656000"/>
-                <a:gridCol w="1656000"/>
-                <a:gridCol w="1656000"/>
+                <a:gridCol w="2308543">
+                  <a:extLst>
+                    <a:ext uri="{9D8B030D-6E8A-4147-A177-3AD203B41FA5}">
+                      <a16:colId xmlns:a16="http://schemas.microsoft.com/office/drawing/2014/main" val="20000"/>
+                    </a:ext>
+                  </a:extLst>
+                </a:gridCol>
+                <a:gridCol w="1656000">
+                  <a:extLst>
+                    <a:ext uri="{9D8B030D-6E8A-4147-A177-3AD203B41FA5}">
+                      <a16:colId xmlns:a16="http://schemas.microsoft.com/office/drawing/2014/main" val="20001"/>
+                    </a:ext>
+                  </a:extLst>
+                </a:gridCol>
+                <a:gridCol w="1656000">
+                  <a:extLst>
+                    <a:ext uri="{9D8B030D-6E8A-4147-A177-3AD203B41FA5}">
+                      <a16:colId xmlns:a16="http://schemas.microsoft.com/office/drawing/2014/main" val="20002"/>
+                    </a:ext>
+                  </a:extLst>
+                </a:gridCol>
+                <a:gridCol w="1656000">
+                  <a:extLst>
+                    <a:ext uri="{9D8B030D-6E8A-4147-A177-3AD203B41FA5}">
+                      <a16:colId xmlns:a16="http://schemas.microsoft.com/office/drawing/2014/main" val="20003"/>
+                    </a:ext>
+                  </a:extLst>
+                </a:gridCol>
               </a:tblGrid>
               <a:tr h="497601">
                 <a:tc>
@@ -24108,15 +24033,6 @@
                         </a:rPr>
                         <a:t>背景介绍及研究意义</a:t>
                       </a:r>
-                      <a:endParaRPr lang="zh-CN" altLang="en-US" b="0" dirty="0">
-                        <a:solidFill>
-                          <a:schemeClr val="accent1">
-                            <a:lumMod val="75000"/>
-                          </a:schemeClr>
-                        </a:solidFill>
-                        <a:latin typeface="微软雅黑" panose="020B0503020204020204" pitchFamily="34" charset="-122"/>
-                        <a:ea typeface="微软雅黑" panose="020B0503020204020204" pitchFamily="34" charset="-122"/>
-                      </a:endParaRPr>
                     </a:p>
                   </a:txBody>
                   <a:tcPr anchor="b">
@@ -24198,13 +24114,6 @@
                         </a:rPr>
                         <a:t>研究内容</a:t>
                       </a:r>
-                      <a:endParaRPr lang="zh-CN" altLang="en-US" b="1" dirty="0">
-                        <a:solidFill>
-                          <a:schemeClr val="bg1"/>
-                        </a:solidFill>
-                        <a:latin typeface="微软雅黑" panose="020B0503020204020204" pitchFamily="34" charset="-122"/>
-                        <a:ea typeface="微软雅黑" panose="020B0503020204020204" pitchFamily="34" charset="-122"/>
-                      </a:endParaRPr>
                     </a:p>
                   </a:txBody>
                   <a:tcPr anchor="ctr">
@@ -24290,15 +24199,6 @@
                         </a:rPr>
                         <a:t>研究计划</a:t>
                       </a:r>
-                      <a:endParaRPr lang="zh-CN" altLang="en-US" b="0" dirty="0">
-                        <a:solidFill>
-                          <a:schemeClr val="accent1">
-                            <a:lumMod val="75000"/>
-                          </a:schemeClr>
-                        </a:solidFill>
-                        <a:latin typeface="微软雅黑" panose="020B0503020204020204" pitchFamily="34" charset="-122"/>
-                        <a:ea typeface="微软雅黑" panose="020B0503020204020204" pitchFamily="34" charset="-122"/>
-                      </a:endParaRPr>
                     </a:p>
                   </a:txBody>
                   <a:tcPr anchor="b">
@@ -24382,15 +24282,6 @@
                         </a:rPr>
                         <a:t>研究进展</a:t>
                       </a:r>
-                      <a:endParaRPr lang="zh-CN" altLang="en-US" b="0" dirty="0">
-                        <a:solidFill>
-                          <a:schemeClr val="accent1">
-                            <a:lumMod val="75000"/>
-                          </a:schemeClr>
-                        </a:solidFill>
-                        <a:latin typeface="微软雅黑" panose="020B0503020204020204" pitchFamily="34" charset="-122"/>
-                        <a:ea typeface="微软雅黑" panose="020B0503020204020204" pitchFamily="34" charset="-122"/>
-                      </a:endParaRPr>
                     </a:p>
                   </a:txBody>
                   <a:tcPr anchor="b">
@@ -24441,6 +24332,11 @@
                     <a:noFill/>
                   </a:tcPr>
                 </a:tc>
+                <a:extLst>
+                  <a:ext uri="{0D108BD9-81ED-4DB2-BD59-A6C34878D82A}">
+                    <a16:rowId xmlns:a16="http://schemas.microsoft.com/office/drawing/2014/main" val="10000"/>
+                  </a:ext>
+                </a:extLst>
               </a:tr>
               <a:tr h="164799">
                 <a:tc>
@@ -24511,6 +24407,13 @@
                   </a:tcPr>
                 </a:tc>
                 <a:tc vMerge="1">
+                  <a:txBody>
+                    <a:bodyPr/>
+                    <a:lstStyle/>
+                    <a:p>
+                      <a:endParaRPr lang="zh-CN"/>
+                    </a:p>
+                  </a:txBody>
                   <a:tcPr anchor="ctr">
                     <a:lnL w="57150" cap="flat" cmpd="sng" algn="ctr">
                       <a:solidFill>
@@ -24695,6 +24598,11 @@
                     </a:solidFill>
                   </a:tcPr>
                 </a:tc>
+                <a:extLst>
+                  <a:ext uri="{0D108BD9-81ED-4DB2-BD59-A6C34878D82A}">
+                    <a16:rowId xmlns:a16="http://schemas.microsoft.com/office/drawing/2014/main" val="10001"/>
+                  </a:ext>
+                </a:extLst>
               </a:tr>
             </a:tbl>
           </a:graphicData>
@@ -24709,7 +24617,7 @@
           <p:nvPr/>
         </p:nvPicPr>
         <p:blipFill>
-          <a:blip r:embed="rId1">
+          <a:blip r:embed="rId3">
             <a:extLst>
               <a:ext uri="{28A0092B-C50C-407E-A947-70E740481C1C}">
                 <a14:useLocalDpi xmlns:a14="http://schemas.microsoft.com/office/drawing/2010/main" val="0"/>
@@ -24739,7 +24647,7 @@
           <p:nvPr/>
         </p:nvPicPr>
         <p:blipFill>
-          <a:blip r:embed="rId2">
+          <a:blip r:embed="rId4">
             <a:extLst>
               <a:ext uri="{28A0092B-C50C-407E-A947-70E740481C1C}">
                 <a14:useLocalDpi xmlns:a14="http://schemas.microsoft.com/office/drawing/2010/main" val="0"/>
@@ -24789,10 +24697,6 @@
               </a:rPr>
               <a:t>图四</a:t>
             </a:r>
-            <a:endParaRPr lang="zh-CN" altLang="en-US" sz="1400" dirty="0">
-              <a:latin typeface="微软雅黑" panose="020B0503020204020204" pitchFamily="34" charset="-122"/>
-              <a:ea typeface="微软雅黑" panose="020B0503020204020204" pitchFamily="34" charset="-122"/>
-            </a:endParaRPr>
           </a:p>
         </p:txBody>
       </p:sp>
@@ -24825,10 +24729,6 @@
               </a:rPr>
               <a:t>图五</a:t>
             </a:r>
-            <a:endParaRPr lang="zh-CN" altLang="en-US" sz="1400" dirty="0">
-              <a:latin typeface="微软雅黑" panose="020B0503020204020204" pitchFamily="34" charset="-122"/>
-              <a:ea typeface="微软雅黑" panose="020B0503020204020204" pitchFamily="34" charset="-122"/>
-            </a:endParaRPr>
           </a:p>
         </p:txBody>
       </p:sp>
@@ -24866,10 +24766,6 @@
               </a:rPr>
               <a:t>图四后半段曲线，训练集关于备选模型的对数似然函数值，随着模型复杂度增加而增大的效果不明显，说明最优模型可以保证对数据的拟合能力。</a:t>
             </a:r>
-            <a:endParaRPr lang="zh-CN" altLang="en-US" dirty="0">
-              <a:latin typeface="微软雅黑" panose="020B0503020204020204" pitchFamily="34" charset="-122"/>
-              <a:ea typeface="微软雅黑" panose="020B0503020204020204" pitchFamily="34" charset="-122"/>
-            </a:endParaRPr>
           </a:p>
         </p:txBody>
       </p:sp>
@@ -24907,10 +24803,6 @@
               </a:rPr>
               <a:t>图五根据每个测试集样本关于备选模型的似然函数值，对备选模型进行投票，结果保证了最优模型的泛化能力。</a:t>
             </a:r>
-            <a:endParaRPr lang="zh-CN" altLang="en-US" dirty="0">
-              <a:latin typeface="微软雅黑" panose="020B0503020204020204" pitchFamily="34" charset="-122"/>
-              <a:ea typeface="微软雅黑" panose="020B0503020204020204" pitchFamily="34" charset="-122"/>
-            </a:endParaRPr>
           </a:p>
         </p:txBody>
       </p:sp>
@@ -24948,7 +24840,7 @@
           <p:nvPr/>
         </p:nvPicPr>
         <p:blipFill>
-          <a:blip r:embed="rId1"/>
+          <a:blip r:embed="rId2"/>
           <a:stretch>
             <a:fillRect/>
           </a:stretch>
@@ -24972,7 +24864,7 @@
           <p:nvPr/>
         </p:nvPicPr>
         <p:blipFill>
-          <a:blip r:embed="rId2"/>
+          <a:blip r:embed="rId3"/>
           <a:stretch>
             <a:fillRect/>
           </a:stretch>
@@ -25016,10 +24908,6 @@
               </a:rPr>
               <a:t>表一</a:t>
             </a:r>
-            <a:endParaRPr lang="zh-CN" altLang="en-US" dirty="0">
-              <a:latin typeface="微软雅黑" panose="020B0503020204020204" pitchFamily="34" charset="-122"/>
-              <a:ea typeface="微软雅黑" panose="020B0503020204020204" pitchFamily="34" charset="-122"/>
-            </a:endParaRPr>
           </a:p>
         </p:txBody>
       </p:sp>
@@ -25052,10 +24940,6 @@
               </a:rPr>
               <a:t>表二</a:t>
             </a:r>
-            <a:endParaRPr lang="zh-CN" altLang="en-US" dirty="0">
-              <a:latin typeface="微软雅黑" panose="020B0503020204020204" pitchFamily="34" charset="-122"/>
-              <a:ea typeface="微软雅黑" panose="020B0503020204020204" pitchFamily="34" charset="-122"/>
-            </a:endParaRPr>
           </a:p>
         </p:txBody>
       </p:sp>
@@ -25168,10 +25052,6 @@
               </a:rPr>
               <a:t>）数值计算的误差</a:t>
             </a:r>
-            <a:endParaRPr lang="zh-CN" altLang="en-US" sz="2000" dirty="0">
-              <a:latin typeface="微软雅黑" panose="020B0503020204020204" pitchFamily="34" charset="-122"/>
-              <a:ea typeface="微软雅黑" panose="020B0503020204020204" pitchFamily="34" charset="-122"/>
-            </a:endParaRPr>
           </a:p>
         </p:txBody>
       </p:sp>
@@ -25268,10 +25148,6 @@
               </a:rPr>
               <a:t>图一</a:t>
             </a:r>
-            <a:endParaRPr lang="zh-CN" altLang="en-US" sz="1400" dirty="0">
-              <a:latin typeface="微软雅黑" panose="020B0503020204020204" pitchFamily="34" charset="-122"/>
-              <a:ea typeface="微软雅黑" panose="020B0503020204020204" pitchFamily="34" charset="-122"/>
-            </a:endParaRPr>
           </a:p>
         </p:txBody>
       </p:sp>
@@ -25304,10 +25180,6 @@
               </a:rPr>
               <a:t>图二</a:t>
             </a:r>
-            <a:endParaRPr lang="zh-CN" altLang="en-US" sz="1400" dirty="0">
-              <a:latin typeface="微软雅黑" panose="020B0503020204020204" pitchFamily="34" charset="-122"/>
-              <a:ea typeface="微软雅黑" panose="020B0503020204020204" pitchFamily="34" charset="-122"/>
-            </a:endParaRPr>
           </a:p>
         </p:txBody>
       </p:sp>
@@ -25340,10 +25212,6 @@
               </a:rPr>
               <a:t>图三</a:t>
             </a:r>
-            <a:endParaRPr lang="zh-CN" altLang="en-US" sz="1400" dirty="0">
-              <a:latin typeface="微软雅黑" panose="020B0503020204020204" pitchFamily="34" charset="-122"/>
-              <a:ea typeface="微软雅黑" panose="020B0503020204020204" pitchFamily="34" charset="-122"/>
-            </a:endParaRPr>
           </a:p>
         </p:txBody>
       </p:sp>
@@ -25356,7 +25224,7 @@
           <p:nvPr/>
         </p:nvPicPr>
         <p:blipFill>
-          <a:blip r:embed="rId1" cstate="print">
+          <a:blip r:embed="rId3" cstate="print">
             <a:extLst>
               <a:ext uri="{28A0092B-C50C-407E-A947-70E740481C1C}">
                 <a14:useLocalDpi xmlns:a14="http://schemas.microsoft.com/office/drawing/2010/main" val="0"/>
@@ -25386,7 +25254,7 @@
           <p:nvPr/>
         </p:nvPicPr>
         <p:blipFill>
-          <a:blip r:embed="rId2" cstate="print">
+          <a:blip r:embed="rId4" cstate="print">
             <a:extLst>
               <a:ext uri="{28A0092B-C50C-407E-A947-70E740481C1C}">
                 <a14:useLocalDpi xmlns:a14="http://schemas.microsoft.com/office/drawing/2010/main" val="0"/>
@@ -25416,7 +25284,7 @@
           <p:nvPr/>
         </p:nvPicPr>
         <p:blipFill>
-          <a:blip r:embed="rId3" cstate="print">
+          <a:blip r:embed="rId5" cstate="print">
             <a:extLst>
               <a:ext uri="{28A0092B-C50C-407E-A947-70E740481C1C}">
                 <a14:useLocalDpi xmlns:a14="http://schemas.microsoft.com/office/drawing/2010/main" val="0"/>
@@ -25456,10 +25324,34 @@
                 <a:tableStyleId>{5C22544A-7EE6-4342-B048-85BDC9FD1C3A}</a:tableStyleId>
               </a:tblPr>
               <a:tblGrid>
-                <a:gridCol w="2308543"/>
-                <a:gridCol w="1656000"/>
-                <a:gridCol w="1656000"/>
-                <a:gridCol w="1656000"/>
+                <a:gridCol w="2308543">
+                  <a:extLst>
+                    <a:ext uri="{9D8B030D-6E8A-4147-A177-3AD203B41FA5}">
+                      <a16:colId xmlns:a16="http://schemas.microsoft.com/office/drawing/2014/main" val="20000"/>
+                    </a:ext>
+                  </a:extLst>
+                </a:gridCol>
+                <a:gridCol w="1656000">
+                  <a:extLst>
+                    <a:ext uri="{9D8B030D-6E8A-4147-A177-3AD203B41FA5}">
+                      <a16:colId xmlns:a16="http://schemas.microsoft.com/office/drawing/2014/main" val="20001"/>
+                    </a:ext>
+                  </a:extLst>
+                </a:gridCol>
+                <a:gridCol w="1656000">
+                  <a:extLst>
+                    <a:ext uri="{9D8B030D-6E8A-4147-A177-3AD203B41FA5}">
+                      <a16:colId xmlns:a16="http://schemas.microsoft.com/office/drawing/2014/main" val="20002"/>
+                    </a:ext>
+                  </a:extLst>
+                </a:gridCol>
+                <a:gridCol w="1656000">
+                  <a:extLst>
+                    <a:ext uri="{9D8B030D-6E8A-4147-A177-3AD203B41FA5}">
+                      <a16:colId xmlns:a16="http://schemas.microsoft.com/office/drawing/2014/main" val="20003"/>
+                    </a:ext>
+                  </a:extLst>
+                </a:gridCol>
               </a:tblGrid>
               <a:tr h="497601">
                 <a:tc>
@@ -25480,15 +25372,6 @@
                         </a:rPr>
                         <a:t>背景介绍及研究意义</a:t>
                       </a:r>
-                      <a:endParaRPr lang="zh-CN" altLang="en-US" b="0" dirty="0">
-                        <a:solidFill>
-                          <a:schemeClr val="accent1">
-                            <a:lumMod val="75000"/>
-                          </a:schemeClr>
-                        </a:solidFill>
-                        <a:latin typeface="微软雅黑" panose="020B0503020204020204" pitchFamily="34" charset="-122"/>
-                        <a:ea typeface="微软雅黑" panose="020B0503020204020204" pitchFamily="34" charset="-122"/>
-                      </a:endParaRPr>
                     </a:p>
                   </a:txBody>
                   <a:tcPr anchor="b">
@@ -25570,13 +25453,6 @@
                         </a:rPr>
                         <a:t>研究内容</a:t>
                       </a:r>
-                      <a:endParaRPr lang="zh-CN" altLang="en-US" b="1" dirty="0">
-                        <a:solidFill>
-                          <a:schemeClr val="bg1"/>
-                        </a:solidFill>
-                        <a:latin typeface="微软雅黑" panose="020B0503020204020204" pitchFamily="34" charset="-122"/>
-                        <a:ea typeface="微软雅黑" panose="020B0503020204020204" pitchFamily="34" charset="-122"/>
-                      </a:endParaRPr>
                     </a:p>
                   </a:txBody>
                   <a:tcPr anchor="ctr">
@@ -25662,15 +25538,6 @@
                         </a:rPr>
                         <a:t>研究计划</a:t>
                       </a:r>
-                      <a:endParaRPr lang="zh-CN" altLang="en-US" b="0" dirty="0">
-                        <a:solidFill>
-                          <a:schemeClr val="accent1">
-                            <a:lumMod val="75000"/>
-                          </a:schemeClr>
-                        </a:solidFill>
-                        <a:latin typeface="微软雅黑" panose="020B0503020204020204" pitchFamily="34" charset="-122"/>
-                        <a:ea typeface="微软雅黑" panose="020B0503020204020204" pitchFamily="34" charset="-122"/>
-                      </a:endParaRPr>
                     </a:p>
                   </a:txBody>
                   <a:tcPr anchor="b">
@@ -25754,15 +25621,6 @@
                         </a:rPr>
                         <a:t>研究进展</a:t>
                       </a:r>
-                      <a:endParaRPr lang="zh-CN" altLang="en-US" b="0" dirty="0">
-                        <a:solidFill>
-                          <a:schemeClr val="accent1">
-                            <a:lumMod val="75000"/>
-                          </a:schemeClr>
-                        </a:solidFill>
-                        <a:latin typeface="微软雅黑" panose="020B0503020204020204" pitchFamily="34" charset="-122"/>
-                        <a:ea typeface="微软雅黑" panose="020B0503020204020204" pitchFamily="34" charset="-122"/>
-                      </a:endParaRPr>
                     </a:p>
                   </a:txBody>
                   <a:tcPr anchor="b">
@@ -25813,6 +25671,11 @@
                     <a:noFill/>
                   </a:tcPr>
                 </a:tc>
+                <a:extLst>
+                  <a:ext uri="{0D108BD9-81ED-4DB2-BD59-A6C34878D82A}">
+                    <a16:rowId xmlns:a16="http://schemas.microsoft.com/office/drawing/2014/main" val="10000"/>
+                  </a:ext>
+                </a:extLst>
               </a:tr>
               <a:tr h="164799">
                 <a:tc>
@@ -25883,6 +25746,13 @@
                   </a:tcPr>
                 </a:tc>
                 <a:tc vMerge="1">
+                  <a:txBody>
+                    <a:bodyPr/>
+                    <a:lstStyle/>
+                    <a:p>
+                      <a:endParaRPr lang="zh-CN"/>
+                    </a:p>
+                  </a:txBody>
                   <a:tcPr anchor="ctr">
                     <a:lnL w="57150" cap="flat" cmpd="sng" algn="ctr">
                       <a:solidFill>
@@ -26067,6 +25937,11 @@
                     </a:solidFill>
                   </a:tcPr>
                 </a:tc>
+                <a:extLst>
+                  <a:ext uri="{0D108BD9-81ED-4DB2-BD59-A6C34878D82A}">
+                    <a16:rowId xmlns:a16="http://schemas.microsoft.com/office/drawing/2014/main" val="10001"/>
+                  </a:ext>
+                </a:extLst>
               </a:tr>
             </a:tbl>
           </a:graphicData>
@@ -26106,10 +25981,6 @@
               </a:rPr>
               <a:t>总结：结合模型复杂度估计的方法，可以最大程度避免主观判断对分类性能的影响，并且保证良好的分类性能。</a:t>
             </a:r>
-            <a:endParaRPr lang="zh-CN" altLang="en-US" dirty="0">
-              <a:latin typeface="微软雅黑" panose="020B0503020204020204" pitchFamily="34" charset="-122"/>
-              <a:ea typeface="微软雅黑" panose="020B0503020204020204" pitchFamily="34" charset="-122"/>
-            </a:endParaRPr>
           </a:p>
         </p:txBody>
       </p:sp>
@@ -26399,6 +26270,8 @@
       </a:bgFillStyleLst>
     </a:fmtScheme>
   </a:themeElements>
+  <a:objectDefaults/>
+  <a:extraClrSchemeLst/>
   <a:extLst>
     <a:ext uri="{05A4C25C-085E-4340-85A3-A5531E510DB2}">
       <thm15:themeFamily xmlns:thm15="http://schemas.microsoft.com/office/thememl/2012/main" name="Office Theme" id="{62F939B6-93AF-4DB8-9C6B-D6C7DFDC589F}" vid="{4A3C46E8-61CC-4603-A589-7422A47A8E4A}"/>
@@ -26658,6 +26531,8 @@
       </a:bgFillStyleLst>
     </a:fmtScheme>
   </a:themeElements>
+  <a:objectDefaults/>
+  <a:extraClrSchemeLst/>
   <a:extLst>
     <a:ext uri="{05A4C25C-085E-4340-85A3-A5531E510DB2}">
       <thm15:themeFamily xmlns:thm15="http://schemas.microsoft.com/office/thememl/2012/main" name="Office Theme" id="{62F939B6-93AF-4DB8-9C6B-D6C7DFDC589F}" vid="{4A3C46E8-61CC-4603-A589-7422A47A8E4A}"/>
